--- a/Presentation/PPT템플릿_강의안.pptx
+++ b/Presentation/PPT템플릿_강의안.pptx
@@ -5,7 +5,7 @@
     <p:sldMasterId id="2147483648" r:id="rId1"/>
   </p:sldMasterIdLst>
   <p:notesMasterIdLst>
-    <p:notesMasterId r:id="rId24"/>
+    <p:notesMasterId r:id="rId25"/>
   </p:notesMasterIdLst>
   <p:sldIdLst>
     <p:sldId id="304" r:id="rId2"/>
@@ -14,42 +14,43 @@
     <p:sldId id="288" r:id="rId5"/>
     <p:sldId id="267" r:id="rId6"/>
     <p:sldId id="305" r:id="rId7"/>
-    <p:sldId id="307" r:id="rId8"/>
-    <p:sldId id="290" r:id="rId9"/>
-    <p:sldId id="306" r:id="rId10"/>
+    <p:sldId id="290" r:id="rId8"/>
+    <p:sldId id="306" r:id="rId9"/>
+    <p:sldId id="307" r:id="rId10"/>
     <p:sldId id="308" r:id="rId11"/>
     <p:sldId id="281" r:id="rId12"/>
     <p:sldId id="292" r:id="rId13"/>
-    <p:sldId id="297" r:id="rId14"/>
-    <p:sldId id="294" r:id="rId15"/>
-    <p:sldId id="295" r:id="rId16"/>
-    <p:sldId id="296" r:id="rId17"/>
-    <p:sldId id="282" r:id="rId18"/>
-    <p:sldId id="299" r:id="rId19"/>
-    <p:sldId id="303" r:id="rId20"/>
-    <p:sldId id="300" r:id="rId21"/>
-    <p:sldId id="301" r:id="rId22"/>
-    <p:sldId id="302" r:id="rId23"/>
+    <p:sldId id="310" r:id="rId14"/>
+    <p:sldId id="297" r:id="rId15"/>
+    <p:sldId id="294" r:id="rId16"/>
+    <p:sldId id="295" r:id="rId17"/>
+    <p:sldId id="309" r:id="rId18"/>
+    <p:sldId id="282" r:id="rId19"/>
+    <p:sldId id="299" r:id="rId20"/>
+    <p:sldId id="303" r:id="rId21"/>
+    <p:sldId id="300" r:id="rId22"/>
+    <p:sldId id="301" r:id="rId23"/>
+    <p:sldId id="302" r:id="rId24"/>
   </p:sldIdLst>
   <p:sldSz cx="9144000" cy="6858000" type="screen4x3"/>
   <p:notesSz cx="6858000" cy="9144000"/>
   <p:embeddedFontLst>
     <p:embeddedFont>
-      <p:font typeface="맑은 고딕" panose="020B0503020000020004" pitchFamily="50" charset="-127"/>
-      <p:regular r:id="rId25"/>
-      <p:bold r:id="rId26"/>
+      <p:font typeface="a나무M" panose="02020600000000000000" pitchFamily="18" charset="-127"/>
+      <p:regular r:id="rId26"/>
     </p:embeddedFont>
     <p:embeddedFont>
       <p:font typeface="Arial Rounded MT Bold" panose="020F0704030504030204" pitchFamily="34" charset="0"/>
       <p:regular r:id="rId27"/>
     </p:embeddedFont>
     <p:embeddedFont>
-      <p:font typeface="Yoon 윤고딕 520_TT" panose="020B0600000101010101" charset="-127"/>
+      <p:font typeface="맑은 고딕" panose="020B0503020000020004" pitchFamily="50" charset="-127"/>
       <p:regular r:id="rId28"/>
+      <p:bold r:id="rId29"/>
     </p:embeddedFont>
     <p:embeddedFont>
-      <p:font typeface="a나무M" panose="02020600000000000000" pitchFamily="18" charset="-127"/>
-      <p:regular r:id="rId29"/>
+      <p:font typeface="Yoon 윤고딕 520_TT" panose="020B0600000101010101" charset="-127"/>
+      <p:regular r:id="rId30"/>
     </p:embeddedFont>
   </p:embeddedFontLst>
   <p:defaultTextStyle>
@@ -6750,7 +6751,7 @@
         </p:nvSpPr>
         <p:spPr>
           <a:xfrm>
-            <a:off x="-9283" y="1320875"/>
+            <a:off x="-9283" y="877188"/>
             <a:ext cx="834325" cy="343501"/>
           </a:xfrm>
           <a:prstGeom prst="rect">
@@ -6796,7 +6797,7 @@
         </p:nvSpPr>
         <p:spPr>
           <a:xfrm rot="5400000">
-            <a:off x="702755" y="1650949"/>
+            <a:off x="702755" y="1207262"/>
             <a:ext cx="81142" cy="108000"/>
           </a:xfrm>
           <a:prstGeom prst="rtTriangle">
@@ -6994,6 +6995,51 @@
               <a:rPr lang="en-US" altLang="ko-KR" sz="1600" dirty="0">
                 <a:ln>
                   <a:solidFill>
+                    <a:schemeClr val="bg1">
+                      <a:lumMod val="75000"/>
+                      <a:alpha val="30000"/>
+                    </a:schemeClr>
+                  </a:solidFill>
+                </a:ln>
+                <a:solidFill>
+                  <a:schemeClr val="bg1">
+                    <a:lumMod val="75000"/>
+                  </a:schemeClr>
+                </a:solidFill>
+                <a:latin typeface="Yoon 윤고딕 520_TT" pitchFamily="18" charset="-127"/>
+                <a:ea typeface="Yoon 윤고딕 520_TT" pitchFamily="18" charset="-127"/>
+              </a:rPr>
+              <a:t>01</a:t>
+            </a:r>
+          </a:p>
+        </p:txBody>
+      </p:sp>
+      <p:sp>
+        <p:nvSpPr>
+          <p:cNvPr id="32" name="TextBox 31"/>
+          <p:cNvSpPr txBox="1"/>
+          <p:nvPr/>
+        </p:nvSpPr>
+        <p:spPr>
+          <a:xfrm>
+            <a:off x="107504" y="2775118"/>
+            <a:ext cx="450395" cy="338554"/>
+          </a:xfrm>
+          <a:prstGeom prst="rect">
+            <a:avLst/>
+          </a:prstGeom>
+          <a:noFill/>
+        </p:spPr>
+        <p:txBody>
+          <a:bodyPr wrap="square" rtlCol="0">
+            <a:spAutoFit/>
+          </a:bodyPr>
+          <a:lstStyle/>
+          <a:p>
+            <a:r>
+              <a:rPr lang="en-US" altLang="ko-KR" sz="1600" dirty="0">
+                <a:ln>
+                  <a:solidFill>
                     <a:schemeClr val="tx1">
                       <a:alpha val="30000"/>
                     </a:schemeClr>
@@ -7007,77 +7053,70 @@
                 <a:latin typeface="Yoon 윤고딕 520_TT" pitchFamily="18" charset="-127"/>
                 <a:ea typeface="Yoon 윤고딕 520_TT" pitchFamily="18" charset="-127"/>
               </a:rPr>
-              <a:t>01</a:t>
-            </a:r>
-          </a:p>
-        </p:txBody>
-      </p:sp>
-      <p:sp>
-        <p:nvSpPr>
-          <p:cNvPr id="17" name="TextBox 16"/>
-          <p:cNvSpPr txBox="1"/>
-          <p:nvPr/>
-        </p:nvSpPr>
-        <p:spPr>
-          <a:xfrm>
-            <a:off x="1979712" y="1412776"/>
-            <a:ext cx="3024336" cy="369332"/>
+              <a:t>05</a:t>
+            </a:r>
+          </a:p>
+        </p:txBody>
+      </p:sp>
+      <p:sp>
+        <p:nvSpPr>
+          <p:cNvPr id="41" name="직사각형 40">
+            <a:extLst>
+              <a:ext uri="{FF2B5EF4-FFF2-40B4-BE49-F238E27FC236}">
+                <a16:creationId xmlns:a16="http://schemas.microsoft.com/office/drawing/2014/main" id="{8D6AA74C-87A9-471C-8752-C44FFEBD67EC}"/>
+              </a:ext>
+            </a:extLst>
+          </p:cNvPr>
+          <p:cNvSpPr/>
+          <p:nvPr/>
+        </p:nvSpPr>
+        <p:spPr>
+          <a:xfrm>
+            <a:off x="1135221" y="911544"/>
+            <a:ext cx="1269899" cy="461665"/>
           </a:xfrm>
           <a:prstGeom prst="rect">
             <a:avLst/>
           </a:prstGeom>
-          <a:noFill/>
-        </p:spPr>
-        <p:txBody>
-          <a:bodyPr wrap="square" rtlCol="0">
+        </p:spPr>
+        <p:txBody>
+          <a:bodyPr wrap="none">
             <a:spAutoFit/>
           </a:bodyPr>
           <a:lstStyle/>
           <a:p>
-            <a:r>
-              <a:rPr lang="en-US" altLang="ko-KR" dirty="0">
-                <a:ln>
-                  <a:solidFill>
-                    <a:schemeClr val="tx1">
-                      <a:alpha val="30000"/>
-                    </a:schemeClr>
-                  </a:solidFill>
-                </a:ln>
-                <a:solidFill>
-                  <a:srgbClr val="272123"/>
+            <a:pPr>
+              <a:spcBef>
+                <a:spcPts val="1000"/>
+              </a:spcBef>
+            </a:pPr>
+            <a:r>
+              <a:rPr lang="ko-KR" altLang="en-US" sz="2400" spc="-150" dirty="0">
+                <a:ln>
+                  <a:solidFill>
+                    <a:schemeClr val="accent1">
+                      <a:alpha val="0"/>
+                    </a:schemeClr>
+                  </a:solidFill>
+                </a:ln>
+                <a:solidFill>
+                  <a:srgbClr val="282421"/>
                 </a:solidFill>
                 <a:latin typeface="a나무M" panose="02020600000000000000" pitchFamily="18" charset="-127"/>
                 <a:ea typeface="a나무M" panose="02020600000000000000" pitchFamily="18" charset="-127"/>
               </a:rPr>
-              <a:t>JSP/Servlet </a:t>
-            </a:r>
-            <a:r>
-              <a:rPr lang="ko-KR" altLang="en-US" dirty="0">
-                <a:ln>
-                  <a:solidFill>
-                    <a:schemeClr val="tx1">
-                      <a:alpha val="30000"/>
-                    </a:schemeClr>
-                  </a:solidFill>
-                </a:ln>
-                <a:solidFill>
-                  <a:srgbClr val="272123"/>
-                </a:solidFill>
-                <a:latin typeface="a나무M" panose="02020600000000000000" pitchFamily="18" charset="-127"/>
-                <a:ea typeface="a나무M" panose="02020600000000000000" pitchFamily="18" charset="-127"/>
-              </a:rPr>
-              <a:t>를 이용한 개발   </a:t>
-            </a:r>
-            <a:endParaRPr lang="en-US" altLang="ko-KR" dirty="0">
+              <a:t>개발 도구</a:t>
+            </a:r>
+            <a:endParaRPr lang="en-US" altLang="ko-KR" sz="2400" spc="-150" dirty="0">
               <a:ln>
                 <a:solidFill>
-                  <a:schemeClr val="tx1">
-                    <a:alpha val="30000"/>
+                  <a:schemeClr val="accent1">
+                    <a:alpha val="0"/>
                   </a:schemeClr>
                 </a:solidFill>
               </a:ln>
               <a:solidFill>
-                <a:srgbClr val="272123"/>
+                <a:srgbClr val="282421"/>
               </a:solidFill>
               <a:latin typeface="a나무M" panose="02020600000000000000" pitchFamily="18" charset="-127"/>
               <a:ea typeface="a나무M" panose="02020600000000000000" pitchFamily="18" charset="-127"/>
@@ -7085,481 +7124,230 @@
           </a:p>
         </p:txBody>
       </p:sp>
-      <p:sp>
-        <p:nvSpPr>
-          <p:cNvPr id="12" name="타원 11"/>
-          <p:cNvSpPr/>
-          <p:nvPr/>
-        </p:nvSpPr>
-        <p:spPr>
-          <a:xfrm>
-            <a:off x="3502613" y="3141208"/>
-            <a:ext cx="2160000" cy="2160000"/>
-          </a:xfrm>
-          <a:prstGeom prst="ellipse">
+      <p:pic>
+        <p:nvPicPr>
+          <p:cNvPr id="42" name="Picture 6" descr="jspservlet에 대한 이미지 검색결과">
+            <a:extLst>
+              <a:ext uri="{FF2B5EF4-FFF2-40B4-BE49-F238E27FC236}">
+                <a16:creationId xmlns:a16="http://schemas.microsoft.com/office/drawing/2014/main" id="{55ED18B1-42B3-4463-80FA-A9C17F7764AA}"/>
+              </a:ext>
+            </a:extLst>
+          </p:cNvPr>
+          <p:cNvPicPr>
+            <a:picLocks noChangeAspect="1" noChangeArrowheads="1"/>
+          </p:cNvPicPr>
+          <p:nvPr/>
+        </p:nvPicPr>
+        <p:blipFill>
+          <a:blip r:embed="rId2">
+            <a:extLst>
+              <a:ext uri="{28A0092B-C50C-407E-A947-70E740481C1C}">
+                <a14:useLocalDpi xmlns:a14="http://schemas.microsoft.com/office/drawing/2010/main" val="0"/>
+              </a:ext>
+            </a:extLst>
+          </a:blip>
+          <a:srcRect/>
+          <a:stretch>
+            <a:fillRect/>
+          </a:stretch>
+        </p:blipFill>
+        <p:spPr bwMode="auto">
+          <a:xfrm>
+            <a:off x="994711" y="4836558"/>
+            <a:ext cx="3388862" cy="1882089"/>
+          </a:xfrm>
+          <a:prstGeom prst="rect">
             <a:avLst/>
           </a:prstGeom>
           <a:noFill/>
-          <a:ln w="22225">
-            <a:solidFill>
-              <a:srgbClr val="AF9061"/>
-            </a:solidFill>
-          </a:ln>
-        </p:spPr>
-        <p:style>
-          <a:lnRef idx="2">
-            <a:schemeClr val="accent1">
-              <a:shade val="50000"/>
-            </a:schemeClr>
-          </a:lnRef>
-          <a:fillRef idx="1">
-            <a:schemeClr val="accent1"/>
-          </a:fillRef>
-          <a:effectRef idx="0">
-            <a:schemeClr val="accent1"/>
-          </a:effectRef>
-          <a:fontRef idx="minor">
-            <a:schemeClr val="lt1"/>
-          </a:fontRef>
-        </p:style>
-        <p:txBody>
-          <a:bodyPr rtlCol="0" anchor="ctr"/>
-          <a:lstStyle/>
-          <a:p>
-            <a:pPr algn="ctr"/>
-            <a:endParaRPr lang="ko-KR" altLang="en-US"/>
-          </a:p>
-        </p:txBody>
-      </p:sp>
-      <p:sp>
-        <p:nvSpPr>
-          <p:cNvPr id="44" name="타원 43"/>
-          <p:cNvSpPr/>
-          <p:nvPr/>
-        </p:nvSpPr>
-        <p:spPr>
-          <a:xfrm>
-            <a:off x="4492613" y="3068960"/>
-            <a:ext cx="180000" cy="180000"/>
-          </a:xfrm>
-          <a:prstGeom prst="ellipse">
-            <a:avLst/>
-          </a:prstGeom>
-          <a:solidFill>
-            <a:srgbClr val="272123"/>
-          </a:solidFill>
-          <a:ln w="50800">
-            <a:solidFill>
-              <a:srgbClr val="AF9061">
-                <a:alpha val="80000"/>
-              </a:srgbClr>
-            </a:solidFill>
-          </a:ln>
-        </p:spPr>
-        <p:style>
-          <a:lnRef idx="2">
-            <a:schemeClr val="accent1">
-              <a:shade val="50000"/>
-            </a:schemeClr>
-          </a:lnRef>
-          <a:fillRef idx="1">
-            <a:schemeClr val="accent1"/>
-          </a:fillRef>
-          <a:effectRef idx="0">
-            <a:schemeClr val="accent1"/>
-          </a:effectRef>
-          <a:fontRef idx="minor">
-            <a:schemeClr val="lt1"/>
-          </a:fontRef>
-        </p:style>
-        <p:txBody>
-          <a:bodyPr rtlCol="0" anchor="ctr"/>
-          <a:lstStyle/>
-          <a:p>
-            <a:pPr algn="ctr"/>
-            <a:endParaRPr lang="ko-KR" altLang="en-US"/>
-          </a:p>
-        </p:txBody>
-      </p:sp>
-      <p:sp>
-        <p:nvSpPr>
-          <p:cNvPr id="45" name="타원 44"/>
-          <p:cNvSpPr/>
-          <p:nvPr/>
-        </p:nvSpPr>
-        <p:spPr>
-          <a:xfrm>
-            <a:off x="3502493" y="4571572"/>
-            <a:ext cx="180000" cy="180000"/>
-          </a:xfrm>
-          <a:prstGeom prst="ellipse">
-            <a:avLst/>
-          </a:prstGeom>
-          <a:solidFill>
-            <a:srgbClr val="272123"/>
-          </a:solidFill>
-          <a:ln w="50800">
-            <a:solidFill>
-              <a:srgbClr val="AF9061">
-                <a:alpha val="80000"/>
-              </a:srgbClr>
-            </a:solidFill>
-          </a:ln>
-        </p:spPr>
-        <p:style>
-          <a:lnRef idx="2">
-            <a:schemeClr val="accent1">
-              <a:shade val="50000"/>
-            </a:schemeClr>
-          </a:lnRef>
-          <a:fillRef idx="1">
-            <a:schemeClr val="accent1"/>
-          </a:fillRef>
-          <a:effectRef idx="0">
-            <a:schemeClr val="accent1"/>
-          </a:effectRef>
-          <a:fontRef idx="minor">
-            <a:schemeClr val="lt1"/>
-          </a:fontRef>
-        </p:style>
-        <p:txBody>
-          <a:bodyPr rtlCol="0" anchor="ctr"/>
-          <a:lstStyle/>
-          <a:p>
-            <a:pPr algn="ctr"/>
-            <a:endParaRPr lang="ko-KR" altLang="en-US"/>
-          </a:p>
-        </p:txBody>
-      </p:sp>
-      <p:sp>
-        <p:nvSpPr>
-          <p:cNvPr id="46" name="타원 45"/>
-          <p:cNvSpPr/>
-          <p:nvPr/>
-        </p:nvSpPr>
-        <p:spPr>
-          <a:xfrm>
-            <a:off x="5482733" y="4571572"/>
-            <a:ext cx="180000" cy="180000"/>
-          </a:xfrm>
-          <a:prstGeom prst="ellipse">
-            <a:avLst/>
-          </a:prstGeom>
-          <a:solidFill>
-            <a:srgbClr val="272123"/>
-          </a:solidFill>
-          <a:ln w="50800">
-            <a:solidFill>
-              <a:srgbClr val="AF9061">
-                <a:alpha val="80000"/>
-              </a:srgbClr>
-            </a:solidFill>
-          </a:ln>
-        </p:spPr>
-        <p:style>
-          <a:lnRef idx="2">
-            <a:schemeClr val="accent1">
-              <a:shade val="50000"/>
-            </a:schemeClr>
-          </a:lnRef>
-          <a:fillRef idx="1">
-            <a:schemeClr val="accent1"/>
-          </a:fillRef>
-          <a:effectRef idx="0">
-            <a:schemeClr val="accent1"/>
-          </a:effectRef>
-          <a:fontRef idx="minor">
-            <a:schemeClr val="lt1"/>
-          </a:fontRef>
-        </p:style>
-        <p:txBody>
-          <a:bodyPr rtlCol="0" anchor="ctr"/>
-          <a:lstStyle/>
-          <a:p>
-            <a:pPr algn="ctr"/>
-            <a:endParaRPr lang="ko-KR" altLang="en-US"/>
-          </a:p>
-        </p:txBody>
-      </p:sp>
-      <p:sp>
-        <p:nvSpPr>
-          <p:cNvPr id="47" name="TextBox 46"/>
-          <p:cNvSpPr txBox="1"/>
-          <p:nvPr/>
-        </p:nvSpPr>
-        <p:spPr>
-          <a:xfrm>
-            <a:off x="4032383" y="2669733"/>
-            <a:ext cx="1085825" cy="369332"/>
+          <a:extLst>
+            <a:ext uri="{909E8E84-426E-40DD-AFC4-6F175D3DCCD1}">
+              <a14:hiddenFill xmlns:a14="http://schemas.microsoft.com/office/drawing/2010/main">
+                <a:solidFill>
+                  <a:srgbClr val="FFFFFF"/>
+                </a:solidFill>
+              </a14:hiddenFill>
+            </a:ext>
+          </a:extLst>
+        </p:spPr>
+      </p:pic>
+      <p:pic>
+        <p:nvPicPr>
+          <p:cNvPr id="43" name="Picture 8" descr="eclipse에 대한 이미지 검색결과">
+            <a:extLst>
+              <a:ext uri="{FF2B5EF4-FFF2-40B4-BE49-F238E27FC236}">
+                <a16:creationId xmlns:a16="http://schemas.microsoft.com/office/drawing/2014/main" id="{7FC2A2FA-5A83-4426-BD58-33CCD026613F}"/>
+              </a:ext>
+            </a:extLst>
+          </p:cNvPr>
+          <p:cNvPicPr>
+            <a:picLocks noChangeAspect="1" noChangeArrowheads="1"/>
+          </p:cNvPicPr>
+          <p:nvPr/>
+        </p:nvPicPr>
+        <p:blipFill>
+          <a:blip r:embed="rId3">
+            <a:extLst>
+              <a:ext uri="{BEBA8EAE-BF5A-486C-A8C5-ECC9F3942E4B}">
+                <a14:imgProps xmlns:a14="http://schemas.microsoft.com/office/drawing/2010/main">
+                  <a14:imgLayer r:embed="rId4">
+                    <a14:imgEffect>
+                      <a14:backgroundRemoval t="0" b="93500" l="0" r="100000">
+                        <a14:foregroundMark x1="9750" y1="48000" x2="91000" y2="50250"/>
+                        <a14:foregroundMark x1="5750" y1="39000" x2="1000" y2="69500"/>
+                        <a14:foregroundMark x1="11250" y1="50000" x2="33250" y2="57750"/>
+                        <a14:foregroundMark x1="1000" y1="37750" x2="33750" y2="50750"/>
+                        <a14:foregroundMark x1="15750" y1="41750" x2="17000" y2="58750"/>
+                        <a14:foregroundMark x1="20750" y1="39750" x2="16750" y2="65750"/>
+                        <a14:foregroundMark x1="23500" y1="38000" x2="12000" y2="66500"/>
+                        <a14:foregroundMark x1="47250" y1="39750" x2="47750" y2="63000"/>
+                        <a14:foregroundMark x1="43750" y1="38000" x2="36250" y2="60500"/>
+                        <a14:foregroundMark x1="36250" y1="37000" x2="53250" y2="51750"/>
+                        <a14:foregroundMark x1="65750" y1="42000" x2="66750" y2="49750"/>
+                        <a14:foregroundMark x1="58000" y1="27500" x2="54750" y2="54750"/>
+                        <a14:foregroundMark x1="57750" y1="38250" x2="57750" y2="51250"/>
+                        <a14:foregroundMark x1="60750" y1="43500" x2="88500" y2="49750"/>
+                        <a14:foregroundMark x1="94750" y1="47500" x2="89250" y2="58250"/>
+                        <a14:foregroundMark x1="88500" y1="42500" x2="89250" y2="58250"/>
+                        <a14:foregroundMark x1="87250" y1="52250" x2="66750" y2="58250"/>
+                        <a14:foregroundMark x1="83750" y1="50250" x2="56000" y2="62250"/>
+                        <a14:foregroundMark x1="65000" y1="53750" x2="34500" y2="59250"/>
+                        <a14:foregroundMark x1="70000" y1="53500" x2="20000" y2="52250"/>
+                        <a14:foregroundMark x1="58500" y1="39250" x2="63000" y2="38250"/>
+                        <a14:foregroundMark x1="15000" y1="50250" x2="12500" y2="60000"/>
+                      </a14:backgroundRemoval>
+                    </a14:imgEffect>
+                  </a14:imgLayer>
+                </a14:imgProps>
+              </a:ext>
+              <a:ext uri="{28A0092B-C50C-407E-A947-70E740481C1C}">
+                <a14:useLocalDpi xmlns:a14="http://schemas.microsoft.com/office/drawing/2010/main" val="0"/>
+              </a:ext>
+            </a:extLst>
+          </a:blip>
+          <a:srcRect/>
+          <a:stretch>
+            <a:fillRect/>
+          </a:stretch>
+        </p:blipFill>
+        <p:spPr bwMode="auto">
+          <a:xfrm>
+            <a:off x="5872661" y="186831"/>
+            <a:ext cx="2447113" cy="2447113"/>
           </a:xfrm>
           <a:prstGeom prst="rect">
             <a:avLst/>
           </a:prstGeom>
           <a:noFill/>
-        </p:spPr>
-        <p:txBody>
-          <a:bodyPr wrap="square" rtlCol="0">
-            <a:spAutoFit/>
-          </a:bodyPr>
-          <a:lstStyle/>
-          <a:p>
-            <a:pPr algn="ctr"/>
-            <a:r>
-              <a:rPr lang="en-US" altLang="ko-KR" b="1" dirty="0" err="1">
-                <a:ln>
-                  <a:solidFill>
-                    <a:srgbClr val="7AB53D">
-                      <a:alpha val="30000"/>
-                    </a:srgbClr>
-                  </a:solidFill>
-                </a:ln>
-                <a:latin typeface="a나무M" panose="02020600000000000000" pitchFamily="18" charset="-127"/>
-                <a:ea typeface="a나무M" panose="02020600000000000000" pitchFamily="18" charset="-127"/>
-              </a:rPr>
-              <a:t>Jsp</a:t>
-            </a:r>
-            <a:endParaRPr lang="en-US" altLang="ko-KR" b="1" dirty="0">
-              <a:ln>
-                <a:solidFill>
-                  <a:srgbClr val="7AB53D">
-                    <a:alpha val="30000"/>
-                  </a:srgbClr>
-                </a:solidFill>
-              </a:ln>
-              <a:latin typeface="a나무M" panose="02020600000000000000" pitchFamily="18" charset="-127"/>
-              <a:ea typeface="a나무M" panose="02020600000000000000" pitchFamily="18" charset="-127"/>
-            </a:endParaRPr>
-          </a:p>
-        </p:txBody>
-      </p:sp>
-      <p:sp>
-        <p:nvSpPr>
-          <p:cNvPr id="48" name="TextBox 47"/>
-          <p:cNvSpPr txBox="1"/>
-          <p:nvPr/>
-        </p:nvSpPr>
-        <p:spPr>
-          <a:xfrm>
-            <a:off x="2267744" y="4476906"/>
-            <a:ext cx="1213523" cy="369332"/>
+          <a:extLst>
+            <a:ext uri="{909E8E84-426E-40DD-AFC4-6F175D3DCCD1}">
+              <a14:hiddenFill xmlns:a14="http://schemas.microsoft.com/office/drawing/2010/main">
+                <a:solidFill>
+                  <a:srgbClr val="FFFFFF"/>
+                </a:solidFill>
+              </a14:hiddenFill>
+            </a:ext>
+          </a:extLst>
+        </p:spPr>
+      </p:pic>
+      <p:pic>
+        <p:nvPicPr>
+          <p:cNvPr id="44" name="Picture 10" descr="html css js에 대한 이미지 검색결과">
+            <a:extLst>
+              <a:ext uri="{FF2B5EF4-FFF2-40B4-BE49-F238E27FC236}">
+                <a16:creationId xmlns:a16="http://schemas.microsoft.com/office/drawing/2014/main" id="{B6033F8A-F870-4FBB-994A-1B75EE250247}"/>
+              </a:ext>
+            </a:extLst>
+          </p:cNvPr>
+          <p:cNvPicPr>
+            <a:picLocks noChangeAspect="1" noChangeArrowheads="1"/>
+          </p:cNvPicPr>
+          <p:nvPr/>
+        </p:nvPicPr>
+        <p:blipFill>
+          <a:blip r:embed="rId5">
+            <a:extLst>
+              <a:ext uri="{28A0092B-C50C-407E-A947-70E740481C1C}">
+                <a14:useLocalDpi xmlns:a14="http://schemas.microsoft.com/office/drawing/2010/main" val="0"/>
+              </a:ext>
+            </a:extLst>
+          </a:blip>
+          <a:srcRect/>
+          <a:stretch>
+            <a:fillRect/>
+          </a:stretch>
+        </p:blipFill>
+        <p:spPr bwMode="auto">
+          <a:xfrm>
+            <a:off x="1627951" y="1710965"/>
+            <a:ext cx="6440129" cy="3773513"/>
           </a:xfrm>
           <a:prstGeom prst="rect">
             <a:avLst/>
           </a:prstGeom>
           <a:noFill/>
-        </p:spPr>
-        <p:txBody>
-          <a:bodyPr wrap="square" rtlCol="0">
-            <a:spAutoFit/>
-          </a:bodyPr>
-          <a:lstStyle/>
-          <a:p>
-            <a:pPr algn="ctr"/>
-            <a:r>
-              <a:rPr lang="en-US" altLang="ko-KR" b="1" dirty="0">
-                <a:ln>
-                  <a:solidFill>
-                    <a:srgbClr val="FDA800">
-                      <a:alpha val="30000"/>
-                    </a:srgbClr>
-                  </a:solidFill>
-                </a:ln>
-                <a:latin typeface="a나무M" panose="02020600000000000000" pitchFamily="18" charset="-127"/>
-                <a:ea typeface="a나무M" panose="02020600000000000000" pitchFamily="18" charset="-127"/>
-              </a:rPr>
-              <a:t>Database</a:t>
-            </a:r>
-          </a:p>
-        </p:txBody>
-      </p:sp>
-      <p:sp>
-        <p:nvSpPr>
-          <p:cNvPr id="49" name="TextBox 48"/>
-          <p:cNvSpPr txBox="1"/>
-          <p:nvPr/>
-        </p:nvSpPr>
-        <p:spPr>
-          <a:xfrm>
-            <a:off x="5662733" y="4476906"/>
-            <a:ext cx="1085825" cy="369332"/>
+          <a:extLst>
+            <a:ext uri="{909E8E84-426E-40DD-AFC4-6F175D3DCCD1}">
+              <a14:hiddenFill xmlns:a14="http://schemas.microsoft.com/office/drawing/2010/main">
+                <a:solidFill>
+                  <a:srgbClr val="FFFFFF"/>
+                </a:solidFill>
+              </a14:hiddenFill>
+            </a:ext>
+          </a:extLst>
+        </p:spPr>
+      </p:pic>
+      <p:pic>
+        <p:nvPicPr>
+          <p:cNvPr id="45" name="Picture 12" descr="github에 대한 이미지 검색결과">
+            <a:extLst>
+              <a:ext uri="{FF2B5EF4-FFF2-40B4-BE49-F238E27FC236}">
+                <a16:creationId xmlns:a16="http://schemas.microsoft.com/office/drawing/2014/main" id="{220F0688-BA24-437C-BCDD-30ED576B87DB}"/>
+              </a:ext>
+            </a:extLst>
+          </p:cNvPr>
+          <p:cNvPicPr>
+            <a:picLocks noChangeAspect="1" noChangeArrowheads="1"/>
+          </p:cNvPicPr>
+          <p:nvPr/>
+        </p:nvPicPr>
+        <p:blipFill>
+          <a:blip r:embed="rId6" cstate="print">
+            <a:extLst>
+              <a:ext uri="{28A0092B-C50C-407E-A947-70E740481C1C}">
+                <a14:useLocalDpi xmlns:a14="http://schemas.microsoft.com/office/drawing/2010/main" val="0"/>
+              </a:ext>
+            </a:extLst>
+          </a:blip>
+          <a:srcRect/>
+          <a:stretch>
+            <a:fillRect/>
+          </a:stretch>
+        </p:blipFill>
+        <p:spPr bwMode="auto">
+          <a:xfrm>
+            <a:off x="6287555" y="5229200"/>
+            <a:ext cx="1338057" cy="1338057"/>
           </a:xfrm>
           <a:prstGeom prst="rect">
             <a:avLst/>
           </a:prstGeom>
           <a:noFill/>
-        </p:spPr>
-        <p:txBody>
-          <a:bodyPr wrap="square" rtlCol="0">
-            <a:spAutoFit/>
-          </a:bodyPr>
-          <a:lstStyle/>
-          <a:p>
-            <a:pPr algn="ctr"/>
-            <a:r>
-              <a:rPr lang="en-US" altLang="ko-KR" b="1" dirty="0">
-                <a:ln>
-                  <a:solidFill>
-                    <a:srgbClr val="FDA800">
-                      <a:alpha val="30000"/>
-                    </a:srgbClr>
-                  </a:solidFill>
-                </a:ln>
-                <a:latin typeface="Yoon 윤고딕 520_TT" pitchFamily="18" charset="-127"/>
-                <a:ea typeface="Yoon 윤고딕 520_TT" pitchFamily="18" charset="-127"/>
-              </a:rPr>
-              <a:t>Servlet</a:t>
-            </a:r>
-          </a:p>
-        </p:txBody>
-      </p:sp>
-      <p:sp>
-        <p:nvSpPr>
-          <p:cNvPr id="26" name="갈매기형 수장 25"/>
-          <p:cNvSpPr/>
-          <p:nvPr/>
-        </p:nvSpPr>
-        <p:spPr>
-          <a:xfrm>
-            <a:off x="1767323" y="1501677"/>
-            <a:ext cx="140381" cy="154419"/>
-          </a:xfrm>
-          <a:prstGeom prst="chevron">
-            <a:avLst/>
-          </a:prstGeom>
-          <a:solidFill>
-            <a:srgbClr val="272123"/>
-          </a:solidFill>
-          <a:ln>
-            <a:noFill/>
-          </a:ln>
-        </p:spPr>
-        <p:style>
-          <a:lnRef idx="2">
-            <a:schemeClr val="accent1">
-              <a:shade val="50000"/>
-            </a:schemeClr>
-          </a:lnRef>
-          <a:fillRef idx="1">
-            <a:schemeClr val="accent1"/>
-          </a:fillRef>
-          <a:effectRef idx="0">
-            <a:schemeClr val="accent1"/>
-          </a:effectRef>
-          <a:fontRef idx="minor">
-            <a:schemeClr val="lt1"/>
-          </a:fontRef>
-        </p:style>
-        <p:txBody>
-          <a:bodyPr rtlCol="0" anchor="ctr"/>
-          <a:lstStyle/>
-          <a:p>
-            <a:pPr algn="ctr"/>
-            <a:endParaRPr lang="ko-KR" altLang="en-US">
-              <a:solidFill>
-                <a:schemeClr val="tx1"/>
-              </a:solidFill>
-            </a:endParaRPr>
-          </a:p>
-        </p:txBody>
-      </p:sp>
-      <p:sp>
-        <p:nvSpPr>
-          <p:cNvPr id="27" name="갈매기형 수장 26"/>
-          <p:cNvSpPr/>
-          <p:nvPr/>
-        </p:nvSpPr>
-        <p:spPr>
-          <a:xfrm>
-            <a:off x="1619672" y="1501677"/>
-            <a:ext cx="140381" cy="154419"/>
-          </a:xfrm>
-          <a:prstGeom prst="chevron">
-            <a:avLst/>
-          </a:prstGeom>
-          <a:solidFill>
-            <a:srgbClr val="272123"/>
-          </a:solidFill>
-          <a:ln>
-            <a:noFill/>
-          </a:ln>
-        </p:spPr>
-        <p:style>
-          <a:lnRef idx="2">
-            <a:schemeClr val="accent1">
-              <a:shade val="50000"/>
-            </a:schemeClr>
-          </a:lnRef>
-          <a:fillRef idx="1">
-            <a:schemeClr val="accent1"/>
-          </a:fillRef>
-          <a:effectRef idx="0">
-            <a:schemeClr val="accent1"/>
-          </a:effectRef>
-          <a:fontRef idx="minor">
-            <a:schemeClr val="lt1"/>
-          </a:fontRef>
-        </p:style>
-        <p:txBody>
-          <a:bodyPr rtlCol="0" anchor="ctr"/>
-          <a:lstStyle/>
-          <a:p>
-            <a:pPr algn="ctr"/>
-            <a:endParaRPr lang="ko-KR" altLang="en-US">
-              <a:solidFill>
-                <a:schemeClr val="tx1"/>
-              </a:solidFill>
-            </a:endParaRPr>
-          </a:p>
-        </p:txBody>
-      </p:sp>
-      <p:sp>
-        <p:nvSpPr>
-          <p:cNvPr id="28" name="TextBox 27"/>
-          <p:cNvSpPr txBox="1"/>
-          <p:nvPr/>
-        </p:nvSpPr>
-        <p:spPr>
-          <a:xfrm>
-            <a:off x="107504" y="2775118"/>
-            <a:ext cx="450395" cy="338554"/>
-          </a:xfrm>
-          <a:prstGeom prst="rect">
-            <a:avLst/>
-          </a:prstGeom>
-          <a:noFill/>
-        </p:spPr>
-        <p:txBody>
-          <a:bodyPr wrap="square" rtlCol="0">
-            <a:spAutoFit/>
-          </a:bodyPr>
-          <a:lstStyle/>
-          <a:p>
-            <a:r>
-              <a:rPr lang="en-US" altLang="ko-KR" sz="1600" dirty="0">
-                <a:ln>
-                  <a:solidFill>
-                    <a:schemeClr val="tx1">
-                      <a:alpha val="30000"/>
-                    </a:schemeClr>
-                  </a:solidFill>
-                </a:ln>
-                <a:solidFill>
-                  <a:schemeClr val="bg1">
-                    <a:lumMod val="85000"/>
-                  </a:schemeClr>
-                </a:solidFill>
-                <a:latin typeface="Yoon 윤고딕 520_TT" pitchFamily="18" charset="-127"/>
-                <a:ea typeface="Yoon 윤고딕 520_TT" pitchFamily="18" charset="-127"/>
-              </a:rPr>
-              <a:t>05</a:t>
-            </a:r>
-          </a:p>
-        </p:txBody>
-      </p:sp>
+          <a:extLst>
+            <a:ext uri="{909E8E84-426E-40DD-AFC4-6F175D3DCCD1}">
+              <a14:hiddenFill xmlns:a14="http://schemas.microsoft.com/office/drawing/2010/main">
+                <a:solidFill>
+                  <a:srgbClr val="FFFFFF"/>
+                </a:solidFill>
+              </a14:hiddenFill>
+            </a:ext>
+          </a:extLst>
+        </p:spPr>
+      </p:pic>
     </p:spTree>
     <p:extLst>
       <p:ext uri="{BB962C8B-B14F-4D97-AF65-F5344CB8AC3E}">
-        <p14:creationId xmlns:p14="http://schemas.microsoft.com/office/powerpoint/2010/main" val="3493880985"/>
+        <p14:creationId xmlns:p14="http://schemas.microsoft.com/office/powerpoint/2010/main" val="2074584965"/>
       </p:ext>
     </p:extLst>
   </p:cSld>
@@ -7578,6 +7366,259 @@
       </p:transition>
     </mc:Fallback>
   </mc:AlternateContent>
+  <p:timing>
+    <p:tnLst>
+      <p:par>
+        <p:cTn id="1" dur="indefinite" restart="never" nodeType="tmRoot">
+          <p:childTnLst>
+            <p:seq concurrent="1" nextAc="seek">
+              <p:cTn id="2" dur="indefinite" nodeType="mainSeq">
+                <p:childTnLst>
+                  <p:par>
+                    <p:cTn id="3" fill="hold">
+                      <p:stCondLst>
+                        <p:cond delay="indefinite"/>
+                      </p:stCondLst>
+                      <p:childTnLst>
+                        <p:par>
+                          <p:cTn id="4" fill="hold">
+                            <p:stCondLst>
+                              <p:cond delay="0"/>
+                            </p:stCondLst>
+                            <p:childTnLst>
+                              <p:par>
+                                <p:cTn id="5" presetID="2" presetClass="entr" presetSubtype="4" fill="hold" nodeType="clickEffect">
+                                  <p:stCondLst>
+                                    <p:cond delay="0"/>
+                                  </p:stCondLst>
+                                  <p:childTnLst>
+                                    <p:set>
+                                      <p:cBhvr>
+                                        <p:cTn id="6" dur="1" fill="hold">
+                                          <p:stCondLst>
+                                            <p:cond delay="0"/>
+                                          </p:stCondLst>
+                                        </p:cTn>
+                                        <p:tgtEl>
+                                          <p:spTgt spid="44"/>
+                                        </p:tgtEl>
+                                        <p:attrNameLst>
+                                          <p:attrName>style.visibility</p:attrName>
+                                        </p:attrNameLst>
+                                      </p:cBhvr>
+                                      <p:to>
+                                        <p:strVal val="visible"/>
+                                      </p:to>
+                                    </p:set>
+                                    <p:anim calcmode="lin" valueType="num">
+                                      <p:cBhvr additive="base">
+                                        <p:cTn id="7" dur="1000" fill="hold"/>
+                                        <p:tgtEl>
+                                          <p:spTgt spid="44"/>
+                                        </p:tgtEl>
+                                        <p:attrNameLst>
+                                          <p:attrName>ppt_x</p:attrName>
+                                        </p:attrNameLst>
+                                      </p:cBhvr>
+                                      <p:tavLst>
+                                        <p:tav tm="0">
+                                          <p:val>
+                                            <p:strVal val="#ppt_x"/>
+                                          </p:val>
+                                        </p:tav>
+                                        <p:tav tm="100000">
+                                          <p:val>
+                                            <p:strVal val="#ppt_x"/>
+                                          </p:val>
+                                        </p:tav>
+                                      </p:tavLst>
+                                    </p:anim>
+                                    <p:anim calcmode="lin" valueType="num">
+                                      <p:cBhvr additive="base">
+                                        <p:cTn id="8" dur="1000" fill="hold"/>
+                                        <p:tgtEl>
+                                          <p:spTgt spid="44"/>
+                                        </p:tgtEl>
+                                        <p:attrNameLst>
+                                          <p:attrName>ppt_y</p:attrName>
+                                        </p:attrNameLst>
+                                      </p:cBhvr>
+                                      <p:tavLst>
+                                        <p:tav tm="0">
+                                          <p:val>
+                                            <p:strVal val="1+#ppt_h/2"/>
+                                          </p:val>
+                                        </p:tav>
+                                        <p:tav tm="100000">
+                                          <p:val>
+                                            <p:strVal val="#ppt_y"/>
+                                          </p:val>
+                                        </p:tav>
+                                      </p:tavLst>
+                                    </p:anim>
+                                  </p:childTnLst>
+                                </p:cTn>
+                              </p:par>
+                            </p:childTnLst>
+                          </p:cTn>
+                        </p:par>
+                        <p:par>
+                          <p:cTn id="9" fill="hold">
+                            <p:stCondLst>
+                              <p:cond delay="1000"/>
+                            </p:stCondLst>
+                            <p:childTnLst>
+                              <p:par>
+                                <p:cTn id="10" presetID="10" presetClass="entr" presetSubtype="0" fill="hold" nodeType="afterEffect">
+                                  <p:stCondLst>
+                                    <p:cond delay="0"/>
+                                  </p:stCondLst>
+                                  <p:childTnLst>
+                                    <p:set>
+                                      <p:cBhvr>
+                                        <p:cTn id="11" dur="1" fill="hold">
+                                          <p:stCondLst>
+                                            <p:cond delay="0"/>
+                                          </p:stCondLst>
+                                        </p:cTn>
+                                        <p:tgtEl>
+                                          <p:spTgt spid="42"/>
+                                        </p:tgtEl>
+                                        <p:attrNameLst>
+                                          <p:attrName>style.visibility</p:attrName>
+                                        </p:attrNameLst>
+                                      </p:cBhvr>
+                                      <p:to>
+                                        <p:strVal val="visible"/>
+                                      </p:to>
+                                    </p:set>
+                                    <p:animEffect transition="in" filter="fade">
+                                      <p:cBhvr>
+                                        <p:cTn id="12" dur="500"/>
+                                        <p:tgtEl>
+                                          <p:spTgt spid="42"/>
+                                        </p:tgtEl>
+                                      </p:cBhvr>
+                                    </p:animEffect>
+                                  </p:childTnLst>
+                                </p:cTn>
+                              </p:par>
+                            </p:childTnLst>
+                          </p:cTn>
+                        </p:par>
+                        <p:par>
+                          <p:cTn id="13" fill="hold">
+                            <p:stCondLst>
+                              <p:cond delay="1500"/>
+                            </p:stCondLst>
+                            <p:childTnLst>
+                              <p:par>
+                                <p:cTn id="14" presetID="10" presetClass="entr" presetSubtype="0" fill="hold" nodeType="afterEffect">
+                                  <p:stCondLst>
+                                    <p:cond delay="0"/>
+                                  </p:stCondLst>
+                                  <p:childTnLst>
+                                    <p:set>
+                                      <p:cBhvr>
+                                        <p:cTn id="15" dur="1" fill="hold">
+                                          <p:stCondLst>
+                                            <p:cond delay="0"/>
+                                          </p:stCondLst>
+                                        </p:cTn>
+                                        <p:tgtEl>
+                                          <p:spTgt spid="43"/>
+                                        </p:tgtEl>
+                                        <p:attrNameLst>
+                                          <p:attrName>style.visibility</p:attrName>
+                                        </p:attrNameLst>
+                                      </p:cBhvr>
+                                      <p:to>
+                                        <p:strVal val="visible"/>
+                                      </p:to>
+                                    </p:set>
+                                    <p:animEffect transition="in" filter="fade">
+                                      <p:cBhvr>
+                                        <p:cTn id="16" dur="500"/>
+                                        <p:tgtEl>
+                                          <p:spTgt spid="43"/>
+                                        </p:tgtEl>
+                                      </p:cBhvr>
+                                    </p:animEffect>
+                                  </p:childTnLst>
+                                </p:cTn>
+                              </p:par>
+                            </p:childTnLst>
+                          </p:cTn>
+                        </p:par>
+                        <p:par>
+                          <p:cTn id="17" fill="hold">
+                            <p:stCondLst>
+                              <p:cond delay="2000"/>
+                            </p:stCondLst>
+                            <p:childTnLst>
+                              <p:par>
+                                <p:cTn id="18" presetID="10" presetClass="entr" presetSubtype="0" fill="hold" nodeType="afterEffect">
+                                  <p:stCondLst>
+                                    <p:cond delay="0"/>
+                                  </p:stCondLst>
+                                  <p:childTnLst>
+                                    <p:set>
+                                      <p:cBhvr>
+                                        <p:cTn id="19" dur="1" fill="hold">
+                                          <p:stCondLst>
+                                            <p:cond delay="0"/>
+                                          </p:stCondLst>
+                                        </p:cTn>
+                                        <p:tgtEl>
+                                          <p:spTgt spid="45"/>
+                                        </p:tgtEl>
+                                        <p:attrNameLst>
+                                          <p:attrName>style.visibility</p:attrName>
+                                        </p:attrNameLst>
+                                      </p:cBhvr>
+                                      <p:to>
+                                        <p:strVal val="visible"/>
+                                      </p:to>
+                                    </p:set>
+                                    <p:animEffect transition="in" filter="fade">
+                                      <p:cBhvr>
+                                        <p:cTn id="20" dur="500"/>
+                                        <p:tgtEl>
+                                          <p:spTgt spid="45"/>
+                                        </p:tgtEl>
+                                      </p:cBhvr>
+                                    </p:animEffect>
+                                  </p:childTnLst>
+                                </p:cTn>
+                              </p:par>
+                            </p:childTnLst>
+                          </p:cTn>
+                        </p:par>
+                      </p:childTnLst>
+                    </p:cTn>
+                  </p:par>
+                </p:childTnLst>
+              </p:cTn>
+              <p:prevCondLst>
+                <p:cond evt="onPrev" delay="0">
+                  <p:tgtEl>
+                    <p:sldTgt/>
+                  </p:tgtEl>
+                </p:cond>
+              </p:prevCondLst>
+              <p:nextCondLst>
+                <p:cond evt="onNext" delay="0">
+                  <p:tgtEl>
+                    <p:sldTgt/>
+                  </p:tgtEl>
+                </p:cond>
+              </p:nextCondLst>
+            </p:seq>
+          </p:childTnLst>
+        </p:cTn>
+      </p:par>
+    </p:tnLst>
+  </p:timing>
 </p:sld>
 </file>
 
@@ -7598,54 +7639,6 @@
           <a:chExt cx="0" cy="0"/>
         </a:xfrm>
       </p:grpSpPr>
-      <p:sp>
-        <p:nvSpPr>
-          <p:cNvPr id="19" name="직사각형 18"/>
-          <p:cNvSpPr/>
-          <p:nvPr/>
-        </p:nvSpPr>
-        <p:spPr>
-          <a:xfrm>
-            <a:off x="1624342" y="1949443"/>
-            <a:ext cx="3485187" cy="415636"/>
-          </a:xfrm>
-          <a:prstGeom prst="rect">
-            <a:avLst/>
-          </a:prstGeom>
-          <a:solidFill>
-            <a:srgbClr val="AF9061">
-              <a:alpha val="80000"/>
-            </a:srgbClr>
-          </a:solidFill>
-          <a:ln>
-            <a:noFill/>
-          </a:ln>
-        </p:spPr>
-        <p:style>
-          <a:lnRef idx="2">
-            <a:schemeClr val="accent1">
-              <a:shade val="50000"/>
-            </a:schemeClr>
-          </a:lnRef>
-          <a:fillRef idx="1">
-            <a:schemeClr val="accent1"/>
-          </a:fillRef>
-          <a:effectRef idx="0">
-            <a:schemeClr val="accent1"/>
-          </a:effectRef>
-          <a:fontRef idx="minor">
-            <a:schemeClr val="lt1"/>
-          </a:fontRef>
-        </p:style>
-        <p:txBody>
-          <a:bodyPr rtlCol="0" anchor="ctr"/>
-          <a:lstStyle/>
-          <a:p>
-            <a:pPr algn="ctr"/>
-            <a:endParaRPr lang="ko-KR" altLang="en-US"/>
-          </a:p>
-        </p:txBody>
-      </p:sp>
       <p:cxnSp>
         <p:nvCxnSpPr>
           <p:cNvPr id="4" name="직선 연결선 3"/>
@@ -7859,7 +7852,7 @@
         </p:nvSpPr>
         <p:spPr>
           <a:xfrm>
-            <a:off x="-9283" y="1813760"/>
+            <a:off x="-9283" y="1320875"/>
             <a:ext cx="834325" cy="343501"/>
           </a:xfrm>
           <a:prstGeom prst="rect">
@@ -7905,7 +7898,7 @@
         </p:nvSpPr>
         <p:spPr>
           <a:xfrm rot="5400000">
-            <a:off x="702755" y="2143834"/>
+            <a:off x="702755" y="1650949"/>
             <a:ext cx="81142" cy="108000"/>
           </a:xfrm>
           <a:prstGeom prst="rtTriangle">
@@ -8035,14 +8028,14 @@
       </p:sp>
       <p:sp>
         <p:nvSpPr>
-          <p:cNvPr id="24" name="TextBox 23"/>
+          <p:cNvPr id="23" name="TextBox 22"/>
           <p:cNvSpPr txBox="1"/>
           <p:nvPr/>
         </p:nvSpPr>
         <p:spPr>
           <a:xfrm>
-            <a:off x="123549" y="882386"/>
-            <a:ext cx="541363" cy="338554"/>
+            <a:off x="107504" y="2298358"/>
+            <a:ext cx="450395" cy="338554"/>
           </a:xfrm>
           <a:prstGeom prst="rect">
             <a:avLst/>
@@ -8066,27 +8059,27 @@
                 </a:ln>
                 <a:solidFill>
                   <a:schemeClr val="bg1">
-                    <a:lumMod val="75000"/>
+                    <a:lumMod val="85000"/>
                   </a:schemeClr>
                 </a:solidFill>
                 <a:latin typeface="Yoon 윤고딕 520_TT" pitchFamily="18" charset="-127"/>
                 <a:ea typeface="Yoon 윤고딕 520_TT" pitchFamily="18" charset="-127"/>
               </a:rPr>
-              <a:t>01</a:t>
-            </a:r>
-          </a:p>
-        </p:txBody>
-      </p:sp>
-      <p:sp>
-        <p:nvSpPr>
-          <p:cNvPr id="17" name="TextBox 16"/>
+              <a:t>04</a:t>
+            </a:r>
+          </a:p>
+        </p:txBody>
+      </p:sp>
+      <p:sp>
+        <p:nvSpPr>
+          <p:cNvPr id="24" name="TextBox 23"/>
           <p:cNvSpPr txBox="1"/>
           <p:nvPr/>
         </p:nvSpPr>
         <p:spPr>
           <a:xfrm>
-            <a:off x="1535262" y="1521627"/>
-            <a:ext cx="4464496" cy="292388"/>
+            <a:off x="123549" y="882386"/>
+            <a:ext cx="541363" cy="338554"/>
           </a:xfrm>
           <a:prstGeom prst="rect">
             <a:avLst/>
@@ -8100,49 +8093,37 @@
           <a:lstStyle/>
           <a:p>
             <a:r>
-              <a:rPr lang="ko-KR" altLang="en-US" sz="1300" dirty="0">
-                <a:ln>
-                  <a:solidFill>
-                    <a:srgbClr val="AF9061">
-                      <a:alpha val="30000"/>
-                    </a:srgbClr>
-                  </a:solidFill>
-                </a:ln>
-                <a:solidFill>
-                  <a:srgbClr val="AF9061"/>
-                </a:solidFill>
-                <a:latin typeface="a나무M" panose="02020600000000000000" pitchFamily="18" charset="-127"/>
-                <a:ea typeface="a나무M" panose="02020600000000000000" pitchFamily="18" charset="-127"/>
-              </a:rPr>
-              <a:t>성공적으로 프로젝트를 마치기 위한 역할 분담</a:t>
-            </a:r>
-            <a:endParaRPr lang="en-US" altLang="ko-KR" sz="1300" dirty="0">
-              <a:ln>
-                <a:solidFill>
-                  <a:srgbClr val="AF9061">
-                    <a:alpha val="30000"/>
-                  </a:srgbClr>
-                </a:solidFill>
-              </a:ln>
-              <a:solidFill>
-                <a:srgbClr val="AF9061"/>
-              </a:solidFill>
-              <a:latin typeface="a나무M" panose="02020600000000000000" pitchFamily="18" charset="-127"/>
-              <a:ea typeface="a나무M" panose="02020600000000000000" pitchFamily="18" charset="-127"/>
-            </a:endParaRPr>
-          </a:p>
-        </p:txBody>
-      </p:sp>
-      <p:sp>
-        <p:nvSpPr>
-          <p:cNvPr id="18" name="TextBox 17"/>
+              <a:rPr lang="en-US" altLang="ko-KR" sz="1600" dirty="0">
+                <a:ln>
+                  <a:solidFill>
+                    <a:schemeClr val="tx1">
+                      <a:alpha val="30000"/>
+                    </a:schemeClr>
+                  </a:solidFill>
+                </a:ln>
+                <a:solidFill>
+                  <a:schemeClr val="bg1">
+                    <a:lumMod val="85000"/>
+                  </a:schemeClr>
+                </a:solidFill>
+                <a:latin typeface="Yoon 윤고딕 520_TT" pitchFamily="18" charset="-127"/>
+                <a:ea typeface="Yoon 윤고딕 520_TT" pitchFamily="18" charset="-127"/>
+              </a:rPr>
+              <a:t>01</a:t>
+            </a:r>
+          </a:p>
+        </p:txBody>
+      </p:sp>
+      <p:sp>
+        <p:nvSpPr>
+          <p:cNvPr id="17" name="TextBox 16"/>
           <p:cNvSpPr txBox="1"/>
           <p:nvPr/>
         </p:nvSpPr>
         <p:spPr>
           <a:xfrm>
-            <a:off x="1842281" y="1954507"/>
-            <a:ext cx="3049311" cy="369332"/>
+            <a:off x="1979712" y="1412776"/>
+            <a:ext cx="3024336" cy="369332"/>
           </a:xfrm>
           <a:prstGeom prst="rect">
             <a:avLst/>
@@ -8156,7 +8137,7 @@
           <a:lstStyle/>
           <a:p>
             <a:r>
-              <a:rPr lang="ko-KR" altLang="en-US" dirty="0">
+              <a:rPr lang="en-US" altLang="ko-KR" dirty="0">
                 <a:ln>
                   <a:solidFill>
                     <a:schemeClr val="tx1">
@@ -8170,7 +8151,24 @@
                 <a:latin typeface="a나무M" panose="02020600000000000000" pitchFamily="18" charset="-127"/>
                 <a:ea typeface="a나무M" panose="02020600000000000000" pitchFamily="18" charset="-127"/>
               </a:rPr>
-              <a:t>각자의 역할</a:t>
+              <a:t>JSP/Servlet </a:t>
+            </a:r>
+            <a:r>
+              <a:rPr lang="ko-KR" altLang="en-US" dirty="0">
+                <a:ln>
+                  <a:solidFill>
+                    <a:schemeClr val="tx1">
+                      <a:alpha val="30000"/>
+                    </a:schemeClr>
+                  </a:solidFill>
+                </a:ln>
+                <a:solidFill>
+                  <a:srgbClr val="272123"/>
+                </a:solidFill>
+                <a:latin typeface="a나무M" panose="02020600000000000000" pitchFamily="18" charset="-127"/>
+                <a:ea typeface="a나무M" panose="02020600000000000000" pitchFamily="18" charset="-127"/>
+              </a:rPr>
+              <a:t>를 이용한 개발   </a:t>
             </a:r>
             <a:endParaRPr lang="en-US" altLang="ko-KR" dirty="0">
               <a:ln>
@@ -8191,14 +8189,210 @@
       </p:sp>
       <p:sp>
         <p:nvSpPr>
-          <p:cNvPr id="20" name="TextBox 19"/>
+          <p:cNvPr id="12" name="타원 11"/>
+          <p:cNvSpPr/>
+          <p:nvPr/>
+        </p:nvSpPr>
+        <p:spPr>
+          <a:xfrm>
+            <a:off x="3502613" y="3141208"/>
+            <a:ext cx="2160000" cy="2160000"/>
+          </a:xfrm>
+          <a:prstGeom prst="ellipse">
+            <a:avLst/>
+          </a:prstGeom>
+          <a:noFill/>
+          <a:ln w="22225">
+            <a:solidFill>
+              <a:srgbClr val="AF9061"/>
+            </a:solidFill>
+          </a:ln>
+        </p:spPr>
+        <p:style>
+          <a:lnRef idx="2">
+            <a:schemeClr val="accent1">
+              <a:shade val="50000"/>
+            </a:schemeClr>
+          </a:lnRef>
+          <a:fillRef idx="1">
+            <a:schemeClr val="accent1"/>
+          </a:fillRef>
+          <a:effectRef idx="0">
+            <a:schemeClr val="accent1"/>
+          </a:effectRef>
+          <a:fontRef idx="minor">
+            <a:schemeClr val="lt1"/>
+          </a:fontRef>
+        </p:style>
+        <p:txBody>
+          <a:bodyPr rtlCol="0" anchor="ctr"/>
+          <a:lstStyle/>
+          <a:p>
+            <a:pPr algn="ctr"/>
+            <a:endParaRPr lang="ko-KR" altLang="en-US"/>
+          </a:p>
+        </p:txBody>
+      </p:sp>
+      <p:sp>
+        <p:nvSpPr>
+          <p:cNvPr id="44" name="타원 43"/>
+          <p:cNvSpPr/>
+          <p:nvPr/>
+        </p:nvSpPr>
+        <p:spPr>
+          <a:xfrm>
+            <a:off x="4492613" y="3068960"/>
+            <a:ext cx="180000" cy="180000"/>
+          </a:xfrm>
+          <a:prstGeom prst="ellipse">
+            <a:avLst/>
+          </a:prstGeom>
+          <a:solidFill>
+            <a:srgbClr val="272123"/>
+          </a:solidFill>
+          <a:ln w="50800">
+            <a:solidFill>
+              <a:srgbClr val="AF9061">
+                <a:alpha val="80000"/>
+              </a:srgbClr>
+            </a:solidFill>
+          </a:ln>
+        </p:spPr>
+        <p:style>
+          <a:lnRef idx="2">
+            <a:schemeClr val="accent1">
+              <a:shade val="50000"/>
+            </a:schemeClr>
+          </a:lnRef>
+          <a:fillRef idx="1">
+            <a:schemeClr val="accent1"/>
+          </a:fillRef>
+          <a:effectRef idx="0">
+            <a:schemeClr val="accent1"/>
+          </a:effectRef>
+          <a:fontRef idx="minor">
+            <a:schemeClr val="lt1"/>
+          </a:fontRef>
+        </p:style>
+        <p:txBody>
+          <a:bodyPr rtlCol="0" anchor="ctr"/>
+          <a:lstStyle/>
+          <a:p>
+            <a:pPr algn="ctr"/>
+            <a:endParaRPr lang="ko-KR" altLang="en-US"/>
+          </a:p>
+        </p:txBody>
+      </p:sp>
+      <p:sp>
+        <p:nvSpPr>
+          <p:cNvPr id="45" name="타원 44"/>
+          <p:cNvSpPr/>
+          <p:nvPr/>
+        </p:nvSpPr>
+        <p:spPr>
+          <a:xfrm>
+            <a:off x="3502493" y="4571572"/>
+            <a:ext cx="180000" cy="180000"/>
+          </a:xfrm>
+          <a:prstGeom prst="ellipse">
+            <a:avLst/>
+          </a:prstGeom>
+          <a:solidFill>
+            <a:srgbClr val="272123"/>
+          </a:solidFill>
+          <a:ln w="50800">
+            <a:solidFill>
+              <a:srgbClr val="AF9061">
+                <a:alpha val="80000"/>
+              </a:srgbClr>
+            </a:solidFill>
+          </a:ln>
+        </p:spPr>
+        <p:style>
+          <a:lnRef idx="2">
+            <a:schemeClr val="accent1">
+              <a:shade val="50000"/>
+            </a:schemeClr>
+          </a:lnRef>
+          <a:fillRef idx="1">
+            <a:schemeClr val="accent1"/>
+          </a:fillRef>
+          <a:effectRef idx="0">
+            <a:schemeClr val="accent1"/>
+          </a:effectRef>
+          <a:fontRef idx="minor">
+            <a:schemeClr val="lt1"/>
+          </a:fontRef>
+        </p:style>
+        <p:txBody>
+          <a:bodyPr rtlCol="0" anchor="ctr"/>
+          <a:lstStyle/>
+          <a:p>
+            <a:pPr algn="ctr"/>
+            <a:endParaRPr lang="ko-KR" altLang="en-US"/>
+          </a:p>
+        </p:txBody>
+      </p:sp>
+      <p:sp>
+        <p:nvSpPr>
+          <p:cNvPr id="46" name="타원 45"/>
+          <p:cNvSpPr/>
+          <p:nvPr/>
+        </p:nvSpPr>
+        <p:spPr>
+          <a:xfrm>
+            <a:off x="5482733" y="4571572"/>
+            <a:ext cx="180000" cy="180000"/>
+          </a:xfrm>
+          <a:prstGeom prst="ellipse">
+            <a:avLst/>
+          </a:prstGeom>
+          <a:solidFill>
+            <a:srgbClr val="272123"/>
+          </a:solidFill>
+          <a:ln w="50800">
+            <a:solidFill>
+              <a:srgbClr val="AF9061">
+                <a:alpha val="80000"/>
+              </a:srgbClr>
+            </a:solidFill>
+          </a:ln>
+        </p:spPr>
+        <p:style>
+          <a:lnRef idx="2">
+            <a:schemeClr val="accent1">
+              <a:shade val="50000"/>
+            </a:schemeClr>
+          </a:lnRef>
+          <a:fillRef idx="1">
+            <a:schemeClr val="accent1"/>
+          </a:fillRef>
+          <a:effectRef idx="0">
+            <a:schemeClr val="accent1"/>
+          </a:effectRef>
+          <a:fontRef idx="minor">
+            <a:schemeClr val="lt1"/>
+          </a:fontRef>
+        </p:style>
+        <p:txBody>
+          <a:bodyPr rtlCol="0" anchor="ctr"/>
+          <a:lstStyle/>
+          <a:p>
+            <a:pPr algn="ctr"/>
+            <a:endParaRPr lang="ko-KR" altLang="en-US"/>
+          </a:p>
+        </p:txBody>
+      </p:sp>
+      <p:sp>
+        <p:nvSpPr>
+          <p:cNvPr id="47" name="TextBox 46"/>
           <p:cNvSpPr txBox="1"/>
           <p:nvPr/>
         </p:nvSpPr>
         <p:spPr>
           <a:xfrm>
-            <a:off x="1979712" y="2856100"/>
-            <a:ext cx="1410875" cy="369332"/>
+            <a:off x="4032383" y="2669733"/>
+            <a:ext cx="1085825" cy="369332"/>
           </a:xfrm>
           <a:prstGeom prst="rect">
             <a:avLst/>
@@ -8211,38 +8405,29 @@
           </a:bodyPr>
           <a:lstStyle/>
           <a:p>
-            <a:pPr marL="285750" indent="-285750">
-              <a:buFont typeface="Wingdings" pitchFamily="2" charset="2"/>
-              <a:buChar char="§"/>
-            </a:pPr>
-            <a:r>
-              <a:rPr lang="ko-KR" altLang="en-US" dirty="0">
-                <a:ln>
-                  <a:solidFill>
-                    <a:schemeClr val="tx1">
-                      <a:alpha val="30000"/>
-                    </a:schemeClr>
-                  </a:solidFill>
-                </a:ln>
-                <a:solidFill>
-                  <a:srgbClr val="272123"/>
-                </a:solidFill>
+            <a:pPr algn="ctr"/>
+            <a:r>
+              <a:rPr lang="en-US" altLang="ko-KR" b="1" dirty="0" err="1">
+                <a:ln>
+                  <a:solidFill>
+                    <a:srgbClr val="7AB53D">
+                      <a:alpha val="30000"/>
+                    </a:srgbClr>
+                  </a:solidFill>
+                </a:ln>
                 <a:latin typeface="a나무M" panose="02020600000000000000" pitchFamily="18" charset="-127"/>
                 <a:ea typeface="a나무M" panose="02020600000000000000" pitchFamily="18" charset="-127"/>
               </a:rPr>
-              <a:t>김소연</a:t>
-            </a:r>
-            <a:endParaRPr lang="en-US" altLang="ko-KR" dirty="0">
+              <a:t>Jsp</a:t>
+            </a:r>
+            <a:endParaRPr lang="en-US" altLang="ko-KR" b="1" dirty="0">
               <a:ln>
                 <a:solidFill>
-                  <a:schemeClr val="tx1">
+                  <a:srgbClr val="7AB53D">
                     <a:alpha val="30000"/>
-                  </a:schemeClr>
+                  </a:srgbClr>
                 </a:solidFill>
               </a:ln>
-              <a:solidFill>
-                <a:srgbClr val="272123"/>
-              </a:solidFill>
               <a:latin typeface="a나무M" panose="02020600000000000000" pitchFamily="18" charset="-127"/>
               <a:ea typeface="a나무M" panose="02020600000000000000" pitchFamily="18" charset="-127"/>
             </a:endParaRPr>
@@ -8251,14 +8436,14 @@
       </p:sp>
       <p:sp>
         <p:nvSpPr>
-          <p:cNvPr id="27" name="TextBox 26"/>
+          <p:cNvPr id="48" name="TextBox 47"/>
           <p:cNvSpPr txBox="1"/>
           <p:nvPr/>
         </p:nvSpPr>
         <p:spPr>
           <a:xfrm>
-            <a:off x="2871786" y="2858863"/>
-            <a:ext cx="3189640" cy="400110"/>
+            <a:off x="2267744" y="4476906"/>
+            <a:ext cx="1213523" cy="369332"/>
           </a:xfrm>
           <a:prstGeom prst="rect">
             <a:avLst/>
@@ -8271,121 +8456,34 @@
           </a:bodyPr>
           <a:lstStyle/>
           <a:p>
-            <a:r>
-              <a:rPr lang="en-US" altLang="ko-KR" sz="1400" dirty="0">
-                <a:ln>
-                  <a:solidFill>
-                    <a:schemeClr val="tx1">
-                      <a:alpha val="30000"/>
-                    </a:schemeClr>
-                  </a:solidFill>
-                </a:ln>
-                <a:solidFill>
-                  <a:srgbClr val="272123"/>
-                </a:solidFill>
+            <a:pPr algn="ctr"/>
+            <a:r>
+              <a:rPr lang="en-US" altLang="ko-KR" b="1" dirty="0">
+                <a:ln>
+                  <a:solidFill>
+                    <a:srgbClr val="FDA800">
+                      <a:alpha val="30000"/>
+                    </a:srgbClr>
+                  </a:solidFill>
+                </a:ln>
                 <a:latin typeface="a나무M" panose="02020600000000000000" pitchFamily="18" charset="-127"/>
                 <a:ea typeface="a나무M" panose="02020600000000000000" pitchFamily="18" charset="-127"/>
               </a:rPr>
-              <a:t>(</a:t>
-            </a:r>
-            <a:r>
-              <a:rPr lang="en-US" altLang="ko-KR" sz="2000" dirty="0" err="1">
-                <a:ln>
-                  <a:solidFill>
-                    <a:schemeClr val="tx1">
-                      <a:alpha val="30000"/>
-                    </a:schemeClr>
-                  </a:solidFill>
-                </a:ln>
-                <a:solidFill>
-                  <a:srgbClr val="272123"/>
-                </a:solidFill>
-                <a:latin typeface="a나무M" panose="02020600000000000000" pitchFamily="18" charset="-127"/>
-                <a:ea typeface="a나무M" panose="02020600000000000000" pitchFamily="18" charset="-127"/>
-              </a:rPr>
-              <a:t>S</a:t>
-            </a:r>
-            <a:r>
-              <a:rPr lang="en-US" altLang="ko-KR" sz="1400" dirty="0" err="1">
-                <a:ln>
-                  <a:solidFill>
-                    <a:schemeClr val="tx1">
-                      <a:alpha val="30000"/>
-                    </a:schemeClr>
-                  </a:solidFill>
-                </a:ln>
-                <a:solidFill>
-                  <a:srgbClr val="272123"/>
-                </a:solidFill>
-                <a:latin typeface="a나무M" panose="02020600000000000000" pitchFamily="18" charset="-127"/>
-                <a:ea typeface="a나무M" panose="02020600000000000000" pitchFamily="18" charset="-127"/>
-              </a:rPr>
-              <a:t>ervelt</a:t>
-            </a:r>
-            <a:r>
-              <a:rPr lang="en-US" altLang="ko-KR" sz="1400" dirty="0">
-                <a:ln>
-                  <a:solidFill>
-                    <a:schemeClr val="tx1">
-                      <a:alpha val="30000"/>
-                    </a:schemeClr>
-                  </a:solidFill>
-                </a:ln>
-                <a:solidFill>
-                  <a:srgbClr val="272123"/>
-                </a:solidFill>
-                <a:latin typeface="a나무M" panose="02020600000000000000" pitchFamily="18" charset="-127"/>
-                <a:ea typeface="a나무M" panose="02020600000000000000" pitchFamily="18" charset="-127"/>
-              </a:rPr>
-              <a:t> </a:t>
-            </a:r>
-            <a:r>
-              <a:rPr lang="ko-KR" altLang="en-US" sz="1400" dirty="0">
-                <a:ln>
-                  <a:solidFill>
-                    <a:schemeClr val="tx1">
-                      <a:alpha val="30000"/>
-                    </a:schemeClr>
-                  </a:solidFill>
-                </a:ln>
-                <a:solidFill>
-                  <a:srgbClr val="272123"/>
-                </a:solidFill>
-                <a:latin typeface="a나무M" panose="02020600000000000000" pitchFamily="18" charset="-127"/>
-                <a:ea typeface="a나무M" panose="02020600000000000000" pitchFamily="18" charset="-127"/>
-              </a:rPr>
-              <a:t>담당 즉 컨트롤러 부분 구현</a:t>
-            </a:r>
-            <a:r>
-              <a:rPr lang="en-US" altLang="ko-KR" sz="1400" dirty="0">
-                <a:ln>
-                  <a:solidFill>
-                    <a:schemeClr val="tx1">
-                      <a:alpha val="30000"/>
-                    </a:schemeClr>
-                  </a:solidFill>
-                </a:ln>
-                <a:solidFill>
-                  <a:srgbClr val="272123"/>
-                </a:solidFill>
-                <a:latin typeface="a나무M" panose="02020600000000000000" pitchFamily="18" charset="-127"/>
-                <a:ea typeface="a나무M" panose="02020600000000000000" pitchFamily="18" charset="-127"/>
-              </a:rPr>
-              <a:t>)</a:t>
-            </a:r>
-          </a:p>
-        </p:txBody>
-      </p:sp>
-      <p:sp>
-        <p:nvSpPr>
-          <p:cNvPr id="29" name="TextBox 28"/>
+              <a:t>Database</a:t>
+            </a:r>
+          </a:p>
+        </p:txBody>
+      </p:sp>
+      <p:sp>
+        <p:nvSpPr>
+          <p:cNvPr id="49" name="TextBox 48"/>
           <p:cNvSpPr txBox="1"/>
           <p:nvPr/>
         </p:nvSpPr>
         <p:spPr>
           <a:xfrm>
-            <a:off x="5796136" y="2856097"/>
-            <a:ext cx="1544383" cy="338554"/>
+            <a:off x="5662733" y="4476906"/>
+            <a:ext cx="1085825" cy="369332"/>
           </a:xfrm>
           <a:prstGeom prst="rect">
             <a:avLst/>
@@ -8398,53 +8496,134 @@
           </a:bodyPr>
           <a:lstStyle/>
           <a:p>
-            <a:r>
-              <a:rPr lang="ko-KR" altLang="en-US" sz="1600" dirty="0">
-                <a:ln>
-                  <a:solidFill>
-                    <a:srgbClr val="AF9061">
+            <a:pPr algn="ctr"/>
+            <a:r>
+              <a:rPr lang="en-US" altLang="ko-KR" b="1" dirty="0">
+                <a:ln>
+                  <a:solidFill>
+                    <a:srgbClr val="FDA800">
                       <a:alpha val="30000"/>
                     </a:srgbClr>
                   </a:solidFill>
                 </a:ln>
-                <a:solidFill>
-                  <a:srgbClr val="AF9061"/>
-                </a:solidFill>
                 <a:latin typeface="a나무M" panose="02020600000000000000" pitchFamily="18" charset="-127"/>
                 <a:ea typeface="a나무M" panose="02020600000000000000" pitchFamily="18" charset="-127"/>
               </a:rPr>
-              <a:t>간단 명료하게</a:t>
-            </a:r>
-            <a:r>
-              <a:rPr lang="en-US" altLang="ko-KR" sz="1600" dirty="0">
-                <a:ln>
-                  <a:solidFill>
-                    <a:srgbClr val="AF9061">
-                      <a:alpha val="30000"/>
-                    </a:srgbClr>
-                  </a:solidFill>
-                </a:ln>
-                <a:solidFill>
-                  <a:srgbClr val="AF9061"/>
-                </a:solidFill>
-                <a:latin typeface="a나무M" panose="02020600000000000000" pitchFamily="18" charset="-127"/>
-                <a:ea typeface="a나무M" panose="02020600000000000000" pitchFamily="18" charset="-127"/>
-              </a:rPr>
-              <a:t>!</a:t>
-            </a:r>
-          </a:p>
-        </p:txBody>
-      </p:sp>
-      <p:sp>
-        <p:nvSpPr>
-          <p:cNvPr id="25" name="TextBox 24"/>
+              <a:t>Servlet</a:t>
+            </a:r>
+          </a:p>
+        </p:txBody>
+      </p:sp>
+      <p:sp>
+        <p:nvSpPr>
+          <p:cNvPr id="26" name="갈매기형 수장 25"/>
+          <p:cNvSpPr/>
+          <p:nvPr/>
+        </p:nvSpPr>
+        <p:spPr>
+          <a:xfrm>
+            <a:off x="1767323" y="1501677"/>
+            <a:ext cx="140381" cy="154419"/>
+          </a:xfrm>
+          <a:prstGeom prst="chevron">
+            <a:avLst/>
+          </a:prstGeom>
+          <a:solidFill>
+            <a:srgbClr val="272123"/>
+          </a:solidFill>
+          <a:ln>
+            <a:noFill/>
+          </a:ln>
+        </p:spPr>
+        <p:style>
+          <a:lnRef idx="2">
+            <a:schemeClr val="accent1">
+              <a:shade val="50000"/>
+            </a:schemeClr>
+          </a:lnRef>
+          <a:fillRef idx="1">
+            <a:schemeClr val="accent1"/>
+          </a:fillRef>
+          <a:effectRef idx="0">
+            <a:schemeClr val="accent1"/>
+          </a:effectRef>
+          <a:fontRef idx="minor">
+            <a:schemeClr val="lt1"/>
+          </a:fontRef>
+        </p:style>
+        <p:txBody>
+          <a:bodyPr rtlCol="0" anchor="ctr"/>
+          <a:lstStyle/>
+          <a:p>
+            <a:pPr algn="ctr"/>
+            <a:endParaRPr lang="ko-KR" altLang="en-US">
+              <a:solidFill>
+                <a:schemeClr val="tx1"/>
+              </a:solidFill>
+            </a:endParaRPr>
+          </a:p>
+        </p:txBody>
+      </p:sp>
+      <p:sp>
+        <p:nvSpPr>
+          <p:cNvPr id="27" name="갈매기형 수장 26"/>
+          <p:cNvSpPr/>
+          <p:nvPr/>
+        </p:nvSpPr>
+        <p:spPr>
+          <a:xfrm>
+            <a:off x="1619672" y="1501677"/>
+            <a:ext cx="140381" cy="154419"/>
+          </a:xfrm>
+          <a:prstGeom prst="chevron">
+            <a:avLst/>
+          </a:prstGeom>
+          <a:solidFill>
+            <a:srgbClr val="272123"/>
+          </a:solidFill>
+          <a:ln>
+            <a:noFill/>
+          </a:ln>
+        </p:spPr>
+        <p:style>
+          <a:lnRef idx="2">
+            <a:schemeClr val="accent1">
+              <a:shade val="50000"/>
+            </a:schemeClr>
+          </a:lnRef>
+          <a:fillRef idx="1">
+            <a:schemeClr val="accent1"/>
+          </a:fillRef>
+          <a:effectRef idx="0">
+            <a:schemeClr val="accent1"/>
+          </a:effectRef>
+          <a:fontRef idx="minor">
+            <a:schemeClr val="lt1"/>
+          </a:fontRef>
+        </p:style>
+        <p:txBody>
+          <a:bodyPr rtlCol="0" anchor="ctr"/>
+          <a:lstStyle/>
+          <a:p>
+            <a:pPr algn="ctr"/>
+            <a:endParaRPr lang="ko-KR" altLang="en-US">
+              <a:solidFill>
+                <a:schemeClr val="tx1"/>
+              </a:solidFill>
+            </a:endParaRPr>
+          </a:p>
+        </p:txBody>
+      </p:sp>
+      <p:sp>
+        <p:nvSpPr>
+          <p:cNvPr id="28" name="TextBox 27"/>
           <p:cNvSpPr txBox="1"/>
           <p:nvPr/>
         </p:nvSpPr>
         <p:spPr>
           <a:xfrm>
-            <a:off x="1979713" y="3655521"/>
-            <a:ext cx="1200486" cy="369332"/>
+            <a:off x="107504" y="2775118"/>
+            <a:ext cx="450395" cy="338554"/>
           </a:xfrm>
           <a:prstGeom prst="rect">
             <a:avLst/>
@@ -8457,405 +8636,6 @@
           </a:bodyPr>
           <a:lstStyle/>
           <a:p>
-            <a:pPr marL="285750" indent="-285750">
-              <a:buFont typeface="Wingdings" pitchFamily="2" charset="2"/>
-              <a:buChar char="§"/>
-            </a:pPr>
-            <a:r>
-              <a:rPr lang="ko-KR" altLang="en-US">
-                <a:ln>
-                  <a:solidFill>
-                    <a:schemeClr val="tx1">
-                      <a:alpha val="30000"/>
-                    </a:schemeClr>
-                  </a:solidFill>
-                </a:ln>
-                <a:solidFill>
-                  <a:srgbClr val="272123"/>
-                </a:solidFill>
-                <a:latin typeface="a나무M" panose="02020600000000000000" pitchFamily="18" charset="-127"/>
-                <a:ea typeface="a나무M" panose="02020600000000000000" pitchFamily="18" charset="-127"/>
-              </a:rPr>
-              <a:t>박규리</a:t>
-            </a:r>
-            <a:endParaRPr lang="en-US" altLang="ko-KR" dirty="0">
-              <a:ln>
-                <a:solidFill>
-                  <a:schemeClr val="tx1">
-                    <a:alpha val="30000"/>
-                  </a:schemeClr>
-                </a:solidFill>
-              </a:ln>
-              <a:solidFill>
-                <a:srgbClr val="272123"/>
-              </a:solidFill>
-              <a:latin typeface="a나무M" panose="02020600000000000000" pitchFamily="18" charset="-127"/>
-              <a:ea typeface="a나무M" panose="02020600000000000000" pitchFamily="18" charset="-127"/>
-            </a:endParaRPr>
-          </a:p>
-        </p:txBody>
-      </p:sp>
-      <p:sp>
-        <p:nvSpPr>
-          <p:cNvPr id="28" name="TextBox 27"/>
-          <p:cNvSpPr txBox="1"/>
-          <p:nvPr/>
-        </p:nvSpPr>
-        <p:spPr>
-          <a:xfrm>
-            <a:off x="2871786" y="3640132"/>
-            <a:ext cx="2592287" cy="400110"/>
-          </a:xfrm>
-          <a:prstGeom prst="rect">
-            <a:avLst/>
-          </a:prstGeom>
-          <a:noFill/>
-        </p:spPr>
-        <p:txBody>
-          <a:bodyPr wrap="square" rtlCol="0">
-            <a:spAutoFit/>
-          </a:bodyPr>
-          <a:lstStyle/>
-          <a:p>
-            <a:r>
-              <a:rPr lang="en-US" altLang="ko-KR" sz="1400" dirty="0">
-                <a:ln>
-                  <a:solidFill>
-                    <a:schemeClr val="tx1">
-                      <a:alpha val="30000"/>
-                    </a:schemeClr>
-                  </a:solidFill>
-                </a:ln>
-                <a:solidFill>
-                  <a:srgbClr val="272123"/>
-                </a:solidFill>
-                <a:latin typeface="a나무M" panose="02020600000000000000" pitchFamily="18" charset="-127"/>
-                <a:ea typeface="a나무M" panose="02020600000000000000" pitchFamily="18" charset="-127"/>
-              </a:rPr>
-              <a:t>(</a:t>
-            </a:r>
-            <a:r>
-              <a:rPr lang="en-US" altLang="ko-KR" sz="2000" dirty="0" err="1">
-                <a:ln>
-                  <a:solidFill>
-                    <a:schemeClr val="tx1">
-                      <a:alpha val="30000"/>
-                    </a:schemeClr>
-                  </a:solidFill>
-                </a:ln>
-                <a:solidFill>
-                  <a:srgbClr val="272123"/>
-                </a:solidFill>
-                <a:latin typeface="a나무M" panose="02020600000000000000" pitchFamily="18" charset="-127"/>
-                <a:ea typeface="a나무M" panose="02020600000000000000" pitchFamily="18" charset="-127"/>
-              </a:rPr>
-              <a:t>F</a:t>
-            </a:r>
-            <a:r>
-              <a:rPr lang="en-US" altLang="ko-KR" sz="1400" dirty="0" err="1">
-                <a:ln>
-                  <a:solidFill>
-                    <a:schemeClr val="tx1">
-                      <a:alpha val="30000"/>
-                    </a:schemeClr>
-                  </a:solidFill>
-                </a:ln>
-                <a:solidFill>
-                  <a:srgbClr val="272123"/>
-                </a:solidFill>
-                <a:latin typeface="a나무M" panose="02020600000000000000" pitchFamily="18" charset="-127"/>
-                <a:ea typeface="a나무M" panose="02020600000000000000" pitchFamily="18" charset="-127"/>
-              </a:rPr>
-              <a:t>ront</a:t>
-            </a:r>
-            <a:r>
-              <a:rPr lang="en-US" altLang="ko-KR" sz="2000" dirty="0" err="1">
-                <a:ln>
-                  <a:solidFill>
-                    <a:schemeClr val="tx1">
-                      <a:alpha val="30000"/>
-                    </a:schemeClr>
-                  </a:solidFill>
-                </a:ln>
-                <a:solidFill>
-                  <a:srgbClr val="272123"/>
-                </a:solidFill>
-                <a:latin typeface="a나무M" panose="02020600000000000000" pitchFamily="18" charset="-127"/>
-                <a:ea typeface="a나무M" panose="02020600000000000000" pitchFamily="18" charset="-127"/>
-              </a:rPr>
-              <a:t>E</a:t>
-            </a:r>
-            <a:r>
-              <a:rPr lang="en-US" altLang="ko-KR" sz="1400" dirty="0" err="1">
-                <a:ln>
-                  <a:solidFill>
-                    <a:schemeClr val="tx1">
-                      <a:alpha val="30000"/>
-                    </a:schemeClr>
-                  </a:solidFill>
-                </a:ln>
-                <a:solidFill>
-                  <a:srgbClr val="272123"/>
-                </a:solidFill>
-                <a:latin typeface="a나무M" panose="02020600000000000000" pitchFamily="18" charset="-127"/>
-                <a:ea typeface="a나무M" panose="02020600000000000000" pitchFamily="18" charset="-127"/>
-              </a:rPr>
-              <a:t>nd</a:t>
-            </a:r>
-            <a:r>
-              <a:rPr lang="en-US" altLang="ko-KR" sz="1400" dirty="0">
-                <a:ln>
-                  <a:solidFill>
-                    <a:schemeClr val="tx1">
-                      <a:alpha val="30000"/>
-                    </a:schemeClr>
-                  </a:solidFill>
-                </a:ln>
-                <a:solidFill>
-                  <a:srgbClr val="272123"/>
-                </a:solidFill>
-                <a:latin typeface="a나무M" panose="02020600000000000000" pitchFamily="18" charset="-127"/>
-                <a:ea typeface="a나무M" panose="02020600000000000000" pitchFamily="18" charset="-127"/>
-              </a:rPr>
-              <a:t> </a:t>
-            </a:r>
-            <a:r>
-              <a:rPr lang="ko-KR" altLang="en-US" sz="1400" dirty="0">
-                <a:ln>
-                  <a:solidFill>
-                    <a:schemeClr val="tx1">
-                      <a:alpha val="30000"/>
-                    </a:schemeClr>
-                  </a:solidFill>
-                </a:ln>
-                <a:solidFill>
-                  <a:srgbClr val="272123"/>
-                </a:solidFill>
-                <a:latin typeface="a나무M" panose="02020600000000000000" pitchFamily="18" charset="-127"/>
-                <a:ea typeface="a나무M" panose="02020600000000000000" pitchFamily="18" charset="-127"/>
-              </a:rPr>
-              <a:t>모든 페이지 구성</a:t>
-            </a:r>
-            <a:r>
-              <a:rPr lang="en-US" altLang="ko-KR" sz="1400" dirty="0">
-                <a:ln>
-                  <a:solidFill>
-                    <a:schemeClr val="tx1">
-                      <a:alpha val="30000"/>
-                    </a:schemeClr>
-                  </a:solidFill>
-                </a:ln>
-                <a:solidFill>
-                  <a:srgbClr val="272123"/>
-                </a:solidFill>
-                <a:latin typeface="a나무M" panose="02020600000000000000" pitchFamily="18" charset="-127"/>
-                <a:ea typeface="a나무M" panose="02020600000000000000" pitchFamily="18" charset="-127"/>
-              </a:rPr>
-              <a:t>)</a:t>
-            </a:r>
-          </a:p>
-        </p:txBody>
-      </p:sp>
-      <p:sp>
-        <p:nvSpPr>
-          <p:cNvPr id="30" name="TextBox 29"/>
-          <p:cNvSpPr txBox="1"/>
-          <p:nvPr/>
-        </p:nvSpPr>
-        <p:spPr>
-          <a:xfrm>
-            <a:off x="5968521" y="3670910"/>
-            <a:ext cx="1544383" cy="338554"/>
-          </a:xfrm>
-          <a:prstGeom prst="rect">
-            <a:avLst/>
-          </a:prstGeom>
-          <a:noFill/>
-        </p:spPr>
-        <p:txBody>
-          <a:bodyPr wrap="square" rtlCol="0">
-            <a:spAutoFit/>
-          </a:bodyPr>
-          <a:lstStyle/>
-          <a:p>
-            <a:r>
-              <a:rPr lang="ko-KR" altLang="en-US" sz="1600" dirty="0">
-                <a:ln>
-                  <a:solidFill>
-                    <a:srgbClr val="AF9061">
-                      <a:alpha val="30000"/>
-                    </a:srgbClr>
-                  </a:solidFill>
-                </a:ln>
-                <a:solidFill>
-                  <a:srgbClr val="AF9061"/>
-                </a:solidFill>
-                <a:latin typeface="a나무M" panose="02020600000000000000" pitchFamily="18" charset="-127"/>
-                <a:ea typeface="a나무M" panose="02020600000000000000" pitchFamily="18" charset="-127"/>
-              </a:rPr>
-              <a:t>크고 잘 보이게</a:t>
-            </a:r>
-            <a:r>
-              <a:rPr lang="en-US" altLang="ko-KR" sz="1600" dirty="0">
-                <a:ln>
-                  <a:solidFill>
-                    <a:srgbClr val="AF9061">
-                      <a:alpha val="30000"/>
-                    </a:srgbClr>
-                  </a:solidFill>
-                </a:ln>
-                <a:solidFill>
-                  <a:srgbClr val="AF9061"/>
-                </a:solidFill>
-                <a:latin typeface="a나무M" panose="02020600000000000000" pitchFamily="18" charset="-127"/>
-                <a:ea typeface="a나무M" panose="02020600000000000000" pitchFamily="18" charset="-127"/>
-              </a:rPr>
-              <a:t>!</a:t>
-            </a:r>
-          </a:p>
-        </p:txBody>
-      </p:sp>
-      <p:sp>
-        <p:nvSpPr>
-          <p:cNvPr id="26" name="TextBox 25"/>
-          <p:cNvSpPr txBox="1"/>
-          <p:nvPr/>
-        </p:nvSpPr>
-        <p:spPr>
-          <a:xfrm>
-            <a:off x="1979713" y="4439554"/>
-            <a:ext cx="4055010" cy="369332"/>
-          </a:xfrm>
-          <a:prstGeom prst="rect">
-            <a:avLst/>
-          </a:prstGeom>
-          <a:noFill/>
-        </p:spPr>
-        <p:txBody>
-          <a:bodyPr wrap="square" rtlCol="0">
-            <a:spAutoFit/>
-          </a:bodyPr>
-          <a:lstStyle/>
-          <a:p>
-            <a:pPr marL="285750" indent="-285750">
-              <a:buFont typeface="Wingdings" pitchFamily="2" charset="2"/>
-              <a:buChar char="§"/>
-            </a:pPr>
-            <a:r>
-              <a:rPr lang="ko-KR" altLang="en-US" dirty="0" err="1">
-                <a:ln>
-                  <a:solidFill>
-                    <a:schemeClr val="tx1">
-                      <a:alpha val="30000"/>
-                    </a:schemeClr>
-                  </a:solidFill>
-                </a:ln>
-                <a:solidFill>
-                  <a:srgbClr val="272123"/>
-                </a:solidFill>
-                <a:latin typeface="a나무M" panose="02020600000000000000" pitchFamily="18" charset="-127"/>
-                <a:ea typeface="a나무M" panose="02020600000000000000" pitchFamily="18" charset="-127"/>
-              </a:rPr>
-              <a:t>배용호</a:t>
-            </a:r>
-            <a:endParaRPr lang="en-US" altLang="ko-KR" dirty="0">
-              <a:ln>
-                <a:solidFill>
-                  <a:schemeClr val="tx1">
-                    <a:alpha val="30000"/>
-                  </a:schemeClr>
-                </a:solidFill>
-              </a:ln>
-              <a:solidFill>
-                <a:srgbClr val="272123"/>
-              </a:solidFill>
-              <a:latin typeface="a나무M" panose="02020600000000000000" pitchFamily="18" charset="-127"/>
-              <a:ea typeface="a나무M" panose="02020600000000000000" pitchFamily="18" charset="-127"/>
-            </a:endParaRPr>
-          </a:p>
-        </p:txBody>
-      </p:sp>
-      <p:sp>
-        <p:nvSpPr>
-          <p:cNvPr id="31" name="TextBox 30"/>
-          <p:cNvSpPr txBox="1"/>
-          <p:nvPr/>
-        </p:nvSpPr>
-        <p:spPr>
-          <a:xfrm>
-            <a:off x="6041059" y="4470332"/>
-            <a:ext cx="2995130" cy="338554"/>
-          </a:xfrm>
-          <a:prstGeom prst="rect">
-            <a:avLst/>
-          </a:prstGeom>
-          <a:noFill/>
-        </p:spPr>
-        <p:txBody>
-          <a:bodyPr wrap="square" rtlCol="0">
-            <a:spAutoFit/>
-          </a:bodyPr>
-          <a:lstStyle/>
-          <a:p>
-            <a:r>
-              <a:rPr lang="ko-KR" altLang="en-US" sz="1600" dirty="0">
-                <a:ln>
-                  <a:solidFill>
-                    <a:srgbClr val="AF9061">
-                      <a:alpha val="30000"/>
-                    </a:srgbClr>
-                  </a:solidFill>
-                </a:ln>
-                <a:solidFill>
-                  <a:srgbClr val="AF9061"/>
-                </a:solidFill>
-                <a:latin typeface="Yoon 윤고딕 520_TT" pitchFamily="18" charset="-127"/>
-                <a:ea typeface="Yoon 윤고딕 520_TT" pitchFamily="18" charset="-127"/>
-              </a:rPr>
-              <a:t>한 페이지에는 하나의 메시지만</a:t>
-            </a:r>
-            <a:r>
-              <a:rPr lang="en-US" altLang="ko-KR" sz="1600" dirty="0">
-                <a:ln>
-                  <a:solidFill>
-                    <a:srgbClr val="AF9061">
-                      <a:alpha val="30000"/>
-                    </a:srgbClr>
-                  </a:solidFill>
-                </a:ln>
-                <a:solidFill>
-                  <a:srgbClr val="AF9061"/>
-                </a:solidFill>
-                <a:latin typeface="Yoon 윤고딕 520_TT" pitchFamily="18" charset="-127"/>
-                <a:ea typeface="Yoon 윤고딕 520_TT" pitchFamily="18" charset="-127"/>
-              </a:rPr>
-              <a:t>!</a:t>
-            </a:r>
-          </a:p>
-        </p:txBody>
-      </p:sp>
-      <p:sp>
-        <p:nvSpPr>
-          <p:cNvPr id="23" name="TextBox 22"/>
-          <p:cNvSpPr txBox="1"/>
-          <p:nvPr/>
-        </p:nvSpPr>
-        <p:spPr>
-          <a:xfrm>
-            <a:off x="107504" y="2298358"/>
-            <a:ext cx="450395" cy="338554"/>
-          </a:xfrm>
-          <a:prstGeom prst="rect">
-            <a:avLst/>
-          </a:prstGeom>
-          <a:noFill/>
-        </p:spPr>
-        <p:txBody>
-          <a:bodyPr wrap="square" rtlCol="0">
-            <a:spAutoFit/>
-          </a:bodyPr>
-          <a:lstStyle/>
-          <a:p>
             <a:r>
               <a:rPr lang="en-US" altLang="ko-KR" sz="1600" dirty="0">
                 <a:ln>
@@ -8873,284 +8653,7 @@
                 <a:latin typeface="Yoon 윤고딕 520_TT" pitchFamily="18" charset="-127"/>
                 <a:ea typeface="Yoon 윤고딕 520_TT" pitchFamily="18" charset="-127"/>
               </a:rPr>
-              <a:t>04</a:t>
-            </a:r>
-          </a:p>
-        </p:txBody>
-      </p:sp>
-      <p:sp>
-        <p:nvSpPr>
-          <p:cNvPr id="32" name="TextBox 31"/>
-          <p:cNvSpPr txBox="1"/>
-          <p:nvPr/>
-        </p:nvSpPr>
-        <p:spPr>
-          <a:xfrm>
-            <a:off x="107504" y="2775118"/>
-            <a:ext cx="450395" cy="338554"/>
-          </a:xfrm>
-          <a:prstGeom prst="rect">
-            <a:avLst/>
-          </a:prstGeom>
-          <a:noFill/>
-        </p:spPr>
-        <p:txBody>
-          <a:bodyPr wrap="square" rtlCol="0">
-            <a:spAutoFit/>
-          </a:bodyPr>
-          <a:lstStyle/>
-          <a:p>
-            <a:r>
-              <a:rPr lang="en-US" altLang="ko-KR" sz="1600" dirty="0">
-                <a:ln>
-                  <a:solidFill>
-                    <a:schemeClr val="tx1">
-                      <a:alpha val="30000"/>
-                    </a:schemeClr>
-                  </a:solidFill>
-                </a:ln>
-                <a:solidFill>
-                  <a:schemeClr val="bg1">
-                    <a:lumMod val="85000"/>
-                  </a:schemeClr>
-                </a:solidFill>
-                <a:latin typeface="Yoon 윤고딕 520_TT" pitchFamily="18" charset="-127"/>
-                <a:ea typeface="Yoon 윤고딕 520_TT" pitchFamily="18" charset="-127"/>
-              </a:rPr>
               <a:t>05</a:t>
-            </a:r>
-          </a:p>
-        </p:txBody>
-      </p:sp>
-      <p:sp>
-        <p:nvSpPr>
-          <p:cNvPr id="33" name="TextBox 32">
-            <a:extLst>
-              <a:ext uri="{FF2B5EF4-FFF2-40B4-BE49-F238E27FC236}">
-                <a16:creationId xmlns:a16="http://schemas.microsoft.com/office/drawing/2014/main" id="{D87D4CB2-3A4C-4635-A191-39A46EF16330}"/>
-              </a:ext>
-            </a:extLst>
-          </p:cNvPr>
-          <p:cNvSpPr txBox="1"/>
-          <p:nvPr/>
-        </p:nvSpPr>
-        <p:spPr>
-          <a:xfrm>
-            <a:off x="2009067" y="5223587"/>
-            <a:ext cx="4055010" cy="369332"/>
-          </a:xfrm>
-          <a:prstGeom prst="rect">
-            <a:avLst/>
-          </a:prstGeom>
-          <a:noFill/>
-        </p:spPr>
-        <p:txBody>
-          <a:bodyPr wrap="square" rtlCol="0">
-            <a:spAutoFit/>
-          </a:bodyPr>
-          <a:lstStyle/>
-          <a:p>
-            <a:pPr marL="285750" indent="-285750">
-              <a:buFont typeface="Wingdings" pitchFamily="2" charset="2"/>
-              <a:buChar char="§"/>
-            </a:pPr>
-            <a:r>
-              <a:rPr lang="ko-KR" altLang="en-US" dirty="0">
-                <a:ln>
-                  <a:solidFill>
-                    <a:schemeClr val="tx1">
-                      <a:alpha val="30000"/>
-                    </a:schemeClr>
-                  </a:solidFill>
-                </a:ln>
-                <a:solidFill>
-                  <a:srgbClr val="272123"/>
-                </a:solidFill>
-                <a:latin typeface="a나무M" panose="02020600000000000000" pitchFamily="18" charset="-127"/>
-                <a:ea typeface="a나무M" panose="02020600000000000000" pitchFamily="18" charset="-127"/>
-              </a:rPr>
-              <a:t>윤정현</a:t>
-            </a:r>
-            <a:endParaRPr lang="en-US" altLang="ko-KR" dirty="0">
-              <a:ln>
-                <a:solidFill>
-                  <a:schemeClr val="tx1">
-                    <a:alpha val="30000"/>
-                  </a:schemeClr>
-                </a:solidFill>
-              </a:ln>
-              <a:solidFill>
-                <a:srgbClr val="272123"/>
-              </a:solidFill>
-              <a:latin typeface="a나무M" panose="02020600000000000000" pitchFamily="18" charset="-127"/>
-              <a:ea typeface="a나무M" panose="02020600000000000000" pitchFamily="18" charset="-127"/>
-            </a:endParaRPr>
-          </a:p>
-        </p:txBody>
-      </p:sp>
-      <p:sp>
-        <p:nvSpPr>
-          <p:cNvPr id="35" name="TextBox 34">
-            <a:extLst>
-              <a:ext uri="{FF2B5EF4-FFF2-40B4-BE49-F238E27FC236}">
-                <a16:creationId xmlns:a16="http://schemas.microsoft.com/office/drawing/2014/main" id="{6CB00898-23B1-4A00-B08D-ACDB75603100}"/>
-              </a:ext>
-            </a:extLst>
-          </p:cNvPr>
-          <p:cNvSpPr txBox="1"/>
-          <p:nvPr/>
-        </p:nvSpPr>
-        <p:spPr>
-          <a:xfrm>
-            <a:off x="2871785" y="4408776"/>
-            <a:ext cx="2592287" cy="400110"/>
-          </a:xfrm>
-          <a:prstGeom prst="rect">
-            <a:avLst/>
-          </a:prstGeom>
-          <a:noFill/>
-        </p:spPr>
-        <p:txBody>
-          <a:bodyPr wrap="square" rtlCol="0">
-            <a:spAutoFit/>
-          </a:bodyPr>
-          <a:lstStyle/>
-          <a:p>
-            <a:r>
-              <a:rPr lang="en-US" altLang="ko-KR" sz="1400" dirty="0">
-                <a:ln>
-                  <a:solidFill>
-                    <a:schemeClr val="tx1">
-                      <a:alpha val="30000"/>
-                    </a:schemeClr>
-                  </a:solidFill>
-                </a:ln>
-                <a:solidFill>
-                  <a:srgbClr val="272123"/>
-                </a:solidFill>
-                <a:latin typeface="a나무M" panose="02020600000000000000" pitchFamily="18" charset="-127"/>
-                <a:ea typeface="a나무M" panose="02020600000000000000" pitchFamily="18" charset="-127"/>
-              </a:rPr>
-              <a:t>(</a:t>
-            </a:r>
-            <a:r>
-              <a:rPr lang="en-US" altLang="ko-KR" sz="2000" dirty="0" err="1">
-                <a:ln>
-                  <a:solidFill>
-                    <a:schemeClr val="tx1">
-                      <a:alpha val="30000"/>
-                    </a:schemeClr>
-                  </a:solidFill>
-                </a:ln>
-                <a:solidFill>
-                  <a:srgbClr val="272123"/>
-                </a:solidFill>
-                <a:latin typeface="a나무M" panose="02020600000000000000" pitchFamily="18" charset="-127"/>
-                <a:ea typeface="a나무M" panose="02020600000000000000" pitchFamily="18" charset="-127"/>
-              </a:rPr>
-              <a:t>F</a:t>
-            </a:r>
-            <a:r>
-              <a:rPr lang="en-US" altLang="ko-KR" sz="1400" dirty="0" err="1">
-                <a:ln>
-                  <a:solidFill>
-                    <a:schemeClr val="tx1">
-                      <a:alpha val="30000"/>
-                    </a:schemeClr>
-                  </a:solidFill>
-                </a:ln>
-                <a:solidFill>
-                  <a:srgbClr val="272123"/>
-                </a:solidFill>
-                <a:latin typeface="a나무M" panose="02020600000000000000" pitchFamily="18" charset="-127"/>
-                <a:ea typeface="a나무M" panose="02020600000000000000" pitchFamily="18" charset="-127"/>
-              </a:rPr>
-              <a:t>ront</a:t>
-            </a:r>
-            <a:r>
-              <a:rPr lang="en-US" altLang="ko-KR" sz="2000" dirty="0" err="1">
-                <a:ln>
-                  <a:solidFill>
-                    <a:schemeClr val="tx1">
-                      <a:alpha val="30000"/>
-                    </a:schemeClr>
-                  </a:solidFill>
-                </a:ln>
-                <a:solidFill>
-                  <a:srgbClr val="272123"/>
-                </a:solidFill>
-                <a:latin typeface="a나무M" panose="02020600000000000000" pitchFamily="18" charset="-127"/>
-                <a:ea typeface="a나무M" panose="02020600000000000000" pitchFamily="18" charset="-127"/>
-              </a:rPr>
-              <a:t>E</a:t>
-            </a:r>
-            <a:r>
-              <a:rPr lang="en-US" altLang="ko-KR" sz="1400" dirty="0" err="1">
-                <a:ln>
-                  <a:solidFill>
-                    <a:schemeClr val="tx1">
-                      <a:alpha val="30000"/>
-                    </a:schemeClr>
-                  </a:solidFill>
-                </a:ln>
-                <a:solidFill>
-                  <a:srgbClr val="272123"/>
-                </a:solidFill>
-                <a:latin typeface="a나무M" panose="02020600000000000000" pitchFamily="18" charset="-127"/>
-                <a:ea typeface="a나무M" panose="02020600000000000000" pitchFamily="18" charset="-127"/>
-              </a:rPr>
-              <a:t>nd</a:t>
-            </a:r>
-            <a:r>
-              <a:rPr lang="en-US" altLang="ko-KR" sz="1400" dirty="0">
-                <a:ln>
-                  <a:solidFill>
-                    <a:schemeClr val="tx1">
-                      <a:alpha val="30000"/>
-                    </a:schemeClr>
-                  </a:solidFill>
-                </a:ln>
-                <a:solidFill>
-                  <a:srgbClr val="272123"/>
-                </a:solidFill>
-                <a:latin typeface="a나무M" panose="02020600000000000000" pitchFamily="18" charset="-127"/>
-                <a:ea typeface="a나무M" panose="02020600000000000000" pitchFamily="18" charset="-127"/>
-              </a:rPr>
-              <a:t> </a:t>
-            </a:r>
-            <a:r>
-              <a:rPr lang="ko-KR" altLang="en-US" sz="1400" dirty="0">
-                <a:ln>
-                  <a:solidFill>
-                    <a:schemeClr val="tx1">
-                      <a:alpha val="30000"/>
-                    </a:schemeClr>
-                  </a:solidFill>
-                </a:ln>
-                <a:solidFill>
-                  <a:srgbClr val="272123"/>
-                </a:solidFill>
-                <a:latin typeface="a나무M" panose="02020600000000000000" pitchFamily="18" charset="-127"/>
-                <a:ea typeface="a나무M" panose="02020600000000000000" pitchFamily="18" charset="-127"/>
-              </a:rPr>
-              <a:t>모든 페이지 구성</a:t>
-            </a:r>
-            <a:r>
-              <a:rPr lang="en-US" altLang="ko-KR" sz="1400" dirty="0">
-                <a:ln>
-                  <a:solidFill>
-                    <a:schemeClr val="tx1">
-                      <a:alpha val="30000"/>
-                    </a:schemeClr>
-                  </a:solidFill>
-                </a:ln>
-                <a:solidFill>
-                  <a:srgbClr val="272123"/>
-                </a:solidFill>
-                <a:latin typeface="a나무M" panose="02020600000000000000" pitchFamily="18" charset="-127"/>
-                <a:ea typeface="a나무M" panose="02020600000000000000" pitchFamily="18" charset="-127"/>
-              </a:rPr>
-              <a:t>)</a:t>
             </a:r>
           </a:p>
         </p:txBody>
@@ -9158,7 +8661,7 @@
     </p:spTree>
     <p:extLst>
       <p:ext uri="{BB962C8B-B14F-4D97-AF65-F5344CB8AC3E}">
-        <p14:creationId xmlns:p14="http://schemas.microsoft.com/office/powerpoint/2010/main" val="1866215808"/>
+        <p14:creationId xmlns:p14="http://schemas.microsoft.com/office/powerpoint/2010/main" val="3493880985"/>
       </p:ext>
     </p:extLst>
   </p:cSld>
@@ -9197,6 +8700,54 @@
           <a:chExt cx="0" cy="0"/>
         </a:xfrm>
       </p:grpSpPr>
+      <p:sp>
+        <p:nvSpPr>
+          <p:cNvPr id="19" name="직사각형 18"/>
+          <p:cNvSpPr/>
+          <p:nvPr/>
+        </p:nvSpPr>
+        <p:spPr>
+          <a:xfrm>
+            <a:off x="1624342" y="1949443"/>
+            <a:ext cx="3485187" cy="415636"/>
+          </a:xfrm>
+          <a:prstGeom prst="rect">
+            <a:avLst/>
+          </a:prstGeom>
+          <a:solidFill>
+            <a:srgbClr val="AF9061">
+              <a:alpha val="80000"/>
+            </a:srgbClr>
+          </a:solidFill>
+          <a:ln>
+            <a:noFill/>
+          </a:ln>
+        </p:spPr>
+        <p:style>
+          <a:lnRef idx="2">
+            <a:schemeClr val="accent1">
+              <a:shade val="50000"/>
+            </a:schemeClr>
+          </a:lnRef>
+          <a:fillRef idx="1">
+            <a:schemeClr val="accent1"/>
+          </a:fillRef>
+          <a:effectRef idx="0">
+            <a:schemeClr val="accent1"/>
+          </a:effectRef>
+          <a:fontRef idx="minor">
+            <a:schemeClr val="lt1"/>
+          </a:fontRef>
+        </p:style>
+        <p:txBody>
+          <a:bodyPr rtlCol="0" anchor="ctr"/>
+          <a:lstStyle/>
+          <a:p>
+            <a:pPr algn="ctr"/>
+            <a:endParaRPr lang="ko-KR" altLang="en-US"/>
+          </a:p>
+        </p:txBody>
+      </p:sp>
       <p:cxnSp>
         <p:nvCxnSpPr>
           <p:cNvPr id="4" name="직선 연결선 3"/>
@@ -9410,7 +8961,7 @@
         </p:nvSpPr>
         <p:spPr>
           <a:xfrm>
-            <a:off x="-9283" y="2284275"/>
+            <a:off x="-9283" y="1813760"/>
             <a:ext cx="834325" cy="343501"/>
           </a:xfrm>
           <a:prstGeom prst="rect">
@@ -9456,7 +9007,7 @@
         </p:nvSpPr>
         <p:spPr>
           <a:xfrm rot="5400000">
-            <a:off x="702755" y="2614349"/>
+            <a:off x="702755" y="2143834"/>
             <a:ext cx="81142" cy="108000"/>
           </a:xfrm>
           <a:prstGeom prst="rtTriangle">
@@ -9630,108 +9181,14 @@
       </p:sp>
       <p:sp>
         <p:nvSpPr>
-          <p:cNvPr id="17" name="직사각형 16"/>
-          <p:cNvSpPr/>
-          <p:nvPr/>
-        </p:nvSpPr>
-        <p:spPr>
-          <a:xfrm>
-            <a:off x="1662507" y="1860077"/>
-            <a:ext cx="3000686" cy="2185501"/>
-          </a:xfrm>
-          <a:prstGeom prst="rect">
-            <a:avLst/>
-          </a:prstGeom>
-          <a:noFill/>
-          <a:ln w="6350">
-            <a:solidFill>
-              <a:srgbClr val="AF9061"/>
-            </a:solidFill>
-          </a:ln>
-        </p:spPr>
-        <p:style>
-          <a:lnRef idx="2">
-            <a:schemeClr val="accent1">
-              <a:shade val="50000"/>
-            </a:schemeClr>
-          </a:lnRef>
-          <a:fillRef idx="1">
-            <a:schemeClr val="accent1"/>
-          </a:fillRef>
-          <a:effectRef idx="0">
-            <a:schemeClr val="accent1"/>
-          </a:effectRef>
-          <a:fontRef idx="minor">
-            <a:schemeClr val="lt1"/>
-          </a:fontRef>
-        </p:style>
-        <p:txBody>
-          <a:bodyPr rtlCol="0" anchor="ctr"/>
-          <a:lstStyle/>
-          <a:p>
-            <a:pPr algn="ctr"/>
-            <a:endParaRPr lang="ko-KR" altLang="en-US"/>
-          </a:p>
-        </p:txBody>
-      </p:sp>
-      <p:sp>
-        <p:nvSpPr>
-          <p:cNvPr id="18" name="직사각형 17"/>
-          <p:cNvSpPr/>
-          <p:nvPr/>
-        </p:nvSpPr>
-        <p:spPr>
-          <a:xfrm>
-            <a:off x="5099706" y="1860077"/>
-            <a:ext cx="3000686" cy="2185501"/>
-          </a:xfrm>
-          <a:prstGeom prst="rect">
-            <a:avLst/>
-          </a:prstGeom>
-          <a:solidFill>
-            <a:srgbClr val="272123"/>
-          </a:solidFill>
-          <a:ln w="6350">
-            <a:solidFill>
-              <a:srgbClr val="AF9061"/>
-            </a:solidFill>
-          </a:ln>
-        </p:spPr>
-        <p:style>
-          <a:lnRef idx="2">
-            <a:schemeClr val="accent1">
-              <a:shade val="50000"/>
-            </a:schemeClr>
-          </a:lnRef>
-          <a:fillRef idx="1">
-            <a:schemeClr val="accent1"/>
-          </a:fillRef>
-          <a:effectRef idx="0">
-            <a:schemeClr val="accent1"/>
-          </a:effectRef>
-          <a:fontRef idx="minor">
-            <a:schemeClr val="lt1"/>
-          </a:fontRef>
-        </p:style>
-        <p:txBody>
-          <a:bodyPr rtlCol="0" anchor="ctr"/>
-          <a:lstStyle/>
-          <a:p>
-            <a:pPr algn="ctr"/>
-            <a:endParaRPr lang="ko-KR" altLang="en-US"/>
-          </a:p>
-        </p:txBody>
-      </p:sp>
-      <p:sp>
-        <p:nvSpPr>
-          <p:cNvPr id="19" name="TextBox 18"/>
+          <p:cNvPr id="17" name="TextBox 16"/>
           <p:cNvSpPr txBox="1"/>
           <p:nvPr/>
         </p:nvSpPr>
         <p:spPr>
           <a:xfrm>
-            <a:off x="2390659" y="2660440"/>
-            <a:ext cx="1544383" cy="584775"/>
+            <a:off x="1535262" y="1521627"/>
+            <a:ext cx="4464496" cy="292388"/>
           </a:xfrm>
           <a:prstGeom prst="rect">
             <a:avLst/>
@@ -9744,9 +9201,8 @@
           </a:bodyPr>
           <a:lstStyle/>
           <a:p>
-            <a:pPr algn="ctr"/>
-            <a:r>
-              <a:rPr lang="ko-KR" altLang="en-US" sz="1600" dirty="0" err="1">
+            <a:r>
+              <a:rPr lang="ko-KR" altLang="en-US" sz="1300" dirty="0">
                 <a:ln>
                   <a:solidFill>
                     <a:srgbClr val="AF9061">
@@ -9757,12 +9213,12 @@
                 <a:solidFill>
                   <a:srgbClr val="AF9061"/>
                 </a:solidFill>
-                <a:latin typeface="Yoon 윤고딕 520_TT" pitchFamily="18" charset="-127"/>
-                <a:ea typeface="Yoon 윤고딕 520_TT" pitchFamily="18" charset="-127"/>
-              </a:rPr>
-              <a:t>가독성</a:t>
-            </a:r>
-            <a:endParaRPr lang="en-US" altLang="ko-KR" sz="1600" dirty="0">
+                <a:latin typeface="a나무M" panose="02020600000000000000" pitchFamily="18" charset="-127"/>
+                <a:ea typeface="a나무M" panose="02020600000000000000" pitchFamily="18" charset="-127"/>
+              </a:rPr>
+              <a:t>성공적으로 프로젝트를 마치기 위한 역할 분담</a:t>
+            </a:r>
+            <a:endParaRPr lang="en-US" altLang="ko-KR" sz="1300" dirty="0">
               <a:ln>
                 <a:solidFill>
                   <a:srgbClr val="AF9061">
@@ -9773,56 +9229,22 @@
               <a:solidFill>
                 <a:srgbClr val="AF9061"/>
               </a:solidFill>
-              <a:latin typeface="Yoon 윤고딕 520_TT" pitchFamily="18" charset="-127"/>
-              <a:ea typeface="Yoon 윤고딕 520_TT" pitchFamily="18" charset="-127"/>
+              <a:latin typeface="a나무M" panose="02020600000000000000" pitchFamily="18" charset="-127"/>
+              <a:ea typeface="a나무M" panose="02020600000000000000" pitchFamily="18" charset="-127"/>
             </a:endParaRPr>
           </a:p>
-          <a:p>
-            <a:pPr algn="ctr"/>
-            <a:r>
-              <a:rPr lang="ko-KR" altLang="en-US" sz="1600" dirty="0">
-                <a:ln>
-                  <a:solidFill>
-                    <a:srgbClr val="AF9061">
-                      <a:alpha val="30000"/>
-                    </a:srgbClr>
-                  </a:solidFill>
-                </a:ln>
-                <a:solidFill>
-                  <a:srgbClr val="AF9061"/>
-                </a:solidFill>
-                <a:latin typeface="Yoon 윤고딕 520_TT" pitchFamily="18" charset="-127"/>
-                <a:ea typeface="Yoon 윤고딕 520_TT" pitchFamily="18" charset="-127"/>
-              </a:rPr>
-              <a:t>좁은 발표장소</a:t>
-            </a:r>
-            <a:endParaRPr lang="en-US" altLang="ko-KR" sz="1600" dirty="0">
-              <a:ln>
-                <a:solidFill>
-                  <a:srgbClr val="AF9061">
-                    <a:alpha val="30000"/>
-                  </a:srgbClr>
-                </a:solidFill>
-              </a:ln>
-              <a:solidFill>
-                <a:srgbClr val="AF9061"/>
-              </a:solidFill>
-              <a:latin typeface="Yoon 윤고딕 520_TT" pitchFamily="18" charset="-127"/>
-              <a:ea typeface="Yoon 윤고딕 520_TT" pitchFamily="18" charset="-127"/>
-            </a:endParaRPr>
-          </a:p>
-        </p:txBody>
-      </p:sp>
-      <p:sp>
-        <p:nvSpPr>
-          <p:cNvPr id="20" name="TextBox 19"/>
+        </p:txBody>
+      </p:sp>
+      <p:sp>
+        <p:nvSpPr>
+          <p:cNvPr id="18" name="TextBox 17"/>
           <p:cNvSpPr txBox="1"/>
           <p:nvPr/>
         </p:nvSpPr>
         <p:spPr>
           <a:xfrm>
-            <a:off x="5827858" y="2783550"/>
-            <a:ext cx="1544383" cy="338554"/>
+            <a:off x="1842281" y="1954507"/>
+            <a:ext cx="3049311" cy="369332"/>
           </a:xfrm>
           <a:prstGeom prst="rect">
             <a:avLst/>
@@ -9835,66 +9257,8 @@
           </a:bodyPr>
           <a:lstStyle/>
           <a:p>
-            <a:pPr algn="ctr"/>
-            <a:r>
-              <a:rPr lang="ko-KR" altLang="en-US" sz="1600" dirty="0">
-                <a:ln>
-                  <a:solidFill>
-                    <a:srgbClr val="AF9061">
-                      <a:alpha val="30000"/>
-                    </a:srgbClr>
-                  </a:solidFill>
-                </a:ln>
-                <a:solidFill>
-                  <a:srgbClr val="AF9061"/>
-                </a:solidFill>
-                <a:latin typeface="Yoon 윤고딕 520_TT" pitchFamily="18" charset="-127"/>
-                <a:ea typeface="Yoon 윤고딕 520_TT" pitchFamily="18" charset="-127"/>
-              </a:rPr>
-              <a:t>넓은 발표장소</a:t>
-            </a:r>
-            <a:endParaRPr lang="en-US" altLang="ko-KR" sz="1600" dirty="0">
-              <a:ln>
-                <a:solidFill>
-                  <a:srgbClr val="AF9061">
-                    <a:alpha val="30000"/>
-                  </a:srgbClr>
-                </a:solidFill>
-              </a:ln>
-              <a:solidFill>
-                <a:srgbClr val="AF9061"/>
-              </a:solidFill>
-              <a:latin typeface="Yoon 윤고딕 520_TT" pitchFamily="18" charset="-127"/>
-              <a:ea typeface="Yoon 윤고딕 520_TT" pitchFamily="18" charset="-127"/>
-            </a:endParaRPr>
-          </a:p>
-        </p:txBody>
-      </p:sp>
-      <p:sp>
-        <p:nvSpPr>
-          <p:cNvPr id="26" name="TextBox 25"/>
-          <p:cNvSpPr txBox="1"/>
-          <p:nvPr/>
-        </p:nvSpPr>
-        <p:spPr>
-          <a:xfrm>
-            <a:off x="1834473" y="4489375"/>
-            <a:ext cx="2656754" cy="307777"/>
-          </a:xfrm>
-          <a:prstGeom prst="rect">
-            <a:avLst/>
-          </a:prstGeom>
-          <a:noFill/>
-        </p:spPr>
-        <p:txBody>
-          <a:bodyPr wrap="square" rtlCol="0">
-            <a:spAutoFit/>
-          </a:bodyPr>
-          <a:lstStyle/>
-          <a:p>
-            <a:pPr algn="ctr"/>
-            <a:r>
-              <a:rPr lang="ko-KR" altLang="en-US" sz="1400" dirty="0">
+            <a:r>
+              <a:rPr lang="ko-KR" altLang="en-US" dirty="0">
                 <a:ln>
                   <a:solidFill>
                     <a:schemeClr val="tx1">
@@ -9905,12 +9269,12 @@
                 <a:solidFill>
                   <a:srgbClr val="272123"/>
                 </a:solidFill>
-                <a:latin typeface="Yoon 윤고딕 520_TT" pitchFamily="18" charset="-127"/>
-                <a:ea typeface="Yoon 윤고딕 520_TT" pitchFamily="18" charset="-127"/>
-              </a:rPr>
-              <a:t>답답한 분위기를 밝게 전환</a:t>
-            </a:r>
-            <a:endParaRPr lang="en-US" altLang="ko-KR" sz="1400" dirty="0">
+                <a:latin typeface="a나무M" panose="02020600000000000000" pitchFamily="18" charset="-127"/>
+                <a:ea typeface="a나무M" panose="02020600000000000000" pitchFamily="18" charset="-127"/>
+              </a:rPr>
+              <a:t>각자의 역할</a:t>
+            </a:r>
+            <a:endParaRPr lang="en-US" altLang="ko-KR" dirty="0">
               <a:ln>
                 <a:solidFill>
                   <a:schemeClr val="tx1">
@@ -9921,22 +9285,22 @@
               <a:solidFill>
                 <a:srgbClr val="272123"/>
               </a:solidFill>
-              <a:latin typeface="Yoon 윤고딕 520_TT" pitchFamily="18" charset="-127"/>
-              <a:ea typeface="Yoon 윤고딕 520_TT" pitchFamily="18" charset="-127"/>
+              <a:latin typeface="a나무M" panose="02020600000000000000" pitchFamily="18" charset="-127"/>
+              <a:ea typeface="a나무M" panose="02020600000000000000" pitchFamily="18" charset="-127"/>
             </a:endParaRPr>
           </a:p>
         </p:txBody>
       </p:sp>
       <p:sp>
         <p:nvSpPr>
-          <p:cNvPr id="27" name="TextBox 26"/>
+          <p:cNvPr id="20" name="TextBox 19"/>
           <p:cNvSpPr txBox="1"/>
           <p:nvPr/>
         </p:nvSpPr>
         <p:spPr>
           <a:xfrm>
-            <a:off x="5185689" y="4489375"/>
-            <a:ext cx="2828720" cy="307777"/>
+            <a:off x="1979712" y="2856100"/>
+            <a:ext cx="1410875" cy="369332"/>
           </a:xfrm>
           <a:prstGeom prst="rect">
             <a:avLst/>
@@ -9949,9 +9313,12 @@
           </a:bodyPr>
           <a:lstStyle/>
           <a:p>
-            <a:pPr algn="ctr"/>
-            <a:r>
-              <a:rPr lang="ko-KR" altLang="en-US" sz="1400" dirty="0">
+            <a:pPr marL="285750" indent="-285750">
+              <a:buFont typeface="Wingdings" pitchFamily="2" charset="2"/>
+              <a:buChar char="§"/>
+            </a:pPr>
+            <a:r>
+              <a:rPr lang="ko-KR" altLang="en-US" dirty="0">
                 <a:ln>
                   <a:solidFill>
                     <a:schemeClr val="tx1">
@@ -9962,12 +9329,12 @@
                 <a:solidFill>
                   <a:srgbClr val="272123"/>
                 </a:solidFill>
-                <a:latin typeface="Yoon 윤고딕 520_TT" pitchFamily="18" charset="-127"/>
-                <a:ea typeface="Yoon 윤고딕 520_TT" pitchFamily="18" charset="-127"/>
-              </a:rPr>
-              <a:t>발표자에게 집중</a:t>
-            </a:r>
-            <a:endParaRPr lang="en-US" altLang="ko-KR" sz="1400" dirty="0">
+                <a:latin typeface="a나무M" panose="02020600000000000000" pitchFamily="18" charset="-127"/>
+                <a:ea typeface="a나무M" panose="02020600000000000000" pitchFamily="18" charset="-127"/>
+              </a:rPr>
+              <a:t>김소연</a:t>
+            </a:r>
+            <a:endParaRPr lang="en-US" altLang="ko-KR" dirty="0">
               <a:ln>
                 <a:solidFill>
                   <a:schemeClr val="tx1">
@@ -9978,22 +9345,22 @@
               <a:solidFill>
                 <a:srgbClr val="272123"/>
               </a:solidFill>
-              <a:latin typeface="Yoon 윤고딕 520_TT" pitchFamily="18" charset="-127"/>
-              <a:ea typeface="Yoon 윤고딕 520_TT" pitchFamily="18" charset="-127"/>
+              <a:latin typeface="a나무M" panose="02020600000000000000" pitchFamily="18" charset="-127"/>
+              <a:ea typeface="a나무M" panose="02020600000000000000" pitchFamily="18" charset="-127"/>
             </a:endParaRPr>
           </a:p>
         </p:txBody>
       </p:sp>
       <p:sp>
         <p:nvSpPr>
-          <p:cNvPr id="23" name="TextBox 22"/>
+          <p:cNvPr id="27" name="TextBox 26"/>
           <p:cNvSpPr txBox="1"/>
           <p:nvPr/>
         </p:nvSpPr>
         <p:spPr>
           <a:xfrm>
-            <a:off x="107504" y="2298358"/>
-            <a:ext cx="450395" cy="338554"/>
+            <a:off x="2871786" y="2858863"/>
+            <a:ext cx="3189640" cy="400110"/>
           </a:xfrm>
           <a:prstGeom prst="rect">
             <a:avLst/>
@@ -10007,6 +9374,397 @@
           <a:lstStyle/>
           <a:p>
             <a:r>
+              <a:rPr lang="en-US" altLang="ko-KR" sz="1400" dirty="0">
+                <a:ln>
+                  <a:solidFill>
+                    <a:schemeClr val="tx1">
+                      <a:alpha val="30000"/>
+                    </a:schemeClr>
+                  </a:solidFill>
+                </a:ln>
+                <a:solidFill>
+                  <a:srgbClr val="272123"/>
+                </a:solidFill>
+                <a:latin typeface="a나무M" panose="02020600000000000000" pitchFamily="18" charset="-127"/>
+                <a:ea typeface="a나무M" panose="02020600000000000000" pitchFamily="18" charset="-127"/>
+              </a:rPr>
+              <a:t>(</a:t>
+            </a:r>
+            <a:r>
+              <a:rPr lang="en-US" altLang="ko-KR" sz="2000" dirty="0">
+                <a:ln>
+                  <a:solidFill>
+                    <a:schemeClr val="tx1">
+                      <a:alpha val="30000"/>
+                    </a:schemeClr>
+                  </a:solidFill>
+                </a:ln>
+                <a:solidFill>
+                  <a:srgbClr val="272123"/>
+                </a:solidFill>
+                <a:latin typeface="a나무M" panose="02020600000000000000" pitchFamily="18" charset="-127"/>
+                <a:ea typeface="a나무M" panose="02020600000000000000" pitchFamily="18" charset="-127"/>
+              </a:rPr>
+              <a:t>S</a:t>
+            </a:r>
+            <a:r>
+              <a:rPr lang="en-US" altLang="ko-KR" sz="1400" dirty="0">
+                <a:ln>
+                  <a:solidFill>
+                    <a:schemeClr val="tx1">
+                      <a:alpha val="30000"/>
+                    </a:schemeClr>
+                  </a:solidFill>
+                </a:ln>
+                <a:solidFill>
+                  <a:srgbClr val="272123"/>
+                </a:solidFill>
+                <a:latin typeface="a나무M" panose="02020600000000000000" pitchFamily="18" charset="-127"/>
+                <a:ea typeface="a나무M" panose="02020600000000000000" pitchFamily="18" charset="-127"/>
+              </a:rPr>
+              <a:t>ervlet </a:t>
+            </a:r>
+            <a:r>
+              <a:rPr lang="ko-KR" altLang="en-US" sz="1400" dirty="0">
+                <a:ln>
+                  <a:solidFill>
+                    <a:schemeClr val="tx1">
+                      <a:alpha val="30000"/>
+                    </a:schemeClr>
+                  </a:solidFill>
+                </a:ln>
+                <a:solidFill>
+                  <a:srgbClr val="272123"/>
+                </a:solidFill>
+                <a:latin typeface="a나무M" panose="02020600000000000000" pitchFamily="18" charset="-127"/>
+                <a:ea typeface="a나무M" panose="02020600000000000000" pitchFamily="18" charset="-127"/>
+              </a:rPr>
+              <a:t>담당 즉 컨트롤러 부분 구현</a:t>
+            </a:r>
+            <a:r>
+              <a:rPr lang="en-US" altLang="ko-KR" sz="1400" dirty="0">
+                <a:ln>
+                  <a:solidFill>
+                    <a:schemeClr val="tx1">
+                      <a:alpha val="30000"/>
+                    </a:schemeClr>
+                  </a:solidFill>
+                </a:ln>
+                <a:solidFill>
+                  <a:srgbClr val="272123"/>
+                </a:solidFill>
+                <a:latin typeface="a나무M" panose="02020600000000000000" pitchFamily="18" charset="-127"/>
+                <a:ea typeface="a나무M" panose="02020600000000000000" pitchFamily="18" charset="-127"/>
+              </a:rPr>
+              <a:t>)</a:t>
+            </a:r>
+          </a:p>
+        </p:txBody>
+      </p:sp>
+      <p:sp>
+        <p:nvSpPr>
+          <p:cNvPr id="25" name="TextBox 24"/>
+          <p:cNvSpPr txBox="1"/>
+          <p:nvPr/>
+        </p:nvSpPr>
+        <p:spPr>
+          <a:xfrm>
+            <a:off x="1979713" y="3655521"/>
+            <a:ext cx="1200486" cy="369332"/>
+          </a:xfrm>
+          <a:prstGeom prst="rect">
+            <a:avLst/>
+          </a:prstGeom>
+          <a:noFill/>
+        </p:spPr>
+        <p:txBody>
+          <a:bodyPr wrap="square" rtlCol="0">
+            <a:spAutoFit/>
+          </a:bodyPr>
+          <a:lstStyle/>
+          <a:p>
+            <a:pPr marL="285750" indent="-285750">
+              <a:buFont typeface="Wingdings" pitchFamily="2" charset="2"/>
+              <a:buChar char="§"/>
+            </a:pPr>
+            <a:r>
+              <a:rPr lang="ko-KR" altLang="en-US">
+                <a:ln>
+                  <a:solidFill>
+                    <a:schemeClr val="tx1">
+                      <a:alpha val="30000"/>
+                    </a:schemeClr>
+                  </a:solidFill>
+                </a:ln>
+                <a:solidFill>
+                  <a:srgbClr val="272123"/>
+                </a:solidFill>
+                <a:latin typeface="a나무M" panose="02020600000000000000" pitchFamily="18" charset="-127"/>
+                <a:ea typeface="a나무M" panose="02020600000000000000" pitchFamily="18" charset="-127"/>
+              </a:rPr>
+              <a:t>박규리</a:t>
+            </a:r>
+            <a:endParaRPr lang="en-US" altLang="ko-KR" dirty="0">
+              <a:ln>
+                <a:solidFill>
+                  <a:schemeClr val="tx1">
+                    <a:alpha val="30000"/>
+                  </a:schemeClr>
+                </a:solidFill>
+              </a:ln>
+              <a:solidFill>
+                <a:srgbClr val="272123"/>
+              </a:solidFill>
+              <a:latin typeface="a나무M" panose="02020600000000000000" pitchFamily="18" charset="-127"/>
+              <a:ea typeface="a나무M" panose="02020600000000000000" pitchFamily="18" charset="-127"/>
+            </a:endParaRPr>
+          </a:p>
+        </p:txBody>
+      </p:sp>
+      <p:sp>
+        <p:nvSpPr>
+          <p:cNvPr id="28" name="TextBox 27"/>
+          <p:cNvSpPr txBox="1"/>
+          <p:nvPr/>
+        </p:nvSpPr>
+        <p:spPr>
+          <a:xfrm>
+            <a:off x="2871786" y="3640132"/>
+            <a:ext cx="2592287" cy="400110"/>
+          </a:xfrm>
+          <a:prstGeom prst="rect">
+            <a:avLst/>
+          </a:prstGeom>
+          <a:noFill/>
+        </p:spPr>
+        <p:txBody>
+          <a:bodyPr wrap="square" rtlCol="0">
+            <a:spAutoFit/>
+          </a:bodyPr>
+          <a:lstStyle/>
+          <a:p>
+            <a:r>
+              <a:rPr lang="en-US" altLang="ko-KR" sz="1400" dirty="0">
+                <a:ln>
+                  <a:solidFill>
+                    <a:schemeClr val="tx1">
+                      <a:alpha val="30000"/>
+                    </a:schemeClr>
+                  </a:solidFill>
+                </a:ln>
+                <a:solidFill>
+                  <a:srgbClr val="272123"/>
+                </a:solidFill>
+                <a:latin typeface="a나무M" panose="02020600000000000000" pitchFamily="18" charset="-127"/>
+                <a:ea typeface="a나무M" panose="02020600000000000000" pitchFamily="18" charset="-127"/>
+              </a:rPr>
+              <a:t>(</a:t>
+            </a:r>
+            <a:r>
+              <a:rPr lang="en-US" altLang="ko-KR" sz="2000" dirty="0" err="1">
+                <a:ln>
+                  <a:solidFill>
+                    <a:schemeClr val="tx1">
+                      <a:alpha val="30000"/>
+                    </a:schemeClr>
+                  </a:solidFill>
+                </a:ln>
+                <a:solidFill>
+                  <a:srgbClr val="272123"/>
+                </a:solidFill>
+                <a:latin typeface="a나무M" panose="02020600000000000000" pitchFamily="18" charset="-127"/>
+                <a:ea typeface="a나무M" panose="02020600000000000000" pitchFamily="18" charset="-127"/>
+              </a:rPr>
+              <a:t>F</a:t>
+            </a:r>
+            <a:r>
+              <a:rPr lang="en-US" altLang="ko-KR" sz="1400" dirty="0" err="1">
+                <a:ln>
+                  <a:solidFill>
+                    <a:schemeClr val="tx1">
+                      <a:alpha val="30000"/>
+                    </a:schemeClr>
+                  </a:solidFill>
+                </a:ln>
+                <a:solidFill>
+                  <a:srgbClr val="272123"/>
+                </a:solidFill>
+                <a:latin typeface="a나무M" panose="02020600000000000000" pitchFamily="18" charset="-127"/>
+                <a:ea typeface="a나무M" panose="02020600000000000000" pitchFamily="18" charset="-127"/>
+              </a:rPr>
+              <a:t>ront</a:t>
+            </a:r>
+            <a:r>
+              <a:rPr lang="en-US" altLang="ko-KR" sz="2000" dirty="0" err="1">
+                <a:ln>
+                  <a:solidFill>
+                    <a:schemeClr val="tx1">
+                      <a:alpha val="30000"/>
+                    </a:schemeClr>
+                  </a:solidFill>
+                </a:ln>
+                <a:solidFill>
+                  <a:srgbClr val="272123"/>
+                </a:solidFill>
+                <a:latin typeface="a나무M" panose="02020600000000000000" pitchFamily="18" charset="-127"/>
+                <a:ea typeface="a나무M" panose="02020600000000000000" pitchFamily="18" charset="-127"/>
+              </a:rPr>
+              <a:t>E</a:t>
+            </a:r>
+            <a:r>
+              <a:rPr lang="en-US" altLang="ko-KR" sz="1400" dirty="0" err="1">
+                <a:ln>
+                  <a:solidFill>
+                    <a:schemeClr val="tx1">
+                      <a:alpha val="30000"/>
+                    </a:schemeClr>
+                  </a:solidFill>
+                </a:ln>
+                <a:solidFill>
+                  <a:srgbClr val="272123"/>
+                </a:solidFill>
+                <a:latin typeface="a나무M" panose="02020600000000000000" pitchFamily="18" charset="-127"/>
+                <a:ea typeface="a나무M" panose="02020600000000000000" pitchFamily="18" charset="-127"/>
+              </a:rPr>
+              <a:t>nd</a:t>
+            </a:r>
+            <a:r>
+              <a:rPr lang="en-US" altLang="ko-KR" sz="1400" dirty="0">
+                <a:ln>
+                  <a:solidFill>
+                    <a:schemeClr val="tx1">
+                      <a:alpha val="30000"/>
+                    </a:schemeClr>
+                  </a:solidFill>
+                </a:ln>
+                <a:solidFill>
+                  <a:srgbClr val="272123"/>
+                </a:solidFill>
+                <a:latin typeface="a나무M" panose="02020600000000000000" pitchFamily="18" charset="-127"/>
+                <a:ea typeface="a나무M" panose="02020600000000000000" pitchFamily="18" charset="-127"/>
+              </a:rPr>
+              <a:t> </a:t>
+            </a:r>
+            <a:r>
+              <a:rPr lang="ko-KR" altLang="en-US" sz="1400" dirty="0">
+                <a:ln>
+                  <a:solidFill>
+                    <a:schemeClr val="tx1">
+                      <a:alpha val="30000"/>
+                    </a:schemeClr>
+                  </a:solidFill>
+                </a:ln>
+                <a:solidFill>
+                  <a:srgbClr val="272123"/>
+                </a:solidFill>
+                <a:latin typeface="a나무M" panose="02020600000000000000" pitchFamily="18" charset="-127"/>
+                <a:ea typeface="a나무M" panose="02020600000000000000" pitchFamily="18" charset="-127"/>
+              </a:rPr>
+              <a:t>모든 페이지 구성</a:t>
+            </a:r>
+            <a:r>
+              <a:rPr lang="en-US" altLang="ko-KR" sz="1400" dirty="0">
+                <a:ln>
+                  <a:solidFill>
+                    <a:schemeClr val="tx1">
+                      <a:alpha val="30000"/>
+                    </a:schemeClr>
+                  </a:solidFill>
+                </a:ln>
+                <a:solidFill>
+                  <a:srgbClr val="272123"/>
+                </a:solidFill>
+                <a:latin typeface="a나무M" panose="02020600000000000000" pitchFamily="18" charset="-127"/>
+                <a:ea typeface="a나무M" panose="02020600000000000000" pitchFamily="18" charset="-127"/>
+              </a:rPr>
+              <a:t>)</a:t>
+            </a:r>
+          </a:p>
+        </p:txBody>
+      </p:sp>
+      <p:sp>
+        <p:nvSpPr>
+          <p:cNvPr id="26" name="TextBox 25"/>
+          <p:cNvSpPr txBox="1"/>
+          <p:nvPr/>
+        </p:nvSpPr>
+        <p:spPr>
+          <a:xfrm>
+            <a:off x="1979713" y="4439554"/>
+            <a:ext cx="4055010" cy="369332"/>
+          </a:xfrm>
+          <a:prstGeom prst="rect">
+            <a:avLst/>
+          </a:prstGeom>
+          <a:noFill/>
+        </p:spPr>
+        <p:txBody>
+          <a:bodyPr wrap="square" rtlCol="0">
+            <a:spAutoFit/>
+          </a:bodyPr>
+          <a:lstStyle/>
+          <a:p>
+            <a:pPr marL="285750" indent="-285750">
+              <a:buFont typeface="Wingdings" pitchFamily="2" charset="2"/>
+              <a:buChar char="§"/>
+            </a:pPr>
+            <a:r>
+              <a:rPr lang="ko-KR" altLang="en-US" dirty="0" err="1">
+                <a:ln>
+                  <a:solidFill>
+                    <a:schemeClr val="tx1">
+                      <a:alpha val="30000"/>
+                    </a:schemeClr>
+                  </a:solidFill>
+                </a:ln>
+                <a:solidFill>
+                  <a:srgbClr val="272123"/>
+                </a:solidFill>
+                <a:latin typeface="a나무M" panose="02020600000000000000" pitchFamily="18" charset="-127"/>
+                <a:ea typeface="a나무M" panose="02020600000000000000" pitchFamily="18" charset="-127"/>
+              </a:rPr>
+              <a:t>배용호</a:t>
+            </a:r>
+            <a:endParaRPr lang="en-US" altLang="ko-KR" dirty="0">
+              <a:ln>
+                <a:solidFill>
+                  <a:schemeClr val="tx1">
+                    <a:alpha val="30000"/>
+                  </a:schemeClr>
+                </a:solidFill>
+              </a:ln>
+              <a:solidFill>
+                <a:srgbClr val="272123"/>
+              </a:solidFill>
+              <a:latin typeface="a나무M" panose="02020600000000000000" pitchFamily="18" charset="-127"/>
+              <a:ea typeface="a나무M" panose="02020600000000000000" pitchFamily="18" charset="-127"/>
+            </a:endParaRPr>
+          </a:p>
+        </p:txBody>
+      </p:sp>
+      <p:sp>
+        <p:nvSpPr>
+          <p:cNvPr id="23" name="TextBox 22"/>
+          <p:cNvSpPr txBox="1"/>
+          <p:nvPr/>
+        </p:nvSpPr>
+        <p:spPr>
+          <a:xfrm>
+            <a:off x="107504" y="2298358"/>
+            <a:ext cx="450395" cy="338554"/>
+          </a:xfrm>
+          <a:prstGeom prst="rect">
+            <a:avLst/>
+          </a:prstGeom>
+          <a:noFill/>
+        </p:spPr>
+        <p:txBody>
+          <a:bodyPr wrap="square" rtlCol="0">
+            <a:spAutoFit/>
+          </a:bodyPr>
+          <a:lstStyle/>
+          <a:p>
+            <a:r>
               <a:rPr lang="en-US" altLang="ko-KR" sz="1600" dirty="0">
                 <a:ln>
                   <a:solidFill>
@@ -10030,7 +9788,7 @@
       </p:sp>
       <p:sp>
         <p:nvSpPr>
-          <p:cNvPr id="25" name="TextBox 24"/>
+          <p:cNvPr id="32" name="TextBox 31"/>
           <p:cNvSpPr txBox="1"/>
           <p:nvPr/>
         </p:nvSpPr>
@@ -10072,10 +9830,427 @@
           </a:p>
         </p:txBody>
       </p:sp>
+      <p:sp>
+        <p:nvSpPr>
+          <p:cNvPr id="33" name="TextBox 32">
+            <a:extLst>
+              <a:ext uri="{FF2B5EF4-FFF2-40B4-BE49-F238E27FC236}">
+                <a16:creationId xmlns:a16="http://schemas.microsoft.com/office/drawing/2014/main" id="{D87D4CB2-3A4C-4635-A191-39A46EF16330}"/>
+              </a:ext>
+            </a:extLst>
+          </p:cNvPr>
+          <p:cNvSpPr txBox="1"/>
+          <p:nvPr/>
+        </p:nvSpPr>
+        <p:spPr>
+          <a:xfrm>
+            <a:off x="2009067" y="5223587"/>
+            <a:ext cx="4055010" cy="369332"/>
+          </a:xfrm>
+          <a:prstGeom prst="rect">
+            <a:avLst/>
+          </a:prstGeom>
+          <a:noFill/>
+        </p:spPr>
+        <p:txBody>
+          <a:bodyPr wrap="square" rtlCol="0">
+            <a:spAutoFit/>
+          </a:bodyPr>
+          <a:lstStyle/>
+          <a:p>
+            <a:pPr marL="285750" indent="-285750">
+              <a:buFont typeface="Wingdings" pitchFamily="2" charset="2"/>
+              <a:buChar char="§"/>
+            </a:pPr>
+            <a:r>
+              <a:rPr lang="ko-KR" altLang="en-US" dirty="0">
+                <a:ln>
+                  <a:solidFill>
+                    <a:schemeClr val="tx1">
+                      <a:alpha val="30000"/>
+                    </a:schemeClr>
+                  </a:solidFill>
+                </a:ln>
+                <a:solidFill>
+                  <a:srgbClr val="272123"/>
+                </a:solidFill>
+                <a:latin typeface="a나무M" panose="02020600000000000000" pitchFamily="18" charset="-127"/>
+                <a:ea typeface="a나무M" panose="02020600000000000000" pitchFamily="18" charset="-127"/>
+              </a:rPr>
+              <a:t>윤정현</a:t>
+            </a:r>
+            <a:endParaRPr lang="en-US" altLang="ko-KR" dirty="0">
+              <a:ln>
+                <a:solidFill>
+                  <a:schemeClr val="tx1">
+                    <a:alpha val="30000"/>
+                  </a:schemeClr>
+                </a:solidFill>
+              </a:ln>
+              <a:solidFill>
+                <a:srgbClr val="272123"/>
+              </a:solidFill>
+              <a:latin typeface="a나무M" panose="02020600000000000000" pitchFamily="18" charset="-127"/>
+              <a:ea typeface="a나무M" panose="02020600000000000000" pitchFamily="18" charset="-127"/>
+            </a:endParaRPr>
+          </a:p>
+        </p:txBody>
+      </p:sp>
+      <p:sp>
+        <p:nvSpPr>
+          <p:cNvPr id="35" name="TextBox 34">
+            <a:extLst>
+              <a:ext uri="{FF2B5EF4-FFF2-40B4-BE49-F238E27FC236}">
+                <a16:creationId xmlns:a16="http://schemas.microsoft.com/office/drawing/2014/main" id="{6CB00898-23B1-4A00-B08D-ACDB75603100}"/>
+              </a:ext>
+            </a:extLst>
+          </p:cNvPr>
+          <p:cNvSpPr txBox="1"/>
+          <p:nvPr/>
+        </p:nvSpPr>
+        <p:spPr>
+          <a:xfrm>
+            <a:off x="2871785" y="4408776"/>
+            <a:ext cx="3284391" cy="400110"/>
+          </a:xfrm>
+          <a:prstGeom prst="rect">
+            <a:avLst/>
+          </a:prstGeom>
+          <a:noFill/>
+        </p:spPr>
+        <p:txBody>
+          <a:bodyPr wrap="square" rtlCol="0">
+            <a:spAutoFit/>
+          </a:bodyPr>
+          <a:lstStyle/>
+          <a:p>
+            <a:r>
+              <a:rPr lang="en-US" altLang="ko-KR" sz="1400" dirty="0">
+                <a:ln>
+                  <a:solidFill>
+                    <a:schemeClr val="tx1">
+                      <a:alpha val="30000"/>
+                    </a:schemeClr>
+                  </a:solidFill>
+                </a:ln>
+                <a:solidFill>
+                  <a:srgbClr val="272123"/>
+                </a:solidFill>
+                <a:latin typeface="a나무M" panose="02020600000000000000" pitchFamily="18" charset="-127"/>
+                <a:ea typeface="a나무M" panose="02020600000000000000" pitchFamily="18" charset="-127"/>
+              </a:rPr>
+              <a:t>(</a:t>
+            </a:r>
+            <a:r>
+              <a:rPr lang="en-US" altLang="ko-KR" sz="2000" dirty="0">
+                <a:ln>
+                  <a:solidFill>
+                    <a:schemeClr val="tx1">
+                      <a:alpha val="30000"/>
+                    </a:schemeClr>
+                  </a:solidFill>
+                </a:ln>
+                <a:solidFill>
+                  <a:srgbClr val="272123"/>
+                </a:solidFill>
+                <a:latin typeface="a나무M" panose="02020600000000000000" pitchFamily="18" charset="-127"/>
+                <a:ea typeface="a나무M" panose="02020600000000000000" pitchFamily="18" charset="-127"/>
+              </a:rPr>
+              <a:t>P</a:t>
+            </a:r>
+            <a:r>
+              <a:rPr lang="en-US" altLang="ko-KR" sz="1400" dirty="0">
+                <a:ln>
+                  <a:solidFill>
+                    <a:schemeClr val="tx1">
+                      <a:alpha val="30000"/>
+                    </a:schemeClr>
+                  </a:solidFill>
+                </a:ln>
+                <a:solidFill>
+                  <a:srgbClr val="272123"/>
+                </a:solidFill>
+                <a:latin typeface="a나무M" panose="02020600000000000000" pitchFamily="18" charset="-127"/>
+                <a:ea typeface="a나무M" panose="02020600000000000000" pitchFamily="18" charset="-127"/>
+              </a:rPr>
+              <a:t>roject </a:t>
+            </a:r>
+            <a:r>
+              <a:rPr lang="en-US" altLang="ko-KR" sz="2000" dirty="0">
+                <a:ln>
+                  <a:solidFill>
+                    <a:schemeClr val="tx1">
+                      <a:alpha val="30000"/>
+                    </a:schemeClr>
+                  </a:solidFill>
+                </a:ln>
+                <a:solidFill>
+                  <a:srgbClr val="272123"/>
+                </a:solidFill>
+                <a:latin typeface="a나무M" panose="02020600000000000000" pitchFamily="18" charset="-127"/>
+                <a:ea typeface="a나무M" panose="02020600000000000000" pitchFamily="18" charset="-127"/>
+              </a:rPr>
+              <a:t>m</a:t>
+            </a:r>
+            <a:r>
+              <a:rPr lang="en-US" altLang="ko-KR" sz="1400" dirty="0">
+                <a:ln>
+                  <a:solidFill>
+                    <a:schemeClr val="tx1">
+                      <a:alpha val="30000"/>
+                    </a:schemeClr>
+                  </a:solidFill>
+                </a:ln>
+                <a:solidFill>
+                  <a:srgbClr val="272123"/>
+                </a:solidFill>
+                <a:latin typeface="a나무M" panose="02020600000000000000" pitchFamily="18" charset="-127"/>
+                <a:ea typeface="a나무M" panose="02020600000000000000" pitchFamily="18" charset="-127"/>
+              </a:rPr>
+              <a:t>anager </a:t>
+            </a:r>
+            <a:r>
+              <a:rPr lang="ko-KR" altLang="en-US" sz="1400" dirty="0">
+                <a:ln>
+                  <a:solidFill>
+                    <a:schemeClr val="tx1">
+                      <a:alpha val="30000"/>
+                    </a:schemeClr>
+                  </a:solidFill>
+                </a:ln>
+                <a:solidFill>
+                  <a:srgbClr val="272123"/>
+                </a:solidFill>
+                <a:latin typeface="a나무M" panose="02020600000000000000" pitchFamily="18" charset="-127"/>
+                <a:ea typeface="a나무M" panose="02020600000000000000" pitchFamily="18" charset="-127"/>
+              </a:rPr>
+              <a:t>프로젝트 총괄</a:t>
+            </a:r>
+            <a:r>
+              <a:rPr lang="en-US" altLang="ko-KR" sz="1400" dirty="0">
+                <a:ln>
+                  <a:solidFill>
+                    <a:schemeClr val="tx1">
+                      <a:alpha val="30000"/>
+                    </a:schemeClr>
+                  </a:solidFill>
+                </a:ln>
+                <a:solidFill>
+                  <a:srgbClr val="272123"/>
+                </a:solidFill>
+                <a:latin typeface="a나무M" panose="02020600000000000000" pitchFamily="18" charset="-127"/>
+                <a:ea typeface="a나무M" panose="02020600000000000000" pitchFamily="18" charset="-127"/>
+              </a:rPr>
+              <a:t>)</a:t>
+            </a:r>
+          </a:p>
+        </p:txBody>
+      </p:sp>
+      <p:sp>
+        <p:nvSpPr>
+          <p:cNvPr id="34" name="TextBox 33">
+            <a:extLst>
+              <a:ext uri="{FF2B5EF4-FFF2-40B4-BE49-F238E27FC236}">
+                <a16:creationId xmlns:a16="http://schemas.microsoft.com/office/drawing/2014/main" id="{3A723592-21B7-4008-AE5B-1F4385596E38}"/>
+              </a:ext>
+            </a:extLst>
+          </p:cNvPr>
+          <p:cNvSpPr txBox="1"/>
+          <p:nvPr/>
+        </p:nvSpPr>
+        <p:spPr>
+          <a:xfrm>
+            <a:off x="2871785" y="5223587"/>
+            <a:ext cx="3500415" cy="400110"/>
+          </a:xfrm>
+          <a:prstGeom prst="rect">
+            <a:avLst/>
+          </a:prstGeom>
+          <a:noFill/>
+        </p:spPr>
+        <p:txBody>
+          <a:bodyPr wrap="square" rtlCol="0">
+            <a:spAutoFit/>
+          </a:bodyPr>
+          <a:lstStyle/>
+          <a:p>
+            <a:r>
+              <a:rPr lang="en-US" altLang="ko-KR" sz="1400" dirty="0">
+                <a:ln>
+                  <a:solidFill>
+                    <a:schemeClr val="tx1">
+                      <a:alpha val="30000"/>
+                    </a:schemeClr>
+                  </a:solidFill>
+                </a:ln>
+                <a:solidFill>
+                  <a:srgbClr val="272123"/>
+                </a:solidFill>
+                <a:latin typeface="a나무M" panose="02020600000000000000" pitchFamily="18" charset="-127"/>
+                <a:ea typeface="a나무M" panose="02020600000000000000" pitchFamily="18" charset="-127"/>
+              </a:rPr>
+              <a:t>(</a:t>
+            </a:r>
+            <a:r>
+              <a:rPr lang="en-US" altLang="ko-KR" sz="2000" dirty="0" err="1">
+                <a:ln>
+                  <a:solidFill>
+                    <a:schemeClr val="tx1">
+                      <a:alpha val="30000"/>
+                    </a:schemeClr>
+                  </a:solidFill>
+                </a:ln>
+                <a:solidFill>
+                  <a:srgbClr val="272123"/>
+                </a:solidFill>
+                <a:latin typeface="a나무M" panose="02020600000000000000" pitchFamily="18" charset="-127"/>
+                <a:ea typeface="a나무M" panose="02020600000000000000" pitchFamily="18" charset="-127"/>
+              </a:rPr>
+              <a:t>B</a:t>
+            </a:r>
+            <a:r>
+              <a:rPr lang="en-US" altLang="ko-KR" sz="1400" dirty="0" err="1">
+                <a:ln>
+                  <a:solidFill>
+                    <a:schemeClr val="tx1">
+                      <a:alpha val="30000"/>
+                    </a:schemeClr>
+                  </a:solidFill>
+                </a:ln>
+                <a:solidFill>
+                  <a:srgbClr val="272123"/>
+                </a:solidFill>
+                <a:latin typeface="a나무M" panose="02020600000000000000" pitchFamily="18" charset="-127"/>
+                <a:ea typeface="a나무M" panose="02020600000000000000" pitchFamily="18" charset="-127"/>
+              </a:rPr>
+              <a:t>ack</a:t>
+            </a:r>
+            <a:r>
+              <a:rPr lang="en-US" altLang="ko-KR" sz="2000" dirty="0" err="1">
+                <a:ln>
+                  <a:solidFill>
+                    <a:schemeClr val="tx1">
+                      <a:alpha val="30000"/>
+                    </a:schemeClr>
+                  </a:solidFill>
+                </a:ln>
+                <a:solidFill>
+                  <a:srgbClr val="272123"/>
+                </a:solidFill>
+                <a:latin typeface="a나무M" panose="02020600000000000000" pitchFamily="18" charset="-127"/>
+                <a:ea typeface="a나무M" panose="02020600000000000000" pitchFamily="18" charset="-127"/>
+              </a:rPr>
+              <a:t>E</a:t>
+            </a:r>
+            <a:r>
+              <a:rPr lang="en-US" altLang="ko-KR" sz="1400" dirty="0" err="1">
+                <a:ln>
+                  <a:solidFill>
+                    <a:schemeClr val="tx1">
+                      <a:alpha val="30000"/>
+                    </a:schemeClr>
+                  </a:solidFill>
+                </a:ln>
+                <a:solidFill>
+                  <a:srgbClr val="272123"/>
+                </a:solidFill>
+                <a:latin typeface="a나무M" panose="02020600000000000000" pitchFamily="18" charset="-127"/>
+                <a:ea typeface="a나무M" panose="02020600000000000000" pitchFamily="18" charset="-127"/>
+              </a:rPr>
+              <a:t>nd</a:t>
+            </a:r>
+            <a:r>
+              <a:rPr lang="en-US" altLang="ko-KR" sz="1400" dirty="0">
+                <a:ln>
+                  <a:solidFill>
+                    <a:schemeClr val="tx1">
+                      <a:alpha val="30000"/>
+                    </a:schemeClr>
+                  </a:solidFill>
+                </a:ln>
+                <a:solidFill>
+                  <a:srgbClr val="272123"/>
+                </a:solidFill>
+                <a:latin typeface="a나무M" panose="02020600000000000000" pitchFamily="18" charset="-127"/>
+                <a:ea typeface="a나무M" panose="02020600000000000000" pitchFamily="18" charset="-127"/>
+              </a:rPr>
+              <a:t> </a:t>
+            </a:r>
+            <a:r>
+              <a:rPr lang="ko-KR" altLang="en-US" sz="1400" dirty="0">
+                <a:ln>
+                  <a:solidFill>
+                    <a:schemeClr val="tx1">
+                      <a:alpha val="30000"/>
+                    </a:schemeClr>
+                  </a:solidFill>
+                </a:ln>
+                <a:solidFill>
+                  <a:srgbClr val="272123"/>
+                </a:solidFill>
+                <a:latin typeface="a나무M" panose="02020600000000000000" pitchFamily="18" charset="-127"/>
+                <a:ea typeface="a나무M" panose="02020600000000000000" pitchFamily="18" charset="-127"/>
+              </a:rPr>
+              <a:t>데이터베이스 설계 및 </a:t>
+            </a:r>
+            <a:r>
+              <a:rPr lang="en-US" altLang="ko-KR" sz="1400" dirty="0">
+                <a:ln>
+                  <a:solidFill>
+                    <a:schemeClr val="tx1">
+                      <a:alpha val="30000"/>
+                    </a:schemeClr>
+                  </a:solidFill>
+                </a:ln>
+                <a:solidFill>
+                  <a:srgbClr val="272123"/>
+                </a:solidFill>
+                <a:latin typeface="a나무M" panose="02020600000000000000" pitchFamily="18" charset="-127"/>
+                <a:ea typeface="a나무M" panose="02020600000000000000" pitchFamily="18" charset="-127"/>
+              </a:rPr>
+              <a:t>DAO</a:t>
+            </a:r>
+            <a:r>
+              <a:rPr lang="ko-KR" altLang="en-US" sz="1400" dirty="0">
+                <a:ln>
+                  <a:solidFill>
+                    <a:schemeClr val="tx1">
+                      <a:alpha val="30000"/>
+                    </a:schemeClr>
+                  </a:solidFill>
+                </a:ln>
+                <a:solidFill>
+                  <a:srgbClr val="272123"/>
+                </a:solidFill>
+                <a:latin typeface="a나무M" panose="02020600000000000000" pitchFamily="18" charset="-127"/>
+                <a:ea typeface="a나무M" panose="02020600000000000000" pitchFamily="18" charset="-127"/>
+              </a:rPr>
+              <a:t> 구현</a:t>
+            </a:r>
+            <a:r>
+              <a:rPr lang="en-US" altLang="ko-KR" sz="1400" dirty="0">
+                <a:ln>
+                  <a:solidFill>
+                    <a:schemeClr val="tx1">
+                      <a:alpha val="30000"/>
+                    </a:schemeClr>
+                  </a:solidFill>
+                </a:ln>
+                <a:solidFill>
+                  <a:srgbClr val="272123"/>
+                </a:solidFill>
+                <a:latin typeface="a나무M" panose="02020600000000000000" pitchFamily="18" charset="-127"/>
+                <a:ea typeface="a나무M" panose="02020600000000000000" pitchFamily="18" charset="-127"/>
+              </a:rPr>
+              <a:t>)</a:t>
+            </a:r>
+          </a:p>
+        </p:txBody>
+      </p:sp>
     </p:spTree>
     <p:extLst>
       <p:ext uri="{BB962C8B-B14F-4D97-AF65-F5344CB8AC3E}">
-        <p14:creationId xmlns:p14="http://schemas.microsoft.com/office/powerpoint/2010/main" val="2681623969"/>
+        <p14:creationId xmlns:p14="http://schemas.microsoft.com/office/powerpoint/2010/main" val="1866215808"/>
       </p:ext>
     </p:extLst>
   </p:cSld>
@@ -10327,7 +10502,7 @@
         </p:nvSpPr>
         <p:spPr>
           <a:xfrm>
-            <a:off x="-9283" y="2774683"/>
+            <a:off x="-9283" y="2284275"/>
             <a:ext cx="834325" cy="343501"/>
           </a:xfrm>
           <a:prstGeom prst="rect">
@@ -10373,7 +10548,7 @@
         </p:nvSpPr>
         <p:spPr>
           <a:xfrm rot="5400000">
-            <a:off x="702755" y="3104757"/>
+            <a:off x="702755" y="2614349"/>
             <a:ext cx="81142" cy="108000"/>
           </a:xfrm>
           <a:prstGeom prst="rtTriangle">
@@ -10547,14 +10722,14 @@
       </p:sp>
       <p:sp>
         <p:nvSpPr>
-          <p:cNvPr id="17" name="TextBox 16"/>
+          <p:cNvPr id="26" name="TextBox 25"/>
           <p:cNvSpPr txBox="1"/>
           <p:nvPr/>
         </p:nvSpPr>
         <p:spPr>
           <a:xfrm>
-            <a:off x="2877729" y="1323209"/>
-            <a:ext cx="1190215" cy="338554"/>
+            <a:off x="3408757" y="6093296"/>
+            <a:ext cx="2656754" cy="400110"/>
           </a:xfrm>
           <a:prstGeom prst="rect">
             <a:avLst/>
@@ -10567,8 +10742,9 @@
           </a:bodyPr>
           <a:lstStyle/>
           <a:p>
-            <a:r>
-              <a:rPr lang="en-US" altLang="ko-KR" sz="1600" dirty="0">
+            <a:pPr algn="ctr"/>
+            <a:r>
+              <a:rPr lang="ko-KR" altLang="en-US" sz="2000" dirty="0">
                 <a:ln>
                   <a:solidFill>
                     <a:schemeClr val="tx1">
@@ -10579,54 +10755,12 @@
                 <a:solidFill>
                   <a:srgbClr val="272123"/>
                 </a:solidFill>
-                <a:latin typeface="Yoon 윤고딕 520_TT" pitchFamily="18" charset="-127"/>
-                <a:ea typeface="Yoon 윤고딕 520_TT" pitchFamily="18" charset="-127"/>
-              </a:rPr>
-              <a:t>Template</a:t>
-            </a:r>
-          </a:p>
-        </p:txBody>
-      </p:sp>
-      <p:sp>
-        <p:nvSpPr>
-          <p:cNvPr id="18" name="TextBox 17"/>
-          <p:cNvSpPr txBox="1"/>
-          <p:nvPr/>
-        </p:nvSpPr>
-        <p:spPr>
-          <a:xfrm>
-            <a:off x="2165606" y="1307820"/>
-            <a:ext cx="894226" cy="369332"/>
-          </a:xfrm>
-          <a:prstGeom prst="rect">
-            <a:avLst/>
-          </a:prstGeom>
-          <a:noFill/>
-        </p:spPr>
-        <p:txBody>
-          <a:bodyPr wrap="square" rtlCol="0">
-            <a:spAutoFit/>
-          </a:bodyPr>
-          <a:lstStyle/>
-          <a:p>
-            <a:r>
-              <a:rPr lang="ko-KR" altLang="en-US" dirty="0">
-                <a:ln>
-                  <a:solidFill>
-                    <a:schemeClr val="tx1">
-                      <a:alpha val="30000"/>
-                    </a:schemeClr>
-                  </a:solidFill>
-                </a:ln>
-                <a:solidFill>
-                  <a:srgbClr val="272123"/>
-                </a:solidFill>
-                <a:latin typeface="Yoon 윤고딕 520_TT" pitchFamily="18" charset="-127"/>
-                <a:ea typeface="Yoon 윤고딕 520_TT" pitchFamily="18" charset="-127"/>
-              </a:rPr>
-              <a:t>템플릿</a:t>
-            </a:r>
-            <a:endParaRPr lang="en-US" altLang="ko-KR" dirty="0">
+                <a:latin typeface="a나무M" panose="02020600000000000000" pitchFamily="18" charset="-127"/>
+                <a:ea typeface="a나무M" panose="02020600000000000000" pitchFamily="18" charset="-127"/>
+              </a:rPr>
+              <a:t>데이터베이스 설계도</a:t>
+            </a:r>
+            <a:endParaRPr lang="en-US" altLang="ko-KR" sz="2000" dirty="0">
               <a:ln>
                 <a:solidFill>
                   <a:schemeClr val="tx1">
@@ -10637,31 +10771,130 @@
               <a:solidFill>
                 <a:srgbClr val="272123"/>
               </a:solidFill>
-              <a:latin typeface="Yoon 윤고딕 520_TT" pitchFamily="18" charset="-127"/>
-              <a:ea typeface="Yoon 윤고딕 520_TT" pitchFamily="18" charset="-127"/>
+              <a:latin typeface="a나무M" panose="02020600000000000000" pitchFamily="18" charset="-127"/>
+              <a:ea typeface="a나무M" panose="02020600000000000000" pitchFamily="18" charset="-127"/>
             </a:endParaRPr>
           </a:p>
         </p:txBody>
       </p:sp>
       <p:sp>
         <p:nvSpPr>
-          <p:cNvPr id="20" name="갈매기형 수장 19"/>
+          <p:cNvPr id="23" name="TextBox 22"/>
+          <p:cNvSpPr txBox="1"/>
+          <p:nvPr/>
+        </p:nvSpPr>
+        <p:spPr>
+          <a:xfrm>
+            <a:off x="107504" y="2298358"/>
+            <a:ext cx="450395" cy="338554"/>
+          </a:xfrm>
+          <a:prstGeom prst="rect">
+            <a:avLst/>
+          </a:prstGeom>
+          <a:noFill/>
+        </p:spPr>
+        <p:txBody>
+          <a:bodyPr wrap="square" rtlCol="0">
+            <a:spAutoFit/>
+          </a:bodyPr>
+          <a:lstStyle/>
+          <a:p>
+            <a:r>
+              <a:rPr lang="en-US" altLang="ko-KR" sz="1600" dirty="0">
+                <a:ln>
+                  <a:solidFill>
+                    <a:schemeClr val="tx1">
+                      <a:alpha val="30000"/>
+                    </a:schemeClr>
+                  </a:solidFill>
+                </a:ln>
+                <a:solidFill>
+                  <a:schemeClr val="bg1">
+                    <a:lumMod val="85000"/>
+                  </a:schemeClr>
+                </a:solidFill>
+                <a:latin typeface="Yoon 윤고딕 520_TT" pitchFamily="18" charset="-127"/>
+                <a:ea typeface="Yoon 윤고딕 520_TT" pitchFamily="18" charset="-127"/>
+              </a:rPr>
+              <a:t>04</a:t>
+            </a:r>
+          </a:p>
+        </p:txBody>
+      </p:sp>
+      <p:sp>
+        <p:nvSpPr>
+          <p:cNvPr id="25" name="TextBox 24"/>
+          <p:cNvSpPr txBox="1"/>
+          <p:nvPr/>
+        </p:nvSpPr>
+        <p:spPr>
+          <a:xfrm>
+            <a:off x="107504" y="2775118"/>
+            <a:ext cx="450395" cy="338554"/>
+          </a:xfrm>
+          <a:prstGeom prst="rect">
+            <a:avLst/>
+          </a:prstGeom>
+          <a:noFill/>
+        </p:spPr>
+        <p:txBody>
+          <a:bodyPr wrap="square" rtlCol="0">
+            <a:spAutoFit/>
+          </a:bodyPr>
+          <a:lstStyle/>
+          <a:p>
+            <a:r>
+              <a:rPr lang="en-US" altLang="ko-KR" sz="1600" dirty="0">
+                <a:ln>
+                  <a:solidFill>
+                    <a:schemeClr val="tx1">
+                      <a:alpha val="30000"/>
+                    </a:schemeClr>
+                  </a:solidFill>
+                </a:ln>
+                <a:solidFill>
+                  <a:schemeClr val="bg1">
+                    <a:lumMod val="85000"/>
+                  </a:schemeClr>
+                </a:solidFill>
+                <a:latin typeface="Yoon 윤고딕 520_TT" pitchFamily="18" charset="-127"/>
+                <a:ea typeface="Yoon 윤고딕 520_TT" pitchFamily="18" charset="-127"/>
+              </a:rPr>
+              <a:t>05</a:t>
+            </a:r>
+          </a:p>
+        </p:txBody>
+      </p:sp>
+      <p:sp>
+        <p:nvSpPr>
+          <p:cNvPr id="2" name="직사각형 1">
+            <a:extLst>
+              <a:ext uri="{FF2B5EF4-FFF2-40B4-BE49-F238E27FC236}">
+                <a16:creationId xmlns:a16="http://schemas.microsoft.com/office/drawing/2014/main" id="{0D752438-F573-4591-9665-C4A3E1CF6350}"/>
+              </a:ext>
+            </a:extLst>
+          </p:cNvPr>
           <p:cNvSpPr/>
           <p:nvPr/>
         </p:nvSpPr>
         <p:spPr>
           <a:xfrm>
-            <a:off x="1983347" y="1415277"/>
-            <a:ext cx="140381" cy="154419"/>
-          </a:xfrm>
-          <a:prstGeom prst="chevron">
-            <a:avLst/>
-          </a:prstGeom>
-          <a:solidFill>
-            <a:srgbClr val="272123"/>
-          </a:solidFill>
-          <a:ln>
-            <a:noFill/>
+            <a:off x="941829" y="980727"/>
+            <a:ext cx="7590611" cy="4794121"/>
+          </a:xfrm>
+          <a:prstGeom prst="rect">
+            <a:avLst/>
+          </a:prstGeom>
+          <a:blipFill>
+            <a:blip r:embed="rId2"/>
+            <a:stretch>
+              <a:fillRect/>
+            </a:stretch>
+          </a:blipFill>
+          <a:ln w="38100">
+            <a:solidFill>
+              <a:schemeClr val="tx1"/>
+            </a:solidFill>
           </a:ln>
         </p:spPr>
         <p:style>
@@ -10685,656 +10918,14 @@
           <a:lstStyle/>
           <a:p>
             <a:pPr algn="ctr"/>
-            <a:endParaRPr lang="ko-KR" altLang="en-US">
-              <a:solidFill>
-                <a:schemeClr val="tx1"/>
-              </a:solidFill>
-            </a:endParaRPr>
-          </a:p>
-        </p:txBody>
-      </p:sp>
-      <p:sp>
-        <p:nvSpPr>
-          <p:cNvPr id="25" name="갈매기형 수장 24"/>
-          <p:cNvSpPr/>
-          <p:nvPr/>
-        </p:nvSpPr>
-        <p:spPr>
-          <a:xfrm>
-            <a:off x="1835696" y="1415277"/>
-            <a:ext cx="140381" cy="154419"/>
-          </a:xfrm>
-          <a:prstGeom prst="chevron">
-            <a:avLst/>
-          </a:prstGeom>
-          <a:solidFill>
-            <a:srgbClr val="272123"/>
-          </a:solidFill>
-          <a:ln>
-            <a:noFill/>
-          </a:ln>
-        </p:spPr>
-        <p:style>
-          <a:lnRef idx="2">
-            <a:schemeClr val="accent1">
-              <a:shade val="50000"/>
-            </a:schemeClr>
-          </a:lnRef>
-          <a:fillRef idx="1">
-            <a:schemeClr val="accent1"/>
-          </a:fillRef>
-          <a:effectRef idx="0">
-            <a:schemeClr val="accent1"/>
-          </a:effectRef>
-          <a:fontRef idx="minor">
-            <a:schemeClr val="lt1"/>
-          </a:fontRef>
-        </p:style>
-        <p:txBody>
-          <a:bodyPr rtlCol="0" anchor="ctr"/>
-          <a:lstStyle/>
-          <a:p>
-            <a:pPr algn="ctr"/>
-            <a:endParaRPr lang="ko-KR" altLang="en-US">
-              <a:solidFill>
-                <a:schemeClr val="tx1"/>
-              </a:solidFill>
-            </a:endParaRPr>
-          </a:p>
-        </p:txBody>
-      </p:sp>
-      <p:sp>
-        <p:nvSpPr>
-          <p:cNvPr id="26" name="직사각형 25"/>
-          <p:cNvSpPr/>
-          <p:nvPr/>
-        </p:nvSpPr>
-        <p:spPr>
-          <a:xfrm>
-            <a:off x="2123728" y="1755738"/>
-            <a:ext cx="3485187" cy="312274"/>
-          </a:xfrm>
-          <a:prstGeom prst="rect">
-            <a:avLst/>
-          </a:prstGeom>
-          <a:solidFill>
-            <a:srgbClr val="AF9061">
-              <a:alpha val="80000"/>
-            </a:srgbClr>
-          </a:solidFill>
-          <a:ln>
-            <a:noFill/>
-          </a:ln>
-        </p:spPr>
-        <p:style>
-          <a:lnRef idx="2">
-            <a:schemeClr val="accent1">
-              <a:shade val="50000"/>
-            </a:schemeClr>
-          </a:lnRef>
-          <a:fillRef idx="1">
-            <a:schemeClr val="accent1"/>
-          </a:fillRef>
-          <a:effectRef idx="0">
-            <a:schemeClr val="accent1"/>
-          </a:effectRef>
-          <a:fontRef idx="minor">
-            <a:schemeClr val="lt1"/>
-          </a:fontRef>
-        </p:style>
-        <p:txBody>
-          <a:bodyPr rtlCol="0" anchor="ctr"/>
-          <a:lstStyle/>
-          <a:p>
-            <a:pPr algn="ctr"/>
             <a:endParaRPr lang="ko-KR" altLang="en-US"/>
-          </a:p>
-        </p:txBody>
-      </p:sp>
-      <p:sp>
-        <p:nvSpPr>
-          <p:cNvPr id="27" name="TextBox 26"/>
-          <p:cNvSpPr txBox="1"/>
-          <p:nvPr/>
-        </p:nvSpPr>
-        <p:spPr>
-          <a:xfrm>
-            <a:off x="2206861" y="1742598"/>
-            <a:ext cx="3318920" cy="338554"/>
-          </a:xfrm>
-          <a:prstGeom prst="rect">
-            <a:avLst/>
-          </a:prstGeom>
-          <a:noFill/>
-        </p:spPr>
-        <p:txBody>
-          <a:bodyPr wrap="square" rtlCol="0">
-            <a:spAutoFit/>
-          </a:bodyPr>
-          <a:lstStyle/>
-          <a:p>
-            <a:r>
-              <a:rPr lang="ko-KR" altLang="en-US" sz="1600" dirty="0">
-                <a:ln>
-                  <a:solidFill>
-                    <a:schemeClr val="tx1">
-                      <a:alpha val="30000"/>
-                    </a:schemeClr>
-                  </a:solidFill>
-                </a:ln>
-                <a:solidFill>
-                  <a:srgbClr val="272123"/>
-                </a:solidFill>
-                <a:latin typeface="Yoon 윤고딕 520_TT" pitchFamily="18" charset="-127"/>
-                <a:ea typeface="Yoon 윤고딕 520_TT" pitchFamily="18" charset="-127"/>
-              </a:rPr>
-              <a:t>좋은 디자인을 보고 따라 만드는 연습</a:t>
-            </a:r>
-            <a:r>
-              <a:rPr lang="en-US" altLang="ko-KR" sz="1600" dirty="0">
-                <a:ln>
-                  <a:solidFill>
-                    <a:schemeClr val="tx1">
-                      <a:alpha val="30000"/>
-                    </a:schemeClr>
-                  </a:solidFill>
-                </a:ln>
-                <a:solidFill>
-                  <a:srgbClr val="272123"/>
-                </a:solidFill>
-                <a:latin typeface="Yoon 윤고딕 520_TT" pitchFamily="18" charset="-127"/>
-                <a:ea typeface="Yoon 윤고딕 520_TT" pitchFamily="18" charset="-127"/>
-              </a:rPr>
-              <a:t>!</a:t>
-            </a:r>
-          </a:p>
-        </p:txBody>
-      </p:sp>
-      <p:grpSp>
-        <p:nvGrpSpPr>
-          <p:cNvPr id="11" name="그룹 10"/>
-          <p:cNvGrpSpPr/>
-          <p:nvPr/>
-        </p:nvGrpSpPr>
-        <p:grpSpPr>
-          <a:xfrm>
-            <a:off x="2660108" y="2636912"/>
-            <a:ext cx="3823785" cy="2554545"/>
-            <a:chOff x="2915816" y="2708920"/>
-            <a:chExt cx="3823785" cy="2554545"/>
-          </a:xfrm>
-        </p:grpSpPr>
-        <p:sp>
-          <p:nvSpPr>
-            <p:cNvPr id="28" name="TextBox 27"/>
-            <p:cNvSpPr txBox="1"/>
-            <p:nvPr/>
-          </p:nvSpPr>
-          <p:spPr>
-            <a:xfrm>
-              <a:off x="2915816" y="2708920"/>
-              <a:ext cx="3823785" cy="2554545"/>
-            </a:xfrm>
-            <a:prstGeom prst="rect">
-              <a:avLst/>
-            </a:prstGeom>
-            <a:noFill/>
-          </p:spPr>
-          <p:txBody>
-            <a:bodyPr wrap="square" rtlCol="0">
-              <a:spAutoFit/>
-            </a:bodyPr>
-            <a:lstStyle/>
-            <a:p>
-              <a:pPr marL="285750" indent="-285750">
-                <a:lnSpc>
-                  <a:spcPct val="200000"/>
-                </a:lnSpc>
-                <a:buFont typeface="Wingdings" pitchFamily="2" charset="2"/>
-                <a:buChar char="§"/>
-              </a:pPr>
-              <a:r>
-                <a:rPr lang="ko-KR" altLang="en-US" sz="1600" dirty="0">
-                  <a:ln>
-                    <a:solidFill>
-                      <a:schemeClr val="tx1">
-                        <a:alpha val="30000"/>
-                      </a:schemeClr>
-                    </a:solidFill>
-                  </a:ln>
-                  <a:solidFill>
-                    <a:srgbClr val="272123"/>
-                  </a:solidFill>
-                  <a:latin typeface="Yoon 윤고딕 520_TT" pitchFamily="18" charset="-127"/>
-                  <a:ea typeface="Yoon 윤고딕 520_TT" pitchFamily="18" charset="-127"/>
-                </a:rPr>
-                <a:t>크레파스 카페 </a:t>
-              </a:r>
-              <a:r>
-                <a:rPr lang="en-US" altLang="ko-KR" sz="1600" dirty="0">
-                  <a:ln>
-                    <a:solidFill>
-                      <a:schemeClr val="tx1">
-                        <a:alpha val="30000"/>
-                      </a:schemeClr>
-                    </a:solidFill>
-                  </a:ln>
-                  <a:solidFill>
-                    <a:srgbClr val="272123"/>
-                  </a:solidFill>
-                  <a:latin typeface="Yoon 윤고딕 520_TT" pitchFamily="18" charset="-127"/>
-                  <a:ea typeface="Yoon 윤고딕 520_TT" pitchFamily="18" charset="-127"/>
-                </a:rPr>
-                <a:t>&lt;</a:t>
-              </a:r>
-              <a:r>
-                <a:rPr lang="ko-KR" altLang="en-US" sz="1600" dirty="0">
-                  <a:ln>
-                    <a:solidFill>
-                      <a:schemeClr val="tx1">
-                        <a:alpha val="30000"/>
-                      </a:schemeClr>
-                    </a:solidFill>
-                  </a:ln>
-                  <a:solidFill>
-                    <a:srgbClr val="272123"/>
-                  </a:solidFill>
-                  <a:latin typeface="Yoon 윤고딕 520_TT" pitchFamily="18" charset="-127"/>
-                  <a:ea typeface="Yoon 윤고딕 520_TT" pitchFamily="18" charset="-127"/>
-                </a:rPr>
-                <a:t>디자인 참고자료</a:t>
-              </a:r>
-              <a:r>
-                <a:rPr lang="en-US" altLang="ko-KR" sz="1600" dirty="0">
-                  <a:ln>
-                    <a:solidFill>
-                      <a:schemeClr val="tx1">
-                        <a:alpha val="30000"/>
-                      </a:schemeClr>
-                    </a:solidFill>
-                  </a:ln>
-                  <a:solidFill>
-                    <a:srgbClr val="272123"/>
-                  </a:solidFill>
-                  <a:latin typeface="Yoon 윤고딕 520_TT" pitchFamily="18" charset="-127"/>
-                  <a:ea typeface="Yoon 윤고딕 520_TT" pitchFamily="18" charset="-127"/>
-                </a:rPr>
-                <a:t>&gt;</a:t>
-              </a:r>
-              <a:r>
-                <a:rPr lang="ko-KR" altLang="en-US" sz="1600" dirty="0">
-                  <a:ln>
-                    <a:solidFill>
-                      <a:schemeClr val="tx1">
-                        <a:alpha val="30000"/>
-                      </a:schemeClr>
-                    </a:solidFill>
-                  </a:ln>
-                  <a:solidFill>
-                    <a:srgbClr val="272123"/>
-                  </a:solidFill>
-                  <a:latin typeface="Yoon 윤고딕 520_TT" pitchFamily="18" charset="-127"/>
-                  <a:ea typeface="Yoon 윤고딕 520_TT" pitchFamily="18" charset="-127"/>
-                </a:rPr>
-                <a:t>게시판</a:t>
-              </a:r>
-              <a:endParaRPr lang="en-US" altLang="ko-KR" sz="1600" dirty="0">
-                <a:ln>
-                  <a:solidFill>
-                    <a:schemeClr val="tx1">
-                      <a:alpha val="30000"/>
-                    </a:schemeClr>
-                  </a:solidFill>
-                </a:ln>
-                <a:solidFill>
-                  <a:srgbClr val="272123"/>
-                </a:solidFill>
-                <a:latin typeface="Yoon 윤고딕 520_TT" pitchFamily="18" charset="-127"/>
-                <a:ea typeface="Yoon 윤고딕 520_TT" pitchFamily="18" charset="-127"/>
-              </a:endParaRPr>
-            </a:p>
-            <a:p>
-              <a:pPr marL="285750" indent="-285750">
-                <a:lnSpc>
-                  <a:spcPct val="200000"/>
-                </a:lnSpc>
-                <a:buFont typeface="Wingdings" pitchFamily="2" charset="2"/>
-                <a:buChar char="§"/>
-              </a:pPr>
-              <a:r>
-                <a:rPr lang="ko-KR" altLang="en-US" sz="1600" dirty="0" err="1">
-                  <a:ln>
-                    <a:solidFill>
-                      <a:schemeClr val="tx1">
-                        <a:alpha val="30000"/>
-                      </a:schemeClr>
-                    </a:solidFill>
-                  </a:ln>
-                  <a:solidFill>
-                    <a:srgbClr val="272123"/>
-                  </a:solidFill>
-                  <a:latin typeface="Yoon 윤고딕 520_TT" pitchFamily="18" charset="-127"/>
-                  <a:ea typeface="Yoon 윤고딕 520_TT" pitchFamily="18" charset="-127"/>
-                </a:rPr>
-                <a:t>핀터레스트</a:t>
-              </a:r>
-              <a:r>
-                <a:rPr lang="ko-KR" altLang="en-US" sz="1600" dirty="0">
-                  <a:ln>
-                    <a:solidFill>
-                      <a:schemeClr val="tx1">
-                        <a:alpha val="30000"/>
-                      </a:schemeClr>
-                    </a:solidFill>
-                  </a:ln>
-                  <a:solidFill>
-                    <a:srgbClr val="272123"/>
-                  </a:solidFill>
-                  <a:latin typeface="Yoon 윤고딕 520_TT" pitchFamily="18" charset="-127"/>
-                  <a:ea typeface="Yoon 윤고딕 520_TT" pitchFamily="18" charset="-127"/>
-                </a:rPr>
-                <a:t> </a:t>
-              </a:r>
-              <a:r>
-                <a:rPr lang="en-US" altLang="ko-KR" sz="1600" dirty="0" err="1">
-                  <a:ln>
-                    <a:solidFill>
-                      <a:schemeClr val="tx1">
-                        <a:alpha val="30000"/>
-                      </a:schemeClr>
-                    </a:solidFill>
-                  </a:ln>
-                  <a:solidFill>
-                    <a:srgbClr val="272123"/>
-                  </a:solidFill>
-                  <a:latin typeface="Yoon 윤고딕 520_TT" pitchFamily="18" charset="-127"/>
-                  <a:ea typeface="Yoon 윤고딕 520_TT" pitchFamily="18" charset="-127"/>
-                </a:rPr>
-                <a:t>Pinterest</a:t>
-              </a:r>
-              <a:endParaRPr lang="en-US" altLang="ko-KR" sz="1600" dirty="0">
-                <a:ln>
-                  <a:solidFill>
-                    <a:schemeClr val="tx1">
-                      <a:alpha val="30000"/>
-                    </a:schemeClr>
-                  </a:solidFill>
-                </a:ln>
-                <a:solidFill>
-                  <a:srgbClr val="272123"/>
-                </a:solidFill>
-                <a:latin typeface="Yoon 윤고딕 520_TT" pitchFamily="18" charset="-127"/>
-                <a:ea typeface="Yoon 윤고딕 520_TT" pitchFamily="18" charset="-127"/>
-              </a:endParaRPr>
-            </a:p>
-            <a:p>
-              <a:pPr marL="285750" indent="-285750">
-                <a:lnSpc>
-                  <a:spcPct val="200000"/>
-                </a:lnSpc>
-                <a:buFont typeface="Wingdings" pitchFamily="2" charset="2"/>
-                <a:buChar char="§"/>
-              </a:pPr>
-              <a:r>
-                <a:rPr lang="ko-KR" altLang="en-US" sz="1600" dirty="0" err="1">
-                  <a:ln>
-                    <a:solidFill>
-                      <a:schemeClr val="tx1">
-                        <a:alpha val="30000"/>
-                      </a:schemeClr>
-                    </a:solidFill>
-                  </a:ln>
-                  <a:solidFill>
-                    <a:srgbClr val="272123"/>
-                  </a:solidFill>
-                  <a:latin typeface="Yoon 윤고딕 520_TT" pitchFamily="18" charset="-127"/>
-                  <a:ea typeface="Yoon 윤고딕 520_TT" pitchFamily="18" charset="-127"/>
-                </a:rPr>
-                <a:t>색추출</a:t>
-              </a:r>
-              <a:r>
-                <a:rPr lang="ko-KR" altLang="en-US" sz="1600" dirty="0">
-                  <a:ln>
-                    <a:solidFill>
-                      <a:schemeClr val="tx1">
-                        <a:alpha val="30000"/>
-                      </a:schemeClr>
-                    </a:solidFill>
-                  </a:ln>
-                  <a:solidFill>
-                    <a:srgbClr val="272123"/>
-                  </a:solidFill>
-                  <a:latin typeface="Yoon 윤고딕 520_TT" pitchFamily="18" charset="-127"/>
-                  <a:ea typeface="Yoon 윤고딕 520_TT" pitchFamily="18" charset="-127"/>
-                </a:rPr>
-                <a:t> 프로그램</a:t>
-              </a:r>
-              <a:endParaRPr lang="en-US" altLang="ko-KR" sz="1600" dirty="0">
-                <a:ln>
-                  <a:solidFill>
-                    <a:schemeClr val="tx1">
-                      <a:alpha val="30000"/>
-                    </a:schemeClr>
-                  </a:solidFill>
-                </a:ln>
-                <a:solidFill>
-                  <a:srgbClr val="272123"/>
-                </a:solidFill>
-                <a:latin typeface="Yoon 윤고딕 520_TT" pitchFamily="18" charset="-127"/>
-                <a:ea typeface="Yoon 윤고딕 520_TT" pitchFamily="18" charset="-127"/>
-              </a:endParaRPr>
-            </a:p>
-            <a:p>
-              <a:pPr marL="285750" indent="-285750">
-                <a:lnSpc>
-                  <a:spcPct val="200000"/>
-                </a:lnSpc>
-                <a:buFont typeface="Wingdings" pitchFamily="2" charset="2"/>
-                <a:buChar char="§"/>
-              </a:pPr>
-              <a:r>
-                <a:rPr lang="ko-KR" altLang="en-US" sz="1600" dirty="0">
-                  <a:ln>
-                    <a:solidFill>
-                      <a:schemeClr val="tx1">
-                        <a:alpha val="30000"/>
-                      </a:schemeClr>
-                    </a:solidFill>
-                  </a:ln>
-                  <a:solidFill>
-                    <a:srgbClr val="272123"/>
-                  </a:solidFill>
-                  <a:latin typeface="Yoon 윤고딕 520_TT" pitchFamily="18" charset="-127"/>
-                  <a:ea typeface="Yoon 윤고딕 520_TT" pitchFamily="18" charset="-127"/>
-                </a:rPr>
-                <a:t>사진 선택법 </a:t>
-              </a:r>
-              <a:r>
-                <a:rPr lang="en-US" altLang="ko-KR" sz="1600" dirty="0">
-                  <a:ln>
-                    <a:solidFill>
-                      <a:schemeClr val="tx1">
-                        <a:alpha val="30000"/>
-                      </a:schemeClr>
-                    </a:solidFill>
-                  </a:ln>
-                  <a:solidFill>
-                    <a:srgbClr val="272123"/>
-                  </a:solidFill>
-                  <a:latin typeface="Yoon 윤고딕 520_TT" pitchFamily="18" charset="-127"/>
-                  <a:ea typeface="Yoon 윤고딕 520_TT" pitchFamily="18" charset="-127"/>
-                </a:rPr>
-                <a:t>– wallpaper</a:t>
-              </a:r>
-            </a:p>
-            <a:p>
-              <a:pPr marL="285750" indent="-285750">
-                <a:lnSpc>
-                  <a:spcPct val="200000"/>
-                </a:lnSpc>
-                <a:buFont typeface="Wingdings" pitchFamily="2" charset="2"/>
-                <a:buChar char="§"/>
-              </a:pPr>
-              <a:r>
-                <a:rPr lang="ko-KR" altLang="en-US" sz="1600" dirty="0">
-                  <a:ln>
-                    <a:solidFill>
-                      <a:schemeClr val="tx1">
-                        <a:alpha val="30000"/>
-                      </a:schemeClr>
-                    </a:solidFill>
-                  </a:ln>
-                  <a:solidFill>
-                    <a:srgbClr val="272123"/>
-                  </a:solidFill>
-                  <a:latin typeface="Yoon 윤고딕 520_TT" pitchFamily="18" charset="-127"/>
-                  <a:ea typeface="Yoon 윤고딕 520_TT" pitchFamily="18" charset="-127"/>
-                </a:rPr>
-                <a:t>연습</a:t>
-              </a:r>
-              <a:r>
-                <a:rPr lang="en-US" altLang="ko-KR" sz="1600" dirty="0">
-                  <a:ln>
-                    <a:solidFill>
-                      <a:schemeClr val="tx1">
-                        <a:alpha val="30000"/>
-                      </a:schemeClr>
-                    </a:solidFill>
-                  </a:ln>
-                  <a:solidFill>
-                    <a:srgbClr val="272123"/>
-                  </a:solidFill>
-                  <a:latin typeface="Yoon 윤고딕 520_TT" pitchFamily="18" charset="-127"/>
-                  <a:ea typeface="Yoon 윤고딕 520_TT" pitchFamily="18" charset="-127"/>
-                </a:rPr>
-                <a:t>!</a:t>
-              </a:r>
-            </a:p>
-          </p:txBody>
-        </p:sp>
-        <p:pic>
-          <p:nvPicPr>
-            <p:cNvPr id="3" name="그림 2"/>
-            <p:cNvPicPr>
-              <a:picLocks noChangeAspect="1"/>
-            </p:cNvPicPr>
-            <p:nvPr/>
-          </p:nvPicPr>
-          <p:blipFill>
-            <a:blip r:embed="rId2" cstate="print">
-              <a:extLst>
-                <a:ext uri="{28A0092B-C50C-407E-A947-70E740481C1C}">
-                  <a14:useLocalDpi xmlns:a14="http://schemas.microsoft.com/office/drawing/2010/main" val="0"/>
-                </a:ext>
-              </a:extLst>
-            </a:blip>
-            <a:stretch>
-              <a:fillRect/>
-            </a:stretch>
-          </p:blipFill>
-          <p:spPr>
-            <a:xfrm>
-              <a:off x="5149320" y="3287946"/>
-              <a:ext cx="830516" cy="622888"/>
-            </a:xfrm>
-            <a:prstGeom prst="rect">
-              <a:avLst/>
-            </a:prstGeom>
-          </p:spPr>
-        </p:pic>
-      </p:grpSp>
-      <p:sp>
-        <p:nvSpPr>
-          <p:cNvPr id="23" name="TextBox 22"/>
-          <p:cNvSpPr txBox="1"/>
-          <p:nvPr/>
-        </p:nvSpPr>
-        <p:spPr>
-          <a:xfrm>
-            <a:off x="107504" y="2298358"/>
-            <a:ext cx="450395" cy="338554"/>
-          </a:xfrm>
-          <a:prstGeom prst="rect">
-            <a:avLst/>
-          </a:prstGeom>
-          <a:noFill/>
-        </p:spPr>
-        <p:txBody>
-          <a:bodyPr wrap="square" rtlCol="0">
-            <a:spAutoFit/>
-          </a:bodyPr>
-          <a:lstStyle/>
-          <a:p>
-            <a:r>
-              <a:rPr lang="en-US" altLang="ko-KR" sz="1600" dirty="0">
-                <a:ln>
-                  <a:solidFill>
-                    <a:schemeClr val="tx1">
-                      <a:alpha val="30000"/>
-                    </a:schemeClr>
-                  </a:solidFill>
-                </a:ln>
-                <a:solidFill>
-                  <a:schemeClr val="bg1">
-                    <a:lumMod val="85000"/>
-                  </a:schemeClr>
-                </a:solidFill>
-                <a:latin typeface="Yoon 윤고딕 520_TT" pitchFamily="18" charset="-127"/>
-                <a:ea typeface="Yoon 윤고딕 520_TT" pitchFamily="18" charset="-127"/>
-              </a:rPr>
-              <a:t>04</a:t>
-            </a:r>
-          </a:p>
-        </p:txBody>
-      </p:sp>
-      <p:sp>
-        <p:nvSpPr>
-          <p:cNvPr id="29" name="TextBox 28"/>
-          <p:cNvSpPr txBox="1"/>
-          <p:nvPr/>
-        </p:nvSpPr>
-        <p:spPr>
-          <a:xfrm>
-            <a:off x="107504" y="2775118"/>
-            <a:ext cx="450395" cy="338554"/>
-          </a:xfrm>
-          <a:prstGeom prst="rect">
-            <a:avLst/>
-          </a:prstGeom>
-          <a:noFill/>
-        </p:spPr>
-        <p:txBody>
-          <a:bodyPr wrap="square" rtlCol="0">
-            <a:spAutoFit/>
-          </a:bodyPr>
-          <a:lstStyle/>
-          <a:p>
-            <a:r>
-              <a:rPr lang="en-US" altLang="ko-KR" sz="1600" dirty="0">
-                <a:ln>
-                  <a:solidFill>
-                    <a:schemeClr val="tx1">
-                      <a:alpha val="30000"/>
-                    </a:schemeClr>
-                  </a:solidFill>
-                </a:ln>
-                <a:solidFill>
-                  <a:schemeClr val="bg1">
-                    <a:lumMod val="85000"/>
-                  </a:schemeClr>
-                </a:solidFill>
-                <a:latin typeface="Yoon 윤고딕 520_TT" pitchFamily="18" charset="-127"/>
-                <a:ea typeface="Yoon 윤고딕 520_TT" pitchFamily="18" charset="-127"/>
-              </a:rPr>
-              <a:t>05</a:t>
-            </a:r>
           </a:p>
         </p:txBody>
       </p:sp>
     </p:spTree>
     <p:extLst>
       <p:ext uri="{BB962C8B-B14F-4D97-AF65-F5344CB8AC3E}">
-        <p14:creationId xmlns:p14="http://schemas.microsoft.com/office/powerpoint/2010/main" val="2099564030"/>
+        <p14:creationId xmlns:p14="http://schemas.microsoft.com/office/powerpoint/2010/main" val="2681623969"/>
       </p:ext>
     </p:extLst>
   </p:cSld>
@@ -11357,6 +10948,698 @@
 </file>
 
 <file path=ppt/slides/slide17.xml><?xml version="1.0" encoding="utf-8"?>
+<p:sld xmlns:a="http://schemas.openxmlformats.org/drawingml/2006/main" xmlns:r="http://schemas.openxmlformats.org/officeDocument/2006/relationships" xmlns:p="http://schemas.openxmlformats.org/presentationml/2006/main">
+  <p:cSld>
+    <p:spTree>
+      <p:nvGrpSpPr>
+        <p:cNvPr id="1" name=""/>
+        <p:cNvGrpSpPr/>
+        <p:nvPr/>
+      </p:nvGrpSpPr>
+      <p:grpSpPr>
+        <a:xfrm>
+          <a:off x="0" y="0"/>
+          <a:ext cx="0" cy="0"/>
+          <a:chOff x="0" y="0"/>
+          <a:chExt cx="0" cy="0"/>
+        </a:xfrm>
+      </p:grpSpPr>
+      <p:cxnSp>
+        <p:nvCxnSpPr>
+          <p:cNvPr id="4" name="직선 연결선 3"/>
+          <p:cNvCxnSpPr/>
+          <p:nvPr/>
+        </p:nvCxnSpPr>
+        <p:spPr>
+          <a:xfrm>
+            <a:off x="683568" y="-371068"/>
+            <a:ext cx="0" cy="7472476"/>
+          </a:xfrm>
+          <a:prstGeom prst="line">
+            <a:avLst/>
+          </a:prstGeom>
+          <a:ln>
+            <a:solidFill>
+              <a:schemeClr val="bg1">
+                <a:lumMod val="65000"/>
+                <a:alpha val="50000"/>
+              </a:schemeClr>
+            </a:solidFill>
+          </a:ln>
+        </p:spPr>
+        <p:style>
+          <a:lnRef idx="1">
+            <a:schemeClr val="accent1"/>
+          </a:lnRef>
+          <a:fillRef idx="0">
+            <a:schemeClr val="accent1"/>
+          </a:fillRef>
+          <a:effectRef idx="0">
+            <a:schemeClr val="accent1"/>
+          </a:effectRef>
+          <a:fontRef idx="minor">
+            <a:schemeClr val="tx1"/>
+          </a:fontRef>
+        </p:style>
+      </p:cxnSp>
+      <p:cxnSp>
+        <p:nvCxnSpPr>
+          <p:cNvPr id="5" name="직선 연결선 4"/>
+          <p:cNvCxnSpPr/>
+          <p:nvPr/>
+        </p:nvCxnSpPr>
+        <p:spPr>
+          <a:xfrm flipH="1">
+            <a:off x="692540" y="548680"/>
+            <a:ext cx="9295796" cy="0"/>
+          </a:xfrm>
+          <a:prstGeom prst="line">
+            <a:avLst/>
+          </a:prstGeom>
+          <a:ln>
+            <a:solidFill>
+              <a:schemeClr val="bg1">
+                <a:lumMod val="65000"/>
+                <a:alpha val="50000"/>
+              </a:schemeClr>
+            </a:solidFill>
+          </a:ln>
+        </p:spPr>
+        <p:style>
+          <a:lnRef idx="1">
+            <a:schemeClr val="accent1"/>
+          </a:lnRef>
+          <a:fillRef idx="0">
+            <a:schemeClr val="accent1"/>
+          </a:fillRef>
+          <a:effectRef idx="0">
+            <a:schemeClr val="accent1"/>
+          </a:effectRef>
+          <a:fontRef idx="minor">
+            <a:schemeClr val="tx1"/>
+          </a:fontRef>
+        </p:style>
+      </p:cxnSp>
+      <p:sp>
+        <p:nvSpPr>
+          <p:cNvPr id="6" name="TextBox 5"/>
+          <p:cNvSpPr txBox="1"/>
+          <p:nvPr/>
+        </p:nvSpPr>
+        <p:spPr>
+          <a:xfrm>
+            <a:off x="1043608" y="138482"/>
+            <a:ext cx="965459" cy="307777"/>
+          </a:xfrm>
+          <a:prstGeom prst="rect">
+            <a:avLst/>
+          </a:prstGeom>
+          <a:noFill/>
+        </p:spPr>
+        <p:txBody>
+          <a:bodyPr wrap="square" rtlCol="0">
+            <a:spAutoFit/>
+          </a:bodyPr>
+          <a:lstStyle/>
+          <a:p>
+            <a:pPr algn="ctr"/>
+            <a:r>
+              <a:rPr lang="en-US" altLang="ko-KR" sz="1400" dirty="0">
+                <a:ln>
+                  <a:solidFill>
+                    <a:schemeClr val="tx1">
+                      <a:alpha val="30000"/>
+                    </a:schemeClr>
+                  </a:solidFill>
+                </a:ln>
+                <a:solidFill>
+                  <a:srgbClr val="272123"/>
+                </a:solidFill>
+                <a:latin typeface="Yoon 윤고딕 520_TT" pitchFamily="18" charset="-127"/>
+                <a:ea typeface="Yoon 윤고딕 520_TT" pitchFamily="18" charset="-127"/>
+              </a:rPr>
+              <a:t>Planning</a:t>
+            </a:r>
+          </a:p>
+        </p:txBody>
+      </p:sp>
+      <p:sp>
+        <p:nvSpPr>
+          <p:cNvPr id="7" name="TextBox 6"/>
+          <p:cNvSpPr txBox="1"/>
+          <p:nvPr/>
+        </p:nvSpPr>
+        <p:spPr>
+          <a:xfrm>
+            <a:off x="2512455" y="138482"/>
+            <a:ext cx="965459" cy="307777"/>
+          </a:xfrm>
+          <a:prstGeom prst="rect">
+            <a:avLst/>
+          </a:prstGeom>
+          <a:noFill/>
+        </p:spPr>
+        <p:txBody>
+          <a:bodyPr wrap="square" rtlCol="0">
+            <a:spAutoFit/>
+          </a:bodyPr>
+          <a:lstStyle/>
+          <a:p>
+            <a:pPr algn="ctr"/>
+            <a:r>
+              <a:rPr lang="en-US" altLang="ko-KR" sz="1400" dirty="0">
+                <a:ln>
+                  <a:solidFill>
+                    <a:schemeClr val="tx1">
+                      <a:alpha val="30000"/>
+                    </a:schemeClr>
+                  </a:solidFill>
+                </a:ln>
+                <a:solidFill>
+                  <a:srgbClr val="272123"/>
+                </a:solidFill>
+                <a:latin typeface="Yoon 윤고딕 520_TT" pitchFamily="18" charset="-127"/>
+                <a:ea typeface="Yoon 윤고딕 520_TT" pitchFamily="18" charset="-127"/>
+              </a:rPr>
+              <a:t>Design</a:t>
+            </a:r>
+          </a:p>
+        </p:txBody>
+      </p:sp>
+      <p:sp>
+        <p:nvSpPr>
+          <p:cNvPr id="8" name="TextBox 7"/>
+          <p:cNvSpPr txBox="1"/>
+          <p:nvPr/>
+        </p:nvSpPr>
+        <p:spPr>
+          <a:xfrm>
+            <a:off x="3981302" y="138482"/>
+            <a:ext cx="1166762" cy="307777"/>
+          </a:xfrm>
+          <a:prstGeom prst="rect">
+            <a:avLst/>
+          </a:prstGeom>
+          <a:noFill/>
+        </p:spPr>
+        <p:txBody>
+          <a:bodyPr wrap="square" rtlCol="0">
+            <a:spAutoFit/>
+          </a:bodyPr>
+          <a:lstStyle/>
+          <a:p>
+            <a:pPr algn="ctr"/>
+            <a:r>
+              <a:rPr lang="en-US" altLang="ko-KR" sz="1400" dirty="0">
+                <a:ln>
+                  <a:solidFill>
+                    <a:schemeClr val="tx1">
+                      <a:alpha val="30000"/>
+                    </a:schemeClr>
+                  </a:solidFill>
+                </a:ln>
+                <a:solidFill>
+                  <a:srgbClr val="272123"/>
+                </a:solidFill>
+                <a:latin typeface="Yoon 윤고딕 520_TT" pitchFamily="18" charset="-127"/>
+                <a:ea typeface="Yoon 윤고딕 520_TT" pitchFamily="18" charset="-127"/>
+              </a:rPr>
+              <a:t>Presentation</a:t>
+            </a:r>
+          </a:p>
+        </p:txBody>
+      </p:sp>
+      <p:sp>
+        <p:nvSpPr>
+          <p:cNvPr id="9" name="직사각형 8"/>
+          <p:cNvSpPr/>
+          <p:nvPr/>
+        </p:nvSpPr>
+        <p:spPr>
+          <a:xfrm>
+            <a:off x="-9283" y="2284275"/>
+            <a:ext cx="834325" cy="343501"/>
+          </a:xfrm>
+          <a:prstGeom prst="rect">
+            <a:avLst/>
+          </a:prstGeom>
+          <a:solidFill>
+            <a:srgbClr val="272123"/>
+          </a:solidFill>
+          <a:ln>
+            <a:noFill/>
+          </a:ln>
+        </p:spPr>
+        <p:style>
+          <a:lnRef idx="2">
+            <a:schemeClr val="accent1">
+              <a:shade val="50000"/>
+            </a:schemeClr>
+          </a:lnRef>
+          <a:fillRef idx="1">
+            <a:schemeClr val="accent1"/>
+          </a:fillRef>
+          <a:effectRef idx="0">
+            <a:schemeClr val="accent1"/>
+          </a:effectRef>
+          <a:fontRef idx="minor">
+            <a:schemeClr val="lt1"/>
+          </a:fontRef>
+        </p:style>
+        <p:txBody>
+          <a:bodyPr rtlCol="0" anchor="ctr"/>
+          <a:lstStyle/>
+          <a:p>
+            <a:pPr algn="ctr"/>
+            <a:endParaRPr lang="ko-KR" altLang="en-US"/>
+          </a:p>
+        </p:txBody>
+      </p:sp>
+      <p:sp>
+        <p:nvSpPr>
+          <p:cNvPr id="10" name="직각 삼각형 9"/>
+          <p:cNvSpPr/>
+          <p:nvPr/>
+        </p:nvSpPr>
+        <p:spPr>
+          <a:xfrm rot="5400000">
+            <a:off x="702755" y="2614349"/>
+            <a:ext cx="81142" cy="108000"/>
+          </a:xfrm>
+          <a:prstGeom prst="rtTriangle">
+            <a:avLst/>
+          </a:prstGeom>
+          <a:solidFill>
+            <a:schemeClr val="tx1"/>
+          </a:solidFill>
+          <a:ln>
+            <a:solidFill>
+              <a:schemeClr val="tx1"/>
+            </a:solidFill>
+          </a:ln>
+        </p:spPr>
+        <p:style>
+          <a:lnRef idx="2">
+            <a:schemeClr val="accent1">
+              <a:shade val="50000"/>
+            </a:schemeClr>
+          </a:lnRef>
+          <a:fillRef idx="1">
+            <a:schemeClr val="accent1"/>
+          </a:fillRef>
+          <a:effectRef idx="0">
+            <a:schemeClr val="accent1"/>
+          </a:effectRef>
+          <a:fontRef idx="minor">
+            <a:schemeClr val="lt1"/>
+          </a:fontRef>
+        </p:style>
+        <p:txBody>
+          <a:bodyPr rtlCol="0" anchor="ctr"/>
+          <a:lstStyle/>
+          <a:p>
+            <a:pPr algn="ctr"/>
+            <a:endParaRPr lang="ko-KR" altLang="en-US"/>
+          </a:p>
+        </p:txBody>
+      </p:sp>
+      <p:sp>
+        <p:nvSpPr>
+          <p:cNvPr id="21" name="TextBox 20"/>
+          <p:cNvSpPr txBox="1"/>
+          <p:nvPr/>
+        </p:nvSpPr>
+        <p:spPr>
+          <a:xfrm>
+            <a:off x="107504" y="1340768"/>
+            <a:ext cx="450395" cy="338554"/>
+          </a:xfrm>
+          <a:prstGeom prst="rect">
+            <a:avLst/>
+          </a:prstGeom>
+          <a:noFill/>
+        </p:spPr>
+        <p:txBody>
+          <a:bodyPr wrap="square" rtlCol="0">
+            <a:spAutoFit/>
+          </a:bodyPr>
+          <a:lstStyle/>
+          <a:p>
+            <a:r>
+              <a:rPr lang="en-US" altLang="ko-KR" sz="1600" dirty="0">
+                <a:ln>
+                  <a:solidFill>
+                    <a:schemeClr val="tx1">
+                      <a:alpha val="30000"/>
+                    </a:schemeClr>
+                  </a:solidFill>
+                </a:ln>
+                <a:solidFill>
+                  <a:schemeClr val="bg1">
+                    <a:lumMod val="85000"/>
+                  </a:schemeClr>
+                </a:solidFill>
+                <a:latin typeface="Yoon 윤고딕 520_TT" pitchFamily="18" charset="-127"/>
+                <a:ea typeface="Yoon 윤고딕 520_TT" pitchFamily="18" charset="-127"/>
+              </a:rPr>
+              <a:t>02</a:t>
+            </a:r>
+          </a:p>
+        </p:txBody>
+      </p:sp>
+      <p:sp>
+        <p:nvSpPr>
+          <p:cNvPr id="22" name="TextBox 21"/>
+          <p:cNvSpPr txBox="1"/>
+          <p:nvPr/>
+        </p:nvSpPr>
+        <p:spPr>
+          <a:xfrm>
+            <a:off x="107504" y="1819563"/>
+            <a:ext cx="450395" cy="338554"/>
+          </a:xfrm>
+          <a:prstGeom prst="rect">
+            <a:avLst/>
+          </a:prstGeom>
+          <a:noFill/>
+        </p:spPr>
+        <p:txBody>
+          <a:bodyPr wrap="square" rtlCol="0">
+            <a:spAutoFit/>
+          </a:bodyPr>
+          <a:lstStyle/>
+          <a:p>
+            <a:r>
+              <a:rPr lang="en-US" altLang="ko-KR" sz="1600" dirty="0">
+                <a:ln>
+                  <a:solidFill>
+                    <a:schemeClr val="tx1">
+                      <a:alpha val="30000"/>
+                    </a:schemeClr>
+                  </a:solidFill>
+                </a:ln>
+                <a:solidFill>
+                  <a:schemeClr val="bg1">
+                    <a:lumMod val="85000"/>
+                  </a:schemeClr>
+                </a:solidFill>
+                <a:latin typeface="Yoon 윤고딕 520_TT" pitchFamily="18" charset="-127"/>
+                <a:ea typeface="Yoon 윤고딕 520_TT" pitchFamily="18" charset="-127"/>
+              </a:rPr>
+              <a:t>03</a:t>
+            </a:r>
+          </a:p>
+        </p:txBody>
+      </p:sp>
+      <p:sp>
+        <p:nvSpPr>
+          <p:cNvPr id="24" name="TextBox 23"/>
+          <p:cNvSpPr txBox="1"/>
+          <p:nvPr/>
+        </p:nvSpPr>
+        <p:spPr>
+          <a:xfrm>
+            <a:off x="123549" y="882386"/>
+            <a:ext cx="541363" cy="338554"/>
+          </a:xfrm>
+          <a:prstGeom prst="rect">
+            <a:avLst/>
+          </a:prstGeom>
+          <a:noFill/>
+        </p:spPr>
+        <p:txBody>
+          <a:bodyPr wrap="square" rtlCol="0">
+            <a:spAutoFit/>
+          </a:bodyPr>
+          <a:lstStyle/>
+          <a:p>
+            <a:r>
+              <a:rPr lang="en-US" altLang="ko-KR" sz="1600" dirty="0">
+                <a:ln>
+                  <a:solidFill>
+                    <a:schemeClr val="tx1">
+                      <a:alpha val="30000"/>
+                    </a:schemeClr>
+                  </a:solidFill>
+                </a:ln>
+                <a:solidFill>
+                  <a:schemeClr val="bg1">
+                    <a:lumMod val="75000"/>
+                  </a:schemeClr>
+                </a:solidFill>
+                <a:latin typeface="Yoon 윤고딕 520_TT" pitchFamily="18" charset="-127"/>
+                <a:ea typeface="Yoon 윤고딕 520_TT" pitchFamily="18" charset="-127"/>
+              </a:rPr>
+              <a:t>01</a:t>
+            </a:r>
+          </a:p>
+        </p:txBody>
+      </p:sp>
+      <p:sp>
+        <p:nvSpPr>
+          <p:cNvPr id="26" name="TextBox 25"/>
+          <p:cNvSpPr txBox="1"/>
+          <p:nvPr/>
+        </p:nvSpPr>
+        <p:spPr>
+          <a:xfrm>
+            <a:off x="3408757" y="6093296"/>
+            <a:ext cx="2656754" cy="400110"/>
+          </a:xfrm>
+          <a:prstGeom prst="rect">
+            <a:avLst/>
+          </a:prstGeom>
+          <a:noFill/>
+        </p:spPr>
+        <p:txBody>
+          <a:bodyPr wrap="square" rtlCol="0">
+            <a:spAutoFit/>
+          </a:bodyPr>
+          <a:lstStyle/>
+          <a:p>
+            <a:pPr algn="ctr"/>
+            <a:r>
+              <a:rPr lang="en-US" altLang="ko-KR" sz="2000" dirty="0">
+                <a:ln>
+                  <a:solidFill>
+                    <a:schemeClr val="tx1">
+                      <a:alpha val="30000"/>
+                    </a:schemeClr>
+                  </a:solidFill>
+                </a:ln>
+                <a:solidFill>
+                  <a:srgbClr val="272123"/>
+                </a:solidFill>
+                <a:latin typeface="a나무M" panose="02020600000000000000" pitchFamily="18" charset="-127"/>
+                <a:ea typeface="a나무M" panose="02020600000000000000" pitchFamily="18" charset="-127"/>
+              </a:rPr>
+              <a:t>Use Case </a:t>
+            </a:r>
+            <a:r>
+              <a:rPr lang="ko-KR" altLang="en-US" sz="2000" dirty="0">
+                <a:ln>
+                  <a:solidFill>
+                    <a:schemeClr val="tx1">
+                      <a:alpha val="30000"/>
+                    </a:schemeClr>
+                  </a:solidFill>
+                </a:ln>
+                <a:solidFill>
+                  <a:srgbClr val="272123"/>
+                </a:solidFill>
+                <a:latin typeface="a나무M" panose="02020600000000000000" pitchFamily="18" charset="-127"/>
+                <a:ea typeface="a나무M" panose="02020600000000000000" pitchFamily="18" charset="-127"/>
+              </a:rPr>
+              <a:t>다이어그램</a:t>
+            </a:r>
+            <a:endParaRPr lang="en-US" altLang="ko-KR" sz="2000" dirty="0">
+              <a:ln>
+                <a:solidFill>
+                  <a:schemeClr val="tx1">
+                    <a:alpha val="30000"/>
+                  </a:schemeClr>
+                </a:solidFill>
+              </a:ln>
+              <a:solidFill>
+                <a:srgbClr val="272123"/>
+              </a:solidFill>
+              <a:latin typeface="a나무M" panose="02020600000000000000" pitchFamily="18" charset="-127"/>
+              <a:ea typeface="a나무M" panose="02020600000000000000" pitchFamily="18" charset="-127"/>
+            </a:endParaRPr>
+          </a:p>
+        </p:txBody>
+      </p:sp>
+      <p:sp>
+        <p:nvSpPr>
+          <p:cNvPr id="23" name="TextBox 22"/>
+          <p:cNvSpPr txBox="1"/>
+          <p:nvPr/>
+        </p:nvSpPr>
+        <p:spPr>
+          <a:xfrm>
+            <a:off x="107504" y="2298358"/>
+            <a:ext cx="450395" cy="338554"/>
+          </a:xfrm>
+          <a:prstGeom prst="rect">
+            <a:avLst/>
+          </a:prstGeom>
+          <a:noFill/>
+        </p:spPr>
+        <p:txBody>
+          <a:bodyPr wrap="square" rtlCol="0">
+            <a:spAutoFit/>
+          </a:bodyPr>
+          <a:lstStyle/>
+          <a:p>
+            <a:r>
+              <a:rPr lang="en-US" altLang="ko-KR" sz="1600" dirty="0">
+                <a:ln>
+                  <a:solidFill>
+                    <a:schemeClr val="tx1">
+                      <a:alpha val="30000"/>
+                    </a:schemeClr>
+                  </a:solidFill>
+                </a:ln>
+                <a:solidFill>
+                  <a:schemeClr val="bg1">
+                    <a:lumMod val="85000"/>
+                  </a:schemeClr>
+                </a:solidFill>
+                <a:latin typeface="Yoon 윤고딕 520_TT" pitchFamily="18" charset="-127"/>
+                <a:ea typeface="Yoon 윤고딕 520_TT" pitchFamily="18" charset="-127"/>
+              </a:rPr>
+              <a:t>04</a:t>
+            </a:r>
+          </a:p>
+        </p:txBody>
+      </p:sp>
+      <p:sp>
+        <p:nvSpPr>
+          <p:cNvPr id="25" name="TextBox 24"/>
+          <p:cNvSpPr txBox="1"/>
+          <p:nvPr/>
+        </p:nvSpPr>
+        <p:spPr>
+          <a:xfrm>
+            <a:off x="107504" y="2775118"/>
+            <a:ext cx="450395" cy="338554"/>
+          </a:xfrm>
+          <a:prstGeom prst="rect">
+            <a:avLst/>
+          </a:prstGeom>
+          <a:noFill/>
+        </p:spPr>
+        <p:txBody>
+          <a:bodyPr wrap="square" rtlCol="0">
+            <a:spAutoFit/>
+          </a:bodyPr>
+          <a:lstStyle/>
+          <a:p>
+            <a:r>
+              <a:rPr lang="en-US" altLang="ko-KR" sz="1600" dirty="0">
+                <a:ln>
+                  <a:solidFill>
+                    <a:schemeClr val="tx1">
+                      <a:alpha val="30000"/>
+                    </a:schemeClr>
+                  </a:solidFill>
+                </a:ln>
+                <a:solidFill>
+                  <a:schemeClr val="bg1">
+                    <a:lumMod val="85000"/>
+                  </a:schemeClr>
+                </a:solidFill>
+                <a:latin typeface="Yoon 윤고딕 520_TT" pitchFamily="18" charset="-127"/>
+                <a:ea typeface="Yoon 윤고딕 520_TT" pitchFamily="18" charset="-127"/>
+              </a:rPr>
+              <a:t>05</a:t>
+            </a:r>
+          </a:p>
+        </p:txBody>
+      </p:sp>
+      <p:sp>
+        <p:nvSpPr>
+          <p:cNvPr id="2" name="직사각형 1">
+            <a:extLst>
+              <a:ext uri="{FF2B5EF4-FFF2-40B4-BE49-F238E27FC236}">
+                <a16:creationId xmlns:a16="http://schemas.microsoft.com/office/drawing/2014/main" id="{0D752438-F573-4591-9665-C4A3E1CF6350}"/>
+              </a:ext>
+            </a:extLst>
+          </p:cNvPr>
+          <p:cNvSpPr/>
+          <p:nvPr/>
+        </p:nvSpPr>
+        <p:spPr>
+          <a:xfrm>
+            <a:off x="941829" y="980727"/>
+            <a:ext cx="7590611" cy="4794121"/>
+          </a:xfrm>
+          <a:prstGeom prst="rect">
+            <a:avLst/>
+          </a:prstGeom>
+          <a:blipFill>
+            <a:blip r:embed="rId2"/>
+            <a:stretch>
+              <a:fillRect/>
+            </a:stretch>
+          </a:blipFill>
+          <a:ln w="38100">
+            <a:solidFill>
+              <a:schemeClr val="tx1"/>
+            </a:solidFill>
+          </a:ln>
+        </p:spPr>
+        <p:style>
+          <a:lnRef idx="2">
+            <a:schemeClr val="accent1">
+              <a:shade val="50000"/>
+            </a:schemeClr>
+          </a:lnRef>
+          <a:fillRef idx="1">
+            <a:schemeClr val="accent1"/>
+          </a:fillRef>
+          <a:effectRef idx="0">
+            <a:schemeClr val="accent1"/>
+          </a:effectRef>
+          <a:fontRef idx="minor">
+            <a:schemeClr val="lt1"/>
+          </a:fontRef>
+        </p:style>
+        <p:txBody>
+          <a:bodyPr rtlCol="0" anchor="ctr"/>
+          <a:lstStyle/>
+          <a:p>
+            <a:pPr algn="ctr"/>
+            <a:endParaRPr lang="ko-KR" altLang="en-US"/>
+          </a:p>
+        </p:txBody>
+      </p:sp>
+    </p:spTree>
+    <p:extLst>
+      <p:ext uri="{BB962C8B-B14F-4D97-AF65-F5344CB8AC3E}">
+        <p14:creationId xmlns:p14="http://schemas.microsoft.com/office/powerpoint/2010/main" val="558731370"/>
+      </p:ext>
+    </p:extLst>
+  </p:cSld>
+  <p:clrMapOvr>
+    <a:masterClrMapping/>
+  </p:clrMapOvr>
+  <mc:AlternateContent xmlns:mc="http://schemas.openxmlformats.org/markup-compatibility/2006" xmlns:p14="http://schemas.microsoft.com/office/powerpoint/2010/main">
+    <mc:Choice Requires="p14">
+      <p:transition spd="med" p14:dur="700">
+        <p:fade/>
+      </p:transition>
+    </mc:Choice>
+    <mc:Fallback xmlns="">
+      <p:transition spd="med">
+        <p:fade/>
+      </p:transition>
+    </mc:Fallback>
+  </mc:AlternateContent>
+</p:sld>
+</file>
+
+<file path=ppt/slides/slide18.xml><?xml version="1.0" encoding="utf-8"?>
 <p:sld xmlns:a="http://schemas.openxmlformats.org/drawingml/2006/main" xmlns:r="http://schemas.openxmlformats.org/officeDocument/2006/relationships" xmlns:p="http://schemas.openxmlformats.org/presentationml/2006/main">
   <p:cSld>
     <p:bg>
@@ -11433,10 +11716,10 @@
                       <a:lumMod val="95000"/>
                     </a:schemeClr>
                   </a:solidFill>
-                  <a:latin typeface="Yoon 윤고딕 520_TT" pitchFamily="18" charset="-127"/>
-                  <a:ea typeface="Yoon 윤고딕 520_TT" pitchFamily="18" charset="-127"/>
+                  <a:latin typeface="a나무M" panose="02020600000000000000" pitchFamily="18" charset="-127"/>
+                  <a:ea typeface="a나무M" panose="02020600000000000000" pitchFamily="18" charset="-127"/>
                 </a:rPr>
-                <a:t>발표</a:t>
+                <a:t>시연</a:t>
               </a:r>
               <a:endParaRPr lang="en-US" altLang="ko-KR" sz="3000" b="1" dirty="0">
                 <a:ln>
@@ -11452,8 +11735,8 @@
                     <a:lumMod val="95000"/>
                   </a:schemeClr>
                 </a:solidFill>
-                <a:latin typeface="Yoon 윤고딕 520_TT" pitchFamily="18" charset="-127"/>
-                <a:ea typeface="Yoon 윤고딕 520_TT" pitchFamily="18" charset="-127"/>
+                <a:latin typeface="a나무M" panose="02020600000000000000" pitchFamily="18" charset="-127"/>
+                <a:ea typeface="a나무M" panose="02020600000000000000" pitchFamily="18" charset="-127"/>
               </a:endParaRPr>
             </a:p>
           </p:txBody>
@@ -11496,10 +11779,10 @@
                       <a:lumMod val="95000"/>
                     </a:schemeClr>
                   </a:solidFill>
-                  <a:latin typeface="Yoon 윤고딕 520_TT" pitchFamily="18" charset="-127"/>
-                  <a:ea typeface="Yoon 윤고딕 520_TT" pitchFamily="18" charset="-127"/>
+                  <a:latin typeface="a나무M" panose="02020600000000000000" pitchFamily="18" charset="-127"/>
+                  <a:ea typeface="a나무M" panose="02020600000000000000" pitchFamily="18" charset="-127"/>
                 </a:rPr>
-                <a:t>Presentation</a:t>
+                <a:t>Test</a:t>
               </a:r>
             </a:p>
           </p:txBody>
@@ -11530,7 +11813,7 @@
 </p:sld>
 </file>
 
-<file path=ppt/slides/slide18.xml><?xml version="1.0" encoding="utf-8"?>
+<file path=ppt/slides/slide19.xml><?xml version="1.0" encoding="utf-8"?>
 <p:sld xmlns:a="http://schemas.openxmlformats.org/drawingml/2006/main" xmlns:r="http://schemas.openxmlformats.org/officeDocument/2006/relationships" xmlns:p="http://schemas.openxmlformats.org/presentationml/2006/main">
   <p:cSld>
     <p:spTree>
@@ -12820,1133 +13103,6 @@
 </p:sld>
 </file>
 
-<file path=ppt/slides/slide19.xml><?xml version="1.0" encoding="utf-8"?>
-<p:sld xmlns:a="http://schemas.openxmlformats.org/drawingml/2006/main" xmlns:r="http://schemas.openxmlformats.org/officeDocument/2006/relationships" xmlns:p="http://schemas.openxmlformats.org/presentationml/2006/main">
-  <p:cSld>
-    <p:spTree>
-      <p:nvGrpSpPr>
-        <p:cNvPr id="1" name=""/>
-        <p:cNvGrpSpPr/>
-        <p:nvPr/>
-      </p:nvGrpSpPr>
-      <p:grpSpPr>
-        <a:xfrm>
-          <a:off x="0" y="0"/>
-          <a:ext cx="0" cy="0"/>
-          <a:chOff x="0" y="0"/>
-          <a:chExt cx="0" cy="0"/>
-        </a:xfrm>
-      </p:grpSpPr>
-      <p:sp>
-        <p:nvSpPr>
-          <p:cNvPr id="39" name="직사각형 38"/>
-          <p:cNvSpPr/>
-          <p:nvPr/>
-        </p:nvSpPr>
-        <p:spPr>
-          <a:xfrm>
-            <a:off x="1873620" y="1659864"/>
-            <a:ext cx="758477" cy="457200"/>
-          </a:xfrm>
-          <a:prstGeom prst="rect">
-            <a:avLst/>
-          </a:prstGeom>
-          <a:solidFill>
-            <a:srgbClr val="7AB53D">
-              <a:alpha val="80000"/>
-            </a:srgbClr>
-          </a:solidFill>
-          <a:ln>
-            <a:noFill/>
-          </a:ln>
-        </p:spPr>
-        <p:style>
-          <a:lnRef idx="2">
-            <a:schemeClr val="accent1">
-              <a:shade val="50000"/>
-            </a:schemeClr>
-          </a:lnRef>
-          <a:fillRef idx="1">
-            <a:schemeClr val="accent1"/>
-          </a:fillRef>
-          <a:effectRef idx="0">
-            <a:schemeClr val="accent1"/>
-          </a:effectRef>
-          <a:fontRef idx="minor">
-            <a:schemeClr val="lt1"/>
-          </a:fontRef>
-        </p:style>
-        <p:txBody>
-          <a:bodyPr rtlCol="0" anchor="ctr"/>
-          <a:lstStyle/>
-          <a:p>
-            <a:endParaRPr lang="ko-KR" altLang="en-US"/>
-          </a:p>
-        </p:txBody>
-      </p:sp>
-      <p:sp>
-        <p:nvSpPr>
-          <p:cNvPr id="35" name="TextBox 34"/>
-          <p:cNvSpPr txBox="1"/>
-          <p:nvPr/>
-        </p:nvSpPr>
-        <p:spPr>
-          <a:xfrm>
-            <a:off x="1822048" y="1322987"/>
-            <a:ext cx="2389912" cy="830997"/>
-          </a:xfrm>
-          <a:prstGeom prst="rect">
-            <a:avLst/>
-          </a:prstGeom>
-          <a:noFill/>
-        </p:spPr>
-        <p:txBody>
-          <a:bodyPr wrap="square" rtlCol="0">
-            <a:spAutoFit/>
-          </a:bodyPr>
-          <a:lstStyle/>
-          <a:p>
-            <a:r>
-              <a:rPr lang="ko-KR" altLang="en-US" dirty="0">
-                <a:ln>
-                  <a:solidFill>
-                    <a:schemeClr val="tx1">
-                      <a:alpha val="30000"/>
-                    </a:schemeClr>
-                  </a:solidFill>
-                </a:ln>
-                <a:solidFill>
-                  <a:srgbClr val="272123"/>
-                </a:solidFill>
-                <a:latin typeface="Yoon 윤고딕 520_TT" pitchFamily="18" charset="-127"/>
-                <a:ea typeface="Yoon 윤고딕 520_TT" pitchFamily="18" charset="-127"/>
-              </a:rPr>
-              <a:t>발표자의 매력은 </a:t>
-            </a:r>
-            <a:endParaRPr lang="en-US" altLang="ko-KR" dirty="0">
-              <a:ln>
-                <a:solidFill>
-                  <a:schemeClr val="tx1">
-                    <a:alpha val="30000"/>
-                  </a:schemeClr>
-                </a:solidFill>
-              </a:ln>
-              <a:solidFill>
-                <a:srgbClr val="272123"/>
-              </a:solidFill>
-              <a:latin typeface="Yoon 윤고딕 520_TT" pitchFamily="18" charset="-127"/>
-              <a:ea typeface="Yoon 윤고딕 520_TT" pitchFamily="18" charset="-127"/>
-            </a:endParaRPr>
-          </a:p>
-          <a:p>
-            <a:r>
-              <a:rPr lang="ko-KR" altLang="en-US" sz="3000" dirty="0">
-                <a:ln>
-                  <a:solidFill>
-                    <a:schemeClr val="tx1">
-                      <a:alpha val="30000"/>
-                    </a:schemeClr>
-                  </a:solidFill>
-                </a:ln>
-                <a:solidFill>
-                  <a:srgbClr val="272123"/>
-                </a:solidFill>
-                <a:latin typeface="Yoon 윤고딕 520_TT" pitchFamily="18" charset="-127"/>
-                <a:ea typeface="Yoon 윤고딕 520_TT" pitchFamily="18" charset="-127"/>
-              </a:rPr>
-              <a:t>자세</a:t>
-            </a:r>
-            <a:r>
-              <a:rPr lang="ko-KR" altLang="en-US" dirty="0">
-                <a:ln>
-                  <a:solidFill>
-                    <a:schemeClr val="tx1">
-                      <a:alpha val="30000"/>
-                    </a:schemeClr>
-                  </a:solidFill>
-                </a:ln>
-                <a:solidFill>
-                  <a:srgbClr val="272123"/>
-                </a:solidFill>
-                <a:latin typeface="Yoon 윤고딕 520_TT" pitchFamily="18" charset="-127"/>
-                <a:ea typeface="Yoon 윤고딕 520_TT" pitchFamily="18" charset="-127"/>
-              </a:rPr>
-              <a:t>에서 나온다</a:t>
-            </a:r>
-            <a:endParaRPr lang="en-US" altLang="ko-KR" dirty="0">
-              <a:ln>
-                <a:solidFill>
-                  <a:schemeClr val="tx1">
-                    <a:alpha val="30000"/>
-                  </a:schemeClr>
-                </a:solidFill>
-              </a:ln>
-              <a:solidFill>
-                <a:srgbClr val="272123"/>
-              </a:solidFill>
-              <a:latin typeface="Yoon 윤고딕 520_TT" pitchFamily="18" charset="-127"/>
-              <a:ea typeface="Yoon 윤고딕 520_TT" pitchFamily="18" charset="-127"/>
-            </a:endParaRPr>
-          </a:p>
-        </p:txBody>
-      </p:sp>
-      <p:cxnSp>
-        <p:nvCxnSpPr>
-          <p:cNvPr id="4" name="직선 연결선 3"/>
-          <p:cNvCxnSpPr/>
-          <p:nvPr/>
-        </p:nvCxnSpPr>
-        <p:spPr>
-          <a:xfrm>
-            <a:off x="683568" y="-371068"/>
-            <a:ext cx="0" cy="7472476"/>
-          </a:xfrm>
-          <a:prstGeom prst="line">
-            <a:avLst/>
-          </a:prstGeom>
-          <a:ln>
-            <a:solidFill>
-              <a:schemeClr val="bg1">
-                <a:lumMod val="65000"/>
-                <a:alpha val="50000"/>
-              </a:schemeClr>
-            </a:solidFill>
-          </a:ln>
-        </p:spPr>
-        <p:style>
-          <a:lnRef idx="1">
-            <a:schemeClr val="accent1"/>
-          </a:lnRef>
-          <a:fillRef idx="0">
-            <a:schemeClr val="accent1"/>
-          </a:fillRef>
-          <a:effectRef idx="0">
-            <a:schemeClr val="accent1"/>
-          </a:effectRef>
-          <a:fontRef idx="minor">
-            <a:schemeClr val="tx1"/>
-          </a:fontRef>
-        </p:style>
-      </p:cxnSp>
-      <p:cxnSp>
-        <p:nvCxnSpPr>
-          <p:cNvPr id="5" name="직선 연결선 4"/>
-          <p:cNvCxnSpPr/>
-          <p:nvPr/>
-        </p:nvCxnSpPr>
-        <p:spPr>
-          <a:xfrm flipH="1">
-            <a:off x="692540" y="548680"/>
-            <a:ext cx="9295796" cy="0"/>
-          </a:xfrm>
-          <a:prstGeom prst="line">
-            <a:avLst/>
-          </a:prstGeom>
-          <a:ln>
-            <a:solidFill>
-              <a:schemeClr val="bg1">
-                <a:lumMod val="65000"/>
-                <a:alpha val="50000"/>
-              </a:schemeClr>
-            </a:solidFill>
-          </a:ln>
-        </p:spPr>
-        <p:style>
-          <a:lnRef idx="1">
-            <a:schemeClr val="accent1"/>
-          </a:lnRef>
-          <a:fillRef idx="0">
-            <a:schemeClr val="accent1"/>
-          </a:fillRef>
-          <a:effectRef idx="0">
-            <a:schemeClr val="accent1"/>
-          </a:effectRef>
-          <a:fontRef idx="minor">
-            <a:schemeClr val="tx1"/>
-          </a:fontRef>
-        </p:style>
-      </p:cxnSp>
-      <p:sp>
-        <p:nvSpPr>
-          <p:cNvPr id="6" name="TextBox 5"/>
-          <p:cNvSpPr txBox="1"/>
-          <p:nvPr/>
-        </p:nvSpPr>
-        <p:spPr>
-          <a:xfrm>
-            <a:off x="1043608" y="138482"/>
-            <a:ext cx="965459" cy="307777"/>
-          </a:xfrm>
-          <a:prstGeom prst="rect">
-            <a:avLst/>
-          </a:prstGeom>
-          <a:noFill/>
-        </p:spPr>
-        <p:txBody>
-          <a:bodyPr wrap="square" rtlCol="0">
-            <a:spAutoFit/>
-          </a:bodyPr>
-          <a:lstStyle/>
-          <a:p>
-            <a:pPr algn="ctr"/>
-            <a:r>
-              <a:rPr lang="en-US" altLang="ko-KR" sz="1400" dirty="0">
-                <a:ln>
-                  <a:solidFill>
-                    <a:schemeClr val="tx1">
-                      <a:alpha val="30000"/>
-                    </a:schemeClr>
-                  </a:solidFill>
-                </a:ln>
-                <a:solidFill>
-                  <a:srgbClr val="272123"/>
-                </a:solidFill>
-                <a:latin typeface="Yoon 윤고딕 520_TT" pitchFamily="18" charset="-127"/>
-                <a:ea typeface="Yoon 윤고딕 520_TT" pitchFamily="18" charset="-127"/>
-              </a:rPr>
-              <a:t>Planning</a:t>
-            </a:r>
-          </a:p>
-        </p:txBody>
-      </p:sp>
-      <p:sp>
-        <p:nvSpPr>
-          <p:cNvPr id="7" name="TextBox 6"/>
-          <p:cNvSpPr txBox="1"/>
-          <p:nvPr/>
-        </p:nvSpPr>
-        <p:spPr>
-          <a:xfrm>
-            <a:off x="2512455" y="138482"/>
-            <a:ext cx="965459" cy="307777"/>
-          </a:xfrm>
-          <a:prstGeom prst="rect">
-            <a:avLst/>
-          </a:prstGeom>
-          <a:noFill/>
-        </p:spPr>
-        <p:txBody>
-          <a:bodyPr wrap="square" rtlCol="0">
-            <a:spAutoFit/>
-          </a:bodyPr>
-          <a:lstStyle/>
-          <a:p>
-            <a:pPr algn="ctr"/>
-            <a:r>
-              <a:rPr lang="en-US" altLang="ko-KR" sz="1400" dirty="0">
-                <a:ln>
-                  <a:solidFill>
-                    <a:schemeClr val="tx1">
-                      <a:alpha val="30000"/>
-                    </a:schemeClr>
-                  </a:solidFill>
-                </a:ln>
-                <a:solidFill>
-                  <a:srgbClr val="272123"/>
-                </a:solidFill>
-                <a:latin typeface="Yoon 윤고딕 520_TT" pitchFamily="18" charset="-127"/>
-                <a:ea typeface="Yoon 윤고딕 520_TT" pitchFamily="18" charset="-127"/>
-              </a:rPr>
-              <a:t>Design</a:t>
-            </a:r>
-          </a:p>
-        </p:txBody>
-      </p:sp>
-      <p:sp>
-        <p:nvSpPr>
-          <p:cNvPr id="8" name="TextBox 7"/>
-          <p:cNvSpPr txBox="1"/>
-          <p:nvPr/>
-        </p:nvSpPr>
-        <p:spPr>
-          <a:xfrm>
-            <a:off x="3981302" y="138482"/>
-            <a:ext cx="1166762" cy="307777"/>
-          </a:xfrm>
-          <a:prstGeom prst="rect">
-            <a:avLst/>
-          </a:prstGeom>
-          <a:noFill/>
-        </p:spPr>
-        <p:txBody>
-          <a:bodyPr wrap="square" rtlCol="0">
-            <a:spAutoFit/>
-          </a:bodyPr>
-          <a:lstStyle/>
-          <a:p>
-            <a:pPr algn="ctr"/>
-            <a:r>
-              <a:rPr lang="en-US" altLang="ko-KR" sz="1400" dirty="0">
-                <a:ln>
-                  <a:solidFill>
-                    <a:schemeClr val="tx1">
-                      <a:alpha val="30000"/>
-                    </a:schemeClr>
-                  </a:solidFill>
-                </a:ln>
-                <a:solidFill>
-                  <a:srgbClr val="272123"/>
-                </a:solidFill>
-                <a:latin typeface="Yoon 윤고딕 520_TT" pitchFamily="18" charset="-127"/>
-                <a:ea typeface="Yoon 윤고딕 520_TT" pitchFamily="18" charset="-127"/>
-              </a:rPr>
-              <a:t>Presentation</a:t>
-            </a:r>
-          </a:p>
-        </p:txBody>
-      </p:sp>
-      <p:sp>
-        <p:nvSpPr>
-          <p:cNvPr id="9" name="직사각형 8"/>
-          <p:cNvSpPr/>
-          <p:nvPr/>
-        </p:nvSpPr>
-        <p:spPr>
-          <a:xfrm>
-            <a:off x="-9283" y="1811751"/>
-            <a:ext cx="834325" cy="343501"/>
-          </a:xfrm>
-          <a:prstGeom prst="rect">
-            <a:avLst/>
-          </a:prstGeom>
-          <a:solidFill>
-            <a:srgbClr val="272123"/>
-          </a:solidFill>
-          <a:ln>
-            <a:noFill/>
-          </a:ln>
-        </p:spPr>
-        <p:style>
-          <a:lnRef idx="2">
-            <a:schemeClr val="accent1">
-              <a:shade val="50000"/>
-            </a:schemeClr>
-          </a:lnRef>
-          <a:fillRef idx="1">
-            <a:schemeClr val="accent1"/>
-          </a:fillRef>
-          <a:effectRef idx="0">
-            <a:schemeClr val="accent1"/>
-          </a:effectRef>
-          <a:fontRef idx="minor">
-            <a:schemeClr val="lt1"/>
-          </a:fontRef>
-        </p:style>
-        <p:txBody>
-          <a:bodyPr rtlCol="0" anchor="ctr"/>
-          <a:lstStyle/>
-          <a:p>
-            <a:pPr algn="ctr"/>
-            <a:endParaRPr lang="ko-KR" altLang="en-US"/>
-          </a:p>
-        </p:txBody>
-      </p:sp>
-      <p:sp>
-        <p:nvSpPr>
-          <p:cNvPr id="10" name="직각 삼각형 9"/>
-          <p:cNvSpPr/>
-          <p:nvPr/>
-        </p:nvSpPr>
-        <p:spPr>
-          <a:xfrm rot="5400000">
-            <a:off x="702755" y="2141825"/>
-            <a:ext cx="81142" cy="108000"/>
-          </a:xfrm>
-          <a:prstGeom prst="rtTriangle">
-            <a:avLst/>
-          </a:prstGeom>
-          <a:solidFill>
-            <a:schemeClr val="tx1"/>
-          </a:solidFill>
-          <a:ln>
-            <a:solidFill>
-              <a:schemeClr val="tx1"/>
-            </a:solidFill>
-          </a:ln>
-        </p:spPr>
-        <p:style>
-          <a:lnRef idx="2">
-            <a:schemeClr val="accent1">
-              <a:shade val="50000"/>
-            </a:schemeClr>
-          </a:lnRef>
-          <a:fillRef idx="1">
-            <a:schemeClr val="accent1"/>
-          </a:fillRef>
-          <a:effectRef idx="0">
-            <a:schemeClr val="accent1"/>
-          </a:effectRef>
-          <a:fontRef idx="minor">
-            <a:schemeClr val="lt1"/>
-          </a:fontRef>
-        </p:style>
-        <p:txBody>
-          <a:bodyPr rtlCol="0" anchor="ctr"/>
-          <a:lstStyle/>
-          <a:p>
-            <a:pPr algn="ctr"/>
-            <a:endParaRPr lang="ko-KR" altLang="en-US"/>
-          </a:p>
-        </p:txBody>
-      </p:sp>
-      <p:sp>
-        <p:nvSpPr>
-          <p:cNvPr id="21" name="TextBox 20"/>
-          <p:cNvSpPr txBox="1"/>
-          <p:nvPr/>
-        </p:nvSpPr>
-        <p:spPr>
-          <a:xfrm>
-            <a:off x="107504" y="1340768"/>
-            <a:ext cx="450395" cy="338554"/>
-          </a:xfrm>
-          <a:prstGeom prst="rect">
-            <a:avLst/>
-          </a:prstGeom>
-          <a:noFill/>
-        </p:spPr>
-        <p:txBody>
-          <a:bodyPr wrap="square" rtlCol="0">
-            <a:spAutoFit/>
-          </a:bodyPr>
-          <a:lstStyle/>
-          <a:p>
-            <a:r>
-              <a:rPr lang="en-US" altLang="ko-KR" sz="1600" dirty="0">
-                <a:ln>
-                  <a:solidFill>
-                    <a:schemeClr val="tx1">
-                      <a:alpha val="30000"/>
-                    </a:schemeClr>
-                  </a:solidFill>
-                </a:ln>
-                <a:solidFill>
-                  <a:schemeClr val="bg1">
-                    <a:lumMod val="85000"/>
-                  </a:schemeClr>
-                </a:solidFill>
-                <a:latin typeface="Yoon 윤고딕 520_TT" pitchFamily="18" charset="-127"/>
-                <a:ea typeface="Yoon 윤고딕 520_TT" pitchFamily="18" charset="-127"/>
-              </a:rPr>
-              <a:t>02</a:t>
-            </a:r>
-          </a:p>
-        </p:txBody>
-      </p:sp>
-      <p:sp>
-        <p:nvSpPr>
-          <p:cNvPr id="22" name="TextBox 21"/>
-          <p:cNvSpPr txBox="1"/>
-          <p:nvPr/>
-        </p:nvSpPr>
-        <p:spPr>
-          <a:xfrm>
-            <a:off x="107504" y="1819563"/>
-            <a:ext cx="450395" cy="338554"/>
-          </a:xfrm>
-          <a:prstGeom prst="rect">
-            <a:avLst/>
-          </a:prstGeom>
-          <a:noFill/>
-        </p:spPr>
-        <p:txBody>
-          <a:bodyPr wrap="square" rtlCol="0">
-            <a:spAutoFit/>
-          </a:bodyPr>
-          <a:lstStyle/>
-          <a:p>
-            <a:r>
-              <a:rPr lang="en-US" altLang="ko-KR" sz="1600" dirty="0">
-                <a:ln>
-                  <a:solidFill>
-                    <a:schemeClr val="tx1">
-                      <a:alpha val="30000"/>
-                    </a:schemeClr>
-                  </a:solidFill>
-                </a:ln>
-                <a:solidFill>
-                  <a:schemeClr val="bg1">
-                    <a:lumMod val="85000"/>
-                  </a:schemeClr>
-                </a:solidFill>
-                <a:latin typeface="Yoon 윤고딕 520_TT" pitchFamily="18" charset="-127"/>
-                <a:ea typeface="Yoon 윤고딕 520_TT" pitchFamily="18" charset="-127"/>
-              </a:rPr>
-              <a:t>03</a:t>
-            </a:r>
-          </a:p>
-        </p:txBody>
-      </p:sp>
-      <p:sp>
-        <p:nvSpPr>
-          <p:cNvPr id="23" name="TextBox 22"/>
-          <p:cNvSpPr txBox="1"/>
-          <p:nvPr/>
-        </p:nvSpPr>
-        <p:spPr>
-          <a:xfrm>
-            <a:off x="107504" y="2298358"/>
-            <a:ext cx="450395" cy="338554"/>
-          </a:xfrm>
-          <a:prstGeom prst="rect">
-            <a:avLst/>
-          </a:prstGeom>
-          <a:noFill/>
-        </p:spPr>
-        <p:txBody>
-          <a:bodyPr wrap="square" rtlCol="0">
-            <a:spAutoFit/>
-          </a:bodyPr>
-          <a:lstStyle/>
-          <a:p>
-            <a:r>
-              <a:rPr lang="en-US" altLang="ko-KR" sz="1600" dirty="0">
-                <a:ln>
-                  <a:solidFill>
-                    <a:schemeClr val="tx1">
-                      <a:alpha val="30000"/>
-                    </a:schemeClr>
-                  </a:solidFill>
-                </a:ln>
-                <a:solidFill>
-                  <a:schemeClr val="bg1">
-                    <a:lumMod val="85000"/>
-                  </a:schemeClr>
-                </a:solidFill>
-                <a:latin typeface="Yoon 윤고딕 520_TT" pitchFamily="18" charset="-127"/>
-                <a:ea typeface="Yoon 윤고딕 520_TT" pitchFamily="18" charset="-127"/>
-              </a:rPr>
-              <a:t>04</a:t>
-            </a:r>
-          </a:p>
-        </p:txBody>
-      </p:sp>
-      <p:sp>
-        <p:nvSpPr>
-          <p:cNvPr id="24" name="TextBox 23"/>
-          <p:cNvSpPr txBox="1"/>
-          <p:nvPr/>
-        </p:nvSpPr>
-        <p:spPr>
-          <a:xfrm>
-            <a:off x="123549" y="882386"/>
-            <a:ext cx="541363" cy="338554"/>
-          </a:xfrm>
-          <a:prstGeom prst="rect">
-            <a:avLst/>
-          </a:prstGeom>
-          <a:noFill/>
-        </p:spPr>
-        <p:txBody>
-          <a:bodyPr wrap="square" rtlCol="0">
-            <a:spAutoFit/>
-          </a:bodyPr>
-          <a:lstStyle/>
-          <a:p>
-            <a:r>
-              <a:rPr lang="en-US" altLang="ko-KR" sz="1600" dirty="0">
-                <a:ln>
-                  <a:solidFill>
-                    <a:schemeClr val="tx1">
-                      <a:alpha val="30000"/>
-                    </a:schemeClr>
-                  </a:solidFill>
-                </a:ln>
-                <a:solidFill>
-                  <a:schemeClr val="bg1">
-                    <a:lumMod val="75000"/>
-                  </a:schemeClr>
-                </a:solidFill>
-                <a:latin typeface="Yoon 윤고딕 520_TT" pitchFamily="18" charset="-127"/>
-                <a:ea typeface="Yoon 윤고딕 520_TT" pitchFamily="18" charset="-127"/>
-              </a:rPr>
-              <a:t>01</a:t>
-            </a:r>
-          </a:p>
-        </p:txBody>
-      </p:sp>
-      <p:sp>
-        <p:nvSpPr>
-          <p:cNvPr id="37" name="갈매기형 수장 36"/>
-          <p:cNvSpPr/>
-          <p:nvPr/>
-        </p:nvSpPr>
-        <p:spPr>
-          <a:xfrm>
-            <a:off x="1623307" y="1415277"/>
-            <a:ext cx="140381" cy="154419"/>
-          </a:xfrm>
-          <a:prstGeom prst="chevron">
-            <a:avLst/>
-          </a:prstGeom>
-          <a:solidFill>
-            <a:srgbClr val="272123"/>
-          </a:solidFill>
-          <a:ln>
-            <a:noFill/>
-          </a:ln>
-        </p:spPr>
-        <p:style>
-          <a:lnRef idx="2">
-            <a:schemeClr val="accent1">
-              <a:shade val="50000"/>
-            </a:schemeClr>
-          </a:lnRef>
-          <a:fillRef idx="1">
-            <a:schemeClr val="accent1"/>
-          </a:fillRef>
-          <a:effectRef idx="0">
-            <a:schemeClr val="accent1"/>
-          </a:effectRef>
-          <a:fontRef idx="minor">
-            <a:schemeClr val="lt1"/>
-          </a:fontRef>
-        </p:style>
-        <p:txBody>
-          <a:bodyPr rtlCol="0" anchor="ctr"/>
-          <a:lstStyle/>
-          <a:p>
-            <a:pPr algn="ctr"/>
-            <a:endParaRPr lang="ko-KR" altLang="en-US">
-              <a:solidFill>
-                <a:schemeClr val="tx1"/>
-              </a:solidFill>
-            </a:endParaRPr>
-          </a:p>
-        </p:txBody>
-      </p:sp>
-      <p:sp>
-        <p:nvSpPr>
-          <p:cNvPr id="38" name="갈매기형 수장 37"/>
-          <p:cNvSpPr/>
-          <p:nvPr/>
-        </p:nvSpPr>
-        <p:spPr>
-          <a:xfrm>
-            <a:off x="1475656" y="1415277"/>
-            <a:ext cx="140381" cy="154419"/>
-          </a:xfrm>
-          <a:prstGeom prst="chevron">
-            <a:avLst/>
-          </a:prstGeom>
-          <a:solidFill>
-            <a:srgbClr val="272123"/>
-          </a:solidFill>
-          <a:ln>
-            <a:noFill/>
-          </a:ln>
-        </p:spPr>
-        <p:style>
-          <a:lnRef idx="2">
-            <a:schemeClr val="accent1">
-              <a:shade val="50000"/>
-            </a:schemeClr>
-          </a:lnRef>
-          <a:fillRef idx="1">
-            <a:schemeClr val="accent1"/>
-          </a:fillRef>
-          <a:effectRef idx="0">
-            <a:schemeClr val="accent1"/>
-          </a:effectRef>
-          <a:fontRef idx="minor">
-            <a:schemeClr val="lt1"/>
-          </a:fontRef>
-        </p:style>
-        <p:txBody>
-          <a:bodyPr rtlCol="0" anchor="ctr"/>
-          <a:lstStyle/>
-          <a:p>
-            <a:pPr algn="ctr"/>
-            <a:endParaRPr lang="ko-KR" altLang="en-US">
-              <a:solidFill>
-                <a:schemeClr val="tx1"/>
-              </a:solidFill>
-            </a:endParaRPr>
-          </a:p>
-        </p:txBody>
-      </p:sp>
-      <p:graphicFrame>
-        <p:nvGraphicFramePr>
-          <p:cNvPr id="2" name="차트 1"/>
-          <p:cNvGraphicFramePr/>
-          <p:nvPr>
-            <p:extLst>
-              <p:ext uri="{D42A27DB-BD31-4B8C-83A1-F6EECF244321}">
-                <p14:modId xmlns:p14="http://schemas.microsoft.com/office/powerpoint/2010/main" val="3754764936"/>
-              </p:ext>
-            </p:extLst>
-          </p:nvPr>
-        </p:nvGraphicFramePr>
-        <p:xfrm>
-          <a:off x="2009066" y="2636912"/>
-          <a:ext cx="5371245" cy="3131963"/>
-        </p:xfrm>
-        <a:graphic>
-          <a:graphicData uri="http://schemas.openxmlformats.org/drawingml/2006/chart">
-            <c:chart xmlns:c="http://schemas.openxmlformats.org/drawingml/2006/chart" xmlns:r="http://schemas.openxmlformats.org/officeDocument/2006/relationships" r:id="rId2"/>
-          </a:graphicData>
-        </a:graphic>
-      </p:graphicFrame>
-      <p:sp>
-        <p:nvSpPr>
-          <p:cNvPr id="63" name="TextBox 62"/>
-          <p:cNvSpPr txBox="1"/>
-          <p:nvPr/>
-        </p:nvSpPr>
-        <p:spPr>
-          <a:xfrm>
-            <a:off x="4449311" y="3008273"/>
-            <a:ext cx="965459" cy="323165"/>
-          </a:xfrm>
-          <a:prstGeom prst="rect">
-            <a:avLst/>
-          </a:prstGeom>
-          <a:noFill/>
-        </p:spPr>
-        <p:txBody>
-          <a:bodyPr wrap="square" rtlCol="0">
-            <a:spAutoFit/>
-          </a:bodyPr>
-          <a:lstStyle/>
-          <a:p>
-            <a:pPr algn="ctr"/>
-            <a:r>
-              <a:rPr lang="en-US" altLang="ko-KR" sz="1500" dirty="0">
-                <a:ln>
-                  <a:solidFill>
-                    <a:schemeClr val="tx1">
-                      <a:alpha val="30000"/>
-                    </a:schemeClr>
-                  </a:solidFill>
-                </a:ln>
-                <a:solidFill>
-                  <a:srgbClr val="272123"/>
-                </a:solidFill>
-                <a:latin typeface="Yoon 윤고딕 520_TT" pitchFamily="18" charset="-127"/>
-                <a:ea typeface="Yoon 윤고딕 520_TT" pitchFamily="18" charset="-127"/>
-              </a:rPr>
-              <a:t>7%</a:t>
-            </a:r>
-          </a:p>
-        </p:txBody>
-      </p:sp>
-      <p:sp>
-        <p:nvSpPr>
-          <p:cNvPr id="64" name="TextBox 63"/>
-          <p:cNvSpPr txBox="1"/>
-          <p:nvPr/>
-        </p:nvSpPr>
-        <p:spPr>
-          <a:xfrm>
-            <a:off x="5015637" y="3933056"/>
-            <a:ext cx="965459" cy="646331"/>
-          </a:xfrm>
-          <a:prstGeom prst="rect">
-            <a:avLst/>
-          </a:prstGeom>
-          <a:noFill/>
-        </p:spPr>
-        <p:txBody>
-          <a:bodyPr wrap="square" rtlCol="0">
-            <a:spAutoFit/>
-          </a:bodyPr>
-          <a:lstStyle/>
-          <a:p>
-            <a:pPr algn="ctr"/>
-            <a:r>
-              <a:rPr lang="en-US" altLang="ko-KR" sz="3600" dirty="0">
-                <a:ln>
-                  <a:solidFill>
-                    <a:schemeClr val="tx1">
-                      <a:alpha val="30000"/>
-                    </a:schemeClr>
-                  </a:solidFill>
-                </a:ln>
-                <a:solidFill>
-                  <a:srgbClr val="272123"/>
-                </a:solidFill>
-                <a:latin typeface="Yoon 윤고딕 520_TT" pitchFamily="18" charset="-127"/>
-                <a:ea typeface="Yoon 윤고딕 520_TT" pitchFamily="18" charset="-127"/>
-              </a:rPr>
-              <a:t>38%</a:t>
-            </a:r>
-          </a:p>
-        </p:txBody>
-      </p:sp>
-      <p:sp>
-        <p:nvSpPr>
-          <p:cNvPr id="66" name="TextBox 65"/>
-          <p:cNvSpPr txBox="1"/>
-          <p:nvPr/>
-        </p:nvSpPr>
-        <p:spPr>
-          <a:xfrm>
-            <a:off x="3431461" y="3933056"/>
-            <a:ext cx="965459" cy="646331"/>
-          </a:xfrm>
-          <a:prstGeom prst="rect">
-            <a:avLst/>
-          </a:prstGeom>
-          <a:noFill/>
-        </p:spPr>
-        <p:txBody>
-          <a:bodyPr wrap="square" rtlCol="0">
-            <a:spAutoFit/>
-          </a:bodyPr>
-          <a:lstStyle/>
-          <a:p>
-            <a:pPr algn="ctr"/>
-            <a:r>
-              <a:rPr lang="en-US" altLang="ko-KR" sz="3600" dirty="0">
-                <a:ln>
-                  <a:solidFill>
-                    <a:schemeClr val="tx1">
-                      <a:alpha val="30000"/>
-                    </a:schemeClr>
-                  </a:solidFill>
-                </a:ln>
-                <a:solidFill>
-                  <a:srgbClr val="272123"/>
-                </a:solidFill>
-                <a:latin typeface="Yoon 윤고딕 520_TT" pitchFamily="18" charset="-127"/>
-                <a:ea typeface="Yoon 윤고딕 520_TT" pitchFamily="18" charset="-127"/>
-              </a:rPr>
-              <a:t>55%</a:t>
-            </a:r>
-          </a:p>
-        </p:txBody>
-      </p:sp>
-      <p:sp>
-        <p:nvSpPr>
-          <p:cNvPr id="67" name="TextBox 66"/>
-          <p:cNvSpPr txBox="1"/>
-          <p:nvPr/>
-        </p:nvSpPr>
-        <p:spPr>
-          <a:xfrm>
-            <a:off x="3417813" y="4499828"/>
-            <a:ext cx="965459" cy="430887"/>
-          </a:xfrm>
-          <a:prstGeom prst="rect">
-            <a:avLst/>
-          </a:prstGeom>
-          <a:noFill/>
-        </p:spPr>
-        <p:txBody>
-          <a:bodyPr wrap="square" rtlCol="0">
-            <a:spAutoFit/>
-          </a:bodyPr>
-          <a:lstStyle/>
-          <a:p>
-            <a:pPr algn="ctr"/>
-            <a:r>
-              <a:rPr lang="en-US" altLang="ko-KR" sz="2200" dirty="0">
-                <a:ln>
-                  <a:solidFill>
-                    <a:schemeClr val="tx1">
-                      <a:alpha val="30000"/>
-                    </a:schemeClr>
-                  </a:solidFill>
-                </a:ln>
-                <a:solidFill>
-                  <a:srgbClr val="272123"/>
-                </a:solidFill>
-                <a:latin typeface="Yoon 윤고딕 520_TT" pitchFamily="18" charset="-127"/>
-                <a:ea typeface="Yoon 윤고딕 520_TT" pitchFamily="18" charset="-127"/>
-              </a:rPr>
-              <a:t>Visual</a:t>
-            </a:r>
-          </a:p>
-        </p:txBody>
-      </p:sp>
-      <p:sp>
-        <p:nvSpPr>
-          <p:cNvPr id="68" name="TextBox 67"/>
-          <p:cNvSpPr txBox="1"/>
-          <p:nvPr/>
-        </p:nvSpPr>
-        <p:spPr>
-          <a:xfrm>
-            <a:off x="4985787" y="4499828"/>
-            <a:ext cx="965459" cy="430887"/>
-          </a:xfrm>
-          <a:prstGeom prst="rect">
-            <a:avLst/>
-          </a:prstGeom>
-          <a:noFill/>
-        </p:spPr>
-        <p:txBody>
-          <a:bodyPr wrap="square" rtlCol="0">
-            <a:spAutoFit/>
-          </a:bodyPr>
-          <a:lstStyle/>
-          <a:p>
-            <a:pPr algn="ctr"/>
-            <a:r>
-              <a:rPr lang="en-US" altLang="ko-KR" sz="2200" dirty="0">
-                <a:ln>
-                  <a:solidFill>
-                    <a:schemeClr val="tx1">
-                      <a:alpha val="30000"/>
-                    </a:schemeClr>
-                  </a:solidFill>
-                </a:ln>
-                <a:solidFill>
-                  <a:srgbClr val="272123"/>
-                </a:solidFill>
-                <a:latin typeface="Yoon 윤고딕 520_TT" pitchFamily="18" charset="-127"/>
-                <a:ea typeface="Yoon 윤고딕 520_TT" pitchFamily="18" charset="-127"/>
-              </a:rPr>
-              <a:t>Vocal</a:t>
-            </a:r>
-          </a:p>
-        </p:txBody>
-      </p:sp>
-      <p:sp>
-        <p:nvSpPr>
-          <p:cNvPr id="69" name="TextBox 68"/>
-          <p:cNvSpPr txBox="1"/>
-          <p:nvPr/>
-        </p:nvSpPr>
-        <p:spPr>
-          <a:xfrm>
-            <a:off x="4497933" y="2708920"/>
-            <a:ext cx="965459" cy="323165"/>
-          </a:xfrm>
-          <a:prstGeom prst="rect">
-            <a:avLst/>
-          </a:prstGeom>
-          <a:noFill/>
-        </p:spPr>
-        <p:txBody>
-          <a:bodyPr wrap="square" rtlCol="0">
-            <a:spAutoFit/>
-          </a:bodyPr>
-          <a:lstStyle/>
-          <a:p>
-            <a:pPr algn="ctr"/>
-            <a:r>
-              <a:rPr lang="en-US" altLang="ko-KR" sz="1500" dirty="0">
-                <a:ln>
-                  <a:solidFill>
-                    <a:schemeClr val="tx1">
-                      <a:alpha val="30000"/>
-                    </a:schemeClr>
-                  </a:solidFill>
-                </a:ln>
-                <a:solidFill>
-                  <a:srgbClr val="272123"/>
-                </a:solidFill>
-                <a:latin typeface="Yoon 윤고딕 520_TT" pitchFamily="18" charset="-127"/>
-                <a:ea typeface="Yoon 윤고딕 520_TT" pitchFamily="18" charset="-127"/>
-              </a:rPr>
-              <a:t>Verbal</a:t>
-            </a:r>
-          </a:p>
-        </p:txBody>
-      </p:sp>
-      <p:sp>
-        <p:nvSpPr>
-          <p:cNvPr id="70" name="TextBox 69"/>
-          <p:cNvSpPr txBox="1"/>
-          <p:nvPr/>
-        </p:nvSpPr>
-        <p:spPr>
-          <a:xfrm>
-            <a:off x="6444208" y="5395863"/>
-            <a:ext cx="1412561" cy="769441"/>
-          </a:xfrm>
-          <a:prstGeom prst="rect">
-            <a:avLst/>
-          </a:prstGeom>
-          <a:noFill/>
-        </p:spPr>
-        <p:txBody>
-          <a:bodyPr wrap="square" rtlCol="0">
-            <a:spAutoFit/>
-          </a:bodyPr>
-          <a:lstStyle/>
-          <a:p>
-            <a:pPr algn="ctr"/>
-            <a:r>
-              <a:rPr lang="en-US" altLang="ko-KR" sz="3000" dirty="0">
-                <a:ln>
-                  <a:solidFill>
-                    <a:schemeClr val="tx1">
-                      <a:alpha val="30000"/>
-                    </a:schemeClr>
-                  </a:solidFill>
-                </a:ln>
-                <a:solidFill>
-                  <a:srgbClr val="272123"/>
-                </a:solidFill>
-                <a:latin typeface="Yoon 윤고딕 520_TT" pitchFamily="18" charset="-127"/>
-                <a:ea typeface="Yoon 윤고딕 520_TT" pitchFamily="18" charset="-127"/>
-              </a:rPr>
-              <a:t>93%</a:t>
-            </a:r>
-          </a:p>
-          <a:p>
-            <a:pPr algn="ctr"/>
-            <a:r>
-              <a:rPr lang="ko-KR" altLang="en-US" sz="1400" dirty="0">
-                <a:ln>
-                  <a:solidFill>
-                    <a:schemeClr val="tx1">
-                      <a:alpha val="30000"/>
-                    </a:schemeClr>
-                  </a:solidFill>
-                </a:ln>
-                <a:solidFill>
-                  <a:srgbClr val="272123"/>
-                </a:solidFill>
-                <a:latin typeface="Yoon 윤고딕 520_TT" pitchFamily="18" charset="-127"/>
-                <a:ea typeface="Yoon 윤고딕 520_TT" pitchFamily="18" charset="-127"/>
-              </a:rPr>
-              <a:t>비언어적 요소</a:t>
-            </a:r>
-            <a:endParaRPr lang="en-US" altLang="ko-KR" sz="1400" dirty="0">
-              <a:ln>
-                <a:solidFill>
-                  <a:schemeClr val="tx1">
-                    <a:alpha val="30000"/>
-                  </a:schemeClr>
-                </a:solidFill>
-              </a:ln>
-              <a:solidFill>
-                <a:srgbClr val="272123"/>
-              </a:solidFill>
-              <a:latin typeface="Yoon 윤고딕 520_TT" pitchFamily="18" charset="-127"/>
-              <a:ea typeface="Yoon 윤고딕 520_TT" pitchFamily="18" charset="-127"/>
-            </a:endParaRPr>
-          </a:p>
-        </p:txBody>
-      </p:sp>
-    </p:spTree>
-    <p:extLst>
-      <p:ext uri="{BB962C8B-B14F-4D97-AF65-F5344CB8AC3E}">
-        <p14:creationId xmlns:p14="http://schemas.microsoft.com/office/powerpoint/2010/main" val="1382979747"/>
-      </p:ext>
-    </p:extLst>
-  </p:cSld>
-  <p:clrMapOvr>
-    <a:masterClrMapping/>
-  </p:clrMapOvr>
-  <mc:AlternateContent xmlns:mc="http://schemas.openxmlformats.org/markup-compatibility/2006" xmlns:p14="http://schemas.microsoft.com/office/powerpoint/2010/main">
-    <mc:Choice Requires="p14">
-      <p:transition spd="med" p14:dur="700">
-        <p:fade/>
-      </p:transition>
-    </mc:Choice>
-    <mc:Fallback xmlns="">
-      <p:transition spd="med">
-        <p:fade/>
-      </p:transition>
-    </mc:Fallback>
-  </mc:AlternateContent>
-</p:sld>
-</file>
-
 <file path=ppt/slides/slide2.xml><?xml version="1.0" encoding="utf-8"?>
 <p:sld xmlns:a="http://schemas.openxmlformats.org/drawingml/2006/main" xmlns:r="http://schemas.openxmlformats.org/officeDocument/2006/relationships" xmlns:p="http://schemas.openxmlformats.org/presentationml/2006/main">
   <p:cSld>
@@ -14374,14 +13530,14 @@
       </p:grpSpPr>
       <p:sp>
         <p:nvSpPr>
-          <p:cNvPr id="72" name="직사각형 71"/>
+          <p:cNvPr id="39" name="직사각형 38"/>
           <p:cNvSpPr/>
           <p:nvPr/>
         </p:nvSpPr>
         <p:spPr>
           <a:xfrm>
-            <a:off x="1921424" y="1351516"/>
-            <a:ext cx="2880320" cy="312274"/>
+            <a:off x="1873620" y="1659864"/>
+            <a:ext cx="758477" cy="457200"/>
           </a:xfrm>
           <a:prstGeom prst="rect">
             <a:avLst/>
@@ -14427,8 +13583,8 @@
         </p:nvSpPr>
         <p:spPr>
           <a:xfrm>
-            <a:off x="1907704" y="1322987"/>
-            <a:ext cx="2907760" cy="369332"/>
+            <a:off x="1822048" y="1322987"/>
+            <a:ext cx="2389912" cy="830997"/>
           </a:xfrm>
           <a:prstGeom prst="rect">
             <a:avLst/>
@@ -14456,7 +13612,57 @@
                 <a:latin typeface="Yoon 윤고딕 520_TT" pitchFamily="18" charset="-127"/>
                 <a:ea typeface="Yoon 윤고딕 520_TT" pitchFamily="18" charset="-127"/>
               </a:rPr>
-              <a:t>청중에게 안정감을 주는 자세 </a:t>
+              <a:t>발표자의 매력은 </a:t>
+            </a:r>
+            <a:endParaRPr lang="en-US" altLang="ko-KR" dirty="0">
+              <a:ln>
+                <a:solidFill>
+                  <a:schemeClr val="tx1">
+                    <a:alpha val="30000"/>
+                  </a:schemeClr>
+                </a:solidFill>
+              </a:ln>
+              <a:solidFill>
+                <a:srgbClr val="272123"/>
+              </a:solidFill>
+              <a:latin typeface="Yoon 윤고딕 520_TT" pitchFamily="18" charset="-127"/>
+              <a:ea typeface="Yoon 윤고딕 520_TT" pitchFamily="18" charset="-127"/>
+            </a:endParaRPr>
+          </a:p>
+          <a:p>
+            <a:r>
+              <a:rPr lang="ko-KR" altLang="en-US" sz="3000" dirty="0">
+                <a:ln>
+                  <a:solidFill>
+                    <a:schemeClr val="tx1">
+                      <a:alpha val="30000"/>
+                    </a:schemeClr>
+                  </a:solidFill>
+                </a:ln>
+                <a:solidFill>
+                  <a:srgbClr val="272123"/>
+                </a:solidFill>
+                <a:latin typeface="Yoon 윤고딕 520_TT" pitchFamily="18" charset="-127"/>
+                <a:ea typeface="Yoon 윤고딕 520_TT" pitchFamily="18" charset="-127"/>
+              </a:rPr>
+              <a:t>자세</a:t>
+            </a:r>
+            <a:r>
+              <a:rPr lang="ko-KR" altLang="en-US" dirty="0">
+                <a:ln>
+                  <a:solidFill>
+                    <a:schemeClr val="tx1">
+                      <a:alpha val="30000"/>
+                    </a:schemeClr>
+                  </a:solidFill>
+                </a:ln>
+                <a:solidFill>
+                  <a:srgbClr val="272123"/>
+                </a:solidFill>
+                <a:latin typeface="Yoon 윤고딕 520_TT" pitchFamily="18" charset="-127"/>
+                <a:ea typeface="Yoon 윤고딕 520_TT" pitchFamily="18" charset="-127"/>
+              </a:rPr>
+              <a:t>에서 나온다</a:t>
             </a:r>
             <a:endParaRPr lang="en-US" altLang="ko-KR" dirty="0">
               <a:ln>
@@ -15050,16 +14256,38 @@
           </a:p>
         </p:txBody>
       </p:sp>
-      <p:sp>
-        <p:nvSpPr>
-          <p:cNvPr id="71" name="TextBox 70"/>
+      <p:graphicFrame>
+        <p:nvGraphicFramePr>
+          <p:cNvPr id="2" name="차트 1"/>
+          <p:cNvGraphicFramePr/>
+          <p:nvPr>
+            <p:extLst>
+              <p:ext uri="{D42A27DB-BD31-4B8C-83A1-F6EECF244321}">
+                <p14:modId xmlns:p14="http://schemas.microsoft.com/office/powerpoint/2010/main" val="3754764936"/>
+              </p:ext>
+            </p:extLst>
+          </p:nvPr>
+        </p:nvGraphicFramePr>
+        <p:xfrm>
+          <a:off x="2009066" y="2636912"/>
+          <a:ext cx="5371245" cy="3131963"/>
+        </p:xfrm>
+        <a:graphic>
+          <a:graphicData uri="http://schemas.openxmlformats.org/drawingml/2006/chart">
+            <c:chart xmlns:c="http://schemas.openxmlformats.org/drawingml/2006/chart" xmlns:r="http://schemas.openxmlformats.org/officeDocument/2006/relationships" r:id="rId2"/>
+          </a:graphicData>
+        </a:graphic>
+      </p:graphicFrame>
+      <p:sp>
+        <p:nvSpPr>
+          <p:cNvPr id="63" name="TextBox 62"/>
           <p:cNvSpPr txBox="1"/>
           <p:nvPr/>
         </p:nvSpPr>
         <p:spPr>
           <a:xfrm>
-            <a:off x="2084044" y="2158117"/>
-            <a:ext cx="5800324" cy="3046988"/>
+            <a:off x="4449311" y="3008273"/>
+            <a:ext cx="965459" cy="323165"/>
           </a:xfrm>
           <a:prstGeom prst="rect">
             <a:avLst/>
@@ -15072,15 +14300,9 @@
           </a:bodyPr>
           <a:lstStyle/>
           <a:p>
-            <a:pPr marL="285750" indent="-285750">
-              <a:lnSpc>
-                <a:spcPct val="200000"/>
-              </a:lnSpc>
-              <a:buFont typeface="Wingdings" pitchFamily="2" charset="2"/>
-              <a:buChar char="§"/>
-            </a:pPr>
-            <a:r>
-              <a:rPr lang="ko-KR" altLang="en-US" sz="1600" dirty="0">
+            <a:pPr algn="ctr"/>
+            <a:r>
+              <a:rPr lang="en-US" altLang="ko-KR" sz="1500" dirty="0">
                 <a:ln>
                   <a:solidFill>
                     <a:schemeClr val="tx1">
@@ -15094,10 +14316,36 @@
                 <a:latin typeface="Yoon 윤고딕 520_TT" pitchFamily="18" charset="-127"/>
                 <a:ea typeface="Yoon 윤고딕 520_TT" pitchFamily="18" charset="-127"/>
               </a:rPr>
-              <a:t>모든 청중이 보이는 가장 좋은 지점에 선다</a:t>
-            </a:r>
-            <a:r>
-              <a:rPr lang="en-US" altLang="ko-KR" sz="1600" dirty="0">
+              <a:t>7%</a:t>
+            </a:r>
+          </a:p>
+        </p:txBody>
+      </p:sp>
+      <p:sp>
+        <p:nvSpPr>
+          <p:cNvPr id="64" name="TextBox 63"/>
+          <p:cNvSpPr txBox="1"/>
+          <p:nvPr/>
+        </p:nvSpPr>
+        <p:spPr>
+          <a:xfrm>
+            <a:off x="5015637" y="3933056"/>
+            <a:ext cx="965459" cy="646331"/>
+          </a:xfrm>
+          <a:prstGeom prst="rect">
+            <a:avLst/>
+          </a:prstGeom>
+          <a:noFill/>
+        </p:spPr>
+        <p:txBody>
+          <a:bodyPr wrap="square" rtlCol="0">
+            <a:spAutoFit/>
+          </a:bodyPr>
+          <a:lstStyle/>
+          <a:p>
+            <a:pPr algn="ctr"/>
+            <a:r>
+              <a:rPr lang="en-US" altLang="ko-KR" sz="3600" dirty="0">
                 <a:ln>
                   <a:solidFill>
                     <a:schemeClr val="tx1">
@@ -15111,19 +14359,36 @@
                 <a:latin typeface="Yoon 윤고딕 520_TT" pitchFamily="18" charset="-127"/>
                 <a:ea typeface="Yoon 윤고딕 520_TT" pitchFamily="18" charset="-127"/>
               </a:rPr>
-              <a:t>.</a:t>
-            </a:r>
-          </a:p>
-          <a:p>
-            <a:pPr marL="285750" indent="-285750">
-              <a:lnSpc>
-                <a:spcPct val="200000"/>
-              </a:lnSpc>
-              <a:buFont typeface="Wingdings" pitchFamily="2" charset="2"/>
-              <a:buChar char="§"/>
-            </a:pPr>
-            <a:r>
-              <a:rPr lang="ko-KR" altLang="en-US" sz="1600" dirty="0">
+              <a:t>38%</a:t>
+            </a:r>
+          </a:p>
+        </p:txBody>
+      </p:sp>
+      <p:sp>
+        <p:nvSpPr>
+          <p:cNvPr id="66" name="TextBox 65"/>
+          <p:cNvSpPr txBox="1"/>
+          <p:nvPr/>
+        </p:nvSpPr>
+        <p:spPr>
+          <a:xfrm>
+            <a:off x="3431461" y="3933056"/>
+            <a:ext cx="965459" cy="646331"/>
+          </a:xfrm>
+          <a:prstGeom prst="rect">
+            <a:avLst/>
+          </a:prstGeom>
+          <a:noFill/>
+        </p:spPr>
+        <p:txBody>
+          <a:bodyPr wrap="square" rtlCol="0">
+            <a:spAutoFit/>
+          </a:bodyPr>
+          <a:lstStyle/>
+          <a:p>
+            <a:pPr algn="ctr"/>
+            <a:r>
+              <a:rPr lang="en-US" altLang="ko-KR" sz="3600" dirty="0">
                 <a:ln>
                   <a:solidFill>
                     <a:schemeClr val="tx1">
@@ -15137,10 +14402,36 @@
                 <a:latin typeface="Yoon 윤고딕 520_TT" pitchFamily="18" charset="-127"/>
                 <a:ea typeface="Yoon 윤고딕 520_TT" pitchFamily="18" charset="-127"/>
               </a:rPr>
-              <a:t>슬라이드도 자연스럽게 볼 수 있는 지점이어야 한다</a:t>
-            </a:r>
-            <a:r>
-              <a:rPr lang="en-US" altLang="ko-KR" sz="1600" dirty="0">
+              <a:t>55%</a:t>
+            </a:r>
+          </a:p>
+        </p:txBody>
+      </p:sp>
+      <p:sp>
+        <p:nvSpPr>
+          <p:cNvPr id="67" name="TextBox 66"/>
+          <p:cNvSpPr txBox="1"/>
+          <p:nvPr/>
+        </p:nvSpPr>
+        <p:spPr>
+          <a:xfrm>
+            <a:off x="3417813" y="4499828"/>
+            <a:ext cx="965459" cy="430887"/>
+          </a:xfrm>
+          <a:prstGeom prst="rect">
+            <a:avLst/>
+          </a:prstGeom>
+          <a:noFill/>
+        </p:spPr>
+        <p:txBody>
+          <a:bodyPr wrap="square" rtlCol="0">
+            <a:spAutoFit/>
+          </a:bodyPr>
+          <a:lstStyle/>
+          <a:p>
+            <a:pPr algn="ctr"/>
+            <a:r>
+              <a:rPr lang="en-US" altLang="ko-KR" sz="2200" dirty="0">
                 <a:ln>
                   <a:solidFill>
                     <a:schemeClr val="tx1">
@@ -15154,19 +14445,36 @@
                 <a:latin typeface="Yoon 윤고딕 520_TT" pitchFamily="18" charset="-127"/>
                 <a:ea typeface="Yoon 윤고딕 520_TT" pitchFamily="18" charset="-127"/>
               </a:rPr>
-              <a:t>.</a:t>
-            </a:r>
-          </a:p>
-          <a:p>
-            <a:pPr marL="285750" indent="-285750">
-              <a:lnSpc>
-                <a:spcPct val="200000"/>
-              </a:lnSpc>
-              <a:buFont typeface="Wingdings" pitchFamily="2" charset="2"/>
-              <a:buChar char="§"/>
-            </a:pPr>
-            <a:r>
-              <a:rPr lang="ko-KR" altLang="en-US" sz="1600" dirty="0" err="1">
+              <a:t>Visual</a:t>
+            </a:r>
+          </a:p>
+        </p:txBody>
+      </p:sp>
+      <p:sp>
+        <p:nvSpPr>
+          <p:cNvPr id="68" name="TextBox 67"/>
+          <p:cNvSpPr txBox="1"/>
+          <p:nvPr/>
+        </p:nvSpPr>
+        <p:spPr>
+          <a:xfrm>
+            <a:off x="4985787" y="4499828"/>
+            <a:ext cx="965459" cy="430887"/>
+          </a:xfrm>
+          <a:prstGeom prst="rect">
+            <a:avLst/>
+          </a:prstGeom>
+          <a:noFill/>
+        </p:spPr>
+        <p:txBody>
+          <a:bodyPr wrap="square" rtlCol="0">
+            <a:spAutoFit/>
+          </a:bodyPr>
+          <a:lstStyle/>
+          <a:p>
+            <a:pPr algn="ctr"/>
+            <a:r>
+              <a:rPr lang="en-US" altLang="ko-KR" sz="2200" dirty="0">
                 <a:ln>
                   <a:solidFill>
                     <a:schemeClr val="tx1">
@@ -15180,10 +14488,36 @@
                 <a:latin typeface="Yoon 윤고딕 520_TT" pitchFamily="18" charset="-127"/>
                 <a:ea typeface="Yoon 윤고딕 520_TT" pitchFamily="18" charset="-127"/>
               </a:rPr>
-              <a:t>양발을</a:t>
-            </a:r>
-            <a:r>
-              <a:rPr lang="ko-KR" altLang="en-US" sz="1600" dirty="0">
+              <a:t>Vocal</a:t>
+            </a:r>
+          </a:p>
+        </p:txBody>
+      </p:sp>
+      <p:sp>
+        <p:nvSpPr>
+          <p:cNvPr id="69" name="TextBox 68"/>
+          <p:cNvSpPr txBox="1"/>
+          <p:nvPr/>
+        </p:nvSpPr>
+        <p:spPr>
+          <a:xfrm>
+            <a:off x="4497933" y="2708920"/>
+            <a:ext cx="965459" cy="323165"/>
+          </a:xfrm>
+          <a:prstGeom prst="rect">
+            <a:avLst/>
+          </a:prstGeom>
+          <a:noFill/>
+        </p:spPr>
+        <p:txBody>
+          <a:bodyPr wrap="square" rtlCol="0">
+            <a:spAutoFit/>
+          </a:bodyPr>
+          <a:lstStyle/>
+          <a:p>
+            <a:pPr algn="ctr"/>
+            <a:r>
+              <a:rPr lang="en-US" altLang="ko-KR" sz="1500" dirty="0">
                 <a:ln>
                   <a:solidFill>
                     <a:schemeClr val="tx1">
@@ -15197,10 +14531,36 @@
                 <a:latin typeface="Yoon 윤고딕 520_TT" pitchFamily="18" charset="-127"/>
                 <a:ea typeface="Yoon 윤고딕 520_TT" pitchFamily="18" charset="-127"/>
               </a:rPr>
-              <a:t> 땅바닥에 안정감 있게 붙인다</a:t>
-            </a:r>
-            <a:r>
-              <a:rPr lang="en-US" altLang="ko-KR" sz="1600" dirty="0">
+              <a:t>Verbal</a:t>
+            </a:r>
+          </a:p>
+        </p:txBody>
+      </p:sp>
+      <p:sp>
+        <p:nvSpPr>
+          <p:cNvPr id="70" name="TextBox 69"/>
+          <p:cNvSpPr txBox="1"/>
+          <p:nvPr/>
+        </p:nvSpPr>
+        <p:spPr>
+          <a:xfrm>
+            <a:off x="6444208" y="5395863"/>
+            <a:ext cx="1412561" cy="769441"/>
+          </a:xfrm>
+          <a:prstGeom prst="rect">
+            <a:avLst/>
+          </a:prstGeom>
+          <a:noFill/>
+        </p:spPr>
+        <p:txBody>
+          <a:bodyPr wrap="square" rtlCol="0">
+            <a:spAutoFit/>
+          </a:bodyPr>
+          <a:lstStyle/>
+          <a:p>
+            <a:pPr algn="ctr"/>
+            <a:r>
+              <a:rPr lang="en-US" altLang="ko-KR" sz="3000" dirty="0">
                 <a:ln>
                   <a:solidFill>
                     <a:schemeClr val="tx1">
@@ -15214,19 +14574,13 @@
                 <a:latin typeface="Yoon 윤고딕 520_TT" pitchFamily="18" charset="-127"/>
                 <a:ea typeface="Yoon 윤고딕 520_TT" pitchFamily="18" charset="-127"/>
               </a:rPr>
-              <a:t>.</a:t>
-            </a:r>
-          </a:p>
-          <a:p>
-            <a:pPr marL="285750" indent="-285750">
-              <a:lnSpc>
-                <a:spcPct val="200000"/>
-              </a:lnSpc>
-              <a:buFont typeface="Wingdings" pitchFamily="2" charset="2"/>
-              <a:buChar char="§"/>
-            </a:pPr>
-            <a:r>
-              <a:rPr lang="ko-KR" altLang="en-US" sz="1600" dirty="0">
+              <a:t>93%</a:t>
+            </a:r>
+          </a:p>
+          <a:p>
+            <a:pPr algn="ctr"/>
+            <a:r>
+              <a:rPr lang="ko-KR" altLang="en-US" sz="1400" dirty="0">
                 <a:ln>
                   <a:solidFill>
                     <a:schemeClr val="tx1">
@@ -15240,220 +14594,29 @@
                 <a:latin typeface="Yoon 윤고딕 520_TT" pitchFamily="18" charset="-127"/>
                 <a:ea typeface="Yoon 윤고딕 520_TT" pitchFamily="18" charset="-127"/>
               </a:rPr>
-              <a:t>무의식적으로 </a:t>
-            </a:r>
-            <a:r>
-              <a:rPr lang="ko-KR" altLang="en-US" sz="1600" dirty="0" err="1">
-                <a:ln>
-                  <a:solidFill>
-                    <a:schemeClr val="tx1">
-                      <a:alpha val="30000"/>
-                    </a:schemeClr>
-                  </a:solidFill>
-                </a:ln>
-                <a:solidFill>
-                  <a:srgbClr val="272123"/>
-                </a:solidFill>
-                <a:latin typeface="Yoon 윤고딕 520_TT" pitchFamily="18" charset="-127"/>
-                <a:ea typeface="Yoon 윤고딕 520_TT" pitchFamily="18" charset="-127"/>
-              </a:rPr>
-              <a:t>짝다리로</a:t>
-            </a:r>
-            <a:r>
-              <a:rPr lang="ko-KR" altLang="en-US" sz="1600" dirty="0">
-                <a:ln>
-                  <a:solidFill>
-                    <a:schemeClr val="tx1">
-                      <a:alpha val="30000"/>
-                    </a:schemeClr>
-                  </a:solidFill>
-                </a:ln>
-                <a:solidFill>
-                  <a:srgbClr val="272123"/>
-                </a:solidFill>
-                <a:latin typeface="Yoon 윤고딕 520_TT" pitchFamily="18" charset="-127"/>
-                <a:ea typeface="Yoon 윤고딕 520_TT" pitchFamily="18" charset="-127"/>
-              </a:rPr>
-              <a:t> 서지 않도록 한다</a:t>
-            </a:r>
-            <a:r>
-              <a:rPr lang="en-US" altLang="ko-KR" sz="1600" dirty="0">
-                <a:ln>
-                  <a:solidFill>
-                    <a:schemeClr val="tx1">
-                      <a:alpha val="30000"/>
-                    </a:schemeClr>
-                  </a:solidFill>
-                </a:ln>
-                <a:solidFill>
-                  <a:srgbClr val="272123"/>
-                </a:solidFill>
-                <a:latin typeface="Yoon 윤고딕 520_TT" pitchFamily="18" charset="-127"/>
-                <a:ea typeface="Yoon 윤고딕 520_TT" pitchFamily="18" charset="-127"/>
-              </a:rPr>
-              <a:t>.</a:t>
-            </a:r>
-          </a:p>
-          <a:p>
-            <a:pPr marL="285750" indent="-285750">
-              <a:lnSpc>
-                <a:spcPct val="200000"/>
-              </a:lnSpc>
-              <a:buFont typeface="Wingdings" pitchFamily="2" charset="2"/>
-              <a:buChar char="§"/>
-            </a:pPr>
-            <a:r>
-              <a:rPr lang="ko-KR" altLang="en-US" sz="1600" dirty="0">
-                <a:ln>
-                  <a:solidFill>
-                    <a:schemeClr val="tx1">
-                      <a:alpha val="30000"/>
-                    </a:schemeClr>
-                  </a:solidFill>
-                </a:ln>
-                <a:solidFill>
-                  <a:srgbClr val="272123"/>
-                </a:solidFill>
-                <a:latin typeface="Yoon 윤고딕 520_TT" pitchFamily="18" charset="-127"/>
-                <a:ea typeface="Yoon 윤고딕 520_TT" pitchFamily="18" charset="-127"/>
-              </a:rPr>
-              <a:t>불필요하게 발을 움직이며 서성거리지 않는다</a:t>
-            </a:r>
-            <a:r>
-              <a:rPr lang="en-US" altLang="ko-KR" sz="1600" dirty="0">
-                <a:ln>
-                  <a:solidFill>
-                    <a:schemeClr val="tx1">
-                      <a:alpha val="30000"/>
-                    </a:schemeClr>
-                  </a:solidFill>
-                </a:ln>
-                <a:solidFill>
-                  <a:srgbClr val="272123"/>
-                </a:solidFill>
-                <a:latin typeface="Yoon 윤고딕 520_TT" pitchFamily="18" charset="-127"/>
-                <a:ea typeface="Yoon 윤고딕 520_TT" pitchFamily="18" charset="-127"/>
-              </a:rPr>
-              <a:t>.</a:t>
-            </a:r>
-          </a:p>
-          <a:p>
-            <a:pPr marL="285750" indent="-285750">
-              <a:lnSpc>
-                <a:spcPct val="200000"/>
-              </a:lnSpc>
-              <a:buFont typeface="Wingdings" pitchFamily="2" charset="2"/>
-              <a:buChar char="§"/>
-            </a:pPr>
-            <a:r>
-              <a:rPr lang="ko-KR" altLang="en-US" sz="1600" dirty="0">
-                <a:ln>
-                  <a:solidFill>
-                    <a:schemeClr val="tx1">
-                      <a:alpha val="30000"/>
-                    </a:schemeClr>
-                  </a:solidFill>
-                </a:ln>
-                <a:solidFill>
-                  <a:srgbClr val="272123"/>
-                </a:solidFill>
-                <a:latin typeface="Yoon 윤고딕 520_TT" pitchFamily="18" charset="-127"/>
-                <a:ea typeface="Yoon 윤고딕 520_TT" pitchFamily="18" charset="-127"/>
-              </a:rPr>
-              <a:t>계속 두 손을 붙잡고 발표하거나</a:t>
-            </a:r>
-            <a:r>
-              <a:rPr lang="en-US" altLang="ko-KR" sz="1600" dirty="0">
-                <a:ln>
-                  <a:solidFill>
-                    <a:schemeClr val="tx1">
-                      <a:alpha val="30000"/>
-                    </a:schemeClr>
-                  </a:solidFill>
-                </a:ln>
-                <a:solidFill>
-                  <a:srgbClr val="272123"/>
-                </a:solidFill>
-                <a:latin typeface="Yoon 윤고딕 520_TT" pitchFamily="18" charset="-127"/>
-                <a:ea typeface="Yoon 윤고딕 520_TT" pitchFamily="18" charset="-127"/>
-              </a:rPr>
-              <a:t>, </a:t>
-            </a:r>
-            <a:r>
-              <a:rPr lang="ko-KR" altLang="en-US" sz="1600" dirty="0">
-                <a:ln>
-                  <a:solidFill>
-                    <a:schemeClr val="tx1">
-                      <a:alpha val="30000"/>
-                    </a:schemeClr>
-                  </a:solidFill>
-                </a:ln>
-                <a:solidFill>
-                  <a:srgbClr val="272123"/>
-                </a:solidFill>
-                <a:latin typeface="Yoon 윤고딕 520_TT" pitchFamily="18" charset="-127"/>
-                <a:ea typeface="Yoon 윤고딕 520_TT" pitchFamily="18" charset="-127"/>
-              </a:rPr>
-              <a:t>뒷짐</a:t>
-            </a:r>
-            <a:r>
-              <a:rPr lang="en-US" altLang="ko-KR" sz="1600" dirty="0">
-                <a:ln>
-                  <a:solidFill>
-                    <a:schemeClr val="tx1">
-                      <a:alpha val="30000"/>
-                    </a:schemeClr>
-                  </a:solidFill>
-                </a:ln>
-                <a:solidFill>
-                  <a:srgbClr val="272123"/>
-                </a:solidFill>
-                <a:latin typeface="Yoon 윤고딕 520_TT" pitchFamily="18" charset="-127"/>
-                <a:ea typeface="Yoon 윤고딕 520_TT" pitchFamily="18" charset="-127"/>
-              </a:rPr>
-              <a:t>, </a:t>
-            </a:r>
-            <a:r>
-              <a:rPr lang="ko-KR" altLang="en-US" sz="1600" dirty="0">
-                <a:ln>
-                  <a:solidFill>
-                    <a:schemeClr val="tx1">
-                      <a:alpha val="30000"/>
-                    </a:schemeClr>
-                  </a:solidFill>
-                </a:ln>
-                <a:solidFill>
-                  <a:srgbClr val="272123"/>
-                </a:solidFill>
-                <a:latin typeface="Yoon 윤고딕 520_TT" pitchFamily="18" charset="-127"/>
-                <a:ea typeface="Yoon 윤고딕 520_TT" pitchFamily="18" charset="-127"/>
-              </a:rPr>
-              <a:t>팔짱 등의 자세는 피한다</a:t>
-            </a:r>
-            <a:r>
-              <a:rPr lang="en-US" altLang="ko-KR" sz="1600" dirty="0">
-                <a:ln>
-                  <a:solidFill>
-                    <a:schemeClr val="tx1">
-                      <a:alpha val="30000"/>
-                    </a:schemeClr>
-                  </a:solidFill>
-                </a:ln>
-                <a:solidFill>
-                  <a:srgbClr val="272123"/>
-                </a:solidFill>
-                <a:latin typeface="Yoon 윤고딕 520_TT" pitchFamily="18" charset="-127"/>
-                <a:ea typeface="Yoon 윤고딕 520_TT" pitchFamily="18" charset="-127"/>
-              </a:rPr>
-              <a:t>.</a:t>
-            </a:r>
+              <a:t>비언어적 요소</a:t>
+            </a:r>
+            <a:endParaRPr lang="en-US" altLang="ko-KR" sz="1400" dirty="0">
+              <a:ln>
+                <a:solidFill>
+                  <a:schemeClr val="tx1">
+                    <a:alpha val="30000"/>
+                  </a:schemeClr>
+                </a:solidFill>
+              </a:ln>
+              <a:solidFill>
+                <a:srgbClr val="272123"/>
+              </a:solidFill>
+              <a:latin typeface="Yoon 윤고딕 520_TT" pitchFamily="18" charset="-127"/>
+              <a:ea typeface="Yoon 윤고딕 520_TT" pitchFamily="18" charset="-127"/>
+            </a:endParaRPr>
           </a:p>
         </p:txBody>
       </p:sp>
     </p:spTree>
     <p:extLst>
       <p:ext uri="{BB962C8B-B14F-4D97-AF65-F5344CB8AC3E}">
-        <p14:creationId xmlns:p14="http://schemas.microsoft.com/office/powerpoint/2010/main" val="1579103176"/>
+        <p14:creationId xmlns:p14="http://schemas.microsoft.com/office/powerpoint/2010/main" val="1382979747"/>
       </p:ext>
     </p:extLst>
   </p:cSld>
@@ -15494,6 +14657,1126 @@
       </p:grpSpPr>
       <p:sp>
         <p:nvSpPr>
+          <p:cNvPr id="72" name="직사각형 71"/>
+          <p:cNvSpPr/>
+          <p:nvPr/>
+        </p:nvSpPr>
+        <p:spPr>
+          <a:xfrm>
+            <a:off x="1921424" y="1351516"/>
+            <a:ext cx="2880320" cy="312274"/>
+          </a:xfrm>
+          <a:prstGeom prst="rect">
+            <a:avLst/>
+          </a:prstGeom>
+          <a:solidFill>
+            <a:srgbClr val="7AB53D">
+              <a:alpha val="80000"/>
+            </a:srgbClr>
+          </a:solidFill>
+          <a:ln>
+            <a:noFill/>
+          </a:ln>
+        </p:spPr>
+        <p:style>
+          <a:lnRef idx="2">
+            <a:schemeClr val="accent1">
+              <a:shade val="50000"/>
+            </a:schemeClr>
+          </a:lnRef>
+          <a:fillRef idx="1">
+            <a:schemeClr val="accent1"/>
+          </a:fillRef>
+          <a:effectRef idx="0">
+            <a:schemeClr val="accent1"/>
+          </a:effectRef>
+          <a:fontRef idx="minor">
+            <a:schemeClr val="lt1"/>
+          </a:fontRef>
+        </p:style>
+        <p:txBody>
+          <a:bodyPr rtlCol="0" anchor="ctr"/>
+          <a:lstStyle/>
+          <a:p>
+            <a:endParaRPr lang="ko-KR" altLang="en-US"/>
+          </a:p>
+        </p:txBody>
+      </p:sp>
+      <p:sp>
+        <p:nvSpPr>
+          <p:cNvPr id="35" name="TextBox 34"/>
+          <p:cNvSpPr txBox="1"/>
+          <p:nvPr/>
+        </p:nvSpPr>
+        <p:spPr>
+          <a:xfrm>
+            <a:off x="1907704" y="1322987"/>
+            <a:ext cx="2907760" cy="369332"/>
+          </a:xfrm>
+          <a:prstGeom prst="rect">
+            <a:avLst/>
+          </a:prstGeom>
+          <a:noFill/>
+        </p:spPr>
+        <p:txBody>
+          <a:bodyPr wrap="square" rtlCol="0">
+            <a:spAutoFit/>
+          </a:bodyPr>
+          <a:lstStyle/>
+          <a:p>
+            <a:r>
+              <a:rPr lang="ko-KR" altLang="en-US" dirty="0">
+                <a:ln>
+                  <a:solidFill>
+                    <a:schemeClr val="tx1">
+                      <a:alpha val="30000"/>
+                    </a:schemeClr>
+                  </a:solidFill>
+                </a:ln>
+                <a:solidFill>
+                  <a:srgbClr val="272123"/>
+                </a:solidFill>
+                <a:latin typeface="Yoon 윤고딕 520_TT" pitchFamily="18" charset="-127"/>
+                <a:ea typeface="Yoon 윤고딕 520_TT" pitchFamily="18" charset="-127"/>
+              </a:rPr>
+              <a:t>청중에게 안정감을 주는 자세 </a:t>
+            </a:r>
+            <a:endParaRPr lang="en-US" altLang="ko-KR" dirty="0">
+              <a:ln>
+                <a:solidFill>
+                  <a:schemeClr val="tx1">
+                    <a:alpha val="30000"/>
+                  </a:schemeClr>
+                </a:solidFill>
+              </a:ln>
+              <a:solidFill>
+                <a:srgbClr val="272123"/>
+              </a:solidFill>
+              <a:latin typeface="Yoon 윤고딕 520_TT" pitchFamily="18" charset="-127"/>
+              <a:ea typeface="Yoon 윤고딕 520_TT" pitchFamily="18" charset="-127"/>
+            </a:endParaRPr>
+          </a:p>
+        </p:txBody>
+      </p:sp>
+      <p:cxnSp>
+        <p:nvCxnSpPr>
+          <p:cNvPr id="4" name="직선 연결선 3"/>
+          <p:cNvCxnSpPr/>
+          <p:nvPr/>
+        </p:nvCxnSpPr>
+        <p:spPr>
+          <a:xfrm>
+            <a:off x="683568" y="-371068"/>
+            <a:ext cx="0" cy="7472476"/>
+          </a:xfrm>
+          <a:prstGeom prst="line">
+            <a:avLst/>
+          </a:prstGeom>
+          <a:ln>
+            <a:solidFill>
+              <a:schemeClr val="bg1">
+                <a:lumMod val="65000"/>
+                <a:alpha val="50000"/>
+              </a:schemeClr>
+            </a:solidFill>
+          </a:ln>
+        </p:spPr>
+        <p:style>
+          <a:lnRef idx="1">
+            <a:schemeClr val="accent1"/>
+          </a:lnRef>
+          <a:fillRef idx="0">
+            <a:schemeClr val="accent1"/>
+          </a:fillRef>
+          <a:effectRef idx="0">
+            <a:schemeClr val="accent1"/>
+          </a:effectRef>
+          <a:fontRef idx="minor">
+            <a:schemeClr val="tx1"/>
+          </a:fontRef>
+        </p:style>
+      </p:cxnSp>
+      <p:cxnSp>
+        <p:nvCxnSpPr>
+          <p:cNvPr id="5" name="직선 연결선 4"/>
+          <p:cNvCxnSpPr/>
+          <p:nvPr/>
+        </p:nvCxnSpPr>
+        <p:spPr>
+          <a:xfrm flipH="1">
+            <a:off x="692540" y="548680"/>
+            <a:ext cx="9295796" cy="0"/>
+          </a:xfrm>
+          <a:prstGeom prst="line">
+            <a:avLst/>
+          </a:prstGeom>
+          <a:ln>
+            <a:solidFill>
+              <a:schemeClr val="bg1">
+                <a:lumMod val="65000"/>
+                <a:alpha val="50000"/>
+              </a:schemeClr>
+            </a:solidFill>
+          </a:ln>
+        </p:spPr>
+        <p:style>
+          <a:lnRef idx="1">
+            <a:schemeClr val="accent1"/>
+          </a:lnRef>
+          <a:fillRef idx="0">
+            <a:schemeClr val="accent1"/>
+          </a:fillRef>
+          <a:effectRef idx="0">
+            <a:schemeClr val="accent1"/>
+          </a:effectRef>
+          <a:fontRef idx="minor">
+            <a:schemeClr val="tx1"/>
+          </a:fontRef>
+        </p:style>
+      </p:cxnSp>
+      <p:sp>
+        <p:nvSpPr>
+          <p:cNvPr id="6" name="TextBox 5"/>
+          <p:cNvSpPr txBox="1"/>
+          <p:nvPr/>
+        </p:nvSpPr>
+        <p:spPr>
+          <a:xfrm>
+            <a:off x="1043608" y="138482"/>
+            <a:ext cx="965459" cy="307777"/>
+          </a:xfrm>
+          <a:prstGeom prst="rect">
+            <a:avLst/>
+          </a:prstGeom>
+          <a:noFill/>
+        </p:spPr>
+        <p:txBody>
+          <a:bodyPr wrap="square" rtlCol="0">
+            <a:spAutoFit/>
+          </a:bodyPr>
+          <a:lstStyle/>
+          <a:p>
+            <a:pPr algn="ctr"/>
+            <a:r>
+              <a:rPr lang="en-US" altLang="ko-KR" sz="1400" dirty="0">
+                <a:ln>
+                  <a:solidFill>
+                    <a:schemeClr val="tx1">
+                      <a:alpha val="30000"/>
+                    </a:schemeClr>
+                  </a:solidFill>
+                </a:ln>
+                <a:solidFill>
+                  <a:srgbClr val="272123"/>
+                </a:solidFill>
+                <a:latin typeface="Yoon 윤고딕 520_TT" pitchFamily="18" charset="-127"/>
+                <a:ea typeface="Yoon 윤고딕 520_TT" pitchFamily="18" charset="-127"/>
+              </a:rPr>
+              <a:t>Planning</a:t>
+            </a:r>
+          </a:p>
+        </p:txBody>
+      </p:sp>
+      <p:sp>
+        <p:nvSpPr>
+          <p:cNvPr id="7" name="TextBox 6"/>
+          <p:cNvSpPr txBox="1"/>
+          <p:nvPr/>
+        </p:nvSpPr>
+        <p:spPr>
+          <a:xfrm>
+            <a:off x="2512455" y="138482"/>
+            <a:ext cx="965459" cy="307777"/>
+          </a:xfrm>
+          <a:prstGeom prst="rect">
+            <a:avLst/>
+          </a:prstGeom>
+          <a:noFill/>
+        </p:spPr>
+        <p:txBody>
+          <a:bodyPr wrap="square" rtlCol="0">
+            <a:spAutoFit/>
+          </a:bodyPr>
+          <a:lstStyle/>
+          <a:p>
+            <a:pPr algn="ctr"/>
+            <a:r>
+              <a:rPr lang="en-US" altLang="ko-KR" sz="1400" dirty="0">
+                <a:ln>
+                  <a:solidFill>
+                    <a:schemeClr val="tx1">
+                      <a:alpha val="30000"/>
+                    </a:schemeClr>
+                  </a:solidFill>
+                </a:ln>
+                <a:solidFill>
+                  <a:srgbClr val="272123"/>
+                </a:solidFill>
+                <a:latin typeface="Yoon 윤고딕 520_TT" pitchFamily="18" charset="-127"/>
+                <a:ea typeface="Yoon 윤고딕 520_TT" pitchFamily="18" charset="-127"/>
+              </a:rPr>
+              <a:t>Design</a:t>
+            </a:r>
+          </a:p>
+        </p:txBody>
+      </p:sp>
+      <p:sp>
+        <p:nvSpPr>
+          <p:cNvPr id="8" name="TextBox 7"/>
+          <p:cNvSpPr txBox="1"/>
+          <p:nvPr/>
+        </p:nvSpPr>
+        <p:spPr>
+          <a:xfrm>
+            <a:off x="3981302" y="138482"/>
+            <a:ext cx="1166762" cy="307777"/>
+          </a:xfrm>
+          <a:prstGeom prst="rect">
+            <a:avLst/>
+          </a:prstGeom>
+          <a:noFill/>
+        </p:spPr>
+        <p:txBody>
+          <a:bodyPr wrap="square" rtlCol="0">
+            <a:spAutoFit/>
+          </a:bodyPr>
+          <a:lstStyle/>
+          <a:p>
+            <a:pPr algn="ctr"/>
+            <a:r>
+              <a:rPr lang="en-US" altLang="ko-KR" sz="1400" dirty="0">
+                <a:ln>
+                  <a:solidFill>
+                    <a:schemeClr val="tx1">
+                      <a:alpha val="30000"/>
+                    </a:schemeClr>
+                  </a:solidFill>
+                </a:ln>
+                <a:solidFill>
+                  <a:srgbClr val="272123"/>
+                </a:solidFill>
+                <a:latin typeface="Yoon 윤고딕 520_TT" pitchFamily="18" charset="-127"/>
+                <a:ea typeface="Yoon 윤고딕 520_TT" pitchFamily="18" charset="-127"/>
+              </a:rPr>
+              <a:t>Presentation</a:t>
+            </a:r>
+          </a:p>
+        </p:txBody>
+      </p:sp>
+      <p:sp>
+        <p:nvSpPr>
+          <p:cNvPr id="9" name="직사각형 8"/>
+          <p:cNvSpPr/>
+          <p:nvPr/>
+        </p:nvSpPr>
+        <p:spPr>
+          <a:xfrm>
+            <a:off x="-9283" y="1811751"/>
+            <a:ext cx="834325" cy="343501"/>
+          </a:xfrm>
+          <a:prstGeom prst="rect">
+            <a:avLst/>
+          </a:prstGeom>
+          <a:solidFill>
+            <a:srgbClr val="272123"/>
+          </a:solidFill>
+          <a:ln>
+            <a:noFill/>
+          </a:ln>
+        </p:spPr>
+        <p:style>
+          <a:lnRef idx="2">
+            <a:schemeClr val="accent1">
+              <a:shade val="50000"/>
+            </a:schemeClr>
+          </a:lnRef>
+          <a:fillRef idx="1">
+            <a:schemeClr val="accent1"/>
+          </a:fillRef>
+          <a:effectRef idx="0">
+            <a:schemeClr val="accent1"/>
+          </a:effectRef>
+          <a:fontRef idx="minor">
+            <a:schemeClr val="lt1"/>
+          </a:fontRef>
+        </p:style>
+        <p:txBody>
+          <a:bodyPr rtlCol="0" anchor="ctr"/>
+          <a:lstStyle/>
+          <a:p>
+            <a:pPr algn="ctr"/>
+            <a:endParaRPr lang="ko-KR" altLang="en-US"/>
+          </a:p>
+        </p:txBody>
+      </p:sp>
+      <p:sp>
+        <p:nvSpPr>
+          <p:cNvPr id="10" name="직각 삼각형 9"/>
+          <p:cNvSpPr/>
+          <p:nvPr/>
+        </p:nvSpPr>
+        <p:spPr>
+          <a:xfrm rot="5400000">
+            <a:off x="702755" y="2141825"/>
+            <a:ext cx="81142" cy="108000"/>
+          </a:xfrm>
+          <a:prstGeom prst="rtTriangle">
+            <a:avLst/>
+          </a:prstGeom>
+          <a:solidFill>
+            <a:schemeClr val="tx1"/>
+          </a:solidFill>
+          <a:ln>
+            <a:solidFill>
+              <a:schemeClr val="tx1"/>
+            </a:solidFill>
+          </a:ln>
+        </p:spPr>
+        <p:style>
+          <a:lnRef idx="2">
+            <a:schemeClr val="accent1">
+              <a:shade val="50000"/>
+            </a:schemeClr>
+          </a:lnRef>
+          <a:fillRef idx="1">
+            <a:schemeClr val="accent1"/>
+          </a:fillRef>
+          <a:effectRef idx="0">
+            <a:schemeClr val="accent1"/>
+          </a:effectRef>
+          <a:fontRef idx="minor">
+            <a:schemeClr val="lt1"/>
+          </a:fontRef>
+        </p:style>
+        <p:txBody>
+          <a:bodyPr rtlCol="0" anchor="ctr"/>
+          <a:lstStyle/>
+          <a:p>
+            <a:pPr algn="ctr"/>
+            <a:endParaRPr lang="ko-KR" altLang="en-US"/>
+          </a:p>
+        </p:txBody>
+      </p:sp>
+      <p:sp>
+        <p:nvSpPr>
+          <p:cNvPr id="21" name="TextBox 20"/>
+          <p:cNvSpPr txBox="1"/>
+          <p:nvPr/>
+        </p:nvSpPr>
+        <p:spPr>
+          <a:xfrm>
+            <a:off x="107504" y="1340768"/>
+            <a:ext cx="450395" cy="338554"/>
+          </a:xfrm>
+          <a:prstGeom prst="rect">
+            <a:avLst/>
+          </a:prstGeom>
+          <a:noFill/>
+        </p:spPr>
+        <p:txBody>
+          <a:bodyPr wrap="square" rtlCol="0">
+            <a:spAutoFit/>
+          </a:bodyPr>
+          <a:lstStyle/>
+          <a:p>
+            <a:r>
+              <a:rPr lang="en-US" altLang="ko-KR" sz="1600" dirty="0">
+                <a:ln>
+                  <a:solidFill>
+                    <a:schemeClr val="tx1">
+                      <a:alpha val="30000"/>
+                    </a:schemeClr>
+                  </a:solidFill>
+                </a:ln>
+                <a:solidFill>
+                  <a:schemeClr val="bg1">
+                    <a:lumMod val="85000"/>
+                  </a:schemeClr>
+                </a:solidFill>
+                <a:latin typeface="Yoon 윤고딕 520_TT" pitchFamily="18" charset="-127"/>
+                <a:ea typeface="Yoon 윤고딕 520_TT" pitchFamily="18" charset="-127"/>
+              </a:rPr>
+              <a:t>02</a:t>
+            </a:r>
+          </a:p>
+        </p:txBody>
+      </p:sp>
+      <p:sp>
+        <p:nvSpPr>
+          <p:cNvPr id="22" name="TextBox 21"/>
+          <p:cNvSpPr txBox="1"/>
+          <p:nvPr/>
+        </p:nvSpPr>
+        <p:spPr>
+          <a:xfrm>
+            <a:off x="107504" y="1819563"/>
+            <a:ext cx="450395" cy="338554"/>
+          </a:xfrm>
+          <a:prstGeom prst="rect">
+            <a:avLst/>
+          </a:prstGeom>
+          <a:noFill/>
+        </p:spPr>
+        <p:txBody>
+          <a:bodyPr wrap="square" rtlCol="0">
+            <a:spAutoFit/>
+          </a:bodyPr>
+          <a:lstStyle/>
+          <a:p>
+            <a:r>
+              <a:rPr lang="en-US" altLang="ko-KR" sz="1600" dirty="0">
+                <a:ln>
+                  <a:solidFill>
+                    <a:schemeClr val="tx1">
+                      <a:alpha val="30000"/>
+                    </a:schemeClr>
+                  </a:solidFill>
+                </a:ln>
+                <a:solidFill>
+                  <a:schemeClr val="bg1">
+                    <a:lumMod val="85000"/>
+                  </a:schemeClr>
+                </a:solidFill>
+                <a:latin typeface="Yoon 윤고딕 520_TT" pitchFamily="18" charset="-127"/>
+                <a:ea typeface="Yoon 윤고딕 520_TT" pitchFamily="18" charset="-127"/>
+              </a:rPr>
+              <a:t>03</a:t>
+            </a:r>
+          </a:p>
+        </p:txBody>
+      </p:sp>
+      <p:sp>
+        <p:nvSpPr>
+          <p:cNvPr id="23" name="TextBox 22"/>
+          <p:cNvSpPr txBox="1"/>
+          <p:nvPr/>
+        </p:nvSpPr>
+        <p:spPr>
+          <a:xfrm>
+            <a:off x="107504" y="2298358"/>
+            <a:ext cx="450395" cy="338554"/>
+          </a:xfrm>
+          <a:prstGeom prst="rect">
+            <a:avLst/>
+          </a:prstGeom>
+          <a:noFill/>
+        </p:spPr>
+        <p:txBody>
+          <a:bodyPr wrap="square" rtlCol="0">
+            <a:spAutoFit/>
+          </a:bodyPr>
+          <a:lstStyle/>
+          <a:p>
+            <a:r>
+              <a:rPr lang="en-US" altLang="ko-KR" sz="1600" dirty="0">
+                <a:ln>
+                  <a:solidFill>
+                    <a:schemeClr val="tx1">
+                      <a:alpha val="30000"/>
+                    </a:schemeClr>
+                  </a:solidFill>
+                </a:ln>
+                <a:solidFill>
+                  <a:schemeClr val="bg1">
+                    <a:lumMod val="85000"/>
+                  </a:schemeClr>
+                </a:solidFill>
+                <a:latin typeface="Yoon 윤고딕 520_TT" pitchFamily="18" charset="-127"/>
+                <a:ea typeface="Yoon 윤고딕 520_TT" pitchFamily="18" charset="-127"/>
+              </a:rPr>
+              <a:t>04</a:t>
+            </a:r>
+          </a:p>
+        </p:txBody>
+      </p:sp>
+      <p:sp>
+        <p:nvSpPr>
+          <p:cNvPr id="24" name="TextBox 23"/>
+          <p:cNvSpPr txBox="1"/>
+          <p:nvPr/>
+        </p:nvSpPr>
+        <p:spPr>
+          <a:xfrm>
+            <a:off x="123549" y="882386"/>
+            <a:ext cx="541363" cy="338554"/>
+          </a:xfrm>
+          <a:prstGeom prst="rect">
+            <a:avLst/>
+          </a:prstGeom>
+          <a:noFill/>
+        </p:spPr>
+        <p:txBody>
+          <a:bodyPr wrap="square" rtlCol="0">
+            <a:spAutoFit/>
+          </a:bodyPr>
+          <a:lstStyle/>
+          <a:p>
+            <a:r>
+              <a:rPr lang="en-US" altLang="ko-KR" sz="1600" dirty="0">
+                <a:ln>
+                  <a:solidFill>
+                    <a:schemeClr val="tx1">
+                      <a:alpha val="30000"/>
+                    </a:schemeClr>
+                  </a:solidFill>
+                </a:ln>
+                <a:solidFill>
+                  <a:schemeClr val="bg1">
+                    <a:lumMod val="75000"/>
+                  </a:schemeClr>
+                </a:solidFill>
+                <a:latin typeface="Yoon 윤고딕 520_TT" pitchFamily="18" charset="-127"/>
+                <a:ea typeface="Yoon 윤고딕 520_TT" pitchFamily="18" charset="-127"/>
+              </a:rPr>
+              <a:t>01</a:t>
+            </a:r>
+          </a:p>
+        </p:txBody>
+      </p:sp>
+      <p:sp>
+        <p:nvSpPr>
+          <p:cNvPr id="37" name="갈매기형 수장 36"/>
+          <p:cNvSpPr/>
+          <p:nvPr/>
+        </p:nvSpPr>
+        <p:spPr>
+          <a:xfrm>
+            <a:off x="1623307" y="1415277"/>
+            <a:ext cx="140381" cy="154419"/>
+          </a:xfrm>
+          <a:prstGeom prst="chevron">
+            <a:avLst/>
+          </a:prstGeom>
+          <a:solidFill>
+            <a:srgbClr val="272123"/>
+          </a:solidFill>
+          <a:ln>
+            <a:noFill/>
+          </a:ln>
+        </p:spPr>
+        <p:style>
+          <a:lnRef idx="2">
+            <a:schemeClr val="accent1">
+              <a:shade val="50000"/>
+            </a:schemeClr>
+          </a:lnRef>
+          <a:fillRef idx="1">
+            <a:schemeClr val="accent1"/>
+          </a:fillRef>
+          <a:effectRef idx="0">
+            <a:schemeClr val="accent1"/>
+          </a:effectRef>
+          <a:fontRef idx="minor">
+            <a:schemeClr val="lt1"/>
+          </a:fontRef>
+        </p:style>
+        <p:txBody>
+          <a:bodyPr rtlCol="0" anchor="ctr"/>
+          <a:lstStyle/>
+          <a:p>
+            <a:pPr algn="ctr"/>
+            <a:endParaRPr lang="ko-KR" altLang="en-US">
+              <a:solidFill>
+                <a:schemeClr val="tx1"/>
+              </a:solidFill>
+            </a:endParaRPr>
+          </a:p>
+        </p:txBody>
+      </p:sp>
+      <p:sp>
+        <p:nvSpPr>
+          <p:cNvPr id="38" name="갈매기형 수장 37"/>
+          <p:cNvSpPr/>
+          <p:nvPr/>
+        </p:nvSpPr>
+        <p:spPr>
+          <a:xfrm>
+            <a:off x="1475656" y="1415277"/>
+            <a:ext cx="140381" cy="154419"/>
+          </a:xfrm>
+          <a:prstGeom prst="chevron">
+            <a:avLst/>
+          </a:prstGeom>
+          <a:solidFill>
+            <a:srgbClr val="272123"/>
+          </a:solidFill>
+          <a:ln>
+            <a:noFill/>
+          </a:ln>
+        </p:spPr>
+        <p:style>
+          <a:lnRef idx="2">
+            <a:schemeClr val="accent1">
+              <a:shade val="50000"/>
+            </a:schemeClr>
+          </a:lnRef>
+          <a:fillRef idx="1">
+            <a:schemeClr val="accent1"/>
+          </a:fillRef>
+          <a:effectRef idx="0">
+            <a:schemeClr val="accent1"/>
+          </a:effectRef>
+          <a:fontRef idx="minor">
+            <a:schemeClr val="lt1"/>
+          </a:fontRef>
+        </p:style>
+        <p:txBody>
+          <a:bodyPr rtlCol="0" anchor="ctr"/>
+          <a:lstStyle/>
+          <a:p>
+            <a:pPr algn="ctr"/>
+            <a:endParaRPr lang="ko-KR" altLang="en-US">
+              <a:solidFill>
+                <a:schemeClr val="tx1"/>
+              </a:solidFill>
+            </a:endParaRPr>
+          </a:p>
+        </p:txBody>
+      </p:sp>
+      <p:sp>
+        <p:nvSpPr>
+          <p:cNvPr id="71" name="TextBox 70"/>
+          <p:cNvSpPr txBox="1"/>
+          <p:nvPr/>
+        </p:nvSpPr>
+        <p:spPr>
+          <a:xfrm>
+            <a:off x="2084044" y="2158117"/>
+            <a:ext cx="5800324" cy="3046988"/>
+          </a:xfrm>
+          <a:prstGeom prst="rect">
+            <a:avLst/>
+          </a:prstGeom>
+          <a:noFill/>
+        </p:spPr>
+        <p:txBody>
+          <a:bodyPr wrap="square" rtlCol="0">
+            <a:spAutoFit/>
+          </a:bodyPr>
+          <a:lstStyle/>
+          <a:p>
+            <a:pPr marL="285750" indent="-285750">
+              <a:lnSpc>
+                <a:spcPct val="200000"/>
+              </a:lnSpc>
+              <a:buFont typeface="Wingdings" pitchFamily="2" charset="2"/>
+              <a:buChar char="§"/>
+            </a:pPr>
+            <a:r>
+              <a:rPr lang="ko-KR" altLang="en-US" sz="1600" dirty="0">
+                <a:ln>
+                  <a:solidFill>
+                    <a:schemeClr val="tx1">
+                      <a:alpha val="30000"/>
+                    </a:schemeClr>
+                  </a:solidFill>
+                </a:ln>
+                <a:solidFill>
+                  <a:srgbClr val="272123"/>
+                </a:solidFill>
+                <a:latin typeface="Yoon 윤고딕 520_TT" pitchFamily="18" charset="-127"/>
+                <a:ea typeface="Yoon 윤고딕 520_TT" pitchFamily="18" charset="-127"/>
+              </a:rPr>
+              <a:t>모든 청중이 보이는 가장 좋은 지점에 선다</a:t>
+            </a:r>
+            <a:r>
+              <a:rPr lang="en-US" altLang="ko-KR" sz="1600" dirty="0">
+                <a:ln>
+                  <a:solidFill>
+                    <a:schemeClr val="tx1">
+                      <a:alpha val="30000"/>
+                    </a:schemeClr>
+                  </a:solidFill>
+                </a:ln>
+                <a:solidFill>
+                  <a:srgbClr val="272123"/>
+                </a:solidFill>
+                <a:latin typeface="Yoon 윤고딕 520_TT" pitchFamily="18" charset="-127"/>
+                <a:ea typeface="Yoon 윤고딕 520_TT" pitchFamily="18" charset="-127"/>
+              </a:rPr>
+              <a:t>.</a:t>
+            </a:r>
+          </a:p>
+          <a:p>
+            <a:pPr marL="285750" indent="-285750">
+              <a:lnSpc>
+                <a:spcPct val="200000"/>
+              </a:lnSpc>
+              <a:buFont typeface="Wingdings" pitchFamily="2" charset="2"/>
+              <a:buChar char="§"/>
+            </a:pPr>
+            <a:r>
+              <a:rPr lang="ko-KR" altLang="en-US" sz="1600" dirty="0">
+                <a:ln>
+                  <a:solidFill>
+                    <a:schemeClr val="tx1">
+                      <a:alpha val="30000"/>
+                    </a:schemeClr>
+                  </a:solidFill>
+                </a:ln>
+                <a:solidFill>
+                  <a:srgbClr val="272123"/>
+                </a:solidFill>
+                <a:latin typeface="Yoon 윤고딕 520_TT" pitchFamily="18" charset="-127"/>
+                <a:ea typeface="Yoon 윤고딕 520_TT" pitchFamily="18" charset="-127"/>
+              </a:rPr>
+              <a:t>슬라이드도 자연스럽게 볼 수 있는 지점이어야 한다</a:t>
+            </a:r>
+            <a:r>
+              <a:rPr lang="en-US" altLang="ko-KR" sz="1600" dirty="0">
+                <a:ln>
+                  <a:solidFill>
+                    <a:schemeClr val="tx1">
+                      <a:alpha val="30000"/>
+                    </a:schemeClr>
+                  </a:solidFill>
+                </a:ln>
+                <a:solidFill>
+                  <a:srgbClr val="272123"/>
+                </a:solidFill>
+                <a:latin typeface="Yoon 윤고딕 520_TT" pitchFamily="18" charset="-127"/>
+                <a:ea typeface="Yoon 윤고딕 520_TT" pitchFamily="18" charset="-127"/>
+              </a:rPr>
+              <a:t>.</a:t>
+            </a:r>
+          </a:p>
+          <a:p>
+            <a:pPr marL="285750" indent="-285750">
+              <a:lnSpc>
+                <a:spcPct val="200000"/>
+              </a:lnSpc>
+              <a:buFont typeface="Wingdings" pitchFamily="2" charset="2"/>
+              <a:buChar char="§"/>
+            </a:pPr>
+            <a:r>
+              <a:rPr lang="ko-KR" altLang="en-US" sz="1600" dirty="0" err="1">
+                <a:ln>
+                  <a:solidFill>
+                    <a:schemeClr val="tx1">
+                      <a:alpha val="30000"/>
+                    </a:schemeClr>
+                  </a:solidFill>
+                </a:ln>
+                <a:solidFill>
+                  <a:srgbClr val="272123"/>
+                </a:solidFill>
+                <a:latin typeface="Yoon 윤고딕 520_TT" pitchFamily="18" charset="-127"/>
+                <a:ea typeface="Yoon 윤고딕 520_TT" pitchFamily="18" charset="-127"/>
+              </a:rPr>
+              <a:t>양발을</a:t>
+            </a:r>
+            <a:r>
+              <a:rPr lang="ko-KR" altLang="en-US" sz="1600" dirty="0">
+                <a:ln>
+                  <a:solidFill>
+                    <a:schemeClr val="tx1">
+                      <a:alpha val="30000"/>
+                    </a:schemeClr>
+                  </a:solidFill>
+                </a:ln>
+                <a:solidFill>
+                  <a:srgbClr val="272123"/>
+                </a:solidFill>
+                <a:latin typeface="Yoon 윤고딕 520_TT" pitchFamily="18" charset="-127"/>
+                <a:ea typeface="Yoon 윤고딕 520_TT" pitchFamily="18" charset="-127"/>
+              </a:rPr>
+              <a:t> 땅바닥에 안정감 있게 붙인다</a:t>
+            </a:r>
+            <a:r>
+              <a:rPr lang="en-US" altLang="ko-KR" sz="1600" dirty="0">
+                <a:ln>
+                  <a:solidFill>
+                    <a:schemeClr val="tx1">
+                      <a:alpha val="30000"/>
+                    </a:schemeClr>
+                  </a:solidFill>
+                </a:ln>
+                <a:solidFill>
+                  <a:srgbClr val="272123"/>
+                </a:solidFill>
+                <a:latin typeface="Yoon 윤고딕 520_TT" pitchFamily="18" charset="-127"/>
+                <a:ea typeface="Yoon 윤고딕 520_TT" pitchFamily="18" charset="-127"/>
+              </a:rPr>
+              <a:t>.</a:t>
+            </a:r>
+          </a:p>
+          <a:p>
+            <a:pPr marL="285750" indent="-285750">
+              <a:lnSpc>
+                <a:spcPct val="200000"/>
+              </a:lnSpc>
+              <a:buFont typeface="Wingdings" pitchFamily="2" charset="2"/>
+              <a:buChar char="§"/>
+            </a:pPr>
+            <a:r>
+              <a:rPr lang="ko-KR" altLang="en-US" sz="1600" dirty="0">
+                <a:ln>
+                  <a:solidFill>
+                    <a:schemeClr val="tx1">
+                      <a:alpha val="30000"/>
+                    </a:schemeClr>
+                  </a:solidFill>
+                </a:ln>
+                <a:solidFill>
+                  <a:srgbClr val="272123"/>
+                </a:solidFill>
+                <a:latin typeface="Yoon 윤고딕 520_TT" pitchFamily="18" charset="-127"/>
+                <a:ea typeface="Yoon 윤고딕 520_TT" pitchFamily="18" charset="-127"/>
+              </a:rPr>
+              <a:t>무의식적으로 </a:t>
+            </a:r>
+            <a:r>
+              <a:rPr lang="ko-KR" altLang="en-US" sz="1600" dirty="0" err="1">
+                <a:ln>
+                  <a:solidFill>
+                    <a:schemeClr val="tx1">
+                      <a:alpha val="30000"/>
+                    </a:schemeClr>
+                  </a:solidFill>
+                </a:ln>
+                <a:solidFill>
+                  <a:srgbClr val="272123"/>
+                </a:solidFill>
+                <a:latin typeface="Yoon 윤고딕 520_TT" pitchFamily="18" charset="-127"/>
+                <a:ea typeface="Yoon 윤고딕 520_TT" pitchFamily="18" charset="-127"/>
+              </a:rPr>
+              <a:t>짝다리로</a:t>
+            </a:r>
+            <a:r>
+              <a:rPr lang="ko-KR" altLang="en-US" sz="1600" dirty="0">
+                <a:ln>
+                  <a:solidFill>
+                    <a:schemeClr val="tx1">
+                      <a:alpha val="30000"/>
+                    </a:schemeClr>
+                  </a:solidFill>
+                </a:ln>
+                <a:solidFill>
+                  <a:srgbClr val="272123"/>
+                </a:solidFill>
+                <a:latin typeface="Yoon 윤고딕 520_TT" pitchFamily="18" charset="-127"/>
+                <a:ea typeface="Yoon 윤고딕 520_TT" pitchFamily="18" charset="-127"/>
+              </a:rPr>
+              <a:t> 서지 않도록 한다</a:t>
+            </a:r>
+            <a:r>
+              <a:rPr lang="en-US" altLang="ko-KR" sz="1600" dirty="0">
+                <a:ln>
+                  <a:solidFill>
+                    <a:schemeClr val="tx1">
+                      <a:alpha val="30000"/>
+                    </a:schemeClr>
+                  </a:solidFill>
+                </a:ln>
+                <a:solidFill>
+                  <a:srgbClr val="272123"/>
+                </a:solidFill>
+                <a:latin typeface="Yoon 윤고딕 520_TT" pitchFamily="18" charset="-127"/>
+                <a:ea typeface="Yoon 윤고딕 520_TT" pitchFamily="18" charset="-127"/>
+              </a:rPr>
+              <a:t>.</a:t>
+            </a:r>
+          </a:p>
+          <a:p>
+            <a:pPr marL="285750" indent="-285750">
+              <a:lnSpc>
+                <a:spcPct val="200000"/>
+              </a:lnSpc>
+              <a:buFont typeface="Wingdings" pitchFamily="2" charset="2"/>
+              <a:buChar char="§"/>
+            </a:pPr>
+            <a:r>
+              <a:rPr lang="ko-KR" altLang="en-US" sz="1600" dirty="0">
+                <a:ln>
+                  <a:solidFill>
+                    <a:schemeClr val="tx1">
+                      <a:alpha val="30000"/>
+                    </a:schemeClr>
+                  </a:solidFill>
+                </a:ln>
+                <a:solidFill>
+                  <a:srgbClr val="272123"/>
+                </a:solidFill>
+                <a:latin typeface="Yoon 윤고딕 520_TT" pitchFamily="18" charset="-127"/>
+                <a:ea typeface="Yoon 윤고딕 520_TT" pitchFamily="18" charset="-127"/>
+              </a:rPr>
+              <a:t>불필요하게 발을 움직이며 서성거리지 않는다</a:t>
+            </a:r>
+            <a:r>
+              <a:rPr lang="en-US" altLang="ko-KR" sz="1600" dirty="0">
+                <a:ln>
+                  <a:solidFill>
+                    <a:schemeClr val="tx1">
+                      <a:alpha val="30000"/>
+                    </a:schemeClr>
+                  </a:solidFill>
+                </a:ln>
+                <a:solidFill>
+                  <a:srgbClr val="272123"/>
+                </a:solidFill>
+                <a:latin typeface="Yoon 윤고딕 520_TT" pitchFamily="18" charset="-127"/>
+                <a:ea typeface="Yoon 윤고딕 520_TT" pitchFamily="18" charset="-127"/>
+              </a:rPr>
+              <a:t>.</a:t>
+            </a:r>
+          </a:p>
+          <a:p>
+            <a:pPr marL="285750" indent="-285750">
+              <a:lnSpc>
+                <a:spcPct val="200000"/>
+              </a:lnSpc>
+              <a:buFont typeface="Wingdings" pitchFamily="2" charset="2"/>
+              <a:buChar char="§"/>
+            </a:pPr>
+            <a:r>
+              <a:rPr lang="ko-KR" altLang="en-US" sz="1600" dirty="0">
+                <a:ln>
+                  <a:solidFill>
+                    <a:schemeClr val="tx1">
+                      <a:alpha val="30000"/>
+                    </a:schemeClr>
+                  </a:solidFill>
+                </a:ln>
+                <a:solidFill>
+                  <a:srgbClr val="272123"/>
+                </a:solidFill>
+                <a:latin typeface="Yoon 윤고딕 520_TT" pitchFamily="18" charset="-127"/>
+                <a:ea typeface="Yoon 윤고딕 520_TT" pitchFamily="18" charset="-127"/>
+              </a:rPr>
+              <a:t>계속 두 손을 붙잡고 발표하거나</a:t>
+            </a:r>
+            <a:r>
+              <a:rPr lang="en-US" altLang="ko-KR" sz="1600" dirty="0">
+                <a:ln>
+                  <a:solidFill>
+                    <a:schemeClr val="tx1">
+                      <a:alpha val="30000"/>
+                    </a:schemeClr>
+                  </a:solidFill>
+                </a:ln>
+                <a:solidFill>
+                  <a:srgbClr val="272123"/>
+                </a:solidFill>
+                <a:latin typeface="Yoon 윤고딕 520_TT" pitchFamily="18" charset="-127"/>
+                <a:ea typeface="Yoon 윤고딕 520_TT" pitchFamily="18" charset="-127"/>
+              </a:rPr>
+              <a:t>, </a:t>
+            </a:r>
+            <a:r>
+              <a:rPr lang="ko-KR" altLang="en-US" sz="1600" dirty="0">
+                <a:ln>
+                  <a:solidFill>
+                    <a:schemeClr val="tx1">
+                      <a:alpha val="30000"/>
+                    </a:schemeClr>
+                  </a:solidFill>
+                </a:ln>
+                <a:solidFill>
+                  <a:srgbClr val="272123"/>
+                </a:solidFill>
+                <a:latin typeface="Yoon 윤고딕 520_TT" pitchFamily="18" charset="-127"/>
+                <a:ea typeface="Yoon 윤고딕 520_TT" pitchFamily="18" charset="-127"/>
+              </a:rPr>
+              <a:t>뒷짐</a:t>
+            </a:r>
+            <a:r>
+              <a:rPr lang="en-US" altLang="ko-KR" sz="1600" dirty="0">
+                <a:ln>
+                  <a:solidFill>
+                    <a:schemeClr val="tx1">
+                      <a:alpha val="30000"/>
+                    </a:schemeClr>
+                  </a:solidFill>
+                </a:ln>
+                <a:solidFill>
+                  <a:srgbClr val="272123"/>
+                </a:solidFill>
+                <a:latin typeface="Yoon 윤고딕 520_TT" pitchFamily="18" charset="-127"/>
+                <a:ea typeface="Yoon 윤고딕 520_TT" pitchFamily="18" charset="-127"/>
+              </a:rPr>
+              <a:t>, </a:t>
+            </a:r>
+            <a:r>
+              <a:rPr lang="ko-KR" altLang="en-US" sz="1600" dirty="0">
+                <a:ln>
+                  <a:solidFill>
+                    <a:schemeClr val="tx1">
+                      <a:alpha val="30000"/>
+                    </a:schemeClr>
+                  </a:solidFill>
+                </a:ln>
+                <a:solidFill>
+                  <a:srgbClr val="272123"/>
+                </a:solidFill>
+                <a:latin typeface="Yoon 윤고딕 520_TT" pitchFamily="18" charset="-127"/>
+                <a:ea typeface="Yoon 윤고딕 520_TT" pitchFamily="18" charset="-127"/>
+              </a:rPr>
+              <a:t>팔짱 등의 자세는 피한다</a:t>
+            </a:r>
+            <a:r>
+              <a:rPr lang="en-US" altLang="ko-KR" sz="1600" dirty="0">
+                <a:ln>
+                  <a:solidFill>
+                    <a:schemeClr val="tx1">
+                      <a:alpha val="30000"/>
+                    </a:schemeClr>
+                  </a:solidFill>
+                </a:ln>
+                <a:solidFill>
+                  <a:srgbClr val="272123"/>
+                </a:solidFill>
+                <a:latin typeface="Yoon 윤고딕 520_TT" pitchFamily="18" charset="-127"/>
+                <a:ea typeface="Yoon 윤고딕 520_TT" pitchFamily="18" charset="-127"/>
+              </a:rPr>
+              <a:t>.</a:t>
+            </a:r>
+          </a:p>
+        </p:txBody>
+      </p:sp>
+    </p:spTree>
+    <p:extLst>
+      <p:ext uri="{BB962C8B-B14F-4D97-AF65-F5344CB8AC3E}">
+        <p14:creationId xmlns:p14="http://schemas.microsoft.com/office/powerpoint/2010/main" val="1579103176"/>
+      </p:ext>
+    </p:extLst>
+  </p:cSld>
+  <p:clrMapOvr>
+    <a:masterClrMapping/>
+  </p:clrMapOvr>
+  <mc:AlternateContent xmlns:mc="http://schemas.openxmlformats.org/markup-compatibility/2006" xmlns:p14="http://schemas.microsoft.com/office/powerpoint/2010/main">
+    <mc:Choice Requires="p14">
+      <p:transition spd="med" p14:dur="700">
+        <p:fade/>
+      </p:transition>
+    </mc:Choice>
+    <mc:Fallback xmlns="">
+      <p:transition spd="med">
+        <p:fade/>
+      </p:transition>
+    </mc:Fallback>
+  </mc:AlternateContent>
+</p:sld>
+</file>
+
+<file path=ppt/slides/slide22.xml><?xml version="1.0" encoding="utf-8"?>
+<p:sld xmlns:a="http://schemas.openxmlformats.org/drawingml/2006/main" xmlns:r="http://schemas.openxmlformats.org/officeDocument/2006/relationships" xmlns:p="http://schemas.openxmlformats.org/presentationml/2006/main">
+  <p:cSld>
+    <p:spTree>
+      <p:nvGrpSpPr>
+        <p:cNvPr id="1" name=""/>
+        <p:cNvGrpSpPr/>
+        <p:nvPr/>
+      </p:nvGrpSpPr>
+      <p:grpSpPr>
+        <a:xfrm>
+          <a:off x="0" y="0"/>
+          <a:ext cx="0" cy="0"/>
+          <a:chOff x="0" y="0"/>
+          <a:chExt cx="0" cy="0"/>
+        </a:xfrm>
+      </p:grpSpPr>
+      <p:sp>
+        <p:nvSpPr>
           <p:cNvPr id="32" name="직사각형 31"/>
           <p:cNvSpPr/>
           <p:nvPr/>
@@ -16649,7 +16932,7 @@
 </p:sld>
 </file>
 
-<file path=ppt/slides/slide22.xml><?xml version="1.0" encoding="utf-8"?>
+<file path=ppt/slides/slide23.xml><?xml version="1.0" encoding="utf-8"?>
 <p:sld xmlns:a="http://schemas.openxmlformats.org/drawingml/2006/main" xmlns:r="http://schemas.openxmlformats.org/officeDocument/2006/relationships" xmlns:p="http://schemas.openxmlformats.org/presentationml/2006/main">
   <p:cSld>
     <p:bg>
@@ -19991,7 +20274,7 @@
                 <a:latin typeface="a나무M" panose="02020600000000000000" pitchFamily="18" charset="-127"/>
                 <a:ea typeface="a나무M" panose="02020600000000000000" pitchFamily="18" charset="-127"/>
               </a:rPr>
-              <a:t>School</a:t>
+              <a:t>Student</a:t>
             </a:r>
           </a:p>
         </p:txBody>
@@ -20037,7 +20320,41 @@
                 <a:latin typeface="a나무M" panose="02020600000000000000" pitchFamily="18" charset="-127"/>
                 <a:ea typeface="a나무M" panose="02020600000000000000" pitchFamily="18" charset="-127"/>
               </a:rPr>
-              <a:t>손 쉽게 학교홍보 가능</a:t>
+              <a:t>사이트를 통한 </a:t>
+            </a:r>
+            <a:r>
+              <a:rPr lang="ko-KR" altLang="en-US" sz="1600" dirty="0" err="1">
+                <a:ln>
+                  <a:solidFill>
+                    <a:schemeClr val="tx1">
+                      <a:alpha val="30000"/>
+                    </a:schemeClr>
+                  </a:solidFill>
+                </a:ln>
+                <a:solidFill>
+                  <a:srgbClr val="272123"/>
+                </a:solidFill>
+                <a:latin typeface="a나무M" panose="02020600000000000000" pitchFamily="18" charset="-127"/>
+                <a:ea typeface="a나무M" panose="02020600000000000000" pitchFamily="18" charset="-127"/>
+              </a:rPr>
+              <a:t>레주메</a:t>
+            </a:r>
+            <a:r>
+              <a:rPr lang="ko-KR" altLang="en-US" sz="1600" dirty="0">
+                <a:ln>
+                  <a:solidFill>
+                    <a:schemeClr val="tx1">
+                      <a:alpha val="30000"/>
+                    </a:schemeClr>
+                  </a:solidFill>
+                </a:ln>
+                <a:solidFill>
+                  <a:srgbClr val="272123"/>
+                </a:solidFill>
+                <a:latin typeface="a나무M" panose="02020600000000000000" pitchFamily="18" charset="-127"/>
+                <a:ea typeface="a나무M" panose="02020600000000000000" pitchFamily="18" charset="-127"/>
+              </a:rPr>
+              <a:t> 작성</a:t>
             </a:r>
             <a:endParaRPr lang="en-US" altLang="ko-KR" sz="1600" dirty="0">
               <a:ln>
@@ -20279,7 +20596,7 @@
                 <a:latin typeface="a나무M" panose="02020600000000000000" pitchFamily="18" charset="-127"/>
                 <a:ea typeface="a나무M" panose="02020600000000000000" pitchFamily="18" charset="-127"/>
               </a:rPr>
-              <a:t>종이절약 및 시간 단축</a:t>
+              <a:t>쉽고 빠른 작성과 열람</a:t>
             </a:r>
             <a:endParaRPr lang="en-US" altLang="ko-KR" sz="1600" dirty="0">
               <a:ln>
@@ -20301,7 +20618,7 @@
     </p:spTree>
     <p:extLst>
       <p:ext uri="{BB962C8B-B14F-4D97-AF65-F5344CB8AC3E}">
-        <p14:creationId xmlns:p14="http://schemas.microsoft.com/office/powerpoint/2010/main" val="1568560135"/>
+        <p14:creationId xmlns:p14="http://schemas.microsoft.com/office/powerpoint/2010/main" val="2454186968"/>
       </p:ext>
     </p:extLst>
   </p:cSld>
@@ -20774,7 +21091,7 @@
                 <a:latin typeface="a나무M" panose="02020600000000000000" pitchFamily="18" charset="-127"/>
                 <a:ea typeface="a나무M" panose="02020600000000000000" pitchFamily="18" charset="-127"/>
               </a:rPr>
-              <a:t>Student</a:t>
+              <a:t>Company</a:t>
             </a:r>
           </a:p>
         </p:txBody>
@@ -20820,41 +21137,7 @@
                 <a:latin typeface="a나무M" panose="02020600000000000000" pitchFamily="18" charset="-127"/>
                 <a:ea typeface="a나무M" panose="02020600000000000000" pitchFamily="18" charset="-127"/>
               </a:rPr>
-              <a:t>사이트를 통한 </a:t>
-            </a:r>
-            <a:r>
-              <a:rPr lang="ko-KR" altLang="en-US" sz="1600" dirty="0" err="1">
-                <a:ln>
-                  <a:solidFill>
-                    <a:schemeClr val="tx1">
-                      <a:alpha val="30000"/>
-                    </a:schemeClr>
-                  </a:solidFill>
-                </a:ln>
-                <a:solidFill>
-                  <a:srgbClr val="272123"/>
-                </a:solidFill>
-                <a:latin typeface="a나무M" panose="02020600000000000000" pitchFamily="18" charset="-127"/>
-                <a:ea typeface="a나무M" panose="02020600000000000000" pitchFamily="18" charset="-127"/>
-              </a:rPr>
-              <a:t>레주메</a:t>
-            </a:r>
-            <a:r>
-              <a:rPr lang="ko-KR" altLang="en-US" sz="1600" dirty="0">
-                <a:ln>
-                  <a:solidFill>
-                    <a:schemeClr val="tx1">
-                      <a:alpha val="30000"/>
-                    </a:schemeClr>
-                  </a:solidFill>
-                </a:ln>
-                <a:solidFill>
-                  <a:srgbClr val="272123"/>
-                </a:solidFill>
-                <a:latin typeface="a나무M" panose="02020600000000000000" pitchFamily="18" charset="-127"/>
-                <a:ea typeface="a나무M" panose="02020600000000000000" pitchFamily="18" charset="-127"/>
-              </a:rPr>
-              <a:t> 작성</a:t>
+              <a:t>손 쉽게 인재를 검색</a:t>
             </a:r>
             <a:endParaRPr lang="en-US" altLang="ko-KR" sz="1600" dirty="0">
               <a:ln>
@@ -21096,7 +21379,41 @@
                 <a:latin typeface="a나무M" panose="02020600000000000000" pitchFamily="18" charset="-127"/>
                 <a:ea typeface="a나무M" panose="02020600000000000000" pitchFamily="18" charset="-127"/>
               </a:rPr>
-              <a:t>쉽고 빠른 작성과 열람</a:t>
+              <a:t>손 쉬운 학생들 </a:t>
+            </a:r>
+            <a:r>
+              <a:rPr lang="ko-KR" altLang="en-US" sz="1600" dirty="0" err="1">
+                <a:ln>
+                  <a:solidFill>
+                    <a:schemeClr val="tx1">
+                      <a:alpha val="30000"/>
+                    </a:schemeClr>
+                  </a:solidFill>
+                </a:ln>
+                <a:solidFill>
+                  <a:srgbClr val="272123"/>
+                </a:solidFill>
+                <a:latin typeface="a나무M" panose="02020600000000000000" pitchFamily="18" charset="-127"/>
+                <a:ea typeface="a나무M" panose="02020600000000000000" pitchFamily="18" charset="-127"/>
+              </a:rPr>
+              <a:t>레주메</a:t>
+            </a:r>
+            <a:r>
+              <a:rPr lang="ko-KR" altLang="en-US" sz="1600" dirty="0">
+                <a:ln>
+                  <a:solidFill>
+                    <a:schemeClr val="tx1">
+                      <a:alpha val="30000"/>
+                    </a:schemeClr>
+                  </a:solidFill>
+                </a:ln>
+                <a:solidFill>
+                  <a:srgbClr val="272123"/>
+                </a:solidFill>
+                <a:latin typeface="a나무M" panose="02020600000000000000" pitchFamily="18" charset="-127"/>
+                <a:ea typeface="a나무M" panose="02020600000000000000" pitchFamily="18" charset="-127"/>
+              </a:rPr>
+              <a:t> 출력</a:t>
             </a:r>
             <a:endParaRPr lang="en-US" altLang="ko-KR" sz="1600" dirty="0">
               <a:ln>
@@ -21118,7 +21435,7 @@
     </p:spTree>
     <p:extLst>
       <p:ext uri="{BB962C8B-B14F-4D97-AF65-F5344CB8AC3E}">
-        <p14:creationId xmlns:p14="http://schemas.microsoft.com/office/powerpoint/2010/main" val="2454186968"/>
+        <p14:creationId xmlns:p14="http://schemas.microsoft.com/office/powerpoint/2010/main" val="2434727527"/>
       </p:ext>
     </p:extLst>
   </p:cSld>
@@ -21591,7 +21908,7 @@
                 <a:latin typeface="a나무M" panose="02020600000000000000" pitchFamily="18" charset="-127"/>
                 <a:ea typeface="a나무M" panose="02020600000000000000" pitchFamily="18" charset="-127"/>
               </a:rPr>
-              <a:t>Company</a:t>
+              <a:t>School</a:t>
             </a:r>
           </a:p>
         </p:txBody>
@@ -21637,7 +21954,7 @@
                 <a:latin typeface="a나무M" panose="02020600000000000000" pitchFamily="18" charset="-127"/>
                 <a:ea typeface="a나무M" panose="02020600000000000000" pitchFamily="18" charset="-127"/>
               </a:rPr>
-              <a:t>손 쉽게 인재를 검색</a:t>
+              <a:t>손 쉽게 학교홍보 가능</a:t>
             </a:r>
             <a:endParaRPr lang="en-US" altLang="ko-KR" sz="1600" dirty="0">
               <a:ln>
@@ -21879,41 +22196,7 @@
                 <a:latin typeface="a나무M" panose="02020600000000000000" pitchFamily="18" charset="-127"/>
                 <a:ea typeface="a나무M" panose="02020600000000000000" pitchFamily="18" charset="-127"/>
               </a:rPr>
-              <a:t>손 쉬운 학생들 </a:t>
-            </a:r>
-            <a:r>
-              <a:rPr lang="ko-KR" altLang="en-US" sz="1600" dirty="0" err="1">
-                <a:ln>
-                  <a:solidFill>
-                    <a:schemeClr val="tx1">
-                      <a:alpha val="30000"/>
-                    </a:schemeClr>
-                  </a:solidFill>
-                </a:ln>
-                <a:solidFill>
-                  <a:srgbClr val="272123"/>
-                </a:solidFill>
-                <a:latin typeface="a나무M" panose="02020600000000000000" pitchFamily="18" charset="-127"/>
-                <a:ea typeface="a나무M" panose="02020600000000000000" pitchFamily="18" charset="-127"/>
-              </a:rPr>
-              <a:t>레주메</a:t>
-            </a:r>
-            <a:r>
-              <a:rPr lang="ko-KR" altLang="en-US" sz="1600" dirty="0">
-                <a:ln>
-                  <a:solidFill>
-                    <a:schemeClr val="tx1">
-                      <a:alpha val="30000"/>
-                    </a:schemeClr>
-                  </a:solidFill>
-                </a:ln>
-                <a:solidFill>
-                  <a:srgbClr val="272123"/>
-                </a:solidFill>
-                <a:latin typeface="a나무M" panose="02020600000000000000" pitchFamily="18" charset="-127"/>
-                <a:ea typeface="a나무M" panose="02020600000000000000" pitchFamily="18" charset="-127"/>
-              </a:rPr>
-              <a:t> 출력</a:t>
+              <a:t>종이절약 및 시간 단축</a:t>
             </a:r>
             <a:endParaRPr lang="en-US" altLang="ko-KR" sz="1600" dirty="0">
               <a:ln>
@@ -21935,7 +22218,7 @@
     </p:spTree>
     <p:extLst>
       <p:ext uri="{BB962C8B-B14F-4D97-AF65-F5344CB8AC3E}">
-        <p14:creationId xmlns:p14="http://schemas.microsoft.com/office/powerpoint/2010/main" val="2434727527"/>
+        <p14:creationId xmlns:p14="http://schemas.microsoft.com/office/powerpoint/2010/main" val="1568560135"/>
       </p:ext>
     </p:extLst>
   </p:cSld>

--- a/Presentation/PPT템플릿_강의안.pptx
+++ b/Presentation/PPT템플릿_강의안.pptx
@@ -5,7 +5,7 @@
     <p:sldMasterId id="2147483648" r:id="rId1"/>
   </p:sldMasterIdLst>
   <p:notesMasterIdLst>
-    <p:notesMasterId r:id="rId25"/>
+    <p:notesMasterId r:id="rId24"/>
   </p:notesMasterIdLst>
   <p:sldIdLst>
     <p:sldId id="304" r:id="rId2"/>
@@ -21,36 +21,35 @@
     <p:sldId id="281" r:id="rId12"/>
     <p:sldId id="292" r:id="rId13"/>
     <p:sldId id="310" r:id="rId14"/>
-    <p:sldId id="297" r:id="rId15"/>
-    <p:sldId id="294" r:id="rId16"/>
-    <p:sldId id="295" r:id="rId17"/>
-    <p:sldId id="309" r:id="rId18"/>
-    <p:sldId id="282" r:id="rId19"/>
-    <p:sldId id="299" r:id="rId20"/>
-    <p:sldId id="303" r:id="rId21"/>
-    <p:sldId id="300" r:id="rId22"/>
-    <p:sldId id="301" r:id="rId23"/>
-    <p:sldId id="302" r:id="rId24"/>
+    <p:sldId id="294" r:id="rId15"/>
+    <p:sldId id="295" r:id="rId16"/>
+    <p:sldId id="309" r:id="rId17"/>
+    <p:sldId id="282" r:id="rId18"/>
+    <p:sldId id="299" r:id="rId19"/>
+    <p:sldId id="303" r:id="rId20"/>
+    <p:sldId id="300" r:id="rId21"/>
+    <p:sldId id="301" r:id="rId22"/>
+    <p:sldId id="302" r:id="rId23"/>
   </p:sldIdLst>
   <p:sldSz cx="9144000" cy="6858000" type="screen4x3"/>
   <p:notesSz cx="6858000" cy="9144000"/>
   <p:embeddedFontLst>
     <p:embeddedFont>
-      <p:font typeface="a나무M" panose="02020600000000000000" pitchFamily="18" charset="-127"/>
-      <p:regular r:id="rId26"/>
+      <p:font typeface="맑은 고딕" panose="020B0503020000020004" pitchFamily="50" charset="-127"/>
+      <p:regular r:id="rId25"/>
+      <p:bold r:id="rId26"/>
     </p:embeddedFont>
     <p:embeddedFont>
       <p:font typeface="Arial Rounded MT Bold" panose="020F0704030504030204" pitchFamily="34" charset="0"/>
       <p:regular r:id="rId27"/>
     </p:embeddedFont>
     <p:embeddedFont>
-      <p:font typeface="맑은 고딕" panose="020B0503020000020004" pitchFamily="50" charset="-127"/>
+      <p:font typeface="Yoon 윤고딕 520_TT" panose="020B0600000101010101" charset="-127"/>
       <p:regular r:id="rId28"/>
-      <p:bold r:id="rId29"/>
     </p:embeddedFont>
     <p:embeddedFont>
-      <p:font typeface="Yoon 윤고딕 520_TT" panose="020B0600000101010101" charset="-127"/>
-      <p:regular r:id="rId30"/>
+      <p:font typeface="a나무M" panose="02020600000000000000" pitchFamily="18" charset="-127"/>
+      <p:regular r:id="rId29"/>
     </p:embeddedFont>
   </p:embeddedFontLst>
   <p:defaultTextStyle>
@@ -172,7 +171,7 @@
 </file>
 
 <file path=ppt/charts/chart1.xml><?xml version="1.0" encoding="utf-8"?>
-<c:chartSpace xmlns:c="http://schemas.openxmlformats.org/drawingml/2006/chart" xmlns:a="http://schemas.openxmlformats.org/drawingml/2006/main" xmlns:r="http://schemas.openxmlformats.org/officeDocument/2006/relationships" xmlns:c16r2="http://schemas.microsoft.com/office/drawing/2015/06/chart">
+<c:chartSpace xmlns:c="http://schemas.openxmlformats.org/drawingml/2006/chart" xmlns:a="http://schemas.openxmlformats.org/drawingml/2006/main" xmlns:r="http://schemas.openxmlformats.org/officeDocument/2006/relationships">
   <c:date1904 val="0"/>
   <c:lang val="ko-KR"/>
   <c:roundedCorners val="0"/>
@@ -218,7 +217,7 @@
                 <a:noFill/>
               </a:ln>
             </c:spPr>
-            <c:extLst>
+            <c:extLst xmlns:c16r2="http://schemas.microsoft.com/office/drawing/2015/06/chart">
               <c:ext xmlns:c16="http://schemas.microsoft.com/office/drawing/2014/chart" uri="{C3380CC4-5D6E-409C-BE32-E72D297353CC}">
                 <c16:uniqueId val="{00000001-4DE4-4036-B042-9296A0AA57F9}"/>
               </c:ext>
@@ -232,7 +231,7 @@
                 <a:srgbClr val="FDA800"/>
               </a:solidFill>
             </c:spPr>
-            <c:extLst>
+            <c:extLst xmlns:c16r2="http://schemas.microsoft.com/office/drawing/2015/06/chart">
               <c:ext xmlns:c16="http://schemas.microsoft.com/office/drawing/2014/chart" uri="{C3380CC4-5D6E-409C-BE32-E72D297353CC}">
                 <c16:uniqueId val="{00000003-4DE4-4036-B042-9296A0AA57F9}"/>
               </c:ext>
@@ -246,7 +245,7 @@
                 <a:srgbClr val="7AB53D"/>
               </a:solidFill>
             </c:spPr>
-            <c:extLst>
+            <c:extLst xmlns:c16r2="http://schemas.microsoft.com/office/drawing/2015/06/chart">
               <c:ext xmlns:c16="http://schemas.microsoft.com/office/drawing/2014/chart" uri="{C3380CC4-5D6E-409C-BE32-E72D297353CC}">
                 <c16:uniqueId val="{00000005-4DE4-4036-B042-9296A0AA57F9}"/>
               </c:ext>
@@ -287,7 +286,7 @@
               </c:numCache>
             </c:numRef>
           </c:val>
-          <c:extLst>
+          <c:extLst xmlns:c16r2="http://schemas.microsoft.com/office/drawing/2015/06/chart">
             <c:ext xmlns:c16="http://schemas.microsoft.com/office/drawing/2014/chart" uri="{C3380CC4-5D6E-409C-BE32-E72D297353CC}">
               <c16:uniqueId val="{00000006-4DE4-4036-B042-9296A0AA57F9}"/>
             </c:ext>
@@ -407,7 +406,7 @@
           <a:p>
             <a:fld id="{6AE3A58A-1DA7-4E1E-BA57-A7C2BAF24869}" type="datetimeFigureOut">
               <a:rPr lang="ko-KR" altLang="en-US" smtClean="0"/>
-              <a:t>2017-10-30</a:t>
+              <a:t>2017-11-04</a:t>
             </a:fld>
             <a:endParaRPr lang="ko-KR" altLang="en-US"/>
           </a:p>
@@ -719,12 +718,45 @@
           <a:lstStyle/>
           <a:p>
             <a:r>
-              <a:rPr lang="ko-KR" altLang="en-US" dirty="0"/>
-              <a:t>동기</a:t>
-            </a:r>
-            <a:endParaRPr lang="en-US" altLang="ko-KR" dirty="0"/>
-          </a:p>
-          <a:p>
+              <a:rPr lang="ko-KR" altLang="en-US" dirty="0" smtClean="0"/>
+              <a:t>안녕하세요 </a:t>
+            </a:r>
+            <a:r>
+              <a:rPr lang="en-US" altLang="ko-KR" dirty="0" smtClean="0"/>
+              <a:t>2uzubook</a:t>
+            </a:r>
+            <a:r>
+              <a:rPr lang="ko-KR" altLang="en-US" dirty="0" smtClean="0"/>
+              <a:t>의 프로젝트 발표를 </a:t>
+            </a:r>
+            <a:r>
+              <a:rPr lang="ko-KR" altLang="en-US" dirty="0" err="1" smtClean="0"/>
+              <a:t>맡게된</a:t>
+            </a:r>
+            <a:r>
+              <a:rPr lang="ko-KR" altLang="en-US" dirty="0" smtClean="0"/>
+              <a:t> </a:t>
+            </a:r>
+            <a:r>
+              <a:rPr lang="en-US" altLang="ko-KR" dirty="0" smtClean="0"/>
+              <a:t>2</a:t>
+            </a:r>
+            <a:r>
+              <a:rPr lang="ko-KR" altLang="en-US" dirty="0" smtClean="0"/>
+              <a:t>학년 </a:t>
+            </a:r>
+            <a:r>
+              <a:rPr lang="en-US" altLang="ko-KR" dirty="0" smtClean="0"/>
+              <a:t>1</a:t>
+            </a:r>
+            <a:r>
+              <a:rPr lang="ko-KR" altLang="en-US" dirty="0" smtClean="0"/>
+              <a:t>반 배용호 입니다</a:t>
+            </a:r>
+            <a:r>
+              <a:rPr lang="en-US" altLang="ko-KR" dirty="0" smtClean="0"/>
+              <a:t>.</a:t>
+            </a:r>
             <a:endParaRPr lang="ko-KR" altLang="en-US" dirty="0"/>
           </a:p>
         </p:txBody>
@@ -746,7 +778,7 @@
           <a:p>
             <a:fld id="{7836B500-0E9A-4C3D-AD01-F9646790B2D2}" type="slidenum">
               <a:rPr lang="ko-KR" altLang="en-US" smtClean="0"/>
-              <a:t>5</a:t>
+              <a:t>1</a:t>
             </a:fld>
             <a:endParaRPr lang="ko-KR" altLang="en-US"/>
           </a:p>
@@ -755,7 +787,366 @@
     </p:spTree>
     <p:extLst>
       <p:ext uri="{BB962C8B-B14F-4D97-AF65-F5344CB8AC3E}">
-        <p14:creationId xmlns:p14="http://schemas.microsoft.com/office/powerpoint/2010/main" val="336221792"/>
+        <p14:creationId xmlns:p14="http://schemas.microsoft.com/office/powerpoint/2010/main" val="2006298497"/>
+      </p:ext>
+    </p:extLst>
+  </p:cSld>
+  <p:clrMapOvr>
+    <a:masterClrMapping/>
+  </p:clrMapOvr>
+</p:notes>
+</file>
+
+<file path=ppt/notesSlides/notesSlide10.xml><?xml version="1.0" encoding="utf-8"?>
+<p:notes xmlns:a="http://schemas.openxmlformats.org/drawingml/2006/main" xmlns:r="http://schemas.openxmlformats.org/officeDocument/2006/relationships" xmlns:p="http://schemas.openxmlformats.org/presentationml/2006/main">
+  <p:cSld>
+    <p:spTree>
+      <p:nvGrpSpPr>
+        <p:cNvPr id="1" name=""/>
+        <p:cNvGrpSpPr/>
+        <p:nvPr/>
+      </p:nvGrpSpPr>
+      <p:grpSpPr>
+        <a:xfrm>
+          <a:off x="0" y="0"/>
+          <a:ext cx="0" cy="0"/>
+          <a:chOff x="0" y="0"/>
+          <a:chExt cx="0" cy="0"/>
+        </a:xfrm>
+      </p:grpSpPr>
+      <p:sp>
+        <p:nvSpPr>
+          <p:cNvPr id="2" name="슬라이드 이미지 개체 틀 1"/>
+          <p:cNvSpPr>
+            <a:spLocks noGrp="1" noRot="1" noChangeAspect="1"/>
+          </p:cNvSpPr>
+          <p:nvPr>
+            <p:ph type="sldImg"/>
+          </p:nvPr>
+        </p:nvSpPr>
+        <p:spPr/>
+      </p:sp>
+      <p:sp>
+        <p:nvSpPr>
+          <p:cNvPr id="3" name="슬라이드 노트 개체 틀 2"/>
+          <p:cNvSpPr>
+            <a:spLocks noGrp="1"/>
+          </p:cNvSpPr>
+          <p:nvPr>
+            <p:ph type="body" idx="1"/>
+          </p:nvPr>
+        </p:nvSpPr>
+        <p:spPr/>
+        <p:txBody>
+          <a:bodyPr/>
+          <a:lstStyle/>
+          <a:p>
+            <a:r>
+              <a:rPr lang="ko-KR" altLang="en-US" dirty="0" smtClean="0"/>
+              <a:t>저희는 이 프로젝트의 태생 자체가 자바프로젝트였으므로 </a:t>
+            </a:r>
+            <a:r>
+              <a:rPr lang="ko-KR" altLang="en-US" dirty="0" err="1" smtClean="0"/>
+              <a:t>서버단</a:t>
+            </a:r>
+            <a:r>
+              <a:rPr lang="ko-KR" altLang="en-US" dirty="0" smtClean="0"/>
+              <a:t> 개발을 </a:t>
+            </a:r>
+            <a:r>
+              <a:rPr lang="en-US" altLang="ko-KR" dirty="0" err="1" smtClean="0"/>
+              <a:t>jsp</a:t>
+            </a:r>
+            <a:r>
+              <a:rPr lang="en-US" altLang="ko-KR" dirty="0" smtClean="0"/>
+              <a:t>/servlet</a:t>
+            </a:r>
+            <a:r>
+              <a:rPr lang="ko-KR" altLang="en-US" dirty="0" smtClean="0"/>
+              <a:t>을 이용하여 개발하기로 하였습니다</a:t>
+            </a:r>
+            <a:r>
+              <a:rPr lang="en-US" altLang="ko-KR" dirty="0" smtClean="0"/>
+              <a:t>.</a:t>
+            </a:r>
+            <a:endParaRPr lang="ko-KR" altLang="en-US" dirty="0"/>
+          </a:p>
+        </p:txBody>
+      </p:sp>
+      <p:sp>
+        <p:nvSpPr>
+          <p:cNvPr id="4" name="슬라이드 번호 개체 틀 3"/>
+          <p:cNvSpPr>
+            <a:spLocks noGrp="1"/>
+          </p:cNvSpPr>
+          <p:nvPr>
+            <p:ph type="sldNum" sz="quarter" idx="10"/>
+          </p:nvPr>
+        </p:nvSpPr>
+        <p:spPr/>
+        <p:txBody>
+          <a:bodyPr/>
+          <a:lstStyle/>
+          <a:p>
+            <a:fld id="{7836B500-0E9A-4C3D-AD01-F9646790B2D2}" type="slidenum">
+              <a:rPr lang="ko-KR" altLang="en-US" smtClean="0"/>
+              <a:t>12</a:t>
+            </a:fld>
+            <a:endParaRPr lang="ko-KR" altLang="en-US"/>
+          </a:p>
+        </p:txBody>
+      </p:sp>
+    </p:spTree>
+    <p:extLst>
+      <p:ext uri="{BB962C8B-B14F-4D97-AF65-F5344CB8AC3E}">
+        <p14:creationId xmlns:p14="http://schemas.microsoft.com/office/powerpoint/2010/main" val="1391529938"/>
+      </p:ext>
+    </p:extLst>
+  </p:cSld>
+  <p:clrMapOvr>
+    <a:masterClrMapping/>
+  </p:clrMapOvr>
+</p:notes>
+</file>
+
+<file path=ppt/notesSlides/notesSlide11.xml><?xml version="1.0" encoding="utf-8"?>
+<p:notes xmlns:a="http://schemas.openxmlformats.org/drawingml/2006/main" xmlns:r="http://schemas.openxmlformats.org/officeDocument/2006/relationships" xmlns:p="http://schemas.openxmlformats.org/presentationml/2006/main">
+  <p:cSld>
+    <p:spTree>
+      <p:nvGrpSpPr>
+        <p:cNvPr id="1" name=""/>
+        <p:cNvGrpSpPr/>
+        <p:nvPr/>
+      </p:nvGrpSpPr>
+      <p:grpSpPr>
+        <a:xfrm>
+          <a:off x="0" y="0"/>
+          <a:ext cx="0" cy="0"/>
+          <a:chOff x="0" y="0"/>
+          <a:chExt cx="0" cy="0"/>
+        </a:xfrm>
+      </p:grpSpPr>
+      <p:sp>
+        <p:nvSpPr>
+          <p:cNvPr id="2" name="슬라이드 이미지 개체 틀 1"/>
+          <p:cNvSpPr>
+            <a:spLocks noGrp="1" noRot="1" noChangeAspect="1"/>
+          </p:cNvSpPr>
+          <p:nvPr>
+            <p:ph type="sldImg"/>
+          </p:nvPr>
+        </p:nvSpPr>
+        <p:spPr/>
+      </p:sp>
+      <p:sp>
+        <p:nvSpPr>
+          <p:cNvPr id="3" name="슬라이드 노트 개체 틀 2"/>
+          <p:cNvSpPr>
+            <a:spLocks noGrp="1"/>
+          </p:cNvSpPr>
+          <p:nvPr>
+            <p:ph type="body" idx="1"/>
+          </p:nvPr>
+        </p:nvSpPr>
+        <p:spPr/>
+        <p:txBody>
+          <a:bodyPr/>
+          <a:lstStyle/>
+          <a:p>
+            <a:r>
+              <a:rPr lang="ko-KR" altLang="en-US" dirty="0" smtClean="0"/>
+              <a:t>저희가 사용한 개발도구 및 언어로는 </a:t>
+            </a:r>
+            <a:r>
+              <a:rPr lang="ko-KR" altLang="en-US" dirty="0" err="1" smtClean="0"/>
+              <a:t>프론트단에서</a:t>
+            </a:r>
+            <a:r>
+              <a:rPr lang="ko-KR" altLang="en-US" dirty="0" smtClean="0"/>
+              <a:t> </a:t>
+            </a:r>
+            <a:r>
+              <a:rPr lang="en-US" altLang="ko-KR" dirty="0" smtClean="0"/>
+              <a:t>html/</a:t>
+            </a:r>
+            <a:r>
+              <a:rPr lang="en-US" altLang="ko-KR" dirty="0" err="1" smtClean="0"/>
+              <a:t>css</a:t>
+            </a:r>
+            <a:r>
+              <a:rPr lang="en-US" altLang="ko-KR" dirty="0" smtClean="0"/>
+              <a:t>/</a:t>
+            </a:r>
+            <a:r>
+              <a:rPr lang="en-US" altLang="ko-KR" dirty="0" err="1" smtClean="0"/>
+              <a:t>js</a:t>
+            </a:r>
+            <a:r>
+              <a:rPr lang="en-US" altLang="ko-KR" baseline="0" dirty="0" smtClean="0"/>
+              <a:t> </a:t>
+            </a:r>
+            <a:r>
+              <a:rPr lang="ko-KR" altLang="en-US" baseline="0" dirty="0" err="1" smtClean="0"/>
+              <a:t>백엔드단에서는</a:t>
+            </a:r>
+            <a:r>
+              <a:rPr lang="ko-KR" altLang="en-US" baseline="0" dirty="0" smtClean="0"/>
+              <a:t> </a:t>
+            </a:r>
+            <a:r>
+              <a:rPr lang="en-US" altLang="ko-KR" baseline="0" dirty="0" smtClean="0"/>
+              <a:t>java</a:t>
+            </a:r>
+            <a:r>
+              <a:rPr lang="ko-KR" altLang="en-US" baseline="0" dirty="0" smtClean="0"/>
+              <a:t>를 사용하였고 소스관리는 </a:t>
+            </a:r>
+            <a:r>
+              <a:rPr lang="ko-KR" altLang="en-US" baseline="0" dirty="0" err="1" smtClean="0"/>
+              <a:t>깃허브를</a:t>
+            </a:r>
+            <a:r>
+              <a:rPr lang="ko-KR" altLang="en-US" baseline="0" dirty="0" smtClean="0"/>
+              <a:t> 사용하였습니다</a:t>
+            </a:r>
+            <a:r>
+              <a:rPr lang="en-US" altLang="ko-KR" baseline="0" dirty="0" smtClean="0"/>
+              <a:t>.</a:t>
+            </a:r>
+            <a:endParaRPr lang="ko-KR" altLang="en-US" dirty="0"/>
+          </a:p>
+        </p:txBody>
+      </p:sp>
+      <p:sp>
+        <p:nvSpPr>
+          <p:cNvPr id="4" name="슬라이드 번호 개체 틀 3"/>
+          <p:cNvSpPr>
+            <a:spLocks noGrp="1"/>
+          </p:cNvSpPr>
+          <p:nvPr>
+            <p:ph type="sldNum" sz="quarter" idx="10"/>
+          </p:nvPr>
+        </p:nvSpPr>
+        <p:spPr/>
+        <p:txBody>
+          <a:bodyPr/>
+          <a:lstStyle/>
+          <a:p>
+            <a:fld id="{7836B500-0E9A-4C3D-AD01-F9646790B2D2}" type="slidenum">
+              <a:rPr lang="ko-KR" altLang="en-US" smtClean="0"/>
+              <a:t>13</a:t>
+            </a:fld>
+            <a:endParaRPr lang="ko-KR" altLang="en-US"/>
+          </a:p>
+        </p:txBody>
+      </p:sp>
+    </p:spTree>
+    <p:extLst>
+      <p:ext uri="{BB962C8B-B14F-4D97-AF65-F5344CB8AC3E}">
+        <p14:creationId xmlns:p14="http://schemas.microsoft.com/office/powerpoint/2010/main" val="1031599079"/>
+      </p:ext>
+    </p:extLst>
+  </p:cSld>
+  <p:clrMapOvr>
+    <a:masterClrMapping/>
+  </p:clrMapOvr>
+</p:notes>
+</file>
+
+<file path=ppt/notesSlides/notesSlide12.xml><?xml version="1.0" encoding="utf-8"?>
+<p:notes xmlns:a="http://schemas.openxmlformats.org/drawingml/2006/main" xmlns:r="http://schemas.openxmlformats.org/officeDocument/2006/relationships" xmlns:p="http://schemas.openxmlformats.org/presentationml/2006/main">
+  <p:cSld>
+    <p:spTree>
+      <p:nvGrpSpPr>
+        <p:cNvPr id="1" name=""/>
+        <p:cNvGrpSpPr/>
+        <p:nvPr/>
+      </p:nvGrpSpPr>
+      <p:grpSpPr>
+        <a:xfrm>
+          <a:off x="0" y="0"/>
+          <a:ext cx="0" cy="0"/>
+          <a:chOff x="0" y="0"/>
+          <a:chExt cx="0" cy="0"/>
+        </a:xfrm>
+      </p:grpSpPr>
+      <p:sp>
+        <p:nvSpPr>
+          <p:cNvPr id="2" name="슬라이드 이미지 개체 틀 1"/>
+          <p:cNvSpPr>
+            <a:spLocks noGrp="1" noRot="1" noChangeAspect="1"/>
+          </p:cNvSpPr>
+          <p:nvPr>
+            <p:ph type="sldImg"/>
+          </p:nvPr>
+        </p:nvSpPr>
+        <p:spPr/>
+      </p:sp>
+      <p:sp>
+        <p:nvSpPr>
+          <p:cNvPr id="3" name="슬라이드 노트 개체 틀 2"/>
+          <p:cNvSpPr>
+            <a:spLocks noGrp="1"/>
+          </p:cNvSpPr>
+          <p:nvPr>
+            <p:ph type="body" idx="1"/>
+          </p:nvPr>
+        </p:nvSpPr>
+        <p:spPr/>
+        <p:txBody>
+          <a:bodyPr/>
+          <a:lstStyle/>
+          <a:p>
+            <a:r>
+              <a:rPr lang="ko-KR" altLang="en-US" dirty="0" smtClean="0"/>
+              <a:t>각자의 역할로는 김소연이 </a:t>
+            </a:r>
+            <a:r>
+              <a:rPr lang="en-US" altLang="ko-KR" dirty="0" smtClean="0"/>
+              <a:t>servlet</a:t>
+            </a:r>
+            <a:r>
+              <a:rPr lang="ko-KR" altLang="en-US" dirty="0" smtClean="0"/>
+              <a:t>쪽을 주로 담당하여 개발하였고</a:t>
+            </a:r>
+            <a:endParaRPr lang="en-US" altLang="ko-KR" dirty="0" smtClean="0"/>
+          </a:p>
+          <a:p>
+            <a:r>
+              <a:rPr lang="ko-KR" altLang="en-US" dirty="0" smtClean="0"/>
+              <a:t>박규리가 </a:t>
+            </a:r>
+            <a:endParaRPr lang="ko-KR" altLang="en-US" dirty="0"/>
+          </a:p>
+        </p:txBody>
+      </p:sp>
+      <p:sp>
+        <p:nvSpPr>
+          <p:cNvPr id="4" name="슬라이드 번호 개체 틀 3"/>
+          <p:cNvSpPr>
+            <a:spLocks noGrp="1"/>
+          </p:cNvSpPr>
+          <p:nvPr>
+            <p:ph type="sldNum" sz="quarter" idx="10"/>
+          </p:nvPr>
+        </p:nvSpPr>
+        <p:spPr/>
+        <p:txBody>
+          <a:bodyPr/>
+          <a:lstStyle/>
+          <a:p>
+            <a:fld id="{7836B500-0E9A-4C3D-AD01-F9646790B2D2}" type="slidenum">
+              <a:rPr lang="ko-KR" altLang="en-US" smtClean="0"/>
+              <a:t>14</a:t>
+            </a:fld>
+            <a:endParaRPr lang="ko-KR" altLang="en-US"/>
+          </a:p>
+        </p:txBody>
+      </p:sp>
+    </p:spTree>
+    <p:extLst>
+      <p:ext uri="{BB962C8B-B14F-4D97-AF65-F5344CB8AC3E}">
+        <p14:creationId xmlns:p14="http://schemas.microsoft.com/office/powerpoint/2010/main" val="871402095"/>
       </p:ext>
     </p:extLst>
   </p:cSld>
@@ -810,12 +1201,13 @@
           <a:lstStyle/>
           <a:p>
             <a:r>
-              <a:rPr lang="ko-KR" altLang="en-US" dirty="0"/>
-              <a:t>동기</a:t>
-            </a:r>
-            <a:endParaRPr lang="en-US" altLang="ko-KR" dirty="0"/>
-          </a:p>
-          <a:p>
+              <a:rPr lang="ko-KR" altLang="en-US" dirty="0" smtClean="0"/>
+              <a:t>먼저 목차는 다음과 같습니다</a:t>
+            </a:r>
+            <a:r>
+              <a:rPr lang="en-US" altLang="ko-KR" dirty="0" smtClean="0"/>
+              <a:t>.</a:t>
+            </a:r>
             <a:endParaRPr lang="ko-KR" altLang="en-US" dirty="0"/>
           </a:p>
         </p:txBody>
@@ -837,6 +1229,538 @@
           <a:p>
             <a:fld id="{7836B500-0E9A-4C3D-AD01-F9646790B2D2}" type="slidenum">
               <a:rPr lang="ko-KR" altLang="en-US" smtClean="0"/>
+              <a:t>2</a:t>
+            </a:fld>
+            <a:endParaRPr lang="ko-KR" altLang="en-US"/>
+          </a:p>
+        </p:txBody>
+      </p:sp>
+    </p:spTree>
+    <p:extLst>
+      <p:ext uri="{BB962C8B-B14F-4D97-AF65-F5344CB8AC3E}">
+        <p14:creationId xmlns:p14="http://schemas.microsoft.com/office/powerpoint/2010/main" val="555363789"/>
+      </p:ext>
+    </p:extLst>
+  </p:cSld>
+  <p:clrMapOvr>
+    <a:masterClrMapping/>
+  </p:clrMapOvr>
+</p:notes>
+</file>
+
+<file path=ppt/notesSlides/notesSlide3.xml><?xml version="1.0" encoding="utf-8"?>
+<p:notes xmlns:a="http://schemas.openxmlformats.org/drawingml/2006/main" xmlns:r="http://schemas.openxmlformats.org/officeDocument/2006/relationships" xmlns:p="http://schemas.openxmlformats.org/presentationml/2006/main">
+  <p:cSld>
+    <p:spTree>
+      <p:nvGrpSpPr>
+        <p:cNvPr id="1" name=""/>
+        <p:cNvGrpSpPr/>
+        <p:nvPr/>
+      </p:nvGrpSpPr>
+      <p:grpSpPr>
+        <a:xfrm>
+          <a:off x="0" y="0"/>
+          <a:ext cx="0" cy="0"/>
+          <a:chOff x="0" y="0"/>
+          <a:chExt cx="0" cy="0"/>
+        </a:xfrm>
+      </p:grpSpPr>
+      <p:sp>
+        <p:nvSpPr>
+          <p:cNvPr id="2" name="슬라이드 이미지 개체 틀 1"/>
+          <p:cNvSpPr>
+            <a:spLocks noGrp="1" noRot="1" noChangeAspect="1"/>
+          </p:cNvSpPr>
+          <p:nvPr>
+            <p:ph type="sldImg"/>
+          </p:nvPr>
+        </p:nvSpPr>
+        <p:spPr/>
+      </p:sp>
+      <p:sp>
+        <p:nvSpPr>
+          <p:cNvPr id="3" name="슬라이드 노트 개체 틀 2"/>
+          <p:cNvSpPr>
+            <a:spLocks noGrp="1"/>
+          </p:cNvSpPr>
+          <p:nvPr>
+            <p:ph type="body" idx="1"/>
+          </p:nvPr>
+        </p:nvSpPr>
+        <p:spPr/>
+        <p:txBody>
+          <a:bodyPr/>
+          <a:lstStyle/>
+          <a:p>
+            <a:r>
+              <a:rPr lang="ko-KR" altLang="en-US" dirty="0" smtClean="0"/>
+              <a:t>여러분 취업에 있어 가장 중요한 것이 뭐라고 생각합니까</a:t>
+            </a:r>
+            <a:r>
+              <a:rPr lang="en-US" altLang="ko-KR" dirty="0" smtClean="0"/>
+              <a:t>?</a:t>
+            </a:r>
+          </a:p>
+          <a:p>
+            <a:r>
+              <a:rPr lang="ko-KR" altLang="en-US" dirty="0" smtClean="0"/>
+              <a:t>전공실력</a:t>
+            </a:r>
+            <a:r>
+              <a:rPr lang="en-US" altLang="ko-KR" dirty="0" smtClean="0"/>
+              <a:t>, </a:t>
+            </a:r>
+            <a:r>
+              <a:rPr lang="ko-KR" altLang="en-US" dirty="0" smtClean="0"/>
+              <a:t>성실성 등 각자 </a:t>
+            </a:r>
+            <a:r>
+              <a:rPr lang="ko-KR" altLang="en-US" dirty="0" err="1" smtClean="0"/>
+              <a:t>여러가지</a:t>
+            </a:r>
+            <a:r>
+              <a:rPr lang="ko-KR" altLang="en-US" dirty="0" smtClean="0"/>
+              <a:t> 생각하는 바가 있겠지만 저는 자신의 능력을 상대방에게 </a:t>
+            </a:r>
+            <a:r>
+              <a:rPr lang="ko-KR" altLang="en-US" dirty="0" err="1" smtClean="0"/>
+              <a:t>알리는것이</a:t>
+            </a:r>
+            <a:r>
+              <a:rPr lang="ko-KR" altLang="en-US" dirty="0" smtClean="0"/>
+              <a:t> 가장 중요하다고 생각합니다</a:t>
+            </a:r>
+            <a:r>
+              <a:rPr lang="en-US" altLang="ko-KR" dirty="0" smtClean="0"/>
+              <a:t>.</a:t>
+            </a:r>
+          </a:p>
+          <a:p>
+            <a:r>
+              <a:rPr lang="ko-KR" altLang="en-US" dirty="0" smtClean="0"/>
+              <a:t>그러한 </a:t>
+            </a:r>
+            <a:r>
+              <a:rPr lang="ko-KR" altLang="en-US" dirty="0" err="1" smtClean="0"/>
+              <a:t>생</a:t>
+            </a:r>
+            <a:r>
+              <a:rPr lang="ko-KR" altLang="en-US" baseline="0" dirty="0" err="1" smtClean="0"/>
+              <a:t>각속에서</a:t>
+            </a:r>
+            <a:r>
+              <a:rPr lang="ko-KR" altLang="en-US" baseline="0" dirty="0" smtClean="0"/>
+              <a:t> 우리는 기존의 </a:t>
+            </a:r>
+            <a:r>
+              <a:rPr lang="ko-KR" altLang="en-US" baseline="0" dirty="0" err="1" smtClean="0"/>
+              <a:t>레주메에</a:t>
+            </a:r>
+            <a:r>
+              <a:rPr lang="ko-KR" altLang="en-US" baseline="0" dirty="0" smtClean="0"/>
+              <a:t> 대하여 </a:t>
+            </a:r>
+            <a:r>
+              <a:rPr lang="en-US" altLang="ko-KR" baseline="0" dirty="0" smtClean="0"/>
+              <a:t>“</a:t>
+            </a:r>
+            <a:r>
+              <a:rPr lang="ko-KR" altLang="en-US" baseline="0" dirty="0" smtClean="0"/>
+              <a:t>더 쉽게 못 쓸까</a:t>
+            </a:r>
+            <a:r>
+              <a:rPr lang="en-US" altLang="ko-KR" baseline="0" dirty="0" smtClean="0"/>
+              <a:t>“ “</a:t>
+            </a:r>
+            <a:r>
+              <a:rPr lang="ko-KR" altLang="en-US" baseline="0" dirty="0" smtClean="0"/>
+              <a:t>원하는 인재를 어떻게 더 빨리 찾을 수 있을까</a:t>
+            </a:r>
+            <a:r>
+              <a:rPr lang="en-US" altLang="ko-KR" baseline="0" dirty="0" smtClean="0"/>
+              <a:t>?” “</a:t>
+            </a:r>
+            <a:r>
+              <a:rPr lang="ko-KR" altLang="en-US" baseline="0" dirty="0" smtClean="0"/>
+              <a:t>어떻게 하면 학교홍보를 더 잘할 수 있을 까</a:t>
+            </a:r>
+            <a:r>
+              <a:rPr lang="en-US" altLang="ko-KR" baseline="0" dirty="0" smtClean="0"/>
+              <a:t>?” </a:t>
+            </a:r>
+            <a:r>
+              <a:rPr lang="ko-KR" altLang="en-US" baseline="0" dirty="0" smtClean="0"/>
+              <a:t>등을</a:t>
+            </a:r>
+            <a:r>
+              <a:rPr lang="en-US" altLang="ko-KR" baseline="0" dirty="0" smtClean="0"/>
+              <a:t> </a:t>
+            </a:r>
+            <a:r>
+              <a:rPr lang="ko-KR" altLang="en-US" baseline="0" dirty="0" err="1" smtClean="0"/>
+              <a:t>생각하게된</a:t>
+            </a:r>
+            <a:r>
+              <a:rPr lang="ko-KR" altLang="en-US" baseline="0" dirty="0" smtClean="0"/>
+              <a:t> 결과</a:t>
+            </a:r>
+            <a:endParaRPr lang="en-US" altLang="ko-KR" baseline="0" dirty="0" smtClean="0"/>
+          </a:p>
+          <a:p>
+            <a:r>
+              <a:rPr lang="ko-KR" altLang="en-US" baseline="0" dirty="0" smtClean="0"/>
+              <a:t>이 프로젝트를 발안해내게 되었습니다</a:t>
+            </a:r>
+            <a:r>
+              <a:rPr lang="en-US" altLang="ko-KR" baseline="0" dirty="0" smtClean="0"/>
+              <a:t>.</a:t>
+            </a:r>
+          </a:p>
+        </p:txBody>
+      </p:sp>
+      <p:sp>
+        <p:nvSpPr>
+          <p:cNvPr id="4" name="슬라이드 번호 개체 틀 3"/>
+          <p:cNvSpPr>
+            <a:spLocks noGrp="1"/>
+          </p:cNvSpPr>
+          <p:nvPr>
+            <p:ph type="sldNum" sz="quarter" idx="10"/>
+          </p:nvPr>
+        </p:nvSpPr>
+        <p:spPr/>
+        <p:txBody>
+          <a:bodyPr/>
+          <a:lstStyle/>
+          <a:p>
+            <a:fld id="{7836B500-0E9A-4C3D-AD01-F9646790B2D2}" type="slidenum">
+              <a:rPr lang="ko-KR" altLang="en-US" smtClean="0"/>
+              <a:t>4</a:t>
+            </a:fld>
+            <a:endParaRPr lang="ko-KR" altLang="en-US"/>
+          </a:p>
+        </p:txBody>
+      </p:sp>
+    </p:spTree>
+    <p:extLst>
+      <p:ext uri="{BB962C8B-B14F-4D97-AF65-F5344CB8AC3E}">
+        <p14:creationId xmlns:p14="http://schemas.microsoft.com/office/powerpoint/2010/main" val="2685433064"/>
+      </p:ext>
+    </p:extLst>
+  </p:cSld>
+  <p:clrMapOvr>
+    <a:masterClrMapping/>
+  </p:clrMapOvr>
+</p:notes>
+</file>
+
+<file path=ppt/notesSlides/notesSlide4.xml><?xml version="1.0" encoding="utf-8"?>
+<p:notes xmlns:a="http://schemas.openxmlformats.org/drawingml/2006/main" xmlns:r="http://schemas.openxmlformats.org/officeDocument/2006/relationships" xmlns:p="http://schemas.openxmlformats.org/presentationml/2006/main">
+  <p:cSld>
+    <p:spTree>
+      <p:nvGrpSpPr>
+        <p:cNvPr id="1" name=""/>
+        <p:cNvGrpSpPr/>
+        <p:nvPr/>
+      </p:nvGrpSpPr>
+      <p:grpSpPr>
+        <a:xfrm>
+          <a:off x="0" y="0"/>
+          <a:ext cx="0" cy="0"/>
+          <a:chOff x="0" y="0"/>
+          <a:chExt cx="0" cy="0"/>
+        </a:xfrm>
+      </p:grpSpPr>
+      <p:sp>
+        <p:nvSpPr>
+          <p:cNvPr id="2" name="슬라이드 이미지 개체 틀 1"/>
+          <p:cNvSpPr>
+            <a:spLocks noGrp="1" noRot="1" noChangeAspect="1"/>
+          </p:cNvSpPr>
+          <p:nvPr>
+            <p:ph type="sldImg"/>
+          </p:nvPr>
+        </p:nvSpPr>
+        <p:spPr/>
+      </p:sp>
+      <p:sp>
+        <p:nvSpPr>
+          <p:cNvPr id="3" name="슬라이드 노트 개체 틀 2"/>
+          <p:cNvSpPr>
+            <a:spLocks noGrp="1"/>
+          </p:cNvSpPr>
+          <p:nvPr>
+            <p:ph type="body" idx="1"/>
+          </p:nvPr>
+        </p:nvSpPr>
+        <p:spPr/>
+        <p:txBody>
+          <a:bodyPr/>
+          <a:lstStyle/>
+          <a:p>
+            <a:r>
+              <a:rPr lang="ko-KR" altLang="en-US" dirty="0"/>
+              <a:t>동기</a:t>
+            </a:r>
+            <a:endParaRPr lang="en-US" altLang="ko-KR" dirty="0"/>
+          </a:p>
+          <a:p>
+            <a:endParaRPr lang="ko-KR" altLang="en-US" dirty="0"/>
+          </a:p>
+        </p:txBody>
+      </p:sp>
+      <p:sp>
+        <p:nvSpPr>
+          <p:cNvPr id="4" name="슬라이드 번호 개체 틀 3"/>
+          <p:cNvSpPr>
+            <a:spLocks noGrp="1"/>
+          </p:cNvSpPr>
+          <p:nvPr>
+            <p:ph type="sldNum" sz="quarter" idx="10"/>
+          </p:nvPr>
+        </p:nvSpPr>
+        <p:spPr/>
+        <p:txBody>
+          <a:bodyPr/>
+          <a:lstStyle/>
+          <a:p>
+            <a:fld id="{7836B500-0E9A-4C3D-AD01-F9646790B2D2}" type="slidenum">
+              <a:rPr lang="ko-KR" altLang="en-US" smtClean="0"/>
+              <a:t>5</a:t>
+            </a:fld>
+            <a:endParaRPr lang="ko-KR" altLang="en-US"/>
+          </a:p>
+        </p:txBody>
+      </p:sp>
+    </p:spTree>
+    <p:extLst>
+      <p:ext uri="{BB962C8B-B14F-4D97-AF65-F5344CB8AC3E}">
+        <p14:creationId xmlns:p14="http://schemas.microsoft.com/office/powerpoint/2010/main" val="336221792"/>
+      </p:ext>
+    </p:extLst>
+  </p:cSld>
+  <p:clrMapOvr>
+    <a:masterClrMapping/>
+  </p:clrMapOvr>
+</p:notes>
+</file>
+
+<file path=ppt/notesSlides/notesSlide5.xml><?xml version="1.0" encoding="utf-8"?>
+<p:notes xmlns:a="http://schemas.openxmlformats.org/drawingml/2006/main" xmlns:r="http://schemas.openxmlformats.org/officeDocument/2006/relationships" xmlns:p="http://schemas.openxmlformats.org/presentationml/2006/main">
+  <p:cSld>
+    <p:spTree>
+      <p:nvGrpSpPr>
+        <p:cNvPr id="1" name=""/>
+        <p:cNvGrpSpPr/>
+        <p:nvPr/>
+      </p:nvGrpSpPr>
+      <p:grpSpPr>
+        <a:xfrm>
+          <a:off x="0" y="0"/>
+          <a:ext cx="0" cy="0"/>
+          <a:chOff x="0" y="0"/>
+          <a:chExt cx="0" cy="0"/>
+        </a:xfrm>
+      </p:grpSpPr>
+      <p:sp>
+        <p:nvSpPr>
+          <p:cNvPr id="2" name="슬라이드 이미지 개체 틀 1"/>
+          <p:cNvSpPr>
+            <a:spLocks noGrp="1" noRot="1" noChangeAspect="1"/>
+          </p:cNvSpPr>
+          <p:nvPr>
+            <p:ph type="sldImg"/>
+          </p:nvPr>
+        </p:nvSpPr>
+        <p:spPr/>
+      </p:sp>
+      <p:sp>
+        <p:nvSpPr>
+          <p:cNvPr id="3" name="슬라이드 노트 개체 틀 2"/>
+          <p:cNvSpPr>
+            <a:spLocks noGrp="1"/>
+          </p:cNvSpPr>
+          <p:nvPr>
+            <p:ph type="body" idx="1"/>
+          </p:nvPr>
+        </p:nvSpPr>
+        <p:spPr/>
+        <p:txBody>
+          <a:bodyPr/>
+          <a:lstStyle/>
+          <a:p>
+            <a:r>
+              <a:rPr lang="ko-KR" altLang="en-US" dirty="0" smtClean="0"/>
+              <a:t>먼저 기존의 </a:t>
+            </a:r>
+            <a:r>
+              <a:rPr lang="ko-KR" altLang="en-US" dirty="0" err="1" smtClean="0"/>
+              <a:t>레주메북</a:t>
+            </a:r>
+            <a:r>
+              <a:rPr lang="ko-KR" altLang="en-US" dirty="0" smtClean="0"/>
+              <a:t> 작성 방식에 대해 살펴봅시다</a:t>
+            </a:r>
+            <a:r>
+              <a:rPr lang="en-US" altLang="ko-KR" dirty="0" smtClean="0"/>
+              <a:t>.</a:t>
+            </a:r>
+          </a:p>
+          <a:p>
+            <a:r>
+              <a:rPr lang="ko-KR" altLang="en-US" dirty="0" smtClean="0"/>
+              <a:t>기존의 </a:t>
+            </a:r>
+            <a:r>
+              <a:rPr lang="ko-KR" altLang="en-US" dirty="0" err="1" smtClean="0"/>
+              <a:t>레주메북은</a:t>
+            </a:r>
+            <a:r>
+              <a:rPr lang="ko-KR" altLang="en-US" dirty="0" smtClean="0"/>
+              <a:t> 학교측에서 일정한 양식을 배부하면 그 양식에 따라 학생들이 자신의 자격증</a:t>
+            </a:r>
+            <a:r>
+              <a:rPr lang="en-US" altLang="ko-KR" dirty="0" smtClean="0"/>
+              <a:t>, </a:t>
+            </a:r>
+            <a:r>
+              <a:rPr lang="ko-KR" altLang="en-US" dirty="0" smtClean="0"/>
+              <a:t>수상</a:t>
+            </a:r>
+            <a:r>
+              <a:rPr lang="en-US" altLang="ko-KR" dirty="0" smtClean="0"/>
+              <a:t>, </a:t>
+            </a:r>
+            <a:r>
+              <a:rPr lang="ko-KR" altLang="en-US" dirty="0" smtClean="0"/>
+              <a:t>대회공모전</a:t>
+            </a:r>
+            <a:r>
+              <a:rPr lang="ko-KR" altLang="en-US" baseline="0" dirty="0" smtClean="0"/>
+              <a:t> 이력을 적었는데</a:t>
+            </a:r>
+            <a:endParaRPr lang="en-US" altLang="ko-KR" baseline="0" dirty="0" smtClean="0"/>
+          </a:p>
+          <a:p>
+            <a:r>
+              <a:rPr lang="ko-KR" altLang="en-US" baseline="0" dirty="0" smtClean="0"/>
+              <a:t>정해진 </a:t>
+            </a:r>
+            <a:r>
+              <a:rPr lang="ko-KR" altLang="en-US" baseline="0" dirty="0" err="1" smtClean="0"/>
+              <a:t>기간안에</a:t>
+            </a:r>
+            <a:r>
+              <a:rPr lang="ko-KR" altLang="en-US" baseline="0" dirty="0" smtClean="0"/>
+              <a:t> 갑자기 양식을 배부하고 제출하라고 </a:t>
+            </a:r>
+            <a:r>
+              <a:rPr lang="ko-KR" altLang="en-US" baseline="0" dirty="0" err="1" smtClean="0"/>
+              <a:t>했을때</a:t>
+            </a:r>
+            <a:r>
+              <a:rPr lang="ko-KR" altLang="en-US" baseline="0" dirty="0" smtClean="0"/>
+              <a:t> </a:t>
+            </a:r>
+            <a:r>
+              <a:rPr lang="en-US" altLang="ko-KR" baseline="0" dirty="0" smtClean="0"/>
+              <a:t>“</a:t>
+            </a:r>
+            <a:r>
+              <a:rPr lang="ko-KR" altLang="en-US" baseline="0" dirty="0" smtClean="0"/>
+              <a:t>내가 </a:t>
+            </a:r>
+            <a:r>
+              <a:rPr lang="ko-KR" altLang="en-US" baseline="0" dirty="0" err="1" smtClean="0"/>
+              <a:t>뭘했었지</a:t>
+            </a:r>
+            <a:r>
+              <a:rPr lang="en-US" altLang="ko-KR" baseline="0" dirty="0" smtClean="0"/>
+              <a:t>?”</a:t>
+            </a:r>
+            <a:r>
+              <a:rPr lang="ko-KR" altLang="en-US" baseline="0" dirty="0" smtClean="0"/>
+              <a:t>라는 생각 한번쯤은 </a:t>
+            </a:r>
+            <a:r>
+              <a:rPr lang="ko-KR" altLang="en-US" baseline="0" dirty="0" err="1" smtClean="0"/>
+              <a:t>해본적이</a:t>
+            </a:r>
+            <a:r>
+              <a:rPr lang="ko-KR" altLang="en-US" baseline="0" dirty="0" smtClean="0"/>
+              <a:t> 있을 겁니다</a:t>
+            </a:r>
+            <a:r>
+              <a:rPr lang="en-US" altLang="ko-KR" baseline="0" dirty="0" smtClean="0"/>
+              <a:t>. </a:t>
+            </a:r>
+          </a:p>
+          <a:p>
+            <a:r>
+              <a:rPr lang="ko-KR" altLang="en-US" baseline="0" dirty="0" smtClean="0"/>
+              <a:t>그래서 전에 적은 </a:t>
+            </a:r>
+            <a:r>
+              <a:rPr lang="ko-KR" altLang="en-US" baseline="0" dirty="0" err="1" smtClean="0"/>
+              <a:t>레주메를</a:t>
+            </a:r>
+            <a:r>
+              <a:rPr lang="ko-KR" altLang="en-US" baseline="0" dirty="0" smtClean="0"/>
+              <a:t> 찾아봐도 어디에 저장했는지 까먹어 결국 처음부터 다시 적는 상황도 있을지 모릅니다</a:t>
+            </a:r>
+            <a:r>
+              <a:rPr lang="en-US" altLang="ko-KR" baseline="0" dirty="0" smtClean="0"/>
+              <a:t>.</a:t>
+            </a:r>
+          </a:p>
+          <a:p>
+            <a:r>
+              <a:rPr lang="ko-KR" altLang="en-US" baseline="0" dirty="0" smtClean="0"/>
+              <a:t>그래서 저희는 </a:t>
+            </a:r>
+            <a:r>
+              <a:rPr lang="ko-KR" altLang="en-US" baseline="0" dirty="0" err="1" smtClean="0"/>
+              <a:t>레주메를</a:t>
+            </a:r>
+            <a:r>
+              <a:rPr lang="ko-KR" altLang="en-US" baseline="0" dirty="0" smtClean="0"/>
+              <a:t> 작성하는 사이트를 만들면 </a:t>
+            </a:r>
+            <a:r>
+              <a:rPr lang="ko-KR" altLang="en-US" baseline="0" dirty="0" err="1" smtClean="0"/>
+              <a:t>어떨까하고</a:t>
+            </a:r>
+            <a:r>
+              <a:rPr lang="ko-KR" altLang="en-US" baseline="0" dirty="0" smtClean="0"/>
+              <a:t> 생각하게 되었습니다</a:t>
+            </a:r>
+            <a:r>
+              <a:rPr lang="en-US" altLang="ko-KR" baseline="0" dirty="0" smtClean="0"/>
+              <a:t>.</a:t>
+            </a:r>
+          </a:p>
+          <a:p>
+            <a:endParaRPr lang="ko-KR" altLang="en-US" dirty="0"/>
+          </a:p>
+        </p:txBody>
+      </p:sp>
+      <p:sp>
+        <p:nvSpPr>
+          <p:cNvPr id="4" name="슬라이드 번호 개체 틀 3"/>
+          <p:cNvSpPr>
+            <a:spLocks noGrp="1"/>
+          </p:cNvSpPr>
+          <p:nvPr>
+            <p:ph type="sldNum" sz="quarter" idx="10"/>
+          </p:nvPr>
+        </p:nvSpPr>
+        <p:spPr/>
+        <p:txBody>
+          <a:bodyPr/>
+          <a:lstStyle/>
+          <a:p>
+            <a:fld id="{7836B500-0E9A-4C3D-AD01-F9646790B2D2}" type="slidenum">
+              <a:rPr lang="ko-KR" altLang="en-US" smtClean="0"/>
               <a:t>6</a:t>
             </a:fld>
             <a:endParaRPr lang="ko-KR" altLang="en-US"/>
@@ -847,6 +1771,423 @@
     <p:extLst>
       <p:ext uri="{BB962C8B-B14F-4D97-AF65-F5344CB8AC3E}">
         <p14:creationId xmlns:p14="http://schemas.microsoft.com/office/powerpoint/2010/main" val="1063202933"/>
+      </p:ext>
+    </p:extLst>
+  </p:cSld>
+  <p:clrMapOvr>
+    <a:masterClrMapping/>
+  </p:clrMapOvr>
+</p:notes>
+</file>
+
+<file path=ppt/notesSlides/notesSlide6.xml><?xml version="1.0" encoding="utf-8"?>
+<p:notes xmlns:a="http://schemas.openxmlformats.org/drawingml/2006/main" xmlns:r="http://schemas.openxmlformats.org/officeDocument/2006/relationships" xmlns:p="http://schemas.openxmlformats.org/presentationml/2006/main">
+  <p:cSld>
+    <p:spTree>
+      <p:nvGrpSpPr>
+        <p:cNvPr id="1" name=""/>
+        <p:cNvGrpSpPr/>
+        <p:nvPr/>
+      </p:nvGrpSpPr>
+      <p:grpSpPr>
+        <a:xfrm>
+          <a:off x="0" y="0"/>
+          <a:ext cx="0" cy="0"/>
+          <a:chOff x="0" y="0"/>
+          <a:chExt cx="0" cy="0"/>
+        </a:xfrm>
+      </p:grpSpPr>
+      <p:sp>
+        <p:nvSpPr>
+          <p:cNvPr id="2" name="슬라이드 이미지 개체 틀 1"/>
+          <p:cNvSpPr>
+            <a:spLocks noGrp="1" noRot="1" noChangeAspect="1"/>
+          </p:cNvSpPr>
+          <p:nvPr>
+            <p:ph type="sldImg"/>
+          </p:nvPr>
+        </p:nvSpPr>
+        <p:spPr/>
+      </p:sp>
+      <p:sp>
+        <p:nvSpPr>
+          <p:cNvPr id="3" name="슬라이드 노트 개체 틀 2"/>
+          <p:cNvSpPr>
+            <a:spLocks noGrp="1"/>
+          </p:cNvSpPr>
+          <p:nvPr>
+            <p:ph type="body" idx="1"/>
+          </p:nvPr>
+        </p:nvSpPr>
+        <p:spPr/>
+        <p:txBody>
+          <a:bodyPr/>
+          <a:lstStyle/>
+          <a:p>
+            <a:r>
+              <a:rPr lang="ko-KR" altLang="en-US" dirty="0" smtClean="0"/>
+              <a:t>이러한 </a:t>
+            </a:r>
+            <a:r>
+              <a:rPr lang="ko-KR" altLang="en-US" dirty="0" err="1" smtClean="0"/>
+              <a:t>레주메</a:t>
+            </a:r>
+            <a:r>
+              <a:rPr lang="ko-KR" altLang="en-US" dirty="0" smtClean="0"/>
+              <a:t> 작성 사이트를</a:t>
+            </a:r>
+            <a:r>
+              <a:rPr lang="ko-KR" altLang="en-US" baseline="0" dirty="0" smtClean="0"/>
+              <a:t> 통해 학생들은 </a:t>
+            </a:r>
+            <a:endParaRPr lang="ko-KR" altLang="en-US" dirty="0"/>
+          </a:p>
+        </p:txBody>
+      </p:sp>
+      <p:sp>
+        <p:nvSpPr>
+          <p:cNvPr id="4" name="슬라이드 번호 개체 틀 3"/>
+          <p:cNvSpPr>
+            <a:spLocks noGrp="1"/>
+          </p:cNvSpPr>
+          <p:nvPr>
+            <p:ph type="sldNum" sz="quarter" idx="10"/>
+          </p:nvPr>
+        </p:nvSpPr>
+        <p:spPr/>
+        <p:txBody>
+          <a:bodyPr/>
+          <a:lstStyle/>
+          <a:p>
+            <a:fld id="{7836B500-0E9A-4C3D-AD01-F9646790B2D2}" type="slidenum">
+              <a:rPr lang="ko-KR" altLang="en-US" smtClean="0"/>
+              <a:t>7</a:t>
+            </a:fld>
+            <a:endParaRPr lang="ko-KR" altLang="en-US"/>
+          </a:p>
+        </p:txBody>
+      </p:sp>
+    </p:spTree>
+    <p:extLst>
+      <p:ext uri="{BB962C8B-B14F-4D97-AF65-F5344CB8AC3E}">
+        <p14:creationId xmlns:p14="http://schemas.microsoft.com/office/powerpoint/2010/main" val="930011299"/>
+      </p:ext>
+    </p:extLst>
+  </p:cSld>
+  <p:clrMapOvr>
+    <a:masterClrMapping/>
+  </p:clrMapOvr>
+</p:notes>
+</file>
+
+<file path=ppt/notesSlides/notesSlide7.xml><?xml version="1.0" encoding="utf-8"?>
+<p:notes xmlns:a="http://schemas.openxmlformats.org/drawingml/2006/main" xmlns:r="http://schemas.openxmlformats.org/officeDocument/2006/relationships" xmlns:p="http://schemas.openxmlformats.org/presentationml/2006/main">
+  <p:cSld>
+    <p:spTree>
+      <p:nvGrpSpPr>
+        <p:cNvPr id="1" name=""/>
+        <p:cNvGrpSpPr/>
+        <p:nvPr/>
+      </p:nvGrpSpPr>
+      <p:grpSpPr>
+        <a:xfrm>
+          <a:off x="0" y="0"/>
+          <a:ext cx="0" cy="0"/>
+          <a:chOff x="0" y="0"/>
+          <a:chExt cx="0" cy="0"/>
+        </a:xfrm>
+      </p:grpSpPr>
+      <p:sp>
+        <p:nvSpPr>
+          <p:cNvPr id="2" name="슬라이드 이미지 개체 틀 1"/>
+          <p:cNvSpPr>
+            <a:spLocks noGrp="1" noRot="1" noChangeAspect="1"/>
+          </p:cNvSpPr>
+          <p:nvPr>
+            <p:ph type="sldImg"/>
+          </p:nvPr>
+        </p:nvSpPr>
+        <p:spPr/>
+      </p:sp>
+      <p:sp>
+        <p:nvSpPr>
+          <p:cNvPr id="3" name="슬라이드 노트 개체 틀 2"/>
+          <p:cNvSpPr>
+            <a:spLocks noGrp="1"/>
+          </p:cNvSpPr>
+          <p:nvPr>
+            <p:ph type="body" idx="1"/>
+          </p:nvPr>
+        </p:nvSpPr>
+        <p:spPr/>
+        <p:txBody>
+          <a:bodyPr/>
+          <a:lstStyle/>
+          <a:p>
+            <a:r>
+              <a:rPr lang="ko-KR" altLang="en-US" dirty="0" smtClean="0"/>
+              <a:t>그리고 회사 입장에서는 </a:t>
+            </a:r>
+            <a:endParaRPr lang="ko-KR" altLang="en-US" dirty="0"/>
+          </a:p>
+        </p:txBody>
+      </p:sp>
+      <p:sp>
+        <p:nvSpPr>
+          <p:cNvPr id="4" name="슬라이드 번호 개체 틀 3"/>
+          <p:cNvSpPr>
+            <a:spLocks noGrp="1"/>
+          </p:cNvSpPr>
+          <p:nvPr>
+            <p:ph type="sldNum" sz="quarter" idx="10"/>
+          </p:nvPr>
+        </p:nvSpPr>
+        <p:spPr/>
+        <p:txBody>
+          <a:bodyPr/>
+          <a:lstStyle/>
+          <a:p>
+            <a:fld id="{7836B500-0E9A-4C3D-AD01-F9646790B2D2}" type="slidenum">
+              <a:rPr lang="ko-KR" altLang="en-US" smtClean="0"/>
+              <a:t>8</a:t>
+            </a:fld>
+            <a:endParaRPr lang="ko-KR" altLang="en-US"/>
+          </a:p>
+        </p:txBody>
+      </p:sp>
+    </p:spTree>
+    <p:extLst>
+      <p:ext uri="{BB962C8B-B14F-4D97-AF65-F5344CB8AC3E}">
+        <p14:creationId xmlns:p14="http://schemas.microsoft.com/office/powerpoint/2010/main" val="1225908627"/>
+      </p:ext>
+    </p:extLst>
+  </p:cSld>
+  <p:clrMapOvr>
+    <a:masterClrMapping/>
+  </p:clrMapOvr>
+</p:notes>
+</file>
+
+<file path=ppt/notesSlides/notesSlide8.xml><?xml version="1.0" encoding="utf-8"?>
+<p:notes xmlns:a="http://schemas.openxmlformats.org/drawingml/2006/main" xmlns:r="http://schemas.openxmlformats.org/officeDocument/2006/relationships" xmlns:p="http://schemas.openxmlformats.org/presentationml/2006/main">
+  <p:cSld>
+    <p:spTree>
+      <p:nvGrpSpPr>
+        <p:cNvPr id="1" name=""/>
+        <p:cNvGrpSpPr/>
+        <p:nvPr/>
+      </p:nvGrpSpPr>
+      <p:grpSpPr>
+        <a:xfrm>
+          <a:off x="0" y="0"/>
+          <a:ext cx="0" cy="0"/>
+          <a:chOff x="0" y="0"/>
+          <a:chExt cx="0" cy="0"/>
+        </a:xfrm>
+      </p:grpSpPr>
+      <p:sp>
+        <p:nvSpPr>
+          <p:cNvPr id="2" name="슬라이드 이미지 개체 틀 1"/>
+          <p:cNvSpPr>
+            <a:spLocks noGrp="1" noRot="1" noChangeAspect="1"/>
+          </p:cNvSpPr>
+          <p:nvPr>
+            <p:ph type="sldImg"/>
+          </p:nvPr>
+        </p:nvSpPr>
+        <p:spPr/>
+      </p:sp>
+      <p:sp>
+        <p:nvSpPr>
+          <p:cNvPr id="3" name="슬라이드 노트 개체 틀 2"/>
+          <p:cNvSpPr>
+            <a:spLocks noGrp="1"/>
+          </p:cNvSpPr>
+          <p:nvPr>
+            <p:ph type="body" idx="1"/>
+          </p:nvPr>
+        </p:nvSpPr>
+        <p:spPr/>
+        <p:txBody>
+          <a:bodyPr/>
+          <a:lstStyle/>
+          <a:p>
+            <a:r>
+              <a:rPr lang="ko-KR" altLang="en-US" dirty="0" smtClean="0"/>
+              <a:t>그리고 마지막으로 학교측에서는 </a:t>
+            </a:r>
+            <a:endParaRPr lang="en-US" altLang="ko-KR" dirty="0" smtClean="0"/>
+          </a:p>
+          <a:p>
+            <a:r>
+              <a:rPr lang="en-US" altLang="ko-KR" dirty="0" smtClean="0"/>
+              <a:t>~</a:t>
+            </a:r>
+          </a:p>
+          <a:p>
+            <a:r>
+              <a:rPr lang="ko-KR" altLang="en-US" dirty="0" smtClean="0"/>
+              <a:t>이러한 이점들이 있습니다</a:t>
+            </a:r>
+            <a:r>
+              <a:rPr lang="en-US" altLang="ko-KR" dirty="0" smtClean="0"/>
+              <a:t>.</a:t>
+            </a:r>
+            <a:endParaRPr lang="ko-KR" altLang="en-US" dirty="0"/>
+          </a:p>
+        </p:txBody>
+      </p:sp>
+      <p:sp>
+        <p:nvSpPr>
+          <p:cNvPr id="4" name="슬라이드 번호 개체 틀 3"/>
+          <p:cNvSpPr>
+            <a:spLocks noGrp="1"/>
+          </p:cNvSpPr>
+          <p:nvPr>
+            <p:ph type="sldNum" sz="quarter" idx="10"/>
+          </p:nvPr>
+        </p:nvSpPr>
+        <p:spPr/>
+        <p:txBody>
+          <a:bodyPr/>
+          <a:lstStyle/>
+          <a:p>
+            <a:fld id="{7836B500-0E9A-4C3D-AD01-F9646790B2D2}" type="slidenum">
+              <a:rPr lang="ko-KR" altLang="en-US" smtClean="0"/>
+              <a:t>9</a:t>
+            </a:fld>
+            <a:endParaRPr lang="ko-KR" altLang="en-US"/>
+          </a:p>
+        </p:txBody>
+      </p:sp>
+    </p:spTree>
+    <p:extLst>
+      <p:ext uri="{BB962C8B-B14F-4D97-AF65-F5344CB8AC3E}">
+        <p14:creationId xmlns:p14="http://schemas.microsoft.com/office/powerpoint/2010/main" val="32706090"/>
+      </p:ext>
+    </p:extLst>
+  </p:cSld>
+  <p:clrMapOvr>
+    <a:masterClrMapping/>
+  </p:clrMapOvr>
+</p:notes>
+</file>
+
+<file path=ppt/notesSlides/notesSlide9.xml><?xml version="1.0" encoding="utf-8"?>
+<p:notes xmlns:a="http://schemas.openxmlformats.org/drawingml/2006/main" xmlns:r="http://schemas.openxmlformats.org/officeDocument/2006/relationships" xmlns:p="http://schemas.openxmlformats.org/presentationml/2006/main">
+  <p:cSld>
+    <p:spTree>
+      <p:nvGrpSpPr>
+        <p:cNvPr id="1" name=""/>
+        <p:cNvGrpSpPr/>
+        <p:nvPr/>
+      </p:nvGrpSpPr>
+      <p:grpSpPr>
+        <a:xfrm>
+          <a:off x="0" y="0"/>
+          <a:ext cx="0" cy="0"/>
+          <a:chOff x="0" y="0"/>
+          <a:chExt cx="0" cy="0"/>
+        </a:xfrm>
+      </p:grpSpPr>
+      <p:sp>
+        <p:nvSpPr>
+          <p:cNvPr id="2" name="슬라이드 이미지 개체 틀 1"/>
+          <p:cNvSpPr>
+            <a:spLocks noGrp="1" noRot="1" noChangeAspect="1"/>
+          </p:cNvSpPr>
+          <p:nvPr>
+            <p:ph type="sldImg"/>
+          </p:nvPr>
+        </p:nvSpPr>
+        <p:spPr/>
+      </p:sp>
+      <p:sp>
+        <p:nvSpPr>
+          <p:cNvPr id="3" name="슬라이드 노트 개체 틀 2"/>
+          <p:cNvSpPr>
+            <a:spLocks noGrp="1"/>
+          </p:cNvSpPr>
+          <p:nvPr>
+            <p:ph type="body" idx="1"/>
+          </p:nvPr>
+        </p:nvSpPr>
+        <p:spPr/>
+        <p:txBody>
+          <a:bodyPr/>
+          <a:lstStyle/>
+          <a:p>
+            <a:r>
+              <a:rPr lang="ko-KR" altLang="en-US" dirty="0" smtClean="0"/>
+              <a:t>위의 이점을 </a:t>
+            </a:r>
+            <a:r>
+              <a:rPr lang="ko-KR" altLang="en-US" dirty="0" err="1" smtClean="0"/>
+              <a:t>달성하기위한</a:t>
+            </a:r>
+            <a:r>
+              <a:rPr lang="ko-KR" altLang="en-US" baseline="0" dirty="0" smtClean="0"/>
+              <a:t> </a:t>
+            </a:r>
+            <a:r>
+              <a:rPr lang="en-US" altLang="ko-KR" baseline="0" dirty="0" smtClean="0"/>
+              <a:t>2uzubook</a:t>
+            </a:r>
+            <a:r>
+              <a:rPr lang="ko-KR" altLang="en-US" baseline="0" dirty="0" smtClean="0"/>
+              <a:t>의 대표적인 기능으로 저희는 위 </a:t>
+            </a:r>
+            <a:r>
+              <a:rPr lang="ko-KR" altLang="en-US" baseline="0" dirty="0" err="1" smtClean="0"/>
+              <a:t>다섯가지의</a:t>
+            </a:r>
+            <a:r>
+              <a:rPr lang="ko-KR" altLang="en-US" baseline="0" dirty="0" smtClean="0"/>
+              <a:t> 기능을 갖춘 </a:t>
+            </a:r>
+            <a:r>
+              <a:rPr lang="ko-KR" altLang="en-US" baseline="0" dirty="0" err="1" smtClean="0"/>
+              <a:t>레주메</a:t>
+            </a:r>
+            <a:r>
+              <a:rPr lang="ko-KR" altLang="en-US" baseline="0" dirty="0" smtClean="0"/>
+              <a:t> 사이트를 제작하게 되었습니다</a:t>
+            </a:r>
+            <a:r>
+              <a:rPr lang="en-US" altLang="ko-KR" baseline="0" dirty="0" smtClean="0"/>
+              <a:t>.</a:t>
+            </a:r>
+            <a:endParaRPr lang="ko-KR" altLang="en-US" dirty="0"/>
+          </a:p>
+        </p:txBody>
+      </p:sp>
+      <p:sp>
+        <p:nvSpPr>
+          <p:cNvPr id="4" name="슬라이드 번호 개체 틀 3"/>
+          <p:cNvSpPr>
+            <a:spLocks noGrp="1"/>
+          </p:cNvSpPr>
+          <p:nvPr>
+            <p:ph type="sldNum" sz="quarter" idx="10"/>
+          </p:nvPr>
+        </p:nvSpPr>
+        <p:spPr/>
+        <p:txBody>
+          <a:bodyPr/>
+          <a:lstStyle/>
+          <a:p>
+            <a:fld id="{7836B500-0E9A-4C3D-AD01-F9646790B2D2}" type="slidenum">
+              <a:rPr lang="ko-KR" altLang="en-US" smtClean="0"/>
+              <a:t>10</a:t>
+            </a:fld>
+            <a:endParaRPr lang="ko-KR" altLang="en-US"/>
+          </a:p>
+        </p:txBody>
+      </p:sp>
+    </p:spTree>
+    <p:extLst>
+      <p:ext uri="{BB962C8B-B14F-4D97-AF65-F5344CB8AC3E}">
+        <p14:creationId xmlns:p14="http://schemas.microsoft.com/office/powerpoint/2010/main" val="1182696025"/>
       </p:ext>
     </p:extLst>
   </p:cSld>
@@ -1035,7 +2376,7 @@
           <a:p>
             <a:fld id="{3A302466-FE76-40E8-BE5D-598A609EDD2B}" type="datetimeFigureOut">
               <a:rPr lang="ko-KR" altLang="en-US" smtClean="0"/>
-              <a:t>2017-10-30</a:t>
+              <a:t>2017-11-04</a:t>
             </a:fld>
             <a:endParaRPr lang="ko-KR" altLang="en-US"/>
           </a:p>
@@ -1203,7 +2544,7 @@
           <a:p>
             <a:fld id="{3A302466-FE76-40E8-BE5D-598A609EDD2B}" type="datetimeFigureOut">
               <a:rPr lang="ko-KR" altLang="en-US" smtClean="0"/>
-              <a:t>2017-10-30</a:t>
+              <a:t>2017-11-04</a:t>
             </a:fld>
             <a:endParaRPr lang="ko-KR" altLang="en-US"/>
           </a:p>
@@ -1381,7 +2722,7 @@
           <a:p>
             <a:fld id="{3A302466-FE76-40E8-BE5D-598A609EDD2B}" type="datetimeFigureOut">
               <a:rPr lang="ko-KR" altLang="en-US" smtClean="0"/>
-              <a:t>2017-10-30</a:t>
+              <a:t>2017-11-04</a:t>
             </a:fld>
             <a:endParaRPr lang="ko-KR" altLang="en-US"/>
           </a:p>
@@ -1549,7 +2890,7 @@
           <a:p>
             <a:fld id="{3A302466-FE76-40E8-BE5D-598A609EDD2B}" type="datetimeFigureOut">
               <a:rPr lang="ko-KR" altLang="en-US" smtClean="0"/>
-              <a:t>2017-10-30</a:t>
+              <a:t>2017-11-04</a:t>
             </a:fld>
             <a:endParaRPr lang="ko-KR" altLang="en-US"/>
           </a:p>
@@ -1794,7 +3135,7 @@
           <a:p>
             <a:fld id="{3A302466-FE76-40E8-BE5D-598A609EDD2B}" type="datetimeFigureOut">
               <a:rPr lang="ko-KR" altLang="en-US" smtClean="0"/>
-              <a:t>2017-10-30</a:t>
+              <a:t>2017-11-04</a:t>
             </a:fld>
             <a:endParaRPr lang="ko-KR" altLang="en-US"/>
           </a:p>
@@ -2079,7 +3420,7 @@
           <a:p>
             <a:fld id="{3A302466-FE76-40E8-BE5D-598A609EDD2B}" type="datetimeFigureOut">
               <a:rPr lang="ko-KR" altLang="en-US" smtClean="0"/>
-              <a:t>2017-10-30</a:t>
+              <a:t>2017-11-04</a:t>
             </a:fld>
             <a:endParaRPr lang="ko-KR" altLang="en-US"/>
           </a:p>
@@ -2498,7 +3839,7 @@
           <a:p>
             <a:fld id="{3A302466-FE76-40E8-BE5D-598A609EDD2B}" type="datetimeFigureOut">
               <a:rPr lang="ko-KR" altLang="en-US" smtClean="0"/>
-              <a:t>2017-10-30</a:t>
+              <a:t>2017-11-04</a:t>
             </a:fld>
             <a:endParaRPr lang="ko-KR" altLang="en-US"/>
           </a:p>
@@ -2615,7 +3956,7 @@
           <a:p>
             <a:fld id="{3A302466-FE76-40E8-BE5D-598A609EDD2B}" type="datetimeFigureOut">
               <a:rPr lang="ko-KR" altLang="en-US" smtClean="0"/>
-              <a:t>2017-10-30</a:t>
+              <a:t>2017-11-04</a:t>
             </a:fld>
             <a:endParaRPr lang="ko-KR" altLang="en-US"/>
           </a:p>
@@ -2710,7 +4051,7 @@
           <a:p>
             <a:fld id="{3A302466-FE76-40E8-BE5D-598A609EDD2B}" type="datetimeFigureOut">
               <a:rPr lang="ko-KR" altLang="en-US" smtClean="0"/>
-              <a:t>2017-10-30</a:t>
+              <a:t>2017-11-04</a:t>
             </a:fld>
             <a:endParaRPr lang="ko-KR" altLang="en-US"/>
           </a:p>
@@ -2985,7 +4326,7 @@
           <a:p>
             <a:fld id="{3A302466-FE76-40E8-BE5D-598A609EDD2B}" type="datetimeFigureOut">
               <a:rPr lang="ko-KR" altLang="en-US" smtClean="0"/>
-              <a:t>2017-10-30</a:t>
+              <a:t>2017-11-04</a:t>
             </a:fld>
             <a:endParaRPr lang="ko-KR" altLang="en-US"/>
           </a:p>
@@ -3237,7 +4578,7 @@
           <a:p>
             <a:fld id="{3A302466-FE76-40E8-BE5D-598A609EDD2B}" type="datetimeFigureOut">
               <a:rPr lang="ko-KR" altLang="en-US" smtClean="0"/>
-              <a:t>2017-10-30</a:t>
+              <a:t>2017-11-04</a:t>
             </a:fld>
             <a:endParaRPr lang="ko-KR" altLang="en-US"/>
           </a:p>
@@ -3448,7 +4789,7 @@
           <a:p>
             <a:fld id="{3A302466-FE76-40E8-BE5D-598A609EDD2B}" type="datetimeFigureOut">
               <a:rPr lang="ko-KR" altLang="en-US" smtClean="0"/>
-              <a:t>2017-10-30</a:t>
+              <a:t>2017-11-04</a:t>
             </a:fld>
             <a:endParaRPr lang="ko-KR" altLang="en-US"/>
           </a:p>
@@ -4114,7 +5455,7 @@
           <p:cNvPr id="19" name="직사각형 18">
             <a:extLst>
               <a:ext uri="{FF2B5EF4-FFF2-40B4-BE49-F238E27FC236}">
-                <a16:creationId xmlns:a16="http://schemas.microsoft.com/office/drawing/2014/main" id="{5A9DFCA2-7204-4079-BA31-0C68BC1C466F}"/>
+                <a16:creationId xmlns:a16="http://schemas.microsoft.com/office/drawing/2014/main" xmlns="" id="{5A9DFCA2-7204-4079-BA31-0C68BC1C466F}"/>
               </a:ext>
             </a:extLst>
           </p:cNvPr>
@@ -4832,7 +6173,7 @@
           <p:cNvPr id="25" name="TextBox 24">
             <a:extLst>
               <a:ext uri="{FF2B5EF4-FFF2-40B4-BE49-F238E27FC236}">
-                <a16:creationId xmlns:a16="http://schemas.microsoft.com/office/drawing/2014/main" id="{52A461B7-B030-4F56-85EF-33E68F5BDF20}"/>
+                <a16:creationId xmlns:a16="http://schemas.microsoft.com/office/drawing/2014/main" xmlns="" id="{52A461B7-B030-4F56-85EF-33E68F5BDF20}"/>
               </a:ext>
             </a:extLst>
           </p:cNvPr>
@@ -4898,7 +6239,7 @@
           <p:cNvPr id="20" name="직각 삼각형 19">
             <a:extLst>
               <a:ext uri="{FF2B5EF4-FFF2-40B4-BE49-F238E27FC236}">
-                <a16:creationId xmlns:a16="http://schemas.microsoft.com/office/drawing/2014/main" id="{251FFCAF-5699-41D7-8AF8-89296D130BB2}"/>
+                <a16:creationId xmlns:a16="http://schemas.microsoft.com/office/drawing/2014/main" xmlns="" id="{251FFCAF-5699-41D7-8AF8-89296D130BB2}"/>
               </a:ext>
             </a:extLst>
           </p:cNvPr>
@@ -4952,7 +6293,7 @@
           <p:cNvPr id="26" name="TextBox 25">
             <a:extLst>
               <a:ext uri="{FF2B5EF4-FFF2-40B4-BE49-F238E27FC236}">
-                <a16:creationId xmlns:a16="http://schemas.microsoft.com/office/drawing/2014/main" id="{66FBCFD8-1EED-41F1-AB67-38165883F23C}"/>
+                <a16:creationId xmlns:a16="http://schemas.microsoft.com/office/drawing/2014/main" xmlns="" id="{66FBCFD8-1EED-41F1-AB67-38165883F23C}"/>
               </a:ext>
             </a:extLst>
           </p:cNvPr>
@@ -5052,7 +6393,7 @@
           <p:cNvPr id="27" name="TextBox 26">
             <a:extLst>
               <a:ext uri="{FF2B5EF4-FFF2-40B4-BE49-F238E27FC236}">
-                <a16:creationId xmlns:a16="http://schemas.microsoft.com/office/drawing/2014/main" id="{D2956573-39C1-49EE-A326-37F415D4308B}"/>
+                <a16:creationId xmlns:a16="http://schemas.microsoft.com/office/drawing/2014/main" xmlns="" id="{D2956573-39C1-49EE-A326-37F415D4308B}"/>
               </a:ext>
             </a:extLst>
           </p:cNvPr>
@@ -5118,7 +6459,7 @@
           <p:cNvPr id="29" name="TextBox 28">
             <a:extLst>
               <a:ext uri="{FF2B5EF4-FFF2-40B4-BE49-F238E27FC236}">
-                <a16:creationId xmlns:a16="http://schemas.microsoft.com/office/drawing/2014/main" id="{78483953-F8BC-4C9E-B3F8-C5833CAB0FF1}"/>
+                <a16:creationId xmlns:a16="http://schemas.microsoft.com/office/drawing/2014/main" xmlns="" id="{78483953-F8BC-4C9E-B3F8-C5833CAB0FF1}"/>
               </a:ext>
             </a:extLst>
           </p:cNvPr>
@@ -7063,7 +8404,7 @@
           <p:cNvPr id="41" name="직사각형 40">
             <a:extLst>
               <a:ext uri="{FF2B5EF4-FFF2-40B4-BE49-F238E27FC236}">
-                <a16:creationId xmlns:a16="http://schemas.microsoft.com/office/drawing/2014/main" id="{8D6AA74C-87A9-471C-8752-C44FFEBD67EC}"/>
+                <a16:creationId xmlns:a16="http://schemas.microsoft.com/office/drawing/2014/main" xmlns="" id="{8D6AA74C-87A9-471C-8752-C44FFEBD67EC}"/>
               </a:ext>
             </a:extLst>
           </p:cNvPr>
@@ -7129,7 +8470,7 @@
           <p:cNvPr id="42" name="Picture 6" descr="jspservlet에 대한 이미지 검색결과">
             <a:extLst>
               <a:ext uri="{FF2B5EF4-FFF2-40B4-BE49-F238E27FC236}">
-                <a16:creationId xmlns:a16="http://schemas.microsoft.com/office/drawing/2014/main" id="{55ED18B1-42B3-4463-80FA-A9C17F7764AA}"/>
+                <a16:creationId xmlns:a16="http://schemas.microsoft.com/office/drawing/2014/main" xmlns="" id="{55ED18B1-42B3-4463-80FA-A9C17F7764AA}"/>
               </a:ext>
             </a:extLst>
           </p:cNvPr>
@@ -7139,7 +8480,7 @@
           <p:nvPr/>
         </p:nvPicPr>
         <p:blipFill>
-          <a:blip r:embed="rId2">
+          <a:blip r:embed="rId3">
             <a:extLst>
               <a:ext uri="{28A0092B-C50C-407E-A947-70E740481C1C}">
                 <a14:useLocalDpi xmlns:a14="http://schemas.microsoft.com/office/drawing/2010/main" val="0"/>
@@ -7176,7 +8517,7 @@
           <p:cNvPr id="43" name="Picture 8" descr="eclipse에 대한 이미지 검색결과">
             <a:extLst>
               <a:ext uri="{FF2B5EF4-FFF2-40B4-BE49-F238E27FC236}">
-                <a16:creationId xmlns:a16="http://schemas.microsoft.com/office/drawing/2014/main" id="{7FC2A2FA-5A83-4426-BD58-33CCD026613F}"/>
+                <a16:creationId xmlns:a16="http://schemas.microsoft.com/office/drawing/2014/main" xmlns="" id="{7FC2A2FA-5A83-4426-BD58-33CCD026613F}"/>
               </a:ext>
             </a:extLst>
           </p:cNvPr>
@@ -7186,11 +8527,11 @@
           <p:nvPr/>
         </p:nvPicPr>
         <p:blipFill>
-          <a:blip r:embed="rId3">
+          <a:blip r:embed="rId4">
             <a:extLst>
               <a:ext uri="{BEBA8EAE-BF5A-486C-A8C5-ECC9F3942E4B}">
                 <a14:imgProps xmlns:a14="http://schemas.microsoft.com/office/drawing/2010/main">
-                  <a14:imgLayer r:embed="rId4">
+                  <a14:imgLayer r:embed="rId5">
                     <a14:imgEffect>
                       <a14:backgroundRemoval t="0" b="93500" l="0" r="100000">
                         <a14:foregroundMark x1="9750" y1="48000" x2="91000" y2="50250"/>
@@ -7255,7 +8596,7 @@
           <p:cNvPr id="44" name="Picture 10" descr="html css js에 대한 이미지 검색결과">
             <a:extLst>
               <a:ext uri="{FF2B5EF4-FFF2-40B4-BE49-F238E27FC236}">
-                <a16:creationId xmlns:a16="http://schemas.microsoft.com/office/drawing/2014/main" id="{B6033F8A-F870-4FBB-994A-1B75EE250247}"/>
+                <a16:creationId xmlns:a16="http://schemas.microsoft.com/office/drawing/2014/main" xmlns="" id="{B6033F8A-F870-4FBB-994A-1B75EE250247}"/>
               </a:ext>
             </a:extLst>
           </p:cNvPr>
@@ -7265,7 +8606,7 @@
           <p:nvPr/>
         </p:nvPicPr>
         <p:blipFill>
-          <a:blip r:embed="rId5">
+          <a:blip r:embed="rId6">
             <a:extLst>
               <a:ext uri="{28A0092B-C50C-407E-A947-70E740481C1C}">
                 <a14:useLocalDpi xmlns:a14="http://schemas.microsoft.com/office/drawing/2010/main" val="0"/>
@@ -7302,7 +8643,7 @@
           <p:cNvPr id="45" name="Picture 12" descr="github에 대한 이미지 검색결과">
             <a:extLst>
               <a:ext uri="{FF2B5EF4-FFF2-40B4-BE49-F238E27FC236}">
-                <a16:creationId xmlns:a16="http://schemas.microsoft.com/office/drawing/2014/main" id="{220F0688-BA24-437C-BCDD-30ED576B87DB}"/>
+                <a16:creationId xmlns:a16="http://schemas.microsoft.com/office/drawing/2014/main" xmlns="" id="{220F0688-BA24-437C-BCDD-30ED576B87DB}"/>
               </a:ext>
             </a:extLst>
           </p:cNvPr>
@@ -7312,7 +8653,7 @@
           <p:nvPr/>
         </p:nvPicPr>
         <p:blipFill>
-          <a:blip r:embed="rId6" cstate="print">
+          <a:blip r:embed="rId7" cstate="print">
             <a:extLst>
               <a:ext uri="{28A0092B-C50C-407E-A947-70E740481C1C}">
                 <a14:useLocalDpi xmlns:a14="http://schemas.microsoft.com/office/drawing/2010/main" val="0"/>
@@ -7639,6 +8980,54 @@
           <a:chExt cx="0" cy="0"/>
         </a:xfrm>
       </p:grpSpPr>
+      <p:sp>
+        <p:nvSpPr>
+          <p:cNvPr id="19" name="직사각형 18"/>
+          <p:cNvSpPr/>
+          <p:nvPr/>
+        </p:nvSpPr>
+        <p:spPr>
+          <a:xfrm>
+            <a:off x="1624342" y="1949443"/>
+            <a:ext cx="3485187" cy="415636"/>
+          </a:xfrm>
+          <a:prstGeom prst="rect">
+            <a:avLst/>
+          </a:prstGeom>
+          <a:solidFill>
+            <a:srgbClr val="AF9061">
+              <a:alpha val="80000"/>
+            </a:srgbClr>
+          </a:solidFill>
+          <a:ln>
+            <a:noFill/>
+          </a:ln>
+        </p:spPr>
+        <p:style>
+          <a:lnRef idx="2">
+            <a:schemeClr val="accent1">
+              <a:shade val="50000"/>
+            </a:schemeClr>
+          </a:lnRef>
+          <a:fillRef idx="1">
+            <a:schemeClr val="accent1"/>
+          </a:fillRef>
+          <a:effectRef idx="0">
+            <a:schemeClr val="accent1"/>
+          </a:effectRef>
+          <a:fontRef idx="minor">
+            <a:schemeClr val="lt1"/>
+          </a:fontRef>
+        </p:style>
+        <p:txBody>
+          <a:bodyPr rtlCol="0" anchor="ctr"/>
+          <a:lstStyle/>
+          <a:p>
+            <a:pPr algn="ctr"/>
+            <a:endParaRPr lang="ko-KR" altLang="en-US"/>
+          </a:p>
+        </p:txBody>
+      </p:sp>
       <p:cxnSp>
         <p:nvCxnSpPr>
           <p:cNvPr id="4" name="직선 연결선 3"/>
@@ -7852,7 +9241,7 @@
         </p:nvSpPr>
         <p:spPr>
           <a:xfrm>
-            <a:off x="-9283" y="1320875"/>
+            <a:off x="-9283" y="1813760"/>
             <a:ext cx="834325" cy="343501"/>
           </a:xfrm>
           <a:prstGeom prst="rect">
@@ -7898,7 +9287,7 @@
         </p:nvSpPr>
         <p:spPr>
           <a:xfrm rot="5400000">
-            <a:off x="702755" y="1650949"/>
+            <a:off x="702755" y="2143834"/>
             <a:ext cx="81142" cy="108000"/>
           </a:xfrm>
           <a:prstGeom prst="rtTriangle">
@@ -8028,14 +9417,14 @@
       </p:sp>
       <p:sp>
         <p:nvSpPr>
-          <p:cNvPr id="23" name="TextBox 22"/>
+          <p:cNvPr id="24" name="TextBox 23"/>
           <p:cNvSpPr txBox="1"/>
           <p:nvPr/>
         </p:nvSpPr>
         <p:spPr>
           <a:xfrm>
-            <a:off x="107504" y="2298358"/>
-            <a:ext cx="450395" cy="338554"/>
+            <a:off x="123549" y="882386"/>
+            <a:ext cx="541363" cy="338554"/>
           </a:xfrm>
           <a:prstGeom prst="rect">
             <a:avLst/>
@@ -8059,27 +9448,27 @@
                 </a:ln>
                 <a:solidFill>
                   <a:schemeClr val="bg1">
-                    <a:lumMod val="85000"/>
+                    <a:lumMod val="75000"/>
                   </a:schemeClr>
                 </a:solidFill>
                 <a:latin typeface="Yoon 윤고딕 520_TT" pitchFamily="18" charset="-127"/>
                 <a:ea typeface="Yoon 윤고딕 520_TT" pitchFamily="18" charset="-127"/>
               </a:rPr>
-              <a:t>04</a:t>
-            </a:r>
-          </a:p>
-        </p:txBody>
-      </p:sp>
-      <p:sp>
-        <p:nvSpPr>
-          <p:cNvPr id="24" name="TextBox 23"/>
+              <a:t>01</a:t>
+            </a:r>
+          </a:p>
+        </p:txBody>
+      </p:sp>
+      <p:sp>
+        <p:nvSpPr>
+          <p:cNvPr id="17" name="TextBox 16"/>
           <p:cNvSpPr txBox="1"/>
           <p:nvPr/>
         </p:nvSpPr>
         <p:spPr>
           <a:xfrm>
-            <a:off x="123549" y="882386"/>
-            <a:ext cx="541363" cy="338554"/>
+            <a:off x="1535262" y="1521627"/>
+            <a:ext cx="4464496" cy="292388"/>
           </a:xfrm>
           <a:prstGeom prst="rect">
             <a:avLst/>
@@ -8093,37 +9482,49 @@
           <a:lstStyle/>
           <a:p>
             <a:r>
-              <a:rPr lang="en-US" altLang="ko-KR" sz="1600" dirty="0">
-                <a:ln>
-                  <a:solidFill>
-                    <a:schemeClr val="tx1">
-                      <a:alpha val="30000"/>
-                    </a:schemeClr>
-                  </a:solidFill>
-                </a:ln>
-                <a:solidFill>
-                  <a:schemeClr val="bg1">
-                    <a:lumMod val="85000"/>
-                  </a:schemeClr>
-                </a:solidFill>
-                <a:latin typeface="Yoon 윤고딕 520_TT" pitchFamily="18" charset="-127"/>
-                <a:ea typeface="Yoon 윤고딕 520_TT" pitchFamily="18" charset="-127"/>
-              </a:rPr>
-              <a:t>01</a:t>
-            </a:r>
-          </a:p>
-        </p:txBody>
-      </p:sp>
-      <p:sp>
-        <p:nvSpPr>
-          <p:cNvPr id="17" name="TextBox 16"/>
+              <a:rPr lang="ko-KR" altLang="en-US" sz="1300" dirty="0">
+                <a:ln>
+                  <a:solidFill>
+                    <a:srgbClr val="AF9061">
+                      <a:alpha val="30000"/>
+                    </a:srgbClr>
+                  </a:solidFill>
+                </a:ln>
+                <a:solidFill>
+                  <a:srgbClr val="AF9061"/>
+                </a:solidFill>
+                <a:latin typeface="a나무M" panose="02020600000000000000" pitchFamily="18" charset="-127"/>
+                <a:ea typeface="a나무M" panose="02020600000000000000" pitchFamily="18" charset="-127"/>
+              </a:rPr>
+              <a:t>성공적으로 프로젝트를 마치기 위한 역할 분담</a:t>
+            </a:r>
+            <a:endParaRPr lang="en-US" altLang="ko-KR" sz="1300" dirty="0">
+              <a:ln>
+                <a:solidFill>
+                  <a:srgbClr val="AF9061">
+                    <a:alpha val="30000"/>
+                  </a:srgbClr>
+                </a:solidFill>
+              </a:ln>
+              <a:solidFill>
+                <a:srgbClr val="AF9061"/>
+              </a:solidFill>
+              <a:latin typeface="a나무M" panose="02020600000000000000" pitchFamily="18" charset="-127"/>
+              <a:ea typeface="a나무M" panose="02020600000000000000" pitchFamily="18" charset="-127"/>
+            </a:endParaRPr>
+          </a:p>
+        </p:txBody>
+      </p:sp>
+      <p:sp>
+        <p:nvSpPr>
+          <p:cNvPr id="18" name="TextBox 17"/>
           <p:cNvSpPr txBox="1"/>
           <p:nvPr/>
         </p:nvSpPr>
         <p:spPr>
           <a:xfrm>
-            <a:off x="1979712" y="1412776"/>
-            <a:ext cx="3024336" cy="369332"/>
+            <a:off x="1842281" y="1954507"/>
+            <a:ext cx="3049311" cy="369332"/>
           </a:xfrm>
           <a:prstGeom prst="rect">
             <a:avLst/>
@@ -8137,7 +9538,7 @@
           <a:lstStyle/>
           <a:p>
             <a:r>
-              <a:rPr lang="en-US" altLang="ko-KR" dirty="0">
+              <a:rPr lang="ko-KR" altLang="en-US" dirty="0">
                 <a:ln>
                   <a:solidFill>
                     <a:schemeClr val="tx1">
@@ -8151,24 +9552,7 @@
                 <a:latin typeface="a나무M" panose="02020600000000000000" pitchFamily="18" charset="-127"/>
                 <a:ea typeface="a나무M" panose="02020600000000000000" pitchFamily="18" charset="-127"/>
               </a:rPr>
-              <a:t>JSP/Servlet </a:t>
-            </a:r>
-            <a:r>
-              <a:rPr lang="ko-KR" altLang="en-US" dirty="0">
-                <a:ln>
-                  <a:solidFill>
-                    <a:schemeClr val="tx1">
-                      <a:alpha val="30000"/>
-                    </a:schemeClr>
-                  </a:solidFill>
-                </a:ln>
-                <a:solidFill>
-                  <a:srgbClr val="272123"/>
-                </a:solidFill>
-                <a:latin typeface="a나무M" panose="02020600000000000000" pitchFamily="18" charset="-127"/>
-                <a:ea typeface="a나무M" panose="02020600000000000000" pitchFamily="18" charset="-127"/>
-              </a:rPr>
-              <a:t>를 이용한 개발   </a:t>
+              <a:t>각자의 역할</a:t>
             </a:r>
             <a:endParaRPr lang="en-US" altLang="ko-KR" dirty="0">
               <a:ln>
@@ -8189,210 +9573,14 @@
       </p:sp>
       <p:sp>
         <p:nvSpPr>
-          <p:cNvPr id="12" name="타원 11"/>
-          <p:cNvSpPr/>
-          <p:nvPr/>
-        </p:nvSpPr>
-        <p:spPr>
-          <a:xfrm>
-            <a:off x="3502613" y="3141208"/>
-            <a:ext cx="2160000" cy="2160000"/>
-          </a:xfrm>
-          <a:prstGeom prst="ellipse">
-            <a:avLst/>
-          </a:prstGeom>
-          <a:noFill/>
-          <a:ln w="22225">
-            <a:solidFill>
-              <a:srgbClr val="AF9061"/>
-            </a:solidFill>
-          </a:ln>
-        </p:spPr>
-        <p:style>
-          <a:lnRef idx="2">
-            <a:schemeClr val="accent1">
-              <a:shade val="50000"/>
-            </a:schemeClr>
-          </a:lnRef>
-          <a:fillRef idx="1">
-            <a:schemeClr val="accent1"/>
-          </a:fillRef>
-          <a:effectRef idx="0">
-            <a:schemeClr val="accent1"/>
-          </a:effectRef>
-          <a:fontRef idx="minor">
-            <a:schemeClr val="lt1"/>
-          </a:fontRef>
-        </p:style>
-        <p:txBody>
-          <a:bodyPr rtlCol="0" anchor="ctr"/>
-          <a:lstStyle/>
-          <a:p>
-            <a:pPr algn="ctr"/>
-            <a:endParaRPr lang="ko-KR" altLang="en-US"/>
-          </a:p>
-        </p:txBody>
-      </p:sp>
-      <p:sp>
-        <p:nvSpPr>
-          <p:cNvPr id="44" name="타원 43"/>
-          <p:cNvSpPr/>
-          <p:nvPr/>
-        </p:nvSpPr>
-        <p:spPr>
-          <a:xfrm>
-            <a:off x="4492613" y="3068960"/>
-            <a:ext cx="180000" cy="180000"/>
-          </a:xfrm>
-          <a:prstGeom prst="ellipse">
-            <a:avLst/>
-          </a:prstGeom>
-          <a:solidFill>
-            <a:srgbClr val="272123"/>
-          </a:solidFill>
-          <a:ln w="50800">
-            <a:solidFill>
-              <a:srgbClr val="AF9061">
-                <a:alpha val="80000"/>
-              </a:srgbClr>
-            </a:solidFill>
-          </a:ln>
-        </p:spPr>
-        <p:style>
-          <a:lnRef idx="2">
-            <a:schemeClr val="accent1">
-              <a:shade val="50000"/>
-            </a:schemeClr>
-          </a:lnRef>
-          <a:fillRef idx="1">
-            <a:schemeClr val="accent1"/>
-          </a:fillRef>
-          <a:effectRef idx="0">
-            <a:schemeClr val="accent1"/>
-          </a:effectRef>
-          <a:fontRef idx="minor">
-            <a:schemeClr val="lt1"/>
-          </a:fontRef>
-        </p:style>
-        <p:txBody>
-          <a:bodyPr rtlCol="0" anchor="ctr"/>
-          <a:lstStyle/>
-          <a:p>
-            <a:pPr algn="ctr"/>
-            <a:endParaRPr lang="ko-KR" altLang="en-US"/>
-          </a:p>
-        </p:txBody>
-      </p:sp>
-      <p:sp>
-        <p:nvSpPr>
-          <p:cNvPr id="45" name="타원 44"/>
-          <p:cNvSpPr/>
-          <p:nvPr/>
-        </p:nvSpPr>
-        <p:spPr>
-          <a:xfrm>
-            <a:off x="3502493" y="4571572"/>
-            <a:ext cx="180000" cy="180000"/>
-          </a:xfrm>
-          <a:prstGeom prst="ellipse">
-            <a:avLst/>
-          </a:prstGeom>
-          <a:solidFill>
-            <a:srgbClr val="272123"/>
-          </a:solidFill>
-          <a:ln w="50800">
-            <a:solidFill>
-              <a:srgbClr val="AF9061">
-                <a:alpha val="80000"/>
-              </a:srgbClr>
-            </a:solidFill>
-          </a:ln>
-        </p:spPr>
-        <p:style>
-          <a:lnRef idx="2">
-            <a:schemeClr val="accent1">
-              <a:shade val="50000"/>
-            </a:schemeClr>
-          </a:lnRef>
-          <a:fillRef idx="1">
-            <a:schemeClr val="accent1"/>
-          </a:fillRef>
-          <a:effectRef idx="0">
-            <a:schemeClr val="accent1"/>
-          </a:effectRef>
-          <a:fontRef idx="minor">
-            <a:schemeClr val="lt1"/>
-          </a:fontRef>
-        </p:style>
-        <p:txBody>
-          <a:bodyPr rtlCol="0" anchor="ctr"/>
-          <a:lstStyle/>
-          <a:p>
-            <a:pPr algn="ctr"/>
-            <a:endParaRPr lang="ko-KR" altLang="en-US"/>
-          </a:p>
-        </p:txBody>
-      </p:sp>
-      <p:sp>
-        <p:nvSpPr>
-          <p:cNvPr id="46" name="타원 45"/>
-          <p:cNvSpPr/>
-          <p:nvPr/>
-        </p:nvSpPr>
-        <p:spPr>
-          <a:xfrm>
-            <a:off x="5482733" y="4571572"/>
-            <a:ext cx="180000" cy="180000"/>
-          </a:xfrm>
-          <a:prstGeom prst="ellipse">
-            <a:avLst/>
-          </a:prstGeom>
-          <a:solidFill>
-            <a:srgbClr val="272123"/>
-          </a:solidFill>
-          <a:ln w="50800">
-            <a:solidFill>
-              <a:srgbClr val="AF9061">
-                <a:alpha val="80000"/>
-              </a:srgbClr>
-            </a:solidFill>
-          </a:ln>
-        </p:spPr>
-        <p:style>
-          <a:lnRef idx="2">
-            <a:schemeClr val="accent1">
-              <a:shade val="50000"/>
-            </a:schemeClr>
-          </a:lnRef>
-          <a:fillRef idx="1">
-            <a:schemeClr val="accent1"/>
-          </a:fillRef>
-          <a:effectRef idx="0">
-            <a:schemeClr val="accent1"/>
-          </a:effectRef>
-          <a:fontRef idx="minor">
-            <a:schemeClr val="lt1"/>
-          </a:fontRef>
-        </p:style>
-        <p:txBody>
-          <a:bodyPr rtlCol="0" anchor="ctr"/>
-          <a:lstStyle/>
-          <a:p>
-            <a:pPr algn="ctr"/>
-            <a:endParaRPr lang="ko-KR" altLang="en-US"/>
-          </a:p>
-        </p:txBody>
-      </p:sp>
-      <p:sp>
-        <p:nvSpPr>
-          <p:cNvPr id="47" name="TextBox 46"/>
+          <p:cNvPr id="20" name="TextBox 19"/>
           <p:cNvSpPr txBox="1"/>
           <p:nvPr/>
         </p:nvSpPr>
         <p:spPr>
           <a:xfrm>
-            <a:off x="4032383" y="2669733"/>
-            <a:ext cx="1085825" cy="369332"/>
+            <a:off x="1979712" y="2856100"/>
+            <a:ext cx="1410875" cy="369332"/>
           </a:xfrm>
           <a:prstGeom prst="rect">
             <a:avLst/>
@@ -8405,29 +9593,38 @@
           </a:bodyPr>
           <a:lstStyle/>
           <a:p>
-            <a:pPr algn="ctr"/>
-            <a:r>
-              <a:rPr lang="en-US" altLang="ko-KR" b="1" dirty="0" err="1">
-                <a:ln>
-                  <a:solidFill>
-                    <a:srgbClr val="7AB53D">
-                      <a:alpha val="30000"/>
-                    </a:srgbClr>
-                  </a:solidFill>
-                </a:ln>
+            <a:pPr marL="285750" indent="-285750">
+              <a:buFont typeface="Wingdings" pitchFamily="2" charset="2"/>
+              <a:buChar char="§"/>
+            </a:pPr>
+            <a:r>
+              <a:rPr lang="ko-KR" altLang="en-US" dirty="0">
+                <a:ln>
+                  <a:solidFill>
+                    <a:schemeClr val="tx1">
+                      <a:alpha val="30000"/>
+                    </a:schemeClr>
+                  </a:solidFill>
+                </a:ln>
+                <a:solidFill>
+                  <a:srgbClr val="272123"/>
+                </a:solidFill>
                 <a:latin typeface="a나무M" panose="02020600000000000000" pitchFamily="18" charset="-127"/>
                 <a:ea typeface="a나무M" panose="02020600000000000000" pitchFamily="18" charset="-127"/>
               </a:rPr>
-              <a:t>Jsp</a:t>
-            </a:r>
-            <a:endParaRPr lang="en-US" altLang="ko-KR" b="1" dirty="0">
+              <a:t>김소연</a:t>
+            </a:r>
+            <a:endParaRPr lang="en-US" altLang="ko-KR" dirty="0">
               <a:ln>
                 <a:solidFill>
-                  <a:srgbClr val="7AB53D">
+                  <a:schemeClr val="tx1">
                     <a:alpha val="30000"/>
-                  </a:srgbClr>
+                  </a:schemeClr>
                 </a:solidFill>
               </a:ln>
+              <a:solidFill>
+                <a:srgbClr val="272123"/>
+              </a:solidFill>
               <a:latin typeface="a나무M" panose="02020600000000000000" pitchFamily="18" charset="-127"/>
               <a:ea typeface="a나무M" panose="02020600000000000000" pitchFamily="18" charset="-127"/>
             </a:endParaRPr>
@@ -8436,14 +9633,14 @@
       </p:sp>
       <p:sp>
         <p:nvSpPr>
-          <p:cNvPr id="48" name="TextBox 47"/>
+          <p:cNvPr id="27" name="TextBox 26"/>
           <p:cNvSpPr txBox="1"/>
           <p:nvPr/>
         </p:nvSpPr>
         <p:spPr>
           <a:xfrm>
-            <a:off x="2267744" y="4476906"/>
-            <a:ext cx="1213523" cy="369332"/>
+            <a:off x="2871786" y="2858863"/>
+            <a:ext cx="3189640" cy="400110"/>
           </a:xfrm>
           <a:prstGeom prst="rect">
             <a:avLst/>
@@ -8456,34 +9653,104 @@
           </a:bodyPr>
           <a:lstStyle/>
           <a:p>
-            <a:pPr algn="ctr"/>
-            <a:r>
-              <a:rPr lang="en-US" altLang="ko-KR" b="1" dirty="0">
-                <a:ln>
-                  <a:solidFill>
-                    <a:srgbClr val="FDA800">
-                      <a:alpha val="30000"/>
-                    </a:srgbClr>
-                  </a:solidFill>
-                </a:ln>
+            <a:r>
+              <a:rPr lang="en-US" altLang="ko-KR" sz="1400" dirty="0">
+                <a:ln>
+                  <a:solidFill>
+                    <a:schemeClr val="tx1">
+                      <a:alpha val="30000"/>
+                    </a:schemeClr>
+                  </a:solidFill>
+                </a:ln>
+                <a:solidFill>
+                  <a:srgbClr val="272123"/>
+                </a:solidFill>
                 <a:latin typeface="a나무M" panose="02020600000000000000" pitchFamily="18" charset="-127"/>
                 <a:ea typeface="a나무M" panose="02020600000000000000" pitchFamily="18" charset="-127"/>
               </a:rPr>
-              <a:t>Database</a:t>
-            </a:r>
-          </a:p>
-        </p:txBody>
-      </p:sp>
-      <p:sp>
-        <p:nvSpPr>
-          <p:cNvPr id="49" name="TextBox 48"/>
+              <a:t>(</a:t>
+            </a:r>
+            <a:r>
+              <a:rPr lang="en-US" altLang="ko-KR" sz="2000" dirty="0">
+                <a:ln>
+                  <a:solidFill>
+                    <a:schemeClr val="tx1">
+                      <a:alpha val="30000"/>
+                    </a:schemeClr>
+                  </a:solidFill>
+                </a:ln>
+                <a:solidFill>
+                  <a:srgbClr val="272123"/>
+                </a:solidFill>
+                <a:latin typeface="a나무M" panose="02020600000000000000" pitchFamily="18" charset="-127"/>
+                <a:ea typeface="a나무M" panose="02020600000000000000" pitchFamily="18" charset="-127"/>
+              </a:rPr>
+              <a:t>S</a:t>
+            </a:r>
+            <a:r>
+              <a:rPr lang="en-US" altLang="ko-KR" sz="1400" dirty="0">
+                <a:ln>
+                  <a:solidFill>
+                    <a:schemeClr val="tx1">
+                      <a:alpha val="30000"/>
+                    </a:schemeClr>
+                  </a:solidFill>
+                </a:ln>
+                <a:solidFill>
+                  <a:srgbClr val="272123"/>
+                </a:solidFill>
+                <a:latin typeface="a나무M" panose="02020600000000000000" pitchFamily="18" charset="-127"/>
+                <a:ea typeface="a나무M" panose="02020600000000000000" pitchFamily="18" charset="-127"/>
+              </a:rPr>
+              <a:t>ervlet </a:t>
+            </a:r>
+            <a:r>
+              <a:rPr lang="ko-KR" altLang="en-US" sz="1400" dirty="0">
+                <a:ln>
+                  <a:solidFill>
+                    <a:schemeClr val="tx1">
+                      <a:alpha val="30000"/>
+                    </a:schemeClr>
+                  </a:solidFill>
+                </a:ln>
+                <a:solidFill>
+                  <a:srgbClr val="272123"/>
+                </a:solidFill>
+                <a:latin typeface="a나무M" panose="02020600000000000000" pitchFamily="18" charset="-127"/>
+                <a:ea typeface="a나무M" panose="02020600000000000000" pitchFamily="18" charset="-127"/>
+              </a:rPr>
+              <a:t>담당 즉 컨트롤러 부분 구현</a:t>
+            </a:r>
+            <a:r>
+              <a:rPr lang="en-US" altLang="ko-KR" sz="1400" dirty="0">
+                <a:ln>
+                  <a:solidFill>
+                    <a:schemeClr val="tx1">
+                      <a:alpha val="30000"/>
+                    </a:schemeClr>
+                  </a:solidFill>
+                </a:ln>
+                <a:solidFill>
+                  <a:srgbClr val="272123"/>
+                </a:solidFill>
+                <a:latin typeface="a나무M" panose="02020600000000000000" pitchFamily="18" charset="-127"/>
+                <a:ea typeface="a나무M" panose="02020600000000000000" pitchFamily="18" charset="-127"/>
+              </a:rPr>
+              <a:t>)</a:t>
+            </a:r>
+          </a:p>
+        </p:txBody>
+      </p:sp>
+      <p:sp>
+        <p:nvSpPr>
+          <p:cNvPr id="25" name="TextBox 24"/>
           <p:cNvSpPr txBox="1"/>
           <p:nvPr/>
         </p:nvSpPr>
         <p:spPr>
           <a:xfrm>
-            <a:off x="5662733" y="4476906"/>
-            <a:ext cx="1085825" cy="369332"/>
+            <a:off x="1979713" y="3655521"/>
+            <a:ext cx="1200486" cy="369332"/>
           </a:xfrm>
           <a:prstGeom prst="rect">
             <a:avLst/>
@@ -8496,120 +9763,40 @@
           </a:bodyPr>
           <a:lstStyle/>
           <a:p>
-            <a:pPr algn="ctr"/>
-            <a:r>
-              <a:rPr lang="en-US" altLang="ko-KR" b="1" dirty="0">
-                <a:ln>
-                  <a:solidFill>
-                    <a:srgbClr val="FDA800">
-                      <a:alpha val="30000"/>
-                    </a:srgbClr>
-                  </a:solidFill>
-                </a:ln>
+            <a:pPr marL="285750" indent="-285750">
+              <a:buFont typeface="Wingdings" pitchFamily="2" charset="2"/>
+              <a:buChar char="§"/>
+            </a:pPr>
+            <a:r>
+              <a:rPr lang="ko-KR" altLang="en-US">
+                <a:ln>
+                  <a:solidFill>
+                    <a:schemeClr val="tx1">
+                      <a:alpha val="30000"/>
+                    </a:schemeClr>
+                  </a:solidFill>
+                </a:ln>
+                <a:solidFill>
+                  <a:srgbClr val="272123"/>
+                </a:solidFill>
                 <a:latin typeface="a나무M" panose="02020600000000000000" pitchFamily="18" charset="-127"/>
                 <a:ea typeface="a나무M" panose="02020600000000000000" pitchFamily="18" charset="-127"/>
               </a:rPr>
-              <a:t>Servlet</a:t>
-            </a:r>
-          </a:p>
-        </p:txBody>
-      </p:sp>
-      <p:sp>
-        <p:nvSpPr>
-          <p:cNvPr id="26" name="갈매기형 수장 25"/>
-          <p:cNvSpPr/>
-          <p:nvPr/>
-        </p:nvSpPr>
-        <p:spPr>
-          <a:xfrm>
-            <a:off x="1767323" y="1501677"/>
-            <a:ext cx="140381" cy="154419"/>
-          </a:xfrm>
-          <a:prstGeom prst="chevron">
-            <a:avLst/>
-          </a:prstGeom>
-          <a:solidFill>
-            <a:srgbClr val="272123"/>
-          </a:solidFill>
-          <a:ln>
-            <a:noFill/>
-          </a:ln>
-        </p:spPr>
-        <p:style>
-          <a:lnRef idx="2">
-            <a:schemeClr val="accent1">
-              <a:shade val="50000"/>
-            </a:schemeClr>
-          </a:lnRef>
-          <a:fillRef idx="1">
-            <a:schemeClr val="accent1"/>
-          </a:fillRef>
-          <a:effectRef idx="0">
-            <a:schemeClr val="accent1"/>
-          </a:effectRef>
-          <a:fontRef idx="minor">
-            <a:schemeClr val="lt1"/>
-          </a:fontRef>
-        </p:style>
-        <p:txBody>
-          <a:bodyPr rtlCol="0" anchor="ctr"/>
-          <a:lstStyle/>
-          <a:p>
-            <a:pPr algn="ctr"/>
-            <a:endParaRPr lang="ko-KR" altLang="en-US">
+              <a:t>박규리</a:t>
+            </a:r>
+            <a:endParaRPr lang="en-US" altLang="ko-KR" dirty="0">
+              <a:ln>
+                <a:solidFill>
+                  <a:schemeClr val="tx1">
+                    <a:alpha val="30000"/>
+                  </a:schemeClr>
+                </a:solidFill>
+              </a:ln>
               <a:solidFill>
-                <a:schemeClr val="tx1"/>
+                <a:srgbClr val="272123"/>
               </a:solidFill>
-            </a:endParaRPr>
-          </a:p>
-        </p:txBody>
-      </p:sp>
-      <p:sp>
-        <p:nvSpPr>
-          <p:cNvPr id="27" name="갈매기형 수장 26"/>
-          <p:cNvSpPr/>
-          <p:nvPr/>
-        </p:nvSpPr>
-        <p:spPr>
-          <a:xfrm>
-            <a:off x="1619672" y="1501677"/>
-            <a:ext cx="140381" cy="154419"/>
-          </a:xfrm>
-          <a:prstGeom prst="chevron">
-            <a:avLst/>
-          </a:prstGeom>
-          <a:solidFill>
-            <a:srgbClr val="272123"/>
-          </a:solidFill>
-          <a:ln>
-            <a:noFill/>
-          </a:ln>
-        </p:spPr>
-        <p:style>
-          <a:lnRef idx="2">
-            <a:schemeClr val="accent1">
-              <a:shade val="50000"/>
-            </a:schemeClr>
-          </a:lnRef>
-          <a:fillRef idx="1">
-            <a:schemeClr val="accent1"/>
-          </a:fillRef>
-          <a:effectRef idx="0">
-            <a:schemeClr val="accent1"/>
-          </a:effectRef>
-          <a:fontRef idx="minor">
-            <a:schemeClr val="lt1"/>
-          </a:fontRef>
-        </p:style>
-        <p:txBody>
-          <a:bodyPr rtlCol="0" anchor="ctr"/>
-          <a:lstStyle/>
-          <a:p>
-            <a:pPr algn="ctr"/>
-            <a:endParaRPr lang="ko-KR" altLang="en-US">
-              <a:solidFill>
-                <a:schemeClr val="tx1"/>
-              </a:solidFill>
+              <a:latin typeface="a나무M" panose="02020600000000000000" pitchFamily="18" charset="-127"/>
+              <a:ea typeface="a나무M" panose="02020600000000000000" pitchFamily="18" charset="-127"/>
             </a:endParaRPr>
           </a:p>
         </p:txBody>
@@ -8622,8 +9809,8 @@
         </p:nvSpPr>
         <p:spPr>
           <a:xfrm>
-            <a:off x="107504" y="2775118"/>
-            <a:ext cx="450395" cy="338554"/>
+            <a:off x="2871786" y="3640132"/>
+            <a:ext cx="2592287" cy="400110"/>
           </a:xfrm>
           <a:prstGeom prst="rect">
             <a:avLst/>
@@ -8637,6 +9824,227 @@
           <a:lstStyle/>
           <a:p>
             <a:r>
+              <a:rPr lang="en-US" altLang="ko-KR" sz="1400" dirty="0">
+                <a:ln>
+                  <a:solidFill>
+                    <a:schemeClr val="tx1">
+                      <a:alpha val="30000"/>
+                    </a:schemeClr>
+                  </a:solidFill>
+                </a:ln>
+                <a:solidFill>
+                  <a:srgbClr val="272123"/>
+                </a:solidFill>
+                <a:latin typeface="a나무M" panose="02020600000000000000" pitchFamily="18" charset="-127"/>
+                <a:ea typeface="a나무M" panose="02020600000000000000" pitchFamily="18" charset="-127"/>
+              </a:rPr>
+              <a:t>(</a:t>
+            </a:r>
+            <a:r>
+              <a:rPr lang="en-US" altLang="ko-KR" sz="2000" dirty="0" err="1">
+                <a:ln>
+                  <a:solidFill>
+                    <a:schemeClr val="tx1">
+                      <a:alpha val="30000"/>
+                    </a:schemeClr>
+                  </a:solidFill>
+                </a:ln>
+                <a:solidFill>
+                  <a:srgbClr val="272123"/>
+                </a:solidFill>
+                <a:latin typeface="a나무M" panose="02020600000000000000" pitchFamily="18" charset="-127"/>
+                <a:ea typeface="a나무M" panose="02020600000000000000" pitchFamily="18" charset="-127"/>
+              </a:rPr>
+              <a:t>F</a:t>
+            </a:r>
+            <a:r>
+              <a:rPr lang="en-US" altLang="ko-KR" sz="1400" dirty="0" err="1">
+                <a:ln>
+                  <a:solidFill>
+                    <a:schemeClr val="tx1">
+                      <a:alpha val="30000"/>
+                    </a:schemeClr>
+                  </a:solidFill>
+                </a:ln>
+                <a:solidFill>
+                  <a:srgbClr val="272123"/>
+                </a:solidFill>
+                <a:latin typeface="a나무M" panose="02020600000000000000" pitchFamily="18" charset="-127"/>
+                <a:ea typeface="a나무M" panose="02020600000000000000" pitchFamily="18" charset="-127"/>
+              </a:rPr>
+              <a:t>ront</a:t>
+            </a:r>
+            <a:r>
+              <a:rPr lang="en-US" altLang="ko-KR" sz="2000" dirty="0" err="1">
+                <a:ln>
+                  <a:solidFill>
+                    <a:schemeClr val="tx1">
+                      <a:alpha val="30000"/>
+                    </a:schemeClr>
+                  </a:solidFill>
+                </a:ln>
+                <a:solidFill>
+                  <a:srgbClr val="272123"/>
+                </a:solidFill>
+                <a:latin typeface="a나무M" panose="02020600000000000000" pitchFamily="18" charset="-127"/>
+                <a:ea typeface="a나무M" panose="02020600000000000000" pitchFamily="18" charset="-127"/>
+              </a:rPr>
+              <a:t>E</a:t>
+            </a:r>
+            <a:r>
+              <a:rPr lang="en-US" altLang="ko-KR" sz="1400" dirty="0" err="1">
+                <a:ln>
+                  <a:solidFill>
+                    <a:schemeClr val="tx1">
+                      <a:alpha val="30000"/>
+                    </a:schemeClr>
+                  </a:solidFill>
+                </a:ln>
+                <a:solidFill>
+                  <a:srgbClr val="272123"/>
+                </a:solidFill>
+                <a:latin typeface="a나무M" panose="02020600000000000000" pitchFamily="18" charset="-127"/>
+                <a:ea typeface="a나무M" panose="02020600000000000000" pitchFamily="18" charset="-127"/>
+              </a:rPr>
+              <a:t>nd</a:t>
+            </a:r>
+            <a:r>
+              <a:rPr lang="en-US" altLang="ko-KR" sz="1400" dirty="0">
+                <a:ln>
+                  <a:solidFill>
+                    <a:schemeClr val="tx1">
+                      <a:alpha val="30000"/>
+                    </a:schemeClr>
+                  </a:solidFill>
+                </a:ln>
+                <a:solidFill>
+                  <a:srgbClr val="272123"/>
+                </a:solidFill>
+                <a:latin typeface="a나무M" panose="02020600000000000000" pitchFamily="18" charset="-127"/>
+                <a:ea typeface="a나무M" panose="02020600000000000000" pitchFamily="18" charset="-127"/>
+              </a:rPr>
+              <a:t> </a:t>
+            </a:r>
+            <a:r>
+              <a:rPr lang="ko-KR" altLang="en-US" sz="1400" dirty="0">
+                <a:ln>
+                  <a:solidFill>
+                    <a:schemeClr val="tx1">
+                      <a:alpha val="30000"/>
+                    </a:schemeClr>
+                  </a:solidFill>
+                </a:ln>
+                <a:solidFill>
+                  <a:srgbClr val="272123"/>
+                </a:solidFill>
+                <a:latin typeface="a나무M" panose="02020600000000000000" pitchFamily="18" charset="-127"/>
+                <a:ea typeface="a나무M" panose="02020600000000000000" pitchFamily="18" charset="-127"/>
+              </a:rPr>
+              <a:t>모든 페이지 구성</a:t>
+            </a:r>
+            <a:r>
+              <a:rPr lang="en-US" altLang="ko-KR" sz="1400" dirty="0">
+                <a:ln>
+                  <a:solidFill>
+                    <a:schemeClr val="tx1">
+                      <a:alpha val="30000"/>
+                    </a:schemeClr>
+                  </a:solidFill>
+                </a:ln>
+                <a:solidFill>
+                  <a:srgbClr val="272123"/>
+                </a:solidFill>
+                <a:latin typeface="a나무M" panose="02020600000000000000" pitchFamily="18" charset="-127"/>
+                <a:ea typeface="a나무M" panose="02020600000000000000" pitchFamily="18" charset="-127"/>
+              </a:rPr>
+              <a:t>)</a:t>
+            </a:r>
+          </a:p>
+        </p:txBody>
+      </p:sp>
+      <p:sp>
+        <p:nvSpPr>
+          <p:cNvPr id="26" name="TextBox 25"/>
+          <p:cNvSpPr txBox="1"/>
+          <p:nvPr/>
+        </p:nvSpPr>
+        <p:spPr>
+          <a:xfrm>
+            <a:off x="1979713" y="4439554"/>
+            <a:ext cx="4055010" cy="369332"/>
+          </a:xfrm>
+          <a:prstGeom prst="rect">
+            <a:avLst/>
+          </a:prstGeom>
+          <a:noFill/>
+        </p:spPr>
+        <p:txBody>
+          <a:bodyPr wrap="square" rtlCol="0">
+            <a:spAutoFit/>
+          </a:bodyPr>
+          <a:lstStyle/>
+          <a:p>
+            <a:pPr marL="285750" indent="-285750">
+              <a:buFont typeface="Wingdings" pitchFamily="2" charset="2"/>
+              <a:buChar char="§"/>
+            </a:pPr>
+            <a:r>
+              <a:rPr lang="ko-KR" altLang="en-US" dirty="0" err="1">
+                <a:ln>
+                  <a:solidFill>
+                    <a:schemeClr val="tx1">
+                      <a:alpha val="30000"/>
+                    </a:schemeClr>
+                  </a:solidFill>
+                </a:ln>
+                <a:solidFill>
+                  <a:srgbClr val="272123"/>
+                </a:solidFill>
+                <a:latin typeface="a나무M" panose="02020600000000000000" pitchFamily="18" charset="-127"/>
+                <a:ea typeface="a나무M" panose="02020600000000000000" pitchFamily="18" charset="-127"/>
+              </a:rPr>
+              <a:t>배용호</a:t>
+            </a:r>
+            <a:endParaRPr lang="en-US" altLang="ko-KR" dirty="0">
+              <a:ln>
+                <a:solidFill>
+                  <a:schemeClr val="tx1">
+                    <a:alpha val="30000"/>
+                  </a:schemeClr>
+                </a:solidFill>
+              </a:ln>
+              <a:solidFill>
+                <a:srgbClr val="272123"/>
+              </a:solidFill>
+              <a:latin typeface="a나무M" panose="02020600000000000000" pitchFamily="18" charset="-127"/>
+              <a:ea typeface="a나무M" panose="02020600000000000000" pitchFamily="18" charset="-127"/>
+            </a:endParaRPr>
+          </a:p>
+        </p:txBody>
+      </p:sp>
+      <p:sp>
+        <p:nvSpPr>
+          <p:cNvPr id="23" name="TextBox 22"/>
+          <p:cNvSpPr txBox="1"/>
+          <p:nvPr/>
+        </p:nvSpPr>
+        <p:spPr>
+          <a:xfrm>
+            <a:off x="107504" y="2298358"/>
+            <a:ext cx="450395" cy="338554"/>
+          </a:xfrm>
+          <a:prstGeom prst="rect">
+            <a:avLst/>
+          </a:prstGeom>
+          <a:noFill/>
+        </p:spPr>
+        <p:txBody>
+          <a:bodyPr wrap="square" rtlCol="0">
+            <a:spAutoFit/>
+          </a:bodyPr>
+          <a:lstStyle/>
+          <a:p>
+            <a:r>
               <a:rPr lang="en-US" altLang="ko-KR" sz="1600" dirty="0">
                 <a:ln>
                   <a:solidFill>
@@ -8653,7 +10061,468 @@
                 <a:latin typeface="Yoon 윤고딕 520_TT" pitchFamily="18" charset="-127"/>
                 <a:ea typeface="Yoon 윤고딕 520_TT" pitchFamily="18" charset="-127"/>
               </a:rPr>
+              <a:t>04</a:t>
+            </a:r>
+          </a:p>
+        </p:txBody>
+      </p:sp>
+      <p:sp>
+        <p:nvSpPr>
+          <p:cNvPr id="32" name="TextBox 31"/>
+          <p:cNvSpPr txBox="1"/>
+          <p:nvPr/>
+        </p:nvSpPr>
+        <p:spPr>
+          <a:xfrm>
+            <a:off x="107504" y="2775118"/>
+            <a:ext cx="450395" cy="338554"/>
+          </a:xfrm>
+          <a:prstGeom prst="rect">
+            <a:avLst/>
+          </a:prstGeom>
+          <a:noFill/>
+        </p:spPr>
+        <p:txBody>
+          <a:bodyPr wrap="square" rtlCol="0">
+            <a:spAutoFit/>
+          </a:bodyPr>
+          <a:lstStyle/>
+          <a:p>
+            <a:r>
+              <a:rPr lang="en-US" altLang="ko-KR" sz="1600" dirty="0">
+                <a:ln>
+                  <a:solidFill>
+                    <a:schemeClr val="tx1">
+                      <a:alpha val="30000"/>
+                    </a:schemeClr>
+                  </a:solidFill>
+                </a:ln>
+                <a:solidFill>
+                  <a:schemeClr val="bg1">
+                    <a:lumMod val="85000"/>
+                  </a:schemeClr>
+                </a:solidFill>
+                <a:latin typeface="Yoon 윤고딕 520_TT" pitchFamily="18" charset="-127"/>
+                <a:ea typeface="Yoon 윤고딕 520_TT" pitchFamily="18" charset="-127"/>
+              </a:rPr>
               <a:t>05</a:t>
+            </a:r>
+          </a:p>
+        </p:txBody>
+      </p:sp>
+      <p:sp>
+        <p:nvSpPr>
+          <p:cNvPr id="33" name="TextBox 32">
+            <a:extLst>
+              <a:ext uri="{FF2B5EF4-FFF2-40B4-BE49-F238E27FC236}">
+                <a16:creationId xmlns:a16="http://schemas.microsoft.com/office/drawing/2014/main" xmlns="" id="{D87D4CB2-3A4C-4635-A191-39A46EF16330}"/>
+              </a:ext>
+            </a:extLst>
+          </p:cNvPr>
+          <p:cNvSpPr txBox="1"/>
+          <p:nvPr/>
+        </p:nvSpPr>
+        <p:spPr>
+          <a:xfrm>
+            <a:off x="2009067" y="5223587"/>
+            <a:ext cx="4055010" cy="369332"/>
+          </a:xfrm>
+          <a:prstGeom prst="rect">
+            <a:avLst/>
+          </a:prstGeom>
+          <a:noFill/>
+        </p:spPr>
+        <p:txBody>
+          <a:bodyPr wrap="square" rtlCol="0">
+            <a:spAutoFit/>
+          </a:bodyPr>
+          <a:lstStyle/>
+          <a:p>
+            <a:pPr marL="285750" indent="-285750">
+              <a:buFont typeface="Wingdings" pitchFamily="2" charset="2"/>
+              <a:buChar char="§"/>
+            </a:pPr>
+            <a:r>
+              <a:rPr lang="ko-KR" altLang="en-US" dirty="0">
+                <a:ln>
+                  <a:solidFill>
+                    <a:schemeClr val="tx1">
+                      <a:alpha val="30000"/>
+                    </a:schemeClr>
+                  </a:solidFill>
+                </a:ln>
+                <a:solidFill>
+                  <a:srgbClr val="272123"/>
+                </a:solidFill>
+                <a:latin typeface="a나무M" panose="02020600000000000000" pitchFamily="18" charset="-127"/>
+                <a:ea typeface="a나무M" panose="02020600000000000000" pitchFamily="18" charset="-127"/>
+              </a:rPr>
+              <a:t>윤정현</a:t>
+            </a:r>
+            <a:endParaRPr lang="en-US" altLang="ko-KR" dirty="0">
+              <a:ln>
+                <a:solidFill>
+                  <a:schemeClr val="tx1">
+                    <a:alpha val="30000"/>
+                  </a:schemeClr>
+                </a:solidFill>
+              </a:ln>
+              <a:solidFill>
+                <a:srgbClr val="272123"/>
+              </a:solidFill>
+              <a:latin typeface="a나무M" panose="02020600000000000000" pitchFamily="18" charset="-127"/>
+              <a:ea typeface="a나무M" panose="02020600000000000000" pitchFamily="18" charset="-127"/>
+            </a:endParaRPr>
+          </a:p>
+        </p:txBody>
+      </p:sp>
+      <p:sp>
+        <p:nvSpPr>
+          <p:cNvPr id="35" name="TextBox 34">
+            <a:extLst>
+              <a:ext uri="{FF2B5EF4-FFF2-40B4-BE49-F238E27FC236}">
+                <a16:creationId xmlns:a16="http://schemas.microsoft.com/office/drawing/2014/main" xmlns="" id="{6CB00898-23B1-4A00-B08D-ACDB75603100}"/>
+              </a:ext>
+            </a:extLst>
+          </p:cNvPr>
+          <p:cNvSpPr txBox="1"/>
+          <p:nvPr/>
+        </p:nvSpPr>
+        <p:spPr>
+          <a:xfrm>
+            <a:off x="2871785" y="4408776"/>
+            <a:ext cx="3284391" cy="400110"/>
+          </a:xfrm>
+          <a:prstGeom prst="rect">
+            <a:avLst/>
+          </a:prstGeom>
+          <a:noFill/>
+        </p:spPr>
+        <p:txBody>
+          <a:bodyPr wrap="square" rtlCol="0">
+            <a:spAutoFit/>
+          </a:bodyPr>
+          <a:lstStyle/>
+          <a:p>
+            <a:r>
+              <a:rPr lang="en-US" altLang="ko-KR" sz="1400" dirty="0">
+                <a:ln>
+                  <a:solidFill>
+                    <a:schemeClr val="tx1">
+                      <a:alpha val="30000"/>
+                    </a:schemeClr>
+                  </a:solidFill>
+                </a:ln>
+                <a:solidFill>
+                  <a:srgbClr val="272123"/>
+                </a:solidFill>
+                <a:latin typeface="a나무M" panose="02020600000000000000" pitchFamily="18" charset="-127"/>
+                <a:ea typeface="a나무M" panose="02020600000000000000" pitchFamily="18" charset="-127"/>
+              </a:rPr>
+              <a:t>(</a:t>
+            </a:r>
+            <a:r>
+              <a:rPr lang="en-US" altLang="ko-KR" sz="2000" dirty="0">
+                <a:ln>
+                  <a:solidFill>
+                    <a:schemeClr val="tx1">
+                      <a:alpha val="30000"/>
+                    </a:schemeClr>
+                  </a:solidFill>
+                </a:ln>
+                <a:solidFill>
+                  <a:srgbClr val="272123"/>
+                </a:solidFill>
+                <a:latin typeface="a나무M" panose="02020600000000000000" pitchFamily="18" charset="-127"/>
+                <a:ea typeface="a나무M" panose="02020600000000000000" pitchFamily="18" charset="-127"/>
+              </a:rPr>
+              <a:t>P</a:t>
+            </a:r>
+            <a:r>
+              <a:rPr lang="en-US" altLang="ko-KR" sz="1400" dirty="0">
+                <a:ln>
+                  <a:solidFill>
+                    <a:schemeClr val="tx1">
+                      <a:alpha val="30000"/>
+                    </a:schemeClr>
+                  </a:solidFill>
+                </a:ln>
+                <a:solidFill>
+                  <a:srgbClr val="272123"/>
+                </a:solidFill>
+                <a:latin typeface="a나무M" panose="02020600000000000000" pitchFamily="18" charset="-127"/>
+                <a:ea typeface="a나무M" panose="02020600000000000000" pitchFamily="18" charset="-127"/>
+              </a:rPr>
+              <a:t>roject </a:t>
+            </a:r>
+            <a:r>
+              <a:rPr lang="en-US" altLang="ko-KR" sz="2000" dirty="0">
+                <a:ln>
+                  <a:solidFill>
+                    <a:schemeClr val="tx1">
+                      <a:alpha val="30000"/>
+                    </a:schemeClr>
+                  </a:solidFill>
+                </a:ln>
+                <a:solidFill>
+                  <a:srgbClr val="272123"/>
+                </a:solidFill>
+                <a:latin typeface="a나무M" panose="02020600000000000000" pitchFamily="18" charset="-127"/>
+                <a:ea typeface="a나무M" panose="02020600000000000000" pitchFamily="18" charset="-127"/>
+              </a:rPr>
+              <a:t>m</a:t>
+            </a:r>
+            <a:r>
+              <a:rPr lang="en-US" altLang="ko-KR" sz="1400" dirty="0">
+                <a:ln>
+                  <a:solidFill>
+                    <a:schemeClr val="tx1">
+                      <a:alpha val="30000"/>
+                    </a:schemeClr>
+                  </a:solidFill>
+                </a:ln>
+                <a:solidFill>
+                  <a:srgbClr val="272123"/>
+                </a:solidFill>
+                <a:latin typeface="a나무M" panose="02020600000000000000" pitchFamily="18" charset="-127"/>
+                <a:ea typeface="a나무M" panose="02020600000000000000" pitchFamily="18" charset="-127"/>
+              </a:rPr>
+              <a:t>anager </a:t>
+            </a:r>
+            <a:r>
+              <a:rPr lang="ko-KR" altLang="en-US" sz="1400" dirty="0">
+                <a:ln>
+                  <a:solidFill>
+                    <a:schemeClr val="tx1">
+                      <a:alpha val="30000"/>
+                    </a:schemeClr>
+                  </a:solidFill>
+                </a:ln>
+                <a:solidFill>
+                  <a:srgbClr val="272123"/>
+                </a:solidFill>
+                <a:latin typeface="a나무M" panose="02020600000000000000" pitchFamily="18" charset="-127"/>
+                <a:ea typeface="a나무M" panose="02020600000000000000" pitchFamily="18" charset="-127"/>
+              </a:rPr>
+              <a:t>프로젝트 총괄</a:t>
+            </a:r>
+            <a:r>
+              <a:rPr lang="en-US" altLang="ko-KR" sz="1400" dirty="0">
+                <a:ln>
+                  <a:solidFill>
+                    <a:schemeClr val="tx1">
+                      <a:alpha val="30000"/>
+                    </a:schemeClr>
+                  </a:solidFill>
+                </a:ln>
+                <a:solidFill>
+                  <a:srgbClr val="272123"/>
+                </a:solidFill>
+                <a:latin typeface="a나무M" panose="02020600000000000000" pitchFamily="18" charset="-127"/>
+                <a:ea typeface="a나무M" panose="02020600000000000000" pitchFamily="18" charset="-127"/>
+              </a:rPr>
+              <a:t>)</a:t>
+            </a:r>
+          </a:p>
+        </p:txBody>
+      </p:sp>
+      <p:sp>
+        <p:nvSpPr>
+          <p:cNvPr id="34" name="TextBox 33">
+            <a:extLst>
+              <a:ext uri="{FF2B5EF4-FFF2-40B4-BE49-F238E27FC236}">
+                <a16:creationId xmlns:a16="http://schemas.microsoft.com/office/drawing/2014/main" xmlns="" id="{3A723592-21B7-4008-AE5B-1F4385596E38}"/>
+              </a:ext>
+            </a:extLst>
+          </p:cNvPr>
+          <p:cNvSpPr txBox="1"/>
+          <p:nvPr/>
+        </p:nvSpPr>
+        <p:spPr>
+          <a:xfrm>
+            <a:off x="2871785" y="5223587"/>
+            <a:ext cx="3500415" cy="400110"/>
+          </a:xfrm>
+          <a:prstGeom prst="rect">
+            <a:avLst/>
+          </a:prstGeom>
+          <a:noFill/>
+        </p:spPr>
+        <p:txBody>
+          <a:bodyPr wrap="square" rtlCol="0">
+            <a:spAutoFit/>
+          </a:bodyPr>
+          <a:lstStyle/>
+          <a:p>
+            <a:r>
+              <a:rPr lang="en-US" altLang="ko-KR" sz="1400" dirty="0">
+                <a:ln>
+                  <a:solidFill>
+                    <a:schemeClr val="tx1">
+                      <a:alpha val="30000"/>
+                    </a:schemeClr>
+                  </a:solidFill>
+                </a:ln>
+                <a:solidFill>
+                  <a:srgbClr val="272123"/>
+                </a:solidFill>
+                <a:latin typeface="a나무M" panose="02020600000000000000" pitchFamily="18" charset="-127"/>
+                <a:ea typeface="a나무M" panose="02020600000000000000" pitchFamily="18" charset="-127"/>
+              </a:rPr>
+              <a:t>(</a:t>
+            </a:r>
+            <a:r>
+              <a:rPr lang="en-US" altLang="ko-KR" sz="2000" dirty="0" err="1">
+                <a:ln>
+                  <a:solidFill>
+                    <a:schemeClr val="tx1">
+                      <a:alpha val="30000"/>
+                    </a:schemeClr>
+                  </a:solidFill>
+                </a:ln>
+                <a:solidFill>
+                  <a:srgbClr val="272123"/>
+                </a:solidFill>
+                <a:latin typeface="a나무M" panose="02020600000000000000" pitchFamily="18" charset="-127"/>
+                <a:ea typeface="a나무M" panose="02020600000000000000" pitchFamily="18" charset="-127"/>
+              </a:rPr>
+              <a:t>B</a:t>
+            </a:r>
+            <a:r>
+              <a:rPr lang="en-US" altLang="ko-KR" sz="1400" dirty="0" err="1">
+                <a:ln>
+                  <a:solidFill>
+                    <a:schemeClr val="tx1">
+                      <a:alpha val="30000"/>
+                    </a:schemeClr>
+                  </a:solidFill>
+                </a:ln>
+                <a:solidFill>
+                  <a:srgbClr val="272123"/>
+                </a:solidFill>
+                <a:latin typeface="a나무M" panose="02020600000000000000" pitchFamily="18" charset="-127"/>
+                <a:ea typeface="a나무M" panose="02020600000000000000" pitchFamily="18" charset="-127"/>
+              </a:rPr>
+              <a:t>ack</a:t>
+            </a:r>
+            <a:r>
+              <a:rPr lang="en-US" altLang="ko-KR" sz="2000" dirty="0" err="1">
+                <a:ln>
+                  <a:solidFill>
+                    <a:schemeClr val="tx1">
+                      <a:alpha val="30000"/>
+                    </a:schemeClr>
+                  </a:solidFill>
+                </a:ln>
+                <a:solidFill>
+                  <a:srgbClr val="272123"/>
+                </a:solidFill>
+                <a:latin typeface="a나무M" panose="02020600000000000000" pitchFamily="18" charset="-127"/>
+                <a:ea typeface="a나무M" panose="02020600000000000000" pitchFamily="18" charset="-127"/>
+              </a:rPr>
+              <a:t>E</a:t>
+            </a:r>
+            <a:r>
+              <a:rPr lang="en-US" altLang="ko-KR" sz="1400" dirty="0" err="1">
+                <a:ln>
+                  <a:solidFill>
+                    <a:schemeClr val="tx1">
+                      <a:alpha val="30000"/>
+                    </a:schemeClr>
+                  </a:solidFill>
+                </a:ln>
+                <a:solidFill>
+                  <a:srgbClr val="272123"/>
+                </a:solidFill>
+                <a:latin typeface="a나무M" panose="02020600000000000000" pitchFamily="18" charset="-127"/>
+                <a:ea typeface="a나무M" panose="02020600000000000000" pitchFamily="18" charset="-127"/>
+              </a:rPr>
+              <a:t>nd</a:t>
+            </a:r>
+            <a:r>
+              <a:rPr lang="en-US" altLang="ko-KR" sz="1400" dirty="0">
+                <a:ln>
+                  <a:solidFill>
+                    <a:schemeClr val="tx1">
+                      <a:alpha val="30000"/>
+                    </a:schemeClr>
+                  </a:solidFill>
+                </a:ln>
+                <a:solidFill>
+                  <a:srgbClr val="272123"/>
+                </a:solidFill>
+                <a:latin typeface="a나무M" panose="02020600000000000000" pitchFamily="18" charset="-127"/>
+                <a:ea typeface="a나무M" panose="02020600000000000000" pitchFamily="18" charset="-127"/>
+              </a:rPr>
+              <a:t> </a:t>
+            </a:r>
+            <a:r>
+              <a:rPr lang="ko-KR" altLang="en-US" sz="1400" dirty="0">
+                <a:ln>
+                  <a:solidFill>
+                    <a:schemeClr val="tx1">
+                      <a:alpha val="30000"/>
+                    </a:schemeClr>
+                  </a:solidFill>
+                </a:ln>
+                <a:solidFill>
+                  <a:srgbClr val="272123"/>
+                </a:solidFill>
+                <a:latin typeface="a나무M" panose="02020600000000000000" pitchFamily="18" charset="-127"/>
+                <a:ea typeface="a나무M" panose="02020600000000000000" pitchFamily="18" charset="-127"/>
+              </a:rPr>
+              <a:t>데이터베이스 설계 및 </a:t>
+            </a:r>
+            <a:r>
+              <a:rPr lang="en-US" altLang="ko-KR" sz="1400" dirty="0">
+                <a:ln>
+                  <a:solidFill>
+                    <a:schemeClr val="tx1">
+                      <a:alpha val="30000"/>
+                    </a:schemeClr>
+                  </a:solidFill>
+                </a:ln>
+                <a:solidFill>
+                  <a:srgbClr val="272123"/>
+                </a:solidFill>
+                <a:latin typeface="a나무M" panose="02020600000000000000" pitchFamily="18" charset="-127"/>
+                <a:ea typeface="a나무M" panose="02020600000000000000" pitchFamily="18" charset="-127"/>
+              </a:rPr>
+              <a:t>DAO</a:t>
+            </a:r>
+            <a:r>
+              <a:rPr lang="ko-KR" altLang="en-US" sz="1400" dirty="0">
+                <a:ln>
+                  <a:solidFill>
+                    <a:schemeClr val="tx1">
+                      <a:alpha val="30000"/>
+                    </a:schemeClr>
+                  </a:solidFill>
+                </a:ln>
+                <a:solidFill>
+                  <a:srgbClr val="272123"/>
+                </a:solidFill>
+                <a:latin typeface="a나무M" panose="02020600000000000000" pitchFamily="18" charset="-127"/>
+                <a:ea typeface="a나무M" panose="02020600000000000000" pitchFamily="18" charset="-127"/>
+              </a:rPr>
+              <a:t> 구현</a:t>
+            </a:r>
+            <a:r>
+              <a:rPr lang="en-US" altLang="ko-KR" sz="1400" dirty="0">
+                <a:ln>
+                  <a:solidFill>
+                    <a:schemeClr val="tx1">
+                      <a:alpha val="30000"/>
+                    </a:schemeClr>
+                  </a:solidFill>
+                </a:ln>
+                <a:solidFill>
+                  <a:srgbClr val="272123"/>
+                </a:solidFill>
+                <a:latin typeface="a나무M" panose="02020600000000000000" pitchFamily="18" charset="-127"/>
+                <a:ea typeface="a나무M" panose="02020600000000000000" pitchFamily="18" charset="-127"/>
+              </a:rPr>
+              <a:t>)</a:t>
             </a:r>
           </a:p>
         </p:txBody>
@@ -8661,7 +10530,7 @@
     </p:spTree>
     <p:extLst>
       <p:ext uri="{BB962C8B-B14F-4D97-AF65-F5344CB8AC3E}">
-        <p14:creationId xmlns:p14="http://schemas.microsoft.com/office/powerpoint/2010/main" val="3493880985"/>
+        <p14:creationId xmlns:p14="http://schemas.microsoft.com/office/powerpoint/2010/main" val="1866215808"/>
       </p:ext>
     </p:extLst>
   </p:cSld>
@@ -8700,54 +10569,6 @@
           <a:chExt cx="0" cy="0"/>
         </a:xfrm>
       </p:grpSpPr>
-      <p:sp>
-        <p:nvSpPr>
-          <p:cNvPr id="19" name="직사각형 18"/>
-          <p:cNvSpPr/>
-          <p:nvPr/>
-        </p:nvSpPr>
-        <p:spPr>
-          <a:xfrm>
-            <a:off x="1624342" y="1949443"/>
-            <a:ext cx="3485187" cy="415636"/>
-          </a:xfrm>
-          <a:prstGeom prst="rect">
-            <a:avLst/>
-          </a:prstGeom>
-          <a:solidFill>
-            <a:srgbClr val="AF9061">
-              <a:alpha val="80000"/>
-            </a:srgbClr>
-          </a:solidFill>
-          <a:ln>
-            <a:noFill/>
-          </a:ln>
-        </p:spPr>
-        <p:style>
-          <a:lnRef idx="2">
-            <a:schemeClr val="accent1">
-              <a:shade val="50000"/>
-            </a:schemeClr>
-          </a:lnRef>
-          <a:fillRef idx="1">
-            <a:schemeClr val="accent1"/>
-          </a:fillRef>
-          <a:effectRef idx="0">
-            <a:schemeClr val="accent1"/>
-          </a:effectRef>
-          <a:fontRef idx="minor">
-            <a:schemeClr val="lt1"/>
-          </a:fontRef>
-        </p:style>
-        <p:txBody>
-          <a:bodyPr rtlCol="0" anchor="ctr"/>
-          <a:lstStyle/>
-          <a:p>
-            <a:pPr algn="ctr"/>
-            <a:endParaRPr lang="ko-KR" altLang="en-US"/>
-          </a:p>
-        </p:txBody>
-      </p:sp>
       <p:cxnSp>
         <p:nvCxnSpPr>
           <p:cNvPr id="4" name="직선 연결선 3"/>
@@ -8961,7 +10782,7 @@
         </p:nvSpPr>
         <p:spPr>
           <a:xfrm>
-            <a:off x="-9283" y="1813760"/>
+            <a:off x="-9283" y="2284275"/>
             <a:ext cx="834325" cy="343501"/>
           </a:xfrm>
           <a:prstGeom prst="rect">
@@ -9007,7 +10828,7 @@
         </p:nvSpPr>
         <p:spPr>
           <a:xfrm rot="5400000">
-            <a:off x="702755" y="2143834"/>
+            <a:off x="702755" y="2614349"/>
             <a:ext cx="81142" cy="108000"/>
           </a:xfrm>
           <a:prstGeom prst="rtTriangle">
@@ -9181,14 +11002,14 @@
       </p:sp>
       <p:sp>
         <p:nvSpPr>
-          <p:cNvPr id="17" name="TextBox 16"/>
+          <p:cNvPr id="26" name="TextBox 25"/>
           <p:cNvSpPr txBox="1"/>
           <p:nvPr/>
         </p:nvSpPr>
         <p:spPr>
           <a:xfrm>
-            <a:off x="1535262" y="1521627"/>
-            <a:ext cx="4464496" cy="292388"/>
+            <a:off x="3408757" y="6093296"/>
+            <a:ext cx="2656754" cy="400110"/>
           </a:xfrm>
           <a:prstGeom prst="rect">
             <a:avLst/>
@@ -9201,80 +11022,25 @@
           </a:bodyPr>
           <a:lstStyle/>
           <a:p>
-            <a:r>
-              <a:rPr lang="ko-KR" altLang="en-US" sz="1300" dirty="0">
-                <a:ln>
-                  <a:solidFill>
-                    <a:srgbClr val="AF9061">
-                      <a:alpha val="30000"/>
-                    </a:srgbClr>
-                  </a:solidFill>
-                </a:ln>
-                <a:solidFill>
-                  <a:srgbClr val="AF9061"/>
+            <a:pPr algn="ctr"/>
+            <a:r>
+              <a:rPr lang="ko-KR" altLang="en-US" sz="2000" dirty="0">
+                <a:ln>
+                  <a:solidFill>
+                    <a:schemeClr val="tx1">
+                      <a:alpha val="30000"/>
+                    </a:schemeClr>
+                  </a:solidFill>
+                </a:ln>
+                <a:solidFill>
+                  <a:srgbClr val="272123"/>
                 </a:solidFill>
                 <a:latin typeface="a나무M" panose="02020600000000000000" pitchFamily="18" charset="-127"/>
                 <a:ea typeface="a나무M" panose="02020600000000000000" pitchFamily="18" charset="-127"/>
               </a:rPr>
-              <a:t>성공적으로 프로젝트를 마치기 위한 역할 분담</a:t>
-            </a:r>
-            <a:endParaRPr lang="en-US" altLang="ko-KR" sz="1300" dirty="0">
-              <a:ln>
-                <a:solidFill>
-                  <a:srgbClr val="AF9061">
-                    <a:alpha val="30000"/>
-                  </a:srgbClr>
-                </a:solidFill>
-              </a:ln>
-              <a:solidFill>
-                <a:srgbClr val="AF9061"/>
-              </a:solidFill>
-              <a:latin typeface="a나무M" panose="02020600000000000000" pitchFamily="18" charset="-127"/>
-              <a:ea typeface="a나무M" panose="02020600000000000000" pitchFamily="18" charset="-127"/>
-            </a:endParaRPr>
-          </a:p>
-        </p:txBody>
-      </p:sp>
-      <p:sp>
-        <p:nvSpPr>
-          <p:cNvPr id="18" name="TextBox 17"/>
-          <p:cNvSpPr txBox="1"/>
-          <p:nvPr/>
-        </p:nvSpPr>
-        <p:spPr>
-          <a:xfrm>
-            <a:off x="1842281" y="1954507"/>
-            <a:ext cx="3049311" cy="369332"/>
-          </a:xfrm>
-          <a:prstGeom prst="rect">
-            <a:avLst/>
-          </a:prstGeom>
-          <a:noFill/>
-        </p:spPr>
-        <p:txBody>
-          <a:bodyPr wrap="square" rtlCol="0">
-            <a:spAutoFit/>
-          </a:bodyPr>
-          <a:lstStyle/>
-          <a:p>
-            <a:r>
-              <a:rPr lang="ko-KR" altLang="en-US" dirty="0">
-                <a:ln>
-                  <a:solidFill>
-                    <a:schemeClr val="tx1">
-                      <a:alpha val="30000"/>
-                    </a:schemeClr>
-                  </a:solidFill>
-                </a:ln>
-                <a:solidFill>
-                  <a:srgbClr val="272123"/>
-                </a:solidFill>
-                <a:latin typeface="a나무M" panose="02020600000000000000" pitchFamily="18" charset="-127"/>
-                <a:ea typeface="a나무M" panose="02020600000000000000" pitchFamily="18" charset="-127"/>
-              </a:rPr>
-              <a:t>각자의 역할</a:t>
-            </a:r>
-            <a:endParaRPr lang="en-US" altLang="ko-KR" dirty="0">
+              <a:t>데이터베이스 설계도</a:t>
+            </a:r>
+            <a:endParaRPr lang="en-US" altLang="ko-KR" sz="2000" dirty="0">
               <a:ln>
                 <a:solidFill>
                   <a:schemeClr val="tx1">
@@ -9293,14 +11059,14 @@
       </p:sp>
       <p:sp>
         <p:nvSpPr>
-          <p:cNvPr id="20" name="TextBox 19"/>
+          <p:cNvPr id="23" name="TextBox 22"/>
           <p:cNvSpPr txBox="1"/>
           <p:nvPr/>
         </p:nvSpPr>
         <p:spPr>
           <a:xfrm>
-            <a:off x="1979712" y="2856100"/>
-            <a:ext cx="1410875" cy="369332"/>
+            <a:off x="107504" y="2298358"/>
+            <a:ext cx="450395" cy="338554"/>
           </a:xfrm>
           <a:prstGeom prst="rect">
             <a:avLst/>
@@ -9313,54 +11079,38 @@
           </a:bodyPr>
           <a:lstStyle/>
           <a:p>
-            <a:pPr marL="285750" indent="-285750">
-              <a:buFont typeface="Wingdings" pitchFamily="2" charset="2"/>
-              <a:buChar char="§"/>
-            </a:pPr>
-            <a:r>
-              <a:rPr lang="ko-KR" altLang="en-US" dirty="0">
-                <a:ln>
-                  <a:solidFill>
-                    <a:schemeClr val="tx1">
-                      <a:alpha val="30000"/>
-                    </a:schemeClr>
-                  </a:solidFill>
-                </a:ln>
-                <a:solidFill>
-                  <a:srgbClr val="272123"/>
-                </a:solidFill>
-                <a:latin typeface="a나무M" panose="02020600000000000000" pitchFamily="18" charset="-127"/>
-                <a:ea typeface="a나무M" panose="02020600000000000000" pitchFamily="18" charset="-127"/>
-              </a:rPr>
-              <a:t>김소연</a:t>
-            </a:r>
-            <a:endParaRPr lang="en-US" altLang="ko-KR" dirty="0">
-              <a:ln>
-                <a:solidFill>
-                  <a:schemeClr val="tx1">
-                    <a:alpha val="30000"/>
+            <a:r>
+              <a:rPr lang="en-US" altLang="ko-KR" sz="1600" dirty="0">
+                <a:ln>
+                  <a:solidFill>
+                    <a:schemeClr val="tx1">
+                      <a:alpha val="30000"/>
+                    </a:schemeClr>
+                  </a:solidFill>
+                </a:ln>
+                <a:solidFill>
+                  <a:schemeClr val="bg1">
+                    <a:lumMod val="85000"/>
                   </a:schemeClr>
                 </a:solidFill>
-              </a:ln>
-              <a:solidFill>
-                <a:srgbClr val="272123"/>
-              </a:solidFill>
-              <a:latin typeface="a나무M" panose="02020600000000000000" pitchFamily="18" charset="-127"/>
-              <a:ea typeface="a나무M" panose="02020600000000000000" pitchFamily="18" charset="-127"/>
-            </a:endParaRPr>
-          </a:p>
-        </p:txBody>
-      </p:sp>
-      <p:sp>
-        <p:nvSpPr>
-          <p:cNvPr id="27" name="TextBox 26"/>
+                <a:latin typeface="Yoon 윤고딕 520_TT" pitchFamily="18" charset="-127"/>
+                <a:ea typeface="Yoon 윤고딕 520_TT" pitchFamily="18" charset="-127"/>
+              </a:rPr>
+              <a:t>04</a:t>
+            </a:r>
+          </a:p>
+        </p:txBody>
+      </p:sp>
+      <p:sp>
+        <p:nvSpPr>
+          <p:cNvPr id="25" name="TextBox 24"/>
           <p:cNvSpPr txBox="1"/>
           <p:nvPr/>
         </p:nvSpPr>
         <p:spPr>
           <a:xfrm>
-            <a:off x="2871786" y="2858863"/>
-            <a:ext cx="3189640" cy="400110"/>
+            <a:off x="107504" y="2775118"/>
+            <a:ext cx="450395" cy="338554"/>
           </a:xfrm>
           <a:prstGeom prst="rect">
             <a:avLst/>
@@ -9374,397 +11124,6 @@
           <a:lstStyle/>
           <a:p>
             <a:r>
-              <a:rPr lang="en-US" altLang="ko-KR" sz="1400" dirty="0">
-                <a:ln>
-                  <a:solidFill>
-                    <a:schemeClr val="tx1">
-                      <a:alpha val="30000"/>
-                    </a:schemeClr>
-                  </a:solidFill>
-                </a:ln>
-                <a:solidFill>
-                  <a:srgbClr val="272123"/>
-                </a:solidFill>
-                <a:latin typeface="a나무M" panose="02020600000000000000" pitchFamily="18" charset="-127"/>
-                <a:ea typeface="a나무M" panose="02020600000000000000" pitchFamily="18" charset="-127"/>
-              </a:rPr>
-              <a:t>(</a:t>
-            </a:r>
-            <a:r>
-              <a:rPr lang="en-US" altLang="ko-KR" sz="2000" dirty="0">
-                <a:ln>
-                  <a:solidFill>
-                    <a:schemeClr val="tx1">
-                      <a:alpha val="30000"/>
-                    </a:schemeClr>
-                  </a:solidFill>
-                </a:ln>
-                <a:solidFill>
-                  <a:srgbClr val="272123"/>
-                </a:solidFill>
-                <a:latin typeface="a나무M" panose="02020600000000000000" pitchFamily="18" charset="-127"/>
-                <a:ea typeface="a나무M" panose="02020600000000000000" pitchFamily="18" charset="-127"/>
-              </a:rPr>
-              <a:t>S</a:t>
-            </a:r>
-            <a:r>
-              <a:rPr lang="en-US" altLang="ko-KR" sz="1400" dirty="0">
-                <a:ln>
-                  <a:solidFill>
-                    <a:schemeClr val="tx1">
-                      <a:alpha val="30000"/>
-                    </a:schemeClr>
-                  </a:solidFill>
-                </a:ln>
-                <a:solidFill>
-                  <a:srgbClr val="272123"/>
-                </a:solidFill>
-                <a:latin typeface="a나무M" panose="02020600000000000000" pitchFamily="18" charset="-127"/>
-                <a:ea typeface="a나무M" panose="02020600000000000000" pitchFamily="18" charset="-127"/>
-              </a:rPr>
-              <a:t>ervlet </a:t>
-            </a:r>
-            <a:r>
-              <a:rPr lang="ko-KR" altLang="en-US" sz="1400" dirty="0">
-                <a:ln>
-                  <a:solidFill>
-                    <a:schemeClr val="tx1">
-                      <a:alpha val="30000"/>
-                    </a:schemeClr>
-                  </a:solidFill>
-                </a:ln>
-                <a:solidFill>
-                  <a:srgbClr val="272123"/>
-                </a:solidFill>
-                <a:latin typeface="a나무M" panose="02020600000000000000" pitchFamily="18" charset="-127"/>
-                <a:ea typeface="a나무M" panose="02020600000000000000" pitchFamily="18" charset="-127"/>
-              </a:rPr>
-              <a:t>담당 즉 컨트롤러 부분 구현</a:t>
-            </a:r>
-            <a:r>
-              <a:rPr lang="en-US" altLang="ko-KR" sz="1400" dirty="0">
-                <a:ln>
-                  <a:solidFill>
-                    <a:schemeClr val="tx1">
-                      <a:alpha val="30000"/>
-                    </a:schemeClr>
-                  </a:solidFill>
-                </a:ln>
-                <a:solidFill>
-                  <a:srgbClr val="272123"/>
-                </a:solidFill>
-                <a:latin typeface="a나무M" panose="02020600000000000000" pitchFamily="18" charset="-127"/>
-                <a:ea typeface="a나무M" panose="02020600000000000000" pitchFamily="18" charset="-127"/>
-              </a:rPr>
-              <a:t>)</a:t>
-            </a:r>
-          </a:p>
-        </p:txBody>
-      </p:sp>
-      <p:sp>
-        <p:nvSpPr>
-          <p:cNvPr id="25" name="TextBox 24"/>
-          <p:cNvSpPr txBox="1"/>
-          <p:nvPr/>
-        </p:nvSpPr>
-        <p:spPr>
-          <a:xfrm>
-            <a:off x="1979713" y="3655521"/>
-            <a:ext cx="1200486" cy="369332"/>
-          </a:xfrm>
-          <a:prstGeom prst="rect">
-            <a:avLst/>
-          </a:prstGeom>
-          <a:noFill/>
-        </p:spPr>
-        <p:txBody>
-          <a:bodyPr wrap="square" rtlCol="0">
-            <a:spAutoFit/>
-          </a:bodyPr>
-          <a:lstStyle/>
-          <a:p>
-            <a:pPr marL="285750" indent="-285750">
-              <a:buFont typeface="Wingdings" pitchFamily="2" charset="2"/>
-              <a:buChar char="§"/>
-            </a:pPr>
-            <a:r>
-              <a:rPr lang="ko-KR" altLang="en-US">
-                <a:ln>
-                  <a:solidFill>
-                    <a:schemeClr val="tx1">
-                      <a:alpha val="30000"/>
-                    </a:schemeClr>
-                  </a:solidFill>
-                </a:ln>
-                <a:solidFill>
-                  <a:srgbClr val="272123"/>
-                </a:solidFill>
-                <a:latin typeface="a나무M" panose="02020600000000000000" pitchFamily="18" charset="-127"/>
-                <a:ea typeface="a나무M" panose="02020600000000000000" pitchFamily="18" charset="-127"/>
-              </a:rPr>
-              <a:t>박규리</a:t>
-            </a:r>
-            <a:endParaRPr lang="en-US" altLang="ko-KR" dirty="0">
-              <a:ln>
-                <a:solidFill>
-                  <a:schemeClr val="tx1">
-                    <a:alpha val="30000"/>
-                  </a:schemeClr>
-                </a:solidFill>
-              </a:ln>
-              <a:solidFill>
-                <a:srgbClr val="272123"/>
-              </a:solidFill>
-              <a:latin typeface="a나무M" panose="02020600000000000000" pitchFamily="18" charset="-127"/>
-              <a:ea typeface="a나무M" panose="02020600000000000000" pitchFamily="18" charset="-127"/>
-            </a:endParaRPr>
-          </a:p>
-        </p:txBody>
-      </p:sp>
-      <p:sp>
-        <p:nvSpPr>
-          <p:cNvPr id="28" name="TextBox 27"/>
-          <p:cNvSpPr txBox="1"/>
-          <p:nvPr/>
-        </p:nvSpPr>
-        <p:spPr>
-          <a:xfrm>
-            <a:off x="2871786" y="3640132"/>
-            <a:ext cx="2592287" cy="400110"/>
-          </a:xfrm>
-          <a:prstGeom prst="rect">
-            <a:avLst/>
-          </a:prstGeom>
-          <a:noFill/>
-        </p:spPr>
-        <p:txBody>
-          <a:bodyPr wrap="square" rtlCol="0">
-            <a:spAutoFit/>
-          </a:bodyPr>
-          <a:lstStyle/>
-          <a:p>
-            <a:r>
-              <a:rPr lang="en-US" altLang="ko-KR" sz="1400" dirty="0">
-                <a:ln>
-                  <a:solidFill>
-                    <a:schemeClr val="tx1">
-                      <a:alpha val="30000"/>
-                    </a:schemeClr>
-                  </a:solidFill>
-                </a:ln>
-                <a:solidFill>
-                  <a:srgbClr val="272123"/>
-                </a:solidFill>
-                <a:latin typeface="a나무M" panose="02020600000000000000" pitchFamily="18" charset="-127"/>
-                <a:ea typeface="a나무M" panose="02020600000000000000" pitchFamily="18" charset="-127"/>
-              </a:rPr>
-              <a:t>(</a:t>
-            </a:r>
-            <a:r>
-              <a:rPr lang="en-US" altLang="ko-KR" sz="2000" dirty="0" err="1">
-                <a:ln>
-                  <a:solidFill>
-                    <a:schemeClr val="tx1">
-                      <a:alpha val="30000"/>
-                    </a:schemeClr>
-                  </a:solidFill>
-                </a:ln>
-                <a:solidFill>
-                  <a:srgbClr val="272123"/>
-                </a:solidFill>
-                <a:latin typeface="a나무M" panose="02020600000000000000" pitchFamily="18" charset="-127"/>
-                <a:ea typeface="a나무M" panose="02020600000000000000" pitchFamily="18" charset="-127"/>
-              </a:rPr>
-              <a:t>F</a:t>
-            </a:r>
-            <a:r>
-              <a:rPr lang="en-US" altLang="ko-KR" sz="1400" dirty="0" err="1">
-                <a:ln>
-                  <a:solidFill>
-                    <a:schemeClr val="tx1">
-                      <a:alpha val="30000"/>
-                    </a:schemeClr>
-                  </a:solidFill>
-                </a:ln>
-                <a:solidFill>
-                  <a:srgbClr val="272123"/>
-                </a:solidFill>
-                <a:latin typeface="a나무M" panose="02020600000000000000" pitchFamily="18" charset="-127"/>
-                <a:ea typeface="a나무M" panose="02020600000000000000" pitchFamily="18" charset="-127"/>
-              </a:rPr>
-              <a:t>ront</a:t>
-            </a:r>
-            <a:r>
-              <a:rPr lang="en-US" altLang="ko-KR" sz="2000" dirty="0" err="1">
-                <a:ln>
-                  <a:solidFill>
-                    <a:schemeClr val="tx1">
-                      <a:alpha val="30000"/>
-                    </a:schemeClr>
-                  </a:solidFill>
-                </a:ln>
-                <a:solidFill>
-                  <a:srgbClr val="272123"/>
-                </a:solidFill>
-                <a:latin typeface="a나무M" panose="02020600000000000000" pitchFamily="18" charset="-127"/>
-                <a:ea typeface="a나무M" panose="02020600000000000000" pitchFamily="18" charset="-127"/>
-              </a:rPr>
-              <a:t>E</a:t>
-            </a:r>
-            <a:r>
-              <a:rPr lang="en-US" altLang="ko-KR" sz="1400" dirty="0" err="1">
-                <a:ln>
-                  <a:solidFill>
-                    <a:schemeClr val="tx1">
-                      <a:alpha val="30000"/>
-                    </a:schemeClr>
-                  </a:solidFill>
-                </a:ln>
-                <a:solidFill>
-                  <a:srgbClr val="272123"/>
-                </a:solidFill>
-                <a:latin typeface="a나무M" panose="02020600000000000000" pitchFamily="18" charset="-127"/>
-                <a:ea typeface="a나무M" panose="02020600000000000000" pitchFamily="18" charset="-127"/>
-              </a:rPr>
-              <a:t>nd</a:t>
-            </a:r>
-            <a:r>
-              <a:rPr lang="en-US" altLang="ko-KR" sz="1400" dirty="0">
-                <a:ln>
-                  <a:solidFill>
-                    <a:schemeClr val="tx1">
-                      <a:alpha val="30000"/>
-                    </a:schemeClr>
-                  </a:solidFill>
-                </a:ln>
-                <a:solidFill>
-                  <a:srgbClr val="272123"/>
-                </a:solidFill>
-                <a:latin typeface="a나무M" panose="02020600000000000000" pitchFamily="18" charset="-127"/>
-                <a:ea typeface="a나무M" panose="02020600000000000000" pitchFamily="18" charset="-127"/>
-              </a:rPr>
-              <a:t> </a:t>
-            </a:r>
-            <a:r>
-              <a:rPr lang="ko-KR" altLang="en-US" sz="1400" dirty="0">
-                <a:ln>
-                  <a:solidFill>
-                    <a:schemeClr val="tx1">
-                      <a:alpha val="30000"/>
-                    </a:schemeClr>
-                  </a:solidFill>
-                </a:ln>
-                <a:solidFill>
-                  <a:srgbClr val="272123"/>
-                </a:solidFill>
-                <a:latin typeface="a나무M" panose="02020600000000000000" pitchFamily="18" charset="-127"/>
-                <a:ea typeface="a나무M" panose="02020600000000000000" pitchFamily="18" charset="-127"/>
-              </a:rPr>
-              <a:t>모든 페이지 구성</a:t>
-            </a:r>
-            <a:r>
-              <a:rPr lang="en-US" altLang="ko-KR" sz="1400" dirty="0">
-                <a:ln>
-                  <a:solidFill>
-                    <a:schemeClr val="tx1">
-                      <a:alpha val="30000"/>
-                    </a:schemeClr>
-                  </a:solidFill>
-                </a:ln>
-                <a:solidFill>
-                  <a:srgbClr val="272123"/>
-                </a:solidFill>
-                <a:latin typeface="a나무M" panose="02020600000000000000" pitchFamily="18" charset="-127"/>
-                <a:ea typeface="a나무M" panose="02020600000000000000" pitchFamily="18" charset="-127"/>
-              </a:rPr>
-              <a:t>)</a:t>
-            </a:r>
-          </a:p>
-        </p:txBody>
-      </p:sp>
-      <p:sp>
-        <p:nvSpPr>
-          <p:cNvPr id="26" name="TextBox 25"/>
-          <p:cNvSpPr txBox="1"/>
-          <p:nvPr/>
-        </p:nvSpPr>
-        <p:spPr>
-          <a:xfrm>
-            <a:off x="1979713" y="4439554"/>
-            <a:ext cx="4055010" cy="369332"/>
-          </a:xfrm>
-          <a:prstGeom prst="rect">
-            <a:avLst/>
-          </a:prstGeom>
-          <a:noFill/>
-        </p:spPr>
-        <p:txBody>
-          <a:bodyPr wrap="square" rtlCol="0">
-            <a:spAutoFit/>
-          </a:bodyPr>
-          <a:lstStyle/>
-          <a:p>
-            <a:pPr marL="285750" indent="-285750">
-              <a:buFont typeface="Wingdings" pitchFamily="2" charset="2"/>
-              <a:buChar char="§"/>
-            </a:pPr>
-            <a:r>
-              <a:rPr lang="ko-KR" altLang="en-US" dirty="0" err="1">
-                <a:ln>
-                  <a:solidFill>
-                    <a:schemeClr val="tx1">
-                      <a:alpha val="30000"/>
-                    </a:schemeClr>
-                  </a:solidFill>
-                </a:ln>
-                <a:solidFill>
-                  <a:srgbClr val="272123"/>
-                </a:solidFill>
-                <a:latin typeface="a나무M" panose="02020600000000000000" pitchFamily="18" charset="-127"/>
-                <a:ea typeface="a나무M" panose="02020600000000000000" pitchFamily="18" charset="-127"/>
-              </a:rPr>
-              <a:t>배용호</a:t>
-            </a:r>
-            <a:endParaRPr lang="en-US" altLang="ko-KR" dirty="0">
-              <a:ln>
-                <a:solidFill>
-                  <a:schemeClr val="tx1">
-                    <a:alpha val="30000"/>
-                  </a:schemeClr>
-                </a:solidFill>
-              </a:ln>
-              <a:solidFill>
-                <a:srgbClr val="272123"/>
-              </a:solidFill>
-              <a:latin typeface="a나무M" panose="02020600000000000000" pitchFamily="18" charset="-127"/>
-              <a:ea typeface="a나무M" panose="02020600000000000000" pitchFamily="18" charset="-127"/>
-            </a:endParaRPr>
-          </a:p>
-        </p:txBody>
-      </p:sp>
-      <p:sp>
-        <p:nvSpPr>
-          <p:cNvPr id="23" name="TextBox 22"/>
-          <p:cNvSpPr txBox="1"/>
-          <p:nvPr/>
-        </p:nvSpPr>
-        <p:spPr>
-          <a:xfrm>
-            <a:off x="107504" y="2298358"/>
-            <a:ext cx="450395" cy="338554"/>
-          </a:xfrm>
-          <a:prstGeom prst="rect">
-            <a:avLst/>
-          </a:prstGeom>
-          <a:noFill/>
-        </p:spPr>
-        <p:txBody>
-          <a:bodyPr wrap="square" rtlCol="0">
-            <a:spAutoFit/>
-          </a:bodyPr>
-          <a:lstStyle/>
-          <a:p>
-            <a:r>
               <a:rPr lang="en-US" altLang="ko-KR" sz="1600" dirty="0">
                 <a:ln>
                   <a:solidFill>
@@ -9781,50 +11140,6 @@
                 <a:latin typeface="Yoon 윤고딕 520_TT" pitchFamily="18" charset="-127"/>
                 <a:ea typeface="Yoon 윤고딕 520_TT" pitchFamily="18" charset="-127"/>
               </a:rPr>
-              <a:t>04</a:t>
-            </a:r>
-          </a:p>
-        </p:txBody>
-      </p:sp>
-      <p:sp>
-        <p:nvSpPr>
-          <p:cNvPr id="32" name="TextBox 31"/>
-          <p:cNvSpPr txBox="1"/>
-          <p:nvPr/>
-        </p:nvSpPr>
-        <p:spPr>
-          <a:xfrm>
-            <a:off x="107504" y="2775118"/>
-            <a:ext cx="450395" cy="338554"/>
-          </a:xfrm>
-          <a:prstGeom prst="rect">
-            <a:avLst/>
-          </a:prstGeom>
-          <a:noFill/>
-        </p:spPr>
-        <p:txBody>
-          <a:bodyPr wrap="square" rtlCol="0">
-            <a:spAutoFit/>
-          </a:bodyPr>
-          <a:lstStyle/>
-          <a:p>
-            <a:r>
-              <a:rPr lang="en-US" altLang="ko-KR" sz="1600" dirty="0">
-                <a:ln>
-                  <a:solidFill>
-                    <a:schemeClr val="tx1">
-                      <a:alpha val="30000"/>
-                    </a:schemeClr>
-                  </a:solidFill>
-                </a:ln>
-                <a:solidFill>
-                  <a:schemeClr val="bg1">
-                    <a:lumMod val="85000"/>
-                  </a:schemeClr>
-                </a:solidFill>
-                <a:latin typeface="Yoon 윤고딕 520_TT" pitchFamily="18" charset="-127"/>
-                <a:ea typeface="Yoon 윤고딕 520_TT" pitchFamily="18" charset="-127"/>
-              </a:rPr>
               <a:t>05</a:t>
             </a:r>
           </a:p>
@@ -9832,425 +11147,65 @@
       </p:sp>
       <p:sp>
         <p:nvSpPr>
-          <p:cNvPr id="33" name="TextBox 32">
+          <p:cNvPr id="2" name="직사각형 1">
             <a:extLst>
               <a:ext uri="{FF2B5EF4-FFF2-40B4-BE49-F238E27FC236}">
-                <a16:creationId xmlns:a16="http://schemas.microsoft.com/office/drawing/2014/main" id="{D87D4CB2-3A4C-4635-A191-39A46EF16330}"/>
+                <a16:creationId xmlns:a16="http://schemas.microsoft.com/office/drawing/2014/main" xmlns="" id="{0D752438-F573-4591-9665-C4A3E1CF6350}"/>
               </a:ext>
             </a:extLst>
           </p:cNvPr>
-          <p:cNvSpPr txBox="1"/>
-          <p:nvPr/>
-        </p:nvSpPr>
-        <p:spPr>
-          <a:xfrm>
-            <a:off x="2009067" y="5223587"/>
-            <a:ext cx="4055010" cy="369332"/>
+          <p:cNvSpPr/>
+          <p:nvPr/>
+        </p:nvSpPr>
+        <p:spPr>
+          <a:xfrm>
+            <a:off x="941829" y="980727"/>
+            <a:ext cx="7590611" cy="4794121"/>
           </a:xfrm>
           <a:prstGeom prst="rect">
             <a:avLst/>
           </a:prstGeom>
-          <a:noFill/>
-        </p:spPr>
-        <p:txBody>
-          <a:bodyPr wrap="square" rtlCol="0">
-            <a:spAutoFit/>
-          </a:bodyPr>
-          <a:lstStyle/>
-          <a:p>
-            <a:pPr marL="285750" indent="-285750">
-              <a:buFont typeface="Wingdings" pitchFamily="2" charset="2"/>
-              <a:buChar char="§"/>
-            </a:pPr>
-            <a:r>
-              <a:rPr lang="ko-KR" altLang="en-US" dirty="0">
-                <a:ln>
-                  <a:solidFill>
-                    <a:schemeClr val="tx1">
-                      <a:alpha val="30000"/>
-                    </a:schemeClr>
-                  </a:solidFill>
-                </a:ln>
-                <a:solidFill>
-                  <a:srgbClr val="272123"/>
-                </a:solidFill>
-                <a:latin typeface="a나무M" panose="02020600000000000000" pitchFamily="18" charset="-127"/>
-                <a:ea typeface="a나무M" panose="02020600000000000000" pitchFamily="18" charset="-127"/>
-              </a:rPr>
-              <a:t>윤정현</a:t>
-            </a:r>
-            <a:endParaRPr lang="en-US" altLang="ko-KR" dirty="0">
-              <a:ln>
-                <a:solidFill>
-                  <a:schemeClr val="tx1">
-                    <a:alpha val="30000"/>
-                  </a:schemeClr>
-                </a:solidFill>
-              </a:ln>
-              <a:solidFill>
-                <a:srgbClr val="272123"/>
-              </a:solidFill>
-              <a:latin typeface="a나무M" panose="02020600000000000000" pitchFamily="18" charset="-127"/>
-              <a:ea typeface="a나무M" panose="02020600000000000000" pitchFamily="18" charset="-127"/>
-            </a:endParaRPr>
-          </a:p>
-        </p:txBody>
-      </p:sp>
-      <p:sp>
-        <p:nvSpPr>
-          <p:cNvPr id="35" name="TextBox 34">
-            <a:extLst>
-              <a:ext uri="{FF2B5EF4-FFF2-40B4-BE49-F238E27FC236}">
-                <a16:creationId xmlns:a16="http://schemas.microsoft.com/office/drawing/2014/main" id="{6CB00898-23B1-4A00-B08D-ACDB75603100}"/>
-              </a:ext>
-            </a:extLst>
-          </p:cNvPr>
-          <p:cNvSpPr txBox="1"/>
-          <p:nvPr/>
-        </p:nvSpPr>
-        <p:spPr>
-          <a:xfrm>
-            <a:off x="2871785" y="4408776"/>
-            <a:ext cx="3284391" cy="400110"/>
-          </a:xfrm>
-          <a:prstGeom prst="rect">
-            <a:avLst/>
-          </a:prstGeom>
-          <a:noFill/>
-        </p:spPr>
-        <p:txBody>
-          <a:bodyPr wrap="square" rtlCol="0">
-            <a:spAutoFit/>
-          </a:bodyPr>
-          <a:lstStyle/>
-          <a:p>
-            <a:r>
-              <a:rPr lang="en-US" altLang="ko-KR" sz="1400" dirty="0">
-                <a:ln>
-                  <a:solidFill>
-                    <a:schemeClr val="tx1">
-                      <a:alpha val="30000"/>
-                    </a:schemeClr>
-                  </a:solidFill>
-                </a:ln>
-                <a:solidFill>
-                  <a:srgbClr val="272123"/>
-                </a:solidFill>
-                <a:latin typeface="a나무M" panose="02020600000000000000" pitchFamily="18" charset="-127"/>
-                <a:ea typeface="a나무M" panose="02020600000000000000" pitchFamily="18" charset="-127"/>
-              </a:rPr>
-              <a:t>(</a:t>
-            </a:r>
-            <a:r>
-              <a:rPr lang="en-US" altLang="ko-KR" sz="2000" dirty="0">
-                <a:ln>
-                  <a:solidFill>
-                    <a:schemeClr val="tx1">
-                      <a:alpha val="30000"/>
-                    </a:schemeClr>
-                  </a:solidFill>
-                </a:ln>
-                <a:solidFill>
-                  <a:srgbClr val="272123"/>
-                </a:solidFill>
-                <a:latin typeface="a나무M" panose="02020600000000000000" pitchFamily="18" charset="-127"/>
-                <a:ea typeface="a나무M" panose="02020600000000000000" pitchFamily="18" charset="-127"/>
-              </a:rPr>
-              <a:t>P</a:t>
-            </a:r>
-            <a:r>
-              <a:rPr lang="en-US" altLang="ko-KR" sz="1400" dirty="0">
-                <a:ln>
-                  <a:solidFill>
-                    <a:schemeClr val="tx1">
-                      <a:alpha val="30000"/>
-                    </a:schemeClr>
-                  </a:solidFill>
-                </a:ln>
-                <a:solidFill>
-                  <a:srgbClr val="272123"/>
-                </a:solidFill>
-                <a:latin typeface="a나무M" panose="02020600000000000000" pitchFamily="18" charset="-127"/>
-                <a:ea typeface="a나무M" panose="02020600000000000000" pitchFamily="18" charset="-127"/>
-              </a:rPr>
-              <a:t>roject </a:t>
-            </a:r>
-            <a:r>
-              <a:rPr lang="en-US" altLang="ko-KR" sz="2000" dirty="0">
-                <a:ln>
-                  <a:solidFill>
-                    <a:schemeClr val="tx1">
-                      <a:alpha val="30000"/>
-                    </a:schemeClr>
-                  </a:solidFill>
-                </a:ln>
-                <a:solidFill>
-                  <a:srgbClr val="272123"/>
-                </a:solidFill>
-                <a:latin typeface="a나무M" panose="02020600000000000000" pitchFamily="18" charset="-127"/>
-                <a:ea typeface="a나무M" panose="02020600000000000000" pitchFamily="18" charset="-127"/>
-              </a:rPr>
-              <a:t>m</a:t>
-            </a:r>
-            <a:r>
-              <a:rPr lang="en-US" altLang="ko-KR" sz="1400" dirty="0">
-                <a:ln>
-                  <a:solidFill>
-                    <a:schemeClr val="tx1">
-                      <a:alpha val="30000"/>
-                    </a:schemeClr>
-                  </a:solidFill>
-                </a:ln>
-                <a:solidFill>
-                  <a:srgbClr val="272123"/>
-                </a:solidFill>
-                <a:latin typeface="a나무M" panose="02020600000000000000" pitchFamily="18" charset="-127"/>
-                <a:ea typeface="a나무M" panose="02020600000000000000" pitchFamily="18" charset="-127"/>
-              </a:rPr>
-              <a:t>anager </a:t>
-            </a:r>
-            <a:r>
-              <a:rPr lang="ko-KR" altLang="en-US" sz="1400" dirty="0">
-                <a:ln>
-                  <a:solidFill>
-                    <a:schemeClr val="tx1">
-                      <a:alpha val="30000"/>
-                    </a:schemeClr>
-                  </a:solidFill>
-                </a:ln>
-                <a:solidFill>
-                  <a:srgbClr val="272123"/>
-                </a:solidFill>
-                <a:latin typeface="a나무M" panose="02020600000000000000" pitchFamily="18" charset="-127"/>
-                <a:ea typeface="a나무M" panose="02020600000000000000" pitchFamily="18" charset="-127"/>
-              </a:rPr>
-              <a:t>프로젝트 총괄</a:t>
-            </a:r>
-            <a:r>
-              <a:rPr lang="en-US" altLang="ko-KR" sz="1400" dirty="0">
-                <a:ln>
-                  <a:solidFill>
-                    <a:schemeClr val="tx1">
-                      <a:alpha val="30000"/>
-                    </a:schemeClr>
-                  </a:solidFill>
-                </a:ln>
-                <a:solidFill>
-                  <a:srgbClr val="272123"/>
-                </a:solidFill>
-                <a:latin typeface="a나무M" panose="02020600000000000000" pitchFamily="18" charset="-127"/>
-                <a:ea typeface="a나무M" panose="02020600000000000000" pitchFamily="18" charset="-127"/>
-              </a:rPr>
-              <a:t>)</a:t>
-            </a:r>
-          </a:p>
-        </p:txBody>
-      </p:sp>
-      <p:sp>
-        <p:nvSpPr>
-          <p:cNvPr id="34" name="TextBox 33">
-            <a:extLst>
-              <a:ext uri="{FF2B5EF4-FFF2-40B4-BE49-F238E27FC236}">
-                <a16:creationId xmlns:a16="http://schemas.microsoft.com/office/drawing/2014/main" id="{3A723592-21B7-4008-AE5B-1F4385596E38}"/>
-              </a:ext>
-            </a:extLst>
-          </p:cNvPr>
-          <p:cNvSpPr txBox="1"/>
-          <p:nvPr/>
-        </p:nvSpPr>
-        <p:spPr>
-          <a:xfrm>
-            <a:off x="2871785" y="5223587"/>
-            <a:ext cx="3500415" cy="400110"/>
-          </a:xfrm>
-          <a:prstGeom prst="rect">
-            <a:avLst/>
-          </a:prstGeom>
-          <a:noFill/>
-        </p:spPr>
-        <p:txBody>
-          <a:bodyPr wrap="square" rtlCol="0">
-            <a:spAutoFit/>
-          </a:bodyPr>
-          <a:lstStyle/>
-          <a:p>
-            <a:r>
-              <a:rPr lang="en-US" altLang="ko-KR" sz="1400" dirty="0">
-                <a:ln>
-                  <a:solidFill>
-                    <a:schemeClr val="tx1">
-                      <a:alpha val="30000"/>
-                    </a:schemeClr>
-                  </a:solidFill>
-                </a:ln>
-                <a:solidFill>
-                  <a:srgbClr val="272123"/>
-                </a:solidFill>
-                <a:latin typeface="a나무M" panose="02020600000000000000" pitchFamily="18" charset="-127"/>
-                <a:ea typeface="a나무M" panose="02020600000000000000" pitchFamily="18" charset="-127"/>
-              </a:rPr>
-              <a:t>(</a:t>
-            </a:r>
-            <a:r>
-              <a:rPr lang="en-US" altLang="ko-KR" sz="2000" dirty="0" err="1">
-                <a:ln>
-                  <a:solidFill>
-                    <a:schemeClr val="tx1">
-                      <a:alpha val="30000"/>
-                    </a:schemeClr>
-                  </a:solidFill>
-                </a:ln>
-                <a:solidFill>
-                  <a:srgbClr val="272123"/>
-                </a:solidFill>
-                <a:latin typeface="a나무M" panose="02020600000000000000" pitchFamily="18" charset="-127"/>
-                <a:ea typeface="a나무M" panose="02020600000000000000" pitchFamily="18" charset="-127"/>
-              </a:rPr>
-              <a:t>B</a:t>
-            </a:r>
-            <a:r>
-              <a:rPr lang="en-US" altLang="ko-KR" sz="1400" dirty="0" err="1">
-                <a:ln>
-                  <a:solidFill>
-                    <a:schemeClr val="tx1">
-                      <a:alpha val="30000"/>
-                    </a:schemeClr>
-                  </a:solidFill>
-                </a:ln>
-                <a:solidFill>
-                  <a:srgbClr val="272123"/>
-                </a:solidFill>
-                <a:latin typeface="a나무M" panose="02020600000000000000" pitchFamily="18" charset="-127"/>
-                <a:ea typeface="a나무M" panose="02020600000000000000" pitchFamily="18" charset="-127"/>
-              </a:rPr>
-              <a:t>ack</a:t>
-            </a:r>
-            <a:r>
-              <a:rPr lang="en-US" altLang="ko-KR" sz="2000" dirty="0" err="1">
-                <a:ln>
-                  <a:solidFill>
-                    <a:schemeClr val="tx1">
-                      <a:alpha val="30000"/>
-                    </a:schemeClr>
-                  </a:solidFill>
-                </a:ln>
-                <a:solidFill>
-                  <a:srgbClr val="272123"/>
-                </a:solidFill>
-                <a:latin typeface="a나무M" panose="02020600000000000000" pitchFamily="18" charset="-127"/>
-                <a:ea typeface="a나무M" panose="02020600000000000000" pitchFamily="18" charset="-127"/>
-              </a:rPr>
-              <a:t>E</a:t>
-            </a:r>
-            <a:r>
-              <a:rPr lang="en-US" altLang="ko-KR" sz="1400" dirty="0" err="1">
-                <a:ln>
-                  <a:solidFill>
-                    <a:schemeClr val="tx1">
-                      <a:alpha val="30000"/>
-                    </a:schemeClr>
-                  </a:solidFill>
-                </a:ln>
-                <a:solidFill>
-                  <a:srgbClr val="272123"/>
-                </a:solidFill>
-                <a:latin typeface="a나무M" panose="02020600000000000000" pitchFamily="18" charset="-127"/>
-                <a:ea typeface="a나무M" panose="02020600000000000000" pitchFamily="18" charset="-127"/>
-              </a:rPr>
-              <a:t>nd</a:t>
-            </a:r>
-            <a:r>
-              <a:rPr lang="en-US" altLang="ko-KR" sz="1400" dirty="0">
-                <a:ln>
-                  <a:solidFill>
-                    <a:schemeClr val="tx1">
-                      <a:alpha val="30000"/>
-                    </a:schemeClr>
-                  </a:solidFill>
-                </a:ln>
-                <a:solidFill>
-                  <a:srgbClr val="272123"/>
-                </a:solidFill>
-                <a:latin typeface="a나무M" panose="02020600000000000000" pitchFamily="18" charset="-127"/>
-                <a:ea typeface="a나무M" panose="02020600000000000000" pitchFamily="18" charset="-127"/>
-              </a:rPr>
-              <a:t> </a:t>
-            </a:r>
-            <a:r>
-              <a:rPr lang="ko-KR" altLang="en-US" sz="1400" dirty="0">
-                <a:ln>
-                  <a:solidFill>
-                    <a:schemeClr val="tx1">
-                      <a:alpha val="30000"/>
-                    </a:schemeClr>
-                  </a:solidFill>
-                </a:ln>
-                <a:solidFill>
-                  <a:srgbClr val="272123"/>
-                </a:solidFill>
-                <a:latin typeface="a나무M" panose="02020600000000000000" pitchFamily="18" charset="-127"/>
-                <a:ea typeface="a나무M" panose="02020600000000000000" pitchFamily="18" charset="-127"/>
-              </a:rPr>
-              <a:t>데이터베이스 설계 및 </a:t>
-            </a:r>
-            <a:r>
-              <a:rPr lang="en-US" altLang="ko-KR" sz="1400" dirty="0">
-                <a:ln>
-                  <a:solidFill>
-                    <a:schemeClr val="tx1">
-                      <a:alpha val="30000"/>
-                    </a:schemeClr>
-                  </a:solidFill>
-                </a:ln>
-                <a:solidFill>
-                  <a:srgbClr val="272123"/>
-                </a:solidFill>
-                <a:latin typeface="a나무M" panose="02020600000000000000" pitchFamily="18" charset="-127"/>
-                <a:ea typeface="a나무M" panose="02020600000000000000" pitchFamily="18" charset="-127"/>
-              </a:rPr>
-              <a:t>DAO</a:t>
-            </a:r>
-            <a:r>
-              <a:rPr lang="ko-KR" altLang="en-US" sz="1400" dirty="0">
-                <a:ln>
-                  <a:solidFill>
-                    <a:schemeClr val="tx1">
-                      <a:alpha val="30000"/>
-                    </a:schemeClr>
-                  </a:solidFill>
-                </a:ln>
-                <a:solidFill>
-                  <a:srgbClr val="272123"/>
-                </a:solidFill>
-                <a:latin typeface="a나무M" panose="02020600000000000000" pitchFamily="18" charset="-127"/>
-                <a:ea typeface="a나무M" panose="02020600000000000000" pitchFamily="18" charset="-127"/>
-              </a:rPr>
-              <a:t> 구현</a:t>
-            </a:r>
-            <a:r>
-              <a:rPr lang="en-US" altLang="ko-KR" sz="1400" dirty="0">
-                <a:ln>
-                  <a:solidFill>
-                    <a:schemeClr val="tx1">
-                      <a:alpha val="30000"/>
-                    </a:schemeClr>
-                  </a:solidFill>
-                </a:ln>
-                <a:solidFill>
-                  <a:srgbClr val="272123"/>
-                </a:solidFill>
-                <a:latin typeface="a나무M" panose="02020600000000000000" pitchFamily="18" charset="-127"/>
-                <a:ea typeface="a나무M" panose="02020600000000000000" pitchFamily="18" charset="-127"/>
-              </a:rPr>
-              <a:t>)</a:t>
-            </a:r>
+          <a:blipFill>
+            <a:blip r:embed="rId2"/>
+            <a:stretch>
+              <a:fillRect/>
+            </a:stretch>
+          </a:blipFill>
+          <a:ln w="38100">
+            <a:solidFill>
+              <a:schemeClr val="tx1"/>
+            </a:solidFill>
+          </a:ln>
+        </p:spPr>
+        <p:style>
+          <a:lnRef idx="2">
+            <a:schemeClr val="accent1">
+              <a:shade val="50000"/>
+            </a:schemeClr>
+          </a:lnRef>
+          <a:fillRef idx="1">
+            <a:schemeClr val="accent1"/>
+          </a:fillRef>
+          <a:effectRef idx="0">
+            <a:schemeClr val="accent1"/>
+          </a:effectRef>
+          <a:fontRef idx="minor">
+            <a:schemeClr val="lt1"/>
+          </a:fontRef>
+        </p:style>
+        <p:txBody>
+          <a:bodyPr rtlCol="0" anchor="ctr"/>
+          <a:lstStyle/>
+          <a:p>
+            <a:pPr algn="ctr"/>
+            <a:endParaRPr lang="ko-KR" altLang="en-US"/>
           </a:p>
         </p:txBody>
       </p:sp>
     </p:spTree>
     <p:extLst>
       <p:ext uri="{BB962C8B-B14F-4D97-AF65-F5344CB8AC3E}">
-        <p14:creationId xmlns:p14="http://schemas.microsoft.com/office/powerpoint/2010/main" val="1866215808"/>
+        <p14:creationId xmlns:p14="http://schemas.microsoft.com/office/powerpoint/2010/main" val="2681623969"/>
       </p:ext>
     </p:extLst>
   </p:cSld>
@@ -10744,7 +11699,7 @@
           <a:p>
             <a:pPr algn="ctr"/>
             <a:r>
-              <a:rPr lang="ko-KR" altLang="en-US" sz="2000" dirty="0">
+              <a:rPr lang="en-US" altLang="ko-KR" sz="2000" dirty="0">
                 <a:ln>
                   <a:solidFill>
                     <a:schemeClr val="tx1">
@@ -10758,7 +11713,24 @@
                 <a:latin typeface="a나무M" panose="02020600000000000000" pitchFamily="18" charset="-127"/>
                 <a:ea typeface="a나무M" panose="02020600000000000000" pitchFamily="18" charset="-127"/>
               </a:rPr>
-              <a:t>데이터베이스 설계도</a:t>
+              <a:t>Use Case </a:t>
+            </a:r>
+            <a:r>
+              <a:rPr lang="ko-KR" altLang="en-US" sz="2000" dirty="0">
+                <a:ln>
+                  <a:solidFill>
+                    <a:schemeClr val="tx1">
+                      <a:alpha val="30000"/>
+                    </a:schemeClr>
+                  </a:solidFill>
+                </a:ln>
+                <a:solidFill>
+                  <a:srgbClr val="272123"/>
+                </a:solidFill>
+                <a:latin typeface="a나무M" panose="02020600000000000000" pitchFamily="18" charset="-127"/>
+                <a:ea typeface="a나무M" panose="02020600000000000000" pitchFamily="18" charset="-127"/>
+              </a:rPr>
+              <a:t>다이어그램</a:t>
             </a:r>
             <a:endParaRPr lang="en-US" altLang="ko-KR" sz="2000" dirty="0">
               <a:ln>
@@ -10870,699 +11842,7 @@
           <p:cNvPr id="2" name="직사각형 1">
             <a:extLst>
               <a:ext uri="{FF2B5EF4-FFF2-40B4-BE49-F238E27FC236}">
-                <a16:creationId xmlns:a16="http://schemas.microsoft.com/office/drawing/2014/main" id="{0D752438-F573-4591-9665-C4A3E1CF6350}"/>
-              </a:ext>
-            </a:extLst>
-          </p:cNvPr>
-          <p:cNvSpPr/>
-          <p:nvPr/>
-        </p:nvSpPr>
-        <p:spPr>
-          <a:xfrm>
-            <a:off x="941829" y="980727"/>
-            <a:ext cx="7590611" cy="4794121"/>
-          </a:xfrm>
-          <a:prstGeom prst="rect">
-            <a:avLst/>
-          </a:prstGeom>
-          <a:blipFill>
-            <a:blip r:embed="rId2"/>
-            <a:stretch>
-              <a:fillRect/>
-            </a:stretch>
-          </a:blipFill>
-          <a:ln w="38100">
-            <a:solidFill>
-              <a:schemeClr val="tx1"/>
-            </a:solidFill>
-          </a:ln>
-        </p:spPr>
-        <p:style>
-          <a:lnRef idx="2">
-            <a:schemeClr val="accent1">
-              <a:shade val="50000"/>
-            </a:schemeClr>
-          </a:lnRef>
-          <a:fillRef idx="1">
-            <a:schemeClr val="accent1"/>
-          </a:fillRef>
-          <a:effectRef idx="0">
-            <a:schemeClr val="accent1"/>
-          </a:effectRef>
-          <a:fontRef idx="minor">
-            <a:schemeClr val="lt1"/>
-          </a:fontRef>
-        </p:style>
-        <p:txBody>
-          <a:bodyPr rtlCol="0" anchor="ctr"/>
-          <a:lstStyle/>
-          <a:p>
-            <a:pPr algn="ctr"/>
-            <a:endParaRPr lang="ko-KR" altLang="en-US"/>
-          </a:p>
-        </p:txBody>
-      </p:sp>
-    </p:spTree>
-    <p:extLst>
-      <p:ext uri="{BB962C8B-B14F-4D97-AF65-F5344CB8AC3E}">
-        <p14:creationId xmlns:p14="http://schemas.microsoft.com/office/powerpoint/2010/main" val="2681623969"/>
-      </p:ext>
-    </p:extLst>
-  </p:cSld>
-  <p:clrMapOvr>
-    <a:masterClrMapping/>
-  </p:clrMapOvr>
-  <mc:AlternateContent xmlns:mc="http://schemas.openxmlformats.org/markup-compatibility/2006" xmlns:p14="http://schemas.microsoft.com/office/powerpoint/2010/main">
-    <mc:Choice Requires="p14">
-      <p:transition spd="med" p14:dur="700">
-        <p:fade/>
-      </p:transition>
-    </mc:Choice>
-    <mc:Fallback xmlns="">
-      <p:transition spd="med">
-        <p:fade/>
-      </p:transition>
-    </mc:Fallback>
-  </mc:AlternateContent>
-</p:sld>
-</file>
-
-<file path=ppt/slides/slide17.xml><?xml version="1.0" encoding="utf-8"?>
-<p:sld xmlns:a="http://schemas.openxmlformats.org/drawingml/2006/main" xmlns:r="http://schemas.openxmlformats.org/officeDocument/2006/relationships" xmlns:p="http://schemas.openxmlformats.org/presentationml/2006/main">
-  <p:cSld>
-    <p:spTree>
-      <p:nvGrpSpPr>
-        <p:cNvPr id="1" name=""/>
-        <p:cNvGrpSpPr/>
-        <p:nvPr/>
-      </p:nvGrpSpPr>
-      <p:grpSpPr>
-        <a:xfrm>
-          <a:off x="0" y="0"/>
-          <a:ext cx="0" cy="0"/>
-          <a:chOff x="0" y="0"/>
-          <a:chExt cx="0" cy="0"/>
-        </a:xfrm>
-      </p:grpSpPr>
-      <p:cxnSp>
-        <p:nvCxnSpPr>
-          <p:cNvPr id="4" name="직선 연결선 3"/>
-          <p:cNvCxnSpPr/>
-          <p:nvPr/>
-        </p:nvCxnSpPr>
-        <p:spPr>
-          <a:xfrm>
-            <a:off x="683568" y="-371068"/>
-            <a:ext cx="0" cy="7472476"/>
-          </a:xfrm>
-          <a:prstGeom prst="line">
-            <a:avLst/>
-          </a:prstGeom>
-          <a:ln>
-            <a:solidFill>
-              <a:schemeClr val="bg1">
-                <a:lumMod val="65000"/>
-                <a:alpha val="50000"/>
-              </a:schemeClr>
-            </a:solidFill>
-          </a:ln>
-        </p:spPr>
-        <p:style>
-          <a:lnRef idx="1">
-            <a:schemeClr val="accent1"/>
-          </a:lnRef>
-          <a:fillRef idx="0">
-            <a:schemeClr val="accent1"/>
-          </a:fillRef>
-          <a:effectRef idx="0">
-            <a:schemeClr val="accent1"/>
-          </a:effectRef>
-          <a:fontRef idx="minor">
-            <a:schemeClr val="tx1"/>
-          </a:fontRef>
-        </p:style>
-      </p:cxnSp>
-      <p:cxnSp>
-        <p:nvCxnSpPr>
-          <p:cNvPr id="5" name="직선 연결선 4"/>
-          <p:cNvCxnSpPr/>
-          <p:nvPr/>
-        </p:nvCxnSpPr>
-        <p:spPr>
-          <a:xfrm flipH="1">
-            <a:off x="692540" y="548680"/>
-            <a:ext cx="9295796" cy="0"/>
-          </a:xfrm>
-          <a:prstGeom prst="line">
-            <a:avLst/>
-          </a:prstGeom>
-          <a:ln>
-            <a:solidFill>
-              <a:schemeClr val="bg1">
-                <a:lumMod val="65000"/>
-                <a:alpha val="50000"/>
-              </a:schemeClr>
-            </a:solidFill>
-          </a:ln>
-        </p:spPr>
-        <p:style>
-          <a:lnRef idx="1">
-            <a:schemeClr val="accent1"/>
-          </a:lnRef>
-          <a:fillRef idx="0">
-            <a:schemeClr val="accent1"/>
-          </a:fillRef>
-          <a:effectRef idx="0">
-            <a:schemeClr val="accent1"/>
-          </a:effectRef>
-          <a:fontRef idx="minor">
-            <a:schemeClr val="tx1"/>
-          </a:fontRef>
-        </p:style>
-      </p:cxnSp>
-      <p:sp>
-        <p:nvSpPr>
-          <p:cNvPr id="6" name="TextBox 5"/>
-          <p:cNvSpPr txBox="1"/>
-          <p:nvPr/>
-        </p:nvSpPr>
-        <p:spPr>
-          <a:xfrm>
-            <a:off x="1043608" y="138482"/>
-            <a:ext cx="965459" cy="307777"/>
-          </a:xfrm>
-          <a:prstGeom prst="rect">
-            <a:avLst/>
-          </a:prstGeom>
-          <a:noFill/>
-        </p:spPr>
-        <p:txBody>
-          <a:bodyPr wrap="square" rtlCol="0">
-            <a:spAutoFit/>
-          </a:bodyPr>
-          <a:lstStyle/>
-          <a:p>
-            <a:pPr algn="ctr"/>
-            <a:r>
-              <a:rPr lang="en-US" altLang="ko-KR" sz="1400" dirty="0">
-                <a:ln>
-                  <a:solidFill>
-                    <a:schemeClr val="tx1">
-                      <a:alpha val="30000"/>
-                    </a:schemeClr>
-                  </a:solidFill>
-                </a:ln>
-                <a:solidFill>
-                  <a:srgbClr val="272123"/>
-                </a:solidFill>
-                <a:latin typeface="Yoon 윤고딕 520_TT" pitchFamily="18" charset="-127"/>
-                <a:ea typeface="Yoon 윤고딕 520_TT" pitchFamily="18" charset="-127"/>
-              </a:rPr>
-              <a:t>Planning</a:t>
-            </a:r>
-          </a:p>
-        </p:txBody>
-      </p:sp>
-      <p:sp>
-        <p:nvSpPr>
-          <p:cNvPr id="7" name="TextBox 6"/>
-          <p:cNvSpPr txBox="1"/>
-          <p:nvPr/>
-        </p:nvSpPr>
-        <p:spPr>
-          <a:xfrm>
-            <a:off x="2512455" y="138482"/>
-            <a:ext cx="965459" cy="307777"/>
-          </a:xfrm>
-          <a:prstGeom prst="rect">
-            <a:avLst/>
-          </a:prstGeom>
-          <a:noFill/>
-        </p:spPr>
-        <p:txBody>
-          <a:bodyPr wrap="square" rtlCol="0">
-            <a:spAutoFit/>
-          </a:bodyPr>
-          <a:lstStyle/>
-          <a:p>
-            <a:pPr algn="ctr"/>
-            <a:r>
-              <a:rPr lang="en-US" altLang="ko-KR" sz="1400" dirty="0">
-                <a:ln>
-                  <a:solidFill>
-                    <a:schemeClr val="tx1">
-                      <a:alpha val="30000"/>
-                    </a:schemeClr>
-                  </a:solidFill>
-                </a:ln>
-                <a:solidFill>
-                  <a:srgbClr val="272123"/>
-                </a:solidFill>
-                <a:latin typeface="Yoon 윤고딕 520_TT" pitchFamily="18" charset="-127"/>
-                <a:ea typeface="Yoon 윤고딕 520_TT" pitchFamily="18" charset="-127"/>
-              </a:rPr>
-              <a:t>Design</a:t>
-            </a:r>
-          </a:p>
-        </p:txBody>
-      </p:sp>
-      <p:sp>
-        <p:nvSpPr>
-          <p:cNvPr id="8" name="TextBox 7"/>
-          <p:cNvSpPr txBox="1"/>
-          <p:nvPr/>
-        </p:nvSpPr>
-        <p:spPr>
-          <a:xfrm>
-            <a:off x="3981302" y="138482"/>
-            <a:ext cx="1166762" cy="307777"/>
-          </a:xfrm>
-          <a:prstGeom prst="rect">
-            <a:avLst/>
-          </a:prstGeom>
-          <a:noFill/>
-        </p:spPr>
-        <p:txBody>
-          <a:bodyPr wrap="square" rtlCol="0">
-            <a:spAutoFit/>
-          </a:bodyPr>
-          <a:lstStyle/>
-          <a:p>
-            <a:pPr algn="ctr"/>
-            <a:r>
-              <a:rPr lang="en-US" altLang="ko-KR" sz="1400" dirty="0">
-                <a:ln>
-                  <a:solidFill>
-                    <a:schemeClr val="tx1">
-                      <a:alpha val="30000"/>
-                    </a:schemeClr>
-                  </a:solidFill>
-                </a:ln>
-                <a:solidFill>
-                  <a:srgbClr val="272123"/>
-                </a:solidFill>
-                <a:latin typeface="Yoon 윤고딕 520_TT" pitchFamily="18" charset="-127"/>
-                <a:ea typeface="Yoon 윤고딕 520_TT" pitchFamily="18" charset="-127"/>
-              </a:rPr>
-              <a:t>Presentation</a:t>
-            </a:r>
-          </a:p>
-        </p:txBody>
-      </p:sp>
-      <p:sp>
-        <p:nvSpPr>
-          <p:cNvPr id="9" name="직사각형 8"/>
-          <p:cNvSpPr/>
-          <p:nvPr/>
-        </p:nvSpPr>
-        <p:spPr>
-          <a:xfrm>
-            <a:off x="-9283" y="2284275"/>
-            <a:ext cx="834325" cy="343501"/>
-          </a:xfrm>
-          <a:prstGeom prst="rect">
-            <a:avLst/>
-          </a:prstGeom>
-          <a:solidFill>
-            <a:srgbClr val="272123"/>
-          </a:solidFill>
-          <a:ln>
-            <a:noFill/>
-          </a:ln>
-        </p:spPr>
-        <p:style>
-          <a:lnRef idx="2">
-            <a:schemeClr val="accent1">
-              <a:shade val="50000"/>
-            </a:schemeClr>
-          </a:lnRef>
-          <a:fillRef idx="1">
-            <a:schemeClr val="accent1"/>
-          </a:fillRef>
-          <a:effectRef idx="0">
-            <a:schemeClr val="accent1"/>
-          </a:effectRef>
-          <a:fontRef idx="minor">
-            <a:schemeClr val="lt1"/>
-          </a:fontRef>
-        </p:style>
-        <p:txBody>
-          <a:bodyPr rtlCol="0" anchor="ctr"/>
-          <a:lstStyle/>
-          <a:p>
-            <a:pPr algn="ctr"/>
-            <a:endParaRPr lang="ko-KR" altLang="en-US"/>
-          </a:p>
-        </p:txBody>
-      </p:sp>
-      <p:sp>
-        <p:nvSpPr>
-          <p:cNvPr id="10" name="직각 삼각형 9"/>
-          <p:cNvSpPr/>
-          <p:nvPr/>
-        </p:nvSpPr>
-        <p:spPr>
-          <a:xfrm rot="5400000">
-            <a:off x="702755" y="2614349"/>
-            <a:ext cx="81142" cy="108000"/>
-          </a:xfrm>
-          <a:prstGeom prst="rtTriangle">
-            <a:avLst/>
-          </a:prstGeom>
-          <a:solidFill>
-            <a:schemeClr val="tx1"/>
-          </a:solidFill>
-          <a:ln>
-            <a:solidFill>
-              <a:schemeClr val="tx1"/>
-            </a:solidFill>
-          </a:ln>
-        </p:spPr>
-        <p:style>
-          <a:lnRef idx="2">
-            <a:schemeClr val="accent1">
-              <a:shade val="50000"/>
-            </a:schemeClr>
-          </a:lnRef>
-          <a:fillRef idx="1">
-            <a:schemeClr val="accent1"/>
-          </a:fillRef>
-          <a:effectRef idx="0">
-            <a:schemeClr val="accent1"/>
-          </a:effectRef>
-          <a:fontRef idx="minor">
-            <a:schemeClr val="lt1"/>
-          </a:fontRef>
-        </p:style>
-        <p:txBody>
-          <a:bodyPr rtlCol="0" anchor="ctr"/>
-          <a:lstStyle/>
-          <a:p>
-            <a:pPr algn="ctr"/>
-            <a:endParaRPr lang="ko-KR" altLang="en-US"/>
-          </a:p>
-        </p:txBody>
-      </p:sp>
-      <p:sp>
-        <p:nvSpPr>
-          <p:cNvPr id="21" name="TextBox 20"/>
-          <p:cNvSpPr txBox="1"/>
-          <p:nvPr/>
-        </p:nvSpPr>
-        <p:spPr>
-          <a:xfrm>
-            <a:off x="107504" y="1340768"/>
-            <a:ext cx="450395" cy="338554"/>
-          </a:xfrm>
-          <a:prstGeom prst="rect">
-            <a:avLst/>
-          </a:prstGeom>
-          <a:noFill/>
-        </p:spPr>
-        <p:txBody>
-          <a:bodyPr wrap="square" rtlCol="0">
-            <a:spAutoFit/>
-          </a:bodyPr>
-          <a:lstStyle/>
-          <a:p>
-            <a:r>
-              <a:rPr lang="en-US" altLang="ko-KR" sz="1600" dirty="0">
-                <a:ln>
-                  <a:solidFill>
-                    <a:schemeClr val="tx1">
-                      <a:alpha val="30000"/>
-                    </a:schemeClr>
-                  </a:solidFill>
-                </a:ln>
-                <a:solidFill>
-                  <a:schemeClr val="bg1">
-                    <a:lumMod val="85000"/>
-                  </a:schemeClr>
-                </a:solidFill>
-                <a:latin typeface="Yoon 윤고딕 520_TT" pitchFamily="18" charset="-127"/>
-                <a:ea typeface="Yoon 윤고딕 520_TT" pitchFamily="18" charset="-127"/>
-              </a:rPr>
-              <a:t>02</a:t>
-            </a:r>
-          </a:p>
-        </p:txBody>
-      </p:sp>
-      <p:sp>
-        <p:nvSpPr>
-          <p:cNvPr id="22" name="TextBox 21"/>
-          <p:cNvSpPr txBox="1"/>
-          <p:nvPr/>
-        </p:nvSpPr>
-        <p:spPr>
-          <a:xfrm>
-            <a:off x="107504" y="1819563"/>
-            <a:ext cx="450395" cy="338554"/>
-          </a:xfrm>
-          <a:prstGeom prst="rect">
-            <a:avLst/>
-          </a:prstGeom>
-          <a:noFill/>
-        </p:spPr>
-        <p:txBody>
-          <a:bodyPr wrap="square" rtlCol="0">
-            <a:spAutoFit/>
-          </a:bodyPr>
-          <a:lstStyle/>
-          <a:p>
-            <a:r>
-              <a:rPr lang="en-US" altLang="ko-KR" sz="1600" dirty="0">
-                <a:ln>
-                  <a:solidFill>
-                    <a:schemeClr val="tx1">
-                      <a:alpha val="30000"/>
-                    </a:schemeClr>
-                  </a:solidFill>
-                </a:ln>
-                <a:solidFill>
-                  <a:schemeClr val="bg1">
-                    <a:lumMod val="85000"/>
-                  </a:schemeClr>
-                </a:solidFill>
-                <a:latin typeface="Yoon 윤고딕 520_TT" pitchFamily="18" charset="-127"/>
-                <a:ea typeface="Yoon 윤고딕 520_TT" pitchFamily="18" charset="-127"/>
-              </a:rPr>
-              <a:t>03</a:t>
-            </a:r>
-          </a:p>
-        </p:txBody>
-      </p:sp>
-      <p:sp>
-        <p:nvSpPr>
-          <p:cNvPr id="24" name="TextBox 23"/>
-          <p:cNvSpPr txBox="1"/>
-          <p:nvPr/>
-        </p:nvSpPr>
-        <p:spPr>
-          <a:xfrm>
-            <a:off x="123549" y="882386"/>
-            <a:ext cx="541363" cy="338554"/>
-          </a:xfrm>
-          <a:prstGeom prst="rect">
-            <a:avLst/>
-          </a:prstGeom>
-          <a:noFill/>
-        </p:spPr>
-        <p:txBody>
-          <a:bodyPr wrap="square" rtlCol="0">
-            <a:spAutoFit/>
-          </a:bodyPr>
-          <a:lstStyle/>
-          <a:p>
-            <a:r>
-              <a:rPr lang="en-US" altLang="ko-KR" sz="1600" dirty="0">
-                <a:ln>
-                  <a:solidFill>
-                    <a:schemeClr val="tx1">
-                      <a:alpha val="30000"/>
-                    </a:schemeClr>
-                  </a:solidFill>
-                </a:ln>
-                <a:solidFill>
-                  <a:schemeClr val="bg1">
-                    <a:lumMod val="75000"/>
-                  </a:schemeClr>
-                </a:solidFill>
-                <a:latin typeface="Yoon 윤고딕 520_TT" pitchFamily="18" charset="-127"/>
-                <a:ea typeface="Yoon 윤고딕 520_TT" pitchFamily="18" charset="-127"/>
-              </a:rPr>
-              <a:t>01</a:t>
-            </a:r>
-          </a:p>
-        </p:txBody>
-      </p:sp>
-      <p:sp>
-        <p:nvSpPr>
-          <p:cNvPr id="26" name="TextBox 25"/>
-          <p:cNvSpPr txBox="1"/>
-          <p:nvPr/>
-        </p:nvSpPr>
-        <p:spPr>
-          <a:xfrm>
-            <a:off x="3408757" y="6093296"/>
-            <a:ext cx="2656754" cy="400110"/>
-          </a:xfrm>
-          <a:prstGeom prst="rect">
-            <a:avLst/>
-          </a:prstGeom>
-          <a:noFill/>
-        </p:spPr>
-        <p:txBody>
-          <a:bodyPr wrap="square" rtlCol="0">
-            <a:spAutoFit/>
-          </a:bodyPr>
-          <a:lstStyle/>
-          <a:p>
-            <a:pPr algn="ctr"/>
-            <a:r>
-              <a:rPr lang="en-US" altLang="ko-KR" sz="2000" dirty="0">
-                <a:ln>
-                  <a:solidFill>
-                    <a:schemeClr val="tx1">
-                      <a:alpha val="30000"/>
-                    </a:schemeClr>
-                  </a:solidFill>
-                </a:ln>
-                <a:solidFill>
-                  <a:srgbClr val="272123"/>
-                </a:solidFill>
-                <a:latin typeface="a나무M" panose="02020600000000000000" pitchFamily="18" charset="-127"/>
-                <a:ea typeface="a나무M" panose="02020600000000000000" pitchFamily="18" charset="-127"/>
-              </a:rPr>
-              <a:t>Use Case </a:t>
-            </a:r>
-            <a:r>
-              <a:rPr lang="ko-KR" altLang="en-US" sz="2000" dirty="0">
-                <a:ln>
-                  <a:solidFill>
-                    <a:schemeClr val="tx1">
-                      <a:alpha val="30000"/>
-                    </a:schemeClr>
-                  </a:solidFill>
-                </a:ln>
-                <a:solidFill>
-                  <a:srgbClr val="272123"/>
-                </a:solidFill>
-                <a:latin typeface="a나무M" panose="02020600000000000000" pitchFamily="18" charset="-127"/>
-                <a:ea typeface="a나무M" panose="02020600000000000000" pitchFamily="18" charset="-127"/>
-              </a:rPr>
-              <a:t>다이어그램</a:t>
-            </a:r>
-            <a:endParaRPr lang="en-US" altLang="ko-KR" sz="2000" dirty="0">
-              <a:ln>
-                <a:solidFill>
-                  <a:schemeClr val="tx1">
-                    <a:alpha val="30000"/>
-                  </a:schemeClr>
-                </a:solidFill>
-              </a:ln>
-              <a:solidFill>
-                <a:srgbClr val="272123"/>
-              </a:solidFill>
-              <a:latin typeface="a나무M" panose="02020600000000000000" pitchFamily="18" charset="-127"/>
-              <a:ea typeface="a나무M" panose="02020600000000000000" pitchFamily="18" charset="-127"/>
-            </a:endParaRPr>
-          </a:p>
-        </p:txBody>
-      </p:sp>
-      <p:sp>
-        <p:nvSpPr>
-          <p:cNvPr id="23" name="TextBox 22"/>
-          <p:cNvSpPr txBox="1"/>
-          <p:nvPr/>
-        </p:nvSpPr>
-        <p:spPr>
-          <a:xfrm>
-            <a:off x="107504" y="2298358"/>
-            <a:ext cx="450395" cy="338554"/>
-          </a:xfrm>
-          <a:prstGeom prst="rect">
-            <a:avLst/>
-          </a:prstGeom>
-          <a:noFill/>
-        </p:spPr>
-        <p:txBody>
-          <a:bodyPr wrap="square" rtlCol="0">
-            <a:spAutoFit/>
-          </a:bodyPr>
-          <a:lstStyle/>
-          <a:p>
-            <a:r>
-              <a:rPr lang="en-US" altLang="ko-KR" sz="1600" dirty="0">
-                <a:ln>
-                  <a:solidFill>
-                    <a:schemeClr val="tx1">
-                      <a:alpha val="30000"/>
-                    </a:schemeClr>
-                  </a:solidFill>
-                </a:ln>
-                <a:solidFill>
-                  <a:schemeClr val="bg1">
-                    <a:lumMod val="85000"/>
-                  </a:schemeClr>
-                </a:solidFill>
-                <a:latin typeface="Yoon 윤고딕 520_TT" pitchFamily="18" charset="-127"/>
-                <a:ea typeface="Yoon 윤고딕 520_TT" pitchFamily="18" charset="-127"/>
-              </a:rPr>
-              <a:t>04</a:t>
-            </a:r>
-          </a:p>
-        </p:txBody>
-      </p:sp>
-      <p:sp>
-        <p:nvSpPr>
-          <p:cNvPr id="25" name="TextBox 24"/>
-          <p:cNvSpPr txBox="1"/>
-          <p:nvPr/>
-        </p:nvSpPr>
-        <p:spPr>
-          <a:xfrm>
-            <a:off x="107504" y="2775118"/>
-            <a:ext cx="450395" cy="338554"/>
-          </a:xfrm>
-          <a:prstGeom prst="rect">
-            <a:avLst/>
-          </a:prstGeom>
-          <a:noFill/>
-        </p:spPr>
-        <p:txBody>
-          <a:bodyPr wrap="square" rtlCol="0">
-            <a:spAutoFit/>
-          </a:bodyPr>
-          <a:lstStyle/>
-          <a:p>
-            <a:r>
-              <a:rPr lang="en-US" altLang="ko-KR" sz="1600" dirty="0">
-                <a:ln>
-                  <a:solidFill>
-                    <a:schemeClr val="tx1">
-                      <a:alpha val="30000"/>
-                    </a:schemeClr>
-                  </a:solidFill>
-                </a:ln>
-                <a:solidFill>
-                  <a:schemeClr val="bg1">
-                    <a:lumMod val="85000"/>
-                  </a:schemeClr>
-                </a:solidFill>
-                <a:latin typeface="Yoon 윤고딕 520_TT" pitchFamily="18" charset="-127"/>
-                <a:ea typeface="Yoon 윤고딕 520_TT" pitchFamily="18" charset="-127"/>
-              </a:rPr>
-              <a:t>05</a:t>
-            </a:r>
-          </a:p>
-        </p:txBody>
-      </p:sp>
-      <p:sp>
-        <p:nvSpPr>
-          <p:cNvPr id="2" name="직사각형 1">
-            <a:extLst>
-              <a:ext uri="{FF2B5EF4-FFF2-40B4-BE49-F238E27FC236}">
-                <a16:creationId xmlns:a16="http://schemas.microsoft.com/office/drawing/2014/main" id="{0D752438-F573-4591-9665-C4A3E1CF6350}"/>
+                <a16:creationId xmlns:a16="http://schemas.microsoft.com/office/drawing/2014/main" xmlns="" id="{0D752438-F573-4591-9665-C4A3E1CF6350}"/>
               </a:ext>
             </a:extLst>
           </p:cNvPr>
@@ -11639,7 +11919,7 @@
 </p:sld>
 </file>
 
-<file path=ppt/slides/slide18.xml><?xml version="1.0" encoding="utf-8"?>
+<file path=ppt/slides/slide17.xml><?xml version="1.0" encoding="utf-8"?>
 <p:sld xmlns:a="http://schemas.openxmlformats.org/drawingml/2006/main" xmlns:r="http://schemas.openxmlformats.org/officeDocument/2006/relationships" xmlns:p="http://schemas.openxmlformats.org/presentationml/2006/main">
   <p:cSld>
     <p:bg>
@@ -11813,7 +12093,7 @@
 </p:sld>
 </file>
 
-<file path=ppt/slides/slide19.xml><?xml version="1.0" encoding="utf-8"?>
+<file path=ppt/slides/slide18.xml><?xml version="1.0" encoding="utf-8"?>
 <p:sld xmlns:a="http://schemas.openxmlformats.org/drawingml/2006/main" xmlns:r="http://schemas.openxmlformats.org/officeDocument/2006/relationships" xmlns:p="http://schemas.openxmlformats.org/presentationml/2006/main">
   <p:cSld>
     <p:spTree>
@@ -13103,6 +13383,1133 @@
 </p:sld>
 </file>
 
+<file path=ppt/slides/slide19.xml><?xml version="1.0" encoding="utf-8"?>
+<p:sld xmlns:a="http://schemas.openxmlformats.org/drawingml/2006/main" xmlns:r="http://schemas.openxmlformats.org/officeDocument/2006/relationships" xmlns:p="http://schemas.openxmlformats.org/presentationml/2006/main">
+  <p:cSld>
+    <p:spTree>
+      <p:nvGrpSpPr>
+        <p:cNvPr id="1" name=""/>
+        <p:cNvGrpSpPr/>
+        <p:nvPr/>
+      </p:nvGrpSpPr>
+      <p:grpSpPr>
+        <a:xfrm>
+          <a:off x="0" y="0"/>
+          <a:ext cx="0" cy="0"/>
+          <a:chOff x="0" y="0"/>
+          <a:chExt cx="0" cy="0"/>
+        </a:xfrm>
+      </p:grpSpPr>
+      <p:sp>
+        <p:nvSpPr>
+          <p:cNvPr id="39" name="직사각형 38"/>
+          <p:cNvSpPr/>
+          <p:nvPr/>
+        </p:nvSpPr>
+        <p:spPr>
+          <a:xfrm>
+            <a:off x="1873620" y="1659864"/>
+            <a:ext cx="758477" cy="457200"/>
+          </a:xfrm>
+          <a:prstGeom prst="rect">
+            <a:avLst/>
+          </a:prstGeom>
+          <a:solidFill>
+            <a:srgbClr val="7AB53D">
+              <a:alpha val="80000"/>
+            </a:srgbClr>
+          </a:solidFill>
+          <a:ln>
+            <a:noFill/>
+          </a:ln>
+        </p:spPr>
+        <p:style>
+          <a:lnRef idx="2">
+            <a:schemeClr val="accent1">
+              <a:shade val="50000"/>
+            </a:schemeClr>
+          </a:lnRef>
+          <a:fillRef idx="1">
+            <a:schemeClr val="accent1"/>
+          </a:fillRef>
+          <a:effectRef idx="0">
+            <a:schemeClr val="accent1"/>
+          </a:effectRef>
+          <a:fontRef idx="minor">
+            <a:schemeClr val="lt1"/>
+          </a:fontRef>
+        </p:style>
+        <p:txBody>
+          <a:bodyPr rtlCol="0" anchor="ctr"/>
+          <a:lstStyle/>
+          <a:p>
+            <a:endParaRPr lang="ko-KR" altLang="en-US"/>
+          </a:p>
+        </p:txBody>
+      </p:sp>
+      <p:sp>
+        <p:nvSpPr>
+          <p:cNvPr id="35" name="TextBox 34"/>
+          <p:cNvSpPr txBox="1"/>
+          <p:nvPr/>
+        </p:nvSpPr>
+        <p:spPr>
+          <a:xfrm>
+            <a:off x="1822048" y="1322987"/>
+            <a:ext cx="2389912" cy="830997"/>
+          </a:xfrm>
+          <a:prstGeom prst="rect">
+            <a:avLst/>
+          </a:prstGeom>
+          <a:noFill/>
+        </p:spPr>
+        <p:txBody>
+          <a:bodyPr wrap="square" rtlCol="0">
+            <a:spAutoFit/>
+          </a:bodyPr>
+          <a:lstStyle/>
+          <a:p>
+            <a:r>
+              <a:rPr lang="ko-KR" altLang="en-US" dirty="0">
+                <a:ln>
+                  <a:solidFill>
+                    <a:schemeClr val="tx1">
+                      <a:alpha val="30000"/>
+                    </a:schemeClr>
+                  </a:solidFill>
+                </a:ln>
+                <a:solidFill>
+                  <a:srgbClr val="272123"/>
+                </a:solidFill>
+                <a:latin typeface="Yoon 윤고딕 520_TT" pitchFamily="18" charset="-127"/>
+                <a:ea typeface="Yoon 윤고딕 520_TT" pitchFamily="18" charset="-127"/>
+              </a:rPr>
+              <a:t>발표자의 매력은 </a:t>
+            </a:r>
+            <a:endParaRPr lang="en-US" altLang="ko-KR" dirty="0">
+              <a:ln>
+                <a:solidFill>
+                  <a:schemeClr val="tx1">
+                    <a:alpha val="30000"/>
+                  </a:schemeClr>
+                </a:solidFill>
+              </a:ln>
+              <a:solidFill>
+                <a:srgbClr val="272123"/>
+              </a:solidFill>
+              <a:latin typeface="Yoon 윤고딕 520_TT" pitchFamily="18" charset="-127"/>
+              <a:ea typeface="Yoon 윤고딕 520_TT" pitchFamily="18" charset="-127"/>
+            </a:endParaRPr>
+          </a:p>
+          <a:p>
+            <a:r>
+              <a:rPr lang="ko-KR" altLang="en-US" sz="3000" dirty="0">
+                <a:ln>
+                  <a:solidFill>
+                    <a:schemeClr val="tx1">
+                      <a:alpha val="30000"/>
+                    </a:schemeClr>
+                  </a:solidFill>
+                </a:ln>
+                <a:solidFill>
+                  <a:srgbClr val="272123"/>
+                </a:solidFill>
+                <a:latin typeface="Yoon 윤고딕 520_TT" pitchFamily="18" charset="-127"/>
+                <a:ea typeface="Yoon 윤고딕 520_TT" pitchFamily="18" charset="-127"/>
+              </a:rPr>
+              <a:t>자세</a:t>
+            </a:r>
+            <a:r>
+              <a:rPr lang="ko-KR" altLang="en-US" dirty="0">
+                <a:ln>
+                  <a:solidFill>
+                    <a:schemeClr val="tx1">
+                      <a:alpha val="30000"/>
+                    </a:schemeClr>
+                  </a:solidFill>
+                </a:ln>
+                <a:solidFill>
+                  <a:srgbClr val="272123"/>
+                </a:solidFill>
+                <a:latin typeface="Yoon 윤고딕 520_TT" pitchFamily="18" charset="-127"/>
+                <a:ea typeface="Yoon 윤고딕 520_TT" pitchFamily="18" charset="-127"/>
+              </a:rPr>
+              <a:t>에서 나온다</a:t>
+            </a:r>
+            <a:endParaRPr lang="en-US" altLang="ko-KR" dirty="0">
+              <a:ln>
+                <a:solidFill>
+                  <a:schemeClr val="tx1">
+                    <a:alpha val="30000"/>
+                  </a:schemeClr>
+                </a:solidFill>
+              </a:ln>
+              <a:solidFill>
+                <a:srgbClr val="272123"/>
+              </a:solidFill>
+              <a:latin typeface="Yoon 윤고딕 520_TT" pitchFamily="18" charset="-127"/>
+              <a:ea typeface="Yoon 윤고딕 520_TT" pitchFamily="18" charset="-127"/>
+            </a:endParaRPr>
+          </a:p>
+        </p:txBody>
+      </p:sp>
+      <p:cxnSp>
+        <p:nvCxnSpPr>
+          <p:cNvPr id="4" name="직선 연결선 3"/>
+          <p:cNvCxnSpPr/>
+          <p:nvPr/>
+        </p:nvCxnSpPr>
+        <p:spPr>
+          <a:xfrm>
+            <a:off x="683568" y="-371068"/>
+            <a:ext cx="0" cy="7472476"/>
+          </a:xfrm>
+          <a:prstGeom prst="line">
+            <a:avLst/>
+          </a:prstGeom>
+          <a:ln>
+            <a:solidFill>
+              <a:schemeClr val="bg1">
+                <a:lumMod val="65000"/>
+                <a:alpha val="50000"/>
+              </a:schemeClr>
+            </a:solidFill>
+          </a:ln>
+        </p:spPr>
+        <p:style>
+          <a:lnRef idx="1">
+            <a:schemeClr val="accent1"/>
+          </a:lnRef>
+          <a:fillRef idx="0">
+            <a:schemeClr val="accent1"/>
+          </a:fillRef>
+          <a:effectRef idx="0">
+            <a:schemeClr val="accent1"/>
+          </a:effectRef>
+          <a:fontRef idx="minor">
+            <a:schemeClr val="tx1"/>
+          </a:fontRef>
+        </p:style>
+      </p:cxnSp>
+      <p:cxnSp>
+        <p:nvCxnSpPr>
+          <p:cNvPr id="5" name="직선 연결선 4"/>
+          <p:cNvCxnSpPr/>
+          <p:nvPr/>
+        </p:nvCxnSpPr>
+        <p:spPr>
+          <a:xfrm flipH="1">
+            <a:off x="692540" y="548680"/>
+            <a:ext cx="9295796" cy="0"/>
+          </a:xfrm>
+          <a:prstGeom prst="line">
+            <a:avLst/>
+          </a:prstGeom>
+          <a:ln>
+            <a:solidFill>
+              <a:schemeClr val="bg1">
+                <a:lumMod val="65000"/>
+                <a:alpha val="50000"/>
+              </a:schemeClr>
+            </a:solidFill>
+          </a:ln>
+        </p:spPr>
+        <p:style>
+          <a:lnRef idx="1">
+            <a:schemeClr val="accent1"/>
+          </a:lnRef>
+          <a:fillRef idx="0">
+            <a:schemeClr val="accent1"/>
+          </a:fillRef>
+          <a:effectRef idx="0">
+            <a:schemeClr val="accent1"/>
+          </a:effectRef>
+          <a:fontRef idx="minor">
+            <a:schemeClr val="tx1"/>
+          </a:fontRef>
+        </p:style>
+      </p:cxnSp>
+      <p:sp>
+        <p:nvSpPr>
+          <p:cNvPr id="6" name="TextBox 5"/>
+          <p:cNvSpPr txBox="1"/>
+          <p:nvPr/>
+        </p:nvSpPr>
+        <p:spPr>
+          <a:xfrm>
+            <a:off x="1043608" y="138482"/>
+            <a:ext cx="965459" cy="307777"/>
+          </a:xfrm>
+          <a:prstGeom prst="rect">
+            <a:avLst/>
+          </a:prstGeom>
+          <a:noFill/>
+        </p:spPr>
+        <p:txBody>
+          <a:bodyPr wrap="square" rtlCol="0">
+            <a:spAutoFit/>
+          </a:bodyPr>
+          <a:lstStyle/>
+          <a:p>
+            <a:pPr algn="ctr"/>
+            <a:r>
+              <a:rPr lang="en-US" altLang="ko-KR" sz="1400" dirty="0">
+                <a:ln>
+                  <a:solidFill>
+                    <a:schemeClr val="tx1">
+                      <a:alpha val="30000"/>
+                    </a:schemeClr>
+                  </a:solidFill>
+                </a:ln>
+                <a:solidFill>
+                  <a:srgbClr val="272123"/>
+                </a:solidFill>
+                <a:latin typeface="Yoon 윤고딕 520_TT" pitchFamily="18" charset="-127"/>
+                <a:ea typeface="Yoon 윤고딕 520_TT" pitchFamily="18" charset="-127"/>
+              </a:rPr>
+              <a:t>Planning</a:t>
+            </a:r>
+          </a:p>
+        </p:txBody>
+      </p:sp>
+      <p:sp>
+        <p:nvSpPr>
+          <p:cNvPr id="7" name="TextBox 6"/>
+          <p:cNvSpPr txBox="1"/>
+          <p:nvPr/>
+        </p:nvSpPr>
+        <p:spPr>
+          <a:xfrm>
+            <a:off x="2512455" y="138482"/>
+            <a:ext cx="965459" cy="307777"/>
+          </a:xfrm>
+          <a:prstGeom prst="rect">
+            <a:avLst/>
+          </a:prstGeom>
+          <a:noFill/>
+        </p:spPr>
+        <p:txBody>
+          <a:bodyPr wrap="square" rtlCol="0">
+            <a:spAutoFit/>
+          </a:bodyPr>
+          <a:lstStyle/>
+          <a:p>
+            <a:pPr algn="ctr"/>
+            <a:r>
+              <a:rPr lang="en-US" altLang="ko-KR" sz="1400" dirty="0">
+                <a:ln>
+                  <a:solidFill>
+                    <a:schemeClr val="tx1">
+                      <a:alpha val="30000"/>
+                    </a:schemeClr>
+                  </a:solidFill>
+                </a:ln>
+                <a:solidFill>
+                  <a:srgbClr val="272123"/>
+                </a:solidFill>
+                <a:latin typeface="Yoon 윤고딕 520_TT" pitchFamily="18" charset="-127"/>
+                <a:ea typeface="Yoon 윤고딕 520_TT" pitchFamily="18" charset="-127"/>
+              </a:rPr>
+              <a:t>Design</a:t>
+            </a:r>
+          </a:p>
+        </p:txBody>
+      </p:sp>
+      <p:sp>
+        <p:nvSpPr>
+          <p:cNvPr id="8" name="TextBox 7"/>
+          <p:cNvSpPr txBox="1"/>
+          <p:nvPr/>
+        </p:nvSpPr>
+        <p:spPr>
+          <a:xfrm>
+            <a:off x="3981302" y="138482"/>
+            <a:ext cx="1166762" cy="307777"/>
+          </a:xfrm>
+          <a:prstGeom prst="rect">
+            <a:avLst/>
+          </a:prstGeom>
+          <a:noFill/>
+        </p:spPr>
+        <p:txBody>
+          <a:bodyPr wrap="square" rtlCol="0">
+            <a:spAutoFit/>
+          </a:bodyPr>
+          <a:lstStyle/>
+          <a:p>
+            <a:pPr algn="ctr"/>
+            <a:r>
+              <a:rPr lang="en-US" altLang="ko-KR" sz="1400" dirty="0">
+                <a:ln>
+                  <a:solidFill>
+                    <a:schemeClr val="tx1">
+                      <a:alpha val="30000"/>
+                    </a:schemeClr>
+                  </a:solidFill>
+                </a:ln>
+                <a:solidFill>
+                  <a:srgbClr val="272123"/>
+                </a:solidFill>
+                <a:latin typeface="Yoon 윤고딕 520_TT" pitchFamily="18" charset="-127"/>
+                <a:ea typeface="Yoon 윤고딕 520_TT" pitchFamily="18" charset="-127"/>
+              </a:rPr>
+              <a:t>Presentation</a:t>
+            </a:r>
+          </a:p>
+        </p:txBody>
+      </p:sp>
+      <p:sp>
+        <p:nvSpPr>
+          <p:cNvPr id="9" name="직사각형 8"/>
+          <p:cNvSpPr/>
+          <p:nvPr/>
+        </p:nvSpPr>
+        <p:spPr>
+          <a:xfrm>
+            <a:off x="-9283" y="1811751"/>
+            <a:ext cx="834325" cy="343501"/>
+          </a:xfrm>
+          <a:prstGeom prst="rect">
+            <a:avLst/>
+          </a:prstGeom>
+          <a:solidFill>
+            <a:srgbClr val="272123"/>
+          </a:solidFill>
+          <a:ln>
+            <a:noFill/>
+          </a:ln>
+        </p:spPr>
+        <p:style>
+          <a:lnRef idx="2">
+            <a:schemeClr val="accent1">
+              <a:shade val="50000"/>
+            </a:schemeClr>
+          </a:lnRef>
+          <a:fillRef idx="1">
+            <a:schemeClr val="accent1"/>
+          </a:fillRef>
+          <a:effectRef idx="0">
+            <a:schemeClr val="accent1"/>
+          </a:effectRef>
+          <a:fontRef idx="minor">
+            <a:schemeClr val="lt1"/>
+          </a:fontRef>
+        </p:style>
+        <p:txBody>
+          <a:bodyPr rtlCol="0" anchor="ctr"/>
+          <a:lstStyle/>
+          <a:p>
+            <a:pPr algn="ctr"/>
+            <a:endParaRPr lang="ko-KR" altLang="en-US"/>
+          </a:p>
+        </p:txBody>
+      </p:sp>
+      <p:sp>
+        <p:nvSpPr>
+          <p:cNvPr id="10" name="직각 삼각형 9"/>
+          <p:cNvSpPr/>
+          <p:nvPr/>
+        </p:nvSpPr>
+        <p:spPr>
+          <a:xfrm rot="5400000">
+            <a:off x="702755" y="2141825"/>
+            <a:ext cx="81142" cy="108000"/>
+          </a:xfrm>
+          <a:prstGeom prst="rtTriangle">
+            <a:avLst/>
+          </a:prstGeom>
+          <a:solidFill>
+            <a:schemeClr val="tx1"/>
+          </a:solidFill>
+          <a:ln>
+            <a:solidFill>
+              <a:schemeClr val="tx1"/>
+            </a:solidFill>
+          </a:ln>
+        </p:spPr>
+        <p:style>
+          <a:lnRef idx="2">
+            <a:schemeClr val="accent1">
+              <a:shade val="50000"/>
+            </a:schemeClr>
+          </a:lnRef>
+          <a:fillRef idx="1">
+            <a:schemeClr val="accent1"/>
+          </a:fillRef>
+          <a:effectRef idx="0">
+            <a:schemeClr val="accent1"/>
+          </a:effectRef>
+          <a:fontRef idx="minor">
+            <a:schemeClr val="lt1"/>
+          </a:fontRef>
+        </p:style>
+        <p:txBody>
+          <a:bodyPr rtlCol="0" anchor="ctr"/>
+          <a:lstStyle/>
+          <a:p>
+            <a:pPr algn="ctr"/>
+            <a:endParaRPr lang="ko-KR" altLang="en-US"/>
+          </a:p>
+        </p:txBody>
+      </p:sp>
+      <p:sp>
+        <p:nvSpPr>
+          <p:cNvPr id="21" name="TextBox 20"/>
+          <p:cNvSpPr txBox="1"/>
+          <p:nvPr/>
+        </p:nvSpPr>
+        <p:spPr>
+          <a:xfrm>
+            <a:off x="107504" y="1340768"/>
+            <a:ext cx="450395" cy="338554"/>
+          </a:xfrm>
+          <a:prstGeom prst="rect">
+            <a:avLst/>
+          </a:prstGeom>
+          <a:noFill/>
+        </p:spPr>
+        <p:txBody>
+          <a:bodyPr wrap="square" rtlCol="0">
+            <a:spAutoFit/>
+          </a:bodyPr>
+          <a:lstStyle/>
+          <a:p>
+            <a:r>
+              <a:rPr lang="en-US" altLang="ko-KR" sz="1600" dirty="0">
+                <a:ln>
+                  <a:solidFill>
+                    <a:schemeClr val="tx1">
+                      <a:alpha val="30000"/>
+                    </a:schemeClr>
+                  </a:solidFill>
+                </a:ln>
+                <a:solidFill>
+                  <a:schemeClr val="bg1">
+                    <a:lumMod val="85000"/>
+                  </a:schemeClr>
+                </a:solidFill>
+                <a:latin typeface="Yoon 윤고딕 520_TT" pitchFamily="18" charset="-127"/>
+                <a:ea typeface="Yoon 윤고딕 520_TT" pitchFamily="18" charset="-127"/>
+              </a:rPr>
+              <a:t>02</a:t>
+            </a:r>
+          </a:p>
+        </p:txBody>
+      </p:sp>
+      <p:sp>
+        <p:nvSpPr>
+          <p:cNvPr id="22" name="TextBox 21"/>
+          <p:cNvSpPr txBox="1"/>
+          <p:nvPr/>
+        </p:nvSpPr>
+        <p:spPr>
+          <a:xfrm>
+            <a:off x="107504" y="1819563"/>
+            <a:ext cx="450395" cy="338554"/>
+          </a:xfrm>
+          <a:prstGeom prst="rect">
+            <a:avLst/>
+          </a:prstGeom>
+          <a:noFill/>
+        </p:spPr>
+        <p:txBody>
+          <a:bodyPr wrap="square" rtlCol="0">
+            <a:spAutoFit/>
+          </a:bodyPr>
+          <a:lstStyle/>
+          <a:p>
+            <a:r>
+              <a:rPr lang="en-US" altLang="ko-KR" sz="1600" dirty="0">
+                <a:ln>
+                  <a:solidFill>
+                    <a:schemeClr val="tx1">
+                      <a:alpha val="30000"/>
+                    </a:schemeClr>
+                  </a:solidFill>
+                </a:ln>
+                <a:solidFill>
+                  <a:schemeClr val="bg1">
+                    <a:lumMod val="85000"/>
+                  </a:schemeClr>
+                </a:solidFill>
+                <a:latin typeface="Yoon 윤고딕 520_TT" pitchFamily="18" charset="-127"/>
+                <a:ea typeface="Yoon 윤고딕 520_TT" pitchFamily="18" charset="-127"/>
+              </a:rPr>
+              <a:t>03</a:t>
+            </a:r>
+          </a:p>
+        </p:txBody>
+      </p:sp>
+      <p:sp>
+        <p:nvSpPr>
+          <p:cNvPr id="23" name="TextBox 22"/>
+          <p:cNvSpPr txBox="1"/>
+          <p:nvPr/>
+        </p:nvSpPr>
+        <p:spPr>
+          <a:xfrm>
+            <a:off x="107504" y="2298358"/>
+            <a:ext cx="450395" cy="338554"/>
+          </a:xfrm>
+          <a:prstGeom prst="rect">
+            <a:avLst/>
+          </a:prstGeom>
+          <a:noFill/>
+        </p:spPr>
+        <p:txBody>
+          <a:bodyPr wrap="square" rtlCol="0">
+            <a:spAutoFit/>
+          </a:bodyPr>
+          <a:lstStyle/>
+          <a:p>
+            <a:r>
+              <a:rPr lang="en-US" altLang="ko-KR" sz="1600" dirty="0">
+                <a:ln>
+                  <a:solidFill>
+                    <a:schemeClr val="tx1">
+                      <a:alpha val="30000"/>
+                    </a:schemeClr>
+                  </a:solidFill>
+                </a:ln>
+                <a:solidFill>
+                  <a:schemeClr val="bg1">
+                    <a:lumMod val="85000"/>
+                  </a:schemeClr>
+                </a:solidFill>
+                <a:latin typeface="Yoon 윤고딕 520_TT" pitchFamily="18" charset="-127"/>
+                <a:ea typeface="Yoon 윤고딕 520_TT" pitchFamily="18" charset="-127"/>
+              </a:rPr>
+              <a:t>04</a:t>
+            </a:r>
+          </a:p>
+        </p:txBody>
+      </p:sp>
+      <p:sp>
+        <p:nvSpPr>
+          <p:cNvPr id="24" name="TextBox 23"/>
+          <p:cNvSpPr txBox="1"/>
+          <p:nvPr/>
+        </p:nvSpPr>
+        <p:spPr>
+          <a:xfrm>
+            <a:off x="123549" y="882386"/>
+            <a:ext cx="541363" cy="338554"/>
+          </a:xfrm>
+          <a:prstGeom prst="rect">
+            <a:avLst/>
+          </a:prstGeom>
+          <a:noFill/>
+        </p:spPr>
+        <p:txBody>
+          <a:bodyPr wrap="square" rtlCol="0">
+            <a:spAutoFit/>
+          </a:bodyPr>
+          <a:lstStyle/>
+          <a:p>
+            <a:r>
+              <a:rPr lang="en-US" altLang="ko-KR" sz="1600" dirty="0">
+                <a:ln>
+                  <a:solidFill>
+                    <a:schemeClr val="tx1">
+                      <a:alpha val="30000"/>
+                    </a:schemeClr>
+                  </a:solidFill>
+                </a:ln>
+                <a:solidFill>
+                  <a:schemeClr val="bg1">
+                    <a:lumMod val="75000"/>
+                  </a:schemeClr>
+                </a:solidFill>
+                <a:latin typeface="Yoon 윤고딕 520_TT" pitchFamily="18" charset="-127"/>
+                <a:ea typeface="Yoon 윤고딕 520_TT" pitchFamily="18" charset="-127"/>
+              </a:rPr>
+              <a:t>01</a:t>
+            </a:r>
+          </a:p>
+        </p:txBody>
+      </p:sp>
+      <p:sp>
+        <p:nvSpPr>
+          <p:cNvPr id="37" name="갈매기형 수장 36"/>
+          <p:cNvSpPr/>
+          <p:nvPr/>
+        </p:nvSpPr>
+        <p:spPr>
+          <a:xfrm>
+            <a:off x="1623307" y="1415277"/>
+            <a:ext cx="140381" cy="154419"/>
+          </a:xfrm>
+          <a:prstGeom prst="chevron">
+            <a:avLst/>
+          </a:prstGeom>
+          <a:solidFill>
+            <a:srgbClr val="272123"/>
+          </a:solidFill>
+          <a:ln>
+            <a:noFill/>
+          </a:ln>
+        </p:spPr>
+        <p:style>
+          <a:lnRef idx="2">
+            <a:schemeClr val="accent1">
+              <a:shade val="50000"/>
+            </a:schemeClr>
+          </a:lnRef>
+          <a:fillRef idx="1">
+            <a:schemeClr val="accent1"/>
+          </a:fillRef>
+          <a:effectRef idx="0">
+            <a:schemeClr val="accent1"/>
+          </a:effectRef>
+          <a:fontRef idx="minor">
+            <a:schemeClr val="lt1"/>
+          </a:fontRef>
+        </p:style>
+        <p:txBody>
+          <a:bodyPr rtlCol="0" anchor="ctr"/>
+          <a:lstStyle/>
+          <a:p>
+            <a:pPr algn="ctr"/>
+            <a:endParaRPr lang="ko-KR" altLang="en-US">
+              <a:solidFill>
+                <a:schemeClr val="tx1"/>
+              </a:solidFill>
+            </a:endParaRPr>
+          </a:p>
+        </p:txBody>
+      </p:sp>
+      <p:sp>
+        <p:nvSpPr>
+          <p:cNvPr id="38" name="갈매기형 수장 37"/>
+          <p:cNvSpPr/>
+          <p:nvPr/>
+        </p:nvSpPr>
+        <p:spPr>
+          <a:xfrm>
+            <a:off x="1475656" y="1415277"/>
+            <a:ext cx="140381" cy="154419"/>
+          </a:xfrm>
+          <a:prstGeom prst="chevron">
+            <a:avLst/>
+          </a:prstGeom>
+          <a:solidFill>
+            <a:srgbClr val="272123"/>
+          </a:solidFill>
+          <a:ln>
+            <a:noFill/>
+          </a:ln>
+        </p:spPr>
+        <p:style>
+          <a:lnRef idx="2">
+            <a:schemeClr val="accent1">
+              <a:shade val="50000"/>
+            </a:schemeClr>
+          </a:lnRef>
+          <a:fillRef idx="1">
+            <a:schemeClr val="accent1"/>
+          </a:fillRef>
+          <a:effectRef idx="0">
+            <a:schemeClr val="accent1"/>
+          </a:effectRef>
+          <a:fontRef idx="minor">
+            <a:schemeClr val="lt1"/>
+          </a:fontRef>
+        </p:style>
+        <p:txBody>
+          <a:bodyPr rtlCol="0" anchor="ctr"/>
+          <a:lstStyle/>
+          <a:p>
+            <a:pPr algn="ctr"/>
+            <a:endParaRPr lang="ko-KR" altLang="en-US">
+              <a:solidFill>
+                <a:schemeClr val="tx1"/>
+              </a:solidFill>
+            </a:endParaRPr>
+          </a:p>
+        </p:txBody>
+      </p:sp>
+      <p:graphicFrame>
+        <p:nvGraphicFramePr>
+          <p:cNvPr id="2" name="차트 1"/>
+          <p:cNvGraphicFramePr/>
+          <p:nvPr>
+            <p:extLst>
+              <p:ext uri="{D42A27DB-BD31-4B8C-83A1-F6EECF244321}">
+                <p14:modId xmlns:p14="http://schemas.microsoft.com/office/powerpoint/2010/main" val="3754764936"/>
+              </p:ext>
+            </p:extLst>
+          </p:nvPr>
+        </p:nvGraphicFramePr>
+        <p:xfrm>
+          <a:off x="2009066" y="2636912"/>
+          <a:ext cx="5371245" cy="3131963"/>
+        </p:xfrm>
+        <a:graphic>
+          <a:graphicData uri="http://schemas.openxmlformats.org/drawingml/2006/chart">
+            <c:chart xmlns:c="http://schemas.openxmlformats.org/drawingml/2006/chart" xmlns:r="http://schemas.openxmlformats.org/officeDocument/2006/relationships" r:id="rId2"/>
+          </a:graphicData>
+        </a:graphic>
+      </p:graphicFrame>
+      <p:sp>
+        <p:nvSpPr>
+          <p:cNvPr id="63" name="TextBox 62"/>
+          <p:cNvSpPr txBox="1"/>
+          <p:nvPr/>
+        </p:nvSpPr>
+        <p:spPr>
+          <a:xfrm>
+            <a:off x="4449311" y="3008273"/>
+            <a:ext cx="965459" cy="323165"/>
+          </a:xfrm>
+          <a:prstGeom prst="rect">
+            <a:avLst/>
+          </a:prstGeom>
+          <a:noFill/>
+        </p:spPr>
+        <p:txBody>
+          <a:bodyPr wrap="square" rtlCol="0">
+            <a:spAutoFit/>
+          </a:bodyPr>
+          <a:lstStyle/>
+          <a:p>
+            <a:pPr algn="ctr"/>
+            <a:r>
+              <a:rPr lang="en-US" altLang="ko-KR" sz="1500" dirty="0">
+                <a:ln>
+                  <a:solidFill>
+                    <a:schemeClr val="tx1">
+                      <a:alpha val="30000"/>
+                    </a:schemeClr>
+                  </a:solidFill>
+                </a:ln>
+                <a:solidFill>
+                  <a:srgbClr val="272123"/>
+                </a:solidFill>
+                <a:latin typeface="Yoon 윤고딕 520_TT" pitchFamily="18" charset="-127"/>
+                <a:ea typeface="Yoon 윤고딕 520_TT" pitchFamily="18" charset="-127"/>
+              </a:rPr>
+              <a:t>7%</a:t>
+            </a:r>
+          </a:p>
+        </p:txBody>
+      </p:sp>
+      <p:sp>
+        <p:nvSpPr>
+          <p:cNvPr id="64" name="TextBox 63"/>
+          <p:cNvSpPr txBox="1"/>
+          <p:nvPr/>
+        </p:nvSpPr>
+        <p:spPr>
+          <a:xfrm>
+            <a:off x="5015637" y="3933056"/>
+            <a:ext cx="965459" cy="646331"/>
+          </a:xfrm>
+          <a:prstGeom prst="rect">
+            <a:avLst/>
+          </a:prstGeom>
+          <a:noFill/>
+        </p:spPr>
+        <p:txBody>
+          <a:bodyPr wrap="square" rtlCol="0">
+            <a:spAutoFit/>
+          </a:bodyPr>
+          <a:lstStyle/>
+          <a:p>
+            <a:pPr algn="ctr"/>
+            <a:r>
+              <a:rPr lang="en-US" altLang="ko-KR" sz="3600" dirty="0">
+                <a:ln>
+                  <a:solidFill>
+                    <a:schemeClr val="tx1">
+                      <a:alpha val="30000"/>
+                    </a:schemeClr>
+                  </a:solidFill>
+                </a:ln>
+                <a:solidFill>
+                  <a:srgbClr val="272123"/>
+                </a:solidFill>
+                <a:latin typeface="Yoon 윤고딕 520_TT" pitchFamily="18" charset="-127"/>
+                <a:ea typeface="Yoon 윤고딕 520_TT" pitchFamily="18" charset="-127"/>
+              </a:rPr>
+              <a:t>38%</a:t>
+            </a:r>
+          </a:p>
+        </p:txBody>
+      </p:sp>
+      <p:sp>
+        <p:nvSpPr>
+          <p:cNvPr id="66" name="TextBox 65"/>
+          <p:cNvSpPr txBox="1"/>
+          <p:nvPr/>
+        </p:nvSpPr>
+        <p:spPr>
+          <a:xfrm>
+            <a:off x="3431461" y="3933056"/>
+            <a:ext cx="965459" cy="646331"/>
+          </a:xfrm>
+          <a:prstGeom prst="rect">
+            <a:avLst/>
+          </a:prstGeom>
+          <a:noFill/>
+        </p:spPr>
+        <p:txBody>
+          <a:bodyPr wrap="square" rtlCol="0">
+            <a:spAutoFit/>
+          </a:bodyPr>
+          <a:lstStyle/>
+          <a:p>
+            <a:pPr algn="ctr"/>
+            <a:r>
+              <a:rPr lang="en-US" altLang="ko-KR" sz="3600" dirty="0">
+                <a:ln>
+                  <a:solidFill>
+                    <a:schemeClr val="tx1">
+                      <a:alpha val="30000"/>
+                    </a:schemeClr>
+                  </a:solidFill>
+                </a:ln>
+                <a:solidFill>
+                  <a:srgbClr val="272123"/>
+                </a:solidFill>
+                <a:latin typeface="Yoon 윤고딕 520_TT" pitchFamily="18" charset="-127"/>
+                <a:ea typeface="Yoon 윤고딕 520_TT" pitchFamily="18" charset="-127"/>
+              </a:rPr>
+              <a:t>55%</a:t>
+            </a:r>
+          </a:p>
+        </p:txBody>
+      </p:sp>
+      <p:sp>
+        <p:nvSpPr>
+          <p:cNvPr id="67" name="TextBox 66"/>
+          <p:cNvSpPr txBox="1"/>
+          <p:nvPr/>
+        </p:nvSpPr>
+        <p:spPr>
+          <a:xfrm>
+            <a:off x="3417813" y="4499828"/>
+            <a:ext cx="965459" cy="430887"/>
+          </a:xfrm>
+          <a:prstGeom prst="rect">
+            <a:avLst/>
+          </a:prstGeom>
+          <a:noFill/>
+        </p:spPr>
+        <p:txBody>
+          <a:bodyPr wrap="square" rtlCol="0">
+            <a:spAutoFit/>
+          </a:bodyPr>
+          <a:lstStyle/>
+          <a:p>
+            <a:pPr algn="ctr"/>
+            <a:r>
+              <a:rPr lang="en-US" altLang="ko-KR" sz="2200" dirty="0">
+                <a:ln>
+                  <a:solidFill>
+                    <a:schemeClr val="tx1">
+                      <a:alpha val="30000"/>
+                    </a:schemeClr>
+                  </a:solidFill>
+                </a:ln>
+                <a:solidFill>
+                  <a:srgbClr val="272123"/>
+                </a:solidFill>
+                <a:latin typeface="Yoon 윤고딕 520_TT" pitchFamily="18" charset="-127"/>
+                <a:ea typeface="Yoon 윤고딕 520_TT" pitchFamily="18" charset="-127"/>
+              </a:rPr>
+              <a:t>Visual</a:t>
+            </a:r>
+          </a:p>
+        </p:txBody>
+      </p:sp>
+      <p:sp>
+        <p:nvSpPr>
+          <p:cNvPr id="68" name="TextBox 67"/>
+          <p:cNvSpPr txBox="1"/>
+          <p:nvPr/>
+        </p:nvSpPr>
+        <p:spPr>
+          <a:xfrm>
+            <a:off x="4985787" y="4499828"/>
+            <a:ext cx="965459" cy="430887"/>
+          </a:xfrm>
+          <a:prstGeom prst="rect">
+            <a:avLst/>
+          </a:prstGeom>
+          <a:noFill/>
+        </p:spPr>
+        <p:txBody>
+          <a:bodyPr wrap="square" rtlCol="0">
+            <a:spAutoFit/>
+          </a:bodyPr>
+          <a:lstStyle/>
+          <a:p>
+            <a:pPr algn="ctr"/>
+            <a:r>
+              <a:rPr lang="en-US" altLang="ko-KR" sz="2200" dirty="0">
+                <a:ln>
+                  <a:solidFill>
+                    <a:schemeClr val="tx1">
+                      <a:alpha val="30000"/>
+                    </a:schemeClr>
+                  </a:solidFill>
+                </a:ln>
+                <a:solidFill>
+                  <a:srgbClr val="272123"/>
+                </a:solidFill>
+                <a:latin typeface="Yoon 윤고딕 520_TT" pitchFamily="18" charset="-127"/>
+                <a:ea typeface="Yoon 윤고딕 520_TT" pitchFamily="18" charset="-127"/>
+              </a:rPr>
+              <a:t>Vocal</a:t>
+            </a:r>
+          </a:p>
+        </p:txBody>
+      </p:sp>
+      <p:sp>
+        <p:nvSpPr>
+          <p:cNvPr id="69" name="TextBox 68"/>
+          <p:cNvSpPr txBox="1"/>
+          <p:nvPr/>
+        </p:nvSpPr>
+        <p:spPr>
+          <a:xfrm>
+            <a:off x="4497933" y="2708920"/>
+            <a:ext cx="965459" cy="323165"/>
+          </a:xfrm>
+          <a:prstGeom prst="rect">
+            <a:avLst/>
+          </a:prstGeom>
+          <a:noFill/>
+        </p:spPr>
+        <p:txBody>
+          <a:bodyPr wrap="square" rtlCol="0">
+            <a:spAutoFit/>
+          </a:bodyPr>
+          <a:lstStyle/>
+          <a:p>
+            <a:pPr algn="ctr"/>
+            <a:r>
+              <a:rPr lang="en-US" altLang="ko-KR" sz="1500" dirty="0">
+                <a:ln>
+                  <a:solidFill>
+                    <a:schemeClr val="tx1">
+                      <a:alpha val="30000"/>
+                    </a:schemeClr>
+                  </a:solidFill>
+                </a:ln>
+                <a:solidFill>
+                  <a:srgbClr val="272123"/>
+                </a:solidFill>
+                <a:latin typeface="Yoon 윤고딕 520_TT" pitchFamily="18" charset="-127"/>
+                <a:ea typeface="Yoon 윤고딕 520_TT" pitchFamily="18" charset="-127"/>
+              </a:rPr>
+              <a:t>Verbal</a:t>
+            </a:r>
+          </a:p>
+        </p:txBody>
+      </p:sp>
+      <p:sp>
+        <p:nvSpPr>
+          <p:cNvPr id="70" name="TextBox 69"/>
+          <p:cNvSpPr txBox="1"/>
+          <p:nvPr/>
+        </p:nvSpPr>
+        <p:spPr>
+          <a:xfrm>
+            <a:off x="6444208" y="5395863"/>
+            <a:ext cx="1412561" cy="769441"/>
+          </a:xfrm>
+          <a:prstGeom prst="rect">
+            <a:avLst/>
+          </a:prstGeom>
+          <a:noFill/>
+        </p:spPr>
+        <p:txBody>
+          <a:bodyPr wrap="square" rtlCol="0">
+            <a:spAutoFit/>
+          </a:bodyPr>
+          <a:lstStyle/>
+          <a:p>
+            <a:pPr algn="ctr"/>
+            <a:r>
+              <a:rPr lang="en-US" altLang="ko-KR" sz="3000" dirty="0">
+                <a:ln>
+                  <a:solidFill>
+                    <a:schemeClr val="tx1">
+                      <a:alpha val="30000"/>
+                    </a:schemeClr>
+                  </a:solidFill>
+                </a:ln>
+                <a:solidFill>
+                  <a:srgbClr val="272123"/>
+                </a:solidFill>
+                <a:latin typeface="Yoon 윤고딕 520_TT" pitchFamily="18" charset="-127"/>
+                <a:ea typeface="Yoon 윤고딕 520_TT" pitchFamily="18" charset="-127"/>
+              </a:rPr>
+              <a:t>93%</a:t>
+            </a:r>
+          </a:p>
+          <a:p>
+            <a:pPr algn="ctr"/>
+            <a:r>
+              <a:rPr lang="ko-KR" altLang="en-US" sz="1400" dirty="0">
+                <a:ln>
+                  <a:solidFill>
+                    <a:schemeClr val="tx1">
+                      <a:alpha val="30000"/>
+                    </a:schemeClr>
+                  </a:solidFill>
+                </a:ln>
+                <a:solidFill>
+                  <a:srgbClr val="272123"/>
+                </a:solidFill>
+                <a:latin typeface="Yoon 윤고딕 520_TT" pitchFamily="18" charset="-127"/>
+                <a:ea typeface="Yoon 윤고딕 520_TT" pitchFamily="18" charset="-127"/>
+              </a:rPr>
+              <a:t>비언어적 요소</a:t>
+            </a:r>
+            <a:endParaRPr lang="en-US" altLang="ko-KR" sz="1400" dirty="0">
+              <a:ln>
+                <a:solidFill>
+                  <a:schemeClr val="tx1">
+                    <a:alpha val="30000"/>
+                  </a:schemeClr>
+                </a:solidFill>
+              </a:ln>
+              <a:solidFill>
+                <a:srgbClr val="272123"/>
+              </a:solidFill>
+              <a:latin typeface="Yoon 윤고딕 520_TT" pitchFamily="18" charset="-127"/>
+              <a:ea typeface="Yoon 윤고딕 520_TT" pitchFamily="18" charset="-127"/>
+            </a:endParaRPr>
+          </a:p>
+        </p:txBody>
+      </p:sp>
+    </p:spTree>
+    <p:extLst>
+      <p:ext uri="{BB962C8B-B14F-4D97-AF65-F5344CB8AC3E}">
+        <p14:creationId xmlns:p14="http://schemas.microsoft.com/office/powerpoint/2010/main" val="1382979747"/>
+      </p:ext>
+    </p:extLst>
+  </p:cSld>
+  <p:clrMapOvr>
+    <a:masterClrMapping/>
+  </p:clrMapOvr>
+  <mc:AlternateContent xmlns:mc="http://schemas.openxmlformats.org/markup-compatibility/2006" xmlns:p14="http://schemas.microsoft.com/office/powerpoint/2010/main">
+    <mc:Choice Requires="p14">
+      <p:transition spd="med" p14:dur="700">
+        <p:fade/>
+      </p:transition>
+    </mc:Choice>
+    <mc:Fallback xmlns="">
+      <p:transition spd="med">
+        <p:fade/>
+      </p:transition>
+    </mc:Fallback>
+  </mc:AlternateContent>
+</p:sld>
+</file>
+
 <file path=ppt/slides/slide2.xml><?xml version="1.0" encoding="utf-8"?>
 <p:sld xmlns:a="http://schemas.openxmlformats.org/drawingml/2006/main" xmlns:r="http://schemas.openxmlformats.org/officeDocument/2006/relationships" xmlns:p="http://schemas.openxmlformats.org/presentationml/2006/main">
   <p:cSld>
@@ -13530,14 +14937,14 @@
       </p:grpSpPr>
       <p:sp>
         <p:nvSpPr>
-          <p:cNvPr id="39" name="직사각형 38"/>
+          <p:cNvPr id="72" name="직사각형 71"/>
           <p:cNvSpPr/>
           <p:nvPr/>
         </p:nvSpPr>
         <p:spPr>
           <a:xfrm>
-            <a:off x="1873620" y="1659864"/>
-            <a:ext cx="758477" cy="457200"/>
+            <a:off x="1921424" y="1351516"/>
+            <a:ext cx="2880320" cy="312274"/>
           </a:xfrm>
           <a:prstGeom prst="rect">
             <a:avLst/>
@@ -13583,8 +14990,8 @@
         </p:nvSpPr>
         <p:spPr>
           <a:xfrm>
-            <a:off x="1822048" y="1322987"/>
-            <a:ext cx="2389912" cy="830997"/>
+            <a:off x="1907704" y="1322987"/>
+            <a:ext cx="2907760" cy="369332"/>
           </a:xfrm>
           <a:prstGeom prst="rect">
             <a:avLst/>
@@ -13612,57 +15019,7 @@
                 <a:latin typeface="Yoon 윤고딕 520_TT" pitchFamily="18" charset="-127"/>
                 <a:ea typeface="Yoon 윤고딕 520_TT" pitchFamily="18" charset="-127"/>
               </a:rPr>
-              <a:t>발표자의 매력은 </a:t>
-            </a:r>
-            <a:endParaRPr lang="en-US" altLang="ko-KR" dirty="0">
-              <a:ln>
-                <a:solidFill>
-                  <a:schemeClr val="tx1">
-                    <a:alpha val="30000"/>
-                  </a:schemeClr>
-                </a:solidFill>
-              </a:ln>
-              <a:solidFill>
-                <a:srgbClr val="272123"/>
-              </a:solidFill>
-              <a:latin typeface="Yoon 윤고딕 520_TT" pitchFamily="18" charset="-127"/>
-              <a:ea typeface="Yoon 윤고딕 520_TT" pitchFamily="18" charset="-127"/>
-            </a:endParaRPr>
-          </a:p>
-          <a:p>
-            <a:r>
-              <a:rPr lang="ko-KR" altLang="en-US" sz="3000" dirty="0">
-                <a:ln>
-                  <a:solidFill>
-                    <a:schemeClr val="tx1">
-                      <a:alpha val="30000"/>
-                    </a:schemeClr>
-                  </a:solidFill>
-                </a:ln>
-                <a:solidFill>
-                  <a:srgbClr val="272123"/>
-                </a:solidFill>
-                <a:latin typeface="Yoon 윤고딕 520_TT" pitchFamily="18" charset="-127"/>
-                <a:ea typeface="Yoon 윤고딕 520_TT" pitchFamily="18" charset="-127"/>
-              </a:rPr>
-              <a:t>자세</a:t>
-            </a:r>
-            <a:r>
-              <a:rPr lang="ko-KR" altLang="en-US" dirty="0">
-                <a:ln>
-                  <a:solidFill>
-                    <a:schemeClr val="tx1">
-                      <a:alpha val="30000"/>
-                    </a:schemeClr>
-                  </a:solidFill>
-                </a:ln>
-                <a:solidFill>
-                  <a:srgbClr val="272123"/>
-                </a:solidFill>
-                <a:latin typeface="Yoon 윤고딕 520_TT" pitchFamily="18" charset="-127"/>
-                <a:ea typeface="Yoon 윤고딕 520_TT" pitchFamily="18" charset="-127"/>
-              </a:rPr>
-              <a:t>에서 나온다</a:t>
+              <a:t>청중에게 안정감을 주는 자세 </a:t>
             </a:r>
             <a:endParaRPr lang="en-US" altLang="ko-KR" dirty="0">
               <a:ln>
@@ -14256,38 +15613,16 @@
           </a:p>
         </p:txBody>
       </p:sp>
-      <p:graphicFrame>
-        <p:nvGraphicFramePr>
-          <p:cNvPr id="2" name="차트 1"/>
-          <p:cNvGraphicFramePr/>
-          <p:nvPr>
-            <p:extLst>
-              <p:ext uri="{D42A27DB-BD31-4B8C-83A1-F6EECF244321}">
-                <p14:modId xmlns:p14="http://schemas.microsoft.com/office/powerpoint/2010/main" val="3754764936"/>
-              </p:ext>
-            </p:extLst>
-          </p:nvPr>
-        </p:nvGraphicFramePr>
-        <p:xfrm>
-          <a:off x="2009066" y="2636912"/>
-          <a:ext cx="5371245" cy="3131963"/>
-        </p:xfrm>
-        <a:graphic>
-          <a:graphicData uri="http://schemas.openxmlformats.org/drawingml/2006/chart">
-            <c:chart xmlns:c="http://schemas.openxmlformats.org/drawingml/2006/chart" xmlns:r="http://schemas.openxmlformats.org/officeDocument/2006/relationships" r:id="rId2"/>
-          </a:graphicData>
-        </a:graphic>
-      </p:graphicFrame>
-      <p:sp>
-        <p:nvSpPr>
-          <p:cNvPr id="63" name="TextBox 62"/>
+      <p:sp>
+        <p:nvSpPr>
+          <p:cNvPr id="71" name="TextBox 70"/>
           <p:cNvSpPr txBox="1"/>
           <p:nvPr/>
         </p:nvSpPr>
         <p:spPr>
           <a:xfrm>
-            <a:off x="4449311" y="3008273"/>
-            <a:ext cx="965459" cy="323165"/>
+            <a:off x="2084044" y="2158117"/>
+            <a:ext cx="5800324" cy="3046988"/>
           </a:xfrm>
           <a:prstGeom prst="rect">
             <a:avLst/>
@@ -14300,9 +15635,15 @@
           </a:bodyPr>
           <a:lstStyle/>
           <a:p>
-            <a:pPr algn="ctr"/>
-            <a:r>
-              <a:rPr lang="en-US" altLang="ko-KR" sz="1500" dirty="0">
+            <a:pPr marL="285750" indent="-285750">
+              <a:lnSpc>
+                <a:spcPct val="200000"/>
+              </a:lnSpc>
+              <a:buFont typeface="Wingdings" pitchFamily="2" charset="2"/>
+              <a:buChar char="§"/>
+            </a:pPr>
+            <a:r>
+              <a:rPr lang="ko-KR" altLang="en-US" sz="1600" dirty="0">
                 <a:ln>
                   <a:solidFill>
                     <a:schemeClr val="tx1">
@@ -14316,36 +15657,10 @@
                 <a:latin typeface="Yoon 윤고딕 520_TT" pitchFamily="18" charset="-127"/>
                 <a:ea typeface="Yoon 윤고딕 520_TT" pitchFamily="18" charset="-127"/>
               </a:rPr>
-              <a:t>7%</a:t>
-            </a:r>
-          </a:p>
-        </p:txBody>
-      </p:sp>
-      <p:sp>
-        <p:nvSpPr>
-          <p:cNvPr id="64" name="TextBox 63"/>
-          <p:cNvSpPr txBox="1"/>
-          <p:nvPr/>
-        </p:nvSpPr>
-        <p:spPr>
-          <a:xfrm>
-            <a:off x="5015637" y="3933056"/>
-            <a:ext cx="965459" cy="646331"/>
-          </a:xfrm>
-          <a:prstGeom prst="rect">
-            <a:avLst/>
-          </a:prstGeom>
-          <a:noFill/>
-        </p:spPr>
-        <p:txBody>
-          <a:bodyPr wrap="square" rtlCol="0">
-            <a:spAutoFit/>
-          </a:bodyPr>
-          <a:lstStyle/>
-          <a:p>
-            <a:pPr algn="ctr"/>
-            <a:r>
-              <a:rPr lang="en-US" altLang="ko-KR" sz="3600" dirty="0">
+              <a:t>모든 청중이 보이는 가장 좋은 지점에 선다</a:t>
+            </a:r>
+            <a:r>
+              <a:rPr lang="en-US" altLang="ko-KR" sz="1600" dirty="0">
                 <a:ln>
                   <a:solidFill>
                     <a:schemeClr val="tx1">
@@ -14359,36 +15674,19 @@
                 <a:latin typeface="Yoon 윤고딕 520_TT" pitchFamily="18" charset="-127"/>
                 <a:ea typeface="Yoon 윤고딕 520_TT" pitchFamily="18" charset="-127"/>
               </a:rPr>
-              <a:t>38%</a:t>
-            </a:r>
-          </a:p>
-        </p:txBody>
-      </p:sp>
-      <p:sp>
-        <p:nvSpPr>
-          <p:cNvPr id="66" name="TextBox 65"/>
-          <p:cNvSpPr txBox="1"/>
-          <p:nvPr/>
-        </p:nvSpPr>
-        <p:spPr>
-          <a:xfrm>
-            <a:off x="3431461" y="3933056"/>
-            <a:ext cx="965459" cy="646331"/>
-          </a:xfrm>
-          <a:prstGeom prst="rect">
-            <a:avLst/>
-          </a:prstGeom>
-          <a:noFill/>
-        </p:spPr>
-        <p:txBody>
-          <a:bodyPr wrap="square" rtlCol="0">
-            <a:spAutoFit/>
-          </a:bodyPr>
-          <a:lstStyle/>
-          <a:p>
-            <a:pPr algn="ctr"/>
-            <a:r>
-              <a:rPr lang="en-US" altLang="ko-KR" sz="3600" dirty="0">
+              <a:t>.</a:t>
+            </a:r>
+          </a:p>
+          <a:p>
+            <a:pPr marL="285750" indent="-285750">
+              <a:lnSpc>
+                <a:spcPct val="200000"/>
+              </a:lnSpc>
+              <a:buFont typeface="Wingdings" pitchFamily="2" charset="2"/>
+              <a:buChar char="§"/>
+            </a:pPr>
+            <a:r>
+              <a:rPr lang="ko-KR" altLang="en-US" sz="1600" dirty="0">
                 <a:ln>
                   <a:solidFill>
                     <a:schemeClr val="tx1">
@@ -14402,36 +15700,10 @@
                 <a:latin typeface="Yoon 윤고딕 520_TT" pitchFamily="18" charset="-127"/>
                 <a:ea typeface="Yoon 윤고딕 520_TT" pitchFamily="18" charset="-127"/>
               </a:rPr>
-              <a:t>55%</a:t>
-            </a:r>
-          </a:p>
-        </p:txBody>
-      </p:sp>
-      <p:sp>
-        <p:nvSpPr>
-          <p:cNvPr id="67" name="TextBox 66"/>
-          <p:cNvSpPr txBox="1"/>
-          <p:nvPr/>
-        </p:nvSpPr>
-        <p:spPr>
-          <a:xfrm>
-            <a:off x="3417813" y="4499828"/>
-            <a:ext cx="965459" cy="430887"/>
-          </a:xfrm>
-          <a:prstGeom prst="rect">
-            <a:avLst/>
-          </a:prstGeom>
-          <a:noFill/>
-        </p:spPr>
-        <p:txBody>
-          <a:bodyPr wrap="square" rtlCol="0">
-            <a:spAutoFit/>
-          </a:bodyPr>
-          <a:lstStyle/>
-          <a:p>
-            <a:pPr algn="ctr"/>
-            <a:r>
-              <a:rPr lang="en-US" altLang="ko-KR" sz="2200" dirty="0">
+              <a:t>슬라이드도 자연스럽게 볼 수 있는 지점이어야 한다</a:t>
+            </a:r>
+            <a:r>
+              <a:rPr lang="en-US" altLang="ko-KR" sz="1600" dirty="0">
                 <a:ln>
                   <a:solidFill>
                     <a:schemeClr val="tx1">
@@ -14445,36 +15717,19 @@
                 <a:latin typeface="Yoon 윤고딕 520_TT" pitchFamily="18" charset="-127"/>
                 <a:ea typeface="Yoon 윤고딕 520_TT" pitchFamily="18" charset="-127"/>
               </a:rPr>
-              <a:t>Visual</a:t>
-            </a:r>
-          </a:p>
-        </p:txBody>
-      </p:sp>
-      <p:sp>
-        <p:nvSpPr>
-          <p:cNvPr id="68" name="TextBox 67"/>
-          <p:cNvSpPr txBox="1"/>
-          <p:nvPr/>
-        </p:nvSpPr>
-        <p:spPr>
-          <a:xfrm>
-            <a:off x="4985787" y="4499828"/>
-            <a:ext cx="965459" cy="430887"/>
-          </a:xfrm>
-          <a:prstGeom prst="rect">
-            <a:avLst/>
-          </a:prstGeom>
-          <a:noFill/>
-        </p:spPr>
-        <p:txBody>
-          <a:bodyPr wrap="square" rtlCol="0">
-            <a:spAutoFit/>
-          </a:bodyPr>
-          <a:lstStyle/>
-          <a:p>
-            <a:pPr algn="ctr"/>
-            <a:r>
-              <a:rPr lang="en-US" altLang="ko-KR" sz="2200" dirty="0">
+              <a:t>.</a:t>
+            </a:r>
+          </a:p>
+          <a:p>
+            <a:pPr marL="285750" indent="-285750">
+              <a:lnSpc>
+                <a:spcPct val="200000"/>
+              </a:lnSpc>
+              <a:buFont typeface="Wingdings" pitchFamily="2" charset="2"/>
+              <a:buChar char="§"/>
+            </a:pPr>
+            <a:r>
+              <a:rPr lang="ko-KR" altLang="en-US" sz="1600" dirty="0" err="1">
                 <a:ln>
                   <a:solidFill>
                     <a:schemeClr val="tx1">
@@ -14488,36 +15743,10 @@
                 <a:latin typeface="Yoon 윤고딕 520_TT" pitchFamily="18" charset="-127"/>
                 <a:ea typeface="Yoon 윤고딕 520_TT" pitchFamily="18" charset="-127"/>
               </a:rPr>
-              <a:t>Vocal</a:t>
-            </a:r>
-          </a:p>
-        </p:txBody>
-      </p:sp>
-      <p:sp>
-        <p:nvSpPr>
-          <p:cNvPr id="69" name="TextBox 68"/>
-          <p:cNvSpPr txBox="1"/>
-          <p:nvPr/>
-        </p:nvSpPr>
-        <p:spPr>
-          <a:xfrm>
-            <a:off x="4497933" y="2708920"/>
-            <a:ext cx="965459" cy="323165"/>
-          </a:xfrm>
-          <a:prstGeom prst="rect">
-            <a:avLst/>
-          </a:prstGeom>
-          <a:noFill/>
-        </p:spPr>
-        <p:txBody>
-          <a:bodyPr wrap="square" rtlCol="0">
-            <a:spAutoFit/>
-          </a:bodyPr>
-          <a:lstStyle/>
-          <a:p>
-            <a:pPr algn="ctr"/>
-            <a:r>
-              <a:rPr lang="en-US" altLang="ko-KR" sz="1500" dirty="0">
+              <a:t>양발을</a:t>
+            </a:r>
+            <a:r>
+              <a:rPr lang="ko-KR" altLang="en-US" sz="1600" dirty="0">
                 <a:ln>
                   <a:solidFill>
                     <a:schemeClr val="tx1">
@@ -14531,36 +15760,10 @@
                 <a:latin typeface="Yoon 윤고딕 520_TT" pitchFamily="18" charset="-127"/>
                 <a:ea typeface="Yoon 윤고딕 520_TT" pitchFamily="18" charset="-127"/>
               </a:rPr>
-              <a:t>Verbal</a:t>
-            </a:r>
-          </a:p>
-        </p:txBody>
-      </p:sp>
-      <p:sp>
-        <p:nvSpPr>
-          <p:cNvPr id="70" name="TextBox 69"/>
-          <p:cNvSpPr txBox="1"/>
-          <p:nvPr/>
-        </p:nvSpPr>
-        <p:spPr>
-          <a:xfrm>
-            <a:off x="6444208" y="5395863"/>
-            <a:ext cx="1412561" cy="769441"/>
-          </a:xfrm>
-          <a:prstGeom prst="rect">
-            <a:avLst/>
-          </a:prstGeom>
-          <a:noFill/>
-        </p:spPr>
-        <p:txBody>
-          <a:bodyPr wrap="square" rtlCol="0">
-            <a:spAutoFit/>
-          </a:bodyPr>
-          <a:lstStyle/>
-          <a:p>
-            <a:pPr algn="ctr"/>
-            <a:r>
-              <a:rPr lang="en-US" altLang="ko-KR" sz="3000" dirty="0">
+              <a:t> 땅바닥에 안정감 있게 붙인다</a:t>
+            </a:r>
+            <a:r>
+              <a:rPr lang="en-US" altLang="ko-KR" sz="1600" dirty="0">
                 <a:ln>
                   <a:solidFill>
                     <a:schemeClr val="tx1">
@@ -14574,13 +15777,19 @@
                 <a:latin typeface="Yoon 윤고딕 520_TT" pitchFamily="18" charset="-127"/>
                 <a:ea typeface="Yoon 윤고딕 520_TT" pitchFamily="18" charset="-127"/>
               </a:rPr>
-              <a:t>93%</a:t>
-            </a:r>
-          </a:p>
-          <a:p>
-            <a:pPr algn="ctr"/>
-            <a:r>
-              <a:rPr lang="ko-KR" altLang="en-US" sz="1400" dirty="0">
+              <a:t>.</a:t>
+            </a:r>
+          </a:p>
+          <a:p>
+            <a:pPr marL="285750" indent="-285750">
+              <a:lnSpc>
+                <a:spcPct val="200000"/>
+              </a:lnSpc>
+              <a:buFont typeface="Wingdings" pitchFamily="2" charset="2"/>
+              <a:buChar char="§"/>
+            </a:pPr>
+            <a:r>
+              <a:rPr lang="ko-KR" altLang="en-US" sz="1600" dirty="0">
                 <a:ln>
                   <a:solidFill>
                     <a:schemeClr val="tx1">
@@ -14594,29 +15803,220 @@
                 <a:latin typeface="Yoon 윤고딕 520_TT" pitchFamily="18" charset="-127"/>
                 <a:ea typeface="Yoon 윤고딕 520_TT" pitchFamily="18" charset="-127"/>
               </a:rPr>
-              <a:t>비언어적 요소</a:t>
-            </a:r>
-            <a:endParaRPr lang="en-US" altLang="ko-KR" sz="1400" dirty="0">
-              <a:ln>
-                <a:solidFill>
-                  <a:schemeClr val="tx1">
-                    <a:alpha val="30000"/>
-                  </a:schemeClr>
-                </a:solidFill>
-              </a:ln>
-              <a:solidFill>
-                <a:srgbClr val="272123"/>
-              </a:solidFill>
-              <a:latin typeface="Yoon 윤고딕 520_TT" pitchFamily="18" charset="-127"/>
-              <a:ea typeface="Yoon 윤고딕 520_TT" pitchFamily="18" charset="-127"/>
-            </a:endParaRPr>
+              <a:t>무의식적으로 </a:t>
+            </a:r>
+            <a:r>
+              <a:rPr lang="ko-KR" altLang="en-US" sz="1600" dirty="0" err="1">
+                <a:ln>
+                  <a:solidFill>
+                    <a:schemeClr val="tx1">
+                      <a:alpha val="30000"/>
+                    </a:schemeClr>
+                  </a:solidFill>
+                </a:ln>
+                <a:solidFill>
+                  <a:srgbClr val="272123"/>
+                </a:solidFill>
+                <a:latin typeface="Yoon 윤고딕 520_TT" pitchFamily="18" charset="-127"/>
+                <a:ea typeface="Yoon 윤고딕 520_TT" pitchFamily="18" charset="-127"/>
+              </a:rPr>
+              <a:t>짝다리로</a:t>
+            </a:r>
+            <a:r>
+              <a:rPr lang="ko-KR" altLang="en-US" sz="1600" dirty="0">
+                <a:ln>
+                  <a:solidFill>
+                    <a:schemeClr val="tx1">
+                      <a:alpha val="30000"/>
+                    </a:schemeClr>
+                  </a:solidFill>
+                </a:ln>
+                <a:solidFill>
+                  <a:srgbClr val="272123"/>
+                </a:solidFill>
+                <a:latin typeface="Yoon 윤고딕 520_TT" pitchFamily="18" charset="-127"/>
+                <a:ea typeface="Yoon 윤고딕 520_TT" pitchFamily="18" charset="-127"/>
+              </a:rPr>
+              <a:t> 서지 않도록 한다</a:t>
+            </a:r>
+            <a:r>
+              <a:rPr lang="en-US" altLang="ko-KR" sz="1600" dirty="0">
+                <a:ln>
+                  <a:solidFill>
+                    <a:schemeClr val="tx1">
+                      <a:alpha val="30000"/>
+                    </a:schemeClr>
+                  </a:solidFill>
+                </a:ln>
+                <a:solidFill>
+                  <a:srgbClr val="272123"/>
+                </a:solidFill>
+                <a:latin typeface="Yoon 윤고딕 520_TT" pitchFamily="18" charset="-127"/>
+                <a:ea typeface="Yoon 윤고딕 520_TT" pitchFamily="18" charset="-127"/>
+              </a:rPr>
+              <a:t>.</a:t>
+            </a:r>
+          </a:p>
+          <a:p>
+            <a:pPr marL="285750" indent="-285750">
+              <a:lnSpc>
+                <a:spcPct val="200000"/>
+              </a:lnSpc>
+              <a:buFont typeface="Wingdings" pitchFamily="2" charset="2"/>
+              <a:buChar char="§"/>
+            </a:pPr>
+            <a:r>
+              <a:rPr lang="ko-KR" altLang="en-US" sz="1600" dirty="0">
+                <a:ln>
+                  <a:solidFill>
+                    <a:schemeClr val="tx1">
+                      <a:alpha val="30000"/>
+                    </a:schemeClr>
+                  </a:solidFill>
+                </a:ln>
+                <a:solidFill>
+                  <a:srgbClr val="272123"/>
+                </a:solidFill>
+                <a:latin typeface="Yoon 윤고딕 520_TT" pitchFamily="18" charset="-127"/>
+                <a:ea typeface="Yoon 윤고딕 520_TT" pitchFamily="18" charset="-127"/>
+              </a:rPr>
+              <a:t>불필요하게 발을 움직이며 서성거리지 않는다</a:t>
+            </a:r>
+            <a:r>
+              <a:rPr lang="en-US" altLang="ko-KR" sz="1600" dirty="0">
+                <a:ln>
+                  <a:solidFill>
+                    <a:schemeClr val="tx1">
+                      <a:alpha val="30000"/>
+                    </a:schemeClr>
+                  </a:solidFill>
+                </a:ln>
+                <a:solidFill>
+                  <a:srgbClr val="272123"/>
+                </a:solidFill>
+                <a:latin typeface="Yoon 윤고딕 520_TT" pitchFamily="18" charset="-127"/>
+                <a:ea typeface="Yoon 윤고딕 520_TT" pitchFamily="18" charset="-127"/>
+              </a:rPr>
+              <a:t>.</a:t>
+            </a:r>
+          </a:p>
+          <a:p>
+            <a:pPr marL="285750" indent="-285750">
+              <a:lnSpc>
+                <a:spcPct val="200000"/>
+              </a:lnSpc>
+              <a:buFont typeface="Wingdings" pitchFamily="2" charset="2"/>
+              <a:buChar char="§"/>
+            </a:pPr>
+            <a:r>
+              <a:rPr lang="ko-KR" altLang="en-US" sz="1600" dirty="0">
+                <a:ln>
+                  <a:solidFill>
+                    <a:schemeClr val="tx1">
+                      <a:alpha val="30000"/>
+                    </a:schemeClr>
+                  </a:solidFill>
+                </a:ln>
+                <a:solidFill>
+                  <a:srgbClr val="272123"/>
+                </a:solidFill>
+                <a:latin typeface="Yoon 윤고딕 520_TT" pitchFamily="18" charset="-127"/>
+                <a:ea typeface="Yoon 윤고딕 520_TT" pitchFamily="18" charset="-127"/>
+              </a:rPr>
+              <a:t>계속 두 손을 붙잡고 발표하거나</a:t>
+            </a:r>
+            <a:r>
+              <a:rPr lang="en-US" altLang="ko-KR" sz="1600" dirty="0">
+                <a:ln>
+                  <a:solidFill>
+                    <a:schemeClr val="tx1">
+                      <a:alpha val="30000"/>
+                    </a:schemeClr>
+                  </a:solidFill>
+                </a:ln>
+                <a:solidFill>
+                  <a:srgbClr val="272123"/>
+                </a:solidFill>
+                <a:latin typeface="Yoon 윤고딕 520_TT" pitchFamily="18" charset="-127"/>
+                <a:ea typeface="Yoon 윤고딕 520_TT" pitchFamily="18" charset="-127"/>
+              </a:rPr>
+              <a:t>, </a:t>
+            </a:r>
+            <a:r>
+              <a:rPr lang="ko-KR" altLang="en-US" sz="1600" dirty="0">
+                <a:ln>
+                  <a:solidFill>
+                    <a:schemeClr val="tx1">
+                      <a:alpha val="30000"/>
+                    </a:schemeClr>
+                  </a:solidFill>
+                </a:ln>
+                <a:solidFill>
+                  <a:srgbClr val="272123"/>
+                </a:solidFill>
+                <a:latin typeface="Yoon 윤고딕 520_TT" pitchFamily="18" charset="-127"/>
+                <a:ea typeface="Yoon 윤고딕 520_TT" pitchFamily="18" charset="-127"/>
+              </a:rPr>
+              <a:t>뒷짐</a:t>
+            </a:r>
+            <a:r>
+              <a:rPr lang="en-US" altLang="ko-KR" sz="1600" dirty="0">
+                <a:ln>
+                  <a:solidFill>
+                    <a:schemeClr val="tx1">
+                      <a:alpha val="30000"/>
+                    </a:schemeClr>
+                  </a:solidFill>
+                </a:ln>
+                <a:solidFill>
+                  <a:srgbClr val="272123"/>
+                </a:solidFill>
+                <a:latin typeface="Yoon 윤고딕 520_TT" pitchFamily="18" charset="-127"/>
+                <a:ea typeface="Yoon 윤고딕 520_TT" pitchFamily="18" charset="-127"/>
+              </a:rPr>
+              <a:t>, </a:t>
+            </a:r>
+            <a:r>
+              <a:rPr lang="ko-KR" altLang="en-US" sz="1600" dirty="0">
+                <a:ln>
+                  <a:solidFill>
+                    <a:schemeClr val="tx1">
+                      <a:alpha val="30000"/>
+                    </a:schemeClr>
+                  </a:solidFill>
+                </a:ln>
+                <a:solidFill>
+                  <a:srgbClr val="272123"/>
+                </a:solidFill>
+                <a:latin typeface="Yoon 윤고딕 520_TT" pitchFamily="18" charset="-127"/>
+                <a:ea typeface="Yoon 윤고딕 520_TT" pitchFamily="18" charset="-127"/>
+              </a:rPr>
+              <a:t>팔짱 등의 자세는 피한다</a:t>
+            </a:r>
+            <a:r>
+              <a:rPr lang="en-US" altLang="ko-KR" sz="1600" dirty="0">
+                <a:ln>
+                  <a:solidFill>
+                    <a:schemeClr val="tx1">
+                      <a:alpha val="30000"/>
+                    </a:schemeClr>
+                  </a:solidFill>
+                </a:ln>
+                <a:solidFill>
+                  <a:srgbClr val="272123"/>
+                </a:solidFill>
+                <a:latin typeface="Yoon 윤고딕 520_TT" pitchFamily="18" charset="-127"/>
+                <a:ea typeface="Yoon 윤고딕 520_TT" pitchFamily="18" charset="-127"/>
+              </a:rPr>
+              <a:t>.</a:t>
+            </a:r>
           </a:p>
         </p:txBody>
       </p:sp>
     </p:spTree>
     <p:extLst>
       <p:ext uri="{BB962C8B-B14F-4D97-AF65-F5344CB8AC3E}">
-        <p14:creationId xmlns:p14="http://schemas.microsoft.com/office/powerpoint/2010/main" val="1382979747"/>
+        <p14:creationId xmlns:p14="http://schemas.microsoft.com/office/powerpoint/2010/main" val="1579103176"/>
       </p:ext>
     </p:extLst>
   </p:cSld>
@@ -14657,1126 +16057,6 @@
       </p:grpSpPr>
       <p:sp>
         <p:nvSpPr>
-          <p:cNvPr id="72" name="직사각형 71"/>
-          <p:cNvSpPr/>
-          <p:nvPr/>
-        </p:nvSpPr>
-        <p:spPr>
-          <a:xfrm>
-            <a:off x="1921424" y="1351516"/>
-            <a:ext cx="2880320" cy="312274"/>
-          </a:xfrm>
-          <a:prstGeom prst="rect">
-            <a:avLst/>
-          </a:prstGeom>
-          <a:solidFill>
-            <a:srgbClr val="7AB53D">
-              <a:alpha val="80000"/>
-            </a:srgbClr>
-          </a:solidFill>
-          <a:ln>
-            <a:noFill/>
-          </a:ln>
-        </p:spPr>
-        <p:style>
-          <a:lnRef idx="2">
-            <a:schemeClr val="accent1">
-              <a:shade val="50000"/>
-            </a:schemeClr>
-          </a:lnRef>
-          <a:fillRef idx="1">
-            <a:schemeClr val="accent1"/>
-          </a:fillRef>
-          <a:effectRef idx="0">
-            <a:schemeClr val="accent1"/>
-          </a:effectRef>
-          <a:fontRef idx="minor">
-            <a:schemeClr val="lt1"/>
-          </a:fontRef>
-        </p:style>
-        <p:txBody>
-          <a:bodyPr rtlCol="0" anchor="ctr"/>
-          <a:lstStyle/>
-          <a:p>
-            <a:endParaRPr lang="ko-KR" altLang="en-US"/>
-          </a:p>
-        </p:txBody>
-      </p:sp>
-      <p:sp>
-        <p:nvSpPr>
-          <p:cNvPr id="35" name="TextBox 34"/>
-          <p:cNvSpPr txBox="1"/>
-          <p:nvPr/>
-        </p:nvSpPr>
-        <p:spPr>
-          <a:xfrm>
-            <a:off x="1907704" y="1322987"/>
-            <a:ext cx="2907760" cy="369332"/>
-          </a:xfrm>
-          <a:prstGeom prst="rect">
-            <a:avLst/>
-          </a:prstGeom>
-          <a:noFill/>
-        </p:spPr>
-        <p:txBody>
-          <a:bodyPr wrap="square" rtlCol="0">
-            <a:spAutoFit/>
-          </a:bodyPr>
-          <a:lstStyle/>
-          <a:p>
-            <a:r>
-              <a:rPr lang="ko-KR" altLang="en-US" dirty="0">
-                <a:ln>
-                  <a:solidFill>
-                    <a:schemeClr val="tx1">
-                      <a:alpha val="30000"/>
-                    </a:schemeClr>
-                  </a:solidFill>
-                </a:ln>
-                <a:solidFill>
-                  <a:srgbClr val="272123"/>
-                </a:solidFill>
-                <a:latin typeface="Yoon 윤고딕 520_TT" pitchFamily="18" charset="-127"/>
-                <a:ea typeface="Yoon 윤고딕 520_TT" pitchFamily="18" charset="-127"/>
-              </a:rPr>
-              <a:t>청중에게 안정감을 주는 자세 </a:t>
-            </a:r>
-            <a:endParaRPr lang="en-US" altLang="ko-KR" dirty="0">
-              <a:ln>
-                <a:solidFill>
-                  <a:schemeClr val="tx1">
-                    <a:alpha val="30000"/>
-                  </a:schemeClr>
-                </a:solidFill>
-              </a:ln>
-              <a:solidFill>
-                <a:srgbClr val="272123"/>
-              </a:solidFill>
-              <a:latin typeface="Yoon 윤고딕 520_TT" pitchFamily="18" charset="-127"/>
-              <a:ea typeface="Yoon 윤고딕 520_TT" pitchFamily="18" charset="-127"/>
-            </a:endParaRPr>
-          </a:p>
-        </p:txBody>
-      </p:sp>
-      <p:cxnSp>
-        <p:nvCxnSpPr>
-          <p:cNvPr id="4" name="직선 연결선 3"/>
-          <p:cNvCxnSpPr/>
-          <p:nvPr/>
-        </p:nvCxnSpPr>
-        <p:spPr>
-          <a:xfrm>
-            <a:off x="683568" y="-371068"/>
-            <a:ext cx="0" cy="7472476"/>
-          </a:xfrm>
-          <a:prstGeom prst="line">
-            <a:avLst/>
-          </a:prstGeom>
-          <a:ln>
-            <a:solidFill>
-              <a:schemeClr val="bg1">
-                <a:lumMod val="65000"/>
-                <a:alpha val="50000"/>
-              </a:schemeClr>
-            </a:solidFill>
-          </a:ln>
-        </p:spPr>
-        <p:style>
-          <a:lnRef idx="1">
-            <a:schemeClr val="accent1"/>
-          </a:lnRef>
-          <a:fillRef idx="0">
-            <a:schemeClr val="accent1"/>
-          </a:fillRef>
-          <a:effectRef idx="0">
-            <a:schemeClr val="accent1"/>
-          </a:effectRef>
-          <a:fontRef idx="minor">
-            <a:schemeClr val="tx1"/>
-          </a:fontRef>
-        </p:style>
-      </p:cxnSp>
-      <p:cxnSp>
-        <p:nvCxnSpPr>
-          <p:cNvPr id="5" name="직선 연결선 4"/>
-          <p:cNvCxnSpPr/>
-          <p:nvPr/>
-        </p:nvCxnSpPr>
-        <p:spPr>
-          <a:xfrm flipH="1">
-            <a:off x="692540" y="548680"/>
-            <a:ext cx="9295796" cy="0"/>
-          </a:xfrm>
-          <a:prstGeom prst="line">
-            <a:avLst/>
-          </a:prstGeom>
-          <a:ln>
-            <a:solidFill>
-              <a:schemeClr val="bg1">
-                <a:lumMod val="65000"/>
-                <a:alpha val="50000"/>
-              </a:schemeClr>
-            </a:solidFill>
-          </a:ln>
-        </p:spPr>
-        <p:style>
-          <a:lnRef idx="1">
-            <a:schemeClr val="accent1"/>
-          </a:lnRef>
-          <a:fillRef idx="0">
-            <a:schemeClr val="accent1"/>
-          </a:fillRef>
-          <a:effectRef idx="0">
-            <a:schemeClr val="accent1"/>
-          </a:effectRef>
-          <a:fontRef idx="minor">
-            <a:schemeClr val="tx1"/>
-          </a:fontRef>
-        </p:style>
-      </p:cxnSp>
-      <p:sp>
-        <p:nvSpPr>
-          <p:cNvPr id="6" name="TextBox 5"/>
-          <p:cNvSpPr txBox="1"/>
-          <p:nvPr/>
-        </p:nvSpPr>
-        <p:spPr>
-          <a:xfrm>
-            <a:off x="1043608" y="138482"/>
-            <a:ext cx="965459" cy="307777"/>
-          </a:xfrm>
-          <a:prstGeom prst="rect">
-            <a:avLst/>
-          </a:prstGeom>
-          <a:noFill/>
-        </p:spPr>
-        <p:txBody>
-          <a:bodyPr wrap="square" rtlCol="0">
-            <a:spAutoFit/>
-          </a:bodyPr>
-          <a:lstStyle/>
-          <a:p>
-            <a:pPr algn="ctr"/>
-            <a:r>
-              <a:rPr lang="en-US" altLang="ko-KR" sz="1400" dirty="0">
-                <a:ln>
-                  <a:solidFill>
-                    <a:schemeClr val="tx1">
-                      <a:alpha val="30000"/>
-                    </a:schemeClr>
-                  </a:solidFill>
-                </a:ln>
-                <a:solidFill>
-                  <a:srgbClr val="272123"/>
-                </a:solidFill>
-                <a:latin typeface="Yoon 윤고딕 520_TT" pitchFamily="18" charset="-127"/>
-                <a:ea typeface="Yoon 윤고딕 520_TT" pitchFamily="18" charset="-127"/>
-              </a:rPr>
-              <a:t>Planning</a:t>
-            </a:r>
-          </a:p>
-        </p:txBody>
-      </p:sp>
-      <p:sp>
-        <p:nvSpPr>
-          <p:cNvPr id="7" name="TextBox 6"/>
-          <p:cNvSpPr txBox="1"/>
-          <p:nvPr/>
-        </p:nvSpPr>
-        <p:spPr>
-          <a:xfrm>
-            <a:off x="2512455" y="138482"/>
-            <a:ext cx="965459" cy="307777"/>
-          </a:xfrm>
-          <a:prstGeom prst="rect">
-            <a:avLst/>
-          </a:prstGeom>
-          <a:noFill/>
-        </p:spPr>
-        <p:txBody>
-          <a:bodyPr wrap="square" rtlCol="0">
-            <a:spAutoFit/>
-          </a:bodyPr>
-          <a:lstStyle/>
-          <a:p>
-            <a:pPr algn="ctr"/>
-            <a:r>
-              <a:rPr lang="en-US" altLang="ko-KR" sz="1400" dirty="0">
-                <a:ln>
-                  <a:solidFill>
-                    <a:schemeClr val="tx1">
-                      <a:alpha val="30000"/>
-                    </a:schemeClr>
-                  </a:solidFill>
-                </a:ln>
-                <a:solidFill>
-                  <a:srgbClr val="272123"/>
-                </a:solidFill>
-                <a:latin typeface="Yoon 윤고딕 520_TT" pitchFamily="18" charset="-127"/>
-                <a:ea typeface="Yoon 윤고딕 520_TT" pitchFamily="18" charset="-127"/>
-              </a:rPr>
-              <a:t>Design</a:t>
-            </a:r>
-          </a:p>
-        </p:txBody>
-      </p:sp>
-      <p:sp>
-        <p:nvSpPr>
-          <p:cNvPr id="8" name="TextBox 7"/>
-          <p:cNvSpPr txBox="1"/>
-          <p:nvPr/>
-        </p:nvSpPr>
-        <p:spPr>
-          <a:xfrm>
-            <a:off x="3981302" y="138482"/>
-            <a:ext cx="1166762" cy="307777"/>
-          </a:xfrm>
-          <a:prstGeom prst="rect">
-            <a:avLst/>
-          </a:prstGeom>
-          <a:noFill/>
-        </p:spPr>
-        <p:txBody>
-          <a:bodyPr wrap="square" rtlCol="0">
-            <a:spAutoFit/>
-          </a:bodyPr>
-          <a:lstStyle/>
-          <a:p>
-            <a:pPr algn="ctr"/>
-            <a:r>
-              <a:rPr lang="en-US" altLang="ko-KR" sz="1400" dirty="0">
-                <a:ln>
-                  <a:solidFill>
-                    <a:schemeClr val="tx1">
-                      <a:alpha val="30000"/>
-                    </a:schemeClr>
-                  </a:solidFill>
-                </a:ln>
-                <a:solidFill>
-                  <a:srgbClr val="272123"/>
-                </a:solidFill>
-                <a:latin typeface="Yoon 윤고딕 520_TT" pitchFamily="18" charset="-127"/>
-                <a:ea typeface="Yoon 윤고딕 520_TT" pitchFamily="18" charset="-127"/>
-              </a:rPr>
-              <a:t>Presentation</a:t>
-            </a:r>
-          </a:p>
-        </p:txBody>
-      </p:sp>
-      <p:sp>
-        <p:nvSpPr>
-          <p:cNvPr id="9" name="직사각형 8"/>
-          <p:cNvSpPr/>
-          <p:nvPr/>
-        </p:nvSpPr>
-        <p:spPr>
-          <a:xfrm>
-            <a:off x="-9283" y="1811751"/>
-            <a:ext cx="834325" cy="343501"/>
-          </a:xfrm>
-          <a:prstGeom prst="rect">
-            <a:avLst/>
-          </a:prstGeom>
-          <a:solidFill>
-            <a:srgbClr val="272123"/>
-          </a:solidFill>
-          <a:ln>
-            <a:noFill/>
-          </a:ln>
-        </p:spPr>
-        <p:style>
-          <a:lnRef idx="2">
-            <a:schemeClr val="accent1">
-              <a:shade val="50000"/>
-            </a:schemeClr>
-          </a:lnRef>
-          <a:fillRef idx="1">
-            <a:schemeClr val="accent1"/>
-          </a:fillRef>
-          <a:effectRef idx="0">
-            <a:schemeClr val="accent1"/>
-          </a:effectRef>
-          <a:fontRef idx="minor">
-            <a:schemeClr val="lt1"/>
-          </a:fontRef>
-        </p:style>
-        <p:txBody>
-          <a:bodyPr rtlCol="0" anchor="ctr"/>
-          <a:lstStyle/>
-          <a:p>
-            <a:pPr algn="ctr"/>
-            <a:endParaRPr lang="ko-KR" altLang="en-US"/>
-          </a:p>
-        </p:txBody>
-      </p:sp>
-      <p:sp>
-        <p:nvSpPr>
-          <p:cNvPr id="10" name="직각 삼각형 9"/>
-          <p:cNvSpPr/>
-          <p:nvPr/>
-        </p:nvSpPr>
-        <p:spPr>
-          <a:xfrm rot="5400000">
-            <a:off x="702755" y="2141825"/>
-            <a:ext cx="81142" cy="108000"/>
-          </a:xfrm>
-          <a:prstGeom prst="rtTriangle">
-            <a:avLst/>
-          </a:prstGeom>
-          <a:solidFill>
-            <a:schemeClr val="tx1"/>
-          </a:solidFill>
-          <a:ln>
-            <a:solidFill>
-              <a:schemeClr val="tx1"/>
-            </a:solidFill>
-          </a:ln>
-        </p:spPr>
-        <p:style>
-          <a:lnRef idx="2">
-            <a:schemeClr val="accent1">
-              <a:shade val="50000"/>
-            </a:schemeClr>
-          </a:lnRef>
-          <a:fillRef idx="1">
-            <a:schemeClr val="accent1"/>
-          </a:fillRef>
-          <a:effectRef idx="0">
-            <a:schemeClr val="accent1"/>
-          </a:effectRef>
-          <a:fontRef idx="minor">
-            <a:schemeClr val="lt1"/>
-          </a:fontRef>
-        </p:style>
-        <p:txBody>
-          <a:bodyPr rtlCol="0" anchor="ctr"/>
-          <a:lstStyle/>
-          <a:p>
-            <a:pPr algn="ctr"/>
-            <a:endParaRPr lang="ko-KR" altLang="en-US"/>
-          </a:p>
-        </p:txBody>
-      </p:sp>
-      <p:sp>
-        <p:nvSpPr>
-          <p:cNvPr id="21" name="TextBox 20"/>
-          <p:cNvSpPr txBox="1"/>
-          <p:nvPr/>
-        </p:nvSpPr>
-        <p:spPr>
-          <a:xfrm>
-            <a:off x="107504" y="1340768"/>
-            <a:ext cx="450395" cy="338554"/>
-          </a:xfrm>
-          <a:prstGeom prst="rect">
-            <a:avLst/>
-          </a:prstGeom>
-          <a:noFill/>
-        </p:spPr>
-        <p:txBody>
-          <a:bodyPr wrap="square" rtlCol="0">
-            <a:spAutoFit/>
-          </a:bodyPr>
-          <a:lstStyle/>
-          <a:p>
-            <a:r>
-              <a:rPr lang="en-US" altLang="ko-KR" sz="1600" dirty="0">
-                <a:ln>
-                  <a:solidFill>
-                    <a:schemeClr val="tx1">
-                      <a:alpha val="30000"/>
-                    </a:schemeClr>
-                  </a:solidFill>
-                </a:ln>
-                <a:solidFill>
-                  <a:schemeClr val="bg1">
-                    <a:lumMod val="85000"/>
-                  </a:schemeClr>
-                </a:solidFill>
-                <a:latin typeface="Yoon 윤고딕 520_TT" pitchFamily="18" charset="-127"/>
-                <a:ea typeface="Yoon 윤고딕 520_TT" pitchFamily="18" charset="-127"/>
-              </a:rPr>
-              <a:t>02</a:t>
-            </a:r>
-          </a:p>
-        </p:txBody>
-      </p:sp>
-      <p:sp>
-        <p:nvSpPr>
-          <p:cNvPr id="22" name="TextBox 21"/>
-          <p:cNvSpPr txBox="1"/>
-          <p:nvPr/>
-        </p:nvSpPr>
-        <p:spPr>
-          <a:xfrm>
-            <a:off x="107504" y="1819563"/>
-            <a:ext cx="450395" cy="338554"/>
-          </a:xfrm>
-          <a:prstGeom prst="rect">
-            <a:avLst/>
-          </a:prstGeom>
-          <a:noFill/>
-        </p:spPr>
-        <p:txBody>
-          <a:bodyPr wrap="square" rtlCol="0">
-            <a:spAutoFit/>
-          </a:bodyPr>
-          <a:lstStyle/>
-          <a:p>
-            <a:r>
-              <a:rPr lang="en-US" altLang="ko-KR" sz="1600" dirty="0">
-                <a:ln>
-                  <a:solidFill>
-                    <a:schemeClr val="tx1">
-                      <a:alpha val="30000"/>
-                    </a:schemeClr>
-                  </a:solidFill>
-                </a:ln>
-                <a:solidFill>
-                  <a:schemeClr val="bg1">
-                    <a:lumMod val="85000"/>
-                  </a:schemeClr>
-                </a:solidFill>
-                <a:latin typeface="Yoon 윤고딕 520_TT" pitchFamily="18" charset="-127"/>
-                <a:ea typeface="Yoon 윤고딕 520_TT" pitchFamily="18" charset="-127"/>
-              </a:rPr>
-              <a:t>03</a:t>
-            </a:r>
-          </a:p>
-        </p:txBody>
-      </p:sp>
-      <p:sp>
-        <p:nvSpPr>
-          <p:cNvPr id="23" name="TextBox 22"/>
-          <p:cNvSpPr txBox="1"/>
-          <p:nvPr/>
-        </p:nvSpPr>
-        <p:spPr>
-          <a:xfrm>
-            <a:off x="107504" y="2298358"/>
-            <a:ext cx="450395" cy="338554"/>
-          </a:xfrm>
-          <a:prstGeom prst="rect">
-            <a:avLst/>
-          </a:prstGeom>
-          <a:noFill/>
-        </p:spPr>
-        <p:txBody>
-          <a:bodyPr wrap="square" rtlCol="0">
-            <a:spAutoFit/>
-          </a:bodyPr>
-          <a:lstStyle/>
-          <a:p>
-            <a:r>
-              <a:rPr lang="en-US" altLang="ko-KR" sz="1600" dirty="0">
-                <a:ln>
-                  <a:solidFill>
-                    <a:schemeClr val="tx1">
-                      <a:alpha val="30000"/>
-                    </a:schemeClr>
-                  </a:solidFill>
-                </a:ln>
-                <a:solidFill>
-                  <a:schemeClr val="bg1">
-                    <a:lumMod val="85000"/>
-                  </a:schemeClr>
-                </a:solidFill>
-                <a:latin typeface="Yoon 윤고딕 520_TT" pitchFamily="18" charset="-127"/>
-                <a:ea typeface="Yoon 윤고딕 520_TT" pitchFamily="18" charset="-127"/>
-              </a:rPr>
-              <a:t>04</a:t>
-            </a:r>
-          </a:p>
-        </p:txBody>
-      </p:sp>
-      <p:sp>
-        <p:nvSpPr>
-          <p:cNvPr id="24" name="TextBox 23"/>
-          <p:cNvSpPr txBox="1"/>
-          <p:nvPr/>
-        </p:nvSpPr>
-        <p:spPr>
-          <a:xfrm>
-            <a:off x="123549" y="882386"/>
-            <a:ext cx="541363" cy="338554"/>
-          </a:xfrm>
-          <a:prstGeom prst="rect">
-            <a:avLst/>
-          </a:prstGeom>
-          <a:noFill/>
-        </p:spPr>
-        <p:txBody>
-          <a:bodyPr wrap="square" rtlCol="0">
-            <a:spAutoFit/>
-          </a:bodyPr>
-          <a:lstStyle/>
-          <a:p>
-            <a:r>
-              <a:rPr lang="en-US" altLang="ko-KR" sz="1600" dirty="0">
-                <a:ln>
-                  <a:solidFill>
-                    <a:schemeClr val="tx1">
-                      <a:alpha val="30000"/>
-                    </a:schemeClr>
-                  </a:solidFill>
-                </a:ln>
-                <a:solidFill>
-                  <a:schemeClr val="bg1">
-                    <a:lumMod val="75000"/>
-                  </a:schemeClr>
-                </a:solidFill>
-                <a:latin typeface="Yoon 윤고딕 520_TT" pitchFamily="18" charset="-127"/>
-                <a:ea typeface="Yoon 윤고딕 520_TT" pitchFamily="18" charset="-127"/>
-              </a:rPr>
-              <a:t>01</a:t>
-            </a:r>
-          </a:p>
-        </p:txBody>
-      </p:sp>
-      <p:sp>
-        <p:nvSpPr>
-          <p:cNvPr id="37" name="갈매기형 수장 36"/>
-          <p:cNvSpPr/>
-          <p:nvPr/>
-        </p:nvSpPr>
-        <p:spPr>
-          <a:xfrm>
-            <a:off x="1623307" y="1415277"/>
-            <a:ext cx="140381" cy="154419"/>
-          </a:xfrm>
-          <a:prstGeom prst="chevron">
-            <a:avLst/>
-          </a:prstGeom>
-          <a:solidFill>
-            <a:srgbClr val="272123"/>
-          </a:solidFill>
-          <a:ln>
-            <a:noFill/>
-          </a:ln>
-        </p:spPr>
-        <p:style>
-          <a:lnRef idx="2">
-            <a:schemeClr val="accent1">
-              <a:shade val="50000"/>
-            </a:schemeClr>
-          </a:lnRef>
-          <a:fillRef idx="1">
-            <a:schemeClr val="accent1"/>
-          </a:fillRef>
-          <a:effectRef idx="0">
-            <a:schemeClr val="accent1"/>
-          </a:effectRef>
-          <a:fontRef idx="minor">
-            <a:schemeClr val="lt1"/>
-          </a:fontRef>
-        </p:style>
-        <p:txBody>
-          <a:bodyPr rtlCol="0" anchor="ctr"/>
-          <a:lstStyle/>
-          <a:p>
-            <a:pPr algn="ctr"/>
-            <a:endParaRPr lang="ko-KR" altLang="en-US">
-              <a:solidFill>
-                <a:schemeClr val="tx1"/>
-              </a:solidFill>
-            </a:endParaRPr>
-          </a:p>
-        </p:txBody>
-      </p:sp>
-      <p:sp>
-        <p:nvSpPr>
-          <p:cNvPr id="38" name="갈매기형 수장 37"/>
-          <p:cNvSpPr/>
-          <p:nvPr/>
-        </p:nvSpPr>
-        <p:spPr>
-          <a:xfrm>
-            <a:off x="1475656" y="1415277"/>
-            <a:ext cx="140381" cy="154419"/>
-          </a:xfrm>
-          <a:prstGeom prst="chevron">
-            <a:avLst/>
-          </a:prstGeom>
-          <a:solidFill>
-            <a:srgbClr val="272123"/>
-          </a:solidFill>
-          <a:ln>
-            <a:noFill/>
-          </a:ln>
-        </p:spPr>
-        <p:style>
-          <a:lnRef idx="2">
-            <a:schemeClr val="accent1">
-              <a:shade val="50000"/>
-            </a:schemeClr>
-          </a:lnRef>
-          <a:fillRef idx="1">
-            <a:schemeClr val="accent1"/>
-          </a:fillRef>
-          <a:effectRef idx="0">
-            <a:schemeClr val="accent1"/>
-          </a:effectRef>
-          <a:fontRef idx="minor">
-            <a:schemeClr val="lt1"/>
-          </a:fontRef>
-        </p:style>
-        <p:txBody>
-          <a:bodyPr rtlCol="0" anchor="ctr"/>
-          <a:lstStyle/>
-          <a:p>
-            <a:pPr algn="ctr"/>
-            <a:endParaRPr lang="ko-KR" altLang="en-US">
-              <a:solidFill>
-                <a:schemeClr val="tx1"/>
-              </a:solidFill>
-            </a:endParaRPr>
-          </a:p>
-        </p:txBody>
-      </p:sp>
-      <p:sp>
-        <p:nvSpPr>
-          <p:cNvPr id="71" name="TextBox 70"/>
-          <p:cNvSpPr txBox="1"/>
-          <p:nvPr/>
-        </p:nvSpPr>
-        <p:spPr>
-          <a:xfrm>
-            <a:off x="2084044" y="2158117"/>
-            <a:ext cx="5800324" cy="3046988"/>
-          </a:xfrm>
-          <a:prstGeom prst="rect">
-            <a:avLst/>
-          </a:prstGeom>
-          <a:noFill/>
-        </p:spPr>
-        <p:txBody>
-          <a:bodyPr wrap="square" rtlCol="0">
-            <a:spAutoFit/>
-          </a:bodyPr>
-          <a:lstStyle/>
-          <a:p>
-            <a:pPr marL="285750" indent="-285750">
-              <a:lnSpc>
-                <a:spcPct val="200000"/>
-              </a:lnSpc>
-              <a:buFont typeface="Wingdings" pitchFamily="2" charset="2"/>
-              <a:buChar char="§"/>
-            </a:pPr>
-            <a:r>
-              <a:rPr lang="ko-KR" altLang="en-US" sz="1600" dirty="0">
-                <a:ln>
-                  <a:solidFill>
-                    <a:schemeClr val="tx1">
-                      <a:alpha val="30000"/>
-                    </a:schemeClr>
-                  </a:solidFill>
-                </a:ln>
-                <a:solidFill>
-                  <a:srgbClr val="272123"/>
-                </a:solidFill>
-                <a:latin typeface="Yoon 윤고딕 520_TT" pitchFamily="18" charset="-127"/>
-                <a:ea typeface="Yoon 윤고딕 520_TT" pitchFamily="18" charset="-127"/>
-              </a:rPr>
-              <a:t>모든 청중이 보이는 가장 좋은 지점에 선다</a:t>
-            </a:r>
-            <a:r>
-              <a:rPr lang="en-US" altLang="ko-KR" sz="1600" dirty="0">
-                <a:ln>
-                  <a:solidFill>
-                    <a:schemeClr val="tx1">
-                      <a:alpha val="30000"/>
-                    </a:schemeClr>
-                  </a:solidFill>
-                </a:ln>
-                <a:solidFill>
-                  <a:srgbClr val="272123"/>
-                </a:solidFill>
-                <a:latin typeface="Yoon 윤고딕 520_TT" pitchFamily="18" charset="-127"/>
-                <a:ea typeface="Yoon 윤고딕 520_TT" pitchFamily="18" charset="-127"/>
-              </a:rPr>
-              <a:t>.</a:t>
-            </a:r>
-          </a:p>
-          <a:p>
-            <a:pPr marL="285750" indent="-285750">
-              <a:lnSpc>
-                <a:spcPct val="200000"/>
-              </a:lnSpc>
-              <a:buFont typeface="Wingdings" pitchFamily="2" charset="2"/>
-              <a:buChar char="§"/>
-            </a:pPr>
-            <a:r>
-              <a:rPr lang="ko-KR" altLang="en-US" sz="1600" dirty="0">
-                <a:ln>
-                  <a:solidFill>
-                    <a:schemeClr val="tx1">
-                      <a:alpha val="30000"/>
-                    </a:schemeClr>
-                  </a:solidFill>
-                </a:ln>
-                <a:solidFill>
-                  <a:srgbClr val="272123"/>
-                </a:solidFill>
-                <a:latin typeface="Yoon 윤고딕 520_TT" pitchFamily="18" charset="-127"/>
-                <a:ea typeface="Yoon 윤고딕 520_TT" pitchFamily="18" charset="-127"/>
-              </a:rPr>
-              <a:t>슬라이드도 자연스럽게 볼 수 있는 지점이어야 한다</a:t>
-            </a:r>
-            <a:r>
-              <a:rPr lang="en-US" altLang="ko-KR" sz="1600" dirty="0">
-                <a:ln>
-                  <a:solidFill>
-                    <a:schemeClr val="tx1">
-                      <a:alpha val="30000"/>
-                    </a:schemeClr>
-                  </a:solidFill>
-                </a:ln>
-                <a:solidFill>
-                  <a:srgbClr val="272123"/>
-                </a:solidFill>
-                <a:latin typeface="Yoon 윤고딕 520_TT" pitchFamily="18" charset="-127"/>
-                <a:ea typeface="Yoon 윤고딕 520_TT" pitchFamily="18" charset="-127"/>
-              </a:rPr>
-              <a:t>.</a:t>
-            </a:r>
-          </a:p>
-          <a:p>
-            <a:pPr marL="285750" indent="-285750">
-              <a:lnSpc>
-                <a:spcPct val="200000"/>
-              </a:lnSpc>
-              <a:buFont typeface="Wingdings" pitchFamily="2" charset="2"/>
-              <a:buChar char="§"/>
-            </a:pPr>
-            <a:r>
-              <a:rPr lang="ko-KR" altLang="en-US" sz="1600" dirty="0" err="1">
-                <a:ln>
-                  <a:solidFill>
-                    <a:schemeClr val="tx1">
-                      <a:alpha val="30000"/>
-                    </a:schemeClr>
-                  </a:solidFill>
-                </a:ln>
-                <a:solidFill>
-                  <a:srgbClr val="272123"/>
-                </a:solidFill>
-                <a:latin typeface="Yoon 윤고딕 520_TT" pitchFamily="18" charset="-127"/>
-                <a:ea typeface="Yoon 윤고딕 520_TT" pitchFamily="18" charset="-127"/>
-              </a:rPr>
-              <a:t>양발을</a:t>
-            </a:r>
-            <a:r>
-              <a:rPr lang="ko-KR" altLang="en-US" sz="1600" dirty="0">
-                <a:ln>
-                  <a:solidFill>
-                    <a:schemeClr val="tx1">
-                      <a:alpha val="30000"/>
-                    </a:schemeClr>
-                  </a:solidFill>
-                </a:ln>
-                <a:solidFill>
-                  <a:srgbClr val="272123"/>
-                </a:solidFill>
-                <a:latin typeface="Yoon 윤고딕 520_TT" pitchFamily="18" charset="-127"/>
-                <a:ea typeface="Yoon 윤고딕 520_TT" pitchFamily="18" charset="-127"/>
-              </a:rPr>
-              <a:t> 땅바닥에 안정감 있게 붙인다</a:t>
-            </a:r>
-            <a:r>
-              <a:rPr lang="en-US" altLang="ko-KR" sz="1600" dirty="0">
-                <a:ln>
-                  <a:solidFill>
-                    <a:schemeClr val="tx1">
-                      <a:alpha val="30000"/>
-                    </a:schemeClr>
-                  </a:solidFill>
-                </a:ln>
-                <a:solidFill>
-                  <a:srgbClr val="272123"/>
-                </a:solidFill>
-                <a:latin typeface="Yoon 윤고딕 520_TT" pitchFamily="18" charset="-127"/>
-                <a:ea typeface="Yoon 윤고딕 520_TT" pitchFamily="18" charset="-127"/>
-              </a:rPr>
-              <a:t>.</a:t>
-            </a:r>
-          </a:p>
-          <a:p>
-            <a:pPr marL="285750" indent="-285750">
-              <a:lnSpc>
-                <a:spcPct val="200000"/>
-              </a:lnSpc>
-              <a:buFont typeface="Wingdings" pitchFamily="2" charset="2"/>
-              <a:buChar char="§"/>
-            </a:pPr>
-            <a:r>
-              <a:rPr lang="ko-KR" altLang="en-US" sz="1600" dirty="0">
-                <a:ln>
-                  <a:solidFill>
-                    <a:schemeClr val="tx1">
-                      <a:alpha val="30000"/>
-                    </a:schemeClr>
-                  </a:solidFill>
-                </a:ln>
-                <a:solidFill>
-                  <a:srgbClr val="272123"/>
-                </a:solidFill>
-                <a:latin typeface="Yoon 윤고딕 520_TT" pitchFamily="18" charset="-127"/>
-                <a:ea typeface="Yoon 윤고딕 520_TT" pitchFamily="18" charset="-127"/>
-              </a:rPr>
-              <a:t>무의식적으로 </a:t>
-            </a:r>
-            <a:r>
-              <a:rPr lang="ko-KR" altLang="en-US" sz="1600" dirty="0" err="1">
-                <a:ln>
-                  <a:solidFill>
-                    <a:schemeClr val="tx1">
-                      <a:alpha val="30000"/>
-                    </a:schemeClr>
-                  </a:solidFill>
-                </a:ln>
-                <a:solidFill>
-                  <a:srgbClr val="272123"/>
-                </a:solidFill>
-                <a:latin typeface="Yoon 윤고딕 520_TT" pitchFamily="18" charset="-127"/>
-                <a:ea typeface="Yoon 윤고딕 520_TT" pitchFamily="18" charset="-127"/>
-              </a:rPr>
-              <a:t>짝다리로</a:t>
-            </a:r>
-            <a:r>
-              <a:rPr lang="ko-KR" altLang="en-US" sz="1600" dirty="0">
-                <a:ln>
-                  <a:solidFill>
-                    <a:schemeClr val="tx1">
-                      <a:alpha val="30000"/>
-                    </a:schemeClr>
-                  </a:solidFill>
-                </a:ln>
-                <a:solidFill>
-                  <a:srgbClr val="272123"/>
-                </a:solidFill>
-                <a:latin typeface="Yoon 윤고딕 520_TT" pitchFamily="18" charset="-127"/>
-                <a:ea typeface="Yoon 윤고딕 520_TT" pitchFamily="18" charset="-127"/>
-              </a:rPr>
-              <a:t> 서지 않도록 한다</a:t>
-            </a:r>
-            <a:r>
-              <a:rPr lang="en-US" altLang="ko-KR" sz="1600" dirty="0">
-                <a:ln>
-                  <a:solidFill>
-                    <a:schemeClr val="tx1">
-                      <a:alpha val="30000"/>
-                    </a:schemeClr>
-                  </a:solidFill>
-                </a:ln>
-                <a:solidFill>
-                  <a:srgbClr val="272123"/>
-                </a:solidFill>
-                <a:latin typeface="Yoon 윤고딕 520_TT" pitchFamily="18" charset="-127"/>
-                <a:ea typeface="Yoon 윤고딕 520_TT" pitchFamily="18" charset="-127"/>
-              </a:rPr>
-              <a:t>.</a:t>
-            </a:r>
-          </a:p>
-          <a:p>
-            <a:pPr marL="285750" indent="-285750">
-              <a:lnSpc>
-                <a:spcPct val="200000"/>
-              </a:lnSpc>
-              <a:buFont typeface="Wingdings" pitchFamily="2" charset="2"/>
-              <a:buChar char="§"/>
-            </a:pPr>
-            <a:r>
-              <a:rPr lang="ko-KR" altLang="en-US" sz="1600" dirty="0">
-                <a:ln>
-                  <a:solidFill>
-                    <a:schemeClr val="tx1">
-                      <a:alpha val="30000"/>
-                    </a:schemeClr>
-                  </a:solidFill>
-                </a:ln>
-                <a:solidFill>
-                  <a:srgbClr val="272123"/>
-                </a:solidFill>
-                <a:latin typeface="Yoon 윤고딕 520_TT" pitchFamily="18" charset="-127"/>
-                <a:ea typeface="Yoon 윤고딕 520_TT" pitchFamily="18" charset="-127"/>
-              </a:rPr>
-              <a:t>불필요하게 발을 움직이며 서성거리지 않는다</a:t>
-            </a:r>
-            <a:r>
-              <a:rPr lang="en-US" altLang="ko-KR" sz="1600" dirty="0">
-                <a:ln>
-                  <a:solidFill>
-                    <a:schemeClr val="tx1">
-                      <a:alpha val="30000"/>
-                    </a:schemeClr>
-                  </a:solidFill>
-                </a:ln>
-                <a:solidFill>
-                  <a:srgbClr val="272123"/>
-                </a:solidFill>
-                <a:latin typeface="Yoon 윤고딕 520_TT" pitchFamily="18" charset="-127"/>
-                <a:ea typeface="Yoon 윤고딕 520_TT" pitchFamily="18" charset="-127"/>
-              </a:rPr>
-              <a:t>.</a:t>
-            </a:r>
-          </a:p>
-          <a:p>
-            <a:pPr marL="285750" indent="-285750">
-              <a:lnSpc>
-                <a:spcPct val="200000"/>
-              </a:lnSpc>
-              <a:buFont typeface="Wingdings" pitchFamily="2" charset="2"/>
-              <a:buChar char="§"/>
-            </a:pPr>
-            <a:r>
-              <a:rPr lang="ko-KR" altLang="en-US" sz="1600" dirty="0">
-                <a:ln>
-                  <a:solidFill>
-                    <a:schemeClr val="tx1">
-                      <a:alpha val="30000"/>
-                    </a:schemeClr>
-                  </a:solidFill>
-                </a:ln>
-                <a:solidFill>
-                  <a:srgbClr val="272123"/>
-                </a:solidFill>
-                <a:latin typeface="Yoon 윤고딕 520_TT" pitchFamily="18" charset="-127"/>
-                <a:ea typeface="Yoon 윤고딕 520_TT" pitchFamily="18" charset="-127"/>
-              </a:rPr>
-              <a:t>계속 두 손을 붙잡고 발표하거나</a:t>
-            </a:r>
-            <a:r>
-              <a:rPr lang="en-US" altLang="ko-KR" sz="1600" dirty="0">
-                <a:ln>
-                  <a:solidFill>
-                    <a:schemeClr val="tx1">
-                      <a:alpha val="30000"/>
-                    </a:schemeClr>
-                  </a:solidFill>
-                </a:ln>
-                <a:solidFill>
-                  <a:srgbClr val="272123"/>
-                </a:solidFill>
-                <a:latin typeface="Yoon 윤고딕 520_TT" pitchFamily="18" charset="-127"/>
-                <a:ea typeface="Yoon 윤고딕 520_TT" pitchFamily="18" charset="-127"/>
-              </a:rPr>
-              <a:t>, </a:t>
-            </a:r>
-            <a:r>
-              <a:rPr lang="ko-KR" altLang="en-US" sz="1600" dirty="0">
-                <a:ln>
-                  <a:solidFill>
-                    <a:schemeClr val="tx1">
-                      <a:alpha val="30000"/>
-                    </a:schemeClr>
-                  </a:solidFill>
-                </a:ln>
-                <a:solidFill>
-                  <a:srgbClr val="272123"/>
-                </a:solidFill>
-                <a:latin typeface="Yoon 윤고딕 520_TT" pitchFamily="18" charset="-127"/>
-                <a:ea typeface="Yoon 윤고딕 520_TT" pitchFamily="18" charset="-127"/>
-              </a:rPr>
-              <a:t>뒷짐</a:t>
-            </a:r>
-            <a:r>
-              <a:rPr lang="en-US" altLang="ko-KR" sz="1600" dirty="0">
-                <a:ln>
-                  <a:solidFill>
-                    <a:schemeClr val="tx1">
-                      <a:alpha val="30000"/>
-                    </a:schemeClr>
-                  </a:solidFill>
-                </a:ln>
-                <a:solidFill>
-                  <a:srgbClr val="272123"/>
-                </a:solidFill>
-                <a:latin typeface="Yoon 윤고딕 520_TT" pitchFamily="18" charset="-127"/>
-                <a:ea typeface="Yoon 윤고딕 520_TT" pitchFamily="18" charset="-127"/>
-              </a:rPr>
-              <a:t>, </a:t>
-            </a:r>
-            <a:r>
-              <a:rPr lang="ko-KR" altLang="en-US" sz="1600" dirty="0">
-                <a:ln>
-                  <a:solidFill>
-                    <a:schemeClr val="tx1">
-                      <a:alpha val="30000"/>
-                    </a:schemeClr>
-                  </a:solidFill>
-                </a:ln>
-                <a:solidFill>
-                  <a:srgbClr val="272123"/>
-                </a:solidFill>
-                <a:latin typeface="Yoon 윤고딕 520_TT" pitchFamily="18" charset="-127"/>
-                <a:ea typeface="Yoon 윤고딕 520_TT" pitchFamily="18" charset="-127"/>
-              </a:rPr>
-              <a:t>팔짱 등의 자세는 피한다</a:t>
-            </a:r>
-            <a:r>
-              <a:rPr lang="en-US" altLang="ko-KR" sz="1600" dirty="0">
-                <a:ln>
-                  <a:solidFill>
-                    <a:schemeClr val="tx1">
-                      <a:alpha val="30000"/>
-                    </a:schemeClr>
-                  </a:solidFill>
-                </a:ln>
-                <a:solidFill>
-                  <a:srgbClr val="272123"/>
-                </a:solidFill>
-                <a:latin typeface="Yoon 윤고딕 520_TT" pitchFamily="18" charset="-127"/>
-                <a:ea typeface="Yoon 윤고딕 520_TT" pitchFamily="18" charset="-127"/>
-              </a:rPr>
-              <a:t>.</a:t>
-            </a:r>
-          </a:p>
-        </p:txBody>
-      </p:sp>
-    </p:spTree>
-    <p:extLst>
-      <p:ext uri="{BB962C8B-B14F-4D97-AF65-F5344CB8AC3E}">
-        <p14:creationId xmlns:p14="http://schemas.microsoft.com/office/powerpoint/2010/main" val="1579103176"/>
-      </p:ext>
-    </p:extLst>
-  </p:cSld>
-  <p:clrMapOvr>
-    <a:masterClrMapping/>
-  </p:clrMapOvr>
-  <mc:AlternateContent xmlns:mc="http://schemas.openxmlformats.org/markup-compatibility/2006" xmlns:p14="http://schemas.microsoft.com/office/powerpoint/2010/main">
-    <mc:Choice Requires="p14">
-      <p:transition spd="med" p14:dur="700">
-        <p:fade/>
-      </p:transition>
-    </mc:Choice>
-    <mc:Fallback xmlns="">
-      <p:transition spd="med">
-        <p:fade/>
-      </p:transition>
-    </mc:Fallback>
-  </mc:AlternateContent>
-</p:sld>
-</file>
-
-<file path=ppt/slides/slide22.xml><?xml version="1.0" encoding="utf-8"?>
-<p:sld xmlns:a="http://schemas.openxmlformats.org/drawingml/2006/main" xmlns:r="http://schemas.openxmlformats.org/officeDocument/2006/relationships" xmlns:p="http://schemas.openxmlformats.org/presentationml/2006/main">
-  <p:cSld>
-    <p:spTree>
-      <p:nvGrpSpPr>
-        <p:cNvPr id="1" name=""/>
-        <p:cNvGrpSpPr/>
-        <p:nvPr/>
-      </p:nvGrpSpPr>
-      <p:grpSpPr>
-        <a:xfrm>
-          <a:off x="0" y="0"/>
-          <a:ext cx="0" cy="0"/>
-          <a:chOff x="0" y="0"/>
-          <a:chExt cx="0" cy="0"/>
-        </a:xfrm>
-      </p:grpSpPr>
-      <p:sp>
-        <p:nvSpPr>
           <p:cNvPr id="32" name="직사각형 31"/>
           <p:cNvSpPr/>
           <p:nvPr/>
@@ -16932,7 +17212,7 @@
 </p:sld>
 </file>
 
-<file path=ppt/slides/slide23.xml><?xml version="1.0" encoding="utf-8"?>
+<file path=ppt/slides/slide22.xml><?xml version="1.0" encoding="utf-8"?>
 <p:sld xmlns:a="http://schemas.openxmlformats.org/drawingml/2006/main" xmlns:r="http://schemas.openxmlformats.org/officeDocument/2006/relationships" xmlns:p="http://schemas.openxmlformats.org/presentationml/2006/main">
   <p:cSld>
     <p:bg>
@@ -17794,7 +18074,41 @@
                 <a:latin typeface="a나무M" panose="02020600000000000000" pitchFamily="18" charset="-127"/>
                 <a:ea typeface="a나무M" panose="02020600000000000000" pitchFamily="18" charset="-127"/>
               </a:rPr>
-              <a:t>원하는 인재를 더 빨리 찾을 수 있을까</a:t>
+              <a:t>원하는 인재를 </a:t>
+            </a:r>
+            <a:r>
+              <a:rPr lang="ko-KR" altLang="en-US" sz="1400" dirty="0" smtClean="0">
+                <a:ln>
+                  <a:solidFill>
+                    <a:schemeClr val="tx1">
+                      <a:alpha val="30000"/>
+                    </a:schemeClr>
+                  </a:solidFill>
+                </a:ln>
+                <a:solidFill>
+                  <a:srgbClr val="272123"/>
+                </a:solidFill>
+                <a:latin typeface="a나무M" panose="02020600000000000000" pitchFamily="18" charset="-127"/>
+                <a:ea typeface="a나무M" panose="02020600000000000000" pitchFamily="18" charset="-127"/>
+              </a:rPr>
+              <a:t>어떻게 더 </a:t>
+            </a:r>
+            <a:r>
+              <a:rPr lang="ko-KR" altLang="en-US" sz="1400" dirty="0">
+                <a:ln>
+                  <a:solidFill>
+                    <a:schemeClr val="tx1">
+                      <a:alpha val="30000"/>
+                    </a:schemeClr>
+                  </a:solidFill>
+                </a:ln>
+                <a:solidFill>
+                  <a:srgbClr val="272123"/>
+                </a:solidFill>
+                <a:latin typeface="a나무M" panose="02020600000000000000" pitchFamily="18" charset="-127"/>
+                <a:ea typeface="a나무M" panose="02020600000000000000" pitchFamily="18" charset="-127"/>
+              </a:rPr>
+              <a:t>빨리 찾을 수 있을까</a:t>
             </a:r>
             <a:r>
               <a:rPr lang="en-US" altLang="ko-KR" sz="1400" dirty="0">
@@ -18383,7 +18697,7 @@
 </file>
 
 <file path=ppt/slides/slide5.xml><?xml version="1.0" encoding="utf-8"?>
-<p:sld xmlns:a="http://schemas.openxmlformats.org/drawingml/2006/main" xmlns:r="http://schemas.openxmlformats.org/officeDocument/2006/relationships" xmlns:p="http://schemas.openxmlformats.org/presentationml/2006/main">
+<p:sld xmlns:a="http://schemas.openxmlformats.org/drawingml/2006/main" xmlns:r="http://schemas.openxmlformats.org/officeDocument/2006/relationships" xmlns:p="http://schemas.openxmlformats.org/presentationml/2006/main" show="0">
   <p:cSld>
     <p:spTree>
       <p:nvGrpSpPr>
@@ -19013,13 +19327,13 @@
   <p:clrMapOvr>
     <a:masterClrMapping/>
   </p:clrMapOvr>
-  <mc:AlternateContent xmlns:mc="http://schemas.openxmlformats.org/markup-compatibility/2006" xmlns:p14="http://schemas.microsoft.com/office/powerpoint/2010/main">
-    <mc:Choice Requires="p14">
+  <mc:AlternateContent xmlns:mc="http://schemas.openxmlformats.org/markup-compatibility/2006">
+    <mc:Choice xmlns:p14="http://schemas.microsoft.com/office/powerpoint/2010/main" Requires="p14">
       <p:transition spd="med" p14:dur="700">
         <p:fade/>
       </p:transition>
     </mc:Choice>
-    <mc:Fallback xmlns="">
+    <mc:Fallback>
       <p:transition spd="med">
         <p:fade/>
       </p:transition>
@@ -19397,7 +19711,7 @@
           <p:cNvPr id="18" name="TextBox 17">
             <a:extLst>
               <a:ext uri="{FF2B5EF4-FFF2-40B4-BE49-F238E27FC236}">
-                <a16:creationId xmlns:a16="http://schemas.microsoft.com/office/drawing/2014/main" id="{1154ED04-B383-4F9E-BF8D-1E01A0EF669B}"/>
+                <a16:creationId xmlns:a16="http://schemas.microsoft.com/office/drawing/2014/main" xmlns="" id="{1154ED04-B383-4F9E-BF8D-1E01A0EF669B}"/>
               </a:ext>
             </a:extLst>
           </p:cNvPr>
@@ -19534,7 +19848,7 @@
           <p:cNvPr id="20" name="직사각형 19">
             <a:extLst>
               <a:ext uri="{FF2B5EF4-FFF2-40B4-BE49-F238E27FC236}">
-                <a16:creationId xmlns:a16="http://schemas.microsoft.com/office/drawing/2014/main" id="{CCA0A734-F176-4BA9-9185-901DAF22B5B5}"/>
+                <a16:creationId xmlns:a16="http://schemas.microsoft.com/office/drawing/2014/main" xmlns="" id="{CCA0A734-F176-4BA9-9185-901DAF22B5B5}"/>
               </a:ext>
             </a:extLst>
           </p:cNvPr>
@@ -19617,7 +19931,7 @@
           <p:cNvPr id="21" name="그림 20">
             <a:extLst>
               <a:ext uri="{FF2B5EF4-FFF2-40B4-BE49-F238E27FC236}">
-                <a16:creationId xmlns:a16="http://schemas.microsoft.com/office/drawing/2014/main" id="{C8FEC430-7525-4774-BB40-2A7C8BE07D9B}"/>
+                <a16:creationId xmlns:a16="http://schemas.microsoft.com/office/drawing/2014/main" xmlns="" id="{C8FEC430-7525-4774-BB40-2A7C8BE07D9B}"/>
               </a:ext>
             </a:extLst>
           </p:cNvPr>
@@ -19672,6 +19986,47 @@
               <a:srgbClr val="FFFFFF"/>
             </a:contourClr>
           </a:sp3d>
+        </p:spPr>
+      </p:pic>
+      <p:pic>
+        <p:nvPicPr>
+          <p:cNvPr id="1026" name="Picture 2" descr="웹사이트 아이콘에 대한 이미지 검색결과"/>
+          <p:cNvPicPr>
+            <a:picLocks noChangeAspect="1" noChangeArrowheads="1"/>
+          </p:cNvPicPr>
+          <p:nvPr/>
+        </p:nvPicPr>
+        <p:blipFill>
+          <a:blip r:embed="rId4">
+            <a:extLst>
+              <a:ext uri="{28A0092B-C50C-407E-A947-70E740481C1C}">
+                <a14:useLocalDpi xmlns:a14="http://schemas.microsoft.com/office/drawing/2010/main" val="0"/>
+              </a:ext>
+            </a:extLst>
+          </a:blip>
+          <a:srcRect/>
+          <a:stretch>
+            <a:fillRect/>
+          </a:stretch>
+        </p:blipFill>
+        <p:spPr bwMode="auto">
+          <a:xfrm>
+            <a:off x="155575" y="-2408238"/>
+            <a:ext cx="5019675" cy="5019676"/>
+          </a:xfrm>
+          <a:prstGeom prst="rect">
+            <a:avLst/>
+          </a:prstGeom>
+          <a:noFill/>
+          <a:extLst>
+            <a:ext uri="{909E8E84-426E-40DD-AFC4-6F175D3DCCD1}">
+              <a14:hiddenFill xmlns:a14="http://schemas.microsoft.com/office/drawing/2010/main">
+                <a:solidFill>
+                  <a:srgbClr val="FFFFFF"/>
+                </a:solidFill>
+              </a14:hiddenFill>
+            </a:ext>
+          </a:extLst>
         </p:spPr>
       </p:pic>
     </p:spTree>
@@ -20554,7 +20909,7 @@
           <p:cNvPr id="25" name="TextBox 24">
             <a:extLst>
               <a:ext uri="{FF2B5EF4-FFF2-40B4-BE49-F238E27FC236}">
-                <a16:creationId xmlns:a16="http://schemas.microsoft.com/office/drawing/2014/main" id="{52A461B7-B030-4F56-85EF-33E68F5BDF20}"/>
+                <a16:creationId xmlns:a16="http://schemas.microsoft.com/office/drawing/2014/main" xmlns="" id="{52A461B7-B030-4F56-85EF-33E68F5BDF20}"/>
               </a:ext>
             </a:extLst>
           </p:cNvPr>
@@ -21337,7 +21692,7 @@
           <p:cNvPr id="25" name="TextBox 24">
             <a:extLst>
               <a:ext uri="{FF2B5EF4-FFF2-40B4-BE49-F238E27FC236}">
-                <a16:creationId xmlns:a16="http://schemas.microsoft.com/office/drawing/2014/main" id="{52A461B7-B030-4F56-85EF-33E68F5BDF20}"/>
+                <a16:creationId xmlns:a16="http://schemas.microsoft.com/office/drawing/2014/main" xmlns="" id="{52A461B7-B030-4F56-85EF-33E68F5BDF20}"/>
               </a:ext>
             </a:extLst>
           </p:cNvPr>
@@ -22154,7 +22509,7 @@
           <p:cNvPr id="25" name="TextBox 24">
             <a:extLst>
               <a:ext uri="{FF2B5EF4-FFF2-40B4-BE49-F238E27FC236}">
-                <a16:creationId xmlns:a16="http://schemas.microsoft.com/office/drawing/2014/main" id="{52A461B7-B030-4F56-85EF-33E68F5BDF20}"/>
+                <a16:creationId xmlns:a16="http://schemas.microsoft.com/office/drawing/2014/main" xmlns="" id="{52A461B7-B030-4F56-85EF-33E68F5BDF20}"/>
               </a:ext>
             </a:extLst>
           </p:cNvPr>

--- a/Presentation/PPT템플릿_강의안.pptx
+++ b/Presentation/PPT템플릿_강의안.pptx
@@ -29,20 +29,20 @@
   <p:notesSz cx="6858000" cy="9144000"/>
   <p:embeddedFontLst>
     <p:embeddedFont>
-      <p:font typeface="a나무M" panose="02020600000000000000" pitchFamily="18" charset="-127"/>
+      <p:font typeface="Yoon 윤고딕 520_TT" panose="020B0600000101010101" charset="-127"/>
       <p:regular r:id="rId19"/>
     </p:embeddedFont>
     <p:embeddedFont>
-      <p:font typeface="Yoon 윤고딕 520_TT" panose="020B0600000101010101" charset="-127"/>
+      <p:font typeface="맑은 고딕" panose="020B0503020000020004" pitchFamily="50" charset="-127"/>
       <p:regular r:id="rId20"/>
-    </p:embeddedFont>
-    <p:embeddedFont>
-      <p:font typeface="맑은 고딕" panose="020B0503020000020004" pitchFamily="50" charset="-127"/>
-      <p:regular r:id="rId21"/>
-      <p:bold r:id="rId22"/>
+      <p:bold r:id="rId21"/>
     </p:embeddedFont>
     <p:embeddedFont>
       <p:font typeface="Arial Rounded MT Bold" panose="020F0704030504030204" pitchFamily="34" charset="0"/>
+      <p:regular r:id="rId22"/>
+    </p:embeddedFont>
+    <p:embeddedFont>
+      <p:font typeface="a나무M" panose="02020600000000000000" pitchFamily="18" charset="-127"/>
       <p:regular r:id="rId23"/>
     </p:embeddedFont>
   </p:embeddedFontLst>
@@ -5495,135 +5495,6 @@
       </p:cxnSp>
       <p:sp>
         <p:nvSpPr>
-          <p:cNvPr id="6" name="TextBox 5"/>
-          <p:cNvSpPr txBox="1"/>
-          <p:nvPr/>
-        </p:nvSpPr>
-        <p:spPr>
-          <a:xfrm>
-            <a:off x="1043608" y="138482"/>
-            <a:ext cx="965459" cy="307777"/>
-          </a:xfrm>
-          <a:prstGeom prst="rect">
-            <a:avLst/>
-          </a:prstGeom>
-          <a:noFill/>
-        </p:spPr>
-        <p:txBody>
-          <a:bodyPr wrap="square" rtlCol="0">
-            <a:spAutoFit/>
-          </a:bodyPr>
-          <a:lstStyle/>
-          <a:p>
-            <a:pPr algn="ctr"/>
-            <a:r>
-              <a:rPr lang="en-US" altLang="ko-KR" sz="1400" dirty="0">
-                <a:ln>
-                  <a:solidFill>
-                    <a:schemeClr val="tx1">
-                      <a:alpha val="30000"/>
-                    </a:schemeClr>
-                  </a:solidFill>
-                </a:ln>
-                <a:solidFill>
-                  <a:srgbClr val="272123"/>
-                </a:solidFill>
-                <a:latin typeface="Yoon 윤고딕 520_TT" pitchFamily="18" charset="-127"/>
-                <a:ea typeface="Yoon 윤고딕 520_TT" pitchFamily="18" charset="-127"/>
-              </a:rPr>
-              <a:t>Planning</a:t>
-            </a:r>
-          </a:p>
-        </p:txBody>
-      </p:sp>
-      <p:sp>
-        <p:nvSpPr>
-          <p:cNvPr id="7" name="TextBox 6"/>
-          <p:cNvSpPr txBox="1"/>
-          <p:nvPr/>
-        </p:nvSpPr>
-        <p:spPr>
-          <a:xfrm>
-            <a:off x="2512455" y="138482"/>
-            <a:ext cx="965459" cy="307777"/>
-          </a:xfrm>
-          <a:prstGeom prst="rect">
-            <a:avLst/>
-          </a:prstGeom>
-          <a:noFill/>
-        </p:spPr>
-        <p:txBody>
-          <a:bodyPr wrap="square" rtlCol="0">
-            <a:spAutoFit/>
-          </a:bodyPr>
-          <a:lstStyle/>
-          <a:p>
-            <a:pPr algn="ctr"/>
-            <a:r>
-              <a:rPr lang="en-US" altLang="ko-KR" sz="1400" dirty="0">
-                <a:ln>
-                  <a:solidFill>
-                    <a:schemeClr val="tx1">
-                      <a:alpha val="30000"/>
-                    </a:schemeClr>
-                  </a:solidFill>
-                </a:ln>
-                <a:solidFill>
-                  <a:srgbClr val="272123"/>
-                </a:solidFill>
-                <a:latin typeface="Yoon 윤고딕 520_TT" pitchFamily="18" charset="-127"/>
-                <a:ea typeface="Yoon 윤고딕 520_TT" pitchFamily="18" charset="-127"/>
-              </a:rPr>
-              <a:t>Design</a:t>
-            </a:r>
-          </a:p>
-        </p:txBody>
-      </p:sp>
-      <p:sp>
-        <p:nvSpPr>
-          <p:cNvPr id="8" name="TextBox 7"/>
-          <p:cNvSpPr txBox="1"/>
-          <p:nvPr/>
-        </p:nvSpPr>
-        <p:spPr>
-          <a:xfrm>
-            <a:off x="3981302" y="138482"/>
-            <a:ext cx="1166762" cy="307777"/>
-          </a:xfrm>
-          <a:prstGeom prst="rect">
-            <a:avLst/>
-          </a:prstGeom>
-          <a:noFill/>
-        </p:spPr>
-        <p:txBody>
-          <a:bodyPr wrap="square" rtlCol="0">
-            <a:spAutoFit/>
-          </a:bodyPr>
-          <a:lstStyle/>
-          <a:p>
-            <a:pPr algn="ctr"/>
-            <a:r>
-              <a:rPr lang="en-US" altLang="ko-KR" sz="1400" dirty="0">
-                <a:ln>
-                  <a:solidFill>
-                    <a:schemeClr val="tx1">
-                      <a:alpha val="30000"/>
-                    </a:schemeClr>
-                  </a:solidFill>
-                </a:ln>
-                <a:solidFill>
-                  <a:srgbClr val="272123"/>
-                </a:solidFill>
-                <a:latin typeface="Yoon 윤고딕 520_TT" pitchFamily="18" charset="-127"/>
-                <a:ea typeface="Yoon 윤고딕 520_TT" pitchFamily="18" charset="-127"/>
-              </a:rPr>
-              <a:t>Presentation</a:t>
-            </a:r>
-          </a:p>
-        </p:txBody>
-      </p:sp>
-      <p:sp>
-        <p:nvSpPr>
           <p:cNvPr id="9" name="직사각형 8"/>
           <p:cNvSpPr/>
           <p:nvPr/>
@@ -6485,7 +6356,7 @@
           <p:cNvPr id="19" name="직사각형 18">
             <a:extLst>
               <a:ext uri="{FF2B5EF4-FFF2-40B4-BE49-F238E27FC236}">
-                <a16:creationId xmlns:a16="http://schemas.microsoft.com/office/drawing/2014/main" id="{58D954D3-461C-438E-9754-46286CAE6BF9}"/>
+                <a16:creationId xmlns:a16="http://schemas.microsoft.com/office/drawing/2014/main" xmlns="" id="{58D954D3-461C-438E-9754-46286CAE6BF9}"/>
               </a:ext>
             </a:extLst>
           </p:cNvPr>
@@ -6610,135 +6481,6 @@
       </p:cxnSp>
       <p:sp>
         <p:nvSpPr>
-          <p:cNvPr id="6" name="TextBox 5"/>
-          <p:cNvSpPr txBox="1"/>
-          <p:nvPr/>
-        </p:nvSpPr>
-        <p:spPr>
-          <a:xfrm>
-            <a:off x="1043608" y="138482"/>
-            <a:ext cx="965459" cy="307777"/>
-          </a:xfrm>
-          <a:prstGeom prst="rect">
-            <a:avLst/>
-          </a:prstGeom>
-          <a:noFill/>
-        </p:spPr>
-        <p:txBody>
-          <a:bodyPr wrap="square" rtlCol="0">
-            <a:spAutoFit/>
-          </a:bodyPr>
-          <a:lstStyle/>
-          <a:p>
-            <a:pPr algn="ctr"/>
-            <a:r>
-              <a:rPr lang="en-US" altLang="ko-KR" sz="1400" dirty="0">
-                <a:ln>
-                  <a:solidFill>
-                    <a:schemeClr val="tx1">
-                      <a:alpha val="30000"/>
-                    </a:schemeClr>
-                  </a:solidFill>
-                </a:ln>
-                <a:solidFill>
-                  <a:srgbClr val="272123"/>
-                </a:solidFill>
-                <a:latin typeface="Yoon 윤고딕 520_TT" pitchFamily="18" charset="-127"/>
-                <a:ea typeface="Yoon 윤고딕 520_TT" pitchFamily="18" charset="-127"/>
-              </a:rPr>
-              <a:t>Planning</a:t>
-            </a:r>
-          </a:p>
-        </p:txBody>
-      </p:sp>
-      <p:sp>
-        <p:nvSpPr>
-          <p:cNvPr id="7" name="TextBox 6"/>
-          <p:cNvSpPr txBox="1"/>
-          <p:nvPr/>
-        </p:nvSpPr>
-        <p:spPr>
-          <a:xfrm>
-            <a:off x="2512455" y="138482"/>
-            <a:ext cx="965459" cy="307777"/>
-          </a:xfrm>
-          <a:prstGeom prst="rect">
-            <a:avLst/>
-          </a:prstGeom>
-          <a:noFill/>
-        </p:spPr>
-        <p:txBody>
-          <a:bodyPr wrap="square" rtlCol="0">
-            <a:spAutoFit/>
-          </a:bodyPr>
-          <a:lstStyle/>
-          <a:p>
-            <a:pPr algn="ctr"/>
-            <a:r>
-              <a:rPr lang="en-US" altLang="ko-KR" sz="1400" dirty="0">
-                <a:ln>
-                  <a:solidFill>
-                    <a:schemeClr val="tx1">
-                      <a:alpha val="30000"/>
-                    </a:schemeClr>
-                  </a:solidFill>
-                </a:ln>
-                <a:solidFill>
-                  <a:srgbClr val="272123"/>
-                </a:solidFill>
-                <a:latin typeface="Yoon 윤고딕 520_TT" pitchFamily="18" charset="-127"/>
-                <a:ea typeface="Yoon 윤고딕 520_TT" pitchFamily="18" charset="-127"/>
-              </a:rPr>
-              <a:t>Design</a:t>
-            </a:r>
-          </a:p>
-        </p:txBody>
-      </p:sp>
-      <p:sp>
-        <p:nvSpPr>
-          <p:cNvPr id="8" name="TextBox 7"/>
-          <p:cNvSpPr txBox="1"/>
-          <p:nvPr/>
-        </p:nvSpPr>
-        <p:spPr>
-          <a:xfrm>
-            <a:off x="3981302" y="138482"/>
-            <a:ext cx="1166762" cy="307777"/>
-          </a:xfrm>
-          <a:prstGeom prst="rect">
-            <a:avLst/>
-          </a:prstGeom>
-          <a:noFill/>
-        </p:spPr>
-        <p:txBody>
-          <a:bodyPr wrap="square" rtlCol="0">
-            <a:spAutoFit/>
-          </a:bodyPr>
-          <a:lstStyle/>
-          <a:p>
-            <a:pPr algn="ctr"/>
-            <a:r>
-              <a:rPr lang="en-US" altLang="ko-KR" sz="1400" dirty="0">
-                <a:ln>
-                  <a:solidFill>
-                    <a:schemeClr val="tx1">
-                      <a:alpha val="30000"/>
-                    </a:schemeClr>
-                  </a:solidFill>
-                </a:ln>
-                <a:solidFill>
-                  <a:srgbClr val="272123"/>
-                </a:solidFill>
-                <a:latin typeface="Yoon 윤고딕 520_TT" pitchFamily="18" charset="-127"/>
-                <a:ea typeface="Yoon 윤고딕 520_TT" pitchFamily="18" charset="-127"/>
-              </a:rPr>
-              <a:t>Presentation</a:t>
-            </a:r>
-          </a:p>
-        </p:txBody>
-      </p:sp>
-      <p:sp>
-        <p:nvSpPr>
           <p:cNvPr id="21" name="TextBox 20"/>
           <p:cNvSpPr txBox="1"/>
           <p:nvPr/>
@@ -6963,7 +6705,7 @@
           <p:cNvPr id="41" name="직사각형 40">
             <a:extLst>
               <a:ext uri="{FF2B5EF4-FFF2-40B4-BE49-F238E27FC236}">
-                <a16:creationId xmlns:a16="http://schemas.microsoft.com/office/drawing/2014/main" id="{8D6AA74C-87A9-471C-8752-C44FFEBD67EC}"/>
+                <a16:creationId xmlns:a16="http://schemas.microsoft.com/office/drawing/2014/main" xmlns="" id="{8D6AA74C-87A9-471C-8752-C44FFEBD67EC}"/>
               </a:ext>
             </a:extLst>
           </p:cNvPr>
@@ -7029,7 +6771,7 @@
           <p:cNvPr id="42" name="Picture 6" descr="jspservlet에 대한 이미지 검색결과">
             <a:extLst>
               <a:ext uri="{FF2B5EF4-FFF2-40B4-BE49-F238E27FC236}">
-                <a16:creationId xmlns:a16="http://schemas.microsoft.com/office/drawing/2014/main" id="{55ED18B1-42B3-4463-80FA-A9C17F7764AA}"/>
+                <a16:creationId xmlns:a16="http://schemas.microsoft.com/office/drawing/2014/main" xmlns="" id="{55ED18B1-42B3-4463-80FA-A9C17F7764AA}"/>
               </a:ext>
             </a:extLst>
           </p:cNvPr>
@@ -7076,7 +6818,7 @@
           <p:cNvPr id="43" name="Picture 8" descr="eclipse에 대한 이미지 검색결과">
             <a:extLst>
               <a:ext uri="{FF2B5EF4-FFF2-40B4-BE49-F238E27FC236}">
-                <a16:creationId xmlns:a16="http://schemas.microsoft.com/office/drawing/2014/main" id="{7FC2A2FA-5A83-4426-BD58-33CCD026613F}"/>
+                <a16:creationId xmlns:a16="http://schemas.microsoft.com/office/drawing/2014/main" xmlns="" id="{7FC2A2FA-5A83-4426-BD58-33CCD026613F}"/>
               </a:ext>
             </a:extLst>
           </p:cNvPr>
@@ -7155,7 +6897,7 @@
           <p:cNvPr id="44" name="Picture 10" descr="html css js에 대한 이미지 검색결과">
             <a:extLst>
               <a:ext uri="{FF2B5EF4-FFF2-40B4-BE49-F238E27FC236}">
-                <a16:creationId xmlns:a16="http://schemas.microsoft.com/office/drawing/2014/main" id="{B6033F8A-F870-4FBB-994A-1B75EE250247}"/>
+                <a16:creationId xmlns:a16="http://schemas.microsoft.com/office/drawing/2014/main" xmlns="" id="{B6033F8A-F870-4FBB-994A-1B75EE250247}"/>
               </a:ext>
             </a:extLst>
           </p:cNvPr>
@@ -7202,7 +6944,7 @@
           <p:cNvPr id="45" name="Picture 12" descr="github에 대한 이미지 검색결과">
             <a:extLst>
               <a:ext uri="{FF2B5EF4-FFF2-40B4-BE49-F238E27FC236}">
-                <a16:creationId xmlns:a16="http://schemas.microsoft.com/office/drawing/2014/main" id="{220F0688-BA24-437C-BCDD-30ED576B87DB}"/>
+                <a16:creationId xmlns:a16="http://schemas.microsoft.com/office/drawing/2014/main" xmlns="" id="{220F0688-BA24-437C-BCDD-30ED576B87DB}"/>
               </a:ext>
             </a:extLst>
           </p:cNvPr>
@@ -7249,7 +6991,7 @@
           <p:cNvPr id="20" name="직각 삼각형 19">
             <a:extLst>
               <a:ext uri="{FF2B5EF4-FFF2-40B4-BE49-F238E27FC236}">
-                <a16:creationId xmlns:a16="http://schemas.microsoft.com/office/drawing/2014/main" id="{FE7F7A07-E6A9-4BD5-8526-A4484549E0BE}"/>
+                <a16:creationId xmlns:a16="http://schemas.microsoft.com/office/drawing/2014/main" xmlns="" id="{FE7F7A07-E6A9-4BD5-8526-A4484549E0BE}"/>
               </a:ext>
             </a:extLst>
           </p:cNvPr>
@@ -7719,135 +7461,6 @@
       </p:cxnSp>
       <p:sp>
         <p:nvSpPr>
-          <p:cNvPr id="6" name="TextBox 5"/>
-          <p:cNvSpPr txBox="1"/>
-          <p:nvPr/>
-        </p:nvSpPr>
-        <p:spPr>
-          <a:xfrm>
-            <a:off x="1043608" y="138482"/>
-            <a:ext cx="965459" cy="307777"/>
-          </a:xfrm>
-          <a:prstGeom prst="rect">
-            <a:avLst/>
-          </a:prstGeom>
-          <a:noFill/>
-        </p:spPr>
-        <p:txBody>
-          <a:bodyPr wrap="square" rtlCol="0">
-            <a:spAutoFit/>
-          </a:bodyPr>
-          <a:lstStyle/>
-          <a:p>
-            <a:pPr algn="ctr"/>
-            <a:r>
-              <a:rPr lang="en-US" altLang="ko-KR" sz="1400" dirty="0">
-                <a:ln>
-                  <a:solidFill>
-                    <a:schemeClr val="tx1">
-                      <a:alpha val="30000"/>
-                    </a:schemeClr>
-                  </a:solidFill>
-                </a:ln>
-                <a:solidFill>
-                  <a:srgbClr val="272123"/>
-                </a:solidFill>
-                <a:latin typeface="Yoon 윤고딕 520_TT" pitchFamily="18" charset="-127"/>
-                <a:ea typeface="Yoon 윤고딕 520_TT" pitchFamily="18" charset="-127"/>
-              </a:rPr>
-              <a:t>Planning</a:t>
-            </a:r>
-          </a:p>
-        </p:txBody>
-      </p:sp>
-      <p:sp>
-        <p:nvSpPr>
-          <p:cNvPr id="7" name="TextBox 6"/>
-          <p:cNvSpPr txBox="1"/>
-          <p:nvPr/>
-        </p:nvSpPr>
-        <p:spPr>
-          <a:xfrm>
-            <a:off x="2512455" y="138482"/>
-            <a:ext cx="965459" cy="307777"/>
-          </a:xfrm>
-          <a:prstGeom prst="rect">
-            <a:avLst/>
-          </a:prstGeom>
-          <a:noFill/>
-        </p:spPr>
-        <p:txBody>
-          <a:bodyPr wrap="square" rtlCol="0">
-            <a:spAutoFit/>
-          </a:bodyPr>
-          <a:lstStyle/>
-          <a:p>
-            <a:pPr algn="ctr"/>
-            <a:r>
-              <a:rPr lang="en-US" altLang="ko-KR" sz="1400" dirty="0">
-                <a:ln>
-                  <a:solidFill>
-                    <a:schemeClr val="tx1">
-                      <a:alpha val="30000"/>
-                    </a:schemeClr>
-                  </a:solidFill>
-                </a:ln>
-                <a:solidFill>
-                  <a:srgbClr val="272123"/>
-                </a:solidFill>
-                <a:latin typeface="Yoon 윤고딕 520_TT" pitchFamily="18" charset="-127"/>
-                <a:ea typeface="Yoon 윤고딕 520_TT" pitchFamily="18" charset="-127"/>
-              </a:rPr>
-              <a:t>Design</a:t>
-            </a:r>
-          </a:p>
-        </p:txBody>
-      </p:sp>
-      <p:sp>
-        <p:nvSpPr>
-          <p:cNvPr id="8" name="TextBox 7"/>
-          <p:cNvSpPr txBox="1"/>
-          <p:nvPr/>
-        </p:nvSpPr>
-        <p:spPr>
-          <a:xfrm>
-            <a:off x="3981302" y="138482"/>
-            <a:ext cx="1166762" cy="307777"/>
-          </a:xfrm>
-          <a:prstGeom prst="rect">
-            <a:avLst/>
-          </a:prstGeom>
-          <a:noFill/>
-        </p:spPr>
-        <p:txBody>
-          <a:bodyPr wrap="square" rtlCol="0">
-            <a:spAutoFit/>
-          </a:bodyPr>
-          <a:lstStyle/>
-          <a:p>
-            <a:pPr algn="ctr"/>
-            <a:r>
-              <a:rPr lang="en-US" altLang="ko-KR" sz="1400" dirty="0">
-                <a:ln>
-                  <a:solidFill>
-                    <a:schemeClr val="tx1">
-                      <a:alpha val="30000"/>
-                    </a:schemeClr>
-                  </a:solidFill>
-                </a:ln>
-                <a:solidFill>
-                  <a:srgbClr val="272123"/>
-                </a:solidFill>
-                <a:latin typeface="Yoon 윤고딕 520_TT" pitchFamily="18" charset="-127"/>
-                <a:ea typeface="Yoon 윤고딕 520_TT" pitchFamily="18" charset="-127"/>
-              </a:rPr>
-              <a:t>Presentation</a:t>
-            </a:r>
-          </a:p>
-        </p:txBody>
-      </p:sp>
-      <p:sp>
-        <p:nvSpPr>
           <p:cNvPr id="9" name="직사각형 8"/>
           <p:cNvSpPr/>
           <p:nvPr/>
@@ -8728,7 +8341,7 @@
           <p:cNvPr id="33" name="TextBox 32">
             <a:extLst>
               <a:ext uri="{FF2B5EF4-FFF2-40B4-BE49-F238E27FC236}">
-                <a16:creationId xmlns:a16="http://schemas.microsoft.com/office/drawing/2014/main" id="{D87D4CB2-3A4C-4635-A191-39A46EF16330}"/>
+                <a16:creationId xmlns:a16="http://schemas.microsoft.com/office/drawing/2014/main" xmlns="" id="{D87D4CB2-3A4C-4635-A191-39A46EF16330}"/>
               </a:ext>
             </a:extLst>
           </p:cNvPr>
@@ -8794,7 +8407,7 @@
           <p:cNvPr id="35" name="TextBox 34">
             <a:extLst>
               <a:ext uri="{FF2B5EF4-FFF2-40B4-BE49-F238E27FC236}">
-                <a16:creationId xmlns:a16="http://schemas.microsoft.com/office/drawing/2014/main" id="{6CB00898-23B1-4A00-B08D-ACDB75603100}"/>
+                <a16:creationId xmlns:a16="http://schemas.microsoft.com/office/drawing/2014/main" xmlns="" id="{6CB00898-23B1-4A00-B08D-ACDB75603100}"/>
               </a:ext>
             </a:extLst>
           </p:cNvPr>
@@ -8944,7 +8557,7 @@
           <p:cNvPr id="34" name="TextBox 33">
             <a:extLst>
               <a:ext uri="{FF2B5EF4-FFF2-40B4-BE49-F238E27FC236}">
-                <a16:creationId xmlns:a16="http://schemas.microsoft.com/office/drawing/2014/main" id="{3A723592-21B7-4008-AE5B-1F4385596E38}"/>
+                <a16:creationId xmlns:a16="http://schemas.microsoft.com/office/drawing/2014/main" xmlns="" id="{3A723592-21B7-4008-AE5B-1F4385596E38}"/>
               </a:ext>
             </a:extLst>
           </p:cNvPr>
@@ -9260,135 +8873,6 @@
       </p:cxnSp>
       <p:sp>
         <p:nvSpPr>
-          <p:cNvPr id="6" name="TextBox 5"/>
-          <p:cNvSpPr txBox="1"/>
-          <p:nvPr/>
-        </p:nvSpPr>
-        <p:spPr>
-          <a:xfrm>
-            <a:off x="1043608" y="138482"/>
-            <a:ext cx="965459" cy="307777"/>
-          </a:xfrm>
-          <a:prstGeom prst="rect">
-            <a:avLst/>
-          </a:prstGeom>
-          <a:noFill/>
-        </p:spPr>
-        <p:txBody>
-          <a:bodyPr wrap="square" rtlCol="0">
-            <a:spAutoFit/>
-          </a:bodyPr>
-          <a:lstStyle/>
-          <a:p>
-            <a:pPr algn="ctr"/>
-            <a:r>
-              <a:rPr lang="en-US" altLang="ko-KR" sz="1400" dirty="0">
-                <a:ln>
-                  <a:solidFill>
-                    <a:schemeClr val="tx1">
-                      <a:alpha val="30000"/>
-                    </a:schemeClr>
-                  </a:solidFill>
-                </a:ln>
-                <a:solidFill>
-                  <a:srgbClr val="272123"/>
-                </a:solidFill>
-                <a:latin typeface="Yoon 윤고딕 520_TT" pitchFamily="18" charset="-127"/>
-                <a:ea typeface="Yoon 윤고딕 520_TT" pitchFamily="18" charset="-127"/>
-              </a:rPr>
-              <a:t>Planning</a:t>
-            </a:r>
-          </a:p>
-        </p:txBody>
-      </p:sp>
-      <p:sp>
-        <p:nvSpPr>
-          <p:cNvPr id="7" name="TextBox 6"/>
-          <p:cNvSpPr txBox="1"/>
-          <p:nvPr/>
-        </p:nvSpPr>
-        <p:spPr>
-          <a:xfrm>
-            <a:off x="2512455" y="138482"/>
-            <a:ext cx="965459" cy="307777"/>
-          </a:xfrm>
-          <a:prstGeom prst="rect">
-            <a:avLst/>
-          </a:prstGeom>
-          <a:noFill/>
-        </p:spPr>
-        <p:txBody>
-          <a:bodyPr wrap="square" rtlCol="0">
-            <a:spAutoFit/>
-          </a:bodyPr>
-          <a:lstStyle/>
-          <a:p>
-            <a:pPr algn="ctr"/>
-            <a:r>
-              <a:rPr lang="en-US" altLang="ko-KR" sz="1400" dirty="0">
-                <a:ln>
-                  <a:solidFill>
-                    <a:schemeClr val="tx1">
-                      <a:alpha val="30000"/>
-                    </a:schemeClr>
-                  </a:solidFill>
-                </a:ln>
-                <a:solidFill>
-                  <a:srgbClr val="272123"/>
-                </a:solidFill>
-                <a:latin typeface="Yoon 윤고딕 520_TT" pitchFamily="18" charset="-127"/>
-                <a:ea typeface="Yoon 윤고딕 520_TT" pitchFamily="18" charset="-127"/>
-              </a:rPr>
-              <a:t>Design</a:t>
-            </a:r>
-          </a:p>
-        </p:txBody>
-      </p:sp>
-      <p:sp>
-        <p:nvSpPr>
-          <p:cNvPr id="8" name="TextBox 7"/>
-          <p:cNvSpPr txBox="1"/>
-          <p:nvPr/>
-        </p:nvSpPr>
-        <p:spPr>
-          <a:xfrm>
-            <a:off x="3981302" y="138482"/>
-            <a:ext cx="1166762" cy="307777"/>
-          </a:xfrm>
-          <a:prstGeom prst="rect">
-            <a:avLst/>
-          </a:prstGeom>
-          <a:noFill/>
-        </p:spPr>
-        <p:txBody>
-          <a:bodyPr wrap="square" rtlCol="0">
-            <a:spAutoFit/>
-          </a:bodyPr>
-          <a:lstStyle/>
-          <a:p>
-            <a:pPr algn="ctr"/>
-            <a:r>
-              <a:rPr lang="en-US" altLang="ko-KR" sz="1400" dirty="0">
-                <a:ln>
-                  <a:solidFill>
-                    <a:schemeClr val="tx1">
-                      <a:alpha val="30000"/>
-                    </a:schemeClr>
-                  </a:solidFill>
-                </a:ln>
-                <a:solidFill>
-                  <a:srgbClr val="272123"/>
-                </a:solidFill>
-                <a:latin typeface="Yoon 윤고딕 520_TT" pitchFamily="18" charset="-127"/>
-                <a:ea typeface="Yoon 윤고딕 520_TT" pitchFamily="18" charset="-127"/>
-              </a:rPr>
-              <a:t>Presentation</a:t>
-            </a:r>
-          </a:p>
-        </p:txBody>
-      </p:sp>
-      <p:sp>
-        <p:nvSpPr>
           <p:cNvPr id="9" name="직사각형 8"/>
           <p:cNvSpPr/>
           <p:nvPr/>
@@ -9763,7 +9247,7 @@
           <p:cNvPr id="2" name="직사각형 1">
             <a:extLst>
               <a:ext uri="{FF2B5EF4-FFF2-40B4-BE49-F238E27FC236}">
-                <a16:creationId xmlns:a16="http://schemas.microsoft.com/office/drawing/2014/main" id="{0D752438-F573-4591-9665-C4A3E1CF6350}"/>
+                <a16:creationId xmlns:a16="http://schemas.microsoft.com/office/drawing/2014/main" xmlns="" id="{0D752438-F573-4591-9665-C4A3E1CF6350}"/>
               </a:ext>
             </a:extLst>
           </p:cNvPr>
@@ -9935,135 +9419,6 @@
       </p:cxnSp>
       <p:sp>
         <p:nvSpPr>
-          <p:cNvPr id="6" name="TextBox 5"/>
-          <p:cNvSpPr txBox="1"/>
-          <p:nvPr/>
-        </p:nvSpPr>
-        <p:spPr>
-          <a:xfrm>
-            <a:off x="1043608" y="138482"/>
-            <a:ext cx="965459" cy="307777"/>
-          </a:xfrm>
-          <a:prstGeom prst="rect">
-            <a:avLst/>
-          </a:prstGeom>
-          <a:noFill/>
-        </p:spPr>
-        <p:txBody>
-          <a:bodyPr wrap="square" rtlCol="0">
-            <a:spAutoFit/>
-          </a:bodyPr>
-          <a:lstStyle/>
-          <a:p>
-            <a:pPr algn="ctr"/>
-            <a:r>
-              <a:rPr lang="en-US" altLang="ko-KR" sz="1400" dirty="0">
-                <a:ln>
-                  <a:solidFill>
-                    <a:schemeClr val="tx1">
-                      <a:alpha val="30000"/>
-                    </a:schemeClr>
-                  </a:solidFill>
-                </a:ln>
-                <a:solidFill>
-                  <a:srgbClr val="272123"/>
-                </a:solidFill>
-                <a:latin typeface="Yoon 윤고딕 520_TT" pitchFamily="18" charset="-127"/>
-                <a:ea typeface="Yoon 윤고딕 520_TT" pitchFamily="18" charset="-127"/>
-              </a:rPr>
-              <a:t>Planning</a:t>
-            </a:r>
-          </a:p>
-        </p:txBody>
-      </p:sp>
-      <p:sp>
-        <p:nvSpPr>
-          <p:cNvPr id="7" name="TextBox 6"/>
-          <p:cNvSpPr txBox="1"/>
-          <p:nvPr/>
-        </p:nvSpPr>
-        <p:spPr>
-          <a:xfrm>
-            <a:off x="2512455" y="138482"/>
-            <a:ext cx="965459" cy="307777"/>
-          </a:xfrm>
-          <a:prstGeom prst="rect">
-            <a:avLst/>
-          </a:prstGeom>
-          <a:noFill/>
-        </p:spPr>
-        <p:txBody>
-          <a:bodyPr wrap="square" rtlCol="0">
-            <a:spAutoFit/>
-          </a:bodyPr>
-          <a:lstStyle/>
-          <a:p>
-            <a:pPr algn="ctr"/>
-            <a:r>
-              <a:rPr lang="en-US" altLang="ko-KR" sz="1400" dirty="0">
-                <a:ln>
-                  <a:solidFill>
-                    <a:schemeClr val="tx1">
-                      <a:alpha val="30000"/>
-                    </a:schemeClr>
-                  </a:solidFill>
-                </a:ln>
-                <a:solidFill>
-                  <a:srgbClr val="272123"/>
-                </a:solidFill>
-                <a:latin typeface="Yoon 윤고딕 520_TT" pitchFamily="18" charset="-127"/>
-                <a:ea typeface="Yoon 윤고딕 520_TT" pitchFamily="18" charset="-127"/>
-              </a:rPr>
-              <a:t>Design</a:t>
-            </a:r>
-          </a:p>
-        </p:txBody>
-      </p:sp>
-      <p:sp>
-        <p:nvSpPr>
-          <p:cNvPr id="8" name="TextBox 7"/>
-          <p:cNvSpPr txBox="1"/>
-          <p:nvPr/>
-        </p:nvSpPr>
-        <p:spPr>
-          <a:xfrm>
-            <a:off x="3981302" y="138482"/>
-            <a:ext cx="1166762" cy="307777"/>
-          </a:xfrm>
-          <a:prstGeom prst="rect">
-            <a:avLst/>
-          </a:prstGeom>
-          <a:noFill/>
-        </p:spPr>
-        <p:txBody>
-          <a:bodyPr wrap="square" rtlCol="0">
-            <a:spAutoFit/>
-          </a:bodyPr>
-          <a:lstStyle/>
-          <a:p>
-            <a:pPr algn="ctr"/>
-            <a:r>
-              <a:rPr lang="en-US" altLang="ko-KR" sz="1400" dirty="0">
-                <a:ln>
-                  <a:solidFill>
-                    <a:schemeClr val="tx1">
-                      <a:alpha val="30000"/>
-                    </a:schemeClr>
-                  </a:solidFill>
-                </a:ln>
-                <a:solidFill>
-                  <a:srgbClr val="272123"/>
-                </a:solidFill>
-                <a:latin typeface="Yoon 윤고딕 520_TT" pitchFamily="18" charset="-127"/>
-                <a:ea typeface="Yoon 윤고딕 520_TT" pitchFamily="18" charset="-127"/>
-              </a:rPr>
-              <a:t>Presentation</a:t>
-            </a:r>
-          </a:p>
-        </p:txBody>
-      </p:sp>
-      <p:sp>
-        <p:nvSpPr>
           <p:cNvPr id="9" name="직사각형 8"/>
           <p:cNvSpPr/>
           <p:nvPr/>
@@ -10455,7 +9810,7 @@
           <p:cNvPr id="2" name="직사각형 1">
             <a:extLst>
               <a:ext uri="{FF2B5EF4-FFF2-40B4-BE49-F238E27FC236}">
-                <a16:creationId xmlns:a16="http://schemas.microsoft.com/office/drawing/2014/main" id="{0D752438-F573-4591-9665-C4A3E1CF6350}"/>
+                <a16:creationId xmlns:a16="http://schemas.microsoft.com/office/drawing/2014/main" xmlns="" id="{0D752438-F573-4591-9665-C4A3E1CF6350}"/>
               </a:ext>
             </a:extLst>
           </p:cNvPr>
@@ -12441,7 +11796,7 @@
           <p:cNvPr id="18" name="TextBox 17">
             <a:extLst>
               <a:ext uri="{FF2B5EF4-FFF2-40B4-BE49-F238E27FC236}">
-                <a16:creationId xmlns:a16="http://schemas.microsoft.com/office/drawing/2014/main" id="{1154ED04-B383-4F9E-BF8D-1E01A0EF669B}"/>
+                <a16:creationId xmlns:a16="http://schemas.microsoft.com/office/drawing/2014/main" xmlns="" id="{1154ED04-B383-4F9E-BF8D-1E01A0EF669B}"/>
               </a:ext>
             </a:extLst>
           </p:cNvPr>
@@ -12578,7 +11933,7 @@
           <p:cNvPr id="20" name="직사각형 19">
             <a:extLst>
               <a:ext uri="{FF2B5EF4-FFF2-40B4-BE49-F238E27FC236}">
-                <a16:creationId xmlns:a16="http://schemas.microsoft.com/office/drawing/2014/main" id="{CCA0A734-F176-4BA9-9185-901DAF22B5B5}"/>
+                <a16:creationId xmlns:a16="http://schemas.microsoft.com/office/drawing/2014/main" xmlns="" id="{CCA0A734-F176-4BA9-9185-901DAF22B5B5}"/>
               </a:ext>
             </a:extLst>
           </p:cNvPr>
@@ -12661,7 +12016,7 @@
           <p:cNvPr id="21" name="그림 20">
             <a:extLst>
               <a:ext uri="{FF2B5EF4-FFF2-40B4-BE49-F238E27FC236}">
-                <a16:creationId xmlns:a16="http://schemas.microsoft.com/office/drawing/2014/main" id="{C8FEC430-7525-4774-BB40-2A7C8BE07D9B}"/>
+                <a16:creationId xmlns:a16="http://schemas.microsoft.com/office/drawing/2014/main" xmlns="" id="{C8FEC430-7525-4774-BB40-2A7C8BE07D9B}"/>
               </a:ext>
             </a:extLst>
           </p:cNvPr>
@@ -12723,7 +12078,7 @@
           <p:cNvPr id="2" name="Picture 2" descr="웹에 대한 이미지 검색결과">
             <a:extLst>
               <a:ext uri="{FF2B5EF4-FFF2-40B4-BE49-F238E27FC236}">
-                <a16:creationId xmlns:a16="http://schemas.microsoft.com/office/drawing/2014/main" id="{0882EBCC-F7FB-4301-AB46-E7304FF15ED8}"/>
+                <a16:creationId xmlns:a16="http://schemas.microsoft.com/office/drawing/2014/main" xmlns="" id="{0882EBCC-F7FB-4301-AB46-E7304FF15ED8}"/>
               </a:ext>
             </a:extLst>
           </p:cNvPr>
@@ -13032,135 +12387,6 @@
       </p:cxnSp>
       <p:sp>
         <p:nvSpPr>
-          <p:cNvPr id="6" name="TextBox 5"/>
-          <p:cNvSpPr txBox="1"/>
-          <p:nvPr/>
-        </p:nvSpPr>
-        <p:spPr>
-          <a:xfrm>
-            <a:off x="1043608" y="138482"/>
-            <a:ext cx="965459" cy="307777"/>
-          </a:xfrm>
-          <a:prstGeom prst="rect">
-            <a:avLst/>
-          </a:prstGeom>
-          <a:noFill/>
-        </p:spPr>
-        <p:txBody>
-          <a:bodyPr wrap="square" rtlCol="0">
-            <a:spAutoFit/>
-          </a:bodyPr>
-          <a:lstStyle/>
-          <a:p>
-            <a:pPr algn="ctr"/>
-            <a:r>
-              <a:rPr lang="en-US" altLang="ko-KR" sz="1400" dirty="0">
-                <a:ln>
-                  <a:solidFill>
-                    <a:schemeClr val="tx1">
-                      <a:alpha val="30000"/>
-                    </a:schemeClr>
-                  </a:solidFill>
-                </a:ln>
-                <a:solidFill>
-                  <a:srgbClr val="272123"/>
-                </a:solidFill>
-                <a:latin typeface="Yoon 윤고딕 520_TT" pitchFamily="18" charset="-127"/>
-                <a:ea typeface="Yoon 윤고딕 520_TT" pitchFamily="18" charset="-127"/>
-              </a:rPr>
-              <a:t>Planning</a:t>
-            </a:r>
-          </a:p>
-        </p:txBody>
-      </p:sp>
-      <p:sp>
-        <p:nvSpPr>
-          <p:cNvPr id="7" name="TextBox 6"/>
-          <p:cNvSpPr txBox="1"/>
-          <p:nvPr/>
-        </p:nvSpPr>
-        <p:spPr>
-          <a:xfrm>
-            <a:off x="2512455" y="138482"/>
-            <a:ext cx="965459" cy="307777"/>
-          </a:xfrm>
-          <a:prstGeom prst="rect">
-            <a:avLst/>
-          </a:prstGeom>
-          <a:noFill/>
-        </p:spPr>
-        <p:txBody>
-          <a:bodyPr wrap="square" rtlCol="0">
-            <a:spAutoFit/>
-          </a:bodyPr>
-          <a:lstStyle/>
-          <a:p>
-            <a:pPr algn="ctr"/>
-            <a:r>
-              <a:rPr lang="en-US" altLang="ko-KR" sz="1400" dirty="0">
-                <a:ln>
-                  <a:solidFill>
-                    <a:schemeClr val="tx1">
-                      <a:alpha val="30000"/>
-                    </a:schemeClr>
-                  </a:solidFill>
-                </a:ln>
-                <a:solidFill>
-                  <a:srgbClr val="272123"/>
-                </a:solidFill>
-                <a:latin typeface="Yoon 윤고딕 520_TT" pitchFamily="18" charset="-127"/>
-                <a:ea typeface="Yoon 윤고딕 520_TT" pitchFamily="18" charset="-127"/>
-              </a:rPr>
-              <a:t>Design</a:t>
-            </a:r>
-          </a:p>
-        </p:txBody>
-      </p:sp>
-      <p:sp>
-        <p:nvSpPr>
-          <p:cNvPr id="8" name="TextBox 7"/>
-          <p:cNvSpPr txBox="1"/>
-          <p:nvPr/>
-        </p:nvSpPr>
-        <p:spPr>
-          <a:xfrm>
-            <a:off x="3981302" y="138482"/>
-            <a:ext cx="1166762" cy="307777"/>
-          </a:xfrm>
-          <a:prstGeom prst="rect">
-            <a:avLst/>
-          </a:prstGeom>
-          <a:noFill/>
-        </p:spPr>
-        <p:txBody>
-          <a:bodyPr wrap="square" rtlCol="0">
-            <a:spAutoFit/>
-          </a:bodyPr>
-          <a:lstStyle/>
-          <a:p>
-            <a:pPr algn="ctr"/>
-            <a:r>
-              <a:rPr lang="en-US" altLang="ko-KR" sz="1400" dirty="0">
-                <a:ln>
-                  <a:solidFill>
-                    <a:schemeClr val="tx1">
-                      <a:alpha val="30000"/>
-                    </a:schemeClr>
-                  </a:solidFill>
-                </a:ln>
-                <a:solidFill>
-                  <a:srgbClr val="272123"/>
-                </a:solidFill>
-                <a:latin typeface="Yoon 윤고딕 520_TT" pitchFamily="18" charset="-127"/>
-                <a:ea typeface="Yoon 윤고딕 520_TT" pitchFamily="18" charset="-127"/>
-              </a:rPr>
-              <a:t>Presentation</a:t>
-            </a:r>
-          </a:p>
-        </p:txBody>
-      </p:sp>
-      <p:sp>
-        <p:nvSpPr>
           <p:cNvPr id="9" name="직사각형 8"/>
           <p:cNvSpPr/>
           <p:nvPr/>
@@ -13624,7 +12850,7 @@
           <p:cNvPr id="25" name="TextBox 24">
             <a:extLst>
               <a:ext uri="{FF2B5EF4-FFF2-40B4-BE49-F238E27FC236}">
-                <a16:creationId xmlns:a16="http://schemas.microsoft.com/office/drawing/2014/main" id="{52A461B7-B030-4F56-85EF-33E68F5BDF20}"/>
+                <a16:creationId xmlns:a16="http://schemas.microsoft.com/office/drawing/2014/main" xmlns="" id="{52A461B7-B030-4F56-85EF-33E68F5BDF20}"/>
               </a:ext>
             </a:extLst>
           </p:cNvPr>
@@ -13805,135 +13031,6 @@
       </p:cxnSp>
       <p:sp>
         <p:nvSpPr>
-          <p:cNvPr id="6" name="TextBox 5"/>
-          <p:cNvSpPr txBox="1"/>
-          <p:nvPr/>
-        </p:nvSpPr>
-        <p:spPr>
-          <a:xfrm>
-            <a:off x="1043608" y="138482"/>
-            <a:ext cx="965459" cy="307777"/>
-          </a:xfrm>
-          <a:prstGeom prst="rect">
-            <a:avLst/>
-          </a:prstGeom>
-          <a:noFill/>
-        </p:spPr>
-        <p:txBody>
-          <a:bodyPr wrap="square" rtlCol="0">
-            <a:spAutoFit/>
-          </a:bodyPr>
-          <a:lstStyle/>
-          <a:p>
-            <a:pPr algn="ctr"/>
-            <a:r>
-              <a:rPr lang="en-US" altLang="ko-KR" sz="1400" dirty="0">
-                <a:ln>
-                  <a:solidFill>
-                    <a:schemeClr val="tx1">
-                      <a:alpha val="30000"/>
-                    </a:schemeClr>
-                  </a:solidFill>
-                </a:ln>
-                <a:solidFill>
-                  <a:srgbClr val="272123"/>
-                </a:solidFill>
-                <a:latin typeface="Yoon 윤고딕 520_TT" pitchFamily="18" charset="-127"/>
-                <a:ea typeface="Yoon 윤고딕 520_TT" pitchFamily="18" charset="-127"/>
-              </a:rPr>
-              <a:t>Planning</a:t>
-            </a:r>
-          </a:p>
-        </p:txBody>
-      </p:sp>
-      <p:sp>
-        <p:nvSpPr>
-          <p:cNvPr id="7" name="TextBox 6"/>
-          <p:cNvSpPr txBox="1"/>
-          <p:nvPr/>
-        </p:nvSpPr>
-        <p:spPr>
-          <a:xfrm>
-            <a:off x="2512455" y="138482"/>
-            <a:ext cx="965459" cy="307777"/>
-          </a:xfrm>
-          <a:prstGeom prst="rect">
-            <a:avLst/>
-          </a:prstGeom>
-          <a:noFill/>
-        </p:spPr>
-        <p:txBody>
-          <a:bodyPr wrap="square" rtlCol="0">
-            <a:spAutoFit/>
-          </a:bodyPr>
-          <a:lstStyle/>
-          <a:p>
-            <a:pPr algn="ctr"/>
-            <a:r>
-              <a:rPr lang="en-US" altLang="ko-KR" sz="1400" dirty="0">
-                <a:ln>
-                  <a:solidFill>
-                    <a:schemeClr val="tx1">
-                      <a:alpha val="30000"/>
-                    </a:schemeClr>
-                  </a:solidFill>
-                </a:ln>
-                <a:solidFill>
-                  <a:srgbClr val="272123"/>
-                </a:solidFill>
-                <a:latin typeface="Yoon 윤고딕 520_TT" pitchFamily="18" charset="-127"/>
-                <a:ea typeface="Yoon 윤고딕 520_TT" pitchFamily="18" charset="-127"/>
-              </a:rPr>
-              <a:t>Design</a:t>
-            </a:r>
-          </a:p>
-        </p:txBody>
-      </p:sp>
-      <p:sp>
-        <p:nvSpPr>
-          <p:cNvPr id="8" name="TextBox 7"/>
-          <p:cNvSpPr txBox="1"/>
-          <p:nvPr/>
-        </p:nvSpPr>
-        <p:spPr>
-          <a:xfrm>
-            <a:off x="3981302" y="138482"/>
-            <a:ext cx="1166762" cy="307777"/>
-          </a:xfrm>
-          <a:prstGeom prst="rect">
-            <a:avLst/>
-          </a:prstGeom>
-          <a:noFill/>
-        </p:spPr>
-        <p:txBody>
-          <a:bodyPr wrap="square" rtlCol="0">
-            <a:spAutoFit/>
-          </a:bodyPr>
-          <a:lstStyle/>
-          <a:p>
-            <a:pPr algn="ctr"/>
-            <a:r>
-              <a:rPr lang="en-US" altLang="ko-KR" sz="1400" dirty="0">
-                <a:ln>
-                  <a:solidFill>
-                    <a:schemeClr val="tx1">
-                      <a:alpha val="30000"/>
-                    </a:schemeClr>
-                  </a:solidFill>
-                </a:ln>
-                <a:solidFill>
-                  <a:srgbClr val="272123"/>
-                </a:solidFill>
-                <a:latin typeface="Yoon 윤고딕 520_TT" pitchFamily="18" charset="-127"/>
-                <a:ea typeface="Yoon 윤고딕 520_TT" pitchFamily="18" charset="-127"/>
-              </a:rPr>
-              <a:t>Presentation</a:t>
-            </a:r>
-          </a:p>
-        </p:txBody>
-      </p:sp>
-      <p:sp>
-        <p:nvSpPr>
           <p:cNvPr id="9" name="직사각형 8"/>
           <p:cNvSpPr/>
           <p:nvPr/>
@@ -14363,7 +13460,7 @@
           <p:cNvPr id="25" name="TextBox 24">
             <a:extLst>
               <a:ext uri="{FF2B5EF4-FFF2-40B4-BE49-F238E27FC236}">
-                <a16:creationId xmlns:a16="http://schemas.microsoft.com/office/drawing/2014/main" id="{52A461B7-B030-4F56-85EF-33E68F5BDF20}"/>
+                <a16:creationId xmlns:a16="http://schemas.microsoft.com/office/drawing/2014/main" xmlns="" id="{52A461B7-B030-4F56-85EF-33E68F5BDF20}"/>
               </a:ext>
             </a:extLst>
           </p:cNvPr>
@@ -14578,135 +13675,6 @@
       </p:cxnSp>
       <p:sp>
         <p:nvSpPr>
-          <p:cNvPr id="6" name="TextBox 5"/>
-          <p:cNvSpPr txBox="1"/>
-          <p:nvPr/>
-        </p:nvSpPr>
-        <p:spPr>
-          <a:xfrm>
-            <a:off x="1043608" y="138482"/>
-            <a:ext cx="965459" cy="307777"/>
-          </a:xfrm>
-          <a:prstGeom prst="rect">
-            <a:avLst/>
-          </a:prstGeom>
-          <a:noFill/>
-        </p:spPr>
-        <p:txBody>
-          <a:bodyPr wrap="square" rtlCol="0">
-            <a:spAutoFit/>
-          </a:bodyPr>
-          <a:lstStyle/>
-          <a:p>
-            <a:pPr algn="ctr"/>
-            <a:r>
-              <a:rPr lang="en-US" altLang="ko-KR" sz="1400" dirty="0">
-                <a:ln>
-                  <a:solidFill>
-                    <a:schemeClr val="tx1">
-                      <a:alpha val="30000"/>
-                    </a:schemeClr>
-                  </a:solidFill>
-                </a:ln>
-                <a:solidFill>
-                  <a:srgbClr val="272123"/>
-                </a:solidFill>
-                <a:latin typeface="Yoon 윤고딕 520_TT" pitchFamily="18" charset="-127"/>
-                <a:ea typeface="Yoon 윤고딕 520_TT" pitchFamily="18" charset="-127"/>
-              </a:rPr>
-              <a:t>Planning</a:t>
-            </a:r>
-          </a:p>
-        </p:txBody>
-      </p:sp>
-      <p:sp>
-        <p:nvSpPr>
-          <p:cNvPr id="7" name="TextBox 6"/>
-          <p:cNvSpPr txBox="1"/>
-          <p:nvPr/>
-        </p:nvSpPr>
-        <p:spPr>
-          <a:xfrm>
-            <a:off x="2512455" y="138482"/>
-            <a:ext cx="965459" cy="307777"/>
-          </a:xfrm>
-          <a:prstGeom prst="rect">
-            <a:avLst/>
-          </a:prstGeom>
-          <a:noFill/>
-        </p:spPr>
-        <p:txBody>
-          <a:bodyPr wrap="square" rtlCol="0">
-            <a:spAutoFit/>
-          </a:bodyPr>
-          <a:lstStyle/>
-          <a:p>
-            <a:pPr algn="ctr"/>
-            <a:r>
-              <a:rPr lang="en-US" altLang="ko-KR" sz="1400" dirty="0">
-                <a:ln>
-                  <a:solidFill>
-                    <a:schemeClr val="tx1">
-                      <a:alpha val="30000"/>
-                    </a:schemeClr>
-                  </a:solidFill>
-                </a:ln>
-                <a:solidFill>
-                  <a:srgbClr val="272123"/>
-                </a:solidFill>
-                <a:latin typeface="Yoon 윤고딕 520_TT" pitchFamily="18" charset="-127"/>
-                <a:ea typeface="Yoon 윤고딕 520_TT" pitchFamily="18" charset="-127"/>
-              </a:rPr>
-              <a:t>Design</a:t>
-            </a:r>
-          </a:p>
-        </p:txBody>
-      </p:sp>
-      <p:sp>
-        <p:nvSpPr>
-          <p:cNvPr id="8" name="TextBox 7"/>
-          <p:cNvSpPr txBox="1"/>
-          <p:nvPr/>
-        </p:nvSpPr>
-        <p:spPr>
-          <a:xfrm>
-            <a:off x="3981302" y="138482"/>
-            <a:ext cx="1166762" cy="307777"/>
-          </a:xfrm>
-          <a:prstGeom prst="rect">
-            <a:avLst/>
-          </a:prstGeom>
-          <a:noFill/>
-        </p:spPr>
-        <p:txBody>
-          <a:bodyPr wrap="square" rtlCol="0">
-            <a:spAutoFit/>
-          </a:bodyPr>
-          <a:lstStyle/>
-          <a:p>
-            <a:pPr algn="ctr"/>
-            <a:r>
-              <a:rPr lang="en-US" altLang="ko-KR" sz="1400" dirty="0">
-                <a:ln>
-                  <a:solidFill>
-                    <a:schemeClr val="tx1">
-                      <a:alpha val="30000"/>
-                    </a:schemeClr>
-                  </a:solidFill>
-                </a:ln>
-                <a:solidFill>
-                  <a:srgbClr val="272123"/>
-                </a:solidFill>
-                <a:latin typeface="Yoon 윤고딕 520_TT" pitchFamily="18" charset="-127"/>
-                <a:ea typeface="Yoon 윤고딕 520_TT" pitchFamily="18" charset="-127"/>
-              </a:rPr>
-              <a:t>Presentation</a:t>
-            </a:r>
-          </a:p>
-        </p:txBody>
-      </p:sp>
-      <p:sp>
-        <p:nvSpPr>
           <p:cNvPr id="9" name="직사각형 8"/>
           <p:cNvSpPr/>
           <p:nvPr/>
@@ -15136,7 +14104,7 @@
           <p:cNvPr id="25" name="TextBox 24">
             <a:extLst>
               <a:ext uri="{FF2B5EF4-FFF2-40B4-BE49-F238E27FC236}">
-                <a16:creationId xmlns:a16="http://schemas.microsoft.com/office/drawing/2014/main" id="{52A461B7-B030-4F56-85EF-33E68F5BDF20}"/>
+                <a16:creationId xmlns:a16="http://schemas.microsoft.com/office/drawing/2014/main" xmlns="" id="{52A461B7-B030-4F56-85EF-33E68F5BDF20}"/>
               </a:ext>
             </a:extLst>
           </p:cNvPr>
@@ -15244,7 +14212,7 @@
           <p:cNvPr id="19" name="직사각형 18">
             <a:extLst>
               <a:ext uri="{FF2B5EF4-FFF2-40B4-BE49-F238E27FC236}">
-                <a16:creationId xmlns:a16="http://schemas.microsoft.com/office/drawing/2014/main" id="{5A9DFCA2-7204-4079-BA31-0C68BC1C466F}"/>
+                <a16:creationId xmlns:a16="http://schemas.microsoft.com/office/drawing/2014/main" xmlns="" id="{5A9DFCA2-7204-4079-BA31-0C68BC1C466F}"/>
               </a:ext>
             </a:extLst>
           </p:cNvPr>
@@ -15369,135 +14337,6 @@
       </p:cxnSp>
       <p:sp>
         <p:nvSpPr>
-          <p:cNvPr id="6" name="TextBox 5"/>
-          <p:cNvSpPr txBox="1"/>
-          <p:nvPr/>
-        </p:nvSpPr>
-        <p:spPr>
-          <a:xfrm>
-            <a:off x="1043608" y="138482"/>
-            <a:ext cx="965459" cy="307777"/>
-          </a:xfrm>
-          <a:prstGeom prst="rect">
-            <a:avLst/>
-          </a:prstGeom>
-          <a:noFill/>
-        </p:spPr>
-        <p:txBody>
-          <a:bodyPr wrap="square" rtlCol="0">
-            <a:spAutoFit/>
-          </a:bodyPr>
-          <a:lstStyle/>
-          <a:p>
-            <a:pPr algn="ctr"/>
-            <a:r>
-              <a:rPr lang="en-US" altLang="ko-KR" sz="1400" dirty="0">
-                <a:ln>
-                  <a:solidFill>
-                    <a:schemeClr val="tx1">
-                      <a:alpha val="30000"/>
-                    </a:schemeClr>
-                  </a:solidFill>
-                </a:ln>
-                <a:solidFill>
-                  <a:srgbClr val="272123"/>
-                </a:solidFill>
-                <a:latin typeface="Yoon 윤고딕 520_TT" pitchFamily="18" charset="-127"/>
-                <a:ea typeface="Yoon 윤고딕 520_TT" pitchFamily="18" charset="-127"/>
-              </a:rPr>
-              <a:t>Planning</a:t>
-            </a:r>
-          </a:p>
-        </p:txBody>
-      </p:sp>
-      <p:sp>
-        <p:nvSpPr>
-          <p:cNvPr id="7" name="TextBox 6"/>
-          <p:cNvSpPr txBox="1"/>
-          <p:nvPr/>
-        </p:nvSpPr>
-        <p:spPr>
-          <a:xfrm>
-            <a:off x="2512455" y="138482"/>
-            <a:ext cx="965459" cy="307777"/>
-          </a:xfrm>
-          <a:prstGeom prst="rect">
-            <a:avLst/>
-          </a:prstGeom>
-          <a:noFill/>
-        </p:spPr>
-        <p:txBody>
-          <a:bodyPr wrap="square" rtlCol="0">
-            <a:spAutoFit/>
-          </a:bodyPr>
-          <a:lstStyle/>
-          <a:p>
-            <a:pPr algn="ctr"/>
-            <a:r>
-              <a:rPr lang="en-US" altLang="ko-KR" sz="1400" dirty="0">
-                <a:ln>
-                  <a:solidFill>
-                    <a:schemeClr val="tx1">
-                      <a:alpha val="30000"/>
-                    </a:schemeClr>
-                  </a:solidFill>
-                </a:ln>
-                <a:solidFill>
-                  <a:srgbClr val="272123"/>
-                </a:solidFill>
-                <a:latin typeface="Yoon 윤고딕 520_TT" pitchFamily="18" charset="-127"/>
-                <a:ea typeface="Yoon 윤고딕 520_TT" pitchFamily="18" charset="-127"/>
-              </a:rPr>
-              <a:t>Design</a:t>
-            </a:r>
-          </a:p>
-        </p:txBody>
-      </p:sp>
-      <p:sp>
-        <p:nvSpPr>
-          <p:cNvPr id="8" name="TextBox 7"/>
-          <p:cNvSpPr txBox="1"/>
-          <p:nvPr/>
-        </p:nvSpPr>
-        <p:spPr>
-          <a:xfrm>
-            <a:off x="3981302" y="138482"/>
-            <a:ext cx="1166762" cy="307777"/>
-          </a:xfrm>
-          <a:prstGeom prst="rect">
-            <a:avLst/>
-          </a:prstGeom>
-          <a:noFill/>
-        </p:spPr>
-        <p:txBody>
-          <a:bodyPr wrap="square" rtlCol="0">
-            <a:spAutoFit/>
-          </a:bodyPr>
-          <a:lstStyle/>
-          <a:p>
-            <a:pPr algn="ctr"/>
-            <a:r>
-              <a:rPr lang="en-US" altLang="ko-KR" sz="1400" dirty="0">
-                <a:ln>
-                  <a:solidFill>
-                    <a:schemeClr val="tx1">
-                      <a:alpha val="30000"/>
-                    </a:schemeClr>
-                  </a:solidFill>
-                </a:ln>
-                <a:solidFill>
-                  <a:srgbClr val="272123"/>
-                </a:solidFill>
-                <a:latin typeface="Yoon 윤고딕 520_TT" pitchFamily="18" charset="-127"/>
-                <a:ea typeface="Yoon 윤고딕 520_TT" pitchFamily="18" charset="-127"/>
-              </a:rPr>
-              <a:t>Presentation</a:t>
-            </a:r>
-          </a:p>
-        </p:txBody>
-      </p:sp>
-      <p:sp>
-        <p:nvSpPr>
           <p:cNvPr id="15" name="갈매기형 수장 14"/>
           <p:cNvSpPr/>
           <p:nvPr/>
@@ -15918,7 +14757,7 @@
           <p:cNvPr id="25" name="TextBox 24">
             <a:extLst>
               <a:ext uri="{FF2B5EF4-FFF2-40B4-BE49-F238E27FC236}">
-                <a16:creationId xmlns:a16="http://schemas.microsoft.com/office/drawing/2014/main" id="{52A461B7-B030-4F56-85EF-33E68F5BDF20}"/>
+                <a16:creationId xmlns:a16="http://schemas.microsoft.com/office/drawing/2014/main" xmlns="" id="{52A461B7-B030-4F56-85EF-33E68F5BDF20}"/>
               </a:ext>
             </a:extLst>
           </p:cNvPr>
@@ -15984,7 +14823,7 @@
           <p:cNvPr id="20" name="직각 삼각형 19">
             <a:extLst>
               <a:ext uri="{FF2B5EF4-FFF2-40B4-BE49-F238E27FC236}">
-                <a16:creationId xmlns:a16="http://schemas.microsoft.com/office/drawing/2014/main" id="{251FFCAF-5699-41D7-8AF8-89296D130BB2}"/>
+                <a16:creationId xmlns:a16="http://schemas.microsoft.com/office/drawing/2014/main" xmlns="" id="{251FFCAF-5699-41D7-8AF8-89296D130BB2}"/>
               </a:ext>
             </a:extLst>
           </p:cNvPr>
@@ -16038,7 +14877,7 @@
           <p:cNvPr id="26" name="TextBox 25">
             <a:extLst>
               <a:ext uri="{FF2B5EF4-FFF2-40B4-BE49-F238E27FC236}">
-                <a16:creationId xmlns:a16="http://schemas.microsoft.com/office/drawing/2014/main" id="{66FBCFD8-1EED-41F1-AB67-38165883F23C}"/>
+                <a16:creationId xmlns:a16="http://schemas.microsoft.com/office/drawing/2014/main" xmlns="" id="{66FBCFD8-1EED-41F1-AB67-38165883F23C}"/>
               </a:ext>
             </a:extLst>
           </p:cNvPr>
@@ -16138,7 +14977,7 @@
           <p:cNvPr id="27" name="TextBox 26">
             <a:extLst>
               <a:ext uri="{FF2B5EF4-FFF2-40B4-BE49-F238E27FC236}">
-                <a16:creationId xmlns:a16="http://schemas.microsoft.com/office/drawing/2014/main" id="{D2956573-39C1-49EE-A326-37F415D4308B}"/>
+                <a16:creationId xmlns:a16="http://schemas.microsoft.com/office/drawing/2014/main" xmlns="" id="{D2956573-39C1-49EE-A326-37F415D4308B}"/>
               </a:ext>
             </a:extLst>
           </p:cNvPr>
@@ -16204,7 +15043,7 @@
           <p:cNvPr id="29" name="TextBox 28">
             <a:extLst>
               <a:ext uri="{FF2B5EF4-FFF2-40B4-BE49-F238E27FC236}">
-                <a16:creationId xmlns:a16="http://schemas.microsoft.com/office/drawing/2014/main" id="{78483953-F8BC-4C9E-B3F8-C5833CAB0FF1}"/>
+                <a16:creationId xmlns:a16="http://schemas.microsoft.com/office/drawing/2014/main" xmlns="" id="{78483953-F8BC-4C9E-B3F8-C5833CAB0FF1}"/>
               </a:ext>
             </a:extLst>
           </p:cNvPr>

--- a/Presentation/PPT템플릿_강의안.pptx
+++ b/Presentation/PPT템플릿_강의안.pptx
@@ -33,13 +33,13 @@
       <p:regular r:id="rId19"/>
     </p:embeddedFont>
     <p:embeddedFont>
-      <p:font typeface="맑은 고딕" panose="020B0503020000020004" pitchFamily="50" charset="-127"/>
+      <p:font typeface="Arial Rounded MT Bold" panose="020F0704030504030204" pitchFamily="34" charset="0"/>
       <p:regular r:id="rId20"/>
-      <p:bold r:id="rId21"/>
     </p:embeddedFont>
     <p:embeddedFont>
-      <p:font typeface="Arial Rounded MT Bold" panose="020F0704030504030204" pitchFamily="34" charset="0"/>
-      <p:regular r:id="rId22"/>
+      <p:font typeface="맑은 고딕" panose="020B0503020000020004" pitchFamily="50" charset="-127"/>
+      <p:regular r:id="rId21"/>
+      <p:bold r:id="rId22"/>
     </p:embeddedFont>
     <p:embeddedFont>
       <p:font typeface="a나무M" panose="02020600000000000000" pitchFamily="18" charset="-127"/>
@@ -246,7 +246,7 @@
           <a:p>
             <a:fld id="{6AE3A58A-1DA7-4E1E-BA57-A7C2BAF24869}" type="datetimeFigureOut">
               <a:rPr lang="ko-KR" altLang="en-US" smtClean="0"/>
-              <a:t>2017-11-05</a:t>
+              <a:t>2017-11-06</a:t>
             </a:fld>
             <a:endParaRPr lang="ko-KR" altLang="en-US"/>
           </a:p>
@@ -727,7 +727,11 @@
             </a:r>
             <a:r>
               <a:rPr lang="ko-KR" altLang="en-US" baseline="0" dirty="0"/>
-              <a:t>를 사용하였고 소스관리는 </a:t>
+              <a:t>를 사용하였고 </a:t>
+            </a:r>
+            <a:r>
+              <a:rPr lang="ko-KR" altLang="en-US" baseline="0" dirty="0" smtClean="0"/>
+              <a:t>소스관리를 위해 </a:t>
             </a:r>
             <a:r>
               <a:rPr lang="ko-KR" altLang="en-US" baseline="0" dirty="0" err="1"/>
@@ -883,6 +887,90 @@
 </p:notes>
 </file>
 
+<file path=ppt/notesSlides/notesSlide12.xml><?xml version="1.0" encoding="utf-8"?>
+<p:notes xmlns:a="http://schemas.openxmlformats.org/drawingml/2006/main" xmlns:r="http://schemas.openxmlformats.org/officeDocument/2006/relationships" xmlns:p="http://schemas.openxmlformats.org/presentationml/2006/main">
+  <p:cSld>
+    <p:spTree>
+      <p:nvGrpSpPr>
+        <p:cNvPr id="1" name=""/>
+        <p:cNvGrpSpPr/>
+        <p:nvPr/>
+      </p:nvGrpSpPr>
+      <p:grpSpPr>
+        <a:xfrm>
+          <a:off x="0" y="0"/>
+          <a:ext cx="0" cy="0"/>
+          <a:chOff x="0" y="0"/>
+          <a:chExt cx="0" cy="0"/>
+        </a:xfrm>
+      </p:grpSpPr>
+      <p:sp>
+        <p:nvSpPr>
+          <p:cNvPr id="2" name="슬라이드 이미지 개체 틀 1"/>
+          <p:cNvSpPr>
+            <a:spLocks noGrp="1" noRot="1" noChangeAspect="1"/>
+          </p:cNvSpPr>
+          <p:nvPr>
+            <p:ph type="sldImg"/>
+          </p:nvPr>
+        </p:nvSpPr>
+        <p:spPr/>
+      </p:sp>
+      <p:sp>
+        <p:nvSpPr>
+          <p:cNvPr id="3" name="슬라이드 노트 개체 틀 2"/>
+          <p:cNvSpPr>
+            <a:spLocks noGrp="1"/>
+          </p:cNvSpPr>
+          <p:nvPr>
+            <p:ph type="body" idx="1"/>
+          </p:nvPr>
+        </p:nvSpPr>
+        <p:spPr/>
+        <p:txBody>
+          <a:bodyPr/>
+          <a:lstStyle/>
+          <a:p>
+            <a:endParaRPr lang="ko-KR" altLang="en-US" dirty="0"/>
+          </a:p>
+        </p:txBody>
+      </p:sp>
+      <p:sp>
+        <p:nvSpPr>
+          <p:cNvPr id="4" name="슬라이드 번호 개체 틀 3"/>
+          <p:cNvSpPr>
+            <a:spLocks noGrp="1"/>
+          </p:cNvSpPr>
+          <p:nvPr>
+            <p:ph type="sldNum" sz="quarter" idx="10"/>
+          </p:nvPr>
+        </p:nvSpPr>
+        <p:spPr/>
+        <p:txBody>
+          <a:bodyPr/>
+          <a:lstStyle/>
+          <a:p>
+            <a:fld id="{7836B500-0E9A-4C3D-AD01-F9646790B2D2}" type="slidenum">
+              <a:rPr lang="ko-KR" altLang="en-US" smtClean="0"/>
+              <a:t>16</a:t>
+            </a:fld>
+            <a:endParaRPr lang="ko-KR" altLang="en-US"/>
+          </a:p>
+        </p:txBody>
+      </p:sp>
+    </p:spTree>
+    <p:extLst>
+      <p:ext uri="{BB962C8B-B14F-4D97-AF65-F5344CB8AC3E}">
+        <p14:creationId xmlns:p14="http://schemas.microsoft.com/office/powerpoint/2010/main" val="727480994"/>
+      </p:ext>
+    </p:extLst>
+  </p:cSld>
+  <p:clrMapOvr>
+    <a:masterClrMapping/>
+  </p:clrMapOvr>
+</p:notes>
+</file>
+
 <file path=ppt/notesSlides/notesSlide2.xml><?xml version="1.0" encoding="utf-8"?>
 <p:notes xmlns:a="http://schemas.openxmlformats.org/drawingml/2006/main" xmlns:r="http://schemas.openxmlformats.org/officeDocument/2006/relationships" xmlns:p="http://schemas.openxmlformats.org/presentationml/2006/main">
   <p:cSld>
@@ -1077,7 +1165,19 @@
             </a:r>
             <a:r>
               <a:rPr lang="ko-KR" altLang="en-US" baseline="0" dirty="0"/>
-              <a:t> 우리는 기존의 </a:t>
+              <a:t> </a:t>
+            </a:r>
+            <a:r>
+              <a:rPr lang="ko-KR" altLang="en-US" baseline="0" dirty="0" err="1" smtClean="0"/>
+              <a:t>레주메에</a:t>
+            </a:r>
+            <a:r>
+              <a:rPr lang="ko-KR" altLang="en-US" baseline="0" dirty="0" smtClean="0"/>
+              <a:t> 대하여 생각하게 되었고 우리는 </a:t>
+            </a:r>
+            <a:r>
+              <a:rPr lang="ko-KR" altLang="en-US" baseline="0" dirty="0"/>
+              <a:t>기존의 </a:t>
             </a:r>
             <a:r>
               <a:rPr lang="ko-KR" altLang="en-US" baseline="0" dirty="0" err="1"/>
@@ -2123,7 +2223,7 @@
           <a:p>
             <a:fld id="{3A302466-FE76-40E8-BE5D-598A609EDD2B}" type="datetimeFigureOut">
               <a:rPr lang="ko-KR" altLang="en-US" smtClean="0"/>
-              <a:t>2017-11-05</a:t>
+              <a:t>2017-11-06</a:t>
             </a:fld>
             <a:endParaRPr lang="ko-KR" altLang="en-US"/>
           </a:p>
@@ -2291,7 +2391,7 @@
           <a:p>
             <a:fld id="{3A302466-FE76-40E8-BE5D-598A609EDD2B}" type="datetimeFigureOut">
               <a:rPr lang="ko-KR" altLang="en-US" smtClean="0"/>
-              <a:t>2017-11-05</a:t>
+              <a:t>2017-11-06</a:t>
             </a:fld>
             <a:endParaRPr lang="ko-KR" altLang="en-US"/>
           </a:p>
@@ -2469,7 +2569,7 @@
           <a:p>
             <a:fld id="{3A302466-FE76-40E8-BE5D-598A609EDD2B}" type="datetimeFigureOut">
               <a:rPr lang="ko-KR" altLang="en-US" smtClean="0"/>
-              <a:t>2017-11-05</a:t>
+              <a:t>2017-11-06</a:t>
             </a:fld>
             <a:endParaRPr lang="ko-KR" altLang="en-US"/>
           </a:p>
@@ -2637,7 +2737,7 @@
           <a:p>
             <a:fld id="{3A302466-FE76-40E8-BE5D-598A609EDD2B}" type="datetimeFigureOut">
               <a:rPr lang="ko-KR" altLang="en-US" smtClean="0"/>
-              <a:t>2017-11-05</a:t>
+              <a:t>2017-11-06</a:t>
             </a:fld>
             <a:endParaRPr lang="ko-KR" altLang="en-US"/>
           </a:p>
@@ -2882,7 +2982,7 @@
           <a:p>
             <a:fld id="{3A302466-FE76-40E8-BE5D-598A609EDD2B}" type="datetimeFigureOut">
               <a:rPr lang="ko-KR" altLang="en-US" smtClean="0"/>
-              <a:t>2017-11-05</a:t>
+              <a:t>2017-11-06</a:t>
             </a:fld>
             <a:endParaRPr lang="ko-KR" altLang="en-US"/>
           </a:p>
@@ -3167,7 +3267,7 @@
           <a:p>
             <a:fld id="{3A302466-FE76-40E8-BE5D-598A609EDD2B}" type="datetimeFigureOut">
               <a:rPr lang="ko-KR" altLang="en-US" smtClean="0"/>
-              <a:t>2017-11-05</a:t>
+              <a:t>2017-11-06</a:t>
             </a:fld>
             <a:endParaRPr lang="ko-KR" altLang="en-US"/>
           </a:p>
@@ -3586,7 +3686,7 @@
           <a:p>
             <a:fld id="{3A302466-FE76-40E8-BE5D-598A609EDD2B}" type="datetimeFigureOut">
               <a:rPr lang="ko-KR" altLang="en-US" smtClean="0"/>
-              <a:t>2017-11-05</a:t>
+              <a:t>2017-11-06</a:t>
             </a:fld>
             <a:endParaRPr lang="ko-KR" altLang="en-US"/>
           </a:p>
@@ -3703,7 +3803,7 @@
           <a:p>
             <a:fld id="{3A302466-FE76-40E8-BE5D-598A609EDD2B}" type="datetimeFigureOut">
               <a:rPr lang="ko-KR" altLang="en-US" smtClean="0"/>
-              <a:t>2017-11-05</a:t>
+              <a:t>2017-11-06</a:t>
             </a:fld>
             <a:endParaRPr lang="ko-KR" altLang="en-US"/>
           </a:p>
@@ -3798,7 +3898,7 @@
           <a:p>
             <a:fld id="{3A302466-FE76-40E8-BE5D-598A609EDD2B}" type="datetimeFigureOut">
               <a:rPr lang="ko-KR" altLang="en-US" smtClean="0"/>
-              <a:t>2017-11-05</a:t>
+              <a:t>2017-11-06</a:t>
             </a:fld>
             <a:endParaRPr lang="ko-KR" altLang="en-US"/>
           </a:p>
@@ -4073,7 +4173,7 @@
           <a:p>
             <a:fld id="{3A302466-FE76-40E8-BE5D-598A609EDD2B}" type="datetimeFigureOut">
               <a:rPr lang="ko-KR" altLang="en-US" smtClean="0"/>
-              <a:t>2017-11-05</a:t>
+              <a:t>2017-11-06</a:t>
             </a:fld>
             <a:endParaRPr lang="ko-KR" altLang="en-US"/>
           </a:p>
@@ -4325,7 +4425,7 @@
           <a:p>
             <a:fld id="{3A302466-FE76-40E8-BE5D-598A609EDD2B}" type="datetimeFigureOut">
               <a:rPr lang="ko-KR" altLang="en-US" smtClean="0"/>
-              <a:t>2017-11-05</a:t>
+              <a:t>2017-11-06</a:t>
             </a:fld>
             <a:endParaRPr lang="ko-KR" altLang="en-US"/>
           </a:p>
@@ -4536,7 +4636,7 @@
           <a:p>
             <a:fld id="{3A302466-FE76-40E8-BE5D-598A609EDD2B}" type="datetimeFigureOut">
               <a:rPr lang="ko-KR" altLang="en-US" smtClean="0"/>
-              <a:t>2017-11-05</a:t>
+              <a:t>2017-11-06</a:t>
             </a:fld>
             <a:endParaRPr lang="ko-KR" altLang="en-US"/>
           </a:p>
@@ -5177,6 +5277,13 @@
       </p:transition>
     </mc:Fallback>
   </mc:AlternateContent>
+  <p:timing>
+    <p:tnLst>
+      <p:par>
+        <p:cTn id="1" dur="indefinite" restart="never" nodeType="tmRoot"/>
+      </p:par>
+    </p:tnLst>
+  </p:timing>
 </p:sld>
 </file>
 
@@ -5351,6 +5458,13 @@
       </p:transition>
     </mc:Fallback>
   </mc:AlternateContent>
+  <p:timing>
+    <p:tnLst>
+      <p:par>
+        <p:cTn id="1" dur="indefinite" restart="never" nodeType="tmRoot"/>
+      </p:par>
+    </p:tnLst>
+  </p:timing>
 </p:sld>
 </file>
 
@@ -6331,6 +6445,13 @@
       </p:transition>
     </mc:Fallback>
   </mc:AlternateContent>
+  <p:timing>
+    <p:tnLst>
+      <p:par>
+        <p:cTn id="1" dur="indefinite" restart="never" nodeType="tmRoot"/>
+      </p:par>
+    </p:tnLst>
+  </p:timing>
 </p:sld>
 </file>
 
@@ -6356,7 +6477,7 @@
           <p:cNvPr id="19" name="직사각형 18">
             <a:extLst>
               <a:ext uri="{FF2B5EF4-FFF2-40B4-BE49-F238E27FC236}">
-                <a16:creationId xmlns:a16="http://schemas.microsoft.com/office/drawing/2014/main" xmlns="" id="{58D954D3-461C-438E-9754-46286CAE6BF9}"/>
+                <a16:creationId xmlns="" xmlns:a16="http://schemas.microsoft.com/office/drawing/2014/main" id="{58D954D3-461C-438E-9754-46286CAE6BF9}"/>
               </a:ext>
             </a:extLst>
           </p:cNvPr>
@@ -6705,7 +6826,7 @@
           <p:cNvPr id="41" name="직사각형 40">
             <a:extLst>
               <a:ext uri="{FF2B5EF4-FFF2-40B4-BE49-F238E27FC236}">
-                <a16:creationId xmlns:a16="http://schemas.microsoft.com/office/drawing/2014/main" xmlns="" id="{8D6AA74C-87A9-471C-8752-C44FFEBD67EC}"/>
+                <a16:creationId xmlns="" xmlns:a16="http://schemas.microsoft.com/office/drawing/2014/main" id="{8D6AA74C-87A9-471C-8752-C44FFEBD67EC}"/>
               </a:ext>
             </a:extLst>
           </p:cNvPr>
@@ -6771,7 +6892,7 @@
           <p:cNvPr id="42" name="Picture 6" descr="jspservlet에 대한 이미지 검색결과">
             <a:extLst>
               <a:ext uri="{FF2B5EF4-FFF2-40B4-BE49-F238E27FC236}">
-                <a16:creationId xmlns:a16="http://schemas.microsoft.com/office/drawing/2014/main" xmlns="" id="{55ED18B1-42B3-4463-80FA-A9C17F7764AA}"/>
+                <a16:creationId xmlns="" xmlns:a16="http://schemas.microsoft.com/office/drawing/2014/main" id="{55ED18B1-42B3-4463-80FA-A9C17F7764AA}"/>
               </a:ext>
             </a:extLst>
           </p:cNvPr>
@@ -6818,7 +6939,7 @@
           <p:cNvPr id="43" name="Picture 8" descr="eclipse에 대한 이미지 검색결과">
             <a:extLst>
               <a:ext uri="{FF2B5EF4-FFF2-40B4-BE49-F238E27FC236}">
-                <a16:creationId xmlns:a16="http://schemas.microsoft.com/office/drawing/2014/main" xmlns="" id="{7FC2A2FA-5A83-4426-BD58-33CCD026613F}"/>
+                <a16:creationId xmlns="" xmlns:a16="http://schemas.microsoft.com/office/drawing/2014/main" id="{7FC2A2FA-5A83-4426-BD58-33CCD026613F}"/>
               </a:ext>
             </a:extLst>
           </p:cNvPr>
@@ -6897,7 +7018,7 @@
           <p:cNvPr id="44" name="Picture 10" descr="html css js에 대한 이미지 검색결과">
             <a:extLst>
               <a:ext uri="{FF2B5EF4-FFF2-40B4-BE49-F238E27FC236}">
-                <a16:creationId xmlns:a16="http://schemas.microsoft.com/office/drawing/2014/main" xmlns="" id="{B6033F8A-F870-4FBB-994A-1B75EE250247}"/>
+                <a16:creationId xmlns="" xmlns:a16="http://schemas.microsoft.com/office/drawing/2014/main" id="{B6033F8A-F870-4FBB-994A-1B75EE250247}"/>
               </a:ext>
             </a:extLst>
           </p:cNvPr>
@@ -6944,7 +7065,7 @@
           <p:cNvPr id="45" name="Picture 12" descr="github에 대한 이미지 검색결과">
             <a:extLst>
               <a:ext uri="{FF2B5EF4-FFF2-40B4-BE49-F238E27FC236}">
-                <a16:creationId xmlns:a16="http://schemas.microsoft.com/office/drawing/2014/main" xmlns="" id="{220F0688-BA24-437C-BCDD-30ED576B87DB}"/>
+                <a16:creationId xmlns="" xmlns:a16="http://schemas.microsoft.com/office/drawing/2014/main" id="{220F0688-BA24-437C-BCDD-30ED576B87DB}"/>
               </a:ext>
             </a:extLst>
           </p:cNvPr>
@@ -6991,7 +7112,7 @@
           <p:cNvPr id="20" name="직각 삼각형 19">
             <a:extLst>
               <a:ext uri="{FF2B5EF4-FFF2-40B4-BE49-F238E27FC236}">
-                <a16:creationId xmlns:a16="http://schemas.microsoft.com/office/drawing/2014/main" xmlns="" id="{FE7F7A07-E6A9-4BD5-8526-A4484549E0BE}"/>
+                <a16:creationId xmlns="" xmlns:a16="http://schemas.microsoft.com/office/drawing/2014/main" id="{FE7F7A07-E6A9-4BD5-8526-A4484549E0BE}"/>
               </a:ext>
             </a:extLst>
           </p:cNvPr>
@@ -8341,7 +8462,7 @@
           <p:cNvPr id="33" name="TextBox 32">
             <a:extLst>
               <a:ext uri="{FF2B5EF4-FFF2-40B4-BE49-F238E27FC236}">
-                <a16:creationId xmlns:a16="http://schemas.microsoft.com/office/drawing/2014/main" xmlns="" id="{D87D4CB2-3A4C-4635-A191-39A46EF16330}"/>
+                <a16:creationId xmlns="" xmlns:a16="http://schemas.microsoft.com/office/drawing/2014/main" id="{D87D4CB2-3A4C-4635-A191-39A46EF16330}"/>
               </a:ext>
             </a:extLst>
           </p:cNvPr>
@@ -8407,7 +8528,7 @@
           <p:cNvPr id="35" name="TextBox 34">
             <a:extLst>
               <a:ext uri="{FF2B5EF4-FFF2-40B4-BE49-F238E27FC236}">
-                <a16:creationId xmlns:a16="http://schemas.microsoft.com/office/drawing/2014/main" xmlns="" id="{6CB00898-23B1-4A00-B08D-ACDB75603100}"/>
+                <a16:creationId xmlns="" xmlns:a16="http://schemas.microsoft.com/office/drawing/2014/main" id="{6CB00898-23B1-4A00-B08D-ACDB75603100}"/>
               </a:ext>
             </a:extLst>
           </p:cNvPr>
@@ -8557,7 +8678,7 @@
           <p:cNvPr id="34" name="TextBox 33">
             <a:extLst>
               <a:ext uri="{FF2B5EF4-FFF2-40B4-BE49-F238E27FC236}">
-                <a16:creationId xmlns:a16="http://schemas.microsoft.com/office/drawing/2014/main" xmlns="" id="{3A723592-21B7-4008-AE5B-1F4385596E38}"/>
+                <a16:creationId xmlns="" xmlns:a16="http://schemas.microsoft.com/office/drawing/2014/main" id="{3A723592-21B7-4008-AE5B-1F4385596E38}"/>
               </a:ext>
             </a:extLst>
           </p:cNvPr>
@@ -8775,6 +8896,13 @@
       </p:transition>
     </mc:Fallback>
   </mc:AlternateContent>
+  <p:timing>
+    <p:tnLst>
+      <p:par>
+        <p:cTn id="1" dur="indefinite" restart="never" nodeType="tmRoot"/>
+      </p:par>
+    </p:tnLst>
+  </p:timing>
 </p:sld>
 </file>
 
@@ -9247,7 +9375,7 @@
           <p:cNvPr id="2" name="직사각형 1">
             <a:extLst>
               <a:ext uri="{FF2B5EF4-FFF2-40B4-BE49-F238E27FC236}">
-                <a16:creationId xmlns:a16="http://schemas.microsoft.com/office/drawing/2014/main" xmlns="" id="{0D752438-F573-4591-9665-C4A3E1CF6350}"/>
+                <a16:creationId xmlns="" xmlns:a16="http://schemas.microsoft.com/office/drawing/2014/main" id="{0D752438-F573-4591-9665-C4A3E1CF6350}"/>
               </a:ext>
             </a:extLst>
           </p:cNvPr>
@@ -9321,6 +9449,13 @@
       </p:transition>
     </mc:Fallback>
   </mc:AlternateContent>
+  <p:timing>
+    <p:tnLst>
+      <p:par>
+        <p:cTn id="1" dur="indefinite" restart="never" nodeType="tmRoot"/>
+      </p:par>
+    </p:tnLst>
+  </p:timing>
 </p:sld>
 </file>
 
@@ -9810,7 +9945,7 @@
           <p:cNvPr id="2" name="직사각형 1">
             <a:extLst>
               <a:ext uri="{FF2B5EF4-FFF2-40B4-BE49-F238E27FC236}">
-                <a16:creationId xmlns:a16="http://schemas.microsoft.com/office/drawing/2014/main" xmlns="" id="{0D752438-F573-4591-9665-C4A3E1CF6350}"/>
+                <a16:creationId xmlns="" xmlns:a16="http://schemas.microsoft.com/office/drawing/2014/main" id="{0D752438-F573-4591-9665-C4A3E1CF6350}"/>
               </a:ext>
             </a:extLst>
           </p:cNvPr>
@@ -9884,6 +10019,13 @@
       </p:transition>
     </mc:Fallback>
   </mc:AlternateContent>
+  <p:timing>
+    <p:tnLst>
+      <p:par>
+        <p:cTn id="1" dur="indefinite" restart="never" nodeType="tmRoot"/>
+      </p:par>
+    </p:tnLst>
+  </p:timing>
 </p:sld>
 </file>
 
@@ -10058,6 +10200,13 @@
       </p:transition>
     </mc:Fallback>
   </mc:AlternateContent>
+  <p:timing>
+    <p:tnLst>
+      <p:par>
+        <p:cTn id="1" dur="indefinite" restart="never" nodeType="tmRoot"/>
+      </p:par>
+    </p:tnLst>
+  </p:timing>
 </p:sld>
 </file>
 
@@ -10466,6 +10615,13 @@
       </p:transition>
     </mc:Fallback>
   </mc:AlternateContent>
+  <p:timing>
+    <p:tnLst>
+      <p:par>
+        <p:cTn id="1" dur="indefinite" restart="never" nodeType="tmRoot"/>
+      </p:par>
+    </p:tnLst>
+  </p:timing>
 </p:sld>
 </file>
 
@@ -10648,18 +10804,25 @@
   <p:clrMapOvr>
     <a:masterClrMapping/>
   </p:clrMapOvr>
-  <mc:AlternateContent xmlns:mc="http://schemas.openxmlformats.org/markup-compatibility/2006" xmlns:p14="http://schemas.microsoft.com/office/powerpoint/2010/main">
-    <mc:Choice Requires="p14">
-      <p:transition spd="med" p14:dur="700">
-        <p:fade/>
+  <mc:AlternateContent xmlns:mc="http://schemas.openxmlformats.org/markup-compatibility/2006">
+    <mc:Choice xmlns:p14="http://schemas.microsoft.com/office/powerpoint/2010/main" Requires="p14">
+      <p:transition spd="slow" p14:dur="1300">
+        <p14:pan dir="u"/>
       </p:transition>
     </mc:Choice>
-    <mc:Fallback xmlns="">
-      <p:transition spd="med">
+    <mc:Fallback>
+      <p:transition spd="slow">
         <p:fade/>
       </p:transition>
     </mc:Fallback>
   </mc:AlternateContent>
+  <p:timing>
+    <p:tnLst>
+      <p:par>
+        <p:cTn id="1" dur="indefinite" restart="never" nodeType="tmRoot"/>
+      </p:par>
+    </p:tnLst>
+  </p:timing>
 </p:sld>
 </file>
 
@@ -10861,7 +11024,7 @@
         <p:spPr>
           <a:xfrm>
             <a:off x="2540019" y="3482424"/>
-            <a:ext cx="4063960" cy="738664"/>
+            <a:ext cx="4063960" cy="307777"/>
           </a:xfrm>
           <a:prstGeom prst="rect">
             <a:avLst/>
@@ -10876,7 +11039,7 @@
           <a:p>
             <a:pPr algn="ctr"/>
             <a:r>
-              <a:rPr lang="ko-KR" altLang="en-US" sz="1400" dirty="0">
+              <a:rPr lang="ko-KR" altLang="en-US" sz="1400" dirty="0" smtClean="0">
                 <a:ln>
                   <a:solidFill>
                     <a:schemeClr val="tx1">
@@ -10890,10 +11053,10 @@
                 <a:latin typeface="a나무M" panose="02020600000000000000" pitchFamily="18" charset="-127"/>
                 <a:ea typeface="a나무M" panose="02020600000000000000" pitchFamily="18" charset="-127"/>
               </a:rPr>
-              <a:t>더 쉽게 못 쓸까</a:t>
-            </a:r>
-            <a:r>
-              <a:rPr lang="en-US" altLang="ko-KR" sz="1400" dirty="0">
+              <a:t>학생 </a:t>
+            </a:r>
+            <a:r>
+              <a:rPr lang="en-US" altLang="ko-KR" sz="1400" dirty="0" smtClean="0">
                 <a:ln>
                   <a:solidFill>
                     <a:schemeClr val="tx1">
@@ -10907,13 +11070,10 @@
                 <a:latin typeface="a나무M" panose="02020600000000000000" pitchFamily="18" charset="-127"/>
                 <a:ea typeface="a나무M" panose="02020600000000000000" pitchFamily="18" charset="-127"/>
               </a:rPr>
-              <a:t>?</a:t>
-            </a:r>
-          </a:p>
-          <a:p>
-            <a:pPr algn="ctr"/>
-            <a:r>
-              <a:rPr lang="ko-KR" altLang="en-US" sz="1400" dirty="0">
+              <a:t>: </a:t>
+            </a:r>
+            <a:r>
+              <a:rPr lang="ko-KR" altLang="en-US" sz="1400" dirty="0" smtClean="0">
                 <a:ln>
                   <a:solidFill>
                     <a:schemeClr val="tx1">
@@ -10927,10 +11087,10 @@
                 <a:latin typeface="a나무M" panose="02020600000000000000" pitchFamily="18" charset="-127"/>
                 <a:ea typeface="a나무M" panose="02020600000000000000" pitchFamily="18" charset="-127"/>
               </a:rPr>
-              <a:t>원하는 인재를 어떻게 더 빨리 찾을 수 있을까</a:t>
-            </a:r>
-            <a:r>
-              <a:rPr lang="en-US" altLang="ko-KR" sz="1400" dirty="0">
+              <a:t>더 </a:t>
+            </a:r>
+            <a:r>
+              <a:rPr lang="ko-KR" altLang="en-US" sz="1400" dirty="0">
                 <a:ln>
                   <a:solidFill>
                     <a:schemeClr val="tx1">
@@ -10944,13 +11104,10 @@
                 <a:latin typeface="a나무M" panose="02020600000000000000" pitchFamily="18" charset="-127"/>
                 <a:ea typeface="a나무M" panose="02020600000000000000" pitchFamily="18" charset="-127"/>
               </a:rPr>
-              <a:t>?</a:t>
-            </a:r>
-          </a:p>
-          <a:p>
-            <a:pPr algn="ctr"/>
-            <a:r>
-              <a:rPr lang="ko-KR" altLang="en-US" sz="1400" dirty="0">
+              <a:t>쉽게 못 </a:t>
+            </a:r>
+            <a:r>
+              <a:rPr lang="ko-KR" altLang="en-US" sz="1400" dirty="0" smtClean="0">
                 <a:ln>
                   <a:solidFill>
                     <a:schemeClr val="tx1">
@@ -10964,10 +11121,10 @@
                 <a:latin typeface="a나무M" panose="02020600000000000000" pitchFamily="18" charset="-127"/>
                 <a:ea typeface="a나무M" panose="02020600000000000000" pitchFamily="18" charset="-127"/>
               </a:rPr>
-              <a:t>어떻게 하면 학교홍보를 더 잘할 수 있을까</a:t>
-            </a:r>
-            <a:r>
-              <a:rPr lang="en-US" altLang="ko-KR" sz="1400" dirty="0">
+              <a:t>쓸까</a:t>
+            </a:r>
+            <a:r>
+              <a:rPr lang="en-US" altLang="ko-KR" sz="1400" dirty="0" smtClean="0">
                 <a:ln>
                   <a:solidFill>
                     <a:schemeClr val="tx1">
@@ -11443,6 +11600,239 @@
               </a:rPr>
               <a:t>03</a:t>
             </a:r>
+          </a:p>
+        </p:txBody>
+      </p:sp>
+      <p:sp>
+        <p:nvSpPr>
+          <p:cNvPr id="16" name="TextBox 15"/>
+          <p:cNvSpPr txBox="1"/>
+          <p:nvPr/>
+        </p:nvSpPr>
+        <p:spPr>
+          <a:xfrm>
+            <a:off x="2637556" y="3743738"/>
+            <a:ext cx="4063960" cy="307777"/>
+          </a:xfrm>
+          <a:prstGeom prst="rect">
+            <a:avLst/>
+          </a:prstGeom>
+          <a:noFill/>
+        </p:spPr>
+        <p:txBody>
+          <a:bodyPr wrap="square" rtlCol="0">
+            <a:spAutoFit/>
+          </a:bodyPr>
+          <a:lstStyle/>
+          <a:p>
+            <a:pPr algn="ctr"/>
+            <a:r>
+              <a:rPr lang="ko-KR" altLang="en-US" sz="1400" dirty="0" smtClean="0">
+                <a:ln>
+                  <a:solidFill>
+                    <a:schemeClr val="tx1">
+                      <a:alpha val="30000"/>
+                    </a:schemeClr>
+                  </a:solidFill>
+                </a:ln>
+                <a:solidFill>
+                  <a:srgbClr val="272123"/>
+                </a:solidFill>
+                <a:latin typeface="a나무M" panose="02020600000000000000" pitchFamily="18" charset="-127"/>
+                <a:ea typeface="a나무M" panose="02020600000000000000" pitchFamily="18" charset="-127"/>
+              </a:rPr>
+              <a:t>회사 </a:t>
+            </a:r>
+            <a:r>
+              <a:rPr lang="en-US" altLang="ko-KR" sz="1400" dirty="0" smtClean="0">
+                <a:ln>
+                  <a:solidFill>
+                    <a:schemeClr val="tx1">
+                      <a:alpha val="30000"/>
+                    </a:schemeClr>
+                  </a:solidFill>
+                </a:ln>
+                <a:solidFill>
+                  <a:srgbClr val="272123"/>
+                </a:solidFill>
+                <a:latin typeface="a나무M" panose="02020600000000000000" pitchFamily="18" charset="-127"/>
+                <a:ea typeface="a나무M" panose="02020600000000000000" pitchFamily="18" charset="-127"/>
+              </a:rPr>
+              <a:t>: </a:t>
+            </a:r>
+            <a:r>
+              <a:rPr lang="ko-KR" altLang="en-US" sz="1400" dirty="0" smtClean="0">
+                <a:ln>
+                  <a:solidFill>
+                    <a:schemeClr val="tx1">
+                      <a:alpha val="30000"/>
+                    </a:schemeClr>
+                  </a:solidFill>
+                </a:ln>
+                <a:solidFill>
+                  <a:srgbClr val="272123"/>
+                </a:solidFill>
+                <a:latin typeface="a나무M" panose="02020600000000000000" pitchFamily="18" charset="-127"/>
+                <a:ea typeface="a나무M" panose="02020600000000000000" pitchFamily="18" charset="-127"/>
+              </a:rPr>
+              <a:t>원하는 </a:t>
+            </a:r>
+            <a:r>
+              <a:rPr lang="ko-KR" altLang="en-US" sz="1400" dirty="0">
+                <a:ln>
+                  <a:solidFill>
+                    <a:schemeClr val="tx1">
+                      <a:alpha val="30000"/>
+                    </a:schemeClr>
+                  </a:solidFill>
+                </a:ln>
+                <a:solidFill>
+                  <a:srgbClr val="272123"/>
+                </a:solidFill>
+                <a:latin typeface="a나무M" panose="02020600000000000000" pitchFamily="18" charset="-127"/>
+                <a:ea typeface="a나무M" panose="02020600000000000000" pitchFamily="18" charset="-127"/>
+              </a:rPr>
+              <a:t>인재를 어떻게 더 빨리 찾을 수 있을까</a:t>
+            </a:r>
+            <a:r>
+              <a:rPr lang="en-US" altLang="ko-KR" sz="1400" dirty="0" smtClean="0">
+                <a:ln>
+                  <a:solidFill>
+                    <a:schemeClr val="tx1">
+                      <a:alpha val="30000"/>
+                    </a:schemeClr>
+                  </a:solidFill>
+                </a:ln>
+                <a:solidFill>
+                  <a:srgbClr val="272123"/>
+                </a:solidFill>
+                <a:latin typeface="a나무M" panose="02020600000000000000" pitchFamily="18" charset="-127"/>
+                <a:ea typeface="a나무M" panose="02020600000000000000" pitchFamily="18" charset="-127"/>
+              </a:rPr>
+              <a:t>?</a:t>
+            </a:r>
+            <a:endParaRPr lang="en-US" altLang="ko-KR" sz="1400" dirty="0">
+              <a:ln>
+                <a:solidFill>
+                  <a:schemeClr val="tx1">
+                    <a:alpha val="30000"/>
+                  </a:schemeClr>
+                </a:solidFill>
+              </a:ln>
+              <a:solidFill>
+                <a:srgbClr val="272123"/>
+              </a:solidFill>
+              <a:latin typeface="a나무M" panose="02020600000000000000" pitchFamily="18" charset="-127"/>
+              <a:ea typeface="a나무M" panose="02020600000000000000" pitchFamily="18" charset="-127"/>
+            </a:endParaRPr>
+          </a:p>
+        </p:txBody>
+      </p:sp>
+      <p:sp>
+        <p:nvSpPr>
+          <p:cNvPr id="18" name="TextBox 17"/>
+          <p:cNvSpPr txBox="1"/>
+          <p:nvPr/>
+        </p:nvSpPr>
+        <p:spPr>
+          <a:xfrm>
+            <a:off x="2617709" y="4042211"/>
+            <a:ext cx="4063960" cy="307777"/>
+          </a:xfrm>
+          <a:prstGeom prst="rect">
+            <a:avLst/>
+          </a:prstGeom>
+          <a:noFill/>
+        </p:spPr>
+        <p:txBody>
+          <a:bodyPr wrap="square" rtlCol="0">
+            <a:spAutoFit/>
+          </a:bodyPr>
+          <a:lstStyle/>
+          <a:p>
+            <a:pPr algn="ctr"/>
+            <a:r>
+              <a:rPr lang="ko-KR" altLang="en-US" sz="1400" dirty="0" smtClean="0">
+                <a:ln>
+                  <a:solidFill>
+                    <a:schemeClr val="tx1">
+                      <a:alpha val="30000"/>
+                    </a:schemeClr>
+                  </a:solidFill>
+                </a:ln>
+                <a:solidFill>
+                  <a:srgbClr val="272123"/>
+                </a:solidFill>
+                <a:latin typeface="a나무M" panose="02020600000000000000" pitchFamily="18" charset="-127"/>
+                <a:ea typeface="a나무M" panose="02020600000000000000" pitchFamily="18" charset="-127"/>
+              </a:rPr>
+              <a:t>학교 </a:t>
+            </a:r>
+            <a:r>
+              <a:rPr lang="en-US" altLang="ko-KR" sz="1400" dirty="0" smtClean="0">
+                <a:ln>
+                  <a:solidFill>
+                    <a:schemeClr val="tx1">
+                      <a:alpha val="30000"/>
+                    </a:schemeClr>
+                  </a:solidFill>
+                </a:ln>
+                <a:solidFill>
+                  <a:srgbClr val="272123"/>
+                </a:solidFill>
+                <a:latin typeface="a나무M" panose="02020600000000000000" pitchFamily="18" charset="-127"/>
+                <a:ea typeface="a나무M" panose="02020600000000000000" pitchFamily="18" charset="-127"/>
+              </a:rPr>
+              <a:t>: </a:t>
+            </a:r>
+            <a:r>
+              <a:rPr lang="ko-KR" altLang="en-US" sz="1400" dirty="0" smtClean="0">
+                <a:ln>
+                  <a:solidFill>
+                    <a:schemeClr val="tx1">
+                      <a:alpha val="30000"/>
+                    </a:schemeClr>
+                  </a:solidFill>
+                </a:ln>
+                <a:solidFill>
+                  <a:srgbClr val="272123"/>
+                </a:solidFill>
+                <a:latin typeface="a나무M" panose="02020600000000000000" pitchFamily="18" charset="-127"/>
+                <a:ea typeface="a나무M" panose="02020600000000000000" pitchFamily="18" charset="-127"/>
+              </a:rPr>
+              <a:t>어떻게 하면 학교홍보를 더 잘할 수 있을까</a:t>
+            </a:r>
+            <a:r>
+              <a:rPr lang="en-US" altLang="ko-KR" sz="1400" dirty="0" smtClean="0">
+                <a:ln>
+                  <a:solidFill>
+                    <a:schemeClr val="tx1">
+                      <a:alpha val="30000"/>
+                    </a:schemeClr>
+                  </a:solidFill>
+                </a:ln>
+                <a:solidFill>
+                  <a:srgbClr val="272123"/>
+                </a:solidFill>
+                <a:latin typeface="a나무M" panose="02020600000000000000" pitchFamily="18" charset="-127"/>
+                <a:ea typeface="a나무M" panose="02020600000000000000" pitchFamily="18" charset="-127"/>
+              </a:rPr>
+              <a:t>?</a:t>
+            </a:r>
+            <a:endParaRPr lang="en-US" altLang="ko-KR" sz="1400" dirty="0">
+              <a:ln>
+                <a:solidFill>
+                  <a:schemeClr val="tx1">
+                    <a:alpha val="30000"/>
+                  </a:schemeClr>
+                </a:solidFill>
+              </a:ln>
+              <a:solidFill>
+                <a:srgbClr val="272123"/>
+              </a:solidFill>
+              <a:latin typeface="a나무M" panose="02020600000000000000" pitchFamily="18" charset="-127"/>
+              <a:ea typeface="a나무M" panose="02020600000000000000" pitchFamily="18" charset="-127"/>
+            </a:endParaRPr>
           </a:p>
         </p:txBody>
       </p:sp>
@@ -11468,6 +11858,656 @@
       </p:transition>
     </mc:Fallback>
   </mc:AlternateContent>
+  <p:timing>
+    <p:tnLst>
+      <p:par>
+        <p:cTn id="1" dur="indefinite" restart="never" nodeType="tmRoot">
+          <p:childTnLst>
+            <p:seq concurrent="1" nextAc="seek">
+              <p:cTn id="2" dur="indefinite" nodeType="mainSeq">
+                <p:childTnLst>
+                  <p:par>
+                    <p:cTn id="3" fill="hold">
+                      <p:stCondLst>
+                        <p:cond delay="indefinite"/>
+                      </p:stCondLst>
+                      <p:childTnLst>
+                        <p:par>
+                          <p:cTn id="4" fill="hold">
+                            <p:stCondLst>
+                              <p:cond delay="0"/>
+                            </p:stCondLst>
+                            <p:childTnLst>
+                              <p:par>
+                                <p:cTn id="5" presetID="10" presetClass="entr" presetSubtype="0" fill="hold" grpId="0" nodeType="clickEffect">
+                                  <p:stCondLst>
+                                    <p:cond delay="0"/>
+                                  </p:stCondLst>
+                                  <p:childTnLst>
+                                    <p:set>
+                                      <p:cBhvr>
+                                        <p:cTn id="6" dur="1" fill="hold">
+                                          <p:stCondLst>
+                                            <p:cond delay="0"/>
+                                          </p:stCondLst>
+                                        </p:cTn>
+                                        <p:tgtEl>
+                                          <p:spTgt spid="8"/>
+                                        </p:tgtEl>
+                                        <p:attrNameLst>
+                                          <p:attrName>style.visibility</p:attrName>
+                                        </p:attrNameLst>
+                                      </p:cBhvr>
+                                      <p:to>
+                                        <p:strVal val="visible"/>
+                                      </p:to>
+                                    </p:set>
+                                    <p:animEffect transition="in" filter="fade">
+                                      <p:cBhvr>
+                                        <p:cTn id="7" dur="500"/>
+                                        <p:tgtEl>
+                                          <p:spTgt spid="8"/>
+                                        </p:tgtEl>
+                                      </p:cBhvr>
+                                    </p:animEffect>
+                                  </p:childTnLst>
+                                </p:cTn>
+                              </p:par>
+                            </p:childTnLst>
+                          </p:cTn>
+                        </p:par>
+                      </p:childTnLst>
+                    </p:cTn>
+                  </p:par>
+                  <p:par>
+                    <p:cTn id="8" fill="hold">
+                      <p:stCondLst>
+                        <p:cond delay="indefinite"/>
+                      </p:stCondLst>
+                      <p:childTnLst>
+                        <p:par>
+                          <p:cTn id="9" fill="hold">
+                            <p:stCondLst>
+                              <p:cond delay="0"/>
+                            </p:stCondLst>
+                            <p:childTnLst>
+                              <p:par>
+                                <p:cTn id="10" presetID="42" presetClass="entr" presetSubtype="0" fill="hold" grpId="0" nodeType="clickEffect">
+                                  <p:stCondLst>
+                                    <p:cond delay="0"/>
+                                  </p:stCondLst>
+                                  <p:childTnLst>
+                                    <p:set>
+                                      <p:cBhvr>
+                                        <p:cTn id="11" dur="1" fill="hold">
+                                          <p:stCondLst>
+                                            <p:cond delay="0"/>
+                                          </p:stCondLst>
+                                        </p:cTn>
+                                        <p:tgtEl>
+                                          <p:spTgt spid="10"/>
+                                        </p:tgtEl>
+                                        <p:attrNameLst>
+                                          <p:attrName>style.visibility</p:attrName>
+                                        </p:attrNameLst>
+                                      </p:cBhvr>
+                                      <p:to>
+                                        <p:strVal val="visible"/>
+                                      </p:to>
+                                    </p:set>
+                                    <p:animEffect transition="in" filter="fade">
+                                      <p:cBhvr>
+                                        <p:cTn id="12" dur="1000"/>
+                                        <p:tgtEl>
+                                          <p:spTgt spid="10"/>
+                                        </p:tgtEl>
+                                      </p:cBhvr>
+                                    </p:animEffect>
+                                    <p:anim calcmode="lin" valueType="num">
+                                      <p:cBhvr>
+                                        <p:cTn id="13" dur="1000" fill="hold"/>
+                                        <p:tgtEl>
+                                          <p:spTgt spid="10"/>
+                                        </p:tgtEl>
+                                        <p:attrNameLst>
+                                          <p:attrName>ppt_x</p:attrName>
+                                        </p:attrNameLst>
+                                      </p:cBhvr>
+                                      <p:tavLst>
+                                        <p:tav tm="0">
+                                          <p:val>
+                                            <p:strVal val="#ppt_x"/>
+                                          </p:val>
+                                        </p:tav>
+                                        <p:tav tm="100000">
+                                          <p:val>
+                                            <p:strVal val="#ppt_x"/>
+                                          </p:val>
+                                        </p:tav>
+                                      </p:tavLst>
+                                    </p:anim>
+                                    <p:anim calcmode="lin" valueType="num">
+                                      <p:cBhvr>
+                                        <p:cTn id="14" dur="1000" fill="hold"/>
+                                        <p:tgtEl>
+                                          <p:spTgt spid="10"/>
+                                        </p:tgtEl>
+                                        <p:attrNameLst>
+                                          <p:attrName>ppt_y</p:attrName>
+                                        </p:attrNameLst>
+                                      </p:cBhvr>
+                                      <p:tavLst>
+                                        <p:tav tm="0">
+                                          <p:val>
+                                            <p:strVal val="#ppt_y+.1"/>
+                                          </p:val>
+                                        </p:tav>
+                                        <p:tav tm="100000">
+                                          <p:val>
+                                            <p:strVal val="#ppt_y"/>
+                                          </p:val>
+                                        </p:tav>
+                                      </p:tavLst>
+                                    </p:anim>
+                                  </p:childTnLst>
+                                </p:cTn>
+                              </p:par>
+                            </p:childTnLst>
+                          </p:cTn>
+                        </p:par>
+                      </p:childTnLst>
+                    </p:cTn>
+                  </p:par>
+                  <p:par>
+                    <p:cTn id="15" fill="hold">
+                      <p:stCondLst>
+                        <p:cond delay="indefinite"/>
+                      </p:stCondLst>
+                      <p:childTnLst>
+                        <p:par>
+                          <p:cTn id="16" fill="hold">
+                            <p:stCondLst>
+                              <p:cond delay="0"/>
+                            </p:stCondLst>
+                            <p:childTnLst>
+                              <p:par>
+                                <p:cTn id="17" presetID="42" presetClass="entr" presetSubtype="0" fill="hold" grpId="0" nodeType="clickEffect">
+                                  <p:stCondLst>
+                                    <p:cond delay="0"/>
+                                  </p:stCondLst>
+                                  <p:childTnLst>
+                                    <p:set>
+                                      <p:cBhvr>
+                                        <p:cTn id="18" dur="1" fill="hold">
+                                          <p:stCondLst>
+                                            <p:cond delay="0"/>
+                                          </p:stCondLst>
+                                        </p:cTn>
+                                        <p:tgtEl>
+                                          <p:spTgt spid="16"/>
+                                        </p:tgtEl>
+                                        <p:attrNameLst>
+                                          <p:attrName>style.visibility</p:attrName>
+                                        </p:attrNameLst>
+                                      </p:cBhvr>
+                                      <p:to>
+                                        <p:strVal val="visible"/>
+                                      </p:to>
+                                    </p:set>
+                                    <p:animEffect transition="in" filter="fade">
+                                      <p:cBhvr>
+                                        <p:cTn id="19" dur="1000"/>
+                                        <p:tgtEl>
+                                          <p:spTgt spid="16"/>
+                                        </p:tgtEl>
+                                      </p:cBhvr>
+                                    </p:animEffect>
+                                    <p:anim calcmode="lin" valueType="num">
+                                      <p:cBhvr>
+                                        <p:cTn id="20" dur="1000" fill="hold"/>
+                                        <p:tgtEl>
+                                          <p:spTgt spid="16"/>
+                                        </p:tgtEl>
+                                        <p:attrNameLst>
+                                          <p:attrName>ppt_x</p:attrName>
+                                        </p:attrNameLst>
+                                      </p:cBhvr>
+                                      <p:tavLst>
+                                        <p:tav tm="0">
+                                          <p:val>
+                                            <p:strVal val="#ppt_x"/>
+                                          </p:val>
+                                        </p:tav>
+                                        <p:tav tm="100000">
+                                          <p:val>
+                                            <p:strVal val="#ppt_x"/>
+                                          </p:val>
+                                        </p:tav>
+                                      </p:tavLst>
+                                    </p:anim>
+                                    <p:anim calcmode="lin" valueType="num">
+                                      <p:cBhvr>
+                                        <p:cTn id="21" dur="1000" fill="hold"/>
+                                        <p:tgtEl>
+                                          <p:spTgt spid="16"/>
+                                        </p:tgtEl>
+                                        <p:attrNameLst>
+                                          <p:attrName>ppt_y</p:attrName>
+                                        </p:attrNameLst>
+                                      </p:cBhvr>
+                                      <p:tavLst>
+                                        <p:tav tm="0">
+                                          <p:val>
+                                            <p:strVal val="#ppt_y+.1"/>
+                                          </p:val>
+                                        </p:tav>
+                                        <p:tav tm="100000">
+                                          <p:val>
+                                            <p:strVal val="#ppt_y"/>
+                                          </p:val>
+                                        </p:tav>
+                                      </p:tavLst>
+                                    </p:anim>
+                                  </p:childTnLst>
+                                </p:cTn>
+                              </p:par>
+                            </p:childTnLst>
+                          </p:cTn>
+                        </p:par>
+                      </p:childTnLst>
+                    </p:cTn>
+                  </p:par>
+                  <p:par>
+                    <p:cTn id="22" fill="hold">
+                      <p:stCondLst>
+                        <p:cond delay="indefinite"/>
+                      </p:stCondLst>
+                      <p:childTnLst>
+                        <p:par>
+                          <p:cTn id="23" fill="hold">
+                            <p:stCondLst>
+                              <p:cond delay="0"/>
+                            </p:stCondLst>
+                            <p:childTnLst>
+                              <p:par>
+                                <p:cTn id="24" presetID="42" presetClass="entr" presetSubtype="0" fill="hold" grpId="0" nodeType="clickEffect">
+                                  <p:stCondLst>
+                                    <p:cond delay="0"/>
+                                  </p:stCondLst>
+                                  <p:childTnLst>
+                                    <p:set>
+                                      <p:cBhvr>
+                                        <p:cTn id="25" dur="1" fill="hold">
+                                          <p:stCondLst>
+                                            <p:cond delay="0"/>
+                                          </p:stCondLst>
+                                        </p:cTn>
+                                        <p:tgtEl>
+                                          <p:spTgt spid="18"/>
+                                        </p:tgtEl>
+                                        <p:attrNameLst>
+                                          <p:attrName>style.visibility</p:attrName>
+                                        </p:attrNameLst>
+                                      </p:cBhvr>
+                                      <p:to>
+                                        <p:strVal val="visible"/>
+                                      </p:to>
+                                    </p:set>
+                                    <p:animEffect transition="in" filter="fade">
+                                      <p:cBhvr>
+                                        <p:cTn id="26" dur="1000"/>
+                                        <p:tgtEl>
+                                          <p:spTgt spid="18"/>
+                                        </p:tgtEl>
+                                      </p:cBhvr>
+                                    </p:animEffect>
+                                    <p:anim calcmode="lin" valueType="num">
+                                      <p:cBhvr>
+                                        <p:cTn id="27" dur="1000" fill="hold"/>
+                                        <p:tgtEl>
+                                          <p:spTgt spid="18"/>
+                                        </p:tgtEl>
+                                        <p:attrNameLst>
+                                          <p:attrName>ppt_x</p:attrName>
+                                        </p:attrNameLst>
+                                      </p:cBhvr>
+                                      <p:tavLst>
+                                        <p:tav tm="0">
+                                          <p:val>
+                                            <p:strVal val="#ppt_x"/>
+                                          </p:val>
+                                        </p:tav>
+                                        <p:tav tm="100000">
+                                          <p:val>
+                                            <p:strVal val="#ppt_x"/>
+                                          </p:val>
+                                        </p:tav>
+                                      </p:tavLst>
+                                    </p:anim>
+                                    <p:anim calcmode="lin" valueType="num">
+                                      <p:cBhvr>
+                                        <p:cTn id="28" dur="1000" fill="hold"/>
+                                        <p:tgtEl>
+                                          <p:spTgt spid="18"/>
+                                        </p:tgtEl>
+                                        <p:attrNameLst>
+                                          <p:attrName>ppt_y</p:attrName>
+                                        </p:attrNameLst>
+                                      </p:cBhvr>
+                                      <p:tavLst>
+                                        <p:tav tm="0">
+                                          <p:val>
+                                            <p:strVal val="#ppt_y+.1"/>
+                                          </p:val>
+                                        </p:tav>
+                                        <p:tav tm="100000">
+                                          <p:val>
+                                            <p:strVal val="#ppt_y"/>
+                                          </p:val>
+                                        </p:tav>
+                                      </p:tavLst>
+                                    </p:anim>
+                                  </p:childTnLst>
+                                </p:cTn>
+                              </p:par>
+                            </p:childTnLst>
+                          </p:cTn>
+                        </p:par>
+                      </p:childTnLst>
+                    </p:cTn>
+                  </p:par>
+                  <p:par>
+                    <p:cTn id="29" fill="hold">
+                      <p:stCondLst>
+                        <p:cond delay="indefinite"/>
+                      </p:stCondLst>
+                      <p:childTnLst>
+                        <p:par>
+                          <p:cTn id="30" fill="hold">
+                            <p:stCondLst>
+                              <p:cond delay="0"/>
+                            </p:stCondLst>
+                            <p:childTnLst>
+                              <p:par>
+                                <p:cTn id="31" presetID="42" presetClass="entr" presetSubtype="0" fill="hold" grpId="0" nodeType="clickEffect">
+                                  <p:stCondLst>
+                                    <p:cond delay="0"/>
+                                  </p:stCondLst>
+                                  <p:childTnLst>
+                                    <p:set>
+                                      <p:cBhvr>
+                                        <p:cTn id="32" dur="1" fill="hold">
+                                          <p:stCondLst>
+                                            <p:cond delay="0"/>
+                                          </p:stCondLst>
+                                        </p:cTn>
+                                        <p:tgtEl>
+                                          <p:spTgt spid="11"/>
+                                        </p:tgtEl>
+                                        <p:attrNameLst>
+                                          <p:attrName>style.visibility</p:attrName>
+                                        </p:attrNameLst>
+                                      </p:cBhvr>
+                                      <p:to>
+                                        <p:strVal val="visible"/>
+                                      </p:to>
+                                    </p:set>
+                                    <p:animEffect transition="in" filter="fade">
+                                      <p:cBhvr>
+                                        <p:cTn id="33" dur="1000"/>
+                                        <p:tgtEl>
+                                          <p:spTgt spid="11"/>
+                                        </p:tgtEl>
+                                      </p:cBhvr>
+                                    </p:animEffect>
+                                    <p:anim calcmode="lin" valueType="num">
+                                      <p:cBhvr>
+                                        <p:cTn id="34" dur="1000" fill="hold"/>
+                                        <p:tgtEl>
+                                          <p:spTgt spid="11"/>
+                                        </p:tgtEl>
+                                        <p:attrNameLst>
+                                          <p:attrName>ppt_x</p:attrName>
+                                        </p:attrNameLst>
+                                      </p:cBhvr>
+                                      <p:tavLst>
+                                        <p:tav tm="0">
+                                          <p:val>
+                                            <p:strVal val="#ppt_x"/>
+                                          </p:val>
+                                        </p:tav>
+                                        <p:tav tm="100000">
+                                          <p:val>
+                                            <p:strVal val="#ppt_x"/>
+                                          </p:val>
+                                        </p:tav>
+                                      </p:tavLst>
+                                    </p:anim>
+                                    <p:anim calcmode="lin" valueType="num">
+                                      <p:cBhvr>
+                                        <p:cTn id="35" dur="1000" fill="hold"/>
+                                        <p:tgtEl>
+                                          <p:spTgt spid="11"/>
+                                        </p:tgtEl>
+                                        <p:attrNameLst>
+                                          <p:attrName>ppt_y</p:attrName>
+                                        </p:attrNameLst>
+                                      </p:cBhvr>
+                                      <p:tavLst>
+                                        <p:tav tm="0">
+                                          <p:val>
+                                            <p:strVal val="#ppt_y+.1"/>
+                                          </p:val>
+                                        </p:tav>
+                                        <p:tav tm="100000">
+                                          <p:val>
+                                            <p:strVal val="#ppt_y"/>
+                                          </p:val>
+                                        </p:tav>
+                                      </p:tavLst>
+                                    </p:anim>
+                                  </p:childTnLst>
+                                </p:cTn>
+                              </p:par>
+                              <p:par>
+                                <p:cTn id="36" presetID="42" presetClass="entr" presetSubtype="0" fill="hold" grpId="0" nodeType="withEffect">
+                                  <p:stCondLst>
+                                    <p:cond delay="0"/>
+                                  </p:stCondLst>
+                                  <p:childTnLst>
+                                    <p:set>
+                                      <p:cBhvr>
+                                        <p:cTn id="37" dur="1" fill="hold">
+                                          <p:stCondLst>
+                                            <p:cond delay="0"/>
+                                          </p:stCondLst>
+                                        </p:cTn>
+                                        <p:tgtEl>
+                                          <p:spTgt spid="12"/>
+                                        </p:tgtEl>
+                                        <p:attrNameLst>
+                                          <p:attrName>style.visibility</p:attrName>
+                                        </p:attrNameLst>
+                                      </p:cBhvr>
+                                      <p:to>
+                                        <p:strVal val="visible"/>
+                                      </p:to>
+                                    </p:set>
+                                    <p:animEffect transition="in" filter="fade">
+                                      <p:cBhvr>
+                                        <p:cTn id="38" dur="1000"/>
+                                        <p:tgtEl>
+                                          <p:spTgt spid="12"/>
+                                        </p:tgtEl>
+                                      </p:cBhvr>
+                                    </p:animEffect>
+                                    <p:anim calcmode="lin" valueType="num">
+                                      <p:cBhvr>
+                                        <p:cTn id="39" dur="1000" fill="hold"/>
+                                        <p:tgtEl>
+                                          <p:spTgt spid="12"/>
+                                        </p:tgtEl>
+                                        <p:attrNameLst>
+                                          <p:attrName>ppt_x</p:attrName>
+                                        </p:attrNameLst>
+                                      </p:cBhvr>
+                                      <p:tavLst>
+                                        <p:tav tm="0">
+                                          <p:val>
+                                            <p:strVal val="#ppt_x"/>
+                                          </p:val>
+                                        </p:tav>
+                                        <p:tav tm="100000">
+                                          <p:val>
+                                            <p:strVal val="#ppt_x"/>
+                                          </p:val>
+                                        </p:tav>
+                                      </p:tavLst>
+                                    </p:anim>
+                                    <p:anim calcmode="lin" valueType="num">
+                                      <p:cBhvr>
+                                        <p:cTn id="40" dur="1000" fill="hold"/>
+                                        <p:tgtEl>
+                                          <p:spTgt spid="12"/>
+                                        </p:tgtEl>
+                                        <p:attrNameLst>
+                                          <p:attrName>ppt_y</p:attrName>
+                                        </p:attrNameLst>
+                                      </p:cBhvr>
+                                      <p:tavLst>
+                                        <p:tav tm="0">
+                                          <p:val>
+                                            <p:strVal val="#ppt_y+.1"/>
+                                          </p:val>
+                                        </p:tav>
+                                        <p:tav tm="100000">
+                                          <p:val>
+                                            <p:strVal val="#ppt_y"/>
+                                          </p:val>
+                                        </p:tav>
+                                      </p:tavLst>
+                                    </p:anim>
+                                  </p:childTnLst>
+                                </p:cTn>
+                              </p:par>
+                              <p:par>
+                                <p:cTn id="41" presetID="42" presetClass="entr" presetSubtype="0" fill="hold" grpId="0" nodeType="withEffect">
+                                  <p:stCondLst>
+                                    <p:cond delay="0"/>
+                                  </p:stCondLst>
+                                  <p:childTnLst>
+                                    <p:set>
+                                      <p:cBhvr>
+                                        <p:cTn id="42" dur="1" fill="hold">
+                                          <p:stCondLst>
+                                            <p:cond delay="0"/>
+                                          </p:stCondLst>
+                                        </p:cTn>
+                                        <p:tgtEl>
+                                          <p:spTgt spid="13"/>
+                                        </p:tgtEl>
+                                        <p:attrNameLst>
+                                          <p:attrName>style.visibility</p:attrName>
+                                        </p:attrNameLst>
+                                      </p:cBhvr>
+                                      <p:to>
+                                        <p:strVal val="visible"/>
+                                      </p:to>
+                                    </p:set>
+                                    <p:animEffect transition="in" filter="fade">
+                                      <p:cBhvr>
+                                        <p:cTn id="43" dur="1000"/>
+                                        <p:tgtEl>
+                                          <p:spTgt spid="13"/>
+                                        </p:tgtEl>
+                                      </p:cBhvr>
+                                    </p:animEffect>
+                                    <p:anim calcmode="lin" valueType="num">
+                                      <p:cBhvr>
+                                        <p:cTn id="44" dur="1000" fill="hold"/>
+                                        <p:tgtEl>
+                                          <p:spTgt spid="13"/>
+                                        </p:tgtEl>
+                                        <p:attrNameLst>
+                                          <p:attrName>ppt_x</p:attrName>
+                                        </p:attrNameLst>
+                                      </p:cBhvr>
+                                      <p:tavLst>
+                                        <p:tav tm="0">
+                                          <p:val>
+                                            <p:strVal val="#ppt_x"/>
+                                          </p:val>
+                                        </p:tav>
+                                        <p:tav tm="100000">
+                                          <p:val>
+                                            <p:strVal val="#ppt_x"/>
+                                          </p:val>
+                                        </p:tav>
+                                      </p:tavLst>
+                                    </p:anim>
+                                    <p:anim calcmode="lin" valueType="num">
+                                      <p:cBhvr>
+                                        <p:cTn id="45" dur="1000" fill="hold"/>
+                                        <p:tgtEl>
+                                          <p:spTgt spid="13"/>
+                                        </p:tgtEl>
+                                        <p:attrNameLst>
+                                          <p:attrName>ppt_y</p:attrName>
+                                        </p:attrNameLst>
+                                      </p:cBhvr>
+                                      <p:tavLst>
+                                        <p:tav tm="0">
+                                          <p:val>
+                                            <p:strVal val="#ppt_y+.1"/>
+                                          </p:val>
+                                        </p:tav>
+                                        <p:tav tm="100000">
+                                          <p:val>
+                                            <p:strVal val="#ppt_y"/>
+                                          </p:val>
+                                        </p:tav>
+                                      </p:tavLst>
+                                    </p:anim>
+                                  </p:childTnLst>
+                                </p:cTn>
+                              </p:par>
+                            </p:childTnLst>
+                          </p:cTn>
+                        </p:par>
+                      </p:childTnLst>
+                    </p:cTn>
+                  </p:par>
+                </p:childTnLst>
+              </p:cTn>
+              <p:prevCondLst>
+                <p:cond evt="onPrev" delay="0">
+                  <p:tgtEl>
+                    <p:sldTgt/>
+                  </p:tgtEl>
+                </p:cond>
+              </p:prevCondLst>
+              <p:nextCondLst>
+                <p:cond evt="onNext" delay="0">
+                  <p:tgtEl>
+                    <p:sldTgt/>
+                  </p:tgtEl>
+                </p:cond>
+              </p:nextCondLst>
+            </p:seq>
+          </p:childTnLst>
+        </p:cTn>
+      </p:par>
+    </p:tnLst>
+    <p:bldLst>
+      <p:bldP spid="8" grpId="0"/>
+      <p:bldP spid="10" grpId="0"/>
+      <p:bldP spid="11" grpId="0"/>
+      <p:bldP spid="12" grpId="0" animBg="1"/>
+      <p:bldP spid="13" grpId="0" animBg="1"/>
+      <p:bldP spid="16" grpId="0"/>
+      <p:bldP spid="18" grpId="0"/>
+    </p:bldLst>
+  </p:timing>
 </p:sld>
 </file>
 
@@ -11796,7 +12836,7 @@
           <p:cNvPr id="18" name="TextBox 17">
             <a:extLst>
               <a:ext uri="{FF2B5EF4-FFF2-40B4-BE49-F238E27FC236}">
-                <a16:creationId xmlns:a16="http://schemas.microsoft.com/office/drawing/2014/main" xmlns="" id="{1154ED04-B383-4F9E-BF8D-1E01A0EF669B}"/>
+                <a16:creationId xmlns="" xmlns:a16="http://schemas.microsoft.com/office/drawing/2014/main" id="{1154ED04-B383-4F9E-BF8D-1E01A0EF669B}"/>
               </a:ext>
             </a:extLst>
           </p:cNvPr>
@@ -11933,7 +12973,7 @@
           <p:cNvPr id="20" name="직사각형 19">
             <a:extLst>
               <a:ext uri="{FF2B5EF4-FFF2-40B4-BE49-F238E27FC236}">
-                <a16:creationId xmlns:a16="http://schemas.microsoft.com/office/drawing/2014/main" xmlns="" id="{CCA0A734-F176-4BA9-9185-901DAF22B5B5}"/>
+                <a16:creationId xmlns="" xmlns:a16="http://schemas.microsoft.com/office/drawing/2014/main" id="{CCA0A734-F176-4BA9-9185-901DAF22B5B5}"/>
               </a:ext>
             </a:extLst>
           </p:cNvPr>
@@ -12016,7 +13056,7 @@
           <p:cNvPr id="21" name="그림 20">
             <a:extLst>
               <a:ext uri="{FF2B5EF4-FFF2-40B4-BE49-F238E27FC236}">
-                <a16:creationId xmlns:a16="http://schemas.microsoft.com/office/drawing/2014/main" xmlns="" id="{C8FEC430-7525-4774-BB40-2A7C8BE07D9B}"/>
+                <a16:creationId xmlns="" xmlns:a16="http://schemas.microsoft.com/office/drawing/2014/main" id="{C8FEC430-7525-4774-BB40-2A7C8BE07D9B}"/>
               </a:ext>
             </a:extLst>
           </p:cNvPr>
@@ -12078,7 +13118,7 @@
           <p:cNvPr id="2" name="Picture 2" descr="웹에 대한 이미지 검색결과">
             <a:extLst>
               <a:ext uri="{FF2B5EF4-FFF2-40B4-BE49-F238E27FC236}">
-                <a16:creationId xmlns:a16="http://schemas.microsoft.com/office/drawing/2014/main" xmlns="" id="{0882EBCC-F7FB-4301-AB46-E7304FF15ED8}"/>
+                <a16:creationId xmlns="" xmlns:a16="http://schemas.microsoft.com/office/drawing/2014/main" id="{0882EBCC-F7FB-4301-AB46-E7304FF15ED8}"/>
               </a:ext>
             </a:extLst>
           </p:cNvPr>
@@ -12850,7 +13890,7 @@
           <p:cNvPr id="25" name="TextBox 24">
             <a:extLst>
               <a:ext uri="{FF2B5EF4-FFF2-40B4-BE49-F238E27FC236}">
-                <a16:creationId xmlns:a16="http://schemas.microsoft.com/office/drawing/2014/main" xmlns="" id="{52A461B7-B030-4F56-85EF-33E68F5BDF20}"/>
+                <a16:creationId xmlns="" xmlns:a16="http://schemas.microsoft.com/office/drawing/2014/main" id="{52A461B7-B030-4F56-85EF-33E68F5BDF20}"/>
               </a:ext>
             </a:extLst>
           </p:cNvPr>
@@ -12933,6 +13973,13 @@
       </p:transition>
     </mc:Fallback>
   </mc:AlternateContent>
+  <p:timing>
+    <p:tnLst>
+      <p:par>
+        <p:cTn id="1" dur="indefinite" restart="never" nodeType="tmRoot"/>
+      </p:par>
+    </p:tnLst>
+  </p:timing>
 </p:sld>
 </file>
 
@@ -13460,7 +14507,7 @@
           <p:cNvPr id="25" name="TextBox 24">
             <a:extLst>
               <a:ext uri="{FF2B5EF4-FFF2-40B4-BE49-F238E27FC236}">
-                <a16:creationId xmlns:a16="http://schemas.microsoft.com/office/drawing/2014/main" xmlns="" id="{52A461B7-B030-4F56-85EF-33E68F5BDF20}"/>
+                <a16:creationId xmlns="" xmlns:a16="http://schemas.microsoft.com/office/drawing/2014/main" id="{52A461B7-B030-4F56-85EF-33E68F5BDF20}"/>
               </a:ext>
             </a:extLst>
           </p:cNvPr>
@@ -13577,6 +14624,13 @@
       </p:transition>
     </mc:Fallback>
   </mc:AlternateContent>
+  <p:timing>
+    <p:tnLst>
+      <p:par>
+        <p:cTn id="1" dur="indefinite" restart="never" nodeType="tmRoot"/>
+      </p:par>
+    </p:tnLst>
+  </p:timing>
 </p:sld>
 </file>
 
@@ -14104,7 +15158,7 @@
           <p:cNvPr id="25" name="TextBox 24">
             <a:extLst>
               <a:ext uri="{FF2B5EF4-FFF2-40B4-BE49-F238E27FC236}">
-                <a16:creationId xmlns:a16="http://schemas.microsoft.com/office/drawing/2014/main" xmlns="" id="{52A461B7-B030-4F56-85EF-33E68F5BDF20}"/>
+                <a16:creationId xmlns="" xmlns:a16="http://schemas.microsoft.com/office/drawing/2014/main" id="{52A461B7-B030-4F56-85EF-33E68F5BDF20}"/>
               </a:ext>
             </a:extLst>
           </p:cNvPr>
@@ -14187,6 +15241,13 @@
       </p:transition>
     </mc:Fallback>
   </mc:AlternateContent>
+  <p:timing>
+    <p:tnLst>
+      <p:par>
+        <p:cTn id="1" dur="indefinite" restart="never" nodeType="tmRoot"/>
+      </p:par>
+    </p:tnLst>
+  </p:timing>
 </p:sld>
 </file>
 
@@ -14212,7 +15273,7 @@
           <p:cNvPr id="19" name="직사각형 18">
             <a:extLst>
               <a:ext uri="{FF2B5EF4-FFF2-40B4-BE49-F238E27FC236}">
-                <a16:creationId xmlns:a16="http://schemas.microsoft.com/office/drawing/2014/main" xmlns="" id="{5A9DFCA2-7204-4079-BA31-0C68BC1C466F}"/>
+                <a16:creationId xmlns="" xmlns:a16="http://schemas.microsoft.com/office/drawing/2014/main" id="{5A9DFCA2-7204-4079-BA31-0C68BC1C466F}"/>
               </a:ext>
             </a:extLst>
           </p:cNvPr>
@@ -14757,7 +15818,7 @@
           <p:cNvPr id="25" name="TextBox 24">
             <a:extLst>
               <a:ext uri="{FF2B5EF4-FFF2-40B4-BE49-F238E27FC236}">
-                <a16:creationId xmlns:a16="http://schemas.microsoft.com/office/drawing/2014/main" xmlns="" id="{52A461B7-B030-4F56-85EF-33E68F5BDF20}"/>
+                <a16:creationId xmlns="" xmlns:a16="http://schemas.microsoft.com/office/drawing/2014/main" id="{52A461B7-B030-4F56-85EF-33E68F5BDF20}"/>
               </a:ext>
             </a:extLst>
           </p:cNvPr>
@@ -14823,7 +15884,7 @@
           <p:cNvPr id="20" name="직각 삼각형 19">
             <a:extLst>
               <a:ext uri="{FF2B5EF4-FFF2-40B4-BE49-F238E27FC236}">
-                <a16:creationId xmlns:a16="http://schemas.microsoft.com/office/drawing/2014/main" xmlns="" id="{251FFCAF-5699-41D7-8AF8-89296D130BB2}"/>
+                <a16:creationId xmlns="" xmlns:a16="http://schemas.microsoft.com/office/drawing/2014/main" id="{251FFCAF-5699-41D7-8AF8-89296D130BB2}"/>
               </a:ext>
             </a:extLst>
           </p:cNvPr>
@@ -14877,7 +15938,7 @@
           <p:cNvPr id="26" name="TextBox 25">
             <a:extLst>
               <a:ext uri="{FF2B5EF4-FFF2-40B4-BE49-F238E27FC236}">
-                <a16:creationId xmlns:a16="http://schemas.microsoft.com/office/drawing/2014/main" xmlns="" id="{66FBCFD8-1EED-41F1-AB67-38165883F23C}"/>
+                <a16:creationId xmlns="" xmlns:a16="http://schemas.microsoft.com/office/drawing/2014/main" id="{66FBCFD8-1EED-41F1-AB67-38165883F23C}"/>
               </a:ext>
             </a:extLst>
           </p:cNvPr>
@@ -14977,7 +16038,7 @@
           <p:cNvPr id="27" name="TextBox 26">
             <a:extLst>
               <a:ext uri="{FF2B5EF4-FFF2-40B4-BE49-F238E27FC236}">
-                <a16:creationId xmlns:a16="http://schemas.microsoft.com/office/drawing/2014/main" xmlns="" id="{D2956573-39C1-49EE-A326-37F415D4308B}"/>
+                <a16:creationId xmlns="" xmlns:a16="http://schemas.microsoft.com/office/drawing/2014/main" id="{D2956573-39C1-49EE-A326-37F415D4308B}"/>
               </a:ext>
             </a:extLst>
           </p:cNvPr>
@@ -15043,7 +16104,7 @@
           <p:cNvPr id="29" name="TextBox 28">
             <a:extLst>
               <a:ext uri="{FF2B5EF4-FFF2-40B4-BE49-F238E27FC236}">
-                <a16:creationId xmlns:a16="http://schemas.microsoft.com/office/drawing/2014/main" xmlns="" id="{78483953-F8BC-4C9E-B3F8-C5833CAB0FF1}"/>
+                <a16:creationId xmlns="" xmlns:a16="http://schemas.microsoft.com/office/drawing/2014/main" id="{78483953-F8BC-4C9E-B3F8-C5833CAB0FF1}"/>
               </a:ext>
             </a:extLst>
           </p:cNvPr>
@@ -15160,6 +16221,13 @@
       </p:transition>
     </mc:Fallback>
   </mc:AlternateContent>
+  <p:timing>
+    <p:tnLst>
+      <p:par>
+        <p:cTn id="1" dur="indefinite" restart="never" nodeType="tmRoot"/>
+      </p:par>
+    </p:tnLst>
+  </p:timing>
 </p:sld>
 </file>
 
